--- a/fig/fig.pptx
+++ b/fig/fig.pptx
@@ -4,8 +4,12 @@
   <p:sldMasterIdLst>
     <p:sldMasterId id="2147483648" r:id="rId1"/>
   </p:sldMasterIdLst>
+  <p:notesMasterIdLst>
+    <p:notesMasterId r:id="rId4"/>
+  </p:notesMasterIdLst>
   <p:sldIdLst>
     <p:sldId id="256" r:id="rId2"/>
+    <p:sldId id="257" r:id="rId3"/>
   </p:sldIdLst>
   <p:sldSz cx="12192000" cy="6858000"/>
   <p:notesSz cx="6858000" cy="9144000"/>
@@ -112,6 +116,472 @@
 </p:presentation>
 </file>
 
+<file path=ppt/notesMasters/notesMaster1.xml><?xml version="1.0" encoding="utf-8"?>
+<p:notesMaster xmlns:a="http://schemas.openxmlformats.org/drawingml/2006/main" xmlns:r="http://schemas.openxmlformats.org/officeDocument/2006/relationships" xmlns:p="http://schemas.openxmlformats.org/presentationml/2006/main">
+  <p:cSld>
+    <p:bg>
+      <p:bgRef idx="1001">
+        <a:schemeClr val="bg1"/>
+      </p:bgRef>
+    </p:bg>
+    <p:spTree>
+      <p:nvGrpSpPr>
+        <p:cNvPr id="1" name=""/>
+        <p:cNvGrpSpPr/>
+        <p:nvPr/>
+      </p:nvGrpSpPr>
+      <p:grpSpPr>
+        <a:xfrm>
+          <a:off x="0" y="0"/>
+          <a:ext cx="0" cy="0"/>
+          <a:chOff x="0" y="0"/>
+          <a:chExt cx="0" cy="0"/>
+        </a:xfrm>
+      </p:grpSpPr>
+      <p:sp>
+        <p:nvSpPr>
+          <p:cNvPr id="2" name="ヘッダー プレースホルダー 1"/>
+          <p:cNvSpPr>
+            <a:spLocks noGrp="1"/>
+          </p:cNvSpPr>
+          <p:nvPr>
+            <p:ph type="hdr" sz="quarter"/>
+          </p:nvPr>
+        </p:nvSpPr>
+        <p:spPr>
+          <a:xfrm>
+            <a:off x="0" y="0"/>
+            <a:ext cx="2971800" cy="458788"/>
+          </a:xfrm>
+          <a:prstGeom prst="rect">
+            <a:avLst/>
+          </a:prstGeom>
+        </p:spPr>
+        <p:txBody>
+          <a:bodyPr vert="horz" lIns="91440" tIns="45720" rIns="91440" bIns="45720" rtlCol="0"/>
+          <a:lstStyle>
+            <a:lvl1pPr algn="l">
+              <a:defRPr sz="1200"/>
+            </a:lvl1pPr>
+          </a:lstStyle>
+          <a:p>
+            <a:endParaRPr kumimoji="1" lang="ja-JP" altLang="en-US"/>
+          </a:p>
+        </p:txBody>
+      </p:sp>
+      <p:sp>
+        <p:nvSpPr>
+          <p:cNvPr id="3" name="日付プレースホルダー 2"/>
+          <p:cNvSpPr>
+            <a:spLocks noGrp="1"/>
+          </p:cNvSpPr>
+          <p:nvPr>
+            <p:ph type="dt" idx="1"/>
+          </p:nvPr>
+        </p:nvSpPr>
+        <p:spPr>
+          <a:xfrm>
+            <a:off x="3884613" y="0"/>
+            <a:ext cx="2971800" cy="458788"/>
+          </a:xfrm>
+          <a:prstGeom prst="rect">
+            <a:avLst/>
+          </a:prstGeom>
+        </p:spPr>
+        <p:txBody>
+          <a:bodyPr vert="horz" lIns="91440" tIns="45720" rIns="91440" bIns="45720" rtlCol="0"/>
+          <a:lstStyle>
+            <a:lvl1pPr algn="r">
+              <a:defRPr sz="1200"/>
+            </a:lvl1pPr>
+          </a:lstStyle>
+          <a:p>
+            <a:fld id="{5132F9E5-22C7-4D67-BFE7-9836B898E847}" type="datetimeFigureOut">
+              <a:rPr kumimoji="1" lang="ja-JP" altLang="en-US" smtClean="0"/>
+              <a:t>2018/1/17</a:t>
+            </a:fld>
+            <a:endParaRPr kumimoji="1" lang="ja-JP" altLang="en-US"/>
+          </a:p>
+        </p:txBody>
+      </p:sp>
+      <p:sp>
+        <p:nvSpPr>
+          <p:cNvPr id="4" name="スライド イメージ プレースホルダー 3"/>
+          <p:cNvSpPr>
+            <a:spLocks noGrp="1" noRot="1" noChangeAspect="1"/>
+          </p:cNvSpPr>
+          <p:nvPr>
+            <p:ph type="sldImg" idx="2"/>
+          </p:nvPr>
+        </p:nvSpPr>
+        <p:spPr>
+          <a:xfrm>
+            <a:off x="685800" y="1143000"/>
+            <a:ext cx="5486400" cy="3086100"/>
+          </a:xfrm>
+          <a:prstGeom prst="rect">
+            <a:avLst/>
+          </a:prstGeom>
+          <a:noFill/>
+          <a:ln w="12700">
+            <a:solidFill>
+              <a:prstClr val="black"/>
+            </a:solidFill>
+          </a:ln>
+        </p:spPr>
+        <p:txBody>
+          <a:bodyPr vert="horz" lIns="91440" tIns="45720" rIns="91440" bIns="45720" rtlCol="0" anchor="ctr"/>
+          <a:lstStyle/>
+          <a:p>
+            <a:endParaRPr lang="ja-JP" altLang="en-US"/>
+          </a:p>
+        </p:txBody>
+      </p:sp>
+      <p:sp>
+        <p:nvSpPr>
+          <p:cNvPr id="5" name="ノート プレースホルダー 4"/>
+          <p:cNvSpPr>
+            <a:spLocks noGrp="1"/>
+          </p:cNvSpPr>
+          <p:nvPr>
+            <p:ph type="body" sz="quarter" idx="3"/>
+          </p:nvPr>
+        </p:nvSpPr>
+        <p:spPr>
+          <a:xfrm>
+            <a:off x="685800" y="4400550"/>
+            <a:ext cx="5486400" cy="3600450"/>
+          </a:xfrm>
+          <a:prstGeom prst="rect">
+            <a:avLst/>
+          </a:prstGeom>
+        </p:spPr>
+        <p:txBody>
+          <a:bodyPr vert="horz" lIns="91440" tIns="45720" rIns="91440" bIns="45720" rtlCol="0"/>
+          <a:lstStyle/>
+          <a:p>
+            <a:pPr lvl="0"/>
+            <a:r>
+              <a:rPr kumimoji="1" lang="ja-JP" altLang="en-US" smtClean="0"/>
+              <a:t>マスター テキストの書式設定</a:t>
+            </a:r>
+          </a:p>
+          <a:p>
+            <a:pPr lvl="1"/>
+            <a:r>
+              <a:rPr kumimoji="1" lang="ja-JP" altLang="en-US" smtClean="0"/>
+              <a:t>第 </a:t>
+            </a:r>
+            <a:r>
+              <a:rPr kumimoji="1" lang="en-US" altLang="ja-JP" smtClean="0"/>
+              <a:t>2 </a:t>
+            </a:r>
+            <a:r>
+              <a:rPr kumimoji="1" lang="ja-JP" altLang="en-US" smtClean="0"/>
+              <a:t>レベル</a:t>
+            </a:r>
+          </a:p>
+          <a:p>
+            <a:pPr lvl="2"/>
+            <a:r>
+              <a:rPr kumimoji="1" lang="ja-JP" altLang="en-US" smtClean="0"/>
+              <a:t>第 </a:t>
+            </a:r>
+            <a:r>
+              <a:rPr kumimoji="1" lang="en-US" altLang="ja-JP" smtClean="0"/>
+              <a:t>3 </a:t>
+            </a:r>
+            <a:r>
+              <a:rPr kumimoji="1" lang="ja-JP" altLang="en-US" smtClean="0"/>
+              <a:t>レベル</a:t>
+            </a:r>
+          </a:p>
+          <a:p>
+            <a:pPr lvl="3"/>
+            <a:r>
+              <a:rPr kumimoji="1" lang="ja-JP" altLang="en-US" smtClean="0"/>
+              <a:t>第 </a:t>
+            </a:r>
+            <a:r>
+              <a:rPr kumimoji="1" lang="en-US" altLang="ja-JP" smtClean="0"/>
+              <a:t>4 </a:t>
+            </a:r>
+            <a:r>
+              <a:rPr kumimoji="1" lang="ja-JP" altLang="en-US" smtClean="0"/>
+              <a:t>レベル</a:t>
+            </a:r>
+          </a:p>
+          <a:p>
+            <a:pPr lvl="4"/>
+            <a:r>
+              <a:rPr kumimoji="1" lang="ja-JP" altLang="en-US" smtClean="0"/>
+              <a:t>第 </a:t>
+            </a:r>
+            <a:r>
+              <a:rPr kumimoji="1" lang="en-US" altLang="ja-JP" smtClean="0"/>
+              <a:t>5 </a:t>
+            </a:r>
+            <a:r>
+              <a:rPr kumimoji="1" lang="ja-JP" altLang="en-US" smtClean="0"/>
+              <a:t>レベル</a:t>
+            </a:r>
+            <a:endParaRPr kumimoji="1" lang="ja-JP" altLang="en-US"/>
+          </a:p>
+        </p:txBody>
+      </p:sp>
+      <p:sp>
+        <p:nvSpPr>
+          <p:cNvPr id="6" name="フッター プレースホルダー 5"/>
+          <p:cNvSpPr>
+            <a:spLocks noGrp="1"/>
+          </p:cNvSpPr>
+          <p:nvPr>
+            <p:ph type="ftr" sz="quarter" idx="4"/>
+          </p:nvPr>
+        </p:nvSpPr>
+        <p:spPr>
+          <a:xfrm>
+            <a:off x="0" y="8685213"/>
+            <a:ext cx="2971800" cy="458787"/>
+          </a:xfrm>
+          <a:prstGeom prst="rect">
+            <a:avLst/>
+          </a:prstGeom>
+        </p:spPr>
+        <p:txBody>
+          <a:bodyPr vert="horz" lIns="91440" tIns="45720" rIns="91440" bIns="45720" rtlCol="0" anchor="b"/>
+          <a:lstStyle>
+            <a:lvl1pPr algn="l">
+              <a:defRPr sz="1200"/>
+            </a:lvl1pPr>
+          </a:lstStyle>
+          <a:p>
+            <a:endParaRPr kumimoji="1" lang="ja-JP" altLang="en-US"/>
+          </a:p>
+        </p:txBody>
+      </p:sp>
+      <p:sp>
+        <p:nvSpPr>
+          <p:cNvPr id="7" name="スライド番号プレースホルダー 6"/>
+          <p:cNvSpPr>
+            <a:spLocks noGrp="1"/>
+          </p:cNvSpPr>
+          <p:nvPr>
+            <p:ph type="sldNum" sz="quarter" idx="5"/>
+          </p:nvPr>
+        </p:nvSpPr>
+        <p:spPr>
+          <a:xfrm>
+            <a:off x="3884613" y="8685213"/>
+            <a:ext cx="2971800" cy="458787"/>
+          </a:xfrm>
+          <a:prstGeom prst="rect">
+            <a:avLst/>
+          </a:prstGeom>
+        </p:spPr>
+        <p:txBody>
+          <a:bodyPr vert="horz" lIns="91440" tIns="45720" rIns="91440" bIns="45720" rtlCol="0" anchor="b"/>
+          <a:lstStyle>
+            <a:lvl1pPr algn="r">
+              <a:defRPr sz="1200"/>
+            </a:lvl1pPr>
+          </a:lstStyle>
+          <a:p>
+            <a:fld id="{C0318F1B-9A91-4E6A-A3A3-2BB71CD430DC}" type="slidenum">
+              <a:rPr kumimoji="1" lang="ja-JP" altLang="en-US" smtClean="0"/>
+              <a:t>‹#›</a:t>
+            </a:fld>
+            <a:endParaRPr kumimoji="1" lang="ja-JP" altLang="en-US"/>
+          </a:p>
+        </p:txBody>
+      </p:sp>
+    </p:spTree>
+    <p:extLst>
+      <p:ext uri="{BB962C8B-B14F-4D97-AF65-F5344CB8AC3E}">
+        <p14:creationId xmlns:p14="http://schemas.microsoft.com/office/powerpoint/2010/main" val="3356069538"/>
+      </p:ext>
+    </p:extLst>
+  </p:cSld>
+  <p:clrMap bg1="lt1" tx1="dk1" bg2="lt2" tx2="dk2" accent1="accent1" accent2="accent2" accent3="accent3" accent4="accent4" accent5="accent5" accent6="accent6" hlink="hlink" folHlink="folHlink"/>
+  <p:notesStyle>
+    <a:lvl1pPr marL="0" algn="l" defTabSz="914400" rtl="0" eaLnBrk="1" latinLnBrk="0" hangingPunct="1">
+      <a:defRPr kumimoji="1" sz="1200" kern="1200">
+        <a:solidFill>
+          <a:schemeClr val="tx1"/>
+        </a:solidFill>
+        <a:latin typeface="+mn-lt"/>
+        <a:ea typeface="+mn-ea"/>
+        <a:cs typeface="+mn-cs"/>
+      </a:defRPr>
+    </a:lvl1pPr>
+    <a:lvl2pPr marL="457200" algn="l" defTabSz="914400" rtl="0" eaLnBrk="1" latinLnBrk="0" hangingPunct="1">
+      <a:defRPr kumimoji="1" sz="1200" kern="1200">
+        <a:solidFill>
+          <a:schemeClr val="tx1"/>
+        </a:solidFill>
+        <a:latin typeface="+mn-lt"/>
+        <a:ea typeface="+mn-ea"/>
+        <a:cs typeface="+mn-cs"/>
+      </a:defRPr>
+    </a:lvl2pPr>
+    <a:lvl3pPr marL="914400" algn="l" defTabSz="914400" rtl="0" eaLnBrk="1" latinLnBrk="0" hangingPunct="1">
+      <a:defRPr kumimoji="1" sz="1200" kern="1200">
+        <a:solidFill>
+          <a:schemeClr val="tx1"/>
+        </a:solidFill>
+        <a:latin typeface="+mn-lt"/>
+        <a:ea typeface="+mn-ea"/>
+        <a:cs typeface="+mn-cs"/>
+      </a:defRPr>
+    </a:lvl3pPr>
+    <a:lvl4pPr marL="1371600" algn="l" defTabSz="914400" rtl="0" eaLnBrk="1" latinLnBrk="0" hangingPunct="1">
+      <a:defRPr kumimoji="1" sz="1200" kern="1200">
+        <a:solidFill>
+          <a:schemeClr val="tx1"/>
+        </a:solidFill>
+        <a:latin typeface="+mn-lt"/>
+        <a:ea typeface="+mn-ea"/>
+        <a:cs typeface="+mn-cs"/>
+      </a:defRPr>
+    </a:lvl4pPr>
+    <a:lvl5pPr marL="1828800" algn="l" defTabSz="914400" rtl="0" eaLnBrk="1" latinLnBrk="0" hangingPunct="1">
+      <a:defRPr kumimoji="1" sz="1200" kern="1200">
+        <a:solidFill>
+          <a:schemeClr val="tx1"/>
+        </a:solidFill>
+        <a:latin typeface="+mn-lt"/>
+        <a:ea typeface="+mn-ea"/>
+        <a:cs typeface="+mn-cs"/>
+      </a:defRPr>
+    </a:lvl5pPr>
+    <a:lvl6pPr marL="2286000" algn="l" defTabSz="914400" rtl="0" eaLnBrk="1" latinLnBrk="0" hangingPunct="1">
+      <a:defRPr kumimoji="1" sz="1200" kern="1200">
+        <a:solidFill>
+          <a:schemeClr val="tx1"/>
+        </a:solidFill>
+        <a:latin typeface="+mn-lt"/>
+        <a:ea typeface="+mn-ea"/>
+        <a:cs typeface="+mn-cs"/>
+      </a:defRPr>
+    </a:lvl6pPr>
+    <a:lvl7pPr marL="2743200" algn="l" defTabSz="914400" rtl="0" eaLnBrk="1" latinLnBrk="0" hangingPunct="1">
+      <a:defRPr kumimoji="1" sz="1200" kern="1200">
+        <a:solidFill>
+          <a:schemeClr val="tx1"/>
+        </a:solidFill>
+        <a:latin typeface="+mn-lt"/>
+        <a:ea typeface="+mn-ea"/>
+        <a:cs typeface="+mn-cs"/>
+      </a:defRPr>
+    </a:lvl7pPr>
+    <a:lvl8pPr marL="3200400" algn="l" defTabSz="914400" rtl="0" eaLnBrk="1" latinLnBrk="0" hangingPunct="1">
+      <a:defRPr kumimoji="1" sz="1200" kern="1200">
+        <a:solidFill>
+          <a:schemeClr val="tx1"/>
+        </a:solidFill>
+        <a:latin typeface="+mn-lt"/>
+        <a:ea typeface="+mn-ea"/>
+        <a:cs typeface="+mn-cs"/>
+      </a:defRPr>
+    </a:lvl8pPr>
+    <a:lvl9pPr marL="3657600" algn="l" defTabSz="914400" rtl="0" eaLnBrk="1" latinLnBrk="0" hangingPunct="1">
+      <a:defRPr kumimoji="1" sz="1200" kern="1200">
+        <a:solidFill>
+          <a:schemeClr val="tx1"/>
+        </a:solidFill>
+        <a:latin typeface="+mn-lt"/>
+        <a:ea typeface="+mn-ea"/>
+        <a:cs typeface="+mn-cs"/>
+      </a:defRPr>
+    </a:lvl9pPr>
+  </p:notesStyle>
+</p:notesMaster>
+</file>
+
+<file path=ppt/notesSlides/notesSlide1.xml><?xml version="1.0" encoding="utf-8"?>
+<p:notes xmlns:a="http://schemas.openxmlformats.org/drawingml/2006/main" xmlns:r="http://schemas.openxmlformats.org/officeDocument/2006/relationships" xmlns:p="http://schemas.openxmlformats.org/presentationml/2006/main">
+  <p:cSld>
+    <p:spTree>
+      <p:nvGrpSpPr>
+        <p:cNvPr id="1" name=""/>
+        <p:cNvGrpSpPr/>
+        <p:nvPr/>
+      </p:nvGrpSpPr>
+      <p:grpSpPr>
+        <a:xfrm>
+          <a:off x="0" y="0"/>
+          <a:ext cx="0" cy="0"/>
+          <a:chOff x="0" y="0"/>
+          <a:chExt cx="0" cy="0"/>
+        </a:xfrm>
+      </p:grpSpPr>
+      <p:sp>
+        <p:nvSpPr>
+          <p:cNvPr id="2" name="スライド イメージ プレースホルダー 1"/>
+          <p:cNvSpPr>
+            <a:spLocks noGrp="1" noRot="1" noChangeAspect="1"/>
+          </p:cNvSpPr>
+          <p:nvPr>
+            <p:ph type="sldImg"/>
+          </p:nvPr>
+        </p:nvSpPr>
+        <p:spPr/>
+      </p:sp>
+      <p:sp>
+        <p:nvSpPr>
+          <p:cNvPr id="3" name="ノート プレースホルダー 2"/>
+          <p:cNvSpPr>
+            <a:spLocks noGrp="1"/>
+          </p:cNvSpPr>
+          <p:nvPr>
+            <p:ph type="body" idx="1"/>
+          </p:nvPr>
+        </p:nvSpPr>
+        <p:spPr/>
+        <p:txBody>
+          <a:bodyPr/>
+          <a:lstStyle/>
+          <a:p>
+            <a:endParaRPr kumimoji="1" lang="ja-JP" altLang="en-US" dirty="0"/>
+          </a:p>
+        </p:txBody>
+      </p:sp>
+      <p:sp>
+        <p:nvSpPr>
+          <p:cNvPr id="4" name="スライド番号プレースホルダー 3"/>
+          <p:cNvSpPr>
+            <a:spLocks noGrp="1"/>
+          </p:cNvSpPr>
+          <p:nvPr>
+            <p:ph type="sldNum" sz="quarter" idx="10"/>
+          </p:nvPr>
+        </p:nvSpPr>
+        <p:spPr/>
+        <p:txBody>
+          <a:bodyPr/>
+          <a:lstStyle/>
+          <a:p>
+            <a:fld id="{C0318F1B-9A91-4E6A-A3A3-2BB71CD430DC}" type="slidenum">
+              <a:rPr kumimoji="1" lang="ja-JP" altLang="en-US" smtClean="0"/>
+              <a:t>2</a:t>
+            </a:fld>
+            <a:endParaRPr kumimoji="1" lang="ja-JP" altLang="en-US"/>
+          </a:p>
+        </p:txBody>
+      </p:sp>
+    </p:spTree>
+    <p:extLst>
+      <p:ext uri="{BB962C8B-B14F-4D97-AF65-F5344CB8AC3E}">
+        <p14:creationId xmlns:p14="http://schemas.microsoft.com/office/powerpoint/2010/main" val="2443300908"/>
+      </p:ext>
+    </p:extLst>
+  </p:cSld>
+  <p:clrMapOvr>
+    <a:masterClrMapping/>
+  </p:clrMapOvr>
+</p:notes>
+</file>
+
 <file path=ppt/slideLayouts/slideLayout1.xml><?xml version="1.0" encoding="utf-8"?>
 <p:sldLayout xmlns:a="http://schemas.openxmlformats.org/drawingml/2006/main" xmlns:r="http://schemas.openxmlformats.org/officeDocument/2006/relationships" xmlns:p="http://schemas.openxmlformats.org/presentationml/2006/main" type="title" preserve="1">
   <p:cSld name="タイトル スライド">
@@ -243,7 +713,7 @@
           <a:p>
             <a:fld id="{ABA9A1D1-5B79-412D-8149-C192A605B75C}" type="datetimeFigureOut">
               <a:rPr kumimoji="1" lang="ja-JP" altLang="en-US" smtClean="0"/>
-              <a:t>2018/1/12</a:t>
+              <a:t>2018/1/17</a:t>
             </a:fld>
             <a:endParaRPr kumimoji="1" lang="ja-JP" altLang="en-US"/>
           </a:p>
@@ -445,7 +915,7 @@
           <a:p>
             <a:fld id="{ABA9A1D1-5B79-412D-8149-C192A605B75C}" type="datetimeFigureOut">
               <a:rPr kumimoji="1" lang="ja-JP" altLang="en-US" smtClean="0"/>
-              <a:t>2018/1/12</a:t>
+              <a:t>2018/1/17</a:t>
             </a:fld>
             <a:endParaRPr kumimoji="1" lang="ja-JP" altLang="en-US"/>
           </a:p>
@@ -657,7 +1127,7 @@
           <a:p>
             <a:fld id="{ABA9A1D1-5B79-412D-8149-C192A605B75C}" type="datetimeFigureOut">
               <a:rPr kumimoji="1" lang="ja-JP" altLang="en-US" smtClean="0"/>
-              <a:t>2018/1/12</a:t>
+              <a:t>2018/1/17</a:t>
             </a:fld>
             <a:endParaRPr kumimoji="1" lang="ja-JP" altLang="en-US"/>
           </a:p>
@@ -859,7 +1329,7 @@
           <a:p>
             <a:fld id="{ABA9A1D1-5B79-412D-8149-C192A605B75C}" type="datetimeFigureOut">
               <a:rPr kumimoji="1" lang="ja-JP" altLang="en-US" smtClean="0"/>
-              <a:t>2018/1/12</a:t>
+              <a:t>2018/1/17</a:t>
             </a:fld>
             <a:endParaRPr kumimoji="1" lang="ja-JP" altLang="en-US"/>
           </a:p>
@@ -1105,7 +1575,7 @@
           <a:p>
             <a:fld id="{ABA9A1D1-5B79-412D-8149-C192A605B75C}" type="datetimeFigureOut">
               <a:rPr kumimoji="1" lang="ja-JP" altLang="en-US" smtClean="0"/>
-              <a:t>2018/1/12</a:t>
+              <a:t>2018/1/17</a:t>
             </a:fld>
             <a:endParaRPr kumimoji="1" lang="ja-JP" altLang="en-US"/>
           </a:p>
@@ -1401,7 +1871,7 @@
           <a:p>
             <a:fld id="{ABA9A1D1-5B79-412D-8149-C192A605B75C}" type="datetimeFigureOut">
               <a:rPr kumimoji="1" lang="ja-JP" altLang="en-US" smtClean="0"/>
-              <a:t>2018/1/12</a:t>
+              <a:t>2018/1/17</a:t>
             </a:fld>
             <a:endParaRPr kumimoji="1" lang="ja-JP" altLang="en-US"/>
           </a:p>
@@ -1832,7 +2302,7 @@
           <a:p>
             <a:fld id="{ABA9A1D1-5B79-412D-8149-C192A605B75C}" type="datetimeFigureOut">
               <a:rPr kumimoji="1" lang="ja-JP" altLang="en-US" smtClean="0"/>
-              <a:t>2018/1/12</a:t>
+              <a:t>2018/1/17</a:t>
             </a:fld>
             <a:endParaRPr kumimoji="1" lang="ja-JP" altLang="en-US"/>
           </a:p>
@@ -1950,7 +2420,7 @@
           <a:p>
             <a:fld id="{ABA9A1D1-5B79-412D-8149-C192A605B75C}" type="datetimeFigureOut">
               <a:rPr kumimoji="1" lang="ja-JP" altLang="en-US" smtClean="0"/>
-              <a:t>2018/1/12</a:t>
+              <a:t>2018/1/17</a:t>
             </a:fld>
             <a:endParaRPr kumimoji="1" lang="ja-JP" altLang="en-US"/>
           </a:p>
@@ -2045,7 +2515,7 @@
           <a:p>
             <a:fld id="{ABA9A1D1-5B79-412D-8149-C192A605B75C}" type="datetimeFigureOut">
               <a:rPr kumimoji="1" lang="ja-JP" altLang="en-US" smtClean="0"/>
-              <a:t>2018/1/12</a:t>
+              <a:t>2018/1/17</a:t>
             </a:fld>
             <a:endParaRPr kumimoji="1" lang="ja-JP" altLang="en-US"/>
           </a:p>
@@ -2354,7 +2824,7 @@
           <a:p>
             <a:fld id="{ABA9A1D1-5B79-412D-8149-C192A605B75C}" type="datetimeFigureOut">
               <a:rPr kumimoji="1" lang="ja-JP" altLang="en-US" smtClean="0"/>
-              <a:t>2018/1/12</a:t>
+              <a:t>2018/1/17</a:t>
             </a:fld>
             <a:endParaRPr kumimoji="1" lang="ja-JP" altLang="en-US"/>
           </a:p>
@@ -2607,7 +3077,7 @@
           <a:p>
             <a:fld id="{ABA9A1D1-5B79-412D-8149-C192A605B75C}" type="datetimeFigureOut">
               <a:rPr kumimoji="1" lang="ja-JP" altLang="en-US" smtClean="0"/>
-              <a:t>2018/1/12</a:t>
+              <a:t>2018/1/17</a:t>
             </a:fld>
             <a:endParaRPr kumimoji="1" lang="ja-JP" altLang="en-US"/>
           </a:p>
@@ -2852,7 +3322,7 @@
           <a:p>
             <a:fld id="{ABA9A1D1-5B79-412D-8149-C192A605B75C}" type="datetimeFigureOut">
               <a:rPr kumimoji="1" lang="ja-JP" altLang="en-US" smtClean="0"/>
-              <a:t>2018/1/12</a:t>
+              <a:t>2018/1/17</a:t>
             </a:fld>
             <a:endParaRPr kumimoji="1" lang="ja-JP" altLang="en-US"/>
           </a:p>
@@ -3259,6 +3729,63 @@
       </p:grpSpPr>
       <p:sp>
         <p:nvSpPr>
+          <p:cNvPr id="60" name="正方形/長方形 59"/>
+          <p:cNvSpPr/>
+          <p:nvPr/>
+        </p:nvSpPr>
+        <p:spPr>
+          <a:xfrm>
+            <a:off x="435006" y="262508"/>
+            <a:ext cx="8487052" cy="2876365"/>
+          </a:xfrm>
+          <a:prstGeom prst="rect">
+            <a:avLst/>
+          </a:prstGeom>
+          <a:solidFill>
+            <a:schemeClr val="bg1"/>
+          </a:solidFill>
+          <a:ln>
+            <a:solidFill>
+              <a:schemeClr val="bg1"/>
+            </a:solidFill>
+          </a:ln>
+        </p:spPr>
+        <p:style>
+          <a:lnRef idx="2">
+            <a:schemeClr val="accent1">
+              <a:shade val="50000"/>
+            </a:schemeClr>
+          </a:lnRef>
+          <a:fillRef idx="1">
+            <a:schemeClr val="accent1"/>
+          </a:fillRef>
+          <a:effectRef idx="0">
+            <a:schemeClr val="accent1"/>
+          </a:effectRef>
+          <a:fontRef idx="minor">
+            <a:schemeClr val="lt1"/>
+          </a:fontRef>
+        </p:style>
+        <p:txBody>
+          <a:bodyPr rot="0" spcFirstLastPara="0" vertOverflow="overflow" horzOverflow="overflow" vert="horz" wrap="square" lIns="91440" tIns="45720" rIns="91440" bIns="45720" numCol="1" spcCol="0" rtlCol="0" fromWordArt="0" anchor="ctr" anchorCtr="0" forceAA="0" compatLnSpc="1">
+            <a:prstTxWarp prst="textNoShape">
+              <a:avLst/>
+            </a:prstTxWarp>
+            <a:noAutofit/>
+          </a:bodyPr>
+          <a:lstStyle/>
+          <a:p>
+            <a:pPr algn="ctr"/>
+            <a:endParaRPr kumimoji="1" lang="ja-JP" altLang="en-US" sz="2000" dirty="0" smtClean="0">
+              <a:solidFill>
+                <a:schemeClr val="tx1"/>
+              </a:solidFill>
+            </a:endParaRPr>
+          </a:p>
+        </p:txBody>
+      </p:sp>
+      <p:sp>
+        <p:nvSpPr>
           <p:cNvPr id="4" name="正方形/長方形 3"/>
           <p:cNvSpPr/>
           <p:nvPr/>
@@ -3896,7 +4423,7 @@
             <a:solidFill>
               <a:schemeClr val="tx1"/>
             </a:solidFill>
-            <a:prstDash val="sysDash"/>
+            <a:prstDash val="solid"/>
             <a:tailEnd type="triangle"/>
           </a:ln>
         </p:spPr>
@@ -3936,7 +4463,7 @@
             <a:solidFill>
               <a:schemeClr val="tx1"/>
             </a:solidFill>
-            <a:prstDash val="sysDash"/>
+            <a:prstDash val="solid"/>
             <a:tailEnd type="triangle"/>
           </a:ln>
         </p:spPr>
@@ -3976,7 +4503,7 @@
             <a:solidFill>
               <a:schemeClr val="tx1"/>
             </a:solidFill>
-            <a:prstDash val="sysDash"/>
+            <a:prstDash val="solid"/>
             <a:tailEnd type="triangle"/>
           </a:ln>
         </p:spPr>
@@ -4016,7 +4543,7 @@
             <a:solidFill>
               <a:schemeClr val="tx1"/>
             </a:solidFill>
-            <a:prstDash val="sysDash"/>
+            <a:prstDash val="solid"/>
             <a:tailEnd type="triangle"/>
           </a:ln>
         </p:spPr>
@@ -4056,7 +4583,7 @@
             <a:solidFill>
               <a:schemeClr val="tx1"/>
             </a:solidFill>
-            <a:prstDash val="sysDash"/>
+            <a:prstDash val="solid"/>
             <a:tailEnd type="triangle"/>
           </a:ln>
         </p:spPr>
@@ -4096,7 +4623,7 @@
             <a:solidFill>
               <a:schemeClr val="tx1"/>
             </a:solidFill>
-            <a:prstDash val="sysDash"/>
+            <a:prstDash val="solid"/>
             <a:tailEnd type="triangle"/>
           </a:ln>
         </p:spPr>
@@ -4378,21 +4905,53 @@
           </a:p>
         </p:txBody>
       </p:sp>
-      <p:sp>
-        <p:nvSpPr>
-          <p:cNvPr id="60" name="正方形/長方形 59"/>
+    </p:spTree>
+    <p:extLst>
+      <p:ext uri="{BB962C8B-B14F-4D97-AF65-F5344CB8AC3E}">
+        <p14:creationId xmlns:p14="http://schemas.microsoft.com/office/powerpoint/2010/main" val="4024040357"/>
+      </p:ext>
+    </p:extLst>
+  </p:cSld>
+  <p:clrMapOvr>
+    <a:masterClrMapping/>
+  </p:clrMapOvr>
+</p:sld>
+</file>
+
+<file path=ppt/slides/slide2.xml><?xml version="1.0" encoding="utf-8"?>
+<p:sld xmlns:a="http://schemas.openxmlformats.org/drawingml/2006/main" xmlns:r="http://schemas.openxmlformats.org/officeDocument/2006/relationships" xmlns:p="http://schemas.openxmlformats.org/presentationml/2006/main">
+  <p:cSld>
+    <p:spTree>
+      <p:nvGrpSpPr>
+        <p:cNvPr id="1" name=""/>
+        <p:cNvGrpSpPr/>
+        <p:nvPr/>
+      </p:nvGrpSpPr>
+      <p:grpSpPr>
+        <a:xfrm>
+          <a:off x="0" y="0"/>
+          <a:ext cx="0" cy="0"/>
+          <a:chOff x="0" y="0"/>
+          <a:chExt cx="0" cy="0"/>
+        </a:xfrm>
+      </p:grpSpPr>
+      <p:sp>
+        <p:nvSpPr>
+          <p:cNvPr id="100" name="正方形/長方形 99"/>
           <p:cNvSpPr/>
           <p:nvPr/>
         </p:nvSpPr>
         <p:spPr>
           <a:xfrm>
-            <a:off x="435006" y="275208"/>
-            <a:ext cx="8487052" cy="2876365"/>
+            <a:off x="349250" y="723900"/>
+            <a:ext cx="8947150" cy="4679950"/>
           </a:xfrm>
           <a:prstGeom prst="rect">
             <a:avLst/>
           </a:prstGeom>
-          <a:noFill/>
+          <a:solidFill>
+            <a:schemeClr val="bg1"/>
+          </a:solidFill>
           <a:ln>
             <a:solidFill>
               <a:schemeClr val="bg1"/>
@@ -4433,10 +4992,1154 @@
           </a:p>
         </p:txBody>
       </p:sp>
+      <p:sp>
+        <p:nvSpPr>
+          <p:cNvPr id="48" name="角丸四角形 47"/>
+          <p:cNvSpPr/>
+          <p:nvPr/>
+        </p:nvSpPr>
+        <p:spPr>
+          <a:xfrm>
+            <a:off x="1706711" y="806450"/>
+            <a:ext cx="1076387" cy="635000"/>
+          </a:xfrm>
+          <a:prstGeom prst="roundRect">
+            <a:avLst>
+              <a:gd name="adj" fmla="val 32456"/>
+            </a:avLst>
+          </a:prstGeom>
+          <a:noFill/>
+          <a:ln>
+            <a:solidFill>
+              <a:schemeClr val="tx1"/>
+            </a:solidFill>
+          </a:ln>
+        </p:spPr>
+        <p:style>
+          <a:lnRef idx="2">
+            <a:schemeClr val="accent1">
+              <a:shade val="50000"/>
+            </a:schemeClr>
+          </a:lnRef>
+          <a:fillRef idx="1">
+            <a:schemeClr val="accent1"/>
+          </a:fillRef>
+          <a:effectRef idx="0">
+            <a:schemeClr val="accent1"/>
+          </a:effectRef>
+          <a:fontRef idx="minor">
+            <a:schemeClr val="lt1"/>
+          </a:fontRef>
+        </p:style>
+        <p:txBody>
+          <a:bodyPr rtlCol="0" anchor="ctr"/>
+          <a:lstStyle/>
+          <a:p>
+            <a:pPr algn="ctr"/>
+            <a:r>
+              <a:rPr kumimoji="1" lang="en-US" altLang="ja-JP" sz="3200" dirty="0" err="1" smtClean="0">
+                <a:solidFill>
+                  <a:schemeClr val="tx1"/>
+                </a:solidFill>
+              </a:rPr>
+              <a:t>Req</a:t>
+            </a:r>
+            <a:endParaRPr kumimoji="1" lang="ja-JP" altLang="en-US" sz="3200" dirty="0">
+              <a:solidFill>
+                <a:schemeClr val="tx1"/>
+              </a:solidFill>
+            </a:endParaRPr>
+          </a:p>
+        </p:txBody>
+      </p:sp>
+      <p:sp>
+        <p:nvSpPr>
+          <p:cNvPr id="49" name="角丸四角形 48"/>
+          <p:cNvSpPr/>
+          <p:nvPr/>
+        </p:nvSpPr>
+        <p:spPr>
+          <a:xfrm>
+            <a:off x="6557136" y="806450"/>
+            <a:ext cx="1076387" cy="635000"/>
+          </a:xfrm>
+          <a:prstGeom prst="roundRect">
+            <a:avLst>
+              <a:gd name="adj" fmla="val 32456"/>
+            </a:avLst>
+          </a:prstGeom>
+          <a:noFill/>
+          <a:ln>
+            <a:solidFill>
+              <a:schemeClr val="tx1"/>
+            </a:solidFill>
+          </a:ln>
+        </p:spPr>
+        <p:style>
+          <a:lnRef idx="2">
+            <a:schemeClr val="accent1">
+              <a:shade val="50000"/>
+            </a:schemeClr>
+          </a:lnRef>
+          <a:fillRef idx="1">
+            <a:schemeClr val="accent1"/>
+          </a:fillRef>
+          <a:effectRef idx="0">
+            <a:schemeClr val="accent1"/>
+          </a:effectRef>
+          <a:fontRef idx="minor">
+            <a:schemeClr val="lt1"/>
+          </a:fontRef>
+        </p:style>
+        <p:txBody>
+          <a:bodyPr rtlCol="0" anchor="ctr"/>
+          <a:lstStyle/>
+          <a:p>
+            <a:pPr algn="ctr"/>
+            <a:r>
+              <a:rPr kumimoji="1" lang="en-US" altLang="ja-JP" sz="3200" dirty="0" smtClean="0">
+                <a:solidFill>
+                  <a:schemeClr val="tx1"/>
+                </a:solidFill>
+              </a:rPr>
+              <a:t>Res</a:t>
+            </a:r>
+            <a:endParaRPr kumimoji="1" lang="ja-JP" altLang="en-US" sz="3200" dirty="0">
+              <a:solidFill>
+                <a:schemeClr val="tx1"/>
+              </a:solidFill>
+            </a:endParaRPr>
+          </a:p>
+        </p:txBody>
+      </p:sp>
+      <p:sp>
+        <p:nvSpPr>
+          <p:cNvPr id="16" name="角丸四角形 15"/>
+          <p:cNvSpPr/>
+          <p:nvPr/>
+        </p:nvSpPr>
+        <p:spPr>
+          <a:xfrm>
+            <a:off x="3279467" y="806450"/>
+            <a:ext cx="2781300" cy="1017155"/>
+          </a:xfrm>
+          <a:prstGeom prst="roundRect">
+            <a:avLst/>
+          </a:prstGeom>
+          <a:noFill/>
+          <a:ln>
+            <a:solidFill>
+              <a:schemeClr val="tx1"/>
+            </a:solidFill>
+          </a:ln>
+        </p:spPr>
+        <p:style>
+          <a:lnRef idx="2">
+            <a:schemeClr val="accent1">
+              <a:shade val="50000"/>
+            </a:schemeClr>
+          </a:lnRef>
+          <a:fillRef idx="1">
+            <a:schemeClr val="accent1"/>
+          </a:fillRef>
+          <a:effectRef idx="0">
+            <a:schemeClr val="accent1"/>
+          </a:effectRef>
+          <a:fontRef idx="minor">
+            <a:schemeClr val="lt1"/>
+          </a:fontRef>
+        </p:style>
+        <p:txBody>
+          <a:bodyPr rtlCol="0" anchor="ctr"/>
+          <a:lstStyle/>
+          <a:p>
+            <a:pPr algn="ctr"/>
+            <a:r>
+              <a:rPr lang="en-US" altLang="ja-JP" sz="2800" dirty="0" err="1" smtClean="0">
+                <a:solidFill>
+                  <a:schemeClr val="tx1"/>
+                </a:solidFill>
+              </a:rPr>
+              <a:t>CSState</a:t>
+            </a:r>
+            <a:endParaRPr lang="en-US" altLang="ja-JP" sz="2800" dirty="0" smtClean="0">
+              <a:solidFill>
+                <a:schemeClr val="tx1"/>
+              </a:solidFill>
+            </a:endParaRPr>
+          </a:p>
+          <a:p>
+            <a:pPr algn="ctr"/>
+            <a:r>
+              <a:rPr lang="en-US" altLang="ja-JP" sz="2800" dirty="0" err="1" smtClean="0">
+                <a:solidFill>
+                  <a:schemeClr val="tx1"/>
+                </a:solidFill>
+              </a:rPr>
+              <a:t>HTTPTransaction</a:t>
+            </a:r>
+            <a:endParaRPr lang="ja-JP" altLang="en-US" sz="2800" dirty="0">
+              <a:solidFill>
+                <a:schemeClr val="tx1"/>
+              </a:solidFill>
+            </a:endParaRPr>
+          </a:p>
+        </p:txBody>
+      </p:sp>
+      <p:sp>
+        <p:nvSpPr>
+          <p:cNvPr id="17" name="円/楕円 16"/>
+          <p:cNvSpPr/>
+          <p:nvPr/>
+        </p:nvSpPr>
+        <p:spPr>
+          <a:xfrm>
+            <a:off x="1706711" y="2348992"/>
+            <a:ext cx="2086396" cy="742950"/>
+          </a:xfrm>
+          <a:prstGeom prst="ellipse">
+            <a:avLst/>
+          </a:prstGeom>
+          <a:noFill/>
+          <a:ln>
+            <a:solidFill>
+              <a:schemeClr val="tx1"/>
+            </a:solidFill>
+          </a:ln>
+        </p:spPr>
+        <p:style>
+          <a:lnRef idx="2">
+            <a:schemeClr val="accent1">
+              <a:shade val="50000"/>
+            </a:schemeClr>
+          </a:lnRef>
+          <a:fillRef idx="1">
+            <a:schemeClr val="accent1"/>
+          </a:fillRef>
+          <a:effectRef idx="0">
+            <a:schemeClr val="accent1"/>
+          </a:effectRef>
+          <a:fontRef idx="minor">
+            <a:schemeClr val="lt1"/>
+          </a:fontRef>
+        </p:style>
+        <p:txBody>
+          <a:bodyPr rtlCol="0" anchor="ctr"/>
+          <a:lstStyle/>
+          <a:p>
+            <a:pPr algn="ctr"/>
+            <a:r>
+              <a:rPr kumimoji="1" lang="en-US" altLang="ja-JP" sz="3200" b="1" dirty="0" err="1" smtClean="0">
+                <a:solidFill>
+                  <a:schemeClr val="tx1"/>
+                </a:solidFill>
+              </a:rPr>
+              <a:t>CSState</a:t>
+            </a:r>
+            <a:endParaRPr kumimoji="1" lang="ja-JP" altLang="en-US" sz="3200" b="1" dirty="0" smtClean="0">
+              <a:solidFill>
+                <a:schemeClr val="tx1"/>
+              </a:solidFill>
+            </a:endParaRPr>
+          </a:p>
+        </p:txBody>
+      </p:sp>
+      <p:sp>
+        <p:nvSpPr>
+          <p:cNvPr id="51" name="円/楕円 50"/>
+          <p:cNvSpPr/>
+          <p:nvPr/>
+        </p:nvSpPr>
+        <p:spPr>
+          <a:xfrm>
+            <a:off x="5547127" y="2348992"/>
+            <a:ext cx="2086396" cy="742950"/>
+          </a:xfrm>
+          <a:prstGeom prst="ellipse">
+            <a:avLst/>
+          </a:prstGeom>
+          <a:noFill/>
+          <a:ln>
+            <a:solidFill>
+              <a:schemeClr val="tx1"/>
+            </a:solidFill>
+          </a:ln>
+        </p:spPr>
+        <p:style>
+          <a:lnRef idx="2">
+            <a:schemeClr val="accent1">
+              <a:shade val="50000"/>
+            </a:schemeClr>
+          </a:lnRef>
+          <a:fillRef idx="1">
+            <a:schemeClr val="accent1"/>
+          </a:fillRef>
+          <a:effectRef idx="0">
+            <a:schemeClr val="accent1"/>
+          </a:effectRef>
+          <a:fontRef idx="minor">
+            <a:schemeClr val="lt1"/>
+          </a:fontRef>
+        </p:style>
+        <p:txBody>
+          <a:bodyPr rtlCol="0" anchor="ctr"/>
+          <a:lstStyle/>
+          <a:p>
+            <a:pPr algn="ctr"/>
+            <a:r>
+              <a:rPr lang="en-US" altLang="ja-JP" sz="3200" b="1" dirty="0" err="1">
+                <a:solidFill>
+                  <a:schemeClr val="tx1"/>
+                </a:solidFill>
+              </a:rPr>
+              <a:t>CSState</a:t>
+            </a:r>
+            <a:endParaRPr lang="ja-JP" altLang="en-US" sz="3200" b="1" dirty="0">
+              <a:solidFill>
+                <a:schemeClr val="tx1"/>
+              </a:solidFill>
+            </a:endParaRPr>
+          </a:p>
+        </p:txBody>
+      </p:sp>
+      <p:cxnSp>
+        <p:nvCxnSpPr>
+          <p:cNvPr id="52" name="直線矢印コネクタ 51"/>
+          <p:cNvCxnSpPr>
+            <a:stCxn id="16" idx="1"/>
+            <a:endCxn id="48" idx="3"/>
+          </p:cNvCxnSpPr>
+          <p:nvPr/>
+        </p:nvCxnSpPr>
+        <p:spPr>
+          <a:xfrm flipH="1" flipV="1">
+            <a:off x="2783098" y="1123950"/>
+            <a:ext cx="496369" cy="191078"/>
+          </a:xfrm>
+          <a:prstGeom prst="straightConnector1">
+            <a:avLst/>
+          </a:prstGeom>
+          <a:ln w="12700">
+            <a:solidFill>
+              <a:schemeClr val="tx1"/>
+            </a:solidFill>
+            <a:prstDash val="solid"/>
+            <a:tailEnd type="triangle"/>
+          </a:ln>
+        </p:spPr>
+        <p:style>
+          <a:lnRef idx="1">
+            <a:schemeClr val="accent1"/>
+          </a:lnRef>
+          <a:fillRef idx="0">
+            <a:schemeClr val="accent1"/>
+          </a:fillRef>
+          <a:effectRef idx="0">
+            <a:schemeClr val="accent1"/>
+          </a:effectRef>
+          <a:fontRef idx="minor">
+            <a:schemeClr val="tx1"/>
+          </a:fontRef>
+        </p:style>
+      </p:cxnSp>
+      <p:cxnSp>
+        <p:nvCxnSpPr>
+          <p:cNvPr id="54" name="直線矢印コネクタ 53"/>
+          <p:cNvCxnSpPr>
+            <a:stCxn id="16" idx="3"/>
+            <a:endCxn id="49" idx="1"/>
+          </p:cNvCxnSpPr>
+          <p:nvPr/>
+        </p:nvCxnSpPr>
+        <p:spPr>
+          <a:xfrm flipV="1">
+            <a:off x="6060767" y="1123950"/>
+            <a:ext cx="496369" cy="191078"/>
+          </a:xfrm>
+          <a:prstGeom prst="straightConnector1">
+            <a:avLst/>
+          </a:prstGeom>
+          <a:ln w="12700">
+            <a:solidFill>
+              <a:schemeClr val="tx1"/>
+            </a:solidFill>
+            <a:prstDash val="solid"/>
+            <a:tailEnd type="triangle"/>
+          </a:ln>
+        </p:spPr>
+        <p:style>
+          <a:lnRef idx="1">
+            <a:schemeClr val="accent1"/>
+          </a:lnRef>
+          <a:fillRef idx="0">
+            <a:schemeClr val="accent1"/>
+          </a:fillRef>
+          <a:effectRef idx="0">
+            <a:schemeClr val="accent1"/>
+          </a:effectRef>
+          <a:fontRef idx="minor">
+            <a:schemeClr val="tx1"/>
+          </a:fontRef>
+        </p:style>
+      </p:cxnSp>
+      <p:cxnSp>
+        <p:nvCxnSpPr>
+          <p:cNvPr id="58" name="直線矢印コネクタ 57"/>
+          <p:cNvCxnSpPr>
+            <a:stCxn id="16" idx="2"/>
+            <a:endCxn id="17" idx="7"/>
+          </p:cNvCxnSpPr>
+          <p:nvPr/>
+        </p:nvCxnSpPr>
+        <p:spPr>
+          <a:xfrm flipH="1">
+            <a:off x="3487561" y="1823605"/>
+            <a:ext cx="1182556" cy="634190"/>
+          </a:xfrm>
+          <a:prstGeom prst="straightConnector1">
+            <a:avLst/>
+          </a:prstGeom>
+          <a:ln w="12700">
+            <a:solidFill>
+              <a:schemeClr val="tx1"/>
+            </a:solidFill>
+            <a:prstDash val="solid"/>
+            <a:tailEnd type="triangle"/>
+          </a:ln>
+        </p:spPr>
+        <p:style>
+          <a:lnRef idx="1">
+            <a:schemeClr val="accent1"/>
+          </a:lnRef>
+          <a:fillRef idx="0">
+            <a:schemeClr val="accent1"/>
+          </a:fillRef>
+          <a:effectRef idx="0">
+            <a:schemeClr val="accent1"/>
+          </a:effectRef>
+          <a:fontRef idx="minor">
+            <a:schemeClr val="tx1"/>
+          </a:fontRef>
+        </p:style>
+      </p:cxnSp>
+      <p:cxnSp>
+        <p:nvCxnSpPr>
+          <p:cNvPr id="61" name="直線矢印コネクタ 60"/>
+          <p:cNvCxnSpPr>
+            <a:stCxn id="16" idx="2"/>
+            <a:endCxn id="51" idx="1"/>
+          </p:cNvCxnSpPr>
+          <p:nvPr/>
+        </p:nvCxnSpPr>
+        <p:spPr>
+          <a:xfrm>
+            <a:off x="4670117" y="1823605"/>
+            <a:ext cx="1182556" cy="634190"/>
+          </a:xfrm>
+          <a:prstGeom prst="straightConnector1">
+            <a:avLst/>
+          </a:prstGeom>
+          <a:ln w="12700">
+            <a:solidFill>
+              <a:schemeClr val="tx1"/>
+            </a:solidFill>
+            <a:prstDash val="solid"/>
+            <a:tailEnd type="triangle"/>
+          </a:ln>
+        </p:spPr>
+        <p:style>
+          <a:lnRef idx="1">
+            <a:schemeClr val="accent1"/>
+          </a:lnRef>
+          <a:fillRef idx="0">
+            <a:schemeClr val="accent1"/>
+          </a:fillRef>
+          <a:effectRef idx="0">
+            <a:schemeClr val="accent1"/>
+          </a:effectRef>
+          <a:fontRef idx="minor">
+            <a:schemeClr val="tx1"/>
+          </a:fontRef>
+        </p:style>
+      </p:cxnSp>
+      <p:sp>
+        <p:nvSpPr>
+          <p:cNvPr id="75" name="テキスト ボックス 74"/>
+          <p:cNvSpPr txBox="1"/>
+          <p:nvPr/>
+        </p:nvSpPr>
+        <p:spPr>
+          <a:xfrm>
+            <a:off x="2155196" y="1887327"/>
+            <a:ext cx="1685557" cy="461665"/>
+          </a:xfrm>
+          <a:prstGeom prst="rect">
+            <a:avLst/>
+          </a:prstGeom>
+          <a:noFill/>
+        </p:spPr>
+        <p:txBody>
+          <a:bodyPr wrap="square" rtlCol="0">
+            <a:spAutoFit/>
+          </a:bodyPr>
+          <a:lstStyle/>
+          <a:p>
+            <a:r>
+              <a:rPr kumimoji="1" lang="en-US" altLang="ja-JP" sz="2400" dirty="0" err="1" smtClean="0"/>
+              <a:t>beforeState</a:t>
+            </a:r>
+            <a:endParaRPr kumimoji="1" lang="ja-JP" altLang="en-US" sz="2400" dirty="0"/>
+          </a:p>
+        </p:txBody>
+      </p:sp>
+      <p:sp>
+        <p:nvSpPr>
+          <p:cNvPr id="76" name="テキスト ボックス 75"/>
+          <p:cNvSpPr txBox="1"/>
+          <p:nvPr/>
+        </p:nvSpPr>
+        <p:spPr>
+          <a:xfrm>
+            <a:off x="5549284" y="1887327"/>
+            <a:ext cx="1685557" cy="461665"/>
+          </a:xfrm>
+          <a:prstGeom prst="rect">
+            <a:avLst/>
+          </a:prstGeom>
+          <a:noFill/>
+        </p:spPr>
+        <p:txBody>
+          <a:bodyPr wrap="square" rtlCol="0">
+            <a:spAutoFit/>
+          </a:bodyPr>
+          <a:lstStyle/>
+          <a:p>
+            <a:r>
+              <a:rPr kumimoji="1" lang="en-US" altLang="ja-JP" sz="2400" dirty="0" err="1" smtClean="0"/>
+              <a:t>afterState</a:t>
+            </a:r>
+            <a:endParaRPr kumimoji="1" lang="ja-JP" altLang="en-US" sz="2400" dirty="0"/>
+          </a:p>
+        </p:txBody>
+      </p:sp>
+      <p:grpSp>
+        <p:nvGrpSpPr>
+          <p:cNvPr id="82" name="グループ化 81"/>
+          <p:cNvGrpSpPr/>
+          <p:nvPr/>
+        </p:nvGrpSpPr>
+        <p:grpSpPr>
+          <a:xfrm>
+            <a:off x="1686284" y="3553607"/>
+            <a:ext cx="2127250" cy="673100"/>
+            <a:chOff x="3549650" y="4070350"/>
+            <a:chExt cx="2127250" cy="673100"/>
+          </a:xfrm>
+        </p:grpSpPr>
+        <p:sp>
+          <p:nvSpPr>
+            <p:cNvPr id="78" name="正方形/長方形 77"/>
+            <p:cNvSpPr/>
+            <p:nvPr/>
+          </p:nvSpPr>
+          <p:spPr>
+            <a:xfrm>
+              <a:off x="3549650" y="4070350"/>
+              <a:ext cx="2127250" cy="673100"/>
+            </a:xfrm>
+            <a:prstGeom prst="rect">
+              <a:avLst/>
+            </a:prstGeom>
+            <a:noFill/>
+            <a:ln w="28575">
+              <a:solidFill>
+                <a:schemeClr val="tx1"/>
+              </a:solidFill>
+              <a:prstDash val="sysDot"/>
+            </a:ln>
+          </p:spPr>
+          <p:style>
+            <a:lnRef idx="2">
+              <a:schemeClr val="accent1">
+                <a:shade val="50000"/>
+              </a:schemeClr>
+            </a:lnRef>
+            <a:fillRef idx="1">
+              <a:schemeClr val="accent1"/>
+            </a:fillRef>
+            <a:effectRef idx="0">
+              <a:schemeClr val="accent1"/>
+            </a:effectRef>
+            <a:fontRef idx="minor">
+              <a:schemeClr val="lt1"/>
+            </a:fontRef>
+          </p:style>
+          <p:txBody>
+            <a:bodyPr rtlCol="0" anchor="ctr"/>
+            <a:lstStyle/>
+            <a:p>
+              <a:pPr algn="ctr"/>
+              <a:endParaRPr kumimoji="1" lang="ja-JP" altLang="en-US" sz="2000" dirty="0" smtClean="0">
+                <a:solidFill>
+                  <a:schemeClr val="tx1"/>
+                </a:solidFill>
+              </a:endParaRPr>
+            </a:p>
+          </p:txBody>
+        </p:sp>
+        <p:sp>
+          <p:nvSpPr>
+            <p:cNvPr id="79" name="角丸四角形 78"/>
+            <p:cNvSpPr/>
+            <p:nvPr/>
+          </p:nvSpPr>
+          <p:spPr>
+            <a:xfrm>
+              <a:off x="3666816" y="4187825"/>
+              <a:ext cx="1095683" cy="438150"/>
+            </a:xfrm>
+            <a:prstGeom prst="roundRect">
+              <a:avLst/>
+            </a:prstGeom>
+            <a:noFill/>
+            <a:ln>
+              <a:solidFill>
+                <a:schemeClr val="tx1"/>
+              </a:solidFill>
+            </a:ln>
+          </p:spPr>
+          <p:style>
+            <a:lnRef idx="2">
+              <a:schemeClr val="accent1">
+                <a:shade val="50000"/>
+              </a:schemeClr>
+            </a:lnRef>
+            <a:fillRef idx="1">
+              <a:schemeClr val="accent1"/>
+            </a:fillRef>
+            <a:effectRef idx="0">
+              <a:schemeClr val="accent1"/>
+            </a:effectRef>
+            <a:fontRef idx="minor">
+              <a:schemeClr val="lt1"/>
+            </a:fontRef>
+          </p:style>
+          <p:txBody>
+            <a:bodyPr rtlCol="0" anchor="ctr"/>
+            <a:lstStyle/>
+            <a:p>
+              <a:pPr algn="ctr"/>
+              <a:r>
+                <a:rPr kumimoji="1" lang="en-US" altLang="ja-JP" sz="2000" dirty="0" smtClean="0">
+                  <a:solidFill>
+                    <a:schemeClr val="tx1"/>
+                  </a:solidFill>
+                </a:rPr>
+                <a:t>Cookie</a:t>
+              </a:r>
+              <a:endParaRPr kumimoji="1" lang="ja-JP" altLang="en-US" sz="2000" dirty="0" smtClean="0">
+                <a:solidFill>
+                  <a:schemeClr val="tx1"/>
+                </a:solidFill>
+              </a:endParaRPr>
+            </a:p>
+          </p:txBody>
+        </p:sp>
+        <p:sp>
+          <p:nvSpPr>
+            <p:cNvPr id="81" name="テキスト ボックス 80"/>
+            <p:cNvSpPr txBox="1"/>
+            <p:nvPr/>
+          </p:nvSpPr>
+          <p:spPr>
+            <a:xfrm>
+              <a:off x="4762499" y="4222234"/>
+              <a:ext cx="914400" cy="369332"/>
+            </a:xfrm>
+            <a:prstGeom prst="rect">
+              <a:avLst/>
+            </a:prstGeom>
+            <a:noFill/>
+          </p:spPr>
+          <p:txBody>
+            <a:bodyPr wrap="square" rtlCol="0">
+              <a:spAutoFit/>
+            </a:bodyPr>
+            <a:lstStyle/>
+            <a:p>
+              <a:r>
+                <a:rPr kumimoji="1" lang="ja-JP" altLang="en-US" dirty="0" smtClean="0"/>
+                <a:t>の集合</a:t>
+              </a:r>
+              <a:endParaRPr kumimoji="1" lang="ja-JP" altLang="en-US" dirty="0"/>
+            </a:p>
+          </p:txBody>
+        </p:sp>
+      </p:grpSp>
+      <p:cxnSp>
+        <p:nvCxnSpPr>
+          <p:cNvPr id="83" name="直線矢印コネクタ 82"/>
+          <p:cNvCxnSpPr>
+            <a:stCxn id="17" idx="4"/>
+            <a:endCxn id="78" idx="0"/>
+          </p:cNvCxnSpPr>
+          <p:nvPr/>
+        </p:nvCxnSpPr>
+        <p:spPr>
+          <a:xfrm>
+            <a:off x="2749909" y="3091942"/>
+            <a:ext cx="0" cy="461665"/>
+          </a:xfrm>
+          <a:prstGeom prst="straightConnector1">
+            <a:avLst/>
+          </a:prstGeom>
+          <a:ln w="12700">
+            <a:solidFill>
+              <a:schemeClr val="tx1"/>
+            </a:solidFill>
+            <a:prstDash val="solid"/>
+            <a:tailEnd type="triangle"/>
+          </a:ln>
+        </p:spPr>
+        <p:style>
+          <a:lnRef idx="1">
+            <a:schemeClr val="accent1"/>
+          </a:lnRef>
+          <a:fillRef idx="0">
+            <a:schemeClr val="accent1"/>
+          </a:fillRef>
+          <a:effectRef idx="0">
+            <a:schemeClr val="accent1"/>
+          </a:effectRef>
+          <a:fontRef idx="minor">
+            <a:schemeClr val="tx1"/>
+          </a:fontRef>
+        </p:style>
+      </p:cxnSp>
+      <p:grpSp>
+        <p:nvGrpSpPr>
+          <p:cNvPr id="87" name="グループ化 86"/>
+          <p:cNvGrpSpPr/>
+          <p:nvPr/>
+        </p:nvGrpSpPr>
+        <p:grpSpPr>
+          <a:xfrm>
+            <a:off x="5526700" y="3553607"/>
+            <a:ext cx="2127250" cy="673100"/>
+            <a:chOff x="3549650" y="4070350"/>
+            <a:chExt cx="2127250" cy="673100"/>
+          </a:xfrm>
+        </p:grpSpPr>
+        <p:sp>
+          <p:nvSpPr>
+            <p:cNvPr id="88" name="正方形/長方形 87"/>
+            <p:cNvSpPr/>
+            <p:nvPr/>
+          </p:nvSpPr>
+          <p:spPr>
+            <a:xfrm>
+              <a:off x="3549650" y="4070350"/>
+              <a:ext cx="2127250" cy="673100"/>
+            </a:xfrm>
+            <a:prstGeom prst="rect">
+              <a:avLst/>
+            </a:prstGeom>
+            <a:noFill/>
+            <a:ln w="28575">
+              <a:solidFill>
+                <a:schemeClr val="tx1"/>
+              </a:solidFill>
+              <a:prstDash val="sysDot"/>
+            </a:ln>
+          </p:spPr>
+          <p:style>
+            <a:lnRef idx="2">
+              <a:schemeClr val="accent1">
+                <a:shade val="50000"/>
+              </a:schemeClr>
+            </a:lnRef>
+            <a:fillRef idx="1">
+              <a:schemeClr val="accent1"/>
+            </a:fillRef>
+            <a:effectRef idx="0">
+              <a:schemeClr val="accent1"/>
+            </a:effectRef>
+            <a:fontRef idx="minor">
+              <a:schemeClr val="lt1"/>
+            </a:fontRef>
+          </p:style>
+          <p:txBody>
+            <a:bodyPr rtlCol="0" anchor="ctr"/>
+            <a:lstStyle/>
+            <a:p>
+              <a:pPr algn="ctr"/>
+              <a:endParaRPr kumimoji="1" lang="ja-JP" altLang="en-US" sz="2000" dirty="0" smtClean="0">
+                <a:solidFill>
+                  <a:schemeClr val="tx1"/>
+                </a:solidFill>
+              </a:endParaRPr>
+            </a:p>
+          </p:txBody>
+        </p:sp>
+        <p:sp>
+          <p:nvSpPr>
+            <p:cNvPr id="89" name="角丸四角形 88"/>
+            <p:cNvSpPr/>
+            <p:nvPr/>
+          </p:nvSpPr>
+          <p:spPr>
+            <a:xfrm>
+              <a:off x="3666816" y="4187825"/>
+              <a:ext cx="1095683" cy="438150"/>
+            </a:xfrm>
+            <a:prstGeom prst="roundRect">
+              <a:avLst/>
+            </a:prstGeom>
+            <a:noFill/>
+            <a:ln>
+              <a:solidFill>
+                <a:schemeClr val="tx1"/>
+              </a:solidFill>
+            </a:ln>
+          </p:spPr>
+          <p:style>
+            <a:lnRef idx="2">
+              <a:schemeClr val="accent1">
+                <a:shade val="50000"/>
+              </a:schemeClr>
+            </a:lnRef>
+            <a:fillRef idx="1">
+              <a:schemeClr val="accent1"/>
+            </a:fillRef>
+            <a:effectRef idx="0">
+              <a:schemeClr val="accent1"/>
+            </a:effectRef>
+            <a:fontRef idx="minor">
+              <a:schemeClr val="lt1"/>
+            </a:fontRef>
+          </p:style>
+          <p:txBody>
+            <a:bodyPr rtlCol="0" anchor="ctr"/>
+            <a:lstStyle/>
+            <a:p>
+              <a:pPr algn="ctr"/>
+              <a:r>
+                <a:rPr kumimoji="1" lang="en-US" altLang="ja-JP" sz="2000" dirty="0" smtClean="0">
+                  <a:solidFill>
+                    <a:schemeClr val="tx1"/>
+                  </a:solidFill>
+                </a:rPr>
+                <a:t>Cookie</a:t>
+              </a:r>
+              <a:endParaRPr kumimoji="1" lang="ja-JP" altLang="en-US" sz="2000" dirty="0" smtClean="0">
+                <a:solidFill>
+                  <a:schemeClr val="tx1"/>
+                </a:solidFill>
+              </a:endParaRPr>
+            </a:p>
+          </p:txBody>
+        </p:sp>
+        <p:sp>
+          <p:nvSpPr>
+            <p:cNvPr id="90" name="テキスト ボックス 89"/>
+            <p:cNvSpPr txBox="1"/>
+            <p:nvPr/>
+          </p:nvSpPr>
+          <p:spPr>
+            <a:xfrm>
+              <a:off x="4762499" y="4222234"/>
+              <a:ext cx="914400" cy="369332"/>
+            </a:xfrm>
+            <a:prstGeom prst="rect">
+              <a:avLst/>
+            </a:prstGeom>
+            <a:noFill/>
+          </p:spPr>
+          <p:txBody>
+            <a:bodyPr wrap="square" rtlCol="0">
+              <a:spAutoFit/>
+            </a:bodyPr>
+            <a:lstStyle/>
+            <a:p>
+              <a:r>
+                <a:rPr kumimoji="1" lang="ja-JP" altLang="en-US" dirty="0" smtClean="0"/>
+                <a:t>の集合</a:t>
+              </a:r>
+              <a:endParaRPr kumimoji="1" lang="ja-JP" altLang="en-US" dirty="0"/>
+            </a:p>
+          </p:txBody>
+        </p:sp>
+      </p:grpSp>
+      <p:cxnSp>
+        <p:nvCxnSpPr>
+          <p:cNvPr id="91" name="直線矢印コネクタ 90"/>
+          <p:cNvCxnSpPr>
+            <a:stCxn id="51" idx="4"/>
+            <a:endCxn id="88" idx="0"/>
+          </p:cNvCxnSpPr>
+          <p:nvPr/>
+        </p:nvCxnSpPr>
+        <p:spPr>
+          <a:xfrm>
+            <a:off x="6590325" y="3091942"/>
+            <a:ext cx="0" cy="461665"/>
+          </a:xfrm>
+          <a:prstGeom prst="straightConnector1">
+            <a:avLst/>
+          </a:prstGeom>
+          <a:ln w="12700">
+            <a:solidFill>
+              <a:schemeClr val="tx1"/>
+            </a:solidFill>
+            <a:prstDash val="solid"/>
+            <a:tailEnd type="triangle"/>
+          </a:ln>
+        </p:spPr>
+        <p:style>
+          <a:lnRef idx="1">
+            <a:schemeClr val="accent1"/>
+          </a:lnRef>
+          <a:fillRef idx="0">
+            <a:schemeClr val="accent1"/>
+          </a:fillRef>
+          <a:effectRef idx="0">
+            <a:schemeClr val="accent1"/>
+          </a:effectRef>
+          <a:fontRef idx="minor">
+            <a:schemeClr val="tx1"/>
+          </a:fontRef>
+        </p:style>
+      </p:cxnSp>
+      <p:sp>
+        <p:nvSpPr>
+          <p:cNvPr id="94" name="テキスト ボックス 93"/>
+          <p:cNvSpPr txBox="1"/>
+          <p:nvPr/>
+        </p:nvSpPr>
+        <p:spPr>
+          <a:xfrm>
+            <a:off x="1634497" y="3091941"/>
+            <a:ext cx="1159504" cy="461665"/>
+          </a:xfrm>
+          <a:prstGeom prst="rect">
+            <a:avLst/>
+          </a:prstGeom>
+          <a:noFill/>
+        </p:spPr>
+        <p:txBody>
+          <a:bodyPr wrap="square" rtlCol="0">
+            <a:spAutoFit/>
+          </a:bodyPr>
+          <a:lstStyle/>
+          <a:p>
+            <a:r>
+              <a:rPr kumimoji="1" lang="en-US" altLang="ja-JP" sz="2400" dirty="0" smtClean="0"/>
+              <a:t>cookies</a:t>
+            </a:r>
+            <a:endParaRPr kumimoji="1" lang="ja-JP" altLang="en-US" sz="2400" dirty="0"/>
+          </a:p>
+        </p:txBody>
+      </p:sp>
+      <p:sp>
+        <p:nvSpPr>
+          <p:cNvPr id="95" name="テキスト ボックス 94"/>
+          <p:cNvSpPr txBox="1"/>
+          <p:nvPr/>
+        </p:nvSpPr>
+        <p:spPr>
+          <a:xfrm>
+            <a:off x="5481015" y="3091940"/>
+            <a:ext cx="1159504" cy="461665"/>
+          </a:xfrm>
+          <a:prstGeom prst="rect">
+            <a:avLst/>
+          </a:prstGeom>
+          <a:noFill/>
+        </p:spPr>
+        <p:txBody>
+          <a:bodyPr wrap="square" rtlCol="0">
+            <a:spAutoFit/>
+          </a:bodyPr>
+          <a:lstStyle/>
+          <a:p>
+            <a:r>
+              <a:rPr kumimoji="1" lang="en-US" altLang="ja-JP" sz="2400" dirty="0" smtClean="0"/>
+              <a:t>cookies</a:t>
+            </a:r>
+            <a:endParaRPr kumimoji="1" lang="ja-JP" altLang="en-US" sz="2400" dirty="0"/>
+          </a:p>
+        </p:txBody>
+      </p:sp>
+      <p:cxnSp>
+        <p:nvCxnSpPr>
+          <p:cNvPr id="97" name="直線矢印コネクタ 96"/>
+          <p:cNvCxnSpPr>
+            <a:stCxn id="78" idx="3"/>
+            <a:endCxn id="88" idx="1"/>
+          </p:cNvCxnSpPr>
+          <p:nvPr/>
+        </p:nvCxnSpPr>
+        <p:spPr>
+          <a:xfrm>
+            <a:off x="3813534" y="3890157"/>
+            <a:ext cx="1713166" cy="0"/>
+          </a:xfrm>
+          <a:prstGeom prst="straightConnector1">
+            <a:avLst/>
+          </a:prstGeom>
+          <a:ln w="12700">
+            <a:solidFill>
+              <a:schemeClr val="tx1"/>
+            </a:solidFill>
+            <a:prstDash val="sysDot"/>
+            <a:tailEnd type="triangle"/>
+          </a:ln>
+        </p:spPr>
+        <p:style>
+          <a:lnRef idx="1">
+            <a:schemeClr val="accent1"/>
+          </a:lnRef>
+          <a:fillRef idx="0">
+            <a:schemeClr val="accent1"/>
+          </a:fillRef>
+          <a:effectRef idx="0">
+            <a:schemeClr val="accent1"/>
+          </a:effectRef>
+          <a:fontRef idx="minor">
+            <a:schemeClr val="tx1"/>
+          </a:fontRef>
+        </p:style>
+      </p:cxnSp>
+      <p:sp>
+        <p:nvSpPr>
+          <p:cNvPr id="98" name="テキスト ボックス 97"/>
+          <p:cNvSpPr txBox="1"/>
+          <p:nvPr/>
+        </p:nvSpPr>
+        <p:spPr>
+          <a:xfrm>
+            <a:off x="4141132" y="3553605"/>
+            <a:ext cx="1146153" cy="369332"/>
+          </a:xfrm>
+          <a:prstGeom prst="rect">
+            <a:avLst/>
+          </a:prstGeom>
+          <a:noFill/>
+        </p:spPr>
+        <p:txBody>
+          <a:bodyPr wrap="square" rtlCol="0">
+            <a:spAutoFit/>
+          </a:bodyPr>
+          <a:lstStyle/>
+          <a:p>
+            <a:r>
+              <a:rPr lang="ja-JP" altLang="en-US" dirty="0" smtClean="0"/>
+              <a:t>時間</a:t>
+            </a:r>
+            <a:r>
+              <a:rPr lang="ja-JP" altLang="en-US" dirty="0"/>
+              <a:t>変化</a:t>
+            </a:r>
+            <a:endParaRPr kumimoji="1" lang="ja-JP" altLang="en-US" dirty="0"/>
+          </a:p>
+        </p:txBody>
+      </p:sp>
+      <p:sp>
+        <p:nvSpPr>
+          <p:cNvPr id="99" name="強調線吹き出し 2 98"/>
+          <p:cNvSpPr/>
+          <p:nvPr/>
+        </p:nvSpPr>
+        <p:spPr>
+          <a:xfrm>
+            <a:off x="4819459" y="4363609"/>
+            <a:ext cx="4476941" cy="943825"/>
+          </a:xfrm>
+          <a:prstGeom prst="accentCallout2">
+            <a:avLst>
+              <a:gd name="adj1" fmla="val 19818"/>
+              <a:gd name="adj2" fmla="val -1266"/>
+              <a:gd name="adj3" fmla="val 19145"/>
+              <a:gd name="adj4" fmla="val -4617"/>
+              <a:gd name="adj5" fmla="val -41954"/>
+              <a:gd name="adj6" fmla="val -8161"/>
+            </a:avLst>
+          </a:prstGeom>
+          <a:noFill/>
+          <a:ln>
+            <a:solidFill>
+              <a:schemeClr val="tx1"/>
+            </a:solidFill>
+          </a:ln>
+        </p:spPr>
+        <p:style>
+          <a:lnRef idx="2">
+            <a:schemeClr val="accent1">
+              <a:shade val="50000"/>
+            </a:schemeClr>
+          </a:lnRef>
+          <a:fillRef idx="1">
+            <a:schemeClr val="accent1"/>
+          </a:fillRef>
+          <a:effectRef idx="0">
+            <a:schemeClr val="accent1"/>
+          </a:effectRef>
+          <a:fontRef idx="minor">
+            <a:schemeClr val="lt1"/>
+          </a:fontRef>
+        </p:style>
+        <p:txBody>
+          <a:bodyPr rot="0" spcFirstLastPara="0" vertOverflow="overflow" horzOverflow="overflow" vert="horz" wrap="square" lIns="91440" tIns="45720" rIns="91440" bIns="45720" numCol="1" spcCol="0" rtlCol="0" fromWordArt="0" anchor="ctr" anchorCtr="0" forceAA="0" compatLnSpc="1">
+            <a:prstTxWarp prst="textNoShape">
+              <a:avLst/>
+            </a:prstTxWarp>
+            <a:noAutofit/>
+          </a:bodyPr>
+          <a:lstStyle/>
+          <a:p>
+            <a:r>
+              <a:rPr lang="ja-JP" altLang="en-US" sz="2800" dirty="0" smtClean="0">
+                <a:solidFill>
+                  <a:schemeClr val="tx1"/>
+                </a:solidFill>
+              </a:rPr>
+              <a:t>ここで起こりうる変化を</a:t>
+            </a:r>
+            <a:endParaRPr lang="en-US" altLang="ja-JP" sz="2800" dirty="0" smtClean="0">
+              <a:solidFill>
+                <a:schemeClr val="tx1"/>
+              </a:solidFill>
+            </a:endParaRPr>
+          </a:p>
+          <a:p>
+            <a:r>
+              <a:rPr lang="en-US" altLang="ja-JP" sz="2800" dirty="0" smtClean="0">
+                <a:solidFill>
+                  <a:schemeClr val="tx1"/>
+                </a:solidFill>
+              </a:rPr>
+              <a:t>Cookie</a:t>
+            </a:r>
+            <a:r>
+              <a:rPr lang="ja-JP" altLang="en-US" sz="2800" dirty="0" smtClean="0">
+                <a:solidFill>
+                  <a:schemeClr val="tx1"/>
+                </a:solidFill>
+              </a:rPr>
+              <a:t>の動作として記述する</a:t>
+            </a:r>
+            <a:endParaRPr lang="ja-JP" altLang="en-US" sz="2800" dirty="0">
+              <a:solidFill>
+                <a:schemeClr val="tx1"/>
+              </a:solidFill>
+            </a:endParaRPr>
+          </a:p>
+        </p:txBody>
+      </p:sp>
     </p:spTree>
     <p:extLst>
       <p:ext uri="{BB962C8B-B14F-4D97-AF65-F5344CB8AC3E}">
-        <p14:creationId xmlns:p14="http://schemas.microsoft.com/office/powerpoint/2010/main" val="4024040357"/>
+        <p14:creationId xmlns:p14="http://schemas.microsoft.com/office/powerpoint/2010/main" val="3284822393"/>
       </p:ext>
     </p:extLst>
   </p:cSld>
@@ -4740,7 +6443,7 @@
           <a:solidFill>
             <a:schemeClr val="tx1"/>
           </a:solidFill>
-          <a:prstDash val="sysDash"/>
+          <a:prstDash val="solid"/>
           <a:tailEnd type="triangle"/>
         </a:ln>
       </a:spPr>
@@ -4769,4 +6472,265 @@
     </a:ext>
   </a:extLst>
 </a:theme>
+</file>
+
+<file path=ppt/theme/theme2.xml><?xml version="1.0" encoding="utf-8"?>
+<a:theme xmlns:a="http://schemas.openxmlformats.org/drawingml/2006/main" name="Office テーマ">
+  <a:themeElements>
+    <a:clrScheme name="Office">
+      <a:dk1>
+        <a:sysClr val="windowText" lastClr="000000"/>
+      </a:dk1>
+      <a:lt1>
+        <a:sysClr val="window" lastClr="FFFFFF"/>
+      </a:lt1>
+      <a:dk2>
+        <a:srgbClr val="44546A"/>
+      </a:dk2>
+      <a:lt2>
+        <a:srgbClr val="E7E6E6"/>
+      </a:lt2>
+      <a:accent1>
+        <a:srgbClr val="5B9BD5"/>
+      </a:accent1>
+      <a:accent2>
+        <a:srgbClr val="ED7D31"/>
+      </a:accent2>
+      <a:accent3>
+        <a:srgbClr val="A5A5A5"/>
+      </a:accent3>
+      <a:accent4>
+        <a:srgbClr val="FFC000"/>
+      </a:accent4>
+      <a:accent5>
+        <a:srgbClr val="4472C4"/>
+      </a:accent5>
+      <a:accent6>
+        <a:srgbClr val="70AD47"/>
+      </a:accent6>
+      <a:hlink>
+        <a:srgbClr val="0563C1"/>
+      </a:hlink>
+      <a:folHlink>
+        <a:srgbClr val="954F72"/>
+      </a:folHlink>
+    </a:clrScheme>
+    <a:fontScheme name="Office">
+      <a:majorFont>
+        <a:latin typeface="Calibri Light" panose="020F0302020204030204"/>
+        <a:ea typeface=""/>
+        <a:cs typeface=""/>
+        <a:font script="Jpan" typeface="ＭＳ Ｐゴシック"/>
+        <a:font script="Hang" typeface="맑은 고딕"/>
+        <a:font script="Hans" typeface="宋体"/>
+        <a:font script="Hant" typeface="新細明體"/>
+        <a:font script="Arab" typeface="Times New Roman"/>
+        <a:font script="Hebr" typeface="Times New Roman"/>
+        <a:font script="Thai" typeface="Angsana New"/>
+        <a:font script="Ethi" typeface="Nyala"/>
+        <a:font script="Beng" typeface="Vrinda"/>
+        <a:font script="Gujr" typeface="Shruti"/>
+        <a:font script="Khmr" typeface="MoolBoran"/>
+        <a:font script="Knda" typeface="Tunga"/>
+        <a:font script="Guru" typeface="Raavi"/>
+        <a:font script="Cans" typeface="Euphemia"/>
+        <a:font script="Cher" typeface="Plantagenet Cherokee"/>
+        <a:font script="Yiii" typeface="Microsoft Yi Baiti"/>
+        <a:font script="Tibt" typeface="Microsoft Himalaya"/>
+        <a:font script="Thaa" typeface="MV Boli"/>
+        <a:font script="Deva" typeface="Mangal"/>
+        <a:font script="Telu" typeface="Gautami"/>
+        <a:font script="Taml" typeface="Latha"/>
+        <a:font script="Syrc" typeface="Estrangelo Edessa"/>
+        <a:font script="Orya" typeface="Kalinga"/>
+        <a:font script="Mlym" typeface="Kartika"/>
+        <a:font script="Laoo" typeface="DokChampa"/>
+        <a:font script="Sinh" typeface="Iskoola Pota"/>
+        <a:font script="Mong" typeface="Mongolian Baiti"/>
+        <a:font script="Viet" typeface="Times New Roman"/>
+        <a:font script="Uigh" typeface="Microsoft Uighur"/>
+        <a:font script="Geor" typeface="Sylfaen"/>
+      </a:majorFont>
+      <a:minorFont>
+        <a:latin typeface="Calibri" panose="020F0502020204030204"/>
+        <a:ea typeface=""/>
+        <a:cs typeface=""/>
+        <a:font script="Jpan" typeface="ＭＳ Ｐゴシック"/>
+        <a:font script="Hang" typeface="맑은 고딕"/>
+        <a:font script="Hans" typeface="宋体"/>
+        <a:font script="Hant" typeface="新細明體"/>
+        <a:font script="Arab" typeface="Arial"/>
+        <a:font script="Hebr" typeface="Arial"/>
+        <a:font script="Thai" typeface="Cordia New"/>
+        <a:font script="Ethi" typeface="Nyala"/>
+        <a:font script="Beng" typeface="Vrinda"/>
+        <a:font script="Gujr" typeface="Shruti"/>
+        <a:font script="Khmr" typeface="DaunPenh"/>
+        <a:font script="Knda" typeface="Tunga"/>
+        <a:font script="Guru" typeface="Raavi"/>
+        <a:font script="Cans" typeface="Euphemia"/>
+        <a:font script="Cher" typeface="Plantagenet Cherokee"/>
+        <a:font script="Yiii" typeface="Microsoft Yi Baiti"/>
+        <a:font script="Tibt" typeface="Microsoft Himalaya"/>
+        <a:font script="Thaa" typeface="MV Boli"/>
+        <a:font script="Deva" typeface="Mangal"/>
+        <a:font script="Telu" typeface="Gautami"/>
+        <a:font script="Taml" typeface="Latha"/>
+        <a:font script="Syrc" typeface="Estrangelo Edessa"/>
+        <a:font script="Orya" typeface="Kalinga"/>
+        <a:font script="Mlym" typeface="Kartika"/>
+        <a:font script="Laoo" typeface="DokChampa"/>
+        <a:font script="Sinh" typeface="Iskoola Pota"/>
+        <a:font script="Mong" typeface="Mongolian Baiti"/>
+        <a:font script="Viet" typeface="Arial"/>
+        <a:font script="Uigh" typeface="Microsoft Uighur"/>
+        <a:font script="Geor" typeface="Sylfaen"/>
+      </a:minorFont>
+    </a:fontScheme>
+    <a:fmtScheme name="Office">
+      <a:fillStyleLst>
+        <a:solidFill>
+          <a:schemeClr val="phClr"/>
+        </a:solidFill>
+        <a:gradFill rotWithShape="1">
+          <a:gsLst>
+            <a:gs pos="0">
+              <a:schemeClr val="phClr">
+                <a:lumMod val="110000"/>
+                <a:satMod val="105000"/>
+                <a:tint val="67000"/>
+              </a:schemeClr>
+            </a:gs>
+            <a:gs pos="50000">
+              <a:schemeClr val="phClr">
+                <a:lumMod val="105000"/>
+                <a:satMod val="103000"/>
+                <a:tint val="73000"/>
+              </a:schemeClr>
+            </a:gs>
+            <a:gs pos="100000">
+              <a:schemeClr val="phClr">
+                <a:lumMod val="105000"/>
+                <a:satMod val="109000"/>
+                <a:tint val="81000"/>
+              </a:schemeClr>
+            </a:gs>
+          </a:gsLst>
+          <a:lin ang="5400000" scaled="0"/>
+        </a:gradFill>
+        <a:gradFill rotWithShape="1">
+          <a:gsLst>
+            <a:gs pos="0">
+              <a:schemeClr val="phClr">
+                <a:satMod val="103000"/>
+                <a:lumMod val="102000"/>
+                <a:tint val="94000"/>
+              </a:schemeClr>
+            </a:gs>
+            <a:gs pos="50000">
+              <a:schemeClr val="phClr">
+                <a:satMod val="110000"/>
+                <a:lumMod val="100000"/>
+                <a:shade val="100000"/>
+              </a:schemeClr>
+            </a:gs>
+            <a:gs pos="100000">
+              <a:schemeClr val="phClr">
+                <a:lumMod val="99000"/>
+                <a:satMod val="120000"/>
+                <a:shade val="78000"/>
+              </a:schemeClr>
+            </a:gs>
+          </a:gsLst>
+          <a:lin ang="5400000" scaled="0"/>
+        </a:gradFill>
+      </a:fillStyleLst>
+      <a:lnStyleLst>
+        <a:ln w="6350" cap="flat" cmpd="sng" algn="ctr">
+          <a:solidFill>
+            <a:schemeClr val="phClr"/>
+          </a:solidFill>
+          <a:prstDash val="solid"/>
+          <a:miter lim="800000"/>
+        </a:ln>
+        <a:ln w="12700" cap="flat" cmpd="sng" algn="ctr">
+          <a:solidFill>
+            <a:schemeClr val="phClr"/>
+          </a:solidFill>
+          <a:prstDash val="solid"/>
+          <a:miter lim="800000"/>
+        </a:ln>
+        <a:ln w="19050" cap="flat" cmpd="sng" algn="ctr">
+          <a:solidFill>
+            <a:schemeClr val="phClr"/>
+          </a:solidFill>
+          <a:prstDash val="solid"/>
+          <a:miter lim="800000"/>
+        </a:ln>
+      </a:lnStyleLst>
+      <a:effectStyleLst>
+        <a:effectStyle>
+          <a:effectLst/>
+        </a:effectStyle>
+        <a:effectStyle>
+          <a:effectLst/>
+        </a:effectStyle>
+        <a:effectStyle>
+          <a:effectLst>
+            <a:outerShdw blurRad="57150" dist="19050" dir="5400000" algn="ctr" rotWithShape="0">
+              <a:srgbClr val="000000">
+                <a:alpha val="63000"/>
+              </a:srgbClr>
+            </a:outerShdw>
+          </a:effectLst>
+        </a:effectStyle>
+      </a:effectStyleLst>
+      <a:bgFillStyleLst>
+        <a:solidFill>
+          <a:schemeClr val="phClr"/>
+        </a:solidFill>
+        <a:solidFill>
+          <a:schemeClr val="phClr">
+            <a:tint val="95000"/>
+            <a:satMod val="170000"/>
+          </a:schemeClr>
+        </a:solidFill>
+        <a:gradFill rotWithShape="1">
+          <a:gsLst>
+            <a:gs pos="0">
+              <a:schemeClr val="phClr">
+                <a:tint val="93000"/>
+                <a:satMod val="150000"/>
+                <a:shade val="98000"/>
+                <a:lumMod val="102000"/>
+              </a:schemeClr>
+            </a:gs>
+            <a:gs pos="50000">
+              <a:schemeClr val="phClr">
+                <a:tint val="98000"/>
+                <a:satMod val="130000"/>
+                <a:shade val="90000"/>
+                <a:lumMod val="103000"/>
+              </a:schemeClr>
+            </a:gs>
+            <a:gs pos="100000">
+              <a:schemeClr val="phClr">
+                <a:shade val="63000"/>
+                <a:satMod val="120000"/>
+              </a:schemeClr>
+            </a:gs>
+          </a:gsLst>
+          <a:lin ang="5400000" scaled="0"/>
+        </a:gradFill>
+      </a:bgFillStyleLst>
+    </a:fmtScheme>
+  </a:themeElements>
+  <a:objectDefaults/>
+  <a:extraClrSchemeLst/>
+  <a:extLst>
+    <a:ext uri="{05A4C25C-085E-4340-85A3-A5531E510DB2}">
+      <thm15:themeFamily xmlns:thm15="http://schemas.microsoft.com/office/thememl/2012/main" name="Office Theme" id="{62F939B6-93AF-4DB8-9C6B-D6C7DFDC589F}" vid="{4A3C46E8-61CC-4603-A589-7422A47A8E4A}"/>
+    </a:ext>
+  </a:extLst>
+</a:theme>
 </file>
--- a/fig/fig.pptx
+++ b/fig/fig.pptx
@@ -5,11 +5,13 @@
     <p:sldMasterId id="2147483648" r:id="rId1"/>
   </p:sldMasterIdLst>
   <p:notesMasterIdLst>
-    <p:notesMasterId r:id="rId4"/>
+    <p:notesMasterId r:id="rId6"/>
   </p:notesMasterIdLst>
   <p:sldIdLst>
     <p:sldId id="256" r:id="rId2"/>
     <p:sldId id="257" r:id="rId3"/>
+    <p:sldId id="258" r:id="rId4"/>
+    <p:sldId id="259" r:id="rId5"/>
   </p:sldIdLst>
   <p:sldSz cx="12192000" cy="6858000"/>
   <p:notesSz cx="6858000" cy="9144000"/>
@@ -3735,8 +3737,8 @@
         </p:nvSpPr>
         <p:spPr>
           <a:xfrm>
-            <a:off x="435006" y="262508"/>
-            <a:ext cx="8487052" cy="2876365"/>
+            <a:off x="480698" y="346076"/>
+            <a:ext cx="8545569" cy="2817537"/>
           </a:xfrm>
           <a:prstGeom prst="rect">
             <a:avLst/>
@@ -4756,7 +4758,7 @@
         <p:spPr>
           <a:xfrm>
             <a:off x="6999665" y="526535"/>
-            <a:ext cx="2063750" cy="461665"/>
+            <a:ext cx="2026602" cy="461665"/>
           </a:xfrm>
           <a:prstGeom prst="rect">
             <a:avLst/>
@@ -4943,8 +4945,8 @@
         </p:nvSpPr>
         <p:spPr>
           <a:xfrm>
-            <a:off x="349250" y="723900"/>
-            <a:ext cx="8947150" cy="4679950"/>
+            <a:off x="367862" y="806450"/>
+            <a:ext cx="8928537" cy="4500984"/>
           </a:xfrm>
           <a:prstGeom prst="rect">
             <a:avLst/>
@@ -5987,7 +5989,7 @@
           <a:prstGeom prst="straightConnector1">
             <a:avLst/>
           </a:prstGeom>
-          <a:ln w="12700">
+          <a:ln w="25400">
             <a:solidFill>
               <a:schemeClr val="tx1"/>
             </a:solidFill>
@@ -6140,6 +6142,3324 @@
     <p:extLst>
       <p:ext uri="{BB962C8B-B14F-4D97-AF65-F5344CB8AC3E}">
         <p14:creationId xmlns:p14="http://schemas.microsoft.com/office/powerpoint/2010/main" val="3284822393"/>
+      </p:ext>
+    </p:extLst>
+  </p:cSld>
+  <p:clrMapOvr>
+    <a:masterClrMapping/>
+  </p:clrMapOvr>
+</p:sld>
+</file>
+
+<file path=ppt/slides/slide3.xml><?xml version="1.0" encoding="utf-8"?>
+<p:sld xmlns:a="http://schemas.openxmlformats.org/drawingml/2006/main" xmlns:r="http://schemas.openxmlformats.org/officeDocument/2006/relationships" xmlns:p="http://schemas.openxmlformats.org/presentationml/2006/main">
+  <p:cSld>
+    <p:spTree>
+      <p:nvGrpSpPr>
+        <p:cNvPr id="1" name=""/>
+        <p:cNvGrpSpPr/>
+        <p:nvPr/>
+      </p:nvGrpSpPr>
+      <p:grpSpPr>
+        <a:xfrm>
+          <a:off x="0" y="0"/>
+          <a:ext cx="0" cy="0"/>
+          <a:chOff x="0" y="0"/>
+          <a:chExt cx="0" cy="0"/>
+        </a:xfrm>
+      </p:grpSpPr>
+      <p:sp>
+        <p:nvSpPr>
+          <p:cNvPr id="182" name="正方形/長方形 181"/>
+          <p:cNvSpPr/>
+          <p:nvPr/>
+        </p:nvSpPr>
+        <p:spPr>
+          <a:xfrm>
+            <a:off x="1177159" y="303329"/>
+            <a:ext cx="8688886" cy="4698625"/>
+          </a:xfrm>
+          <a:prstGeom prst="rect">
+            <a:avLst/>
+          </a:prstGeom>
+          <a:solidFill>
+            <a:schemeClr val="bg1"/>
+          </a:solidFill>
+          <a:ln>
+            <a:solidFill>
+              <a:schemeClr val="bg1"/>
+            </a:solidFill>
+          </a:ln>
+        </p:spPr>
+        <p:style>
+          <a:lnRef idx="2">
+            <a:schemeClr val="accent1">
+              <a:shade val="50000"/>
+            </a:schemeClr>
+          </a:lnRef>
+          <a:fillRef idx="1">
+            <a:schemeClr val="accent1"/>
+          </a:fillRef>
+          <a:effectRef idx="0">
+            <a:schemeClr val="accent1"/>
+          </a:effectRef>
+          <a:fontRef idx="minor">
+            <a:schemeClr val="lt1"/>
+          </a:fontRef>
+        </p:style>
+        <p:txBody>
+          <a:bodyPr rot="0" spcFirstLastPara="0" vertOverflow="overflow" horzOverflow="overflow" vert="horz" wrap="square" lIns="91440" tIns="45720" rIns="91440" bIns="45720" numCol="1" spcCol="0" rtlCol="0" fromWordArt="0" anchor="ctr" anchorCtr="0" forceAA="0" compatLnSpc="1">
+            <a:prstTxWarp prst="textNoShape">
+              <a:avLst/>
+            </a:prstTxWarp>
+            <a:noAutofit/>
+          </a:bodyPr>
+          <a:lstStyle/>
+          <a:p>
+            <a:pPr algn="ctr"/>
+            <a:endParaRPr kumimoji="1" lang="ja-JP" altLang="en-US" sz="2000" dirty="0" smtClean="0">
+              <a:solidFill>
+                <a:schemeClr val="tx1"/>
+              </a:solidFill>
+            </a:endParaRPr>
+          </a:p>
+        </p:txBody>
+      </p:sp>
+      <p:sp>
+        <p:nvSpPr>
+          <p:cNvPr id="4" name="角丸四角形 3"/>
+          <p:cNvSpPr/>
+          <p:nvPr/>
+        </p:nvSpPr>
+        <p:spPr>
+          <a:xfrm>
+            <a:off x="2413852" y="796548"/>
+            <a:ext cx="2888131" cy="1017155"/>
+          </a:xfrm>
+          <a:prstGeom prst="roundRect">
+            <a:avLst/>
+          </a:prstGeom>
+          <a:noFill/>
+          <a:ln>
+            <a:solidFill>
+              <a:schemeClr val="tx1"/>
+            </a:solidFill>
+          </a:ln>
+        </p:spPr>
+        <p:style>
+          <a:lnRef idx="2">
+            <a:schemeClr val="accent1">
+              <a:shade val="50000"/>
+            </a:schemeClr>
+          </a:lnRef>
+          <a:fillRef idx="1">
+            <a:schemeClr val="accent1"/>
+          </a:fillRef>
+          <a:effectRef idx="0">
+            <a:schemeClr val="accent1"/>
+          </a:effectRef>
+          <a:fontRef idx="minor">
+            <a:schemeClr val="lt1"/>
+          </a:fontRef>
+        </p:style>
+        <p:txBody>
+          <a:bodyPr rtlCol="0" anchor="ctr"/>
+          <a:lstStyle/>
+          <a:p>
+            <a:pPr algn="ctr"/>
+            <a:r>
+              <a:rPr lang="en-US" altLang="ja-JP" sz="2800" dirty="0" err="1" smtClean="0">
+                <a:solidFill>
+                  <a:schemeClr val="tx1"/>
+                </a:solidFill>
+              </a:rPr>
+              <a:t>CSState</a:t>
+            </a:r>
+            <a:endParaRPr lang="en-US" altLang="ja-JP" sz="2800" dirty="0" smtClean="0">
+              <a:solidFill>
+                <a:schemeClr val="tx1"/>
+              </a:solidFill>
+            </a:endParaRPr>
+          </a:p>
+          <a:p>
+            <a:pPr algn="ctr"/>
+            <a:r>
+              <a:rPr lang="en-US" altLang="ja-JP" sz="2800" dirty="0" smtClean="0">
+                <a:solidFill>
+                  <a:schemeClr val="tx1"/>
+                </a:solidFill>
+              </a:rPr>
+              <a:t>HTTPTransaction1</a:t>
+            </a:r>
+            <a:endParaRPr lang="ja-JP" altLang="en-US" sz="2800" dirty="0">
+              <a:solidFill>
+                <a:schemeClr val="tx1"/>
+              </a:solidFill>
+            </a:endParaRPr>
+          </a:p>
+        </p:txBody>
+      </p:sp>
+      <p:sp>
+        <p:nvSpPr>
+          <p:cNvPr id="5" name="円/楕円 16"/>
+          <p:cNvSpPr/>
+          <p:nvPr/>
+        </p:nvSpPr>
+        <p:spPr>
+          <a:xfrm>
+            <a:off x="1177159" y="2101363"/>
+            <a:ext cx="1861501" cy="739397"/>
+          </a:xfrm>
+          <a:prstGeom prst="ellipse">
+            <a:avLst/>
+          </a:prstGeom>
+          <a:noFill/>
+          <a:ln>
+            <a:solidFill>
+              <a:schemeClr val="tx1"/>
+            </a:solidFill>
+          </a:ln>
+        </p:spPr>
+        <p:style>
+          <a:lnRef idx="2">
+            <a:schemeClr val="accent1">
+              <a:shade val="50000"/>
+            </a:schemeClr>
+          </a:lnRef>
+          <a:fillRef idx="1">
+            <a:schemeClr val="accent1"/>
+          </a:fillRef>
+          <a:effectRef idx="0">
+            <a:schemeClr val="accent1"/>
+          </a:effectRef>
+          <a:fontRef idx="minor">
+            <a:schemeClr val="lt1"/>
+          </a:fontRef>
+        </p:style>
+        <p:txBody>
+          <a:bodyPr rtlCol="0" anchor="ctr"/>
+          <a:lstStyle/>
+          <a:p>
+            <a:pPr algn="ctr"/>
+            <a:r>
+              <a:rPr kumimoji="1" lang="en-US" altLang="ja-JP" sz="2400" dirty="0" smtClean="0">
+                <a:solidFill>
+                  <a:schemeClr val="tx1"/>
+                </a:solidFill>
+              </a:rPr>
+              <a:t>CSState</a:t>
+            </a:r>
+            <a:r>
+              <a:rPr lang="en-US" altLang="ja-JP" sz="2400" dirty="0">
+                <a:solidFill>
+                  <a:schemeClr val="tx1"/>
+                </a:solidFill>
+              </a:rPr>
+              <a:t>1</a:t>
+            </a:r>
+            <a:endParaRPr kumimoji="1" lang="ja-JP" altLang="en-US" sz="2400" dirty="0" smtClean="0">
+              <a:solidFill>
+                <a:schemeClr val="tx1"/>
+              </a:solidFill>
+            </a:endParaRPr>
+          </a:p>
+        </p:txBody>
+      </p:sp>
+      <p:cxnSp>
+        <p:nvCxnSpPr>
+          <p:cNvPr id="7" name="直線矢印コネクタ 6"/>
+          <p:cNvCxnSpPr>
+            <a:stCxn id="4" idx="2"/>
+            <a:endCxn id="5" idx="7"/>
+          </p:cNvCxnSpPr>
+          <p:nvPr/>
+        </p:nvCxnSpPr>
+        <p:spPr>
+          <a:xfrm flipH="1">
+            <a:off x="2766049" y="1813703"/>
+            <a:ext cx="1091869" cy="395942"/>
+          </a:xfrm>
+          <a:prstGeom prst="straightConnector1">
+            <a:avLst/>
+          </a:prstGeom>
+          <a:ln w="12700">
+            <a:solidFill>
+              <a:schemeClr val="tx1"/>
+            </a:solidFill>
+            <a:prstDash val="solid"/>
+            <a:tailEnd type="triangle"/>
+          </a:ln>
+        </p:spPr>
+        <p:style>
+          <a:lnRef idx="1">
+            <a:schemeClr val="accent1"/>
+          </a:lnRef>
+          <a:fillRef idx="0">
+            <a:schemeClr val="accent1"/>
+          </a:fillRef>
+          <a:effectRef idx="0">
+            <a:schemeClr val="accent1"/>
+          </a:effectRef>
+          <a:fontRef idx="minor">
+            <a:schemeClr val="tx1"/>
+          </a:fontRef>
+        </p:style>
+      </p:cxnSp>
+      <p:sp>
+        <p:nvSpPr>
+          <p:cNvPr id="11" name="角丸四角形 10"/>
+          <p:cNvSpPr/>
+          <p:nvPr/>
+        </p:nvSpPr>
+        <p:spPr>
+          <a:xfrm>
+            <a:off x="5725959" y="808269"/>
+            <a:ext cx="2888131" cy="1017155"/>
+          </a:xfrm>
+          <a:prstGeom prst="roundRect">
+            <a:avLst/>
+          </a:prstGeom>
+          <a:noFill/>
+          <a:ln>
+            <a:solidFill>
+              <a:schemeClr val="tx1"/>
+            </a:solidFill>
+          </a:ln>
+        </p:spPr>
+        <p:style>
+          <a:lnRef idx="2">
+            <a:schemeClr val="accent1">
+              <a:shade val="50000"/>
+            </a:schemeClr>
+          </a:lnRef>
+          <a:fillRef idx="1">
+            <a:schemeClr val="accent1"/>
+          </a:fillRef>
+          <a:effectRef idx="0">
+            <a:schemeClr val="accent1"/>
+          </a:effectRef>
+          <a:fontRef idx="minor">
+            <a:schemeClr val="lt1"/>
+          </a:fontRef>
+        </p:style>
+        <p:txBody>
+          <a:bodyPr rtlCol="0" anchor="ctr"/>
+          <a:lstStyle/>
+          <a:p>
+            <a:pPr algn="ctr"/>
+            <a:r>
+              <a:rPr lang="en-US" altLang="ja-JP" sz="2800" dirty="0" err="1" smtClean="0">
+                <a:solidFill>
+                  <a:schemeClr val="tx1"/>
+                </a:solidFill>
+              </a:rPr>
+              <a:t>CSState</a:t>
+            </a:r>
+            <a:endParaRPr lang="en-US" altLang="ja-JP" sz="2800" dirty="0" smtClean="0">
+              <a:solidFill>
+                <a:schemeClr val="tx1"/>
+              </a:solidFill>
+            </a:endParaRPr>
+          </a:p>
+          <a:p>
+            <a:pPr algn="ctr"/>
+            <a:r>
+              <a:rPr lang="en-US" altLang="ja-JP" sz="2800" dirty="0" smtClean="0">
+                <a:solidFill>
+                  <a:schemeClr val="tx1"/>
+                </a:solidFill>
+              </a:rPr>
+              <a:t>HTTPTransaction2</a:t>
+            </a:r>
+            <a:endParaRPr lang="ja-JP" altLang="en-US" sz="2800" dirty="0">
+              <a:solidFill>
+                <a:schemeClr val="tx1"/>
+              </a:solidFill>
+            </a:endParaRPr>
+          </a:p>
+        </p:txBody>
+      </p:sp>
+      <p:cxnSp>
+        <p:nvCxnSpPr>
+          <p:cNvPr id="17" name="直線矢印コネクタ 16"/>
+          <p:cNvCxnSpPr>
+            <a:stCxn id="4" idx="2"/>
+            <a:endCxn id="101" idx="1"/>
+          </p:cNvCxnSpPr>
+          <p:nvPr/>
+        </p:nvCxnSpPr>
+        <p:spPr>
+          <a:xfrm>
+            <a:off x="3857918" y="1813703"/>
+            <a:ext cx="2143442" cy="389591"/>
+          </a:xfrm>
+          <a:prstGeom prst="straightConnector1">
+            <a:avLst/>
+          </a:prstGeom>
+          <a:ln w="12700">
+            <a:solidFill>
+              <a:schemeClr val="tx1"/>
+            </a:solidFill>
+            <a:prstDash val="solid"/>
+            <a:tailEnd type="triangle"/>
+          </a:ln>
+        </p:spPr>
+        <p:style>
+          <a:lnRef idx="1">
+            <a:schemeClr val="accent1"/>
+          </a:lnRef>
+          <a:fillRef idx="0">
+            <a:schemeClr val="accent1"/>
+          </a:fillRef>
+          <a:effectRef idx="0">
+            <a:schemeClr val="accent1"/>
+          </a:effectRef>
+          <a:fontRef idx="minor">
+            <a:schemeClr val="tx1"/>
+          </a:fontRef>
+        </p:style>
+      </p:cxnSp>
+      <p:cxnSp>
+        <p:nvCxnSpPr>
+          <p:cNvPr id="20" name="直線矢印コネクタ 19"/>
+          <p:cNvCxnSpPr>
+            <a:stCxn id="11" idx="2"/>
+            <a:endCxn id="100" idx="7"/>
+          </p:cNvCxnSpPr>
+          <p:nvPr/>
+        </p:nvCxnSpPr>
+        <p:spPr>
+          <a:xfrm flipH="1">
+            <a:off x="5041844" y="1825424"/>
+            <a:ext cx="2128181" cy="380667"/>
+          </a:xfrm>
+          <a:prstGeom prst="straightConnector1">
+            <a:avLst/>
+          </a:prstGeom>
+          <a:ln w="12700">
+            <a:solidFill>
+              <a:schemeClr val="tx1"/>
+            </a:solidFill>
+            <a:prstDash val="solid"/>
+            <a:tailEnd type="triangle"/>
+          </a:ln>
+        </p:spPr>
+        <p:style>
+          <a:lnRef idx="1">
+            <a:schemeClr val="accent1"/>
+          </a:lnRef>
+          <a:fillRef idx="0">
+            <a:schemeClr val="accent1"/>
+          </a:fillRef>
+          <a:effectRef idx="0">
+            <a:schemeClr val="accent1"/>
+          </a:effectRef>
+          <a:fontRef idx="minor">
+            <a:schemeClr val="tx1"/>
+          </a:fontRef>
+        </p:style>
+      </p:cxnSp>
+      <p:cxnSp>
+        <p:nvCxnSpPr>
+          <p:cNvPr id="23" name="直線矢印コネクタ 22"/>
+          <p:cNvCxnSpPr>
+            <a:stCxn id="11" idx="2"/>
+            <a:endCxn id="106" idx="1"/>
+          </p:cNvCxnSpPr>
+          <p:nvPr/>
+        </p:nvCxnSpPr>
+        <p:spPr>
+          <a:xfrm>
+            <a:off x="7170025" y="1825424"/>
+            <a:ext cx="1107130" cy="377869"/>
+          </a:xfrm>
+          <a:prstGeom prst="straightConnector1">
+            <a:avLst/>
+          </a:prstGeom>
+          <a:ln w="12700">
+            <a:solidFill>
+              <a:schemeClr val="tx1"/>
+            </a:solidFill>
+            <a:prstDash val="solid"/>
+            <a:tailEnd type="triangle"/>
+          </a:ln>
+        </p:spPr>
+        <p:style>
+          <a:lnRef idx="1">
+            <a:schemeClr val="accent1"/>
+          </a:lnRef>
+          <a:fillRef idx="0">
+            <a:schemeClr val="accent1"/>
+          </a:fillRef>
+          <a:effectRef idx="0">
+            <a:schemeClr val="accent1"/>
+          </a:effectRef>
+          <a:fontRef idx="minor">
+            <a:schemeClr val="tx1"/>
+          </a:fontRef>
+        </p:style>
+      </p:cxnSp>
+      <p:cxnSp>
+        <p:nvCxnSpPr>
+          <p:cNvPr id="31" name="カギ線コネクタ 30"/>
+          <p:cNvCxnSpPr>
+            <a:stCxn id="136" idx="2"/>
+            <a:endCxn id="164" idx="2"/>
+          </p:cNvCxnSpPr>
+          <p:nvPr/>
+        </p:nvCxnSpPr>
+        <p:spPr>
+          <a:xfrm rot="5400000" flipH="1" flipV="1">
+            <a:off x="4381689" y="1935170"/>
+            <a:ext cx="6135" cy="4553697"/>
+          </a:xfrm>
+          <a:prstGeom prst="bentConnector3">
+            <a:avLst>
+              <a:gd name="adj1" fmla="val -3726161"/>
+            </a:avLst>
+          </a:prstGeom>
+          <a:ln w="25400">
+            <a:solidFill>
+              <a:schemeClr val="tx1"/>
+            </a:solidFill>
+            <a:prstDash val="sysDot"/>
+            <a:tailEnd type="arrow"/>
+          </a:ln>
+        </p:spPr>
+        <p:style>
+          <a:lnRef idx="1">
+            <a:schemeClr val="accent1"/>
+          </a:lnRef>
+          <a:fillRef idx="0">
+            <a:schemeClr val="accent1"/>
+          </a:fillRef>
+          <a:effectRef idx="0">
+            <a:schemeClr val="accent1"/>
+          </a:effectRef>
+          <a:fontRef idx="minor">
+            <a:schemeClr val="tx1"/>
+          </a:fontRef>
+        </p:style>
+      </p:cxnSp>
+      <p:cxnSp>
+        <p:nvCxnSpPr>
+          <p:cNvPr id="33" name="カギ線コネクタ 32"/>
+          <p:cNvCxnSpPr>
+            <a:stCxn id="158" idx="2"/>
+            <a:endCxn id="170" idx="2"/>
+          </p:cNvCxnSpPr>
+          <p:nvPr/>
+        </p:nvCxnSpPr>
+        <p:spPr>
+          <a:xfrm rot="16200000" flipH="1">
+            <a:off x="6660553" y="1932103"/>
+            <a:ext cx="12700" cy="4553696"/>
+          </a:xfrm>
+          <a:prstGeom prst="bentConnector3">
+            <a:avLst>
+              <a:gd name="adj1" fmla="val 2875866"/>
+            </a:avLst>
+          </a:prstGeom>
+          <a:ln w="25400">
+            <a:solidFill>
+              <a:schemeClr val="tx1"/>
+            </a:solidFill>
+            <a:prstDash val="sysDot"/>
+            <a:tailEnd type="arrow"/>
+          </a:ln>
+        </p:spPr>
+        <p:style>
+          <a:lnRef idx="1">
+            <a:schemeClr val="accent1"/>
+          </a:lnRef>
+          <a:fillRef idx="0">
+            <a:schemeClr val="accent1"/>
+          </a:fillRef>
+          <a:effectRef idx="0">
+            <a:schemeClr val="accent1"/>
+          </a:effectRef>
+          <a:fontRef idx="minor">
+            <a:schemeClr val="tx1"/>
+          </a:fontRef>
+        </p:style>
+      </p:cxnSp>
+      <p:cxnSp>
+        <p:nvCxnSpPr>
+          <p:cNvPr id="36" name="直線矢印コネクタ 35"/>
+          <p:cNvCxnSpPr/>
+          <p:nvPr/>
+        </p:nvCxnSpPr>
+        <p:spPr>
+          <a:xfrm flipV="1">
+            <a:off x="1177159" y="671190"/>
+            <a:ext cx="8688886" cy="1474"/>
+          </a:xfrm>
+          <a:prstGeom prst="straightConnector1">
+            <a:avLst/>
+          </a:prstGeom>
+          <a:ln w="31750">
+            <a:solidFill>
+              <a:schemeClr val="tx1"/>
+            </a:solidFill>
+            <a:prstDash val="solid"/>
+            <a:tailEnd type="triangle"/>
+          </a:ln>
+        </p:spPr>
+        <p:style>
+          <a:lnRef idx="1">
+            <a:schemeClr val="accent1"/>
+          </a:lnRef>
+          <a:fillRef idx="0">
+            <a:schemeClr val="accent1"/>
+          </a:fillRef>
+          <a:effectRef idx="0">
+            <a:schemeClr val="accent1"/>
+          </a:effectRef>
+          <a:fontRef idx="minor">
+            <a:schemeClr val="tx1"/>
+          </a:fontRef>
+        </p:style>
+      </p:cxnSp>
+      <p:sp>
+        <p:nvSpPr>
+          <p:cNvPr id="37" name="テキスト ボックス 36"/>
+          <p:cNvSpPr txBox="1"/>
+          <p:nvPr/>
+        </p:nvSpPr>
+        <p:spPr>
+          <a:xfrm>
+            <a:off x="1177159" y="303331"/>
+            <a:ext cx="1098791" cy="369332"/>
+          </a:xfrm>
+          <a:prstGeom prst="rect">
+            <a:avLst/>
+          </a:prstGeom>
+          <a:noFill/>
+        </p:spPr>
+        <p:txBody>
+          <a:bodyPr wrap="square" rtlCol="0">
+            <a:spAutoFit/>
+          </a:bodyPr>
+          <a:lstStyle/>
+          <a:p>
+            <a:r>
+              <a:rPr lang="ja-JP" altLang="en-US" dirty="0" smtClean="0"/>
+              <a:t>時間変化</a:t>
+            </a:r>
+            <a:endParaRPr kumimoji="1" lang="ja-JP" altLang="en-US" dirty="0"/>
+          </a:p>
+        </p:txBody>
+      </p:sp>
+      <p:sp>
+        <p:nvSpPr>
+          <p:cNvPr id="86" name="テキスト ボックス 85"/>
+          <p:cNvSpPr txBox="1"/>
+          <p:nvPr/>
+        </p:nvSpPr>
+        <p:spPr>
+          <a:xfrm>
+            <a:off x="2217862" y="1746500"/>
+            <a:ext cx="1280973" cy="369332"/>
+          </a:xfrm>
+          <a:prstGeom prst="rect">
+            <a:avLst/>
+          </a:prstGeom>
+          <a:noFill/>
+        </p:spPr>
+        <p:txBody>
+          <a:bodyPr wrap="square" rtlCol="0">
+            <a:spAutoFit/>
+          </a:bodyPr>
+          <a:lstStyle/>
+          <a:p>
+            <a:r>
+              <a:rPr kumimoji="1" lang="en-US" altLang="ja-JP" dirty="0" err="1" smtClean="0"/>
+              <a:t>beforeState</a:t>
+            </a:r>
+            <a:endParaRPr kumimoji="1" lang="ja-JP" altLang="en-US" dirty="0"/>
+          </a:p>
+        </p:txBody>
+      </p:sp>
+      <p:sp>
+        <p:nvSpPr>
+          <p:cNvPr id="87" name="テキスト ボックス 86"/>
+          <p:cNvSpPr txBox="1"/>
+          <p:nvPr/>
+        </p:nvSpPr>
+        <p:spPr>
+          <a:xfrm>
+            <a:off x="4819102" y="1745488"/>
+            <a:ext cx="1671553" cy="369332"/>
+          </a:xfrm>
+          <a:prstGeom prst="rect">
+            <a:avLst/>
+          </a:prstGeom>
+          <a:noFill/>
+        </p:spPr>
+        <p:txBody>
+          <a:bodyPr wrap="square" rtlCol="0">
+            <a:spAutoFit/>
+          </a:bodyPr>
+          <a:lstStyle/>
+          <a:p>
+            <a:r>
+              <a:rPr lang="en-US" altLang="ja-JP" dirty="0" err="1" smtClean="0"/>
+              <a:t>after</a:t>
+            </a:r>
+            <a:r>
+              <a:rPr kumimoji="1" lang="en-US" altLang="ja-JP" dirty="0" err="1" smtClean="0"/>
+              <a:t>State</a:t>
+            </a:r>
+            <a:endParaRPr kumimoji="1" lang="ja-JP" altLang="en-US" dirty="0"/>
+          </a:p>
+        </p:txBody>
+      </p:sp>
+      <p:grpSp>
+        <p:nvGrpSpPr>
+          <p:cNvPr id="132" name="グループ化 131"/>
+          <p:cNvGrpSpPr/>
+          <p:nvPr/>
+        </p:nvGrpSpPr>
+        <p:grpSpPr>
+          <a:xfrm>
+            <a:off x="5521602" y="4632622"/>
+            <a:ext cx="4110962" cy="369332"/>
+            <a:chOff x="5193862" y="3232992"/>
+            <a:chExt cx="4110962" cy="369332"/>
+          </a:xfrm>
+        </p:grpSpPr>
+        <p:sp>
+          <p:nvSpPr>
+            <p:cNvPr id="89" name="テキスト ボックス 88"/>
+            <p:cNvSpPr txBox="1"/>
+            <p:nvPr/>
+          </p:nvSpPr>
+          <p:spPr>
+            <a:xfrm>
+              <a:off x="5516087" y="3232992"/>
+              <a:ext cx="3788737" cy="369332"/>
+            </a:xfrm>
+            <a:prstGeom prst="rect">
+              <a:avLst/>
+            </a:prstGeom>
+            <a:noFill/>
+          </p:spPr>
+          <p:txBody>
+            <a:bodyPr wrap="square" rtlCol="0">
+              <a:spAutoFit/>
+            </a:bodyPr>
+            <a:lstStyle/>
+            <a:p>
+              <a:r>
+                <a:rPr kumimoji="1" lang="ja-JP" altLang="en-US" dirty="0" smtClean="0"/>
+                <a:t>：</a:t>
+              </a:r>
+              <a:r>
+                <a:rPr kumimoji="1" lang="en-US" altLang="ja-JP" dirty="0" smtClean="0"/>
+                <a:t>Cookie</a:t>
+              </a:r>
+              <a:r>
+                <a:rPr kumimoji="1" lang="ja-JP" altLang="en-US" dirty="0" smtClean="0"/>
+                <a:t>モデルで</a:t>
+              </a:r>
+              <a:r>
+                <a:rPr lang="ja-JP" altLang="en-US" dirty="0"/>
+                <a:t>表現</a:t>
+              </a:r>
+              <a:r>
+                <a:rPr lang="ja-JP" altLang="en-US" dirty="0" smtClean="0"/>
+                <a:t>できる状態変化</a:t>
+              </a:r>
+              <a:endParaRPr kumimoji="1" lang="ja-JP" altLang="en-US" dirty="0"/>
+            </a:p>
+          </p:txBody>
+        </p:sp>
+        <p:cxnSp>
+          <p:nvCxnSpPr>
+            <p:cNvPr id="92" name="直線矢印コネクタ 91"/>
+            <p:cNvCxnSpPr/>
+            <p:nvPr/>
+          </p:nvCxnSpPr>
+          <p:spPr>
+            <a:xfrm>
+              <a:off x="5193862" y="3447662"/>
+              <a:ext cx="395387" cy="0"/>
+            </a:xfrm>
+            <a:prstGeom prst="straightConnector1">
+              <a:avLst/>
+            </a:prstGeom>
+            <a:ln w="25400" cmpd="sng">
+              <a:solidFill>
+                <a:schemeClr val="tx1"/>
+              </a:solidFill>
+              <a:prstDash val="sysDot"/>
+              <a:headEnd type="none"/>
+              <a:tailEnd type="arrow"/>
+            </a:ln>
+          </p:spPr>
+          <p:style>
+            <a:lnRef idx="1">
+              <a:schemeClr val="accent1"/>
+            </a:lnRef>
+            <a:fillRef idx="0">
+              <a:schemeClr val="accent1"/>
+            </a:fillRef>
+            <a:effectRef idx="0">
+              <a:schemeClr val="accent1"/>
+            </a:effectRef>
+            <a:fontRef idx="minor">
+              <a:schemeClr val="tx1"/>
+            </a:fontRef>
+          </p:style>
+        </p:cxnSp>
+      </p:grpSp>
+      <p:sp>
+        <p:nvSpPr>
+          <p:cNvPr id="100" name="円/楕円 16"/>
+          <p:cNvSpPr/>
+          <p:nvPr/>
+        </p:nvSpPr>
+        <p:spPr>
+          <a:xfrm>
+            <a:off x="3452954" y="2097809"/>
+            <a:ext cx="1861501" cy="739397"/>
+          </a:xfrm>
+          <a:prstGeom prst="ellipse">
+            <a:avLst/>
+          </a:prstGeom>
+          <a:noFill/>
+          <a:ln>
+            <a:solidFill>
+              <a:schemeClr val="tx1"/>
+            </a:solidFill>
+          </a:ln>
+        </p:spPr>
+        <p:style>
+          <a:lnRef idx="2">
+            <a:schemeClr val="accent1">
+              <a:shade val="50000"/>
+            </a:schemeClr>
+          </a:lnRef>
+          <a:fillRef idx="1">
+            <a:schemeClr val="accent1"/>
+          </a:fillRef>
+          <a:effectRef idx="0">
+            <a:schemeClr val="accent1"/>
+          </a:effectRef>
+          <a:fontRef idx="minor">
+            <a:schemeClr val="lt1"/>
+          </a:fontRef>
+        </p:style>
+        <p:txBody>
+          <a:bodyPr rtlCol="0" anchor="ctr"/>
+          <a:lstStyle/>
+          <a:p>
+            <a:pPr algn="ctr"/>
+            <a:r>
+              <a:rPr kumimoji="1" lang="en-US" altLang="ja-JP" sz="2400" dirty="0" smtClean="0">
+                <a:solidFill>
+                  <a:schemeClr val="tx1"/>
+                </a:solidFill>
+              </a:rPr>
+              <a:t>CSState</a:t>
+            </a:r>
+            <a:r>
+              <a:rPr lang="en-US" altLang="ja-JP" sz="2400" dirty="0" smtClean="0">
+                <a:solidFill>
+                  <a:schemeClr val="tx1"/>
+                </a:solidFill>
+              </a:rPr>
+              <a:t>2</a:t>
+            </a:r>
+            <a:endParaRPr kumimoji="1" lang="ja-JP" altLang="en-US" sz="2400" dirty="0" smtClean="0">
+              <a:solidFill>
+                <a:schemeClr val="tx1"/>
+              </a:solidFill>
+            </a:endParaRPr>
+          </a:p>
+        </p:txBody>
+      </p:sp>
+      <p:sp>
+        <p:nvSpPr>
+          <p:cNvPr id="101" name="円/楕円 16"/>
+          <p:cNvSpPr/>
+          <p:nvPr/>
+        </p:nvSpPr>
+        <p:spPr>
+          <a:xfrm>
+            <a:off x="5728749" y="2095012"/>
+            <a:ext cx="1861501" cy="739397"/>
+          </a:xfrm>
+          <a:prstGeom prst="ellipse">
+            <a:avLst/>
+          </a:prstGeom>
+          <a:noFill/>
+          <a:ln>
+            <a:solidFill>
+              <a:schemeClr val="tx1"/>
+            </a:solidFill>
+          </a:ln>
+        </p:spPr>
+        <p:style>
+          <a:lnRef idx="2">
+            <a:schemeClr val="accent1">
+              <a:shade val="50000"/>
+            </a:schemeClr>
+          </a:lnRef>
+          <a:fillRef idx="1">
+            <a:schemeClr val="accent1"/>
+          </a:fillRef>
+          <a:effectRef idx="0">
+            <a:schemeClr val="accent1"/>
+          </a:effectRef>
+          <a:fontRef idx="minor">
+            <a:schemeClr val="lt1"/>
+          </a:fontRef>
+        </p:style>
+        <p:txBody>
+          <a:bodyPr rtlCol="0" anchor="ctr"/>
+          <a:lstStyle/>
+          <a:p>
+            <a:pPr algn="ctr"/>
+            <a:r>
+              <a:rPr kumimoji="1" lang="en-US" altLang="ja-JP" sz="2400" dirty="0" smtClean="0">
+                <a:solidFill>
+                  <a:schemeClr val="tx1"/>
+                </a:solidFill>
+              </a:rPr>
+              <a:t>CSState</a:t>
+            </a:r>
+            <a:r>
+              <a:rPr lang="en-US" altLang="ja-JP" sz="2400" dirty="0" smtClean="0">
+                <a:solidFill>
+                  <a:schemeClr val="tx1"/>
+                </a:solidFill>
+              </a:rPr>
+              <a:t>3</a:t>
+            </a:r>
+            <a:endParaRPr kumimoji="1" lang="ja-JP" altLang="en-US" sz="2400" dirty="0" smtClean="0">
+              <a:solidFill>
+                <a:schemeClr val="tx1"/>
+              </a:solidFill>
+            </a:endParaRPr>
+          </a:p>
+        </p:txBody>
+      </p:sp>
+      <p:sp>
+        <p:nvSpPr>
+          <p:cNvPr id="106" name="円/楕円 16"/>
+          <p:cNvSpPr/>
+          <p:nvPr/>
+        </p:nvSpPr>
+        <p:spPr>
+          <a:xfrm>
+            <a:off x="8004544" y="2095011"/>
+            <a:ext cx="1861501" cy="739397"/>
+          </a:xfrm>
+          <a:prstGeom prst="ellipse">
+            <a:avLst/>
+          </a:prstGeom>
+          <a:noFill/>
+          <a:ln>
+            <a:solidFill>
+              <a:schemeClr val="tx1"/>
+            </a:solidFill>
+          </a:ln>
+        </p:spPr>
+        <p:style>
+          <a:lnRef idx="2">
+            <a:schemeClr val="accent1">
+              <a:shade val="50000"/>
+            </a:schemeClr>
+          </a:lnRef>
+          <a:fillRef idx="1">
+            <a:schemeClr val="accent1"/>
+          </a:fillRef>
+          <a:effectRef idx="0">
+            <a:schemeClr val="accent1"/>
+          </a:effectRef>
+          <a:fontRef idx="minor">
+            <a:schemeClr val="lt1"/>
+          </a:fontRef>
+        </p:style>
+        <p:txBody>
+          <a:bodyPr rtlCol="0" anchor="ctr"/>
+          <a:lstStyle/>
+          <a:p>
+            <a:pPr algn="ctr"/>
+            <a:r>
+              <a:rPr kumimoji="1" lang="en-US" altLang="ja-JP" sz="2400" dirty="0" smtClean="0">
+                <a:solidFill>
+                  <a:schemeClr val="tx1"/>
+                </a:solidFill>
+              </a:rPr>
+              <a:t>CSState</a:t>
+            </a:r>
+            <a:r>
+              <a:rPr lang="en-US" altLang="ja-JP" sz="2400" dirty="0">
+                <a:solidFill>
+                  <a:schemeClr val="tx1"/>
+                </a:solidFill>
+              </a:rPr>
+              <a:t>4</a:t>
+            </a:r>
+            <a:endParaRPr kumimoji="1" lang="ja-JP" altLang="en-US" sz="2400" dirty="0" smtClean="0">
+              <a:solidFill>
+                <a:schemeClr val="tx1"/>
+              </a:solidFill>
+            </a:endParaRPr>
+          </a:p>
+        </p:txBody>
+      </p:sp>
+      <p:cxnSp>
+        <p:nvCxnSpPr>
+          <p:cNvPr id="139" name="直線矢印コネクタ 138"/>
+          <p:cNvCxnSpPr>
+            <a:stCxn id="5" idx="4"/>
+            <a:endCxn id="136" idx="0"/>
+          </p:cNvCxnSpPr>
+          <p:nvPr/>
+        </p:nvCxnSpPr>
+        <p:spPr>
+          <a:xfrm flipH="1">
+            <a:off x="2107909" y="2840760"/>
+            <a:ext cx="1" cy="463528"/>
+          </a:xfrm>
+          <a:prstGeom prst="straightConnector1">
+            <a:avLst/>
+          </a:prstGeom>
+          <a:ln w="12700">
+            <a:solidFill>
+              <a:schemeClr val="tx1"/>
+            </a:solidFill>
+            <a:prstDash val="solid"/>
+            <a:tailEnd type="triangle"/>
+          </a:ln>
+        </p:spPr>
+        <p:style>
+          <a:lnRef idx="1">
+            <a:schemeClr val="accent1"/>
+          </a:lnRef>
+          <a:fillRef idx="0">
+            <a:schemeClr val="accent1"/>
+          </a:fillRef>
+          <a:effectRef idx="0">
+            <a:schemeClr val="accent1"/>
+          </a:effectRef>
+          <a:fontRef idx="minor">
+            <a:schemeClr val="tx1"/>
+          </a:fontRef>
+        </p:style>
+      </p:cxnSp>
+      <p:sp>
+        <p:nvSpPr>
+          <p:cNvPr id="140" name="テキスト ボックス 139"/>
+          <p:cNvSpPr txBox="1"/>
+          <p:nvPr/>
+        </p:nvSpPr>
+        <p:spPr>
+          <a:xfrm>
+            <a:off x="2107907" y="2834978"/>
+            <a:ext cx="904035" cy="369332"/>
+          </a:xfrm>
+          <a:prstGeom prst="rect">
+            <a:avLst/>
+          </a:prstGeom>
+          <a:noFill/>
+        </p:spPr>
+        <p:txBody>
+          <a:bodyPr wrap="square" rtlCol="0">
+            <a:spAutoFit/>
+          </a:bodyPr>
+          <a:lstStyle/>
+          <a:p>
+            <a:r>
+              <a:rPr kumimoji="1" lang="en-US" altLang="ja-JP" dirty="0" smtClean="0"/>
+              <a:t>cookies</a:t>
+            </a:r>
+            <a:endParaRPr kumimoji="1" lang="ja-JP" altLang="en-US" dirty="0"/>
+          </a:p>
+        </p:txBody>
+      </p:sp>
+      <p:sp>
+        <p:nvSpPr>
+          <p:cNvPr id="136" name="正方形/長方形 135"/>
+          <p:cNvSpPr/>
+          <p:nvPr/>
+        </p:nvSpPr>
+        <p:spPr>
+          <a:xfrm>
+            <a:off x="1492076" y="3304288"/>
+            <a:ext cx="1231666" cy="910798"/>
+          </a:xfrm>
+          <a:prstGeom prst="rect">
+            <a:avLst/>
+          </a:prstGeom>
+          <a:noFill/>
+          <a:ln w="28575">
+            <a:solidFill>
+              <a:schemeClr val="tx1"/>
+            </a:solidFill>
+            <a:prstDash val="sysDot"/>
+          </a:ln>
+        </p:spPr>
+        <p:style>
+          <a:lnRef idx="2">
+            <a:schemeClr val="accent1">
+              <a:shade val="50000"/>
+            </a:schemeClr>
+          </a:lnRef>
+          <a:fillRef idx="1">
+            <a:schemeClr val="accent1"/>
+          </a:fillRef>
+          <a:effectRef idx="0">
+            <a:schemeClr val="accent1"/>
+          </a:effectRef>
+          <a:fontRef idx="minor">
+            <a:schemeClr val="lt1"/>
+          </a:fontRef>
+        </p:style>
+        <p:txBody>
+          <a:bodyPr rtlCol="0" anchor="ctr"/>
+          <a:lstStyle/>
+          <a:p>
+            <a:pPr algn="ctr"/>
+            <a:endParaRPr kumimoji="1" lang="ja-JP" altLang="en-US" sz="2000" dirty="0" smtClean="0">
+              <a:solidFill>
+                <a:schemeClr val="tx1"/>
+              </a:solidFill>
+            </a:endParaRPr>
+          </a:p>
+        </p:txBody>
+      </p:sp>
+      <p:cxnSp>
+        <p:nvCxnSpPr>
+          <p:cNvPr id="155" name="直線矢印コネクタ 154"/>
+          <p:cNvCxnSpPr>
+            <a:stCxn id="100" idx="4"/>
+            <a:endCxn id="158" idx="0"/>
+          </p:cNvCxnSpPr>
+          <p:nvPr/>
+        </p:nvCxnSpPr>
+        <p:spPr>
+          <a:xfrm>
+            <a:off x="4383705" y="2837206"/>
+            <a:ext cx="0" cy="460947"/>
+          </a:xfrm>
+          <a:prstGeom prst="straightConnector1">
+            <a:avLst/>
+          </a:prstGeom>
+          <a:ln w="12700">
+            <a:solidFill>
+              <a:schemeClr val="tx1"/>
+            </a:solidFill>
+            <a:prstDash val="solid"/>
+            <a:tailEnd type="triangle"/>
+          </a:ln>
+        </p:spPr>
+        <p:style>
+          <a:lnRef idx="1">
+            <a:schemeClr val="accent1"/>
+          </a:lnRef>
+          <a:fillRef idx="0">
+            <a:schemeClr val="accent1"/>
+          </a:fillRef>
+          <a:effectRef idx="0">
+            <a:schemeClr val="accent1"/>
+          </a:effectRef>
+          <a:fontRef idx="minor">
+            <a:schemeClr val="tx1"/>
+          </a:fontRef>
+        </p:style>
+      </p:cxnSp>
+      <p:sp>
+        <p:nvSpPr>
+          <p:cNvPr id="156" name="テキスト ボックス 155"/>
+          <p:cNvSpPr txBox="1"/>
+          <p:nvPr/>
+        </p:nvSpPr>
+        <p:spPr>
+          <a:xfrm>
+            <a:off x="4383704" y="2830569"/>
+            <a:ext cx="904035" cy="369332"/>
+          </a:xfrm>
+          <a:prstGeom prst="rect">
+            <a:avLst/>
+          </a:prstGeom>
+          <a:noFill/>
+        </p:spPr>
+        <p:txBody>
+          <a:bodyPr wrap="square" rtlCol="0">
+            <a:spAutoFit/>
+          </a:bodyPr>
+          <a:lstStyle/>
+          <a:p>
+            <a:r>
+              <a:rPr kumimoji="1" lang="en-US" altLang="ja-JP" dirty="0" smtClean="0"/>
+              <a:t>cookies</a:t>
+            </a:r>
+            <a:endParaRPr kumimoji="1" lang="ja-JP" altLang="en-US" dirty="0"/>
+          </a:p>
+        </p:txBody>
+      </p:sp>
+      <p:sp>
+        <p:nvSpPr>
+          <p:cNvPr id="158" name="正方形/長方形 157"/>
+          <p:cNvSpPr/>
+          <p:nvPr/>
+        </p:nvSpPr>
+        <p:spPr>
+          <a:xfrm>
+            <a:off x="3767872" y="3298153"/>
+            <a:ext cx="1231666" cy="910798"/>
+          </a:xfrm>
+          <a:prstGeom prst="rect">
+            <a:avLst/>
+          </a:prstGeom>
+          <a:noFill/>
+          <a:ln w="28575">
+            <a:solidFill>
+              <a:schemeClr val="tx1"/>
+            </a:solidFill>
+            <a:prstDash val="sysDot"/>
+          </a:ln>
+        </p:spPr>
+        <p:style>
+          <a:lnRef idx="2">
+            <a:schemeClr val="accent1">
+              <a:shade val="50000"/>
+            </a:schemeClr>
+          </a:lnRef>
+          <a:fillRef idx="1">
+            <a:schemeClr val="accent1"/>
+          </a:fillRef>
+          <a:effectRef idx="0">
+            <a:schemeClr val="accent1"/>
+          </a:effectRef>
+          <a:fontRef idx="minor">
+            <a:schemeClr val="lt1"/>
+          </a:fontRef>
+        </p:style>
+        <p:txBody>
+          <a:bodyPr rtlCol="0" anchor="ctr"/>
+          <a:lstStyle/>
+          <a:p>
+            <a:pPr algn="ctr"/>
+            <a:endParaRPr kumimoji="1" lang="ja-JP" altLang="en-US" sz="2000" dirty="0" smtClean="0">
+              <a:solidFill>
+                <a:schemeClr val="tx1"/>
+              </a:solidFill>
+            </a:endParaRPr>
+          </a:p>
+        </p:txBody>
+      </p:sp>
+      <p:cxnSp>
+        <p:nvCxnSpPr>
+          <p:cNvPr id="161" name="直線矢印コネクタ 160"/>
+          <p:cNvCxnSpPr>
+            <a:stCxn id="101" idx="4"/>
+            <a:endCxn id="164" idx="0"/>
+          </p:cNvCxnSpPr>
+          <p:nvPr/>
+        </p:nvCxnSpPr>
+        <p:spPr>
+          <a:xfrm>
+            <a:off x="6659500" y="2834409"/>
+            <a:ext cx="2106" cy="463744"/>
+          </a:xfrm>
+          <a:prstGeom prst="straightConnector1">
+            <a:avLst/>
+          </a:prstGeom>
+          <a:ln w="12700">
+            <a:solidFill>
+              <a:schemeClr val="tx1"/>
+            </a:solidFill>
+            <a:prstDash val="solid"/>
+            <a:tailEnd type="triangle"/>
+          </a:ln>
+        </p:spPr>
+        <p:style>
+          <a:lnRef idx="1">
+            <a:schemeClr val="accent1"/>
+          </a:lnRef>
+          <a:fillRef idx="0">
+            <a:schemeClr val="accent1"/>
+          </a:fillRef>
+          <a:effectRef idx="0">
+            <a:schemeClr val="accent1"/>
+          </a:effectRef>
+          <a:fontRef idx="minor">
+            <a:schemeClr val="tx1"/>
+          </a:fontRef>
+        </p:style>
+      </p:cxnSp>
+      <p:sp>
+        <p:nvSpPr>
+          <p:cNvPr id="162" name="テキスト ボックス 161"/>
+          <p:cNvSpPr txBox="1"/>
+          <p:nvPr/>
+        </p:nvSpPr>
+        <p:spPr>
+          <a:xfrm>
+            <a:off x="6686216" y="2830569"/>
+            <a:ext cx="904035" cy="369332"/>
+          </a:xfrm>
+          <a:prstGeom prst="rect">
+            <a:avLst/>
+          </a:prstGeom>
+          <a:noFill/>
+        </p:spPr>
+        <p:txBody>
+          <a:bodyPr wrap="square" rtlCol="0">
+            <a:spAutoFit/>
+          </a:bodyPr>
+          <a:lstStyle/>
+          <a:p>
+            <a:r>
+              <a:rPr kumimoji="1" lang="en-US" altLang="ja-JP" dirty="0" smtClean="0"/>
+              <a:t>cookies</a:t>
+            </a:r>
+            <a:endParaRPr kumimoji="1" lang="ja-JP" altLang="en-US" dirty="0"/>
+          </a:p>
+        </p:txBody>
+      </p:sp>
+      <p:grpSp>
+        <p:nvGrpSpPr>
+          <p:cNvPr id="163" name="グループ化 162"/>
+          <p:cNvGrpSpPr/>
+          <p:nvPr/>
+        </p:nvGrpSpPr>
+        <p:grpSpPr>
+          <a:xfrm>
+            <a:off x="6045773" y="3298153"/>
+            <a:ext cx="1231666" cy="910798"/>
+            <a:chOff x="1492076" y="3304288"/>
+            <a:chExt cx="1231666" cy="910798"/>
+          </a:xfrm>
+        </p:grpSpPr>
+        <p:sp>
+          <p:nvSpPr>
+            <p:cNvPr id="164" name="正方形/長方形 163"/>
+            <p:cNvSpPr/>
+            <p:nvPr/>
+          </p:nvSpPr>
+          <p:spPr>
+            <a:xfrm>
+              <a:off x="1492076" y="3304288"/>
+              <a:ext cx="1231666" cy="910798"/>
+            </a:xfrm>
+            <a:prstGeom prst="rect">
+              <a:avLst/>
+            </a:prstGeom>
+            <a:noFill/>
+            <a:ln w="28575">
+              <a:solidFill>
+                <a:schemeClr val="tx1"/>
+              </a:solidFill>
+              <a:prstDash val="sysDot"/>
+            </a:ln>
+          </p:spPr>
+          <p:style>
+            <a:lnRef idx="2">
+              <a:schemeClr val="accent1">
+                <a:shade val="50000"/>
+              </a:schemeClr>
+            </a:lnRef>
+            <a:fillRef idx="1">
+              <a:schemeClr val="accent1"/>
+            </a:fillRef>
+            <a:effectRef idx="0">
+              <a:schemeClr val="accent1"/>
+            </a:effectRef>
+            <a:fontRef idx="minor">
+              <a:schemeClr val="lt1"/>
+            </a:fontRef>
+          </p:style>
+          <p:txBody>
+            <a:bodyPr rtlCol="0" anchor="ctr"/>
+            <a:lstStyle/>
+            <a:p>
+              <a:pPr algn="ctr"/>
+              <a:endParaRPr kumimoji="1" lang="ja-JP" altLang="en-US" sz="2000" dirty="0" smtClean="0">
+                <a:solidFill>
+                  <a:schemeClr val="tx1"/>
+                </a:solidFill>
+              </a:endParaRPr>
+            </a:p>
+          </p:txBody>
+        </p:sp>
+        <p:sp>
+          <p:nvSpPr>
+            <p:cNvPr id="165" name="角丸四角形 164"/>
+            <p:cNvSpPr/>
+            <p:nvPr/>
+          </p:nvSpPr>
+          <p:spPr>
+            <a:xfrm>
+              <a:off x="1576043" y="3421763"/>
+              <a:ext cx="1063731" cy="299132"/>
+            </a:xfrm>
+            <a:prstGeom prst="roundRect">
+              <a:avLst/>
+            </a:prstGeom>
+            <a:noFill/>
+            <a:ln>
+              <a:solidFill>
+                <a:schemeClr val="tx1"/>
+              </a:solidFill>
+            </a:ln>
+          </p:spPr>
+          <p:style>
+            <a:lnRef idx="2">
+              <a:schemeClr val="accent1">
+                <a:shade val="50000"/>
+              </a:schemeClr>
+            </a:lnRef>
+            <a:fillRef idx="1">
+              <a:schemeClr val="accent1"/>
+            </a:fillRef>
+            <a:effectRef idx="0">
+              <a:schemeClr val="accent1"/>
+            </a:effectRef>
+            <a:fontRef idx="minor">
+              <a:schemeClr val="lt1"/>
+            </a:fontRef>
+          </p:style>
+          <p:txBody>
+            <a:bodyPr rtlCol="0" anchor="ctr"/>
+            <a:lstStyle/>
+            <a:p>
+              <a:pPr algn="ctr"/>
+              <a:r>
+                <a:rPr kumimoji="1" lang="en-US" altLang="ja-JP" sz="2000" dirty="0" smtClean="0">
+                  <a:solidFill>
+                    <a:schemeClr val="tx1"/>
+                  </a:solidFill>
+                </a:rPr>
+                <a:t>Cookie1</a:t>
+              </a:r>
+              <a:endParaRPr kumimoji="1" lang="ja-JP" altLang="en-US" sz="2000" dirty="0" smtClean="0">
+                <a:solidFill>
+                  <a:schemeClr val="tx1"/>
+                </a:solidFill>
+              </a:endParaRPr>
+            </a:p>
+          </p:txBody>
+        </p:sp>
+      </p:grpSp>
+      <p:cxnSp>
+        <p:nvCxnSpPr>
+          <p:cNvPr id="167" name="直線矢印コネクタ 166"/>
+          <p:cNvCxnSpPr>
+            <a:stCxn id="106" idx="4"/>
+            <a:endCxn id="170" idx="0"/>
+          </p:cNvCxnSpPr>
+          <p:nvPr/>
+        </p:nvCxnSpPr>
+        <p:spPr>
+          <a:xfrm>
+            <a:off x="8935295" y="2834408"/>
+            <a:ext cx="2106" cy="463745"/>
+          </a:xfrm>
+          <a:prstGeom prst="straightConnector1">
+            <a:avLst/>
+          </a:prstGeom>
+          <a:ln w="12700">
+            <a:solidFill>
+              <a:schemeClr val="tx1"/>
+            </a:solidFill>
+            <a:prstDash val="solid"/>
+            <a:tailEnd type="triangle"/>
+          </a:ln>
+        </p:spPr>
+        <p:style>
+          <a:lnRef idx="1">
+            <a:schemeClr val="accent1"/>
+          </a:lnRef>
+          <a:fillRef idx="0">
+            <a:schemeClr val="accent1"/>
+          </a:fillRef>
+          <a:effectRef idx="0">
+            <a:schemeClr val="accent1"/>
+          </a:effectRef>
+          <a:fontRef idx="minor">
+            <a:schemeClr val="tx1"/>
+          </a:fontRef>
+        </p:style>
+      </p:cxnSp>
+      <p:sp>
+        <p:nvSpPr>
+          <p:cNvPr id="168" name="テキスト ボックス 167"/>
+          <p:cNvSpPr txBox="1"/>
+          <p:nvPr/>
+        </p:nvSpPr>
+        <p:spPr>
+          <a:xfrm>
+            <a:off x="8935294" y="2829976"/>
+            <a:ext cx="904035" cy="369332"/>
+          </a:xfrm>
+          <a:prstGeom prst="rect">
+            <a:avLst/>
+          </a:prstGeom>
+          <a:noFill/>
+        </p:spPr>
+        <p:txBody>
+          <a:bodyPr wrap="square" rtlCol="0">
+            <a:spAutoFit/>
+          </a:bodyPr>
+          <a:lstStyle/>
+          <a:p>
+            <a:r>
+              <a:rPr kumimoji="1" lang="en-US" altLang="ja-JP" dirty="0" smtClean="0"/>
+              <a:t>cookies</a:t>
+            </a:r>
+            <a:endParaRPr kumimoji="1" lang="ja-JP" altLang="en-US" dirty="0"/>
+          </a:p>
+        </p:txBody>
+      </p:sp>
+      <p:grpSp>
+        <p:nvGrpSpPr>
+          <p:cNvPr id="169" name="グループ化 168"/>
+          <p:cNvGrpSpPr/>
+          <p:nvPr/>
+        </p:nvGrpSpPr>
+        <p:grpSpPr>
+          <a:xfrm>
+            <a:off x="8321568" y="3298153"/>
+            <a:ext cx="1231666" cy="910798"/>
+            <a:chOff x="1492076" y="3304288"/>
+            <a:chExt cx="1231666" cy="910798"/>
+          </a:xfrm>
+        </p:grpSpPr>
+        <p:sp>
+          <p:nvSpPr>
+            <p:cNvPr id="170" name="正方形/長方形 169"/>
+            <p:cNvSpPr/>
+            <p:nvPr/>
+          </p:nvSpPr>
+          <p:spPr>
+            <a:xfrm>
+              <a:off x="1492076" y="3304288"/>
+              <a:ext cx="1231666" cy="910798"/>
+            </a:xfrm>
+            <a:prstGeom prst="rect">
+              <a:avLst/>
+            </a:prstGeom>
+            <a:noFill/>
+            <a:ln w="28575">
+              <a:solidFill>
+                <a:schemeClr val="tx1"/>
+              </a:solidFill>
+              <a:prstDash val="sysDot"/>
+            </a:ln>
+          </p:spPr>
+          <p:style>
+            <a:lnRef idx="2">
+              <a:schemeClr val="accent1">
+                <a:shade val="50000"/>
+              </a:schemeClr>
+            </a:lnRef>
+            <a:fillRef idx="1">
+              <a:schemeClr val="accent1"/>
+            </a:fillRef>
+            <a:effectRef idx="0">
+              <a:schemeClr val="accent1"/>
+            </a:effectRef>
+            <a:fontRef idx="minor">
+              <a:schemeClr val="lt1"/>
+            </a:fontRef>
+          </p:style>
+          <p:txBody>
+            <a:bodyPr rtlCol="0" anchor="ctr"/>
+            <a:lstStyle/>
+            <a:p>
+              <a:pPr algn="ctr"/>
+              <a:endParaRPr kumimoji="1" lang="ja-JP" altLang="en-US" sz="2000" dirty="0" smtClean="0">
+                <a:solidFill>
+                  <a:schemeClr val="tx1"/>
+                </a:solidFill>
+              </a:endParaRPr>
+            </a:p>
+          </p:txBody>
+        </p:sp>
+        <p:sp>
+          <p:nvSpPr>
+            <p:cNvPr id="172" name="角丸四角形 171"/>
+            <p:cNvSpPr/>
+            <p:nvPr/>
+          </p:nvSpPr>
+          <p:spPr>
+            <a:xfrm>
+              <a:off x="1576042" y="3804510"/>
+              <a:ext cx="1063731" cy="299132"/>
+            </a:xfrm>
+            <a:prstGeom prst="roundRect">
+              <a:avLst/>
+            </a:prstGeom>
+            <a:noFill/>
+            <a:ln>
+              <a:solidFill>
+                <a:schemeClr val="tx1"/>
+              </a:solidFill>
+            </a:ln>
+          </p:spPr>
+          <p:style>
+            <a:lnRef idx="2">
+              <a:schemeClr val="accent1">
+                <a:shade val="50000"/>
+              </a:schemeClr>
+            </a:lnRef>
+            <a:fillRef idx="1">
+              <a:schemeClr val="accent1"/>
+            </a:fillRef>
+            <a:effectRef idx="0">
+              <a:schemeClr val="accent1"/>
+            </a:effectRef>
+            <a:fontRef idx="minor">
+              <a:schemeClr val="lt1"/>
+            </a:fontRef>
+          </p:style>
+          <p:txBody>
+            <a:bodyPr rtlCol="0" anchor="ctr"/>
+            <a:lstStyle/>
+            <a:p>
+              <a:pPr algn="ctr"/>
+              <a:r>
+                <a:rPr kumimoji="1" lang="en-US" altLang="ja-JP" sz="2000" dirty="0" smtClean="0">
+                  <a:solidFill>
+                    <a:schemeClr val="tx1"/>
+                  </a:solidFill>
+                </a:rPr>
+                <a:t>Cookie2</a:t>
+              </a:r>
+              <a:endParaRPr kumimoji="1" lang="ja-JP" altLang="en-US" sz="2000" dirty="0" smtClean="0">
+                <a:solidFill>
+                  <a:schemeClr val="tx1"/>
+                </a:solidFill>
+              </a:endParaRPr>
+            </a:p>
+          </p:txBody>
+        </p:sp>
+      </p:grpSp>
+    </p:spTree>
+    <p:extLst>
+      <p:ext uri="{BB962C8B-B14F-4D97-AF65-F5344CB8AC3E}">
+        <p14:creationId xmlns:p14="http://schemas.microsoft.com/office/powerpoint/2010/main" val="3109774540"/>
+      </p:ext>
+    </p:extLst>
+  </p:cSld>
+  <p:clrMapOvr>
+    <a:masterClrMapping/>
+  </p:clrMapOvr>
+</p:sld>
+</file>
+
+<file path=ppt/slides/slide4.xml><?xml version="1.0" encoding="utf-8"?>
+<p:sld xmlns:a="http://schemas.openxmlformats.org/drawingml/2006/main" xmlns:r="http://schemas.openxmlformats.org/officeDocument/2006/relationships" xmlns:p="http://schemas.openxmlformats.org/presentationml/2006/main">
+  <p:cSld>
+    <p:spTree>
+      <p:nvGrpSpPr>
+        <p:cNvPr id="1" name=""/>
+        <p:cNvGrpSpPr/>
+        <p:nvPr/>
+      </p:nvGrpSpPr>
+      <p:grpSpPr>
+        <a:xfrm>
+          <a:off x="0" y="0"/>
+          <a:ext cx="0" cy="0"/>
+          <a:chOff x="0" y="0"/>
+          <a:chExt cx="0" cy="0"/>
+        </a:xfrm>
+      </p:grpSpPr>
+      <p:sp>
+        <p:nvSpPr>
+          <p:cNvPr id="182" name="正方形/長方形 181"/>
+          <p:cNvSpPr/>
+          <p:nvPr/>
+        </p:nvSpPr>
+        <p:spPr>
+          <a:xfrm>
+            <a:off x="1177159" y="303330"/>
+            <a:ext cx="8688886" cy="4671328"/>
+          </a:xfrm>
+          <a:prstGeom prst="rect">
+            <a:avLst/>
+          </a:prstGeom>
+          <a:solidFill>
+            <a:schemeClr val="bg1"/>
+          </a:solidFill>
+          <a:ln>
+            <a:solidFill>
+              <a:schemeClr val="bg1"/>
+            </a:solidFill>
+          </a:ln>
+        </p:spPr>
+        <p:style>
+          <a:lnRef idx="2">
+            <a:schemeClr val="accent1">
+              <a:shade val="50000"/>
+            </a:schemeClr>
+          </a:lnRef>
+          <a:fillRef idx="1">
+            <a:schemeClr val="accent1"/>
+          </a:fillRef>
+          <a:effectRef idx="0">
+            <a:schemeClr val="accent1"/>
+          </a:effectRef>
+          <a:fontRef idx="minor">
+            <a:schemeClr val="lt1"/>
+          </a:fontRef>
+        </p:style>
+        <p:txBody>
+          <a:bodyPr rot="0" spcFirstLastPara="0" vertOverflow="overflow" horzOverflow="overflow" vert="horz" wrap="square" lIns="91440" tIns="45720" rIns="91440" bIns="45720" numCol="1" spcCol="0" rtlCol="0" fromWordArt="0" anchor="ctr" anchorCtr="0" forceAA="0" compatLnSpc="1">
+            <a:prstTxWarp prst="textNoShape">
+              <a:avLst/>
+            </a:prstTxWarp>
+            <a:noAutofit/>
+          </a:bodyPr>
+          <a:lstStyle/>
+          <a:p>
+            <a:pPr algn="ctr"/>
+            <a:endParaRPr kumimoji="1" lang="ja-JP" altLang="en-US" sz="2000" dirty="0" smtClean="0">
+              <a:solidFill>
+                <a:schemeClr val="tx1"/>
+              </a:solidFill>
+            </a:endParaRPr>
+          </a:p>
+        </p:txBody>
+      </p:sp>
+      <p:sp>
+        <p:nvSpPr>
+          <p:cNvPr id="4" name="角丸四角形 3"/>
+          <p:cNvSpPr/>
+          <p:nvPr/>
+        </p:nvSpPr>
+        <p:spPr>
+          <a:xfrm>
+            <a:off x="2413852" y="796548"/>
+            <a:ext cx="2888131" cy="1017155"/>
+          </a:xfrm>
+          <a:prstGeom prst="roundRect">
+            <a:avLst/>
+          </a:prstGeom>
+          <a:noFill/>
+          <a:ln>
+            <a:solidFill>
+              <a:schemeClr val="tx1"/>
+            </a:solidFill>
+          </a:ln>
+        </p:spPr>
+        <p:style>
+          <a:lnRef idx="2">
+            <a:schemeClr val="accent1">
+              <a:shade val="50000"/>
+            </a:schemeClr>
+          </a:lnRef>
+          <a:fillRef idx="1">
+            <a:schemeClr val="accent1"/>
+          </a:fillRef>
+          <a:effectRef idx="0">
+            <a:schemeClr val="accent1"/>
+          </a:effectRef>
+          <a:fontRef idx="minor">
+            <a:schemeClr val="lt1"/>
+          </a:fontRef>
+        </p:style>
+        <p:txBody>
+          <a:bodyPr rtlCol="0" anchor="ctr"/>
+          <a:lstStyle/>
+          <a:p>
+            <a:pPr algn="ctr"/>
+            <a:r>
+              <a:rPr lang="en-US" altLang="ja-JP" sz="2800" dirty="0" err="1" smtClean="0">
+                <a:solidFill>
+                  <a:schemeClr val="tx1"/>
+                </a:solidFill>
+              </a:rPr>
+              <a:t>CSState</a:t>
+            </a:r>
+            <a:endParaRPr lang="en-US" altLang="ja-JP" sz="2800" dirty="0" smtClean="0">
+              <a:solidFill>
+                <a:schemeClr val="tx1"/>
+              </a:solidFill>
+            </a:endParaRPr>
+          </a:p>
+          <a:p>
+            <a:pPr algn="ctr"/>
+            <a:r>
+              <a:rPr lang="en-US" altLang="ja-JP" sz="2800" dirty="0" smtClean="0">
+                <a:solidFill>
+                  <a:schemeClr val="tx1"/>
+                </a:solidFill>
+              </a:rPr>
+              <a:t>HTTPTransaction1</a:t>
+            </a:r>
+            <a:endParaRPr lang="ja-JP" altLang="en-US" sz="2800" dirty="0">
+              <a:solidFill>
+                <a:schemeClr val="tx1"/>
+              </a:solidFill>
+            </a:endParaRPr>
+          </a:p>
+        </p:txBody>
+      </p:sp>
+      <p:sp>
+        <p:nvSpPr>
+          <p:cNvPr id="5" name="円/楕円 16"/>
+          <p:cNvSpPr/>
+          <p:nvPr/>
+        </p:nvSpPr>
+        <p:spPr>
+          <a:xfrm>
+            <a:off x="1177159" y="2101363"/>
+            <a:ext cx="1861501" cy="739397"/>
+          </a:xfrm>
+          <a:prstGeom prst="ellipse">
+            <a:avLst/>
+          </a:prstGeom>
+          <a:noFill/>
+          <a:ln>
+            <a:solidFill>
+              <a:schemeClr val="tx1"/>
+            </a:solidFill>
+          </a:ln>
+        </p:spPr>
+        <p:style>
+          <a:lnRef idx="2">
+            <a:schemeClr val="accent1">
+              <a:shade val="50000"/>
+            </a:schemeClr>
+          </a:lnRef>
+          <a:fillRef idx="1">
+            <a:schemeClr val="accent1"/>
+          </a:fillRef>
+          <a:effectRef idx="0">
+            <a:schemeClr val="accent1"/>
+          </a:effectRef>
+          <a:fontRef idx="minor">
+            <a:schemeClr val="lt1"/>
+          </a:fontRef>
+        </p:style>
+        <p:txBody>
+          <a:bodyPr rtlCol="0" anchor="ctr"/>
+          <a:lstStyle/>
+          <a:p>
+            <a:pPr algn="ctr"/>
+            <a:r>
+              <a:rPr kumimoji="1" lang="en-US" altLang="ja-JP" sz="2400" dirty="0" smtClean="0">
+                <a:solidFill>
+                  <a:schemeClr val="tx1"/>
+                </a:solidFill>
+              </a:rPr>
+              <a:t>CSState</a:t>
+            </a:r>
+            <a:r>
+              <a:rPr lang="en-US" altLang="ja-JP" sz="2400" dirty="0">
+                <a:solidFill>
+                  <a:schemeClr val="tx1"/>
+                </a:solidFill>
+              </a:rPr>
+              <a:t>1</a:t>
+            </a:r>
+            <a:endParaRPr kumimoji="1" lang="ja-JP" altLang="en-US" sz="2400" dirty="0" smtClean="0">
+              <a:solidFill>
+                <a:schemeClr val="tx1"/>
+              </a:solidFill>
+            </a:endParaRPr>
+          </a:p>
+        </p:txBody>
+      </p:sp>
+      <p:cxnSp>
+        <p:nvCxnSpPr>
+          <p:cNvPr id="7" name="直線矢印コネクタ 6"/>
+          <p:cNvCxnSpPr>
+            <a:stCxn id="4" idx="2"/>
+            <a:endCxn id="5" idx="7"/>
+          </p:cNvCxnSpPr>
+          <p:nvPr/>
+        </p:nvCxnSpPr>
+        <p:spPr>
+          <a:xfrm flipH="1">
+            <a:off x="2766049" y="1813703"/>
+            <a:ext cx="1091869" cy="395942"/>
+          </a:xfrm>
+          <a:prstGeom prst="straightConnector1">
+            <a:avLst/>
+          </a:prstGeom>
+          <a:ln w="12700">
+            <a:solidFill>
+              <a:schemeClr val="tx1"/>
+            </a:solidFill>
+            <a:prstDash val="solid"/>
+            <a:tailEnd type="triangle"/>
+          </a:ln>
+        </p:spPr>
+        <p:style>
+          <a:lnRef idx="1">
+            <a:schemeClr val="accent1"/>
+          </a:lnRef>
+          <a:fillRef idx="0">
+            <a:schemeClr val="accent1"/>
+          </a:fillRef>
+          <a:effectRef idx="0">
+            <a:schemeClr val="accent1"/>
+          </a:effectRef>
+          <a:fontRef idx="minor">
+            <a:schemeClr val="tx1"/>
+          </a:fontRef>
+        </p:style>
+      </p:cxnSp>
+      <p:sp>
+        <p:nvSpPr>
+          <p:cNvPr id="11" name="角丸四角形 10"/>
+          <p:cNvSpPr/>
+          <p:nvPr/>
+        </p:nvSpPr>
+        <p:spPr>
+          <a:xfrm>
+            <a:off x="5725959" y="808269"/>
+            <a:ext cx="2888131" cy="1017155"/>
+          </a:xfrm>
+          <a:prstGeom prst="roundRect">
+            <a:avLst/>
+          </a:prstGeom>
+          <a:noFill/>
+          <a:ln>
+            <a:solidFill>
+              <a:schemeClr val="tx1"/>
+            </a:solidFill>
+          </a:ln>
+        </p:spPr>
+        <p:style>
+          <a:lnRef idx="2">
+            <a:schemeClr val="accent1">
+              <a:shade val="50000"/>
+            </a:schemeClr>
+          </a:lnRef>
+          <a:fillRef idx="1">
+            <a:schemeClr val="accent1"/>
+          </a:fillRef>
+          <a:effectRef idx="0">
+            <a:schemeClr val="accent1"/>
+          </a:effectRef>
+          <a:fontRef idx="minor">
+            <a:schemeClr val="lt1"/>
+          </a:fontRef>
+        </p:style>
+        <p:txBody>
+          <a:bodyPr rtlCol="0" anchor="ctr"/>
+          <a:lstStyle/>
+          <a:p>
+            <a:pPr algn="ctr"/>
+            <a:r>
+              <a:rPr lang="en-US" altLang="ja-JP" sz="2800" dirty="0" err="1" smtClean="0">
+                <a:solidFill>
+                  <a:schemeClr val="tx1"/>
+                </a:solidFill>
+              </a:rPr>
+              <a:t>CSState</a:t>
+            </a:r>
+            <a:endParaRPr lang="en-US" altLang="ja-JP" sz="2800" dirty="0" smtClean="0">
+              <a:solidFill>
+                <a:schemeClr val="tx1"/>
+              </a:solidFill>
+            </a:endParaRPr>
+          </a:p>
+          <a:p>
+            <a:pPr algn="ctr"/>
+            <a:r>
+              <a:rPr lang="en-US" altLang="ja-JP" sz="2800" dirty="0" smtClean="0">
+                <a:solidFill>
+                  <a:schemeClr val="tx1"/>
+                </a:solidFill>
+              </a:rPr>
+              <a:t>HTTPTransaction2</a:t>
+            </a:r>
+            <a:endParaRPr lang="ja-JP" altLang="en-US" sz="2800" dirty="0">
+              <a:solidFill>
+                <a:schemeClr val="tx1"/>
+              </a:solidFill>
+            </a:endParaRPr>
+          </a:p>
+        </p:txBody>
+      </p:sp>
+      <p:cxnSp>
+        <p:nvCxnSpPr>
+          <p:cNvPr id="17" name="直線矢印コネクタ 16"/>
+          <p:cNvCxnSpPr>
+            <a:stCxn id="4" idx="2"/>
+            <a:endCxn id="101" idx="1"/>
+          </p:cNvCxnSpPr>
+          <p:nvPr/>
+        </p:nvCxnSpPr>
+        <p:spPr>
+          <a:xfrm>
+            <a:off x="3857918" y="1813703"/>
+            <a:ext cx="2143442" cy="389591"/>
+          </a:xfrm>
+          <a:prstGeom prst="straightConnector1">
+            <a:avLst/>
+          </a:prstGeom>
+          <a:ln w="12700">
+            <a:solidFill>
+              <a:schemeClr val="tx1"/>
+            </a:solidFill>
+            <a:prstDash val="solid"/>
+            <a:tailEnd type="triangle"/>
+          </a:ln>
+        </p:spPr>
+        <p:style>
+          <a:lnRef idx="1">
+            <a:schemeClr val="accent1"/>
+          </a:lnRef>
+          <a:fillRef idx="0">
+            <a:schemeClr val="accent1"/>
+          </a:fillRef>
+          <a:effectRef idx="0">
+            <a:schemeClr val="accent1"/>
+          </a:effectRef>
+          <a:fontRef idx="minor">
+            <a:schemeClr val="tx1"/>
+          </a:fontRef>
+        </p:style>
+      </p:cxnSp>
+      <p:cxnSp>
+        <p:nvCxnSpPr>
+          <p:cNvPr id="20" name="直線矢印コネクタ 19"/>
+          <p:cNvCxnSpPr>
+            <a:stCxn id="11" idx="2"/>
+            <a:endCxn id="100" idx="7"/>
+          </p:cNvCxnSpPr>
+          <p:nvPr/>
+        </p:nvCxnSpPr>
+        <p:spPr>
+          <a:xfrm flipH="1">
+            <a:off x="5041844" y="1825424"/>
+            <a:ext cx="2128181" cy="380667"/>
+          </a:xfrm>
+          <a:prstGeom prst="straightConnector1">
+            <a:avLst/>
+          </a:prstGeom>
+          <a:ln w="12700">
+            <a:solidFill>
+              <a:schemeClr val="tx1"/>
+            </a:solidFill>
+            <a:prstDash val="solid"/>
+            <a:tailEnd type="triangle"/>
+          </a:ln>
+        </p:spPr>
+        <p:style>
+          <a:lnRef idx="1">
+            <a:schemeClr val="accent1"/>
+          </a:lnRef>
+          <a:fillRef idx="0">
+            <a:schemeClr val="accent1"/>
+          </a:fillRef>
+          <a:effectRef idx="0">
+            <a:schemeClr val="accent1"/>
+          </a:effectRef>
+          <a:fontRef idx="minor">
+            <a:schemeClr val="tx1"/>
+          </a:fontRef>
+        </p:style>
+      </p:cxnSp>
+      <p:cxnSp>
+        <p:nvCxnSpPr>
+          <p:cNvPr id="23" name="直線矢印コネクタ 22"/>
+          <p:cNvCxnSpPr>
+            <a:stCxn id="11" idx="2"/>
+            <a:endCxn id="106" idx="1"/>
+          </p:cNvCxnSpPr>
+          <p:nvPr/>
+        </p:nvCxnSpPr>
+        <p:spPr>
+          <a:xfrm>
+            <a:off x="7170025" y="1825424"/>
+            <a:ext cx="1107130" cy="377869"/>
+          </a:xfrm>
+          <a:prstGeom prst="straightConnector1">
+            <a:avLst/>
+          </a:prstGeom>
+          <a:ln w="12700">
+            <a:solidFill>
+              <a:schemeClr val="tx1"/>
+            </a:solidFill>
+            <a:prstDash val="solid"/>
+            <a:tailEnd type="triangle"/>
+          </a:ln>
+        </p:spPr>
+        <p:style>
+          <a:lnRef idx="1">
+            <a:schemeClr val="accent1"/>
+          </a:lnRef>
+          <a:fillRef idx="0">
+            <a:schemeClr val="accent1"/>
+          </a:fillRef>
+          <a:effectRef idx="0">
+            <a:schemeClr val="accent1"/>
+          </a:effectRef>
+          <a:fontRef idx="minor">
+            <a:schemeClr val="tx1"/>
+          </a:fontRef>
+        </p:style>
+      </p:cxnSp>
+      <p:cxnSp>
+        <p:nvCxnSpPr>
+          <p:cNvPr id="36" name="直線矢印コネクタ 35"/>
+          <p:cNvCxnSpPr/>
+          <p:nvPr/>
+        </p:nvCxnSpPr>
+        <p:spPr>
+          <a:xfrm flipV="1">
+            <a:off x="1177159" y="671190"/>
+            <a:ext cx="8688886" cy="1474"/>
+          </a:xfrm>
+          <a:prstGeom prst="straightConnector1">
+            <a:avLst/>
+          </a:prstGeom>
+          <a:ln w="31750">
+            <a:solidFill>
+              <a:schemeClr val="tx1"/>
+            </a:solidFill>
+            <a:prstDash val="solid"/>
+            <a:tailEnd type="triangle"/>
+          </a:ln>
+        </p:spPr>
+        <p:style>
+          <a:lnRef idx="1">
+            <a:schemeClr val="accent1"/>
+          </a:lnRef>
+          <a:fillRef idx="0">
+            <a:schemeClr val="accent1"/>
+          </a:fillRef>
+          <a:effectRef idx="0">
+            <a:schemeClr val="accent1"/>
+          </a:effectRef>
+          <a:fontRef idx="minor">
+            <a:schemeClr val="tx1"/>
+          </a:fontRef>
+        </p:style>
+      </p:cxnSp>
+      <p:sp>
+        <p:nvSpPr>
+          <p:cNvPr id="37" name="テキスト ボックス 36"/>
+          <p:cNvSpPr txBox="1"/>
+          <p:nvPr/>
+        </p:nvSpPr>
+        <p:spPr>
+          <a:xfrm>
+            <a:off x="1177159" y="303331"/>
+            <a:ext cx="1098791" cy="369332"/>
+          </a:xfrm>
+          <a:prstGeom prst="rect">
+            <a:avLst/>
+          </a:prstGeom>
+          <a:noFill/>
+        </p:spPr>
+        <p:txBody>
+          <a:bodyPr wrap="square" rtlCol="0">
+            <a:spAutoFit/>
+          </a:bodyPr>
+          <a:lstStyle/>
+          <a:p>
+            <a:r>
+              <a:rPr lang="ja-JP" altLang="en-US" dirty="0" smtClean="0"/>
+              <a:t>時間変化</a:t>
+            </a:r>
+            <a:endParaRPr kumimoji="1" lang="ja-JP" altLang="en-US" dirty="0"/>
+          </a:p>
+        </p:txBody>
+      </p:sp>
+      <p:cxnSp>
+        <p:nvCxnSpPr>
+          <p:cNvPr id="39" name="直線矢印コネクタ 38"/>
+          <p:cNvCxnSpPr>
+            <a:stCxn id="136" idx="3"/>
+            <a:endCxn id="158" idx="1"/>
+          </p:cNvCxnSpPr>
+          <p:nvPr/>
+        </p:nvCxnSpPr>
+        <p:spPr>
+          <a:xfrm flipV="1">
+            <a:off x="2723742" y="3753552"/>
+            <a:ext cx="1044130" cy="6135"/>
+          </a:xfrm>
+          <a:prstGeom prst="straightConnector1">
+            <a:avLst/>
+          </a:prstGeom>
+          <a:ln w="25400" cmpd="sng">
+            <a:solidFill>
+              <a:schemeClr val="tx1"/>
+            </a:solidFill>
+            <a:prstDash val="solid"/>
+            <a:headEnd type="none"/>
+            <a:tailEnd type="arrow"/>
+          </a:ln>
+        </p:spPr>
+        <p:style>
+          <a:lnRef idx="1">
+            <a:schemeClr val="accent1"/>
+          </a:lnRef>
+          <a:fillRef idx="0">
+            <a:schemeClr val="accent1"/>
+          </a:fillRef>
+          <a:effectRef idx="0">
+            <a:schemeClr val="accent1"/>
+          </a:effectRef>
+          <a:fontRef idx="minor">
+            <a:schemeClr val="tx1"/>
+          </a:fontRef>
+        </p:style>
+      </p:cxnSp>
+      <p:cxnSp>
+        <p:nvCxnSpPr>
+          <p:cNvPr id="40" name="直線矢印コネクタ 39"/>
+          <p:cNvCxnSpPr>
+            <a:stCxn id="158" idx="3"/>
+            <a:endCxn id="164" idx="1"/>
+          </p:cNvCxnSpPr>
+          <p:nvPr/>
+        </p:nvCxnSpPr>
+        <p:spPr>
+          <a:xfrm>
+            <a:off x="4999538" y="3753552"/>
+            <a:ext cx="1046235" cy="0"/>
+          </a:xfrm>
+          <a:prstGeom prst="straightConnector1">
+            <a:avLst/>
+          </a:prstGeom>
+          <a:ln w="25400" cmpd="sng">
+            <a:solidFill>
+              <a:schemeClr val="tx1"/>
+            </a:solidFill>
+            <a:prstDash val="solid"/>
+            <a:headEnd type="none"/>
+            <a:tailEnd type="arrow"/>
+          </a:ln>
+        </p:spPr>
+        <p:style>
+          <a:lnRef idx="1">
+            <a:schemeClr val="accent1"/>
+          </a:lnRef>
+          <a:fillRef idx="0">
+            <a:schemeClr val="accent1"/>
+          </a:fillRef>
+          <a:effectRef idx="0">
+            <a:schemeClr val="accent1"/>
+          </a:effectRef>
+          <a:fontRef idx="minor">
+            <a:schemeClr val="tx1"/>
+          </a:fontRef>
+        </p:style>
+      </p:cxnSp>
+      <p:cxnSp>
+        <p:nvCxnSpPr>
+          <p:cNvPr id="43" name="直線矢印コネクタ 42"/>
+          <p:cNvCxnSpPr>
+            <a:stCxn id="164" idx="3"/>
+            <a:endCxn id="170" idx="1"/>
+          </p:cNvCxnSpPr>
+          <p:nvPr/>
+        </p:nvCxnSpPr>
+        <p:spPr>
+          <a:xfrm>
+            <a:off x="7277439" y="3753552"/>
+            <a:ext cx="1044129" cy="0"/>
+          </a:xfrm>
+          <a:prstGeom prst="straightConnector1">
+            <a:avLst/>
+          </a:prstGeom>
+          <a:ln w="25400" cmpd="sng">
+            <a:solidFill>
+              <a:schemeClr val="tx1"/>
+            </a:solidFill>
+            <a:prstDash val="solid"/>
+            <a:headEnd type="none"/>
+            <a:tailEnd type="arrow"/>
+          </a:ln>
+        </p:spPr>
+        <p:style>
+          <a:lnRef idx="1">
+            <a:schemeClr val="accent1"/>
+          </a:lnRef>
+          <a:fillRef idx="0">
+            <a:schemeClr val="accent1"/>
+          </a:fillRef>
+          <a:effectRef idx="0">
+            <a:schemeClr val="accent1"/>
+          </a:effectRef>
+          <a:fontRef idx="minor">
+            <a:schemeClr val="tx1"/>
+          </a:fontRef>
+        </p:style>
+      </p:cxnSp>
+      <p:sp>
+        <p:nvSpPr>
+          <p:cNvPr id="86" name="テキスト ボックス 85"/>
+          <p:cNvSpPr txBox="1"/>
+          <p:nvPr/>
+        </p:nvSpPr>
+        <p:spPr>
+          <a:xfrm>
+            <a:off x="2217862" y="1746500"/>
+            <a:ext cx="1280973" cy="369332"/>
+          </a:xfrm>
+          <a:prstGeom prst="rect">
+            <a:avLst/>
+          </a:prstGeom>
+          <a:noFill/>
+        </p:spPr>
+        <p:txBody>
+          <a:bodyPr wrap="square" rtlCol="0">
+            <a:spAutoFit/>
+          </a:bodyPr>
+          <a:lstStyle/>
+          <a:p>
+            <a:r>
+              <a:rPr kumimoji="1" lang="en-US" altLang="ja-JP" dirty="0" err="1" smtClean="0"/>
+              <a:t>beforeState</a:t>
+            </a:r>
+            <a:endParaRPr kumimoji="1" lang="ja-JP" altLang="en-US" dirty="0"/>
+          </a:p>
+        </p:txBody>
+      </p:sp>
+      <p:sp>
+        <p:nvSpPr>
+          <p:cNvPr id="87" name="テキスト ボックス 86"/>
+          <p:cNvSpPr txBox="1"/>
+          <p:nvPr/>
+        </p:nvSpPr>
+        <p:spPr>
+          <a:xfrm>
+            <a:off x="4819102" y="1745488"/>
+            <a:ext cx="1671553" cy="369332"/>
+          </a:xfrm>
+          <a:prstGeom prst="rect">
+            <a:avLst/>
+          </a:prstGeom>
+          <a:noFill/>
+        </p:spPr>
+        <p:txBody>
+          <a:bodyPr wrap="square" rtlCol="0">
+            <a:spAutoFit/>
+          </a:bodyPr>
+          <a:lstStyle/>
+          <a:p>
+            <a:r>
+              <a:rPr lang="en-US" altLang="ja-JP" dirty="0" err="1" smtClean="0"/>
+              <a:t>after</a:t>
+            </a:r>
+            <a:r>
+              <a:rPr kumimoji="1" lang="en-US" altLang="ja-JP" dirty="0" err="1" smtClean="0"/>
+              <a:t>State</a:t>
+            </a:r>
+            <a:endParaRPr kumimoji="1" lang="ja-JP" altLang="en-US" dirty="0"/>
+          </a:p>
+        </p:txBody>
+      </p:sp>
+      <p:grpSp>
+        <p:nvGrpSpPr>
+          <p:cNvPr id="132" name="グループ化 131"/>
+          <p:cNvGrpSpPr/>
+          <p:nvPr/>
+        </p:nvGrpSpPr>
+        <p:grpSpPr>
+          <a:xfrm>
+            <a:off x="3570178" y="4328326"/>
+            <a:ext cx="6295867" cy="646331"/>
+            <a:chOff x="5170919" y="3232992"/>
+            <a:chExt cx="6295867" cy="646331"/>
+          </a:xfrm>
+        </p:grpSpPr>
+        <p:cxnSp>
+          <p:nvCxnSpPr>
+            <p:cNvPr id="88" name="直線矢印コネクタ 87"/>
+            <p:cNvCxnSpPr/>
+            <p:nvPr/>
+          </p:nvCxnSpPr>
+          <p:spPr>
+            <a:xfrm>
+              <a:off x="5170919" y="3442408"/>
+              <a:ext cx="395387" cy="0"/>
+            </a:xfrm>
+            <a:prstGeom prst="straightConnector1">
+              <a:avLst/>
+            </a:prstGeom>
+            <a:ln w="25400" cmpd="sng">
+              <a:solidFill>
+                <a:schemeClr val="tx1"/>
+              </a:solidFill>
+              <a:prstDash val="solid"/>
+              <a:headEnd type="none"/>
+              <a:tailEnd type="arrow"/>
+            </a:ln>
+          </p:spPr>
+          <p:style>
+            <a:lnRef idx="1">
+              <a:schemeClr val="accent1"/>
+            </a:lnRef>
+            <a:fillRef idx="0">
+              <a:schemeClr val="accent1"/>
+            </a:fillRef>
+            <a:effectRef idx="0">
+              <a:schemeClr val="accent1"/>
+            </a:effectRef>
+            <a:fontRef idx="minor">
+              <a:schemeClr val="tx1"/>
+            </a:fontRef>
+          </p:style>
+        </p:cxnSp>
+        <p:sp>
+          <p:nvSpPr>
+            <p:cNvPr id="89" name="テキスト ボックス 88"/>
+            <p:cNvSpPr txBox="1"/>
+            <p:nvPr/>
+          </p:nvSpPr>
+          <p:spPr>
+            <a:xfrm>
+              <a:off x="5516087" y="3232992"/>
+              <a:ext cx="5950699" cy="646331"/>
+            </a:xfrm>
+            <a:prstGeom prst="rect">
+              <a:avLst/>
+            </a:prstGeom>
+            <a:noFill/>
+          </p:spPr>
+          <p:txBody>
+            <a:bodyPr wrap="square" rtlCol="0">
+              <a:spAutoFit/>
+            </a:bodyPr>
+            <a:lstStyle/>
+            <a:p>
+              <a:r>
+                <a:rPr kumimoji="1" lang="ja-JP" altLang="en-US" dirty="0" smtClean="0"/>
+                <a:t>：本来表現</a:t>
+              </a:r>
+              <a:r>
+                <a:rPr lang="ja-JP" altLang="en-US" dirty="0" smtClean="0"/>
+                <a:t>でき</a:t>
+              </a:r>
+              <a:r>
+                <a:rPr lang="ja-JP" altLang="en-US" dirty="0"/>
+                <a:t>る</a:t>
+              </a:r>
+              <a:r>
+                <a:rPr kumimoji="1" lang="ja-JP" altLang="en-US" dirty="0" smtClean="0"/>
+                <a:t>べき状態変化</a:t>
+              </a:r>
+              <a:endParaRPr kumimoji="1" lang="en-US" altLang="ja-JP" dirty="0" smtClean="0"/>
+            </a:p>
+            <a:p>
+              <a:r>
+                <a:rPr lang="ja-JP" altLang="en-US" dirty="0" smtClean="0"/>
+                <a:t>　</a:t>
+              </a:r>
+              <a:r>
+                <a:rPr kumimoji="1" lang="ja-JP" altLang="en-US" dirty="0" smtClean="0"/>
+                <a:t>（二つの</a:t>
+              </a:r>
+              <a:r>
+                <a:rPr kumimoji="1" lang="en-US" altLang="ja-JP" dirty="0" smtClean="0"/>
+                <a:t>Transaction</a:t>
+              </a:r>
+              <a:r>
+                <a:rPr kumimoji="1" lang="ja-JP" altLang="en-US" dirty="0" smtClean="0"/>
+                <a:t>が同じブラウザから行われている場合）</a:t>
+              </a:r>
+              <a:endParaRPr kumimoji="1" lang="ja-JP" altLang="en-US" dirty="0"/>
+            </a:p>
+          </p:txBody>
+        </p:sp>
+      </p:grpSp>
+      <p:sp>
+        <p:nvSpPr>
+          <p:cNvPr id="100" name="円/楕円 16"/>
+          <p:cNvSpPr/>
+          <p:nvPr/>
+        </p:nvSpPr>
+        <p:spPr>
+          <a:xfrm>
+            <a:off x="3452954" y="2097809"/>
+            <a:ext cx="1861501" cy="739397"/>
+          </a:xfrm>
+          <a:prstGeom prst="ellipse">
+            <a:avLst/>
+          </a:prstGeom>
+          <a:noFill/>
+          <a:ln>
+            <a:solidFill>
+              <a:schemeClr val="tx1"/>
+            </a:solidFill>
+          </a:ln>
+        </p:spPr>
+        <p:style>
+          <a:lnRef idx="2">
+            <a:schemeClr val="accent1">
+              <a:shade val="50000"/>
+            </a:schemeClr>
+          </a:lnRef>
+          <a:fillRef idx="1">
+            <a:schemeClr val="accent1"/>
+          </a:fillRef>
+          <a:effectRef idx="0">
+            <a:schemeClr val="accent1"/>
+          </a:effectRef>
+          <a:fontRef idx="minor">
+            <a:schemeClr val="lt1"/>
+          </a:fontRef>
+        </p:style>
+        <p:txBody>
+          <a:bodyPr rtlCol="0" anchor="ctr"/>
+          <a:lstStyle/>
+          <a:p>
+            <a:pPr algn="ctr"/>
+            <a:r>
+              <a:rPr kumimoji="1" lang="en-US" altLang="ja-JP" sz="2400" dirty="0" smtClean="0">
+                <a:solidFill>
+                  <a:schemeClr val="tx1"/>
+                </a:solidFill>
+              </a:rPr>
+              <a:t>CSState</a:t>
+            </a:r>
+            <a:r>
+              <a:rPr lang="en-US" altLang="ja-JP" sz="2400" dirty="0" smtClean="0">
+                <a:solidFill>
+                  <a:schemeClr val="tx1"/>
+                </a:solidFill>
+              </a:rPr>
+              <a:t>2</a:t>
+            </a:r>
+            <a:endParaRPr kumimoji="1" lang="ja-JP" altLang="en-US" sz="2400" dirty="0" smtClean="0">
+              <a:solidFill>
+                <a:schemeClr val="tx1"/>
+              </a:solidFill>
+            </a:endParaRPr>
+          </a:p>
+        </p:txBody>
+      </p:sp>
+      <p:sp>
+        <p:nvSpPr>
+          <p:cNvPr id="101" name="円/楕円 16"/>
+          <p:cNvSpPr/>
+          <p:nvPr/>
+        </p:nvSpPr>
+        <p:spPr>
+          <a:xfrm>
+            <a:off x="5728749" y="2095012"/>
+            <a:ext cx="1861501" cy="739397"/>
+          </a:xfrm>
+          <a:prstGeom prst="ellipse">
+            <a:avLst/>
+          </a:prstGeom>
+          <a:noFill/>
+          <a:ln>
+            <a:solidFill>
+              <a:schemeClr val="tx1"/>
+            </a:solidFill>
+          </a:ln>
+        </p:spPr>
+        <p:style>
+          <a:lnRef idx="2">
+            <a:schemeClr val="accent1">
+              <a:shade val="50000"/>
+            </a:schemeClr>
+          </a:lnRef>
+          <a:fillRef idx="1">
+            <a:schemeClr val="accent1"/>
+          </a:fillRef>
+          <a:effectRef idx="0">
+            <a:schemeClr val="accent1"/>
+          </a:effectRef>
+          <a:fontRef idx="minor">
+            <a:schemeClr val="lt1"/>
+          </a:fontRef>
+        </p:style>
+        <p:txBody>
+          <a:bodyPr rtlCol="0" anchor="ctr"/>
+          <a:lstStyle/>
+          <a:p>
+            <a:pPr algn="ctr"/>
+            <a:r>
+              <a:rPr kumimoji="1" lang="en-US" altLang="ja-JP" sz="2400" dirty="0" smtClean="0">
+                <a:solidFill>
+                  <a:schemeClr val="tx1"/>
+                </a:solidFill>
+              </a:rPr>
+              <a:t>CSState</a:t>
+            </a:r>
+            <a:r>
+              <a:rPr lang="en-US" altLang="ja-JP" sz="2400" dirty="0" smtClean="0">
+                <a:solidFill>
+                  <a:schemeClr val="tx1"/>
+                </a:solidFill>
+              </a:rPr>
+              <a:t>3</a:t>
+            </a:r>
+            <a:endParaRPr kumimoji="1" lang="ja-JP" altLang="en-US" sz="2400" dirty="0" smtClean="0">
+              <a:solidFill>
+                <a:schemeClr val="tx1"/>
+              </a:solidFill>
+            </a:endParaRPr>
+          </a:p>
+        </p:txBody>
+      </p:sp>
+      <p:sp>
+        <p:nvSpPr>
+          <p:cNvPr id="106" name="円/楕円 16"/>
+          <p:cNvSpPr/>
+          <p:nvPr/>
+        </p:nvSpPr>
+        <p:spPr>
+          <a:xfrm>
+            <a:off x="8004544" y="2095011"/>
+            <a:ext cx="1861501" cy="739397"/>
+          </a:xfrm>
+          <a:prstGeom prst="ellipse">
+            <a:avLst/>
+          </a:prstGeom>
+          <a:noFill/>
+          <a:ln>
+            <a:solidFill>
+              <a:schemeClr val="tx1"/>
+            </a:solidFill>
+          </a:ln>
+        </p:spPr>
+        <p:style>
+          <a:lnRef idx="2">
+            <a:schemeClr val="accent1">
+              <a:shade val="50000"/>
+            </a:schemeClr>
+          </a:lnRef>
+          <a:fillRef idx="1">
+            <a:schemeClr val="accent1"/>
+          </a:fillRef>
+          <a:effectRef idx="0">
+            <a:schemeClr val="accent1"/>
+          </a:effectRef>
+          <a:fontRef idx="minor">
+            <a:schemeClr val="lt1"/>
+          </a:fontRef>
+        </p:style>
+        <p:txBody>
+          <a:bodyPr rtlCol="0" anchor="ctr"/>
+          <a:lstStyle/>
+          <a:p>
+            <a:pPr algn="ctr"/>
+            <a:r>
+              <a:rPr kumimoji="1" lang="en-US" altLang="ja-JP" sz="2400" dirty="0" smtClean="0">
+                <a:solidFill>
+                  <a:schemeClr val="tx1"/>
+                </a:solidFill>
+              </a:rPr>
+              <a:t>CSState</a:t>
+            </a:r>
+            <a:r>
+              <a:rPr lang="en-US" altLang="ja-JP" sz="2400" dirty="0">
+                <a:solidFill>
+                  <a:schemeClr val="tx1"/>
+                </a:solidFill>
+              </a:rPr>
+              <a:t>4</a:t>
+            </a:r>
+            <a:endParaRPr kumimoji="1" lang="ja-JP" altLang="en-US" sz="2400" dirty="0" smtClean="0">
+              <a:solidFill>
+                <a:schemeClr val="tx1"/>
+              </a:solidFill>
+            </a:endParaRPr>
+          </a:p>
+        </p:txBody>
+      </p:sp>
+      <p:cxnSp>
+        <p:nvCxnSpPr>
+          <p:cNvPr id="139" name="直線矢印コネクタ 138"/>
+          <p:cNvCxnSpPr>
+            <a:stCxn id="5" idx="4"/>
+            <a:endCxn id="136" idx="0"/>
+          </p:cNvCxnSpPr>
+          <p:nvPr/>
+        </p:nvCxnSpPr>
+        <p:spPr>
+          <a:xfrm flipH="1">
+            <a:off x="2107909" y="2840760"/>
+            <a:ext cx="1" cy="463528"/>
+          </a:xfrm>
+          <a:prstGeom prst="straightConnector1">
+            <a:avLst/>
+          </a:prstGeom>
+          <a:ln w="12700">
+            <a:solidFill>
+              <a:schemeClr val="tx1"/>
+            </a:solidFill>
+            <a:prstDash val="solid"/>
+            <a:tailEnd type="triangle"/>
+          </a:ln>
+        </p:spPr>
+        <p:style>
+          <a:lnRef idx="1">
+            <a:schemeClr val="accent1"/>
+          </a:lnRef>
+          <a:fillRef idx="0">
+            <a:schemeClr val="accent1"/>
+          </a:fillRef>
+          <a:effectRef idx="0">
+            <a:schemeClr val="accent1"/>
+          </a:effectRef>
+          <a:fontRef idx="minor">
+            <a:schemeClr val="tx1"/>
+          </a:fontRef>
+        </p:style>
+      </p:cxnSp>
+      <p:sp>
+        <p:nvSpPr>
+          <p:cNvPr id="140" name="テキスト ボックス 139"/>
+          <p:cNvSpPr txBox="1"/>
+          <p:nvPr/>
+        </p:nvSpPr>
+        <p:spPr>
+          <a:xfrm>
+            <a:off x="2107907" y="2834978"/>
+            <a:ext cx="904035" cy="369332"/>
+          </a:xfrm>
+          <a:prstGeom prst="rect">
+            <a:avLst/>
+          </a:prstGeom>
+          <a:noFill/>
+        </p:spPr>
+        <p:txBody>
+          <a:bodyPr wrap="square" rtlCol="0">
+            <a:spAutoFit/>
+          </a:bodyPr>
+          <a:lstStyle/>
+          <a:p>
+            <a:r>
+              <a:rPr kumimoji="1" lang="en-US" altLang="ja-JP" dirty="0" smtClean="0"/>
+              <a:t>cookies</a:t>
+            </a:r>
+            <a:endParaRPr kumimoji="1" lang="ja-JP" altLang="en-US" dirty="0"/>
+          </a:p>
+        </p:txBody>
+      </p:sp>
+      <p:sp>
+        <p:nvSpPr>
+          <p:cNvPr id="136" name="正方形/長方形 135"/>
+          <p:cNvSpPr/>
+          <p:nvPr/>
+        </p:nvSpPr>
+        <p:spPr>
+          <a:xfrm>
+            <a:off x="1492076" y="3304288"/>
+            <a:ext cx="1231666" cy="910798"/>
+          </a:xfrm>
+          <a:prstGeom prst="rect">
+            <a:avLst/>
+          </a:prstGeom>
+          <a:noFill/>
+          <a:ln w="28575">
+            <a:solidFill>
+              <a:schemeClr val="tx1"/>
+            </a:solidFill>
+            <a:prstDash val="sysDot"/>
+          </a:ln>
+        </p:spPr>
+        <p:style>
+          <a:lnRef idx="2">
+            <a:schemeClr val="accent1">
+              <a:shade val="50000"/>
+            </a:schemeClr>
+          </a:lnRef>
+          <a:fillRef idx="1">
+            <a:schemeClr val="accent1"/>
+          </a:fillRef>
+          <a:effectRef idx="0">
+            <a:schemeClr val="accent1"/>
+          </a:effectRef>
+          <a:fontRef idx="minor">
+            <a:schemeClr val="lt1"/>
+          </a:fontRef>
+        </p:style>
+        <p:txBody>
+          <a:bodyPr rtlCol="0" anchor="ctr"/>
+          <a:lstStyle/>
+          <a:p>
+            <a:pPr algn="ctr"/>
+            <a:endParaRPr kumimoji="1" lang="ja-JP" altLang="en-US" sz="2000" dirty="0" smtClean="0">
+              <a:solidFill>
+                <a:schemeClr val="tx1"/>
+              </a:solidFill>
+            </a:endParaRPr>
+          </a:p>
+        </p:txBody>
+      </p:sp>
+      <p:cxnSp>
+        <p:nvCxnSpPr>
+          <p:cNvPr id="155" name="直線矢印コネクタ 154"/>
+          <p:cNvCxnSpPr>
+            <a:stCxn id="100" idx="4"/>
+            <a:endCxn id="158" idx="0"/>
+          </p:cNvCxnSpPr>
+          <p:nvPr/>
+        </p:nvCxnSpPr>
+        <p:spPr>
+          <a:xfrm>
+            <a:off x="4383705" y="2837206"/>
+            <a:ext cx="0" cy="460947"/>
+          </a:xfrm>
+          <a:prstGeom prst="straightConnector1">
+            <a:avLst/>
+          </a:prstGeom>
+          <a:ln w="12700">
+            <a:solidFill>
+              <a:schemeClr val="tx1"/>
+            </a:solidFill>
+            <a:prstDash val="solid"/>
+            <a:tailEnd type="triangle"/>
+          </a:ln>
+        </p:spPr>
+        <p:style>
+          <a:lnRef idx="1">
+            <a:schemeClr val="accent1"/>
+          </a:lnRef>
+          <a:fillRef idx="0">
+            <a:schemeClr val="accent1"/>
+          </a:fillRef>
+          <a:effectRef idx="0">
+            <a:schemeClr val="accent1"/>
+          </a:effectRef>
+          <a:fontRef idx="minor">
+            <a:schemeClr val="tx1"/>
+          </a:fontRef>
+        </p:style>
+      </p:cxnSp>
+      <p:sp>
+        <p:nvSpPr>
+          <p:cNvPr id="156" name="テキスト ボックス 155"/>
+          <p:cNvSpPr txBox="1"/>
+          <p:nvPr/>
+        </p:nvSpPr>
+        <p:spPr>
+          <a:xfrm>
+            <a:off x="4383704" y="2830569"/>
+            <a:ext cx="904035" cy="369332"/>
+          </a:xfrm>
+          <a:prstGeom prst="rect">
+            <a:avLst/>
+          </a:prstGeom>
+          <a:noFill/>
+        </p:spPr>
+        <p:txBody>
+          <a:bodyPr wrap="square" rtlCol="0">
+            <a:spAutoFit/>
+          </a:bodyPr>
+          <a:lstStyle/>
+          <a:p>
+            <a:r>
+              <a:rPr kumimoji="1" lang="en-US" altLang="ja-JP" dirty="0" smtClean="0"/>
+              <a:t>cookies</a:t>
+            </a:r>
+            <a:endParaRPr kumimoji="1" lang="ja-JP" altLang="en-US" dirty="0"/>
+          </a:p>
+        </p:txBody>
+      </p:sp>
+      <p:sp>
+        <p:nvSpPr>
+          <p:cNvPr id="158" name="正方形/長方形 157"/>
+          <p:cNvSpPr/>
+          <p:nvPr/>
+        </p:nvSpPr>
+        <p:spPr>
+          <a:xfrm>
+            <a:off x="3767872" y="3298153"/>
+            <a:ext cx="1231666" cy="910798"/>
+          </a:xfrm>
+          <a:prstGeom prst="rect">
+            <a:avLst/>
+          </a:prstGeom>
+          <a:noFill/>
+          <a:ln w="28575">
+            <a:solidFill>
+              <a:schemeClr val="tx1"/>
+            </a:solidFill>
+            <a:prstDash val="sysDot"/>
+          </a:ln>
+        </p:spPr>
+        <p:style>
+          <a:lnRef idx="2">
+            <a:schemeClr val="accent1">
+              <a:shade val="50000"/>
+            </a:schemeClr>
+          </a:lnRef>
+          <a:fillRef idx="1">
+            <a:schemeClr val="accent1"/>
+          </a:fillRef>
+          <a:effectRef idx="0">
+            <a:schemeClr val="accent1"/>
+          </a:effectRef>
+          <a:fontRef idx="minor">
+            <a:schemeClr val="lt1"/>
+          </a:fontRef>
+        </p:style>
+        <p:txBody>
+          <a:bodyPr rtlCol="0" anchor="ctr"/>
+          <a:lstStyle/>
+          <a:p>
+            <a:pPr algn="ctr"/>
+            <a:endParaRPr kumimoji="1" lang="ja-JP" altLang="en-US" sz="2000" dirty="0" smtClean="0">
+              <a:solidFill>
+                <a:schemeClr val="tx1"/>
+              </a:solidFill>
+            </a:endParaRPr>
+          </a:p>
+        </p:txBody>
+      </p:sp>
+      <p:cxnSp>
+        <p:nvCxnSpPr>
+          <p:cNvPr id="161" name="直線矢印コネクタ 160"/>
+          <p:cNvCxnSpPr>
+            <a:stCxn id="101" idx="4"/>
+            <a:endCxn id="164" idx="0"/>
+          </p:cNvCxnSpPr>
+          <p:nvPr/>
+        </p:nvCxnSpPr>
+        <p:spPr>
+          <a:xfrm>
+            <a:off x="6659500" y="2834409"/>
+            <a:ext cx="2106" cy="463744"/>
+          </a:xfrm>
+          <a:prstGeom prst="straightConnector1">
+            <a:avLst/>
+          </a:prstGeom>
+          <a:ln w="12700">
+            <a:solidFill>
+              <a:schemeClr val="tx1"/>
+            </a:solidFill>
+            <a:prstDash val="solid"/>
+            <a:tailEnd type="triangle"/>
+          </a:ln>
+        </p:spPr>
+        <p:style>
+          <a:lnRef idx="1">
+            <a:schemeClr val="accent1"/>
+          </a:lnRef>
+          <a:fillRef idx="0">
+            <a:schemeClr val="accent1"/>
+          </a:fillRef>
+          <a:effectRef idx="0">
+            <a:schemeClr val="accent1"/>
+          </a:effectRef>
+          <a:fontRef idx="minor">
+            <a:schemeClr val="tx1"/>
+          </a:fontRef>
+        </p:style>
+      </p:cxnSp>
+      <p:sp>
+        <p:nvSpPr>
+          <p:cNvPr id="162" name="テキスト ボックス 161"/>
+          <p:cNvSpPr txBox="1"/>
+          <p:nvPr/>
+        </p:nvSpPr>
+        <p:spPr>
+          <a:xfrm>
+            <a:off x="6686216" y="2830569"/>
+            <a:ext cx="904035" cy="369332"/>
+          </a:xfrm>
+          <a:prstGeom prst="rect">
+            <a:avLst/>
+          </a:prstGeom>
+          <a:noFill/>
+        </p:spPr>
+        <p:txBody>
+          <a:bodyPr wrap="square" rtlCol="0">
+            <a:spAutoFit/>
+          </a:bodyPr>
+          <a:lstStyle/>
+          <a:p>
+            <a:r>
+              <a:rPr kumimoji="1" lang="en-US" altLang="ja-JP" dirty="0" smtClean="0"/>
+              <a:t>cookies</a:t>
+            </a:r>
+            <a:endParaRPr kumimoji="1" lang="ja-JP" altLang="en-US" dirty="0"/>
+          </a:p>
+        </p:txBody>
+      </p:sp>
+      <p:grpSp>
+        <p:nvGrpSpPr>
+          <p:cNvPr id="163" name="グループ化 162"/>
+          <p:cNvGrpSpPr/>
+          <p:nvPr/>
+        </p:nvGrpSpPr>
+        <p:grpSpPr>
+          <a:xfrm>
+            <a:off x="6045773" y="3298153"/>
+            <a:ext cx="1231666" cy="910798"/>
+            <a:chOff x="1492076" y="3304288"/>
+            <a:chExt cx="1231666" cy="910798"/>
+          </a:xfrm>
+        </p:grpSpPr>
+        <p:sp>
+          <p:nvSpPr>
+            <p:cNvPr id="164" name="正方形/長方形 163"/>
+            <p:cNvSpPr/>
+            <p:nvPr/>
+          </p:nvSpPr>
+          <p:spPr>
+            <a:xfrm>
+              <a:off x="1492076" y="3304288"/>
+              <a:ext cx="1231666" cy="910798"/>
+            </a:xfrm>
+            <a:prstGeom prst="rect">
+              <a:avLst/>
+            </a:prstGeom>
+            <a:noFill/>
+            <a:ln w="28575">
+              <a:solidFill>
+                <a:schemeClr val="tx1"/>
+              </a:solidFill>
+              <a:prstDash val="sysDot"/>
+            </a:ln>
+          </p:spPr>
+          <p:style>
+            <a:lnRef idx="2">
+              <a:schemeClr val="accent1">
+                <a:shade val="50000"/>
+              </a:schemeClr>
+            </a:lnRef>
+            <a:fillRef idx="1">
+              <a:schemeClr val="accent1"/>
+            </a:fillRef>
+            <a:effectRef idx="0">
+              <a:schemeClr val="accent1"/>
+            </a:effectRef>
+            <a:fontRef idx="minor">
+              <a:schemeClr val="lt1"/>
+            </a:fontRef>
+          </p:style>
+          <p:txBody>
+            <a:bodyPr rtlCol="0" anchor="ctr"/>
+            <a:lstStyle/>
+            <a:p>
+              <a:pPr algn="ctr"/>
+              <a:endParaRPr kumimoji="1" lang="ja-JP" altLang="en-US" sz="2000" dirty="0" smtClean="0">
+                <a:solidFill>
+                  <a:schemeClr val="tx1"/>
+                </a:solidFill>
+              </a:endParaRPr>
+            </a:p>
+          </p:txBody>
+        </p:sp>
+        <p:sp>
+          <p:nvSpPr>
+            <p:cNvPr id="165" name="角丸四角形 164"/>
+            <p:cNvSpPr/>
+            <p:nvPr/>
+          </p:nvSpPr>
+          <p:spPr>
+            <a:xfrm>
+              <a:off x="1576043" y="3421763"/>
+              <a:ext cx="1063731" cy="299132"/>
+            </a:xfrm>
+            <a:prstGeom prst="roundRect">
+              <a:avLst/>
+            </a:prstGeom>
+            <a:noFill/>
+            <a:ln>
+              <a:solidFill>
+                <a:schemeClr val="tx1"/>
+              </a:solidFill>
+            </a:ln>
+          </p:spPr>
+          <p:style>
+            <a:lnRef idx="2">
+              <a:schemeClr val="accent1">
+                <a:shade val="50000"/>
+              </a:schemeClr>
+            </a:lnRef>
+            <a:fillRef idx="1">
+              <a:schemeClr val="accent1"/>
+            </a:fillRef>
+            <a:effectRef idx="0">
+              <a:schemeClr val="accent1"/>
+            </a:effectRef>
+            <a:fontRef idx="minor">
+              <a:schemeClr val="lt1"/>
+            </a:fontRef>
+          </p:style>
+          <p:txBody>
+            <a:bodyPr rtlCol="0" anchor="ctr"/>
+            <a:lstStyle/>
+            <a:p>
+              <a:pPr algn="ctr"/>
+              <a:r>
+                <a:rPr kumimoji="1" lang="en-US" altLang="ja-JP" sz="2000" dirty="0" smtClean="0">
+                  <a:solidFill>
+                    <a:schemeClr val="tx1"/>
+                  </a:solidFill>
+                </a:rPr>
+                <a:t>Cookie1</a:t>
+              </a:r>
+              <a:endParaRPr kumimoji="1" lang="ja-JP" altLang="en-US" sz="2000" dirty="0" smtClean="0">
+                <a:solidFill>
+                  <a:schemeClr val="tx1"/>
+                </a:solidFill>
+              </a:endParaRPr>
+            </a:p>
+          </p:txBody>
+        </p:sp>
+      </p:grpSp>
+      <p:cxnSp>
+        <p:nvCxnSpPr>
+          <p:cNvPr id="167" name="直線矢印コネクタ 166"/>
+          <p:cNvCxnSpPr>
+            <a:stCxn id="106" idx="4"/>
+            <a:endCxn id="170" idx="0"/>
+          </p:cNvCxnSpPr>
+          <p:nvPr/>
+        </p:nvCxnSpPr>
+        <p:spPr>
+          <a:xfrm>
+            <a:off x="8935295" y="2834408"/>
+            <a:ext cx="2106" cy="463745"/>
+          </a:xfrm>
+          <a:prstGeom prst="straightConnector1">
+            <a:avLst/>
+          </a:prstGeom>
+          <a:ln w="12700">
+            <a:solidFill>
+              <a:schemeClr val="tx1"/>
+            </a:solidFill>
+            <a:prstDash val="solid"/>
+            <a:tailEnd type="triangle"/>
+          </a:ln>
+        </p:spPr>
+        <p:style>
+          <a:lnRef idx="1">
+            <a:schemeClr val="accent1"/>
+          </a:lnRef>
+          <a:fillRef idx="0">
+            <a:schemeClr val="accent1"/>
+          </a:fillRef>
+          <a:effectRef idx="0">
+            <a:schemeClr val="accent1"/>
+          </a:effectRef>
+          <a:fontRef idx="minor">
+            <a:schemeClr val="tx1"/>
+          </a:fontRef>
+        </p:style>
+      </p:cxnSp>
+      <p:sp>
+        <p:nvSpPr>
+          <p:cNvPr id="168" name="テキスト ボックス 167"/>
+          <p:cNvSpPr txBox="1"/>
+          <p:nvPr/>
+        </p:nvSpPr>
+        <p:spPr>
+          <a:xfrm>
+            <a:off x="8935294" y="2829976"/>
+            <a:ext cx="904035" cy="369332"/>
+          </a:xfrm>
+          <a:prstGeom prst="rect">
+            <a:avLst/>
+          </a:prstGeom>
+          <a:noFill/>
+        </p:spPr>
+        <p:txBody>
+          <a:bodyPr wrap="square" rtlCol="0">
+            <a:spAutoFit/>
+          </a:bodyPr>
+          <a:lstStyle/>
+          <a:p>
+            <a:r>
+              <a:rPr kumimoji="1" lang="en-US" altLang="ja-JP" dirty="0" smtClean="0"/>
+              <a:t>cookies</a:t>
+            </a:r>
+            <a:endParaRPr kumimoji="1" lang="ja-JP" altLang="en-US" dirty="0"/>
+          </a:p>
+        </p:txBody>
+      </p:sp>
+      <p:grpSp>
+        <p:nvGrpSpPr>
+          <p:cNvPr id="169" name="グループ化 168"/>
+          <p:cNvGrpSpPr/>
+          <p:nvPr/>
+        </p:nvGrpSpPr>
+        <p:grpSpPr>
+          <a:xfrm>
+            <a:off x="8321568" y="3298153"/>
+            <a:ext cx="1231666" cy="910798"/>
+            <a:chOff x="1492076" y="3304288"/>
+            <a:chExt cx="1231666" cy="910798"/>
+          </a:xfrm>
+        </p:grpSpPr>
+        <p:sp>
+          <p:nvSpPr>
+            <p:cNvPr id="170" name="正方形/長方形 169"/>
+            <p:cNvSpPr/>
+            <p:nvPr/>
+          </p:nvSpPr>
+          <p:spPr>
+            <a:xfrm>
+              <a:off x="1492076" y="3304288"/>
+              <a:ext cx="1231666" cy="910798"/>
+            </a:xfrm>
+            <a:prstGeom prst="rect">
+              <a:avLst/>
+            </a:prstGeom>
+            <a:noFill/>
+            <a:ln w="28575">
+              <a:solidFill>
+                <a:schemeClr val="tx1"/>
+              </a:solidFill>
+              <a:prstDash val="sysDot"/>
+            </a:ln>
+          </p:spPr>
+          <p:style>
+            <a:lnRef idx="2">
+              <a:schemeClr val="accent1">
+                <a:shade val="50000"/>
+              </a:schemeClr>
+            </a:lnRef>
+            <a:fillRef idx="1">
+              <a:schemeClr val="accent1"/>
+            </a:fillRef>
+            <a:effectRef idx="0">
+              <a:schemeClr val="accent1"/>
+            </a:effectRef>
+            <a:fontRef idx="minor">
+              <a:schemeClr val="lt1"/>
+            </a:fontRef>
+          </p:style>
+          <p:txBody>
+            <a:bodyPr rtlCol="0" anchor="ctr"/>
+            <a:lstStyle/>
+            <a:p>
+              <a:pPr algn="ctr"/>
+              <a:endParaRPr kumimoji="1" lang="ja-JP" altLang="en-US" sz="2000" dirty="0" smtClean="0">
+                <a:solidFill>
+                  <a:schemeClr val="tx1"/>
+                </a:solidFill>
+              </a:endParaRPr>
+            </a:p>
+          </p:txBody>
+        </p:sp>
+        <p:sp>
+          <p:nvSpPr>
+            <p:cNvPr id="172" name="角丸四角形 171"/>
+            <p:cNvSpPr/>
+            <p:nvPr/>
+          </p:nvSpPr>
+          <p:spPr>
+            <a:xfrm>
+              <a:off x="1576042" y="3804510"/>
+              <a:ext cx="1063731" cy="299132"/>
+            </a:xfrm>
+            <a:prstGeom prst="roundRect">
+              <a:avLst/>
+            </a:prstGeom>
+            <a:noFill/>
+            <a:ln>
+              <a:solidFill>
+                <a:schemeClr val="tx1"/>
+              </a:solidFill>
+            </a:ln>
+          </p:spPr>
+          <p:style>
+            <a:lnRef idx="2">
+              <a:schemeClr val="accent1">
+                <a:shade val="50000"/>
+              </a:schemeClr>
+            </a:lnRef>
+            <a:fillRef idx="1">
+              <a:schemeClr val="accent1"/>
+            </a:fillRef>
+            <a:effectRef idx="0">
+              <a:schemeClr val="accent1"/>
+            </a:effectRef>
+            <a:fontRef idx="minor">
+              <a:schemeClr val="lt1"/>
+            </a:fontRef>
+          </p:style>
+          <p:txBody>
+            <a:bodyPr rtlCol="0" anchor="ctr"/>
+            <a:lstStyle/>
+            <a:p>
+              <a:pPr algn="ctr"/>
+              <a:r>
+                <a:rPr kumimoji="1" lang="en-US" altLang="ja-JP" sz="2000" dirty="0" smtClean="0">
+                  <a:solidFill>
+                    <a:schemeClr val="tx1"/>
+                  </a:solidFill>
+                </a:rPr>
+                <a:t>Cookie2</a:t>
+              </a:r>
+              <a:endParaRPr kumimoji="1" lang="ja-JP" altLang="en-US" sz="2000" dirty="0" smtClean="0">
+                <a:solidFill>
+                  <a:schemeClr val="tx1"/>
+                </a:solidFill>
+              </a:endParaRPr>
+            </a:p>
+          </p:txBody>
+        </p:sp>
+      </p:grpSp>
+      <p:sp>
+        <p:nvSpPr>
+          <p:cNvPr id="42" name="角丸四角形 41"/>
+          <p:cNvSpPr/>
+          <p:nvPr/>
+        </p:nvSpPr>
+        <p:spPr>
+          <a:xfrm>
+            <a:off x="8405534" y="3415628"/>
+            <a:ext cx="1063731" cy="299132"/>
+          </a:xfrm>
+          <a:prstGeom prst="roundRect">
+            <a:avLst/>
+          </a:prstGeom>
+          <a:noFill/>
+          <a:ln>
+            <a:solidFill>
+              <a:schemeClr val="tx1"/>
+            </a:solidFill>
+          </a:ln>
+        </p:spPr>
+        <p:style>
+          <a:lnRef idx="2">
+            <a:schemeClr val="accent1">
+              <a:shade val="50000"/>
+            </a:schemeClr>
+          </a:lnRef>
+          <a:fillRef idx="1">
+            <a:schemeClr val="accent1"/>
+          </a:fillRef>
+          <a:effectRef idx="0">
+            <a:schemeClr val="accent1"/>
+          </a:effectRef>
+          <a:fontRef idx="minor">
+            <a:schemeClr val="lt1"/>
+          </a:fontRef>
+        </p:style>
+        <p:txBody>
+          <a:bodyPr rtlCol="0" anchor="ctr"/>
+          <a:lstStyle/>
+          <a:p>
+            <a:pPr algn="ctr"/>
+            <a:r>
+              <a:rPr kumimoji="1" lang="en-US" altLang="ja-JP" sz="2000" dirty="0" smtClean="0">
+                <a:solidFill>
+                  <a:schemeClr val="tx1"/>
+                </a:solidFill>
+              </a:rPr>
+              <a:t>Cookie1</a:t>
+            </a:r>
+            <a:endParaRPr kumimoji="1" lang="ja-JP" altLang="en-US" sz="2000" dirty="0" smtClean="0">
+              <a:solidFill>
+                <a:schemeClr val="tx1"/>
+              </a:solidFill>
+            </a:endParaRPr>
+          </a:p>
+        </p:txBody>
+      </p:sp>
+    </p:spTree>
+    <p:extLst>
+      <p:ext uri="{BB962C8B-B14F-4D97-AF65-F5344CB8AC3E}">
+        <p14:creationId xmlns:p14="http://schemas.microsoft.com/office/powerpoint/2010/main" val="3563306211"/>
       </p:ext>
     </p:extLst>
   </p:cSld>

--- a/fig/fig.pptx
+++ b/fig/fig.pptx
@@ -5,13 +5,15 @@
     <p:sldMasterId id="2147483648" r:id="rId1"/>
   </p:sldMasterIdLst>
   <p:notesMasterIdLst>
-    <p:notesMasterId r:id="rId6"/>
+    <p:notesMasterId r:id="rId8"/>
   </p:notesMasterIdLst>
   <p:sldIdLst>
     <p:sldId id="256" r:id="rId2"/>
     <p:sldId id="257" r:id="rId3"/>
     <p:sldId id="258" r:id="rId4"/>
     <p:sldId id="259" r:id="rId5"/>
+    <p:sldId id="260" r:id="rId6"/>
+    <p:sldId id="262" r:id="rId7"/>
   </p:sldIdLst>
   <p:sldSz cx="12192000" cy="6858000"/>
   <p:notesSz cx="6858000" cy="9144000"/>
@@ -200,7 +202,7 @@
           <a:p>
             <a:fld id="{5132F9E5-22C7-4D67-BFE7-9836B898E847}" type="datetimeFigureOut">
               <a:rPr kumimoji="1" lang="ja-JP" altLang="en-US" smtClean="0"/>
-              <a:t>2018/1/17</a:t>
+              <a:t>2018/1/18</a:t>
             </a:fld>
             <a:endParaRPr kumimoji="1" lang="ja-JP" altLang="en-US"/>
           </a:p>
@@ -715,7 +717,7 @@
           <a:p>
             <a:fld id="{ABA9A1D1-5B79-412D-8149-C192A605B75C}" type="datetimeFigureOut">
               <a:rPr kumimoji="1" lang="ja-JP" altLang="en-US" smtClean="0"/>
-              <a:t>2018/1/17</a:t>
+              <a:t>2018/1/18</a:t>
             </a:fld>
             <a:endParaRPr kumimoji="1" lang="ja-JP" altLang="en-US"/>
           </a:p>
@@ -917,7 +919,7 @@
           <a:p>
             <a:fld id="{ABA9A1D1-5B79-412D-8149-C192A605B75C}" type="datetimeFigureOut">
               <a:rPr kumimoji="1" lang="ja-JP" altLang="en-US" smtClean="0"/>
-              <a:t>2018/1/17</a:t>
+              <a:t>2018/1/18</a:t>
             </a:fld>
             <a:endParaRPr kumimoji="1" lang="ja-JP" altLang="en-US"/>
           </a:p>
@@ -1129,7 +1131,7 @@
           <a:p>
             <a:fld id="{ABA9A1D1-5B79-412D-8149-C192A605B75C}" type="datetimeFigureOut">
               <a:rPr kumimoji="1" lang="ja-JP" altLang="en-US" smtClean="0"/>
-              <a:t>2018/1/17</a:t>
+              <a:t>2018/1/18</a:t>
             </a:fld>
             <a:endParaRPr kumimoji="1" lang="ja-JP" altLang="en-US"/>
           </a:p>
@@ -1331,7 +1333,7 @@
           <a:p>
             <a:fld id="{ABA9A1D1-5B79-412D-8149-C192A605B75C}" type="datetimeFigureOut">
               <a:rPr kumimoji="1" lang="ja-JP" altLang="en-US" smtClean="0"/>
-              <a:t>2018/1/17</a:t>
+              <a:t>2018/1/18</a:t>
             </a:fld>
             <a:endParaRPr kumimoji="1" lang="ja-JP" altLang="en-US"/>
           </a:p>
@@ -1577,7 +1579,7 @@
           <a:p>
             <a:fld id="{ABA9A1D1-5B79-412D-8149-C192A605B75C}" type="datetimeFigureOut">
               <a:rPr kumimoji="1" lang="ja-JP" altLang="en-US" smtClean="0"/>
-              <a:t>2018/1/17</a:t>
+              <a:t>2018/1/18</a:t>
             </a:fld>
             <a:endParaRPr kumimoji="1" lang="ja-JP" altLang="en-US"/>
           </a:p>
@@ -1873,7 +1875,7 @@
           <a:p>
             <a:fld id="{ABA9A1D1-5B79-412D-8149-C192A605B75C}" type="datetimeFigureOut">
               <a:rPr kumimoji="1" lang="ja-JP" altLang="en-US" smtClean="0"/>
-              <a:t>2018/1/17</a:t>
+              <a:t>2018/1/18</a:t>
             </a:fld>
             <a:endParaRPr kumimoji="1" lang="ja-JP" altLang="en-US"/>
           </a:p>
@@ -2304,7 +2306,7 @@
           <a:p>
             <a:fld id="{ABA9A1D1-5B79-412D-8149-C192A605B75C}" type="datetimeFigureOut">
               <a:rPr kumimoji="1" lang="ja-JP" altLang="en-US" smtClean="0"/>
-              <a:t>2018/1/17</a:t>
+              <a:t>2018/1/18</a:t>
             </a:fld>
             <a:endParaRPr kumimoji="1" lang="ja-JP" altLang="en-US"/>
           </a:p>
@@ -2422,7 +2424,7 @@
           <a:p>
             <a:fld id="{ABA9A1D1-5B79-412D-8149-C192A605B75C}" type="datetimeFigureOut">
               <a:rPr kumimoji="1" lang="ja-JP" altLang="en-US" smtClean="0"/>
-              <a:t>2018/1/17</a:t>
+              <a:t>2018/1/18</a:t>
             </a:fld>
             <a:endParaRPr kumimoji="1" lang="ja-JP" altLang="en-US"/>
           </a:p>
@@ -2517,7 +2519,7 @@
           <a:p>
             <a:fld id="{ABA9A1D1-5B79-412D-8149-C192A605B75C}" type="datetimeFigureOut">
               <a:rPr kumimoji="1" lang="ja-JP" altLang="en-US" smtClean="0"/>
-              <a:t>2018/1/17</a:t>
+              <a:t>2018/1/18</a:t>
             </a:fld>
             <a:endParaRPr kumimoji="1" lang="ja-JP" altLang="en-US"/>
           </a:p>
@@ -2826,7 +2828,7 @@
           <a:p>
             <a:fld id="{ABA9A1D1-5B79-412D-8149-C192A605B75C}" type="datetimeFigureOut">
               <a:rPr kumimoji="1" lang="ja-JP" altLang="en-US" smtClean="0"/>
-              <a:t>2018/1/17</a:t>
+              <a:t>2018/1/18</a:t>
             </a:fld>
             <a:endParaRPr kumimoji="1" lang="ja-JP" altLang="en-US"/>
           </a:p>
@@ -3079,7 +3081,7 @@
           <a:p>
             <a:fld id="{ABA9A1D1-5B79-412D-8149-C192A605B75C}" type="datetimeFigureOut">
               <a:rPr kumimoji="1" lang="ja-JP" altLang="en-US" smtClean="0"/>
-              <a:t>2018/1/17</a:t>
+              <a:t>2018/1/18</a:t>
             </a:fld>
             <a:endParaRPr kumimoji="1" lang="ja-JP" altLang="en-US"/>
           </a:p>
@@ -3324,7 +3326,7 @@
           <a:p>
             <a:fld id="{ABA9A1D1-5B79-412D-8149-C192A605B75C}" type="datetimeFigureOut">
               <a:rPr kumimoji="1" lang="ja-JP" altLang="en-US" smtClean="0"/>
-              <a:t>2018/1/17</a:t>
+              <a:t>2018/1/18</a:t>
             </a:fld>
             <a:endParaRPr kumimoji="1" lang="ja-JP" altLang="en-US"/>
           </a:p>
@@ -6176,8 +6178,8 @@
         </p:nvSpPr>
         <p:spPr>
           <a:xfrm>
-            <a:off x="1177159" y="303329"/>
-            <a:ext cx="8688886" cy="4698625"/>
+            <a:off x="1177159" y="796547"/>
+            <a:ext cx="8688886" cy="4442619"/>
           </a:xfrm>
           <a:prstGeom prst="rect">
             <a:avLst/>
@@ -6413,7 +6415,7 @@
         </p:nvSpPr>
         <p:spPr>
           <a:xfrm>
-            <a:off x="5725959" y="808269"/>
+            <a:off x="5728749" y="799243"/>
             <a:ext cx="2888131" cy="1017155"/>
           </a:xfrm>
           <a:prstGeom prst="roundRect">
@@ -6530,8 +6532,8 @@
         </p:nvCxnSpPr>
         <p:spPr>
           <a:xfrm flipH="1">
-            <a:off x="5041844" y="1825424"/>
-            <a:ext cx="2128181" cy="380667"/>
+            <a:off x="5041844" y="1816398"/>
+            <a:ext cx="2130971" cy="389693"/>
           </a:xfrm>
           <a:prstGeom prst="straightConnector1">
             <a:avLst/>
@@ -6570,8 +6572,8 @@
         </p:nvCxnSpPr>
         <p:spPr>
           <a:xfrm>
-            <a:off x="7170025" y="1825424"/>
-            <a:ext cx="1107130" cy="377869"/>
+            <a:off x="7172815" y="1816398"/>
+            <a:ext cx="1104340" cy="386895"/>
           </a:xfrm>
           <a:prstGeom prst="straightConnector1">
             <a:avLst/>
@@ -6691,7 +6693,7 @@
         </p:nvCxnSpPr>
         <p:spPr>
           <a:xfrm flipV="1">
-            <a:off x="1177159" y="671190"/>
+            <a:off x="1177159" y="4816657"/>
             <a:ext cx="8688886" cy="1474"/>
           </a:xfrm>
           <a:prstGeom prst="straightConnector1">
@@ -6728,7 +6730,7 @@
         </p:nvSpPr>
         <p:spPr>
           <a:xfrm>
-            <a:off x="1177159" y="303331"/>
+            <a:off x="1150443" y="4448799"/>
             <a:ext cx="1098791" cy="369332"/>
           </a:xfrm>
           <a:prstGeom prst="rect">
@@ -6822,7 +6824,7 @@
         </p:nvGrpSpPr>
         <p:grpSpPr>
           <a:xfrm>
-            <a:off x="5521602" y="4632622"/>
+            <a:off x="5534769" y="4869835"/>
             <a:ext cx="4110962" cy="369332"/>
             <a:chOff x="5193862" y="3232992"/>
             <a:chExt cx="4110962" cy="369332"/>
@@ -7779,8 +7781,8 @@
         </p:nvSpPr>
         <p:spPr>
           <a:xfrm>
-            <a:off x="1177159" y="303330"/>
-            <a:ext cx="8688886" cy="4671328"/>
+            <a:off x="1177159" y="796548"/>
+            <a:ext cx="8688886" cy="4543082"/>
           </a:xfrm>
           <a:prstGeom prst="rect">
             <a:avLst/>
@@ -8016,7 +8018,7 @@
         </p:nvSpPr>
         <p:spPr>
           <a:xfrm>
-            <a:off x="5725959" y="808269"/>
+            <a:off x="5728749" y="796547"/>
             <a:ext cx="2888131" cy="1017155"/>
           </a:xfrm>
           <a:prstGeom prst="roundRect">
@@ -8133,8 +8135,8 @@
         </p:nvCxnSpPr>
         <p:spPr>
           <a:xfrm flipH="1">
-            <a:off x="5041844" y="1825424"/>
-            <a:ext cx="2128181" cy="380667"/>
+            <a:off x="5041844" y="1813702"/>
+            <a:ext cx="2130971" cy="392389"/>
           </a:xfrm>
           <a:prstGeom prst="straightConnector1">
             <a:avLst/>
@@ -8173,8 +8175,8 @@
         </p:nvCxnSpPr>
         <p:spPr>
           <a:xfrm>
-            <a:off x="7170025" y="1825424"/>
-            <a:ext cx="1107130" cy="377869"/>
+            <a:off x="7172815" y="1813702"/>
+            <a:ext cx="1104340" cy="389591"/>
           </a:xfrm>
           <a:prstGeom prst="straightConnector1">
             <a:avLst/>
@@ -8210,7 +8212,7 @@
         </p:nvCxnSpPr>
         <p:spPr>
           <a:xfrm flipV="1">
-            <a:off x="1177159" y="671190"/>
+            <a:off x="1177159" y="4616775"/>
             <a:ext cx="8688886" cy="1474"/>
           </a:xfrm>
           <a:prstGeom prst="straightConnector1">
@@ -8247,7 +8249,7 @@
         </p:nvSpPr>
         <p:spPr>
           <a:xfrm>
-            <a:off x="1177159" y="303331"/>
+            <a:off x="1177159" y="4248916"/>
             <a:ext cx="1098791" cy="369332"/>
           </a:xfrm>
           <a:prstGeom prst="rect">
@@ -8464,7 +8466,7 @@
         </p:nvGrpSpPr>
         <p:grpSpPr>
           <a:xfrm>
-            <a:off x="3570178" y="4328326"/>
+            <a:off x="3570178" y="4693300"/>
             <a:ext cx="6295867" cy="646331"/>
             <a:chOff x="5170919" y="3232992"/>
             <a:chExt cx="6295867" cy="646331"/>
@@ -9460,6 +9462,2876 @@
     <p:extLst>
       <p:ext uri="{BB962C8B-B14F-4D97-AF65-F5344CB8AC3E}">
         <p14:creationId xmlns:p14="http://schemas.microsoft.com/office/powerpoint/2010/main" val="3563306211"/>
+      </p:ext>
+    </p:extLst>
+  </p:cSld>
+  <p:clrMapOvr>
+    <a:masterClrMapping/>
+  </p:clrMapOvr>
+</p:sld>
+</file>
+
+<file path=ppt/slides/slide5.xml><?xml version="1.0" encoding="utf-8"?>
+<p:sld xmlns:a="http://schemas.openxmlformats.org/drawingml/2006/main" xmlns:r="http://schemas.openxmlformats.org/officeDocument/2006/relationships" xmlns:p="http://schemas.openxmlformats.org/presentationml/2006/main">
+  <p:cSld>
+    <p:spTree>
+      <p:nvGrpSpPr>
+        <p:cNvPr id="1" name=""/>
+        <p:cNvGrpSpPr/>
+        <p:nvPr/>
+      </p:nvGrpSpPr>
+      <p:grpSpPr>
+        <a:xfrm>
+          <a:off x="0" y="0"/>
+          <a:ext cx="0" cy="0"/>
+          <a:chOff x="0" y="0"/>
+          <a:chExt cx="0" cy="0"/>
+        </a:xfrm>
+      </p:grpSpPr>
+      <p:sp>
+        <p:nvSpPr>
+          <p:cNvPr id="50" name="正方形/長方形 49"/>
+          <p:cNvSpPr/>
+          <p:nvPr/>
+        </p:nvSpPr>
+        <p:spPr>
+          <a:xfrm>
+            <a:off x="287080" y="460375"/>
+            <a:ext cx="8037472" cy="2272865"/>
+          </a:xfrm>
+          <a:prstGeom prst="rect">
+            <a:avLst/>
+          </a:prstGeom>
+          <a:solidFill>
+            <a:schemeClr val="bg1"/>
+          </a:solidFill>
+          <a:ln>
+            <a:solidFill>
+              <a:schemeClr val="bg1"/>
+            </a:solidFill>
+          </a:ln>
+        </p:spPr>
+        <p:style>
+          <a:lnRef idx="2">
+            <a:schemeClr val="accent1">
+              <a:shade val="50000"/>
+            </a:schemeClr>
+          </a:lnRef>
+          <a:fillRef idx="1">
+            <a:schemeClr val="accent1"/>
+          </a:fillRef>
+          <a:effectRef idx="0">
+            <a:schemeClr val="accent1"/>
+          </a:effectRef>
+          <a:fontRef idx="minor">
+            <a:schemeClr val="lt1"/>
+          </a:fontRef>
+        </p:style>
+        <p:txBody>
+          <a:bodyPr rot="0" spcFirstLastPara="0" vertOverflow="overflow" horzOverflow="overflow" vert="horz" wrap="square" lIns="91440" tIns="45720" rIns="91440" bIns="45720" numCol="1" spcCol="0" rtlCol="0" fromWordArt="0" anchor="ctr" anchorCtr="0" forceAA="0" compatLnSpc="1">
+            <a:prstTxWarp prst="textNoShape">
+              <a:avLst/>
+            </a:prstTxWarp>
+            <a:noAutofit/>
+          </a:bodyPr>
+          <a:lstStyle/>
+          <a:p>
+            <a:pPr algn="ctr"/>
+            <a:endParaRPr kumimoji="1" lang="ja-JP" altLang="en-US" sz="2000" dirty="0" smtClean="0">
+              <a:solidFill>
+                <a:schemeClr val="tx1"/>
+              </a:solidFill>
+            </a:endParaRPr>
+          </a:p>
+        </p:txBody>
+      </p:sp>
+      <p:sp>
+        <p:nvSpPr>
+          <p:cNvPr id="5" name="正方形/長方形 4"/>
+          <p:cNvSpPr/>
+          <p:nvPr/>
+        </p:nvSpPr>
+        <p:spPr>
+          <a:xfrm>
+            <a:off x="801429" y="463550"/>
+            <a:ext cx="1089025" cy="501650"/>
+          </a:xfrm>
+          <a:prstGeom prst="rect">
+            <a:avLst/>
+          </a:prstGeom>
+          <a:noFill/>
+          <a:ln>
+            <a:solidFill>
+              <a:schemeClr val="tx1"/>
+            </a:solidFill>
+          </a:ln>
+        </p:spPr>
+        <p:style>
+          <a:lnRef idx="2">
+            <a:schemeClr val="accent1">
+              <a:shade val="50000"/>
+            </a:schemeClr>
+          </a:lnRef>
+          <a:fillRef idx="1">
+            <a:schemeClr val="accent1"/>
+          </a:fillRef>
+          <a:effectRef idx="0">
+            <a:schemeClr val="accent1"/>
+          </a:effectRef>
+          <a:fontRef idx="minor">
+            <a:schemeClr val="lt1"/>
+          </a:fontRef>
+        </p:style>
+        <p:txBody>
+          <a:bodyPr rtlCol="0" anchor="ctr"/>
+          <a:lstStyle/>
+          <a:p>
+            <a:pPr algn="ctr"/>
+            <a:r>
+              <a:rPr kumimoji="1" lang="en-US" altLang="ja-JP" sz="2800" dirty="0" smtClean="0">
+                <a:solidFill>
+                  <a:schemeClr val="tx1"/>
+                </a:solidFill>
+              </a:rPr>
+              <a:t>Time0</a:t>
+            </a:r>
+            <a:endParaRPr kumimoji="1" lang="ja-JP" altLang="en-US" sz="2800" dirty="0">
+              <a:solidFill>
+                <a:schemeClr val="tx1"/>
+              </a:solidFill>
+            </a:endParaRPr>
+          </a:p>
+        </p:txBody>
+      </p:sp>
+      <p:sp>
+        <p:nvSpPr>
+          <p:cNvPr id="6" name="正方形/長方形 5"/>
+          <p:cNvSpPr/>
+          <p:nvPr/>
+        </p:nvSpPr>
+        <p:spPr>
+          <a:xfrm>
+            <a:off x="2362892" y="460375"/>
+            <a:ext cx="1095376" cy="501650"/>
+          </a:xfrm>
+          <a:prstGeom prst="rect">
+            <a:avLst/>
+          </a:prstGeom>
+          <a:noFill/>
+          <a:ln>
+            <a:solidFill>
+              <a:schemeClr val="tx1"/>
+            </a:solidFill>
+          </a:ln>
+        </p:spPr>
+        <p:style>
+          <a:lnRef idx="2">
+            <a:schemeClr val="accent1">
+              <a:shade val="50000"/>
+            </a:schemeClr>
+          </a:lnRef>
+          <a:fillRef idx="1">
+            <a:schemeClr val="accent1"/>
+          </a:fillRef>
+          <a:effectRef idx="0">
+            <a:schemeClr val="accent1"/>
+          </a:effectRef>
+          <a:fontRef idx="minor">
+            <a:schemeClr val="lt1"/>
+          </a:fontRef>
+        </p:style>
+        <p:txBody>
+          <a:bodyPr rtlCol="0" anchor="ctr"/>
+          <a:lstStyle/>
+          <a:p>
+            <a:pPr algn="ctr"/>
+            <a:r>
+              <a:rPr kumimoji="1" lang="en-US" altLang="ja-JP" sz="2800" dirty="0" smtClean="0">
+                <a:solidFill>
+                  <a:schemeClr val="tx1"/>
+                </a:solidFill>
+              </a:rPr>
+              <a:t>Time1</a:t>
+            </a:r>
+            <a:endParaRPr kumimoji="1" lang="ja-JP" altLang="en-US" sz="2800" dirty="0">
+              <a:solidFill>
+                <a:schemeClr val="tx1"/>
+              </a:solidFill>
+            </a:endParaRPr>
+          </a:p>
+        </p:txBody>
+      </p:sp>
+      <p:cxnSp>
+        <p:nvCxnSpPr>
+          <p:cNvPr id="8" name="直線矢印コネクタ 7"/>
+          <p:cNvCxnSpPr>
+            <a:stCxn id="5" idx="3"/>
+            <a:endCxn id="6" idx="1"/>
+          </p:cNvCxnSpPr>
+          <p:nvPr/>
+        </p:nvCxnSpPr>
+        <p:spPr>
+          <a:xfrm flipV="1">
+            <a:off x="1890454" y="711200"/>
+            <a:ext cx="472438" cy="3175"/>
+          </a:xfrm>
+          <a:prstGeom prst="straightConnector1">
+            <a:avLst/>
+          </a:prstGeom>
+          <a:ln w="12700">
+            <a:solidFill>
+              <a:schemeClr val="tx1"/>
+            </a:solidFill>
+            <a:prstDash val="sysDash"/>
+            <a:tailEnd type="triangle"/>
+          </a:ln>
+        </p:spPr>
+        <p:style>
+          <a:lnRef idx="1">
+            <a:schemeClr val="accent1"/>
+          </a:lnRef>
+          <a:fillRef idx="0">
+            <a:schemeClr val="accent1"/>
+          </a:fillRef>
+          <a:effectRef idx="0">
+            <a:schemeClr val="accent1"/>
+          </a:effectRef>
+          <a:fontRef idx="minor">
+            <a:schemeClr val="tx1"/>
+          </a:fontRef>
+        </p:style>
+      </p:cxnSp>
+      <p:sp>
+        <p:nvSpPr>
+          <p:cNvPr id="10" name="テキスト ボックス 9"/>
+          <p:cNvSpPr txBox="1"/>
+          <p:nvPr/>
+        </p:nvSpPr>
+        <p:spPr>
+          <a:xfrm>
+            <a:off x="3667181" y="526534"/>
+            <a:ext cx="527050" cy="369332"/>
+          </a:xfrm>
+          <a:prstGeom prst="rect">
+            <a:avLst/>
+          </a:prstGeom>
+          <a:noFill/>
+        </p:spPr>
+        <p:txBody>
+          <a:bodyPr wrap="square" rtlCol="0">
+            <a:spAutoFit/>
+          </a:bodyPr>
+          <a:lstStyle/>
+          <a:p>
+            <a:r>
+              <a:rPr kumimoji="1" lang="ja-JP" altLang="en-US" dirty="0" smtClean="0"/>
+              <a:t>・・・</a:t>
+            </a:r>
+            <a:endParaRPr kumimoji="1" lang="ja-JP" altLang="en-US" dirty="0"/>
+          </a:p>
+        </p:txBody>
+      </p:sp>
+      <p:cxnSp>
+        <p:nvCxnSpPr>
+          <p:cNvPr id="12" name="直線矢印コネクタ 11"/>
+          <p:cNvCxnSpPr>
+            <a:stCxn id="6" idx="3"/>
+            <a:endCxn id="10" idx="1"/>
+          </p:cNvCxnSpPr>
+          <p:nvPr/>
+        </p:nvCxnSpPr>
+        <p:spPr>
+          <a:xfrm>
+            <a:off x="3458268" y="711200"/>
+            <a:ext cx="208913" cy="0"/>
+          </a:xfrm>
+          <a:prstGeom prst="straightConnector1">
+            <a:avLst/>
+          </a:prstGeom>
+          <a:ln w="12700">
+            <a:solidFill>
+              <a:schemeClr val="tx1"/>
+            </a:solidFill>
+            <a:prstDash val="sysDash"/>
+            <a:tailEnd type="triangle"/>
+          </a:ln>
+        </p:spPr>
+        <p:style>
+          <a:lnRef idx="1">
+            <a:schemeClr val="accent1"/>
+          </a:lnRef>
+          <a:fillRef idx="0">
+            <a:schemeClr val="accent1"/>
+          </a:fillRef>
+          <a:effectRef idx="0">
+            <a:schemeClr val="accent1"/>
+          </a:effectRef>
+          <a:fontRef idx="minor">
+            <a:schemeClr val="tx1"/>
+          </a:fontRef>
+        </p:style>
+      </p:cxnSp>
+      <p:sp>
+        <p:nvSpPr>
+          <p:cNvPr id="14" name="角丸四角形 13"/>
+          <p:cNvSpPr/>
+          <p:nvPr/>
+        </p:nvSpPr>
+        <p:spPr>
+          <a:xfrm>
+            <a:off x="1365058" y="1430936"/>
+            <a:ext cx="1521626" cy="635000"/>
+          </a:xfrm>
+          <a:prstGeom prst="roundRect">
+            <a:avLst>
+              <a:gd name="adj" fmla="val 32456"/>
+            </a:avLst>
+          </a:prstGeom>
+          <a:noFill/>
+          <a:ln>
+            <a:solidFill>
+              <a:schemeClr val="tx1"/>
+            </a:solidFill>
+          </a:ln>
+        </p:spPr>
+        <p:style>
+          <a:lnRef idx="2">
+            <a:schemeClr val="accent1">
+              <a:shade val="50000"/>
+            </a:schemeClr>
+          </a:lnRef>
+          <a:fillRef idx="1">
+            <a:schemeClr val="accent1"/>
+          </a:fillRef>
+          <a:effectRef idx="0">
+            <a:schemeClr val="accent1"/>
+          </a:effectRef>
+          <a:fontRef idx="minor">
+            <a:schemeClr val="lt1"/>
+          </a:fontRef>
+        </p:style>
+        <p:txBody>
+          <a:bodyPr rtlCol="0" anchor="ctr"/>
+          <a:lstStyle/>
+          <a:p>
+            <a:pPr algn="ctr"/>
+            <a:r>
+              <a:rPr kumimoji="1" lang="en-US" altLang="ja-JP" sz="3200" b="1" dirty="0" smtClean="0">
+                <a:solidFill>
+                  <a:schemeClr val="tx1"/>
+                </a:solidFill>
+              </a:rPr>
+              <a:t>Event0</a:t>
+            </a:r>
+          </a:p>
+        </p:txBody>
+      </p:sp>
+      <p:cxnSp>
+        <p:nvCxnSpPr>
+          <p:cNvPr id="17" name="直線矢印コネクタ 16"/>
+          <p:cNvCxnSpPr>
+            <a:stCxn id="14" idx="0"/>
+            <a:endCxn id="5" idx="2"/>
+          </p:cNvCxnSpPr>
+          <p:nvPr/>
+        </p:nvCxnSpPr>
+        <p:spPr>
+          <a:xfrm flipH="1" flipV="1">
+            <a:off x="1345942" y="965200"/>
+            <a:ext cx="779929" cy="465736"/>
+          </a:xfrm>
+          <a:prstGeom prst="straightConnector1">
+            <a:avLst/>
+          </a:prstGeom>
+          <a:ln w="12700">
+            <a:solidFill>
+              <a:schemeClr val="tx1"/>
+            </a:solidFill>
+            <a:prstDash val="solid"/>
+            <a:tailEnd type="triangle"/>
+          </a:ln>
+        </p:spPr>
+        <p:style>
+          <a:lnRef idx="1">
+            <a:schemeClr val="accent1"/>
+          </a:lnRef>
+          <a:fillRef idx="0">
+            <a:schemeClr val="accent1"/>
+          </a:fillRef>
+          <a:effectRef idx="0">
+            <a:schemeClr val="accent1"/>
+          </a:effectRef>
+          <a:fontRef idx="minor">
+            <a:schemeClr val="tx1"/>
+          </a:fontRef>
+        </p:style>
+      </p:cxnSp>
+      <p:cxnSp>
+        <p:nvCxnSpPr>
+          <p:cNvPr id="18" name="直線矢印コネクタ 17"/>
+          <p:cNvCxnSpPr>
+            <a:stCxn id="14" idx="0"/>
+            <a:endCxn id="6" idx="2"/>
+          </p:cNvCxnSpPr>
+          <p:nvPr/>
+        </p:nvCxnSpPr>
+        <p:spPr>
+          <a:xfrm flipV="1">
+            <a:off x="2125871" y="962025"/>
+            <a:ext cx="784709" cy="468911"/>
+          </a:xfrm>
+          <a:prstGeom prst="straightConnector1">
+            <a:avLst/>
+          </a:prstGeom>
+          <a:ln w="12700">
+            <a:solidFill>
+              <a:schemeClr val="tx1"/>
+            </a:solidFill>
+            <a:prstDash val="solid"/>
+            <a:tailEnd type="triangle"/>
+          </a:ln>
+        </p:spPr>
+        <p:style>
+          <a:lnRef idx="1">
+            <a:schemeClr val="accent1"/>
+          </a:lnRef>
+          <a:fillRef idx="0">
+            <a:schemeClr val="accent1"/>
+          </a:fillRef>
+          <a:effectRef idx="0">
+            <a:schemeClr val="accent1"/>
+          </a:effectRef>
+          <a:fontRef idx="minor">
+            <a:schemeClr val="tx1"/>
+          </a:fontRef>
+        </p:style>
+      </p:cxnSp>
+      <p:sp>
+        <p:nvSpPr>
+          <p:cNvPr id="23" name="テキスト ボックス 22"/>
+          <p:cNvSpPr txBox="1"/>
+          <p:nvPr/>
+        </p:nvSpPr>
+        <p:spPr>
+          <a:xfrm flipH="1">
+            <a:off x="1203467" y="1057712"/>
+            <a:ext cx="702310" cy="461665"/>
+          </a:xfrm>
+          <a:prstGeom prst="rect">
+            <a:avLst/>
+          </a:prstGeom>
+          <a:noFill/>
+        </p:spPr>
+        <p:txBody>
+          <a:bodyPr wrap="square" rtlCol="0">
+            <a:spAutoFit/>
+          </a:bodyPr>
+          <a:lstStyle/>
+          <a:p>
+            <a:r>
+              <a:rPr kumimoji="1" lang="en-US" altLang="ja-JP" sz="2400" dirty="0" smtClean="0"/>
+              <a:t>pre</a:t>
+            </a:r>
+            <a:endParaRPr kumimoji="1" lang="ja-JP" altLang="en-US" sz="2400" dirty="0"/>
+          </a:p>
+        </p:txBody>
+      </p:sp>
+      <p:sp>
+        <p:nvSpPr>
+          <p:cNvPr id="24" name="テキスト ボックス 23"/>
+          <p:cNvSpPr txBox="1"/>
+          <p:nvPr/>
+        </p:nvSpPr>
+        <p:spPr>
+          <a:xfrm flipH="1">
+            <a:off x="2414644" y="1040631"/>
+            <a:ext cx="754063" cy="461665"/>
+          </a:xfrm>
+          <a:prstGeom prst="rect">
+            <a:avLst/>
+          </a:prstGeom>
+          <a:noFill/>
+        </p:spPr>
+        <p:txBody>
+          <a:bodyPr wrap="square" rtlCol="0">
+            <a:spAutoFit/>
+          </a:bodyPr>
+          <a:lstStyle/>
+          <a:p>
+            <a:r>
+              <a:rPr kumimoji="1" lang="en-US" altLang="ja-JP" sz="2400" dirty="0" smtClean="0"/>
+              <a:t>next</a:t>
+            </a:r>
+            <a:endParaRPr kumimoji="1" lang="ja-JP" altLang="en-US" sz="2400" dirty="0"/>
+          </a:p>
+        </p:txBody>
+      </p:sp>
+      <p:sp>
+        <p:nvSpPr>
+          <p:cNvPr id="30" name="テキスト ボックス 29"/>
+          <p:cNvSpPr txBox="1"/>
+          <p:nvPr/>
+        </p:nvSpPr>
+        <p:spPr>
+          <a:xfrm>
+            <a:off x="1242456" y="2271575"/>
+            <a:ext cx="2297424" cy="461665"/>
+          </a:xfrm>
+          <a:prstGeom prst="rect">
+            <a:avLst/>
+          </a:prstGeom>
+          <a:noFill/>
+        </p:spPr>
+        <p:txBody>
+          <a:bodyPr wrap="none" rtlCol="0">
+            <a:spAutoFit/>
+          </a:bodyPr>
+          <a:lstStyle/>
+          <a:p>
+            <a:r>
+              <a:rPr kumimoji="1" lang="ja-JP" altLang="en-US" sz="2400" dirty="0" smtClean="0"/>
+              <a:t>既存モデル手法</a:t>
+            </a:r>
+            <a:endParaRPr kumimoji="1" lang="ja-JP" altLang="en-US" sz="2400" dirty="0"/>
+          </a:p>
+        </p:txBody>
+      </p:sp>
+      <p:sp>
+        <p:nvSpPr>
+          <p:cNvPr id="31" name="正方形/長方形 30"/>
+          <p:cNvSpPr/>
+          <p:nvPr/>
+        </p:nvSpPr>
+        <p:spPr>
+          <a:xfrm>
+            <a:off x="4931750" y="463550"/>
+            <a:ext cx="1089025" cy="501650"/>
+          </a:xfrm>
+          <a:prstGeom prst="rect">
+            <a:avLst/>
+          </a:prstGeom>
+          <a:noFill/>
+          <a:ln>
+            <a:solidFill>
+              <a:schemeClr val="tx1"/>
+            </a:solidFill>
+          </a:ln>
+        </p:spPr>
+        <p:style>
+          <a:lnRef idx="2">
+            <a:schemeClr val="accent1">
+              <a:shade val="50000"/>
+            </a:schemeClr>
+          </a:lnRef>
+          <a:fillRef idx="1">
+            <a:schemeClr val="accent1"/>
+          </a:fillRef>
+          <a:effectRef idx="0">
+            <a:schemeClr val="accent1"/>
+          </a:effectRef>
+          <a:fontRef idx="minor">
+            <a:schemeClr val="lt1"/>
+          </a:fontRef>
+        </p:style>
+        <p:txBody>
+          <a:bodyPr rtlCol="0" anchor="ctr"/>
+          <a:lstStyle/>
+          <a:p>
+            <a:pPr algn="ctr"/>
+            <a:r>
+              <a:rPr kumimoji="1" lang="en-US" altLang="ja-JP" sz="2800" dirty="0" smtClean="0">
+                <a:solidFill>
+                  <a:schemeClr val="tx1"/>
+                </a:solidFill>
+              </a:rPr>
+              <a:t>Time0</a:t>
+            </a:r>
+            <a:endParaRPr kumimoji="1" lang="ja-JP" altLang="en-US" sz="2800" dirty="0">
+              <a:solidFill>
+                <a:schemeClr val="tx1"/>
+              </a:solidFill>
+            </a:endParaRPr>
+          </a:p>
+        </p:txBody>
+      </p:sp>
+      <p:sp>
+        <p:nvSpPr>
+          <p:cNvPr id="32" name="正方形/長方形 31"/>
+          <p:cNvSpPr/>
+          <p:nvPr/>
+        </p:nvSpPr>
+        <p:spPr>
+          <a:xfrm>
+            <a:off x="6493213" y="460375"/>
+            <a:ext cx="1095376" cy="501650"/>
+          </a:xfrm>
+          <a:prstGeom prst="rect">
+            <a:avLst/>
+          </a:prstGeom>
+          <a:noFill/>
+          <a:ln>
+            <a:solidFill>
+              <a:schemeClr val="tx1"/>
+            </a:solidFill>
+          </a:ln>
+        </p:spPr>
+        <p:style>
+          <a:lnRef idx="2">
+            <a:schemeClr val="accent1">
+              <a:shade val="50000"/>
+            </a:schemeClr>
+          </a:lnRef>
+          <a:fillRef idx="1">
+            <a:schemeClr val="accent1"/>
+          </a:fillRef>
+          <a:effectRef idx="0">
+            <a:schemeClr val="accent1"/>
+          </a:effectRef>
+          <a:fontRef idx="minor">
+            <a:schemeClr val="lt1"/>
+          </a:fontRef>
+        </p:style>
+        <p:txBody>
+          <a:bodyPr rtlCol="0" anchor="ctr"/>
+          <a:lstStyle/>
+          <a:p>
+            <a:pPr algn="ctr"/>
+            <a:r>
+              <a:rPr kumimoji="1" lang="en-US" altLang="ja-JP" sz="2800" dirty="0" smtClean="0">
+                <a:solidFill>
+                  <a:schemeClr val="tx1"/>
+                </a:solidFill>
+              </a:rPr>
+              <a:t>Time1</a:t>
+            </a:r>
+            <a:endParaRPr kumimoji="1" lang="ja-JP" altLang="en-US" sz="2800" dirty="0">
+              <a:solidFill>
+                <a:schemeClr val="tx1"/>
+              </a:solidFill>
+            </a:endParaRPr>
+          </a:p>
+        </p:txBody>
+      </p:sp>
+      <p:cxnSp>
+        <p:nvCxnSpPr>
+          <p:cNvPr id="33" name="直線矢印コネクタ 32"/>
+          <p:cNvCxnSpPr>
+            <a:stCxn id="31" idx="3"/>
+            <a:endCxn id="32" idx="1"/>
+          </p:cNvCxnSpPr>
+          <p:nvPr/>
+        </p:nvCxnSpPr>
+        <p:spPr>
+          <a:xfrm flipV="1">
+            <a:off x="6020775" y="711200"/>
+            <a:ext cx="472438" cy="3175"/>
+          </a:xfrm>
+          <a:prstGeom prst="straightConnector1">
+            <a:avLst/>
+          </a:prstGeom>
+          <a:ln w="12700">
+            <a:solidFill>
+              <a:schemeClr val="tx1"/>
+            </a:solidFill>
+            <a:prstDash val="sysDash"/>
+            <a:tailEnd type="triangle"/>
+          </a:ln>
+        </p:spPr>
+        <p:style>
+          <a:lnRef idx="1">
+            <a:schemeClr val="accent1"/>
+          </a:lnRef>
+          <a:fillRef idx="0">
+            <a:schemeClr val="accent1"/>
+          </a:fillRef>
+          <a:effectRef idx="0">
+            <a:schemeClr val="accent1"/>
+          </a:effectRef>
+          <a:fontRef idx="minor">
+            <a:schemeClr val="tx1"/>
+          </a:fontRef>
+        </p:style>
+      </p:cxnSp>
+      <p:sp>
+        <p:nvSpPr>
+          <p:cNvPr id="34" name="テキスト ボックス 33"/>
+          <p:cNvSpPr txBox="1"/>
+          <p:nvPr/>
+        </p:nvSpPr>
+        <p:spPr>
+          <a:xfrm>
+            <a:off x="7797502" y="526534"/>
+            <a:ext cx="527050" cy="369332"/>
+          </a:xfrm>
+          <a:prstGeom prst="rect">
+            <a:avLst/>
+          </a:prstGeom>
+          <a:noFill/>
+        </p:spPr>
+        <p:txBody>
+          <a:bodyPr wrap="square" rtlCol="0">
+            <a:spAutoFit/>
+          </a:bodyPr>
+          <a:lstStyle/>
+          <a:p>
+            <a:r>
+              <a:rPr kumimoji="1" lang="ja-JP" altLang="en-US" dirty="0" smtClean="0"/>
+              <a:t>・・・</a:t>
+            </a:r>
+            <a:endParaRPr kumimoji="1" lang="ja-JP" altLang="en-US" dirty="0"/>
+          </a:p>
+        </p:txBody>
+      </p:sp>
+      <p:cxnSp>
+        <p:nvCxnSpPr>
+          <p:cNvPr id="35" name="直線矢印コネクタ 34"/>
+          <p:cNvCxnSpPr>
+            <a:stCxn id="32" idx="3"/>
+            <a:endCxn id="34" idx="1"/>
+          </p:cNvCxnSpPr>
+          <p:nvPr/>
+        </p:nvCxnSpPr>
+        <p:spPr>
+          <a:xfrm>
+            <a:off x="7588589" y="711200"/>
+            <a:ext cx="208913" cy="0"/>
+          </a:xfrm>
+          <a:prstGeom prst="straightConnector1">
+            <a:avLst/>
+          </a:prstGeom>
+          <a:ln w="12700">
+            <a:solidFill>
+              <a:schemeClr val="tx1"/>
+            </a:solidFill>
+            <a:prstDash val="sysDash"/>
+            <a:tailEnd type="triangle"/>
+          </a:ln>
+        </p:spPr>
+        <p:style>
+          <a:lnRef idx="1">
+            <a:schemeClr val="accent1"/>
+          </a:lnRef>
+          <a:fillRef idx="0">
+            <a:schemeClr val="accent1"/>
+          </a:fillRef>
+          <a:effectRef idx="0">
+            <a:schemeClr val="accent1"/>
+          </a:effectRef>
+          <a:fontRef idx="minor">
+            <a:schemeClr val="tx1"/>
+          </a:fontRef>
+        </p:style>
+      </p:cxnSp>
+      <p:sp>
+        <p:nvSpPr>
+          <p:cNvPr id="38" name="角丸四角形 37"/>
+          <p:cNvSpPr/>
+          <p:nvPr/>
+        </p:nvSpPr>
+        <p:spPr>
+          <a:xfrm>
+            <a:off x="4715449" y="1430936"/>
+            <a:ext cx="1521626" cy="635000"/>
+          </a:xfrm>
+          <a:prstGeom prst="roundRect">
+            <a:avLst>
+              <a:gd name="adj" fmla="val 32456"/>
+            </a:avLst>
+          </a:prstGeom>
+          <a:noFill/>
+          <a:ln>
+            <a:solidFill>
+              <a:schemeClr val="tx1"/>
+            </a:solidFill>
+          </a:ln>
+        </p:spPr>
+        <p:style>
+          <a:lnRef idx="2">
+            <a:schemeClr val="accent1">
+              <a:shade val="50000"/>
+            </a:schemeClr>
+          </a:lnRef>
+          <a:fillRef idx="1">
+            <a:schemeClr val="accent1"/>
+          </a:fillRef>
+          <a:effectRef idx="0">
+            <a:schemeClr val="accent1"/>
+          </a:effectRef>
+          <a:fontRef idx="minor">
+            <a:schemeClr val="lt1"/>
+          </a:fontRef>
+        </p:style>
+        <p:txBody>
+          <a:bodyPr rtlCol="0" anchor="ctr"/>
+          <a:lstStyle/>
+          <a:p>
+            <a:pPr algn="ctr"/>
+            <a:r>
+              <a:rPr kumimoji="1" lang="en-US" altLang="ja-JP" sz="3200" b="1" dirty="0" smtClean="0">
+                <a:solidFill>
+                  <a:schemeClr val="tx1"/>
+                </a:solidFill>
+              </a:rPr>
+              <a:t>Event0</a:t>
+            </a:r>
+          </a:p>
+        </p:txBody>
+      </p:sp>
+      <p:sp>
+        <p:nvSpPr>
+          <p:cNvPr id="41" name="角丸四角形 40"/>
+          <p:cNvSpPr/>
+          <p:nvPr/>
+        </p:nvSpPr>
+        <p:spPr>
+          <a:xfrm>
+            <a:off x="6283361" y="1430936"/>
+            <a:ext cx="1521626" cy="635000"/>
+          </a:xfrm>
+          <a:prstGeom prst="roundRect">
+            <a:avLst>
+              <a:gd name="adj" fmla="val 32456"/>
+            </a:avLst>
+          </a:prstGeom>
+          <a:noFill/>
+          <a:ln>
+            <a:solidFill>
+              <a:schemeClr val="tx1"/>
+            </a:solidFill>
+          </a:ln>
+        </p:spPr>
+        <p:style>
+          <a:lnRef idx="2">
+            <a:schemeClr val="accent1">
+              <a:shade val="50000"/>
+            </a:schemeClr>
+          </a:lnRef>
+          <a:fillRef idx="1">
+            <a:schemeClr val="accent1"/>
+          </a:fillRef>
+          <a:effectRef idx="0">
+            <a:schemeClr val="accent1"/>
+          </a:effectRef>
+          <a:fontRef idx="minor">
+            <a:schemeClr val="lt1"/>
+          </a:fontRef>
+        </p:style>
+        <p:txBody>
+          <a:bodyPr rtlCol="0" anchor="ctr"/>
+          <a:lstStyle/>
+          <a:p>
+            <a:pPr algn="ctr"/>
+            <a:r>
+              <a:rPr kumimoji="1" lang="en-US" altLang="ja-JP" sz="3200" b="1" dirty="0" smtClean="0">
+                <a:solidFill>
+                  <a:schemeClr val="tx1"/>
+                </a:solidFill>
+              </a:rPr>
+              <a:t>Event1</a:t>
+            </a:r>
+          </a:p>
+        </p:txBody>
+      </p:sp>
+      <p:cxnSp>
+        <p:nvCxnSpPr>
+          <p:cNvPr id="42" name="直線矢印コネクタ 41"/>
+          <p:cNvCxnSpPr>
+            <a:stCxn id="38" idx="0"/>
+            <a:endCxn id="31" idx="2"/>
+          </p:cNvCxnSpPr>
+          <p:nvPr/>
+        </p:nvCxnSpPr>
+        <p:spPr>
+          <a:xfrm flipV="1">
+            <a:off x="5476262" y="965200"/>
+            <a:ext cx="1" cy="465736"/>
+          </a:xfrm>
+          <a:prstGeom prst="straightConnector1">
+            <a:avLst/>
+          </a:prstGeom>
+          <a:ln w="12700">
+            <a:solidFill>
+              <a:schemeClr val="tx1"/>
+            </a:solidFill>
+            <a:prstDash val="solid"/>
+            <a:tailEnd type="triangle"/>
+          </a:ln>
+        </p:spPr>
+        <p:style>
+          <a:lnRef idx="1">
+            <a:schemeClr val="accent1"/>
+          </a:lnRef>
+          <a:fillRef idx="0">
+            <a:schemeClr val="accent1"/>
+          </a:fillRef>
+          <a:effectRef idx="0">
+            <a:schemeClr val="accent1"/>
+          </a:effectRef>
+          <a:fontRef idx="minor">
+            <a:schemeClr val="tx1"/>
+          </a:fontRef>
+        </p:style>
+      </p:cxnSp>
+      <p:cxnSp>
+        <p:nvCxnSpPr>
+          <p:cNvPr id="45" name="直線矢印コネクタ 44"/>
+          <p:cNvCxnSpPr>
+            <a:stCxn id="41" idx="0"/>
+            <a:endCxn id="32" idx="2"/>
+          </p:cNvCxnSpPr>
+          <p:nvPr/>
+        </p:nvCxnSpPr>
+        <p:spPr>
+          <a:xfrm flipH="1" flipV="1">
+            <a:off x="7040901" y="962025"/>
+            <a:ext cx="3273" cy="468911"/>
+          </a:xfrm>
+          <a:prstGeom prst="straightConnector1">
+            <a:avLst/>
+          </a:prstGeom>
+          <a:ln w="12700">
+            <a:solidFill>
+              <a:schemeClr val="tx1"/>
+            </a:solidFill>
+            <a:prstDash val="solid"/>
+            <a:tailEnd type="triangle"/>
+          </a:ln>
+        </p:spPr>
+        <p:style>
+          <a:lnRef idx="1">
+            <a:schemeClr val="accent1"/>
+          </a:lnRef>
+          <a:fillRef idx="0">
+            <a:schemeClr val="accent1"/>
+          </a:fillRef>
+          <a:effectRef idx="0">
+            <a:schemeClr val="accent1"/>
+          </a:effectRef>
+          <a:fontRef idx="minor">
+            <a:schemeClr val="tx1"/>
+          </a:fontRef>
+        </p:style>
+      </p:cxnSp>
+      <p:sp>
+        <p:nvSpPr>
+          <p:cNvPr id="48" name="テキスト ボックス 47"/>
+          <p:cNvSpPr txBox="1"/>
+          <p:nvPr/>
+        </p:nvSpPr>
+        <p:spPr>
+          <a:xfrm flipH="1">
+            <a:off x="4403144" y="1040631"/>
+            <a:ext cx="1097898" cy="461665"/>
+          </a:xfrm>
+          <a:prstGeom prst="rect">
+            <a:avLst/>
+          </a:prstGeom>
+          <a:noFill/>
+        </p:spPr>
+        <p:txBody>
+          <a:bodyPr wrap="square" rtlCol="0">
+            <a:spAutoFit/>
+          </a:bodyPr>
+          <a:lstStyle/>
+          <a:p>
+            <a:r>
+              <a:rPr kumimoji="1" lang="en-US" altLang="ja-JP" sz="2400" dirty="0" smtClean="0"/>
+              <a:t>current</a:t>
+            </a:r>
+            <a:endParaRPr kumimoji="1" lang="ja-JP" altLang="en-US" sz="2400" dirty="0"/>
+          </a:p>
+        </p:txBody>
+      </p:sp>
+      <p:sp>
+        <p:nvSpPr>
+          <p:cNvPr id="49" name="テキスト ボックス 48"/>
+          <p:cNvSpPr txBox="1"/>
+          <p:nvPr/>
+        </p:nvSpPr>
+        <p:spPr>
+          <a:xfrm flipH="1">
+            <a:off x="5969545" y="1035430"/>
+            <a:ext cx="1097898" cy="461665"/>
+          </a:xfrm>
+          <a:prstGeom prst="rect">
+            <a:avLst/>
+          </a:prstGeom>
+          <a:noFill/>
+        </p:spPr>
+        <p:txBody>
+          <a:bodyPr wrap="square" rtlCol="0">
+            <a:spAutoFit/>
+          </a:bodyPr>
+          <a:lstStyle/>
+          <a:p>
+            <a:r>
+              <a:rPr kumimoji="1" lang="en-US" altLang="ja-JP" sz="2400" dirty="0" smtClean="0"/>
+              <a:t>current</a:t>
+            </a:r>
+            <a:endParaRPr kumimoji="1" lang="ja-JP" altLang="en-US" sz="2400" dirty="0"/>
+          </a:p>
+        </p:txBody>
+      </p:sp>
+      <p:cxnSp>
+        <p:nvCxnSpPr>
+          <p:cNvPr id="52" name="直線コネクタ 51"/>
+          <p:cNvCxnSpPr>
+            <a:stCxn id="50" idx="0"/>
+            <a:endCxn id="50" idx="2"/>
+          </p:cNvCxnSpPr>
+          <p:nvPr/>
+        </p:nvCxnSpPr>
+        <p:spPr>
+          <a:xfrm>
+            <a:off x="4305816" y="460375"/>
+            <a:ext cx="0" cy="2272865"/>
+          </a:xfrm>
+          <a:prstGeom prst="line">
+            <a:avLst/>
+          </a:prstGeom>
+          <a:ln w="25400">
+            <a:solidFill>
+              <a:schemeClr val="tx1"/>
+            </a:solidFill>
+            <a:prstDash val="sysDash"/>
+            <a:tailEnd type="none"/>
+          </a:ln>
+        </p:spPr>
+        <p:style>
+          <a:lnRef idx="1">
+            <a:schemeClr val="accent1"/>
+          </a:lnRef>
+          <a:fillRef idx="0">
+            <a:schemeClr val="accent1"/>
+          </a:fillRef>
+          <a:effectRef idx="0">
+            <a:schemeClr val="accent1"/>
+          </a:effectRef>
+          <a:fontRef idx="minor">
+            <a:schemeClr val="tx1"/>
+          </a:fontRef>
+        </p:style>
+      </p:cxnSp>
+      <p:sp>
+        <p:nvSpPr>
+          <p:cNvPr id="55" name="テキスト ボックス 54"/>
+          <p:cNvSpPr txBox="1"/>
+          <p:nvPr/>
+        </p:nvSpPr>
+        <p:spPr>
+          <a:xfrm>
+            <a:off x="5134649" y="2276807"/>
+            <a:ext cx="2297424" cy="461665"/>
+          </a:xfrm>
+          <a:prstGeom prst="rect">
+            <a:avLst/>
+          </a:prstGeom>
+          <a:noFill/>
+        </p:spPr>
+        <p:txBody>
+          <a:bodyPr wrap="none" rtlCol="0">
+            <a:spAutoFit/>
+          </a:bodyPr>
+          <a:lstStyle/>
+          <a:p>
+            <a:r>
+              <a:rPr lang="ja-JP" altLang="en-US" sz="2400" dirty="0"/>
+              <a:t>提案</a:t>
+            </a:r>
+            <a:r>
+              <a:rPr kumimoji="1" lang="ja-JP" altLang="en-US" sz="2400" dirty="0" smtClean="0"/>
+              <a:t>モデル手法</a:t>
+            </a:r>
+            <a:endParaRPr kumimoji="1" lang="ja-JP" altLang="en-US" sz="2400" dirty="0"/>
+          </a:p>
+        </p:txBody>
+      </p:sp>
+    </p:spTree>
+    <p:extLst>
+      <p:ext uri="{BB962C8B-B14F-4D97-AF65-F5344CB8AC3E}">
+        <p14:creationId xmlns:p14="http://schemas.microsoft.com/office/powerpoint/2010/main" val="429354028"/>
+      </p:ext>
+    </p:extLst>
+  </p:cSld>
+  <p:clrMapOvr>
+    <a:masterClrMapping/>
+  </p:clrMapOvr>
+</p:sld>
+</file>
+
+<file path=ppt/slides/slide6.xml><?xml version="1.0" encoding="utf-8"?>
+<p:sld xmlns:a="http://schemas.openxmlformats.org/drawingml/2006/main" xmlns:r="http://schemas.openxmlformats.org/officeDocument/2006/relationships" xmlns:p="http://schemas.openxmlformats.org/presentationml/2006/main">
+  <p:cSld>
+    <p:spTree>
+      <p:nvGrpSpPr>
+        <p:cNvPr id="1" name=""/>
+        <p:cNvGrpSpPr/>
+        <p:nvPr/>
+      </p:nvGrpSpPr>
+      <p:grpSpPr>
+        <a:xfrm>
+          <a:off x="0" y="0"/>
+          <a:ext cx="0" cy="0"/>
+          <a:chOff x="0" y="0"/>
+          <a:chExt cx="0" cy="0"/>
+        </a:xfrm>
+      </p:grpSpPr>
+      <p:sp>
+        <p:nvSpPr>
+          <p:cNvPr id="142" name="正方形/長方形 141"/>
+          <p:cNvSpPr/>
+          <p:nvPr/>
+        </p:nvSpPr>
+        <p:spPr>
+          <a:xfrm>
+            <a:off x="987734" y="146437"/>
+            <a:ext cx="7865273" cy="4435299"/>
+          </a:xfrm>
+          <a:prstGeom prst="rect">
+            <a:avLst/>
+          </a:prstGeom>
+          <a:solidFill>
+            <a:schemeClr val="bg1"/>
+          </a:solidFill>
+          <a:ln>
+            <a:solidFill>
+              <a:schemeClr val="bg1"/>
+            </a:solidFill>
+          </a:ln>
+        </p:spPr>
+        <p:style>
+          <a:lnRef idx="2">
+            <a:schemeClr val="accent1">
+              <a:shade val="50000"/>
+            </a:schemeClr>
+          </a:lnRef>
+          <a:fillRef idx="1">
+            <a:schemeClr val="accent1"/>
+          </a:fillRef>
+          <a:effectRef idx="0">
+            <a:schemeClr val="accent1"/>
+          </a:effectRef>
+          <a:fontRef idx="minor">
+            <a:schemeClr val="lt1"/>
+          </a:fontRef>
+        </p:style>
+        <p:txBody>
+          <a:bodyPr rot="0" spcFirstLastPara="0" vertOverflow="overflow" horzOverflow="overflow" vert="horz" wrap="square" lIns="91440" tIns="45720" rIns="91440" bIns="45720" numCol="1" spcCol="0" rtlCol="0" fromWordArt="0" anchor="ctr" anchorCtr="0" forceAA="0" compatLnSpc="1">
+            <a:prstTxWarp prst="textNoShape">
+              <a:avLst/>
+            </a:prstTxWarp>
+            <a:noAutofit/>
+          </a:bodyPr>
+          <a:lstStyle/>
+          <a:p>
+            <a:pPr algn="ctr"/>
+            <a:endParaRPr kumimoji="1" lang="ja-JP" altLang="en-US" sz="2000" dirty="0" smtClean="0">
+              <a:solidFill>
+                <a:schemeClr val="tx1"/>
+              </a:solidFill>
+            </a:endParaRPr>
+          </a:p>
+        </p:txBody>
+      </p:sp>
+      <p:sp>
+        <p:nvSpPr>
+          <p:cNvPr id="31" name="正方形/長方形 30"/>
+          <p:cNvSpPr/>
+          <p:nvPr/>
+        </p:nvSpPr>
+        <p:spPr>
+          <a:xfrm>
+            <a:off x="1178356" y="567042"/>
+            <a:ext cx="1089025" cy="501650"/>
+          </a:xfrm>
+          <a:prstGeom prst="rect">
+            <a:avLst/>
+          </a:prstGeom>
+          <a:noFill/>
+          <a:ln>
+            <a:solidFill>
+              <a:schemeClr val="tx1"/>
+            </a:solidFill>
+          </a:ln>
+        </p:spPr>
+        <p:style>
+          <a:lnRef idx="2">
+            <a:schemeClr val="accent1">
+              <a:shade val="50000"/>
+            </a:schemeClr>
+          </a:lnRef>
+          <a:fillRef idx="1">
+            <a:schemeClr val="accent1"/>
+          </a:fillRef>
+          <a:effectRef idx="0">
+            <a:schemeClr val="accent1"/>
+          </a:effectRef>
+          <a:fontRef idx="minor">
+            <a:schemeClr val="lt1"/>
+          </a:fontRef>
+        </p:style>
+        <p:txBody>
+          <a:bodyPr rtlCol="0" anchor="ctr"/>
+          <a:lstStyle/>
+          <a:p>
+            <a:pPr algn="ctr"/>
+            <a:r>
+              <a:rPr kumimoji="1" lang="en-US" altLang="ja-JP" sz="2800" dirty="0" smtClean="0">
+                <a:solidFill>
+                  <a:schemeClr val="tx1"/>
+                </a:solidFill>
+              </a:rPr>
+              <a:t>Time0</a:t>
+            </a:r>
+            <a:endParaRPr kumimoji="1" lang="ja-JP" altLang="en-US" sz="2800" dirty="0">
+              <a:solidFill>
+                <a:schemeClr val="tx1"/>
+              </a:solidFill>
+            </a:endParaRPr>
+          </a:p>
+        </p:txBody>
+      </p:sp>
+      <p:sp>
+        <p:nvSpPr>
+          <p:cNvPr id="32" name="正方形/長方形 31"/>
+          <p:cNvSpPr/>
+          <p:nvPr/>
+        </p:nvSpPr>
+        <p:spPr>
+          <a:xfrm>
+            <a:off x="3232740" y="563867"/>
+            <a:ext cx="1095376" cy="501650"/>
+          </a:xfrm>
+          <a:prstGeom prst="rect">
+            <a:avLst/>
+          </a:prstGeom>
+          <a:noFill/>
+          <a:ln>
+            <a:solidFill>
+              <a:schemeClr val="tx1"/>
+            </a:solidFill>
+          </a:ln>
+        </p:spPr>
+        <p:style>
+          <a:lnRef idx="2">
+            <a:schemeClr val="accent1">
+              <a:shade val="50000"/>
+            </a:schemeClr>
+          </a:lnRef>
+          <a:fillRef idx="1">
+            <a:schemeClr val="accent1"/>
+          </a:fillRef>
+          <a:effectRef idx="0">
+            <a:schemeClr val="accent1"/>
+          </a:effectRef>
+          <a:fontRef idx="minor">
+            <a:schemeClr val="lt1"/>
+          </a:fontRef>
+        </p:style>
+        <p:txBody>
+          <a:bodyPr rtlCol="0" anchor="ctr"/>
+          <a:lstStyle/>
+          <a:p>
+            <a:pPr algn="ctr"/>
+            <a:r>
+              <a:rPr kumimoji="1" lang="en-US" altLang="ja-JP" sz="2800" dirty="0" smtClean="0">
+                <a:solidFill>
+                  <a:schemeClr val="tx1"/>
+                </a:solidFill>
+              </a:rPr>
+              <a:t>Time1</a:t>
+            </a:r>
+            <a:endParaRPr kumimoji="1" lang="ja-JP" altLang="en-US" sz="2800" dirty="0">
+              <a:solidFill>
+                <a:schemeClr val="tx1"/>
+              </a:solidFill>
+            </a:endParaRPr>
+          </a:p>
+        </p:txBody>
+      </p:sp>
+      <p:cxnSp>
+        <p:nvCxnSpPr>
+          <p:cNvPr id="33" name="直線矢印コネクタ 32"/>
+          <p:cNvCxnSpPr>
+            <a:stCxn id="31" idx="3"/>
+            <a:endCxn id="32" idx="1"/>
+          </p:cNvCxnSpPr>
+          <p:nvPr/>
+        </p:nvCxnSpPr>
+        <p:spPr>
+          <a:xfrm flipV="1">
+            <a:off x="2267381" y="814692"/>
+            <a:ext cx="965359" cy="3175"/>
+          </a:xfrm>
+          <a:prstGeom prst="straightConnector1">
+            <a:avLst/>
+          </a:prstGeom>
+          <a:ln w="12700">
+            <a:solidFill>
+              <a:schemeClr val="tx1"/>
+            </a:solidFill>
+            <a:prstDash val="sysDash"/>
+            <a:tailEnd type="triangle"/>
+          </a:ln>
+        </p:spPr>
+        <p:style>
+          <a:lnRef idx="1">
+            <a:schemeClr val="accent1"/>
+          </a:lnRef>
+          <a:fillRef idx="0">
+            <a:schemeClr val="accent1"/>
+          </a:fillRef>
+          <a:effectRef idx="0">
+            <a:schemeClr val="accent1"/>
+          </a:effectRef>
+          <a:fontRef idx="minor">
+            <a:schemeClr val="tx1"/>
+          </a:fontRef>
+        </p:style>
+      </p:cxnSp>
+      <p:cxnSp>
+        <p:nvCxnSpPr>
+          <p:cNvPr id="35" name="直線矢印コネクタ 34"/>
+          <p:cNvCxnSpPr>
+            <a:stCxn id="32" idx="3"/>
+            <a:endCxn id="27" idx="1"/>
+          </p:cNvCxnSpPr>
+          <p:nvPr/>
+        </p:nvCxnSpPr>
+        <p:spPr>
+          <a:xfrm>
+            <a:off x="4328116" y="814692"/>
+            <a:ext cx="962184" cy="0"/>
+          </a:xfrm>
+          <a:prstGeom prst="straightConnector1">
+            <a:avLst/>
+          </a:prstGeom>
+          <a:ln w="12700">
+            <a:solidFill>
+              <a:schemeClr val="tx1"/>
+            </a:solidFill>
+            <a:prstDash val="sysDash"/>
+            <a:tailEnd type="triangle"/>
+          </a:ln>
+        </p:spPr>
+        <p:style>
+          <a:lnRef idx="1">
+            <a:schemeClr val="accent1"/>
+          </a:lnRef>
+          <a:fillRef idx="0">
+            <a:schemeClr val="accent1"/>
+          </a:fillRef>
+          <a:effectRef idx="0">
+            <a:schemeClr val="accent1"/>
+          </a:effectRef>
+          <a:fontRef idx="minor">
+            <a:schemeClr val="tx1"/>
+          </a:fontRef>
+        </p:style>
+      </p:cxnSp>
+      <p:sp>
+        <p:nvSpPr>
+          <p:cNvPr id="38" name="角丸四角形 37"/>
+          <p:cNvSpPr/>
+          <p:nvPr/>
+        </p:nvSpPr>
+        <p:spPr>
+          <a:xfrm>
+            <a:off x="1107454" y="1421522"/>
+            <a:ext cx="1230827" cy="501650"/>
+          </a:xfrm>
+          <a:prstGeom prst="roundRect">
+            <a:avLst>
+              <a:gd name="adj" fmla="val 32456"/>
+            </a:avLst>
+          </a:prstGeom>
+          <a:noFill/>
+          <a:ln>
+            <a:solidFill>
+              <a:schemeClr val="tx1"/>
+            </a:solidFill>
+          </a:ln>
+        </p:spPr>
+        <p:style>
+          <a:lnRef idx="2">
+            <a:schemeClr val="accent1">
+              <a:shade val="50000"/>
+            </a:schemeClr>
+          </a:lnRef>
+          <a:fillRef idx="1">
+            <a:schemeClr val="accent1"/>
+          </a:fillRef>
+          <a:effectRef idx="0">
+            <a:schemeClr val="accent1"/>
+          </a:effectRef>
+          <a:fontRef idx="minor">
+            <a:schemeClr val="lt1"/>
+          </a:fontRef>
+        </p:style>
+        <p:txBody>
+          <a:bodyPr rtlCol="0" anchor="ctr"/>
+          <a:lstStyle/>
+          <a:p>
+            <a:pPr algn="ctr"/>
+            <a:r>
+              <a:rPr lang="en-US" altLang="ja-JP" sz="2800" dirty="0" smtClean="0">
+                <a:solidFill>
+                  <a:schemeClr val="tx1"/>
+                </a:solidFill>
+              </a:rPr>
+              <a:t>State0</a:t>
+            </a:r>
+            <a:endParaRPr kumimoji="1" lang="en-US" altLang="ja-JP" sz="2800" dirty="0" smtClean="0">
+              <a:solidFill>
+                <a:schemeClr val="tx1"/>
+              </a:solidFill>
+            </a:endParaRPr>
+          </a:p>
+        </p:txBody>
+      </p:sp>
+      <p:cxnSp>
+        <p:nvCxnSpPr>
+          <p:cNvPr id="42" name="直線矢印コネクタ 41"/>
+          <p:cNvCxnSpPr>
+            <a:stCxn id="38" idx="0"/>
+            <a:endCxn id="31" idx="2"/>
+          </p:cNvCxnSpPr>
+          <p:nvPr/>
+        </p:nvCxnSpPr>
+        <p:spPr>
+          <a:xfrm flipV="1">
+            <a:off x="1722868" y="1068692"/>
+            <a:ext cx="1" cy="352830"/>
+          </a:xfrm>
+          <a:prstGeom prst="straightConnector1">
+            <a:avLst/>
+          </a:prstGeom>
+          <a:ln w="12700">
+            <a:solidFill>
+              <a:schemeClr val="tx1"/>
+            </a:solidFill>
+            <a:prstDash val="solid"/>
+            <a:tailEnd type="triangle"/>
+          </a:ln>
+        </p:spPr>
+        <p:style>
+          <a:lnRef idx="1">
+            <a:schemeClr val="accent1"/>
+          </a:lnRef>
+          <a:fillRef idx="0">
+            <a:schemeClr val="accent1"/>
+          </a:fillRef>
+          <a:effectRef idx="0">
+            <a:schemeClr val="accent1"/>
+          </a:effectRef>
+          <a:fontRef idx="minor">
+            <a:schemeClr val="tx1"/>
+          </a:fontRef>
+        </p:style>
+      </p:cxnSp>
+      <p:sp>
+        <p:nvSpPr>
+          <p:cNvPr id="48" name="テキスト ボックス 47"/>
+          <p:cNvSpPr txBox="1"/>
+          <p:nvPr/>
+        </p:nvSpPr>
+        <p:spPr>
+          <a:xfrm flipH="1">
+            <a:off x="1687565" y="1034266"/>
+            <a:ext cx="1097898" cy="461665"/>
+          </a:xfrm>
+          <a:prstGeom prst="rect">
+            <a:avLst/>
+          </a:prstGeom>
+          <a:noFill/>
+        </p:spPr>
+        <p:txBody>
+          <a:bodyPr wrap="square" rtlCol="0">
+            <a:spAutoFit/>
+          </a:bodyPr>
+          <a:lstStyle/>
+          <a:p>
+            <a:r>
+              <a:rPr kumimoji="1" lang="en-US" altLang="ja-JP" sz="2400" dirty="0" smtClean="0"/>
+              <a:t>current</a:t>
+            </a:r>
+            <a:endParaRPr kumimoji="1" lang="ja-JP" altLang="en-US" sz="2400" dirty="0"/>
+          </a:p>
+        </p:txBody>
+      </p:sp>
+      <p:sp>
+        <p:nvSpPr>
+          <p:cNvPr id="27" name="正方形/長方形 26"/>
+          <p:cNvSpPr/>
+          <p:nvPr/>
+        </p:nvSpPr>
+        <p:spPr>
+          <a:xfrm>
+            <a:off x="5290300" y="563867"/>
+            <a:ext cx="1095376" cy="501650"/>
+          </a:xfrm>
+          <a:prstGeom prst="rect">
+            <a:avLst/>
+          </a:prstGeom>
+          <a:noFill/>
+          <a:ln>
+            <a:solidFill>
+              <a:schemeClr val="tx1"/>
+            </a:solidFill>
+          </a:ln>
+        </p:spPr>
+        <p:style>
+          <a:lnRef idx="2">
+            <a:schemeClr val="accent1">
+              <a:shade val="50000"/>
+            </a:schemeClr>
+          </a:lnRef>
+          <a:fillRef idx="1">
+            <a:schemeClr val="accent1"/>
+          </a:fillRef>
+          <a:effectRef idx="0">
+            <a:schemeClr val="accent1"/>
+          </a:effectRef>
+          <a:fontRef idx="minor">
+            <a:schemeClr val="lt1"/>
+          </a:fontRef>
+        </p:style>
+        <p:txBody>
+          <a:bodyPr rtlCol="0" anchor="ctr"/>
+          <a:lstStyle/>
+          <a:p>
+            <a:pPr algn="ctr"/>
+            <a:r>
+              <a:rPr kumimoji="1" lang="en-US" altLang="ja-JP" sz="2800" dirty="0" smtClean="0">
+                <a:solidFill>
+                  <a:schemeClr val="tx1"/>
+                </a:solidFill>
+              </a:rPr>
+              <a:t>Time2</a:t>
+            </a:r>
+            <a:endParaRPr kumimoji="1" lang="ja-JP" altLang="en-US" sz="2800" dirty="0">
+              <a:solidFill>
+                <a:schemeClr val="tx1"/>
+              </a:solidFill>
+            </a:endParaRPr>
+          </a:p>
+        </p:txBody>
+      </p:sp>
+      <p:sp>
+        <p:nvSpPr>
+          <p:cNvPr id="37" name="角丸四角形 36"/>
+          <p:cNvSpPr/>
+          <p:nvPr/>
+        </p:nvSpPr>
+        <p:spPr>
+          <a:xfrm>
+            <a:off x="3165015" y="1421522"/>
+            <a:ext cx="1230827" cy="501650"/>
+          </a:xfrm>
+          <a:prstGeom prst="roundRect">
+            <a:avLst>
+              <a:gd name="adj" fmla="val 32456"/>
+            </a:avLst>
+          </a:prstGeom>
+          <a:noFill/>
+          <a:ln>
+            <a:solidFill>
+              <a:schemeClr val="tx1"/>
+            </a:solidFill>
+          </a:ln>
+        </p:spPr>
+        <p:style>
+          <a:lnRef idx="2">
+            <a:schemeClr val="accent1">
+              <a:shade val="50000"/>
+            </a:schemeClr>
+          </a:lnRef>
+          <a:fillRef idx="1">
+            <a:schemeClr val="accent1"/>
+          </a:fillRef>
+          <a:effectRef idx="0">
+            <a:schemeClr val="accent1"/>
+          </a:effectRef>
+          <a:fontRef idx="minor">
+            <a:schemeClr val="lt1"/>
+          </a:fontRef>
+        </p:style>
+        <p:txBody>
+          <a:bodyPr rtlCol="0" anchor="ctr"/>
+          <a:lstStyle/>
+          <a:p>
+            <a:pPr algn="ctr"/>
+            <a:r>
+              <a:rPr lang="en-US" altLang="ja-JP" sz="2800" dirty="0" smtClean="0">
+                <a:solidFill>
+                  <a:schemeClr val="tx1"/>
+                </a:solidFill>
+              </a:rPr>
+              <a:t>State1</a:t>
+            </a:r>
+            <a:endParaRPr kumimoji="1" lang="en-US" altLang="ja-JP" sz="2800" dirty="0" smtClean="0">
+              <a:solidFill>
+                <a:schemeClr val="tx1"/>
+              </a:solidFill>
+            </a:endParaRPr>
+          </a:p>
+        </p:txBody>
+      </p:sp>
+      <p:sp>
+        <p:nvSpPr>
+          <p:cNvPr id="39" name="角丸四角形 38"/>
+          <p:cNvSpPr/>
+          <p:nvPr/>
+        </p:nvSpPr>
+        <p:spPr>
+          <a:xfrm>
+            <a:off x="5227490" y="1421522"/>
+            <a:ext cx="1230827" cy="501650"/>
+          </a:xfrm>
+          <a:prstGeom prst="roundRect">
+            <a:avLst>
+              <a:gd name="adj" fmla="val 32456"/>
+            </a:avLst>
+          </a:prstGeom>
+          <a:noFill/>
+          <a:ln>
+            <a:solidFill>
+              <a:schemeClr val="tx1"/>
+            </a:solidFill>
+          </a:ln>
+        </p:spPr>
+        <p:style>
+          <a:lnRef idx="2">
+            <a:schemeClr val="accent1">
+              <a:shade val="50000"/>
+            </a:schemeClr>
+          </a:lnRef>
+          <a:fillRef idx="1">
+            <a:schemeClr val="accent1"/>
+          </a:fillRef>
+          <a:effectRef idx="0">
+            <a:schemeClr val="accent1"/>
+          </a:effectRef>
+          <a:fontRef idx="minor">
+            <a:schemeClr val="lt1"/>
+          </a:fontRef>
+        </p:style>
+        <p:txBody>
+          <a:bodyPr rtlCol="0" anchor="ctr"/>
+          <a:lstStyle/>
+          <a:p>
+            <a:pPr algn="ctr"/>
+            <a:r>
+              <a:rPr lang="en-US" altLang="ja-JP" sz="2800" dirty="0" smtClean="0">
+                <a:solidFill>
+                  <a:schemeClr val="tx1"/>
+                </a:solidFill>
+              </a:rPr>
+              <a:t>State2</a:t>
+            </a:r>
+            <a:endParaRPr kumimoji="1" lang="en-US" altLang="ja-JP" sz="2800" dirty="0" smtClean="0">
+              <a:solidFill>
+                <a:schemeClr val="tx1"/>
+              </a:solidFill>
+            </a:endParaRPr>
+          </a:p>
+        </p:txBody>
+      </p:sp>
+      <p:cxnSp>
+        <p:nvCxnSpPr>
+          <p:cNvPr id="43" name="直線矢印コネクタ 42"/>
+          <p:cNvCxnSpPr>
+            <a:stCxn id="37" idx="0"/>
+            <a:endCxn id="32" idx="2"/>
+          </p:cNvCxnSpPr>
+          <p:nvPr/>
+        </p:nvCxnSpPr>
+        <p:spPr>
+          <a:xfrm flipH="1" flipV="1">
+            <a:off x="3780428" y="1065517"/>
+            <a:ext cx="1" cy="356005"/>
+          </a:xfrm>
+          <a:prstGeom prst="straightConnector1">
+            <a:avLst/>
+          </a:prstGeom>
+          <a:ln w="12700">
+            <a:solidFill>
+              <a:schemeClr val="tx1"/>
+            </a:solidFill>
+            <a:prstDash val="solid"/>
+            <a:tailEnd type="triangle"/>
+          </a:ln>
+        </p:spPr>
+        <p:style>
+          <a:lnRef idx="1">
+            <a:schemeClr val="accent1"/>
+          </a:lnRef>
+          <a:fillRef idx="0">
+            <a:schemeClr val="accent1"/>
+          </a:fillRef>
+          <a:effectRef idx="0">
+            <a:schemeClr val="accent1"/>
+          </a:effectRef>
+          <a:fontRef idx="minor">
+            <a:schemeClr val="tx1"/>
+          </a:fontRef>
+        </p:style>
+      </p:cxnSp>
+      <p:cxnSp>
+        <p:nvCxnSpPr>
+          <p:cNvPr id="102" name="直線矢印コネクタ 101"/>
+          <p:cNvCxnSpPr>
+            <a:stCxn id="39" idx="0"/>
+            <a:endCxn id="27" idx="2"/>
+          </p:cNvCxnSpPr>
+          <p:nvPr/>
+        </p:nvCxnSpPr>
+        <p:spPr>
+          <a:xfrm flipH="1" flipV="1">
+            <a:off x="5837988" y="1065517"/>
+            <a:ext cx="4916" cy="356005"/>
+          </a:xfrm>
+          <a:prstGeom prst="straightConnector1">
+            <a:avLst/>
+          </a:prstGeom>
+          <a:ln w="12700">
+            <a:solidFill>
+              <a:schemeClr val="tx1"/>
+            </a:solidFill>
+            <a:prstDash val="solid"/>
+            <a:tailEnd type="triangle"/>
+          </a:ln>
+        </p:spPr>
+        <p:style>
+          <a:lnRef idx="1">
+            <a:schemeClr val="accent1"/>
+          </a:lnRef>
+          <a:fillRef idx="0">
+            <a:schemeClr val="accent1"/>
+          </a:fillRef>
+          <a:effectRef idx="0">
+            <a:schemeClr val="accent1"/>
+          </a:effectRef>
+          <a:fontRef idx="minor">
+            <a:schemeClr val="tx1"/>
+          </a:fontRef>
+        </p:style>
+      </p:cxnSp>
+      <p:sp>
+        <p:nvSpPr>
+          <p:cNvPr id="110" name="テキスト ボックス 109"/>
+          <p:cNvSpPr txBox="1"/>
+          <p:nvPr/>
+        </p:nvSpPr>
+        <p:spPr>
+          <a:xfrm>
+            <a:off x="987734" y="146437"/>
+            <a:ext cx="4285147" cy="369332"/>
+          </a:xfrm>
+          <a:prstGeom prst="rect">
+            <a:avLst/>
+          </a:prstGeom>
+          <a:noFill/>
+        </p:spPr>
+        <p:txBody>
+          <a:bodyPr wrap="none" rtlCol="0">
+            <a:spAutoFit/>
+          </a:bodyPr>
+          <a:lstStyle/>
+          <a:p>
+            <a:r>
+              <a:rPr lang="ja-JP" altLang="en-US" dirty="0" smtClean="0"/>
+              <a:t>三状態が同一の遷移に存在する場合の例</a:t>
+            </a:r>
+            <a:endParaRPr kumimoji="1" lang="ja-JP" altLang="en-US" dirty="0"/>
+          </a:p>
+        </p:txBody>
+      </p:sp>
+      <p:cxnSp>
+        <p:nvCxnSpPr>
+          <p:cNvPr id="115" name="直線矢印コネクタ 114"/>
+          <p:cNvCxnSpPr>
+            <a:stCxn id="38" idx="3"/>
+            <a:endCxn id="37" idx="1"/>
+          </p:cNvCxnSpPr>
+          <p:nvPr/>
+        </p:nvCxnSpPr>
+        <p:spPr>
+          <a:xfrm>
+            <a:off x="2338281" y="1672347"/>
+            <a:ext cx="826734" cy="0"/>
+          </a:xfrm>
+          <a:prstGeom prst="straightConnector1">
+            <a:avLst/>
+          </a:prstGeom>
+          <a:ln w="31750" cmpd="dbl">
+            <a:solidFill>
+              <a:schemeClr val="tx1"/>
+            </a:solidFill>
+            <a:prstDash val="solid"/>
+            <a:tailEnd type="triangle"/>
+          </a:ln>
+        </p:spPr>
+        <p:style>
+          <a:lnRef idx="1">
+            <a:schemeClr val="accent1"/>
+          </a:lnRef>
+          <a:fillRef idx="0">
+            <a:schemeClr val="accent1"/>
+          </a:fillRef>
+          <a:effectRef idx="0">
+            <a:schemeClr val="accent1"/>
+          </a:effectRef>
+          <a:fontRef idx="minor">
+            <a:schemeClr val="tx1"/>
+          </a:fontRef>
+        </p:style>
+      </p:cxnSp>
+      <p:cxnSp>
+        <p:nvCxnSpPr>
+          <p:cNvPr id="118" name="直線矢印コネクタ 117"/>
+          <p:cNvCxnSpPr>
+            <a:stCxn id="37" idx="3"/>
+            <a:endCxn id="39" idx="1"/>
+          </p:cNvCxnSpPr>
+          <p:nvPr/>
+        </p:nvCxnSpPr>
+        <p:spPr>
+          <a:xfrm>
+            <a:off x="4395842" y="1672347"/>
+            <a:ext cx="831648" cy="0"/>
+          </a:xfrm>
+          <a:prstGeom prst="straightConnector1">
+            <a:avLst/>
+          </a:prstGeom>
+          <a:ln w="31750" cmpd="dbl">
+            <a:solidFill>
+              <a:schemeClr val="tx1"/>
+            </a:solidFill>
+            <a:prstDash val="solid"/>
+            <a:tailEnd type="triangle"/>
+          </a:ln>
+        </p:spPr>
+        <p:style>
+          <a:lnRef idx="1">
+            <a:schemeClr val="accent1"/>
+          </a:lnRef>
+          <a:fillRef idx="0">
+            <a:schemeClr val="accent1"/>
+          </a:fillRef>
+          <a:effectRef idx="0">
+            <a:schemeClr val="accent1"/>
+          </a:effectRef>
+          <a:fontRef idx="minor">
+            <a:schemeClr val="tx1"/>
+          </a:fontRef>
+        </p:style>
+      </p:cxnSp>
+      <p:sp>
+        <p:nvSpPr>
+          <p:cNvPr id="122" name="テキスト ボックス 121"/>
+          <p:cNvSpPr txBox="1"/>
+          <p:nvPr/>
+        </p:nvSpPr>
+        <p:spPr>
+          <a:xfrm flipH="1">
+            <a:off x="2275549" y="1639766"/>
+            <a:ext cx="734528" cy="461665"/>
+          </a:xfrm>
+          <a:prstGeom prst="rect">
+            <a:avLst/>
+          </a:prstGeom>
+          <a:noFill/>
+        </p:spPr>
+        <p:txBody>
+          <a:bodyPr wrap="square" rtlCol="0">
+            <a:spAutoFit/>
+          </a:bodyPr>
+          <a:lstStyle/>
+          <a:p>
+            <a:r>
+              <a:rPr kumimoji="1" lang="en-US" altLang="ja-JP" sz="2400" dirty="0" smtClean="0"/>
+              <a:t>flow</a:t>
+            </a:r>
+            <a:endParaRPr kumimoji="1" lang="ja-JP" altLang="en-US" sz="2400" dirty="0"/>
+          </a:p>
+        </p:txBody>
+      </p:sp>
+      <p:sp>
+        <p:nvSpPr>
+          <p:cNvPr id="124" name="正方形/長方形 123"/>
+          <p:cNvSpPr/>
+          <p:nvPr/>
+        </p:nvSpPr>
+        <p:spPr>
+          <a:xfrm>
+            <a:off x="1178356" y="2682088"/>
+            <a:ext cx="1089025" cy="501650"/>
+          </a:xfrm>
+          <a:prstGeom prst="rect">
+            <a:avLst/>
+          </a:prstGeom>
+          <a:noFill/>
+          <a:ln>
+            <a:solidFill>
+              <a:schemeClr val="tx1"/>
+            </a:solidFill>
+          </a:ln>
+        </p:spPr>
+        <p:style>
+          <a:lnRef idx="2">
+            <a:schemeClr val="accent1">
+              <a:shade val="50000"/>
+            </a:schemeClr>
+          </a:lnRef>
+          <a:fillRef idx="1">
+            <a:schemeClr val="accent1"/>
+          </a:fillRef>
+          <a:effectRef idx="0">
+            <a:schemeClr val="accent1"/>
+          </a:effectRef>
+          <a:fontRef idx="minor">
+            <a:schemeClr val="lt1"/>
+          </a:fontRef>
+        </p:style>
+        <p:txBody>
+          <a:bodyPr rtlCol="0" anchor="ctr"/>
+          <a:lstStyle/>
+          <a:p>
+            <a:pPr algn="ctr"/>
+            <a:r>
+              <a:rPr kumimoji="1" lang="en-US" altLang="ja-JP" sz="2800" dirty="0" smtClean="0">
+                <a:solidFill>
+                  <a:schemeClr val="tx1"/>
+                </a:solidFill>
+              </a:rPr>
+              <a:t>Time0</a:t>
+            </a:r>
+            <a:endParaRPr kumimoji="1" lang="ja-JP" altLang="en-US" sz="2800" dirty="0">
+              <a:solidFill>
+                <a:schemeClr val="tx1"/>
+              </a:solidFill>
+            </a:endParaRPr>
+          </a:p>
+        </p:txBody>
+      </p:sp>
+      <p:sp>
+        <p:nvSpPr>
+          <p:cNvPr id="125" name="正方形/長方形 124"/>
+          <p:cNvSpPr/>
+          <p:nvPr/>
+        </p:nvSpPr>
+        <p:spPr>
+          <a:xfrm>
+            <a:off x="3232740" y="2678913"/>
+            <a:ext cx="1095376" cy="501650"/>
+          </a:xfrm>
+          <a:prstGeom prst="rect">
+            <a:avLst/>
+          </a:prstGeom>
+          <a:noFill/>
+          <a:ln>
+            <a:solidFill>
+              <a:schemeClr val="tx1"/>
+            </a:solidFill>
+          </a:ln>
+        </p:spPr>
+        <p:style>
+          <a:lnRef idx="2">
+            <a:schemeClr val="accent1">
+              <a:shade val="50000"/>
+            </a:schemeClr>
+          </a:lnRef>
+          <a:fillRef idx="1">
+            <a:schemeClr val="accent1"/>
+          </a:fillRef>
+          <a:effectRef idx="0">
+            <a:schemeClr val="accent1"/>
+          </a:effectRef>
+          <a:fontRef idx="minor">
+            <a:schemeClr val="lt1"/>
+          </a:fontRef>
+        </p:style>
+        <p:txBody>
+          <a:bodyPr rtlCol="0" anchor="ctr"/>
+          <a:lstStyle/>
+          <a:p>
+            <a:pPr algn="ctr"/>
+            <a:r>
+              <a:rPr kumimoji="1" lang="en-US" altLang="ja-JP" sz="2800" dirty="0" smtClean="0">
+                <a:solidFill>
+                  <a:schemeClr val="tx1"/>
+                </a:solidFill>
+              </a:rPr>
+              <a:t>Time1</a:t>
+            </a:r>
+            <a:endParaRPr kumimoji="1" lang="ja-JP" altLang="en-US" sz="2800" dirty="0">
+              <a:solidFill>
+                <a:schemeClr val="tx1"/>
+              </a:solidFill>
+            </a:endParaRPr>
+          </a:p>
+        </p:txBody>
+      </p:sp>
+      <p:cxnSp>
+        <p:nvCxnSpPr>
+          <p:cNvPr id="126" name="直線矢印コネクタ 125"/>
+          <p:cNvCxnSpPr>
+            <a:stCxn id="124" idx="3"/>
+            <a:endCxn id="125" idx="1"/>
+          </p:cNvCxnSpPr>
+          <p:nvPr/>
+        </p:nvCxnSpPr>
+        <p:spPr>
+          <a:xfrm flipV="1">
+            <a:off x="2267381" y="2929738"/>
+            <a:ext cx="965359" cy="3175"/>
+          </a:xfrm>
+          <a:prstGeom prst="straightConnector1">
+            <a:avLst/>
+          </a:prstGeom>
+          <a:ln w="12700">
+            <a:solidFill>
+              <a:schemeClr val="tx1"/>
+            </a:solidFill>
+            <a:prstDash val="sysDash"/>
+            <a:tailEnd type="triangle"/>
+          </a:ln>
+        </p:spPr>
+        <p:style>
+          <a:lnRef idx="1">
+            <a:schemeClr val="accent1"/>
+          </a:lnRef>
+          <a:fillRef idx="0">
+            <a:schemeClr val="accent1"/>
+          </a:fillRef>
+          <a:effectRef idx="0">
+            <a:schemeClr val="accent1"/>
+          </a:effectRef>
+          <a:fontRef idx="minor">
+            <a:schemeClr val="tx1"/>
+          </a:fontRef>
+        </p:style>
+      </p:cxnSp>
+      <p:cxnSp>
+        <p:nvCxnSpPr>
+          <p:cNvPr id="127" name="直線矢印コネクタ 126"/>
+          <p:cNvCxnSpPr>
+            <a:stCxn id="125" idx="3"/>
+            <a:endCxn id="131" idx="1"/>
+          </p:cNvCxnSpPr>
+          <p:nvPr/>
+        </p:nvCxnSpPr>
+        <p:spPr>
+          <a:xfrm>
+            <a:off x="4328116" y="2929738"/>
+            <a:ext cx="962184" cy="0"/>
+          </a:xfrm>
+          <a:prstGeom prst="straightConnector1">
+            <a:avLst/>
+          </a:prstGeom>
+          <a:ln w="12700">
+            <a:solidFill>
+              <a:schemeClr val="tx1"/>
+            </a:solidFill>
+            <a:prstDash val="sysDash"/>
+            <a:tailEnd type="triangle"/>
+          </a:ln>
+        </p:spPr>
+        <p:style>
+          <a:lnRef idx="1">
+            <a:schemeClr val="accent1"/>
+          </a:lnRef>
+          <a:fillRef idx="0">
+            <a:schemeClr val="accent1"/>
+          </a:fillRef>
+          <a:effectRef idx="0">
+            <a:schemeClr val="accent1"/>
+          </a:effectRef>
+          <a:fontRef idx="minor">
+            <a:schemeClr val="tx1"/>
+          </a:fontRef>
+        </p:style>
+      </p:cxnSp>
+      <p:sp>
+        <p:nvSpPr>
+          <p:cNvPr id="128" name="角丸四角形 127"/>
+          <p:cNvSpPr/>
+          <p:nvPr/>
+        </p:nvSpPr>
+        <p:spPr>
+          <a:xfrm>
+            <a:off x="1107454" y="3536568"/>
+            <a:ext cx="1230827" cy="501650"/>
+          </a:xfrm>
+          <a:prstGeom prst="roundRect">
+            <a:avLst>
+              <a:gd name="adj" fmla="val 32456"/>
+            </a:avLst>
+          </a:prstGeom>
+          <a:noFill/>
+          <a:ln>
+            <a:solidFill>
+              <a:schemeClr val="tx1"/>
+            </a:solidFill>
+          </a:ln>
+        </p:spPr>
+        <p:style>
+          <a:lnRef idx="2">
+            <a:schemeClr val="accent1">
+              <a:shade val="50000"/>
+            </a:schemeClr>
+          </a:lnRef>
+          <a:fillRef idx="1">
+            <a:schemeClr val="accent1"/>
+          </a:fillRef>
+          <a:effectRef idx="0">
+            <a:schemeClr val="accent1"/>
+          </a:effectRef>
+          <a:fontRef idx="minor">
+            <a:schemeClr val="lt1"/>
+          </a:fontRef>
+        </p:style>
+        <p:txBody>
+          <a:bodyPr rtlCol="0" anchor="ctr"/>
+          <a:lstStyle/>
+          <a:p>
+            <a:pPr algn="ctr"/>
+            <a:r>
+              <a:rPr lang="en-US" altLang="ja-JP" sz="2800" dirty="0" smtClean="0">
+                <a:solidFill>
+                  <a:schemeClr val="tx1"/>
+                </a:solidFill>
+              </a:rPr>
+              <a:t>State0</a:t>
+            </a:r>
+            <a:endParaRPr kumimoji="1" lang="en-US" altLang="ja-JP" sz="2800" dirty="0" smtClean="0">
+              <a:solidFill>
+                <a:schemeClr val="tx1"/>
+              </a:solidFill>
+            </a:endParaRPr>
+          </a:p>
+        </p:txBody>
+      </p:sp>
+      <p:cxnSp>
+        <p:nvCxnSpPr>
+          <p:cNvPr id="129" name="直線矢印コネクタ 128"/>
+          <p:cNvCxnSpPr>
+            <a:stCxn id="128" idx="0"/>
+            <a:endCxn id="124" idx="2"/>
+          </p:cNvCxnSpPr>
+          <p:nvPr/>
+        </p:nvCxnSpPr>
+        <p:spPr>
+          <a:xfrm flipV="1">
+            <a:off x="1722868" y="3183738"/>
+            <a:ext cx="1" cy="352830"/>
+          </a:xfrm>
+          <a:prstGeom prst="straightConnector1">
+            <a:avLst/>
+          </a:prstGeom>
+          <a:ln w="12700">
+            <a:solidFill>
+              <a:schemeClr val="tx1"/>
+            </a:solidFill>
+            <a:prstDash val="solid"/>
+            <a:tailEnd type="triangle"/>
+          </a:ln>
+        </p:spPr>
+        <p:style>
+          <a:lnRef idx="1">
+            <a:schemeClr val="accent1"/>
+          </a:lnRef>
+          <a:fillRef idx="0">
+            <a:schemeClr val="accent1"/>
+          </a:fillRef>
+          <a:effectRef idx="0">
+            <a:schemeClr val="accent1"/>
+          </a:effectRef>
+          <a:fontRef idx="minor">
+            <a:schemeClr val="tx1"/>
+          </a:fontRef>
+        </p:style>
+      </p:cxnSp>
+      <p:sp>
+        <p:nvSpPr>
+          <p:cNvPr id="130" name="テキスト ボックス 129"/>
+          <p:cNvSpPr txBox="1"/>
+          <p:nvPr/>
+        </p:nvSpPr>
+        <p:spPr>
+          <a:xfrm flipH="1">
+            <a:off x="1687565" y="3149312"/>
+            <a:ext cx="1097898" cy="461665"/>
+          </a:xfrm>
+          <a:prstGeom prst="rect">
+            <a:avLst/>
+          </a:prstGeom>
+          <a:noFill/>
+        </p:spPr>
+        <p:txBody>
+          <a:bodyPr wrap="square" rtlCol="0">
+            <a:spAutoFit/>
+          </a:bodyPr>
+          <a:lstStyle/>
+          <a:p>
+            <a:r>
+              <a:rPr kumimoji="1" lang="en-US" altLang="ja-JP" sz="2400" dirty="0" smtClean="0"/>
+              <a:t>current</a:t>
+            </a:r>
+            <a:endParaRPr kumimoji="1" lang="ja-JP" altLang="en-US" sz="2400" dirty="0"/>
+          </a:p>
+        </p:txBody>
+      </p:sp>
+      <p:sp>
+        <p:nvSpPr>
+          <p:cNvPr id="131" name="正方形/長方形 130"/>
+          <p:cNvSpPr/>
+          <p:nvPr/>
+        </p:nvSpPr>
+        <p:spPr>
+          <a:xfrm>
+            <a:off x="5290300" y="2678913"/>
+            <a:ext cx="1095376" cy="501650"/>
+          </a:xfrm>
+          <a:prstGeom prst="rect">
+            <a:avLst/>
+          </a:prstGeom>
+          <a:noFill/>
+          <a:ln>
+            <a:solidFill>
+              <a:schemeClr val="tx1"/>
+            </a:solidFill>
+          </a:ln>
+        </p:spPr>
+        <p:style>
+          <a:lnRef idx="2">
+            <a:schemeClr val="accent1">
+              <a:shade val="50000"/>
+            </a:schemeClr>
+          </a:lnRef>
+          <a:fillRef idx="1">
+            <a:schemeClr val="accent1"/>
+          </a:fillRef>
+          <a:effectRef idx="0">
+            <a:schemeClr val="accent1"/>
+          </a:effectRef>
+          <a:fontRef idx="minor">
+            <a:schemeClr val="lt1"/>
+          </a:fontRef>
+        </p:style>
+        <p:txBody>
+          <a:bodyPr rtlCol="0" anchor="ctr"/>
+          <a:lstStyle/>
+          <a:p>
+            <a:pPr algn="ctr"/>
+            <a:r>
+              <a:rPr kumimoji="1" lang="en-US" altLang="ja-JP" sz="2800" dirty="0" smtClean="0">
+                <a:solidFill>
+                  <a:schemeClr val="tx1"/>
+                </a:solidFill>
+              </a:rPr>
+              <a:t>Time2</a:t>
+            </a:r>
+            <a:endParaRPr kumimoji="1" lang="ja-JP" altLang="en-US" sz="2800" dirty="0">
+              <a:solidFill>
+                <a:schemeClr val="tx1"/>
+              </a:solidFill>
+            </a:endParaRPr>
+          </a:p>
+        </p:txBody>
+      </p:sp>
+      <p:sp>
+        <p:nvSpPr>
+          <p:cNvPr id="132" name="角丸四角形 131"/>
+          <p:cNvSpPr/>
+          <p:nvPr/>
+        </p:nvSpPr>
+        <p:spPr>
+          <a:xfrm>
+            <a:off x="3165015" y="3536568"/>
+            <a:ext cx="1230827" cy="501650"/>
+          </a:xfrm>
+          <a:prstGeom prst="roundRect">
+            <a:avLst>
+              <a:gd name="adj" fmla="val 32456"/>
+            </a:avLst>
+          </a:prstGeom>
+          <a:noFill/>
+          <a:ln>
+            <a:solidFill>
+              <a:schemeClr val="tx1"/>
+            </a:solidFill>
+          </a:ln>
+        </p:spPr>
+        <p:style>
+          <a:lnRef idx="2">
+            <a:schemeClr val="accent1">
+              <a:shade val="50000"/>
+            </a:schemeClr>
+          </a:lnRef>
+          <a:fillRef idx="1">
+            <a:schemeClr val="accent1"/>
+          </a:fillRef>
+          <a:effectRef idx="0">
+            <a:schemeClr val="accent1"/>
+          </a:effectRef>
+          <a:fontRef idx="minor">
+            <a:schemeClr val="lt1"/>
+          </a:fontRef>
+        </p:style>
+        <p:txBody>
+          <a:bodyPr rtlCol="0" anchor="ctr"/>
+          <a:lstStyle/>
+          <a:p>
+            <a:pPr algn="ctr"/>
+            <a:r>
+              <a:rPr lang="en-US" altLang="ja-JP" sz="2800" dirty="0" smtClean="0">
+                <a:solidFill>
+                  <a:schemeClr val="tx1"/>
+                </a:solidFill>
+              </a:rPr>
+              <a:t>State1</a:t>
+            </a:r>
+            <a:endParaRPr kumimoji="1" lang="en-US" altLang="ja-JP" sz="2800" dirty="0" smtClean="0">
+              <a:solidFill>
+                <a:schemeClr val="tx1"/>
+              </a:solidFill>
+            </a:endParaRPr>
+          </a:p>
+        </p:txBody>
+      </p:sp>
+      <p:sp>
+        <p:nvSpPr>
+          <p:cNvPr id="133" name="角丸四角形 132"/>
+          <p:cNvSpPr/>
+          <p:nvPr/>
+        </p:nvSpPr>
+        <p:spPr>
+          <a:xfrm>
+            <a:off x="5227490" y="3536568"/>
+            <a:ext cx="1230827" cy="501650"/>
+          </a:xfrm>
+          <a:prstGeom prst="roundRect">
+            <a:avLst>
+              <a:gd name="adj" fmla="val 32456"/>
+            </a:avLst>
+          </a:prstGeom>
+          <a:noFill/>
+          <a:ln>
+            <a:solidFill>
+              <a:schemeClr val="tx1"/>
+            </a:solidFill>
+          </a:ln>
+        </p:spPr>
+        <p:style>
+          <a:lnRef idx="2">
+            <a:schemeClr val="accent1">
+              <a:shade val="50000"/>
+            </a:schemeClr>
+          </a:lnRef>
+          <a:fillRef idx="1">
+            <a:schemeClr val="accent1"/>
+          </a:fillRef>
+          <a:effectRef idx="0">
+            <a:schemeClr val="accent1"/>
+          </a:effectRef>
+          <a:fontRef idx="minor">
+            <a:schemeClr val="lt1"/>
+          </a:fontRef>
+        </p:style>
+        <p:txBody>
+          <a:bodyPr rtlCol="0" anchor="ctr"/>
+          <a:lstStyle/>
+          <a:p>
+            <a:pPr algn="ctr"/>
+            <a:r>
+              <a:rPr lang="en-US" altLang="ja-JP" sz="2800" dirty="0" smtClean="0">
+                <a:solidFill>
+                  <a:schemeClr val="tx1"/>
+                </a:solidFill>
+              </a:rPr>
+              <a:t>State2</a:t>
+            </a:r>
+            <a:endParaRPr kumimoji="1" lang="en-US" altLang="ja-JP" sz="2800" dirty="0" smtClean="0">
+              <a:solidFill>
+                <a:schemeClr val="tx1"/>
+              </a:solidFill>
+            </a:endParaRPr>
+          </a:p>
+        </p:txBody>
+      </p:sp>
+      <p:cxnSp>
+        <p:nvCxnSpPr>
+          <p:cNvPr id="134" name="直線矢印コネクタ 133"/>
+          <p:cNvCxnSpPr>
+            <a:stCxn id="132" idx="0"/>
+            <a:endCxn id="125" idx="2"/>
+          </p:cNvCxnSpPr>
+          <p:nvPr/>
+        </p:nvCxnSpPr>
+        <p:spPr>
+          <a:xfrm flipH="1" flipV="1">
+            <a:off x="3780428" y="3180563"/>
+            <a:ext cx="1" cy="356005"/>
+          </a:xfrm>
+          <a:prstGeom prst="straightConnector1">
+            <a:avLst/>
+          </a:prstGeom>
+          <a:ln w="12700">
+            <a:solidFill>
+              <a:schemeClr val="tx1"/>
+            </a:solidFill>
+            <a:prstDash val="solid"/>
+            <a:tailEnd type="triangle"/>
+          </a:ln>
+        </p:spPr>
+        <p:style>
+          <a:lnRef idx="1">
+            <a:schemeClr val="accent1"/>
+          </a:lnRef>
+          <a:fillRef idx="0">
+            <a:schemeClr val="accent1"/>
+          </a:fillRef>
+          <a:effectRef idx="0">
+            <a:schemeClr val="accent1"/>
+          </a:effectRef>
+          <a:fontRef idx="minor">
+            <a:schemeClr val="tx1"/>
+          </a:fontRef>
+        </p:style>
+      </p:cxnSp>
+      <p:sp>
+        <p:nvSpPr>
+          <p:cNvPr id="135" name="テキスト ボックス 134"/>
+          <p:cNvSpPr txBox="1"/>
+          <p:nvPr/>
+        </p:nvSpPr>
+        <p:spPr>
+          <a:xfrm flipH="1">
+            <a:off x="1603753" y="4120071"/>
+            <a:ext cx="734528" cy="461665"/>
+          </a:xfrm>
+          <a:prstGeom prst="rect">
+            <a:avLst/>
+          </a:prstGeom>
+          <a:noFill/>
+        </p:spPr>
+        <p:txBody>
+          <a:bodyPr wrap="square" rtlCol="0">
+            <a:spAutoFit/>
+          </a:bodyPr>
+          <a:lstStyle/>
+          <a:p>
+            <a:r>
+              <a:rPr kumimoji="1" lang="en-US" altLang="ja-JP" sz="2400" dirty="0" smtClean="0"/>
+              <a:t>flow</a:t>
+            </a:r>
+            <a:endParaRPr kumimoji="1" lang="ja-JP" altLang="en-US" sz="2400" dirty="0"/>
+          </a:p>
+        </p:txBody>
+      </p:sp>
+      <p:cxnSp>
+        <p:nvCxnSpPr>
+          <p:cNvPr id="136" name="直線矢印コネクタ 135"/>
+          <p:cNvCxnSpPr>
+            <a:stCxn id="133" idx="0"/>
+            <a:endCxn id="131" idx="2"/>
+          </p:cNvCxnSpPr>
+          <p:nvPr/>
+        </p:nvCxnSpPr>
+        <p:spPr>
+          <a:xfrm flipH="1" flipV="1">
+            <a:off x="5837988" y="3180563"/>
+            <a:ext cx="4916" cy="356005"/>
+          </a:xfrm>
+          <a:prstGeom prst="straightConnector1">
+            <a:avLst/>
+          </a:prstGeom>
+          <a:ln w="12700">
+            <a:solidFill>
+              <a:schemeClr val="tx1"/>
+            </a:solidFill>
+            <a:prstDash val="solid"/>
+            <a:tailEnd type="triangle"/>
+          </a:ln>
+        </p:spPr>
+        <p:style>
+          <a:lnRef idx="1">
+            <a:schemeClr val="accent1"/>
+          </a:lnRef>
+          <a:fillRef idx="0">
+            <a:schemeClr val="accent1"/>
+          </a:fillRef>
+          <a:effectRef idx="0">
+            <a:schemeClr val="accent1"/>
+          </a:effectRef>
+          <a:fontRef idx="minor">
+            <a:schemeClr val="tx1"/>
+          </a:fontRef>
+        </p:style>
+      </p:cxnSp>
+      <p:sp>
+        <p:nvSpPr>
+          <p:cNvPr id="137" name="テキスト ボックス 136"/>
+          <p:cNvSpPr txBox="1"/>
+          <p:nvPr/>
+        </p:nvSpPr>
+        <p:spPr>
+          <a:xfrm>
+            <a:off x="987734" y="2261483"/>
+            <a:ext cx="4467890" cy="369332"/>
+          </a:xfrm>
+          <a:prstGeom prst="rect">
+            <a:avLst/>
+          </a:prstGeom>
+          <a:noFill/>
+        </p:spPr>
+        <p:txBody>
+          <a:bodyPr wrap="none" rtlCol="0">
+            <a:spAutoFit/>
+          </a:bodyPr>
+          <a:lstStyle/>
+          <a:p>
+            <a:r>
+              <a:rPr lang="ja-JP" altLang="en-US" dirty="0" smtClean="0"/>
+              <a:t>三状態が同一の遷移に存在しない場合の例</a:t>
+            </a:r>
+            <a:endParaRPr kumimoji="1" lang="ja-JP" altLang="en-US" dirty="0"/>
+          </a:p>
+        </p:txBody>
+      </p:sp>
+      <p:cxnSp>
+        <p:nvCxnSpPr>
+          <p:cNvPr id="138" name="曲線コネクタ 137"/>
+          <p:cNvCxnSpPr>
+            <a:stCxn id="128" idx="2"/>
+            <a:endCxn id="133" idx="2"/>
+          </p:cNvCxnSpPr>
+          <p:nvPr/>
+        </p:nvCxnSpPr>
+        <p:spPr>
+          <a:xfrm rot="16200000" flipH="1">
+            <a:off x="3782886" y="1978200"/>
+            <a:ext cx="12700" cy="4120036"/>
+          </a:xfrm>
+          <a:prstGeom prst="curvedConnector3">
+            <a:avLst>
+              <a:gd name="adj1" fmla="val 2720929"/>
+            </a:avLst>
+          </a:prstGeom>
+          <a:ln w="31750" cmpd="dbl">
+            <a:solidFill>
+              <a:schemeClr val="tx1"/>
+            </a:solidFill>
+            <a:prstDash val="solid"/>
+            <a:tailEnd type="triangle"/>
+          </a:ln>
+        </p:spPr>
+        <p:style>
+          <a:lnRef idx="1">
+            <a:schemeClr val="accent1"/>
+          </a:lnRef>
+          <a:fillRef idx="0">
+            <a:schemeClr val="accent1"/>
+          </a:fillRef>
+          <a:effectRef idx="0">
+            <a:schemeClr val="accent1"/>
+          </a:effectRef>
+          <a:fontRef idx="minor">
+            <a:schemeClr val="tx1"/>
+          </a:fontRef>
+        </p:style>
+      </p:cxnSp>
+      <p:cxnSp>
+        <p:nvCxnSpPr>
+          <p:cNvPr id="144" name="直線コネクタ 143"/>
+          <p:cNvCxnSpPr/>
+          <p:nvPr/>
+        </p:nvCxnSpPr>
+        <p:spPr>
+          <a:xfrm>
+            <a:off x="987734" y="2101431"/>
+            <a:ext cx="7851582" cy="0"/>
+          </a:xfrm>
+          <a:prstGeom prst="line">
+            <a:avLst/>
+          </a:prstGeom>
+          <a:ln w="25400">
+            <a:solidFill>
+              <a:schemeClr val="tx1"/>
+            </a:solidFill>
+            <a:prstDash val="sysDash"/>
+            <a:tailEnd type="none"/>
+          </a:ln>
+        </p:spPr>
+        <p:style>
+          <a:lnRef idx="1">
+            <a:schemeClr val="accent1"/>
+          </a:lnRef>
+          <a:fillRef idx="0">
+            <a:schemeClr val="accent1"/>
+          </a:fillRef>
+          <a:effectRef idx="0">
+            <a:schemeClr val="accent1"/>
+          </a:effectRef>
+          <a:fontRef idx="minor">
+            <a:schemeClr val="tx1"/>
+          </a:fontRef>
+        </p:style>
+      </p:cxnSp>
+      <mc:AlternateContent xmlns:mc="http://schemas.openxmlformats.org/markup-compatibility/2006">
+        <mc:Choice xmlns:a14="http://schemas.microsoft.com/office/drawing/2010/main" Requires="a14">
+          <p:sp>
+            <p:nvSpPr>
+              <p:cNvPr id="145" name="テキスト ボックス 144"/>
+              <p:cNvSpPr txBox="1"/>
+              <p:nvPr/>
+            </p:nvSpPr>
+            <p:spPr>
+              <a:xfrm>
+                <a:off x="6608931" y="1276841"/>
+                <a:ext cx="2244076" cy="646331"/>
+              </a:xfrm>
+              <a:prstGeom prst="rect">
+                <a:avLst/>
+              </a:prstGeom>
+              <a:noFill/>
+              <a:ln w="19050">
+                <a:solidFill>
+                  <a:schemeClr val="tx1"/>
+                </a:solidFill>
+                <a:prstDash val="sysDot"/>
+              </a:ln>
+            </p:spPr>
+            <p:txBody>
+              <a:bodyPr wrap="none" rtlCol="0">
+                <a:spAutoFit/>
+              </a:bodyPr>
+              <a:lstStyle/>
+              <a:p>
+                <a:r>
+                  <a:rPr kumimoji="1" lang="en-US" altLang="ja-JP" dirty="0" smtClean="0"/>
+                  <a:t>State0.eq </a:t>
+                </a:r>
+                <a14:m>
+                  <m:oMath xmlns:m="http://schemas.openxmlformats.org/officeDocument/2006/math">
+                    <m:r>
+                      <a:rPr kumimoji="1" lang="en-US" altLang="ja-JP" i="1" dirty="0" smtClean="0">
+                        <a:latin typeface="Cambria Math" panose="02040503050406030204" pitchFamily="18" charset="0"/>
+                        <a:ea typeface="Cambria Math" panose="02040503050406030204" pitchFamily="18" charset="0"/>
+                      </a:rPr>
+                      <m:t>=</m:t>
+                    </m:r>
+                  </m:oMath>
+                </a14:m>
+                <a:r>
+                  <a:rPr kumimoji="1" lang="en-US" altLang="ja-JP" dirty="0" smtClean="0"/>
+                  <a:t> State1.eq</a:t>
+                </a:r>
+              </a:p>
+              <a:p>
+                <a:r>
+                  <a:rPr lang="ja-JP" altLang="en-US" dirty="0"/>
+                  <a:t> </a:t>
+                </a:r>
+                <a:r>
+                  <a:rPr lang="ja-JP" altLang="en-US" dirty="0" smtClean="0"/>
+                  <a:t>                 </a:t>
+                </a:r>
+                <a14:m>
+                  <m:oMath xmlns:m="http://schemas.openxmlformats.org/officeDocument/2006/math">
+                    <m:r>
+                      <a:rPr lang="en-US" altLang="ja-JP" i="1" dirty="0">
+                        <a:latin typeface="Cambria Math" panose="02040503050406030204" pitchFamily="18" charset="0"/>
+                        <a:ea typeface="Cambria Math" panose="02040503050406030204" pitchFamily="18" charset="0"/>
+                      </a:rPr>
+                      <m:t>=</m:t>
+                    </m:r>
+                  </m:oMath>
+                </a14:m>
+                <a:r>
+                  <a:rPr kumimoji="1" lang="en-US" altLang="ja-JP" dirty="0" smtClean="0"/>
+                  <a:t> State2.eq</a:t>
+                </a:r>
+                <a:endParaRPr kumimoji="1" lang="ja-JP" altLang="en-US" dirty="0"/>
+              </a:p>
+            </p:txBody>
+          </p:sp>
+        </mc:Choice>
+        <mc:Fallback>
+          <p:sp>
+            <p:nvSpPr>
+              <p:cNvPr id="145" name="テキスト ボックス 144"/>
+              <p:cNvSpPr txBox="1">
+                <a:spLocks noRot="1" noChangeAspect="1" noMove="1" noResize="1" noEditPoints="1" noAdjustHandles="1" noChangeArrowheads="1" noChangeShapeType="1" noTextEdit="1"/>
+              </p:cNvSpPr>
+              <p:nvPr/>
+            </p:nvSpPr>
+            <p:spPr>
+              <a:xfrm>
+                <a:off x="6608931" y="1276841"/>
+                <a:ext cx="2244076" cy="646331"/>
+              </a:xfrm>
+              <a:prstGeom prst="rect">
+                <a:avLst/>
+              </a:prstGeom>
+              <a:blipFill>
+                <a:blip r:embed="rId2"/>
+                <a:stretch>
+                  <a:fillRect l="-1887" t="-3670" r="-2156" b="-11927"/>
+                </a:stretch>
+              </a:blipFill>
+              <a:ln w="19050">
+                <a:solidFill>
+                  <a:schemeClr val="tx1"/>
+                </a:solidFill>
+                <a:prstDash val="sysDot"/>
+              </a:ln>
+            </p:spPr>
+            <p:txBody>
+              <a:bodyPr/>
+              <a:lstStyle/>
+              <a:p>
+                <a:r>
+                  <a:rPr lang="ja-JP" altLang="en-US">
+                    <a:noFill/>
+                  </a:rPr>
+                  <a:t> </a:t>
+                </a:r>
+              </a:p>
+            </p:txBody>
+          </p:sp>
+        </mc:Fallback>
+      </mc:AlternateContent>
+      <mc:AlternateContent xmlns:mc="http://schemas.openxmlformats.org/markup-compatibility/2006">
+        <mc:Choice xmlns:a14="http://schemas.microsoft.com/office/drawing/2010/main" Requires="a14">
+          <p:sp>
+            <p:nvSpPr>
+              <p:cNvPr id="147" name="テキスト ボックス 146"/>
+              <p:cNvSpPr txBox="1"/>
+              <p:nvPr/>
+            </p:nvSpPr>
+            <p:spPr>
+              <a:xfrm>
+                <a:off x="6608931" y="3385537"/>
+                <a:ext cx="2244076" cy="646331"/>
+              </a:xfrm>
+              <a:prstGeom prst="rect">
+                <a:avLst/>
+              </a:prstGeom>
+              <a:noFill/>
+              <a:ln w="19050">
+                <a:solidFill>
+                  <a:schemeClr val="tx1"/>
+                </a:solidFill>
+                <a:prstDash val="sysDot"/>
+              </a:ln>
+            </p:spPr>
+            <p:txBody>
+              <a:bodyPr wrap="none" rtlCol="0">
+                <a:spAutoFit/>
+              </a:bodyPr>
+              <a:lstStyle/>
+              <a:p>
+                <a:r>
+                  <a:rPr kumimoji="1" lang="en-US" altLang="ja-JP" dirty="0" smtClean="0"/>
+                  <a:t>State0.eq </a:t>
+                </a:r>
+                <a14:m>
+                  <m:oMath xmlns:m="http://schemas.openxmlformats.org/officeDocument/2006/math">
+                    <m:r>
+                      <a:rPr lang="en-US" altLang="ja-JP" i="1" dirty="0">
+                        <a:latin typeface="Cambria Math" panose="02040503050406030204" pitchFamily="18" charset="0"/>
+                        <a:ea typeface="Cambria Math" panose="02040503050406030204" pitchFamily="18" charset="0"/>
+                      </a:rPr>
+                      <m:t>=</m:t>
+                    </m:r>
+                  </m:oMath>
+                </a14:m>
+                <a:r>
+                  <a:rPr kumimoji="1" lang="en-US" altLang="ja-JP" dirty="0" smtClean="0"/>
+                  <a:t> State2.eq</a:t>
+                </a:r>
+              </a:p>
+              <a:p>
+                <a:r>
+                  <a:rPr lang="en-US" altLang="ja-JP" dirty="0" smtClean="0"/>
+                  <a:t>State0.eq</a:t>
+                </a:r>
+                <a:r>
+                  <a:rPr kumimoji="1" lang="en-US" altLang="ja-JP" dirty="0" smtClean="0"/>
+                  <a:t> </a:t>
+                </a:r>
+                <a14:m>
+                  <m:oMath xmlns:m="http://schemas.openxmlformats.org/officeDocument/2006/math">
+                    <m:r>
+                      <a:rPr kumimoji="1" lang="en-US" altLang="ja-JP" i="1" smtClean="0">
+                        <a:latin typeface="Cambria Math" panose="02040503050406030204" pitchFamily="18" charset="0"/>
+                        <a:ea typeface="Cambria Math" panose="02040503050406030204" pitchFamily="18" charset="0"/>
+                      </a:rPr>
+                      <m:t>≠</m:t>
+                    </m:r>
+                  </m:oMath>
+                </a14:m>
+                <a:r>
+                  <a:rPr kumimoji="1" lang="en-US" altLang="ja-JP" dirty="0" smtClean="0"/>
+                  <a:t> State1.eq</a:t>
+                </a:r>
+                <a:endParaRPr kumimoji="1" lang="ja-JP" altLang="en-US" dirty="0"/>
+              </a:p>
+            </p:txBody>
+          </p:sp>
+        </mc:Choice>
+        <mc:Fallback>
+          <p:sp>
+            <p:nvSpPr>
+              <p:cNvPr id="147" name="テキスト ボックス 146"/>
+              <p:cNvSpPr txBox="1">
+                <a:spLocks noRot="1" noChangeAspect="1" noMove="1" noResize="1" noEditPoints="1" noAdjustHandles="1" noChangeArrowheads="1" noChangeShapeType="1" noTextEdit="1"/>
+              </p:cNvSpPr>
+              <p:nvPr/>
+            </p:nvSpPr>
+            <p:spPr>
+              <a:xfrm>
+                <a:off x="6608931" y="3385537"/>
+                <a:ext cx="2244076" cy="646331"/>
+              </a:xfrm>
+              <a:prstGeom prst="rect">
+                <a:avLst/>
+              </a:prstGeom>
+              <a:blipFill>
+                <a:blip r:embed="rId3"/>
+                <a:stretch>
+                  <a:fillRect l="-1887" t="-3670" r="-1617" b="-11927"/>
+                </a:stretch>
+              </a:blipFill>
+              <a:ln w="19050">
+                <a:solidFill>
+                  <a:schemeClr val="tx1"/>
+                </a:solidFill>
+                <a:prstDash val="sysDot"/>
+              </a:ln>
+            </p:spPr>
+            <p:txBody>
+              <a:bodyPr/>
+              <a:lstStyle/>
+              <a:p>
+                <a:r>
+                  <a:rPr lang="ja-JP" altLang="en-US">
+                    <a:noFill/>
+                  </a:rPr>
+                  <a:t> </a:t>
+                </a:r>
+              </a:p>
+            </p:txBody>
+          </p:sp>
+        </mc:Fallback>
+      </mc:AlternateContent>
+    </p:spTree>
+    <p:extLst>
+      <p:ext uri="{BB962C8B-B14F-4D97-AF65-F5344CB8AC3E}">
+        <p14:creationId xmlns:p14="http://schemas.microsoft.com/office/powerpoint/2010/main" val="1372293473"/>
       </p:ext>
     </p:extLst>
   </p:cSld>

--- a/fig/fig.pptx
+++ b/fig/fig.pptx
@@ -5,7 +5,7 @@
     <p:sldMasterId id="2147483648" r:id="rId1"/>
   </p:sldMasterIdLst>
   <p:notesMasterIdLst>
-    <p:notesMasterId r:id="rId8"/>
+    <p:notesMasterId r:id="rId9"/>
   </p:notesMasterIdLst>
   <p:sldIdLst>
     <p:sldId id="256" r:id="rId2"/>
@@ -14,6 +14,7 @@
     <p:sldId id="259" r:id="rId5"/>
     <p:sldId id="260" r:id="rId6"/>
     <p:sldId id="262" r:id="rId7"/>
+    <p:sldId id="263" r:id="rId8"/>
   </p:sldIdLst>
   <p:sldSz cx="12192000" cy="6858000"/>
   <p:notesSz cx="6858000" cy="9144000"/>
@@ -202,7 +203,7 @@
           <a:p>
             <a:fld id="{5132F9E5-22C7-4D67-BFE7-9836B898E847}" type="datetimeFigureOut">
               <a:rPr kumimoji="1" lang="ja-JP" altLang="en-US" smtClean="0"/>
-              <a:t>2018/1/18</a:t>
+              <a:t>2018/1/22</a:t>
             </a:fld>
             <a:endParaRPr kumimoji="1" lang="ja-JP" altLang="en-US"/>
           </a:p>
@@ -717,7 +718,7 @@
           <a:p>
             <a:fld id="{ABA9A1D1-5B79-412D-8149-C192A605B75C}" type="datetimeFigureOut">
               <a:rPr kumimoji="1" lang="ja-JP" altLang="en-US" smtClean="0"/>
-              <a:t>2018/1/18</a:t>
+              <a:t>2018/1/22</a:t>
             </a:fld>
             <a:endParaRPr kumimoji="1" lang="ja-JP" altLang="en-US"/>
           </a:p>
@@ -919,7 +920,7 @@
           <a:p>
             <a:fld id="{ABA9A1D1-5B79-412D-8149-C192A605B75C}" type="datetimeFigureOut">
               <a:rPr kumimoji="1" lang="ja-JP" altLang="en-US" smtClean="0"/>
-              <a:t>2018/1/18</a:t>
+              <a:t>2018/1/22</a:t>
             </a:fld>
             <a:endParaRPr kumimoji="1" lang="ja-JP" altLang="en-US"/>
           </a:p>
@@ -1131,7 +1132,7 @@
           <a:p>
             <a:fld id="{ABA9A1D1-5B79-412D-8149-C192A605B75C}" type="datetimeFigureOut">
               <a:rPr kumimoji="1" lang="ja-JP" altLang="en-US" smtClean="0"/>
-              <a:t>2018/1/18</a:t>
+              <a:t>2018/1/22</a:t>
             </a:fld>
             <a:endParaRPr kumimoji="1" lang="ja-JP" altLang="en-US"/>
           </a:p>
@@ -1333,7 +1334,7 @@
           <a:p>
             <a:fld id="{ABA9A1D1-5B79-412D-8149-C192A605B75C}" type="datetimeFigureOut">
               <a:rPr kumimoji="1" lang="ja-JP" altLang="en-US" smtClean="0"/>
-              <a:t>2018/1/18</a:t>
+              <a:t>2018/1/22</a:t>
             </a:fld>
             <a:endParaRPr kumimoji="1" lang="ja-JP" altLang="en-US"/>
           </a:p>
@@ -1579,7 +1580,7 @@
           <a:p>
             <a:fld id="{ABA9A1D1-5B79-412D-8149-C192A605B75C}" type="datetimeFigureOut">
               <a:rPr kumimoji="1" lang="ja-JP" altLang="en-US" smtClean="0"/>
-              <a:t>2018/1/18</a:t>
+              <a:t>2018/1/22</a:t>
             </a:fld>
             <a:endParaRPr kumimoji="1" lang="ja-JP" altLang="en-US"/>
           </a:p>
@@ -1875,7 +1876,7 @@
           <a:p>
             <a:fld id="{ABA9A1D1-5B79-412D-8149-C192A605B75C}" type="datetimeFigureOut">
               <a:rPr kumimoji="1" lang="ja-JP" altLang="en-US" smtClean="0"/>
-              <a:t>2018/1/18</a:t>
+              <a:t>2018/1/22</a:t>
             </a:fld>
             <a:endParaRPr kumimoji="1" lang="ja-JP" altLang="en-US"/>
           </a:p>
@@ -2306,7 +2307,7 @@
           <a:p>
             <a:fld id="{ABA9A1D1-5B79-412D-8149-C192A605B75C}" type="datetimeFigureOut">
               <a:rPr kumimoji="1" lang="ja-JP" altLang="en-US" smtClean="0"/>
-              <a:t>2018/1/18</a:t>
+              <a:t>2018/1/22</a:t>
             </a:fld>
             <a:endParaRPr kumimoji="1" lang="ja-JP" altLang="en-US"/>
           </a:p>
@@ -2424,7 +2425,7 @@
           <a:p>
             <a:fld id="{ABA9A1D1-5B79-412D-8149-C192A605B75C}" type="datetimeFigureOut">
               <a:rPr kumimoji="1" lang="ja-JP" altLang="en-US" smtClean="0"/>
-              <a:t>2018/1/18</a:t>
+              <a:t>2018/1/22</a:t>
             </a:fld>
             <a:endParaRPr kumimoji="1" lang="ja-JP" altLang="en-US"/>
           </a:p>
@@ -2519,7 +2520,7 @@
           <a:p>
             <a:fld id="{ABA9A1D1-5B79-412D-8149-C192A605B75C}" type="datetimeFigureOut">
               <a:rPr kumimoji="1" lang="ja-JP" altLang="en-US" smtClean="0"/>
-              <a:t>2018/1/18</a:t>
+              <a:t>2018/1/22</a:t>
             </a:fld>
             <a:endParaRPr kumimoji="1" lang="ja-JP" altLang="en-US"/>
           </a:p>
@@ -2828,7 +2829,7 @@
           <a:p>
             <a:fld id="{ABA9A1D1-5B79-412D-8149-C192A605B75C}" type="datetimeFigureOut">
               <a:rPr kumimoji="1" lang="ja-JP" altLang="en-US" smtClean="0"/>
-              <a:t>2018/1/18</a:t>
+              <a:t>2018/1/22</a:t>
             </a:fld>
             <a:endParaRPr kumimoji="1" lang="ja-JP" altLang="en-US"/>
           </a:p>
@@ -3081,7 +3082,7 @@
           <a:p>
             <a:fld id="{ABA9A1D1-5B79-412D-8149-C192A605B75C}" type="datetimeFigureOut">
               <a:rPr kumimoji="1" lang="ja-JP" altLang="en-US" smtClean="0"/>
-              <a:t>2018/1/18</a:t>
+              <a:t>2018/1/22</a:t>
             </a:fld>
             <a:endParaRPr kumimoji="1" lang="ja-JP" altLang="en-US"/>
           </a:p>
@@ -3326,7 +3327,7 @@
           <a:p>
             <a:fld id="{ABA9A1D1-5B79-412D-8149-C192A605B75C}" type="datetimeFigureOut">
               <a:rPr kumimoji="1" lang="ja-JP" altLang="en-US" smtClean="0"/>
-              <a:t>2018/1/18</a:t>
+              <a:t>2018/1/22</a:t>
             </a:fld>
             <a:endParaRPr kumimoji="1" lang="ja-JP" altLang="en-US"/>
           </a:p>
@@ -12080,8 +12081,8 @@
           </a:fontRef>
         </p:style>
       </p:cxnSp>
-      <mc:AlternateContent xmlns:mc="http://schemas.openxmlformats.org/markup-compatibility/2006">
-        <mc:Choice xmlns:a14="http://schemas.microsoft.com/office/drawing/2010/main" Requires="a14">
+      <mc:AlternateContent xmlns:mc="http://schemas.openxmlformats.org/markup-compatibility/2006" xmlns:a14="http://schemas.microsoft.com/office/drawing/2010/main">
+        <mc:Choice Requires="a14">
           <p:sp>
             <p:nvSpPr>
               <p:cNvPr id="145" name="テキスト ボックス 144"/>
@@ -12159,7 +12160,7 @@
             </p:txBody>
           </p:sp>
         </mc:Choice>
-        <mc:Fallback>
+        <mc:Fallback xmlns="">
           <p:sp>
             <p:nvSpPr>
               <p:cNvPr id="145" name="テキスト ボックス 144"/>
@@ -12204,8 +12205,8 @@
           </p:sp>
         </mc:Fallback>
       </mc:AlternateContent>
-      <mc:AlternateContent xmlns:mc="http://schemas.openxmlformats.org/markup-compatibility/2006">
-        <mc:Choice xmlns:a14="http://schemas.microsoft.com/office/drawing/2010/main" Requires="a14">
+      <mc:AlternateContent xmlns:mc="http://schemas.openxmlformats.org/markup-compatibility/2006" xmlns:a14="http://schemas.microsoft.com/office/drawing/2010/main">
+        <mc:Choice Requires="a14">
           <p:sp>
             <p:nvSpPr>
               <p:cNvPr id="147" name="テキスト ボックス 146"/>
@@ -12283,7 +12284,7 @@
             </p:txBody>
           </p:sp>
         </mc:Choice>
-        <mc:Fallback>
+        <mc:Fallback xmlns="">
           <p:sp>
             <p:nvSpPr>
               <p:cNvPr id="147" name="テキスト ボックス 146"/>
@@ -12332,6 +12333,1202 @@
     <p:extLst>
       <p:ext uri="{BB962C8B-B14F-4D97-AF65-F5344CB8AC3E}">
         <p14:creationId xmlns:p14="http://schemas.microsoft.com/office/powerpoint/2010/main" val="1372293473"/>
+      </p:ext>
+    </p:extLst>
+  </p:cSld>
+  <p:clrMapOvr>
+    <a:masterClrMapping/>
+  </p:clrMapOvr>
+</p:sld>
+</file>
+
+<file path=ppt/slides/slide7.xml><?xml version="1.0" encoding="utf-8"?>
+<p:sld xmlns:a="http://schemas.openxmlformats.org/drawingml/2006/main" xmlns:r="http://schemas.openxmlformats.org/officeDocument/2006/relationships" xmlns:p="http://schemas.openxmlformats.org/presentationml/2006/main">
+  <p:cSld>
+    <p:spTree>
+      <p:nvGrpSpPr>
+        <p:cNvPr id="1" name=""/>
+        <p:cNvGrpSpPr/>
+        <p:nvPr/>
+      </p:nvGrpSpPr>
+      <p:grpSpPr>
+        <a:xfrm>
+          <a:off x="0" y="0"/>
+          <a:ext cx="0" cy="0"/>
+          <a:chOff x="0" y="0"/>
+          <a:chExt cx="0" cy="0"/>
+        </a:xfrm>
+      </p:grpSpPr>
+      <p:sp>
+        <p:nvSpPr>
+          <p:cNvPr id="29" name="正方形/長方形 28"/>
+          <p:cNvSpPr/>
+          <p:nvPr/>
+        </p:nvSpPr>
+        <p:spPr>
+          <a:xfrm>
+            <a:off x="1031752" y="563868"/>
+            <a:ext cx="6343301" cy="2990186"/>
+          </a:xfrm>
+          <a:prstGeom prst="rect">
+            <a:avLst/>
+          </a:prstGeom>
+          <a:solidFill>
+            <a:schemeClr val="bg1"/>
+          </a:solidFill>
+          <a:ln>
+            <a:solidFill>
+              <a:schemeClr val="bg1"/>
+            </a:solidFill>
+          </a:ln>
+        </p:spPr>
+        <p:style>
+          <a:lnRef idx="2">
+            <a:schemeClr val="accent1">
+              <a:shade val="50000"/>
+            </a:schemeClr>
+          </a:lnRef>
+          <a:fillRef idx="1">
+            <a:schemeClr val="accent1"/>
+          </a:fillRef>
+          <a:effectRef idx="0">
+            <a:schemeClr val="accent1"/>
+          </a:effectRef>
+          <a:fontRef idx="minor">
+            <a:schemeClr val="lt1"/>
+          </a:fontRef>
+        </p:style>
+        <p:txBody>
+          <a:bodyPr rot="0" spcFirstLastPara="0" vertOverflow="overflow" horzOverflow="overflow" vert="horz" wrap="square" lIns="91440" tIns="45720" rIns="91440" bIns="45720" numCol="1" spcCol="0" rtlCol="0" fromWordArt="0" anchor="ctr" anchorCtr="0" forceAA="0" compatLnSpc="1">
+            <a:prstTxWarp prst="textNoShape">
+              <a:avLst/>
+            </a:prstTxWarp>
+            <a:noAutofit/>
+          </a:bodyPr>
+          <a:lstStyle/>
+          <a:p>
+            <a:pPr algn="ctr"/>
+            <a:endParaRPr kumimoji="1" lang="ja-JP" altLang="en-US" sz="2000" dirty="0" smtClean="0">
+              <a:solidFill>
+                <a:schemeClr val="tx1"/>
+              </a:solidFill>
+            </a:endParaRPr>
+          </a:p>
+        </p:txBody>
+      </p:sp>
+      <p:sp>
+        <p:nvSpPr>
+          <p:cNvPr id="31" name="正方形/長方形 30"/>
+          <p:cNvSpPr/>
+          <p:nvPr/>
+        </p:nvSpPr>
+        <p:spPr>
+          <a:xfrm>
+            <a:off x="1178356" y="567042"/>
+            <a:ext cx="1089025" cy="501650"/>
+          </a:xfrm>
+          <a:prstGeom prst="rect">
+            <a:avLst/>
+          </a:prstGeom>
+          <a:noFill/>
+          <a:ln>
+            <a:solidFill>
+              <a:schemeClr val="tx1"/>
+            </a:solidFill>
+          </a:ln>
+        </p:spPr>
+        <p:style>
+          <a:lnRef idx="2">
+            <a:schemeClr val="accent1">
+              <a:shade val="50000"/>
+            </a:schemeClr>
+          </a:lnRef>
+          <a:fillRef idx="1">
+            <a:schemeClr val="accent1"/>
+          </a:fillRef>
+          <a:effectRef idx="0">
+            <a:schemeClr val="accent1"/>
+          </a:effectRef>
+          <a:fontRef idx="minor">
+            <a:schemeClr val="lt1"/>
+          </a:fontRef>
+        </p:style>
+        <p:txBody>
+          <a:bodyPr rtlCol="0" anchor="ctr"/>
+          <a:lstStyle/>
+          <a:p>
+            <a:pPr algn="ctr"/>
+            <a:r>
+              <a:rPr kumimoji="1" lang="en-US" altLang="ja-JP" sz="2800" dirty="0" smtClean="0">
+                <a:solidFill>
+                  <a:schemeClr val="tx1"/>
+                </a:solidFill>
+              </a:rPr>
+              <a:t>Time0</a:t>
+            </a:r>
+            <a:endParaRPr kumimoji="1" lang="ja-JP" altLang="en-US" sz="2800" dirty="0">
+              <a:solidFill>
+                <a:schemeClr val="tx1"/>
+              </a:solidFill>
+            </a:endParaRPr>
+          </a:p>
+        </p:txBody>
+      </p:sp>
+      <p:sp>
+        <p:nvSpPr>
+          <p:cNvPr id="32" name="正方形/長方形 31"/>
+          <p:cNvSpPr/>
+          <p:nvPr/>
+        </p:nvSpPr>
+        <p:spPr>
+          <a:xfrm>
+            <a:off x="2832147" y="563867"/>
+            <a:ext cx="1095376" cy="501650"/>
+          </a:xfrm>
+          <a:prstGeom prst="rect">
+            <a:avLst/>
+          </a:prstGeom>
+          <a:noFill/>
+          <a:ln>
+            <a:solidFill>
+              <a:schemeClr val="tx1"/>
+            </a:solidFill>
+          </a:ln>
+        </p:spPr>
+        <p:style>
+          <a:lnRef idx="2">
+            <a:schemeClr val="accent1">
+              <a:shade val="50000"/>
+            </a:schemeClr>
+          </a:lnRef>
+          <a:fillRef idx="1">
+            <a:schemeClr val="accent1"/>
+          </a:fillRef>
+          <a:effectRef idx="0">
+            <a:schemeClr val="accent1"/>
+          </a:effectRef>
+          <a:fontRef idx="minor">
+            <a:schemeClr val="lt1"/>
+          </a:fontRef>
+        </p:style>
+        <p:txBody>
+          <a:bodyPr rtlCol="0" anchor="ctr"/>
+          <a:lstStyle/>
+          <a:p>
+            <a:pPr algn="ctr"/>
+            <a:r>
+              <a:rPr kumimoji="1" lang="en-US" altLang="ja-JP" sz="2800" dirty="0" smtClean="0">
+                <a:solidFill>
+                  <a:schemeClr val="tx1"/>
+                </a:solidFill>
+              </a:rPr>
+              <a:t>Time1</a:t>
+            </a:r>
+            <a:endParaRPr kumimoji="1" lang="ja-JP" altLang="en-US" sz="2800" dirty="0">
+              <a:solidFill>
+                <a:schemeClr val="tx1"/>
+              </a:solidFill>
+            </a:endParaRPr>
+          </a:p>
+        </p:txBody>
+      </p:sp>
+      <p:cxnSp>
+        <p:nvCxnSpPr>
+          <p:cNvPr id="33" name="直線矢印コネクタ 32"/>
+          <p:cNvCxnSpPr>
+            <a:stCxn id="31" idx="3"/>
+            <a:endCxn id="32" idx="1"/>
+          </p:cNvCxnSpPr>
+          <p:nvPr/>
+        </p:nvCxnSpPr>
+        <p:spPr>
+          <a:xfrm flipV="1">
+            <a:off x="2267381" y="814692"/>
+            <a:ext cx="564766" cy="3175"/>
+          </a:xfrm>
+          <a:prstGeom prst="straightConnector1">
+            <a:avLst/>
+          </a:prstGeom>
+          <a:ln w="12700">
+            <a:solidFill>
+              <a:schemeClr val="tx1"/>
+            </a:solidFill>
+            <a:prstDash val="sysDash"/>
+            <a:tailEnd type="triangle"/>
+          </a:ln>
+        </p:spPr>
+        <p:style>
+          <a:lnRef idx="1">
+            <a:schemeClr val="accent1"/>
+          </a:lnRef>
+          <a:fillRef idx="0">
+            <a:schemeClr val="accent1"/>
+          </a:fillRef>
+          <a:effectRef idx="0">
+            <a:schemeClr val="accent1"/>
+          </a:effectRef>
+          <a:fontRef idx="minor">
+            <a:schemeClr val="tx1"/>
+          </a:fontRef>
+        </p:style>
+      </p:cxnSp>
+      <p:cxnSp>
+        <p:nvCxnSpPr>
+          <p:cNvPr id="35" name="直線矢印コネクタ 34"/>
+          <p:cNvCxnSpPr>
+            <a:stCxn id="32" idx="3"/>
+            <a:endCxn id="27" idx="1"/>
+          </p:cNvCxnSpPr>
+          <p:nvPr/>
+        </p:nvCxnSpPr>
+        <p:spPr>
+          <a:xfrm>
+            <a:off x="3927523" y="814692"/>
+            <a:ext cx="551760" cy="0"/>
+          </a:xfrm>
+          <a:prstGeom prst="straightConnector1">
+            <a:avLst/>
+          </a:prstGeom>
+          <a:ln w="12700">
+            <a:solidFill>
+              <a:schemeClr val="tx1"/>
+            </a:solidFill>
+            <a:prstDash val="sysDash"/>
+            <a:tailEnd type="triangle"/>
+          </a:ln>
+        </p:spPr>
+        <p:style>
+          <a:lnRef idx="1">
+            <a:schemeClr val="accent1"/>
+          </a:lnRef>
+          <a:fillRef idx="0">
+            <a:schemeClr val="accent1"/>
+          </a:fillRef>
+          <a:effectRef idx="0">
+            <a:schemeClr val="accent1"/>
+          </a:effectRef>
+          <a:fontRef idx="minor">
+            <a:schemeClr val="tx1"/>
+          </a:fontRef>
+        </p:style>
+      </p:cxnSp>
+      <p:sp>
+        <p:nvSpPr>
+          <p:cNvPr id="38" name="角丸四角形 37"/>
+          <p:cNvSpPr/>
+          <p:nvPr/>
+        </p:nvSpPr>
+        <p:spPr>
+          <a:xfrm>
+            <a:off x="1031752" y="1421522"/>
+            <a:ext cx="1382233" cy="811315"/>
+          </a:xfrm>
+          <a:prstGeom prst="roundRect">
+            <a:avLst>
+              <a:gd name="adj" fmla="val 21972"/>
+            </a:avLst>
+          </a:prstGeom>
+          <a:noFill/>
+          <a:ln>
+            <a:solidFill>
+              <a:schemeClr val="tx1"/>
+            </a:solidFill>
+          </a:ln>
+        </p:spPr>
+        <p:style>
+          <a:lnRef idx="2">
+            <a:schemeClr val="accent1">
+              <a:shade val="50000"/>
+            </a:schemeClr>
+          </a:lnRef>
+          <a:fillRef idx="1">
+            <a:schemeClr val="accent1"/>
+          </a:fillRef>
+          <a:effectRef idx="0">
+            <a:schemeClr val="accent1"/>
+          </a:effectRef>
+          <a:fontRef idx="minor">
+            <a:schemeClr val="lt1"/>
+          </a:fontRef>
+        </p:style>
+        <p:txBody>
+          <a:bodyPr rtlCol="0" anchor="ctr"/>
+          <a:lstStyle/>
+          <a:p>
+            <a:pPr algn="ctr"/>
+            <a:r>
+              <a:rPr lang="en-US" altLang="ja-JP" sz="2800" dirty="0" smtClean="0">
+                <a:solidFill>
+                  <a:schemeClr val="tx1"/>
+                </a:solidFill>
+              </a:rPr>
+              <a:t>State0</a:t>
+            </a:r>
+          </a:p>
+          <a:p>
+            <a:pPr algn="ctr"/>
+            <a:r>
+              <a:rPr lang="en-US" altLang="ja-JP" sz="2000" dirty="0">
+                <a:solidFill>
+                  <a:schemeClr val="tx1"/>
+                </a:solidFill>
+              </a:rPr>
+              <a:t>[</a:t>
+            </a:r>
+            <a:r>
+              <a:rPr lang="en-US" altLang="ja-JP" sz="2000" dirty="0" err="1" smtClean="0">
+                <a:solidFill>
+                  <a:schemeClr val="tx1"/>
+                </a:solidFill>
+              </a:rPr>
+              <a:t>eq</a:t>
+            </a:r>
+            <a:r>
+              <a:rPr lang="en-US" altLang="ja-JP" sz="2000" dirty="0" smtClean="0">
+                <a:solidFill>
+                  <a:schemeClr val="tx1"/>
+                </a:solidFill>
+              </a:rPr>
+              <a:t> = EQ0]</a:t>
+            </a:r>
+            <a:endParaRPr kumimoji="1" lang="en-US" altLang="ja-JP" sz="2000" dirty="0" smtClean="0">
+              <a:solidFill>
+                <a:schemeClr val="tx1"/>
+              </a:solidFill>
+            </a:endParaRPr>
+          </a:p>
+        </p:txBody>
+      </p:sp>
+      <p:cxnSp>
+        <p:nvCxnSpPr>
+          <p:cNvPr id="42" name="直線矢印コネクタ 41"/>
+          <p:cNvCxnSpPr>
+            <a:stCxn id="38" idx="0"/>
+            <a:endCxn id="31" idx="2"/>
+          </p:cNvCxnSpPr>
+          <p:nvPr/>
+        </p:nvCxnSpPr>
+        <p:spPr>
+          <a:xfrm flipV="1">
+            <a:off x="1722869" y="1068692"/>
+            <a:ext cx="0" cy="352830"/>
+          </a:xfrm>
+          <a:prstGeom prst="straightConnector1">
+            <a:avLst/>
+          </a:prstGeom>
+          <a:ln w="12700">
+            <a:solidFill>
+              <a:schemeClr val="tx1"/>
+            </a:solidFill>
+            <a:prstDash val="solid"/>
+            <a:tailEnd type="triangle"/>
+          </a:ln>
+        </p:spPr>
+        <p:style>
+          <a:lnRef idx="1">
+            <a:schemeClr val="accent1"/>
+          </a:lnRef>
+          <a:fillRef idx="0">
+            <a:schemeClr val="accent1"/>
+          </a:fillRef>
+          <a:effectRef idx="0">
+            <a:schemeClr val="accent1"/>
+          </a:effectRef>
+          <a:fontRef idx="minor">
+            <a:schemeClr val="tx1"/>
+          </a:fontRef>
+        </p:style>
+      </p:cxnSp>
+      <p:sp>
+        <p:nvSpPr>
+          <p:cNvPr id="48" name="テキスト ボックス 47"/>
+          <p:cNvSpPr txBox="1"/>
+          <p:nvPr/>
+        </p:nvSpPr>
+        <p:spPr>
+          <a:xfrm flipH="1">
+            <a:off x="1687565" y="1034266"/>
+            <a:ext cx="1097898" cy="461665"/>
+          </a:xfrm>
+          <a:prstGeom prst="rect">
+            <a:avLst/>
+          </a:prstGeom>
+          <a:noFill/>
+        </p:spPr>
+        <p:txBody>
+          <a:bodyPr wrap="square" rtlCol="0">
+            <a:spAutoFit/>
+          </a:bodyPr>
+          <a:lstStyle/>
+          <a:p>
+            <a:r>
+              <a:rPr kumimoji="1" lang="en-US" altLang="ja-JP" sz="2400" dirty="0" smtClean="0"/>
+              <a:t>current</a:t>
+            </a:r>
+            <a:endParaRPr kumimoji="1" lang="ja-JP" altLang="en-US" sz="2400" dirty="0"/>
+          </a:p>
+        </p:txBody>
+      </p:sp>
+      <p:sp>
+        <p:nvSpPr>
+          <p:cNvPr id="27" name="正方形/長方形 26"/>
+          <p:cNvSpPr/>
+          <p:nvPr/>
+        </p:nvSpPr>
+        <p:spPr>
+          <a:xfrm>
+            <a:off x="4479283" y="563867"/>
+            <a:ext cx="1095376" cy="501650"/>
+          </a:xfrm>
+          <a:prstGeom prst="rect">
+            <a:avLst/>
+          </a:prstGeom>
+          <a:noFill/>
+          <a:ln>
+            <a:solidFill>
+              <a:schemeClr val="tx1"/>
+            </a:solidFill>
+          </a:ln>
+        </p:spPr>
+        <p:style>
+          <a:lnRef idx="2">
+            <a:schemeClr val="accent1">
+              <a:shade val="50000"/>
+            </a:schemeClr>
+          </a:lnRef>
+          <a:fillRef idx="1">
+            <a:schemeClr val="accent1"/>
+          </a:fillRef>
+          <a:effectRef idx="0">
+            <a:schemeClr val="accent1"/>
+          </a:effectRef>
+          <a:fontRef idx="minor">
+            <a:schemeClr val="lt1"/>
+          </a:fontRef>
+        </p:style>
+        <p:txBody>
+          <a:bodyPr rtlCol="0" anchor="ctr"/>
+          <a:lstStyle/>
+          <a:p>
+            <a:pPr algn="ctr"/>
+            <a:r>
+              <a:rPr kumimoji="1" lang="en-US" altLang="ja-JP" sz="2800" dirty="0" smtClean="0">
+                <a:solidFill>
+                  <a:schemeClr val="tx1"/>
+                </a:solidFill>
+              </a:rPr>
+              <a:t>Time2</a:t>
+            </a:r>
+            <a:endParaRPr kumimoji="1" lang="ja-JP" altLang="en-US" sz="2800" dirty="0">
+              <a:solidFill>
+                <a:schemeClr val="tx1"/>
+              </a:solidFill>
+            </a:endParaRPr>
+          </a:p>
+        </p:txBody>
+      </p:sp>
+      <p:cxnSp>
+        <p:nvCxnSpPr>
+          <p:cNvPr id="43" name="直線矢印コネクタ 42"/>
+          <p:cNvCxnSpPr>
+            <a:endCxn id="32" idx="2"/>
+          </p:cNvCxnSpPr>
+          <p:nvPr/>
+        </p:nvCxnSpPr>
+        <p:spPr>
+          <a:xfrm flipH="1" flipV="1">
+            <a:off x="3379835" y="1065517"/>
+            <a:ext cx="1" cy="356005"/>
+          </a:xfrm>
+          <a:prstGeom prst="straightConnector1">
+            <a:avLst/>
+          </a:prstGeom>
+          <a:ln w="12700">
+            <a:solidFill>
+              <a:schemeClr val="tx1"/>
+            </a:solidFill>
+            <a:prstDash val="solid"/>
+            <a:tailEnd type="triangle"/>
+          </a:ln>
+        </p:spPr>
+        <p:style>
+          <a:lnRef idx="1">
+            <a:schemeClr val="accent1"/>
+          </a:lnRef>
+          <a:fillRef idx="0">
+            <a:schemeClr val="accent1"/>
+          </a:fillRef>
+          <a:effectRef idx="0">
+            <a:schemeClr val="accent1"/>
+          </a:effectRef>
+          <a:fontRef idx="minor">
+            <a:schemeClr val="tx1"/>
+          </a:fontRef>
+        </p:style>
+      </p:cxnSp>
+      <p:cxnSp>
+        <p:nvCxnSpPr>
+          <p:cNvPr id="102" name="直線矢印コネクタ 101"/>
+          <p:cNvCxnSpPr>
+            <a:endCxn id="27" idx="2"/>
+          </p:cNvCxnSpPr>
+          <p:nvPr/>
+        </p:nvCxnSpPr>
+        <p:spPr>
+          <a:xfrm flipH="1" flipV="1">
+            <a:off x="5026971" y="1065517"/>
+            <a:ext cx="4916" cy="356005"/>
+          </a:xfrm>
+          <a:prstGeom prst="straightConnector1">
+            <a:avLst/>
+          </a:prstGeom>
+          <a:ln w="12700">
+            <a:solidFill>
+              <a:schemeClr val="tx1"/>
+            </a:solidFill>
+            <a:prstDash val="solid"/>
+            <a:tailEnd type="triangle"/>
+          </a:ln>
+        </p:spPr>
+        <p:style>
+          <a:lnRef idx="1">
+            <a:schemeClr val="accent1"/>
+          </a:lnRef>
+          <a:fillRef idx="0">
+            <a:schemeClr val="accent1"/>
+          </a:fillRef>
+          <a:effectRef idx="0">
+            <a:schemeClr val="accent1"/>
+          </a:effectRef>
+          <a:fontRef idx="minor">
+            <a:schemeClr val="tx1"/>
+          </a:fontRef>
+        </p:style>
+      </p:cxnSp>
+      <p:sp>
+        <p:nvSpPr>
+          <p:cNvPr id="40" name="正方形/長方形 39"/>
+          <p:cNvSpPr/>
+          <p:nvPr/>
+        </p:nvSpPr>
+        <p:spPr>
+          <a:xfrm>
+            <a:off x="6136249" y="563867"/>
+            <a:ext cx="1095376" cy="501650"/>
+          </a:xfrm>
+          <a:prstGeom prst="rect">
+            <a:avLst/>
+          </a:prstGeom>
+          <a:noFill/>
+          <a:ln>
+            <a:solidFill>
+              <a:schemeClr val="tx1"/>
+            </a:solidFill>
+          </a:ln>
+        </p:spPr>
+        <p:style>
+          <a:lnRef idx="2">
+            <a:schemeClr val="accent1">
+              <a:shade val="50000"/>
+            </a:schemeClr>
+          </a:lnRef>
+          <a:fillRef idx="1">
+            <a:schemeClr val="accent1"/>
+          </a:fillRef>
+          <a:effectRef idx="0">
+            <a:schemeClr val="accent1"/>
+          </a:effectRef>
+          <a:fontRef idx="minor">
+            <a:schemeClr val="lt1"/>
+          </a:fontRef>
+        </p:style>
+        <p:txBody>
+          <a:bodyPr rtlCol="0" anchor="ctr"/>
+          <a:lstStyle/>
+          <a:p>
+            <a:pPr algn="ctr"/>
+            <a:r>
+              <a:rPr kumimoji="1" lang="en-US" altLang="ja-JP" sz="2800" dirty="0" smtClean="0">
+                <a:solidFill>
+                  <a:schemeClr val="tx1"/>
+                </a:solidFill>
+              </a:rPr>
+              <a:t>Time3</a:t>
+            </a:r>
+            <a:endParaRPr kumimoji="1" lang="ja-JP" altLang="en-US" sz="2800" dirty="0">
+              <a:solidFill>
+                <a:schemeClr val="tx1"/>
+              </a:solidFill>
+            </a:endParaRPr>
+          </a:p>
+        </p:txBody>
+      </p:sp>
+      <p:cxnSp>
+        <p:nvCxnSpPr>
+          <p:cNvPr id="41" name="直線矢印コネクタ 40"/>
+          <p:cNvCxnSpPr>
+            <a:stCxn id="27" idx="3"/>
+            <a:endCxn id="40" idx="1"/>
+          </p:cNvCxnSpPr>
+          <p:nvPr/>
+        </p:nvCxnSpPr>
+        <p:spPr>
+          <a:xfrm>
+            <a:off x="5574659" y="814692"/>
+            <a:ext cx="561590" cy="0"/>
+          </a:xfrm>
+          <a:prstGeom prst="straightConnector1">
+            <a:avLst/>
+          </a:prstGeom>
+          <a:ln w="12700">
+            <a:solidFill>
+              <a:schemeClr val="tx1"/>
+            </a:solidFill>
+            <a:prstDash val="sysDash"/>
+            <a:tailEnd type="triangle"/>
+          </a:ln>
+        </p:spPr>
+        <p:style>
+          <a:lnRef idx="1">
+            <a:schemeClr val="accent1"/>
+          </a:lnRef>
+          <a:fillRef idx="0">
+            <a:schemeClr val="accent1"/>
+          </a:fillRef>
+          <a:effectRef idx="0">
+            <a:schemeClr val="accent1"/>
+          </a:effectRef>
+          <a:fontRef idx="minor">
+            <a:schemeClr val="tx1"/>
+          </a:fontRef>
+        </p:style>
+      </p:cxnSp>
+      <p:cxnSp>
+        <p:nvCxnSpPr>
+          <p:cNvPr id="45" name="直線矢印コネクタ 44"/>
+          <p:cNvCxnSpPr>
+            <a:endCxn id="40" idx="2"/>
+          </p:cNvCxnSpPr>
+          <p:nvPr/>
+        </p:nvCxnSpPr>
+        <p:spPr>
+          <a:xfrm flipH="1" flipV="1">
+            <a:off x="6683937" y="1065517"/>
+            <a:ext cx="4916" cy="356005"/>
+          </a:xfrm>
+          <a:prstGeom prst="straightConnector1">
+            <a:avLst/>
+          </a:prstGeom>
+          <a:ln w="12700">
+            <a:solidFill>
+              <a:schemeClr val="tx1"/>
+            </a:solidFill>
+            <a:prstDash val="solid"/>
+            <a:tailEnd type="triangle"/>
+          </a:ln>
+        </p:spPr>
+        <p:style>
+          <a:lnRef idx="1">
+            <a:schemeClr val="accent1"/>
+          </a:lnRef>
+          <a:fillRef idx="0">
+            <a:schemeClr val="accent1"/>
+          </a:fillRef>
+          <a:effectRef idx="0">
+            <a:schemeClr val="accent1"/>
+          </a:effectRef>
+          <a:fontRef idx="minor">
+            <a:schemeClr val="tx1"/>
+          </a:fontRef>
+        </p:style>
+      </p:cxnSp>
+      <p:sp>
+        <p:nvSpPr>
+          <p:cNvPr id="55" name="角丸四角形 54"/>
+          <p:cNvSpPr/>
+          <p:nvPr/>
+        </p:nvSpPr>
+        <p:spPr>
+          <a:xfrm>
+            <a:off x="2683804" y="1421521"/>
+            <a:ext cx="1382233" cy="811315"/>
+          </a:xfrm>
+          <a:prstGeom prst="roundRect">
+            <a:avLst>
+              <a:gd name="adj" fmla="val 21972"/>
+            </a:avLst>
+          </a:prstGeom>
+          <a:noFill/>
+          <a:ln>
+            <a:solidFill>
+              <a:schemeClr val="tx1"/>
+            </a:solidFill>
+          </a:ln>
+        </p:spPr>
+        <p:style>
+          <a:lnRef idx="2">
+            <a:schemeClr val="accent1">
+              <a:shade val="50000"/>
+            </a:schemeClr>
+          </a:lnRef>
+          <a:fillRef idx="1">
+            <a:schemeClr val="accent1"/>
+          </a:fillRef>
+          <a:effectRef idx="0">
+            <a:schemeClr val="accent1"/>
+          </a:effectRef>
+          <a:fontRef idx="minor">
+            <a:schemeClr val="lt1"/>
+          </a:fontRef>
+        </p:style>
+        <p:txBody>
+          <a:bodyPr rtlCol="0" anchor="ctr"/>
+          <a:lstStyle/>
+          <a:p>
+            <a:pPr algn="ctr"/>
+            <a:r>
+              <a:rPr lang="en-US" altLang="ja-JP" sz="2800" dirty="0" smtClean="0">
+                <a:solidFill>
+                  <a:schemeClr val="tx1"/>
+                </a:solidFill>
+              </a:rPr>
+              <a:t>State1</a:t>
+            </a:r>
+          </a:p>
+          <a:p>
+            <a:pPr algn="ctr"/>
+            <a:r>
+              <a:rPr lang="en-US" altLang="ja-JP" sz="2000" dirty="0">
+                <a:solidFill>
+                  <a:schemeClr val="tx1"/>
+                </a:solidFill>
+              </a:rPr>
+              <a:t>[</a:t>
+            </a:r>
+            <a:r>
+              <a:rPr lang="en-US" altLang="ja-JP" sz="2000" dirty="0" err="1" smtClean="0">
+                <a:solidFill>
+                  <a:schemeClr val="tx1"/>
+                </a:solidFill>
+              </a:rPr>
+              <a:t>eq</a:t>
+            </a:r>
+            <a:r>
+              <a:rPr lang="en-US" altLang="ja-JP" sz="2000" dirty="0" smtClean="0">
+                <a:solidFill>
+                  <a:schemeClr val="tx1"/>
+                </a:solidFill>
+              </a:rPr>
+              <a:t> = EQ0]</a:t>
+            </a:r>
+            <a:endParaRPr kumimoji="1" lang="en-US" altLang="ja-JP" sz="2000" dirty="0" smtClean="0">
+              <a:solidFill>
+                <a:schemeClr val="tx1"/>
+              </a:solidFill>
+            </a:endParaRPr>
+          </a:p>
+        </p:txBody>
+      </p:sp>
+      <p:sp>
+        <p:nvSpPr>
+          <p:cNvPr id="56" name="角丸四角形 55"/>
+          <p:cNvSpPr/>
+          <p:nvPr/>
+        </p:nvSpPr>
+        <p:spPr>
+          <a:xfrm>
+            <a:off x="4338312" y="1421520"/>
+            <a:ext cx="1382233" cy="811315"/>
+          </a:xfrm>
+          <a:prstGeom prst="roundRect">
+            <a:avLst>
+              <a:gd name="adj" fmla="val 21972"/>
+            </a:avLst>
+          </a:prstGeom>
+          <a:noFill/>
+          <a:ln>
+            <a:solidFill>
+              <a:schemeClr val="tx1"/>
+            </a:solidFill>
+          </a:ln>
+        </p:spPr>
+        <p:style>
+          <a:lnRef idx="2">
+            <a:schemeClr val="accent1">
+              <a:shade val="50000"/>
+            </a:schemeClr>
+          </a:lnRef>
+          <a:fillRef idx="1">
+            <a:schemeClr val="accent1"/>
+          </a:fillRef>
+          <a:effectRef idx="0">
+            <a:schemeClr val="accent1"/>
+          </a:effectRef>
+          <a:fontRef idx="minor">
+            <a:schemeClr val="lt1"/>
+          </a:fontRef>
+        </p:style>
+        <p:txBody>
+          <a:bodyPr rtlCol="0" anchor="ctr"/>
+          <a:lstStyle/>
+          <a:p>
+            <a:pPr algn="ctr"/>
+            <a:r>
+              <a:rPr lang="en-US" altLang="ja-JP" sz="2800" dirty="0" smtClean="0">
+                <a:solidFill>
+                  <a:schemeClr val="tx1"/>
+                </a:solidFill>
+              </a:rPr>
+              <a:t>State2</a:t>
+            </a:r>
+          </a:p>
+          <a:p>
+            <a:pPr algn="ctr"/>
+            <a:r>
+              <a:rPr lang="en-US" altLang="ja-JP" sz="2000" dirty="0">
+                <a:solidFill>
+                  <a:schemeClr val="tx1"/>
+                </a:solidFill>
+              </a:rPr>
+              <a:t>[</a:t>
+            </a:r>
+            <a:r>
+              <a:rPr lang="en-US" altLang="ja-JP" sz="2000" dirty="0" err="1" smtClean="0">
+                <a:solidFill>
+                  <a:schemeClr val="tx1"/>
+                </a:solidFill>
+              </a:rPr>
+              <a:t>eq</a:t>
+            </a:r>
+            <a:r>
+              <a:rPr lang="en-US" altLang="ja-JP" sz="2000" dirty="0" smtClean="0">
+                <a:solidFill>
+                  <a:schemeClr val="tx1"/>
+                </a:solidFill>
+              </a:rPr>
+              <a:t> = EQ1]</a:t>
+            </a:r>
+            <a:endParaRPr kumimoji="1" lang="en-US" altLang="ja-JP" sz="2000" dirty="0" smtClean="0">
+              <a:solidFill>
+                <a:schemeClr val="tx1"/>
+              </a:solidFill>
+            </a:endParaRPr>
+          </a:p>
+        </p:txBody>
+      </p:sp>
+      <p:sp>
+        <p:nvSpPr>
+          <p:cNvPr id="57" name="角丸四角形 56"/>
+          <p:cNvSpPr/>
+          <p:nvPr/>
+        </p:nvSpPr>
+        <p:spPr>
+          <a:xfrm>
+            <a:off x="5992820" y="1421520"/>
+            <a:ext cx="1382233" cy="811315"/>
+          </a:xfrm>
+          <a:prstGeom prst="roundRect">
+            <a:avLst>
+              <a:gd name="adj" fmla="val 21972"/>
+            </a:avLst>
+          </a:prstGeom>
+          <a:noFill/>
+          <a:ln>
+            <a:solidFill>
+              <a:schemeClr val="tx1"/>
+            </a:solidFill>
+          </a:ln>
+        </p:spPr>
+        <p:style>
+          <a:lnRef idx="2">
+            <a:schemeClr val="accent1">
+              <a:shade val="50000"/>
+            </a:schemeClr>
+          </a:lnRef>
+          <a:fillRef idx="1">
+            <a:schemeClr val="accent1"/>
+          </a:fillRef>
+          <a:effectRef idx="0">
+            <a:schemeClr val="accent1"/>
+          </a:effectRef>
+          <a:fontRef idx="minor">
+            <a:schemeClr val="lt1"/>
+          </a:fontRef>
+        </p:style>
+        <p:txBody>
+          <a:bodyPr rtlCol="0" anchor="ctr"/>
+          <a:lstStyle/>
+          <a:p>
+            <a:pPr algn="ctr"/>
+            <a:r>
+              <a:rPr lang="en-US" altLang="ja-JP" sz="2800" dirty="0" smtClean="0">
+                <a:solidFill>
+                  <a:schemeClr val="tx1"/>
+                </a:solidFill>
+              </a:rPr>
+              <a:t>State3</a:t>
+            </a:r>
+          </a:p>
+          <a:p>
+            <a:pPr algn="ctr"/>
+            <a:r>
+              <a:rPr lang="en-US" altLang="ja-JP" sz="2000" dirty="0">
+                <a:solidFill>
+                  <a:schemeClr val="tx1"/>
+                </a:solidFill>
+              </a:rPr>
+              <a:t>[</a:t>
+            </a:r>
+            <a:r>
+              <a:rPr lang="en-US" altLang="ja-JP" sz="2000" dirty="0" err="1" smtClean="0">
+                <a:solidFill>
+                  <a:schemeClr val="tx1"/>
+                </a:solidFill>
+              </a:rPr>
+              <a:t>eq</a:t>
+            </a:r>
+            <a:r>
+              <a:rPr lang="en-US" altLang="ja-JP" sz="2000" dirty="0" smtClean="0">
+                <a:solidFill>
+                  <a:schemeClr val="tx1"/>
+                </a:solidFill>
+              </a:rPr>
+              <a:t> = EQ1]</a:t>
+            </a:r>
+            <a:endParaRPr kumimoji="1" lang="en-US" altLang="ja-JP" sz="2000" dirty="0" smtClean="0">
+              <a:solidFill>
+                <a:schemeClr val="tx1"/>
+              </a:solidFill>
+            </a:endParaRPr>
+          </a:p>
+        </p:txBody>
+      </p:sp>
+      <p:cxnSp>
+        <p:nvCxnSpPr>
+          <p:cNvPr id="69" name="カギ線コネクタ 68"/>
+          <p:cNvCxnSpPr>
+            <a:stCxn id="38" idx="2"/>
+            <a:endCxn id="55" idx="2"/>
+          </p:cNvCxnSpPr>
+          <p:nvPr/>
+        </p:nvCxnSpPr>
+        <p:spPr>
+          <a:xfrm rot="5400000" flipH="1" flipV="1">
+            <a:off x="2548894" y="1406811"/>
+            <a:ext cx="1" cy="1652052"/>
+          </a:xfrm>
+          <a:prstGeom prst="bentConnector3">
+            <a:avLst>
+              <a:gd name="adj1" fmla="val -22860000000"/>
+            </a:avLst>
+          </a:prstGeom>
+          <a:ln w="12700">
+            <a:solidFill>
+              <a:schemeClr val="tx1"/>
+            </a:solidFill>
+            <a:prstDash val="solid"/>
+            <a:tailEnd type="none"/>
+          </a:ln>
+        </p:spPr>
+        <p:style>
+          <a:lnRef idx="1">
+            <a:schemeClr val="accent1"/>
+          </a:lnRef>
+          <a:fillRef idx="0">
+            <a:schemeClr val="accent1"/>
+          </a:fillRef>
+          <a:effectRef idx="0">
+            <a:schemeClr val="accent1"/>
+          </a:effectRef>
+          <a:fontRef idx="minor">
+            <a:schemeClr val="tx1"/>
+          </a:fontRef>
+        </p:style>
+      </p:cxnSp>
+      <p:cxnSp>
+        <p:nvCxnSpPr>
+          <p:cNvPr id="95" name="カギ線コネクタ 94"/>
+          <p:cNvCxnSpPr>
+            <a:stCxn id="56" idx="2"/>
+            <a:endCxn id="57" idx="2"/>
+          </p:cNvCxnSpPr>
+          <p:nvPr/>
+        </p:nvCxnSpPr>
+        <p:spPr>
+          <a:xfrm rot="16200000" flipH="1">
+            <a:off x="5856683" y="1405581"/>
+            <a:ext cx="12700" cy="1654508"/>
+          </a:xfrm>
+          <a:prstGeom prst="bentConnector3">
+            <a:avLst>
+              <a:gd name="adj1" fmla="val 1800000"/>
+            </a:avLst>
+          </a:prstGeom>
+          <a:ln w="12700">
+            <a:solidFill>
+              <a:schemeClr val="tx1"/>
+            </a:solidFill>
+            <a:prstDash val="solid"/>
+            <a:tailEnd type="none"/>
+          </a:ln>
+        </p:spPr>
+        <p:style>
+          <a:lnRef idx="1">
+            <a:schemeClr val="accent1"/>
+          </a:lnRef>
+          <a:fillRef idx="0">
+            <a:schemeClr val="accent1"/>
+          </a:fillRef>
+          <a:effectRef idx="0">
+            <a:schemeClr val="accent1"/>
+          </a:effectRef>
+          <a:fontRef idx="minor">
+            <a:schemeClr val="tx1"/>
+          </a:fontRef>
+        </p:style>
+      </p:cxnSp>
+      <p:sp>
+        <p:nvSpPr>
+          <p:cNvPr id="98" name="テキスト ボックス 97"/>
+          <p:cNvSpPr txBox="1"/>
+          <p:nvPr/>
+        </p:nvSpPr>
+        <p:spPr>
+          <a:xfrm flipH="1">
+            <a:off x="1513393" y="2420036"/>
+            <a:ext cx="2083450" cy="400110"/>
+          </a:xfrm>
+          <a:prstGeom prst="rect">
+            <a:avLst/>
+          </a:prstGeom>
+          <a:noFill/>
+        </p:spPr>
+        <p:txBody>
+          <a:bodyPr wrap="square" rtlCol="0">
+            <a:spAutoFit/>
+          </a:bodyPr>
+          <a:lstStyle/>
+          <a:p>
+            <a:r>
+              <a:rPr kumimoji="1" lang="en-US" altLang="ja-JP" sz="2000" dirty="0" smtClean="0"/>
+              <a:t>StateTransaction0</a:t>
+            </a:r>
+            <a:endParaRPr kumimoji="1" lang="ja-JP" altLang="en-US" sz="2000" dirty="0"/>
+          </a:p>
+        </p:txBody>
+      </p:sp>
+      <p:sp>
+        <p:nvSpPr>
+          <p:cNvPr id="99" name="テキスト ボックス 98"/>
+          <p:cNvSpPr txBox="1"/>
+          <p:nvPr/>
+        </p:nvSpPr>
+        <p:spPr>
+          <a:xfrm flipH="1">
+            <a:off x="4813729" y="2420036"/>
+            <a:ext cx="2083450" cy="400110"/>
+          </a:xfrm>
+          <a:prstGeom prst="rect">
+            <a:avLst/>
+          </a:prstGeom>
+          <a:noFill/>
+        </p:spPr>
+        <p:txBody>
+          <a:bodyPr wrap="square" rtlCol="0">
+            <a:spAutoFit/>
+          </a:bodyPr>
+          <a:lstStyle/>
+          <a:p>
+            <a:r>
+              <a:rPr kumimoji="1" lang="en-US" altLang="ja-JP" sz="2000" dirty="0" smtClean="0"/>
+              <a:t>StateTransaction1</a:t>
+            </a:r>
+            <a:endParaRPr kumimoji="1" lang="ja-JP" altLang="en-US" sz="2000" dirty="0"/>
+          </a:p>
+        </p:txBody>
+      </p:sp>
+      <p:sp>
+        <p:nvSpPr>
+          <p:cNvPr id="28" name="テキスト ボックス 27"/>
+          <p:cNvSpPr txBox="1"/>
+          <p:nvPr/>
+        </p:nvSpPr>
+        <p:spPr>
+          <a:xfrm>
+            <a:off x="1844455" y="2907722"/>
+            <a:ext cx="4717895" cy="646331"/>
+          </a:xfrm>
+          <a:prstGeom prst="rect">
+            <a:avLst/>
+          </a:prstGeom>
+          <a:noFill/>
+          <a:ln w="19050">
+            <a:solidFill>
+              <a:schemeClr val="tx1"/>
+            </a:solidFill>
+            <a:prstDash val="sysDot"/>
+          </a:ln>
+        </p:spPr>
+        <p:txBody>
+          <a:bodyPr wrap="none" rtlCol="0">
+            <a:spAutoFit/>
+          </a:bodyPr>
+          <a:lstStyle/>
+          <a:p>
+            <a:r>
+              <a:rPr kumimoji="1" lang="en-US" altLang="ja-JP" dirty="0" err="1" smtClean="0"/>
+              <a:t>FirstState</a:t>
+            </a:r>
+            <a:r>
+              <a:rPr kumimoji="1" lang="en-US" altLang="ja-JP" dirty="0" smtClean="0"/>
+              <a:t>[State0] = true, </a:t>
+            </a:r>
+            <a:r>
+              <a:rPr kumimoji="1" lang="en-US" altLang="ja-JP" dirty="0" err="1" smtClean="0"/>
+              <a:t>FistState</a:t>
+            </a:r>
+            <a:r>
+              <a:rPr kumimoji="1" lang="en-US" altLang="ja-JP" dirty="0" smtClean="0"/>
+              <a:t>[State1] = false</a:t>
+            </a:r>
+          </a:p>
+          <a:p>
+            <a:r>
+              <a:rPr lang="en-US" altLang="ja-JP" dirty="0" err="1" smtClean="0"/>
+              <a:t>FirstState</a:t>
+            </a:r>
+            <a:r>
+              <a:rPr lang="en-US" altLang="ja-JP" dirty="0" smtClean="0"/>
+              <a:t>[State2] </a:t>
+            </a:r>
+            <a:r>
+              <a:rPr lang="en-US" altLang="ja-JP" dirty="0"/>
+              <a:t>= true, </a:t>
+            </a:r>
+            <a:r>
+              <a:rPr lang="en-US" altLang="ja-JP" dirty="0" err="1" smtClean="0"/>
+              <a:t>FistState</a:t>
+            </a:r>
+            <a:r>
+              <a:rPr lang="en-US" altLang="ja-JP" dirty="0" smtClean="0"/>
+              <a:t>[State3] </a:t>
+            </a:r>
+            <a:r>
+              <a:rPr lang="en-US" altLang="ja-JP" dirty="0"/>
+              <a:t>= </a:t>
+            </a:r>
+            <a:r>
+              <a:rPr lang="en-US" altLang="ja-JP" dirty="0" smtClean="0"/>
+              <a:t>false</a:t>
+            </a:r>
+            <a:endParaRPr lang="en-US" altLang="ja-JP" dirty="0"/>
+          </a:p>
+        </p:txBody>
+      </p:sp>
+    </p:spTree>
+    <p:extLst>
+      <p:ext uri="{BB962C8B-B14F-4D97-AF65-F5344CB8AC3E}">
+        <p14:creationId xmlns:p14="http://schemas.microsoft.com/office/powerpoint/2010/main" val="2958306044"/>
       </p:ext>
     </p:extLst>
   </p:cSld>

--- a/fig/fig.pptx
+++ b/fig/fig.pptx
@@ -5,7 +5,7 @@
     <p:sldMasterId id="2147483648" r:id="rId1"/>
   </p:sldMasterIdLst>
   <p:notesMasterIdLst>
-    <p:notesMasterId r:id="rId9"/>
+    <p:notesMasterId r:id="rId11"/>
   </p:notesMasterIdLst>
   <p:sldIdLst>
     <p:sldId id="256" r:id="rId2"/>
@@ -15,6 +15,8 @@
     <p:sldId id="260" r:id="rId6"/>
     <p:sldId id="262" r:id="rId7"/>
     <p:sldId id="263" r:id="rId8"/>
+    <p:sldId id="264" r:id="rId9"/>
+    <p:sldId id="265" r:id="rId10"/>
   </p:sldIdLst>
   <p:sldSz cx="12192000" cy="6858000"/>
   <p:notesSz cx="6858000" cy="9144000"/>
@@ -203,7 +205,7 @@
           <a:p>
             <a:fld id="{5132F9E5-22C7-4D67-BFE7-9836B898E847}" type="datetimeFigureOut">
               <a:rPr kumimoji="1" lang="ja-JP" altLang="en-US" smtClean="0"/>
-              <a:t>2018/1/22</a:t>
+              <a:t>2018/1/30</a:t>
             </a:fld>
             <a:endParaRPr kumimoji="1" lang="ja-JP" altLang="en-US"/>
           </a:p>
@@ -718,7 +720,7 @@
           <a:p>
             <a:fld id="{ABA9A1D1-5B79-412D-8149-C192A605B75C}" type="datetimeFigureOut">
               <a:rPr kumimoji="1" lang="ja-JP" altLang="en-US" smtClean="0"/>
-              <a:t>2018/1/22</a:t>
+              <a:t>2018/1/30</a:t>
             </a:fld>
             <a:endParaRPr kumimoji="1" lang="ja-JP" altLang="en-US"/>
           </a:p>
@@ -920,7 +922,7 @@
           <a:p>
             <a:fld id="{ABA9A1D1-5B79-412D-8149-C192A605B75C}" type="datetimeFigureOut">
               <a:rPr kumimoji="1" lang="ja-JP" altLang="en-US" smtClean="0"/>
-              <a:t>2018/1/22</a:t>
+              <a:t>2018/1/30</a:t>
             </a:fld>
             <a:endParaRPr kumimoji="1" lang="ja-JP" altLang="en-US"/>
           </a:p>
@@ -1132,7 +1134,7 @@
           <a:p>
             <a:fld id="{ABA9A1D1-5B79-412D-8149-C192A605B75C}" type="datetimeFigureOut">
               <a:rPr kumimoji="1" lang="ja-JP" altLang="en-US" smtClean="0"/>
-              <a:t>2018/1/22</a:t>
+              <a:t>2018/1/30</a:t>
             </a:fld>
             <a:endParaRPr kumimoji="1" lang="ja-JP" altLang="en-US"/>
           </a:p>
@@ -1334,7 +1336,7 @@
           <a:p>
             <a:fld id="{ABA9A1D1-5B79-412D-8149-C192A605B75C}" type="datetimeFigureOut">
               <a:rPr kumimoji="1" lang="ja-JP" altLang="en-US" smtClean="0"/>
-              <a:t>2018/1/22</a:t>
+              <a:t>2018/1/30</a:t>
             </a:fld>
             <a:endParaRPr kumimoji="1" lang="ja-JP" altLang="en-US"/>
           </a:p>
@@ -1580,7 +1582,7 @@
           <a:p>
             <a:fld id="{ABA9A1D1-5B79-412D-8149-C192A605B75C}" type="datetimeFigureOut">
               <a:rPr kumimoji="1" lang="ja-JP" altLang="en-US" smtClean="0"/>
-              <a:t>2018/1/22</a:t>
+              <a:t>2018/1/30</a:t>
             </a:fld>
             <a:endParaRPr kumimoji="1" lang="ja-JP" altLang="en-US"/>
           </a:p>
@@ -1876,7 +1878,7 @@
           <a:p>
             <a:fld id="{ABA9A1D1-5B79-412D-8149-C192A605B75C}" type="datetimeFigureOut">
               <a:rPr kumimoji="1" lang="ja-JP" altLang="en-US" smtClean="0"/>
-              <a:t>2018/1/22</a:t>
+              <a:t>2018/1/30</a:t>
             </a:fld>
             <a:endParaRPr kumimoji="1" lang="ja-JP" altLang="en-US"/>
           </a:p>
@@ -2307,7 +2309,7 @@
           <a:p>
             <a:fld id="{ABA9A1D1-5B79-412D-8149-C192A605B75C}" type="datetimeFigureOut">
               <a:rPr kumimoji="1" lang="ja-JP" altLang="en-US" smtClean="0"/>
-              <a:t>2018/1/22</a:t>
+              <a:t>2018/1/30</a:t>
             </a:fld>
             <a:endParaRPr kumimoji="1" lang="ja-JP" altLang="en-US"/>
           </a:p>
@@ -2425,7 +2427,7 @@
           <a:p>
             <a:fld id="{ABA9A1D1-5B79-412D-8149-C192A605B75C}" type="datetimeFigureOut">
               <a:rPr kumimoji="1" lang="ja-JP" altLang="en-US" smtClean="0"/>
-              <a:t>2018/1/22</a:t>
+              <a:t>2018/1/30</a:t>
             </a:fld>
             <a:endParaRPr kumimoji="1" lang="ja-JP" altLang="en-US"/>
           </a:p>
@@ -2520,7 +2522,7 @@
           <a:p>
             <a:fld id="{ABA9A1D1-5B79-412D-8149-C192A605B75C}" type="datetimeFigureOut">
               <a:rPr kumimoji="1" lang="ja-JP" altLang="en-US" smtClean="0"/>
-              <a:t>2018/1/22</a:t>
+              <a:t>2018/1/30</a:t>
             </a:fld>
             <a:endParaRPr kumimoji="1" lang="ja-JP" altLang="en-US"/>
           </a:p>
@@ -2829,7 +2831,7 @@
           <a:p>
             <a:fld id="{ABA9A1D1-5B79-412D-8149-C192A605B75C}" type="datetimeFigureOut">
               <a:rPr kumimoji="1" lang="ja-JP" altLang="en-US" smtClean="0"/>
-              <a:t>2018/1/22</a:t>
+              <a:t>2018/1/30</a:t>
             </a:fld>
             <a:endParaRPr kumimoji="1" lang="ja-JP" altLang="en-US"/>
           </a:p>
@@ -3082,7 +3084,7 @@
           <a:p>
             <a:fld id="{ABA9A1D1-5B79-412D-8149-C192A605B75C}" type="datetimeFigureOut">
               <a:rPr kumimoji="1" lang="ja-JP" altLang="en-US" smtClean="0"/>
-              <a:t>2018/1/22</a:t>
+              <a:t>2018/1/30</a:t>
             </a:fld>
             <a:endParaRPr kumimoji="1" lang="ja-JP" altLang="en-US"/>
           </a:p>
@@ -3327,7 +3329,7 @@
           <a:p>
             <a:fld id="{ABA9A1D1-5B79-412D-8149-C192A605B75C}" type="datetimeFigureOut">
               <a:rPr kumimoji="1" lang="ja-JP" altLang="en-US" smtClean="0"/>
-              <a:t>2018/1/22</a:t>
+              <a:t>2018/1/30</a:t>
             </a:fld>
             <a:endParaRPr kumimoji="1" lang="ja-JP" altLang="en-US"/>
           </a:p>
@@ -13538,6 +13540,2821 @@
 </p:sld>
 </file>
 
+<file path=ppt/slides/slide8.xml><?xml version="1.0" encoding="utf-8"?>
+<p:sld xmlns:a="http://schemas.openxmlformats.org/drawingml/2006/main" xmlns:r="http://schemas.openxmlformats.org/officeDocument/2006/relationships" xmlns:p="http://schemas.openxmlformats.org/presentationml/2006/main">
+  <p:cSld>
+    <p:spTree>
+      <p:nvGrpSpPr>
+        <p:cNvPr id="1" name=""/>
+        <p:cNvGrpSpPr/>
+        <p:nvPr/>
+      </p:nvGrpSpPr>
+      <p:grpSpPr>
+        <a:xfrm>
+          <a:off x="0" y="0"/>
+          <a:ext cx="0" cy="0"/>
+          <a:chOff x="0" y="0"/>
+          <a:chExt cx="0" cy="0"/>
+        </a:xfrm>
+      </p:grpSpPr>
+      <p:sp>
+        <p:nvSpPr>
+          <p:cNvPr id="108" name="正方形/長方形 107"/>
+          <p:cNvSpPr/>
+          <p:nvPr/>
+        </p:nvSpPr>
+        <p:spPr>
+          <a:xfrm>
+            <a:off x="786325" y="681544"/>
+            <a:ext cx="7713562" cy="4507143"/>
+          </a:xfrm>
+          <a:prstGeom prst="rect">
+            <a:avLst/>
+          </a:prstGeom>
+          <a:solidFill>
+            <a:schemeClr val="bg1"/>
+          </a:solidFill>
+          <a:ln>
+            <a:solidFill>
+              <a:schemeClr val="bg1"/>
+            </a:solidFill>
+          </a:ln>
+        </p:spPr>
+        <p:style>
+          <a:lnRef idx="2">
+            <a:schemeClr val="accent1">
+              <a:shade val="50000"/>
+            </a:schemeClr>
+          </a:lnRef>
+          <a:fillRef idx="1">
+            <a:schemeClr val="accent1"/>
+          </a:fillRef>
+          <a:effectRef idx="0">
+            <a:schemeClr val="accent1"/>
+          </a:effectRef>
+          <a:fontRef idx="minor">
+            <a:schemeClr val="lt1"/>
+          </a:fontRef>
+        </p:style>
+        <p:txBody>
+          <a:bodyPr rot="0" spcFirstLastPara="0" vertOverflow="overflow" horzOverflow="overflow" vert="horz" wrap="square" lIns="91440" tIns="45720" rIns="91440" bIns="45720" numCol="1" spcCol="0" rtlCol="0" fromWordArt="0" anchor="ctr" anchorCtr="0" forceAA="0" compatLnSpc="1">
+            <a:prstTxWarp prst="textNoShape">
+              <a:avLst/>
+            </a:prstTxWarp>
+            <a:noAutofit/>
+          </a:bodyPr>
+          <a:lstStyle/>
+          <a:p>
+            <a:pPr algn="ctr"/>
+            <a:endParaRPr kumimoji="1" lang="ja-JP" altLang="en-US" sz="2000" dirty="0" smtClean="0">
+              <a:solidFill>
+                <a:schemeClr val="tx1"/>
+              </a:solidFill>
+            </a:endParaRPr>
+          </a:p>
+        </p:txBody>
+      </p:sp>
+      <p:sp>
+        <p:nvSpPr>
+          <p:cNvPr id="24" name="角丸四角形 23"/>
+          <p:cNvSpPr/>
+          <p:nvPr/>
+        </p:nvSpPr>
+        <p:spPr>
+          <a:xfrm>
+            <a:off x="805329" y="1586985"/>
+            <a:ext cx="2138168" cy="811315"/>
+          </a:xfrm>
+          <a:prstGeom prst="roundRect">
+            <a:avLst>
+              <a:gd name="adj" fmla="val 21972"/>
+            </a:avLst>
+          </a:prstGeom>
+          <a:noFill/>
+          <a:ln>
+            <a:solidFill>
+              <a:schemeClr val="tx1"/>
+            </a:solidFill>
+          </a:ln>
+        </p:spPr>
+        <p:style>
+          <a:lnRef idx="2">
+            <a:schemeClr val="accent1">
+              <a:shade val="50000"/>
+            </a:schemeClr>
+          </a:lnRef>
+          <a:fillRef idx="1">
+            <a:schemeClr val="accent1"/>
+          </a:fillRef>
+          <a:effectRef idx="0">
+            <a:schemeClr val="accent1"/>
+          </a:effectRef>
+          <a:fontRef idx="minor">
+            <a:schemeClr val="lt1"/>
+          </a:fontRef>
+        </p:style>
+        <p:txBody>
+          <a:bodyPr rtlCol="0" anchor="ctr"/>
+          <a:lstStyle/>
+          <a:p>
+            <a:pPr algn="ctr"/>
+            <a:r>
+              <a:rPr lang="en-US" altLang="ja-JP" sz="2800" dirty="0" smtClean="0">
+                <a:solidFill>
+                  <a:schemeClr val="tx1"/>
+                </a:solidFill>
+              </a:rPr>
+              <a:t>CacheState0</a:t>
+            </a:r>
+            <a:endParaRPr lang="en-US" altLang="ja-JP" sz="2800" dirty="0" smtClean="0">
+              <a:solidFill>
+                <a:schemeClr val="tx1"/>
+              </a:solidFill>
+            </a:endParaRPr>
+          </a:p>
+          <a:p>
+            <a:pPr algn="ctr"/>
+            <a:r>
+              <a:rPr lang="en-US" altLang="ja-JP" sz="2000" dirty="0">
+                <a:solidFill>
+                  <a:schemeClr val="tx1"/>
+                </a:solidFill>
+              </a:rPr>
+              <a:t>[</a:t>
+            </a:r>
+            <a:r>
+              <a:rPr lang="en-US" altLang="ja-JP" sz="2000" dirty="0" err="1" smtClean="0">
+                <a:solidFill>
+                  <a:schemeClr val="tx1"/>
+                </a:solidFill>
+              </a:rPr>
+              <a:t>eq</a:t>
+            </a:r>
+            <a:r>
+              <a:rPr lang="en-US" altLang="ja-JP" sz="2000" dirty="0" smtClean="0">
+                <a:solidFill>
+                  <a:schemeClr val="tx1"/>
+                </a:solidFill>
+              </a:rPr>
+              <a:t> = </a:t>
+            </a:r>
+            <a:r>
+              <a:rPr lang="en-US" altLang="ja-JP" sz="2000" dirty="0" smtClean="0">
+                <a:solidFill>
+                  <a:schemeClr val="tx1"/>
+                </a:solidFill>
+              </a:rPr>
+              <a:t>Cache0]</a:t>
+            </a:r>
+            <a:endParaRPr kumimoji="1" lang="en-US" altLang="ja-JP" sz="2000" dirty="0" smtClean="0">
+              <a:solidFill>
+                <a:schemeClr val="tx1"/>
+              </a:solidFill>
+            </a:endParaRPr>
+          </a:p>
+        </p:txBody>
+      </p:sp>
+      <p:sp>
+        <p:nvSpPr>
+          <p:cNvPr id="25" name="角丸四角形 24"/>
+          <p:cNvSpPr/>
+          <p:nvPr/>
+        </p:nvSpPr>
+        <p:spPr>
+          <a:xfrm>
+            <a:off x="3265501" y="1586984"/>
+            <a:ext cx="2138168" cy="811315"/>
+          </a:xfrm>
+          <a:prstGeom prst="roundRect">
+            <a:avLst>
+              <a:gd name="adj" fmla="val 21972"/>
+            </a:avLst>
+          </a:prstGeom>
+          <a:noFill/>
+          <a:ln>
+            <a:solidFill>
+              <a:schemeClr val="tx1"/>
+            </a:solidFill>
+          </a:ln>
+        </p:spPr>
+        <p:style>
+          <a:lnRef idx="2">
+            <a:schemeClr val="accent1">
+              <a:shade val="50000"/>
+            </a:schemeClr>
+          </a:lnRef>
+          <a:fillRef idx="1">
+            <a:schemeClr val="accent1"/>
+          </a:fillRef>
+          <a:effectRef idx="0">
+            <a:schemeClr val="accent1"/>
+          </a:effectRef>
+          <a:fontRef idx="minor">
+            <a:schemeClr val="lt1"/>
+          </a:fontRef>
+        </p:style>
+        <p:txBody>
+          <a:bodyPr rtlCol="0" anchor="ctr"/>
+          <a:lstStyle/>
+          <a:p>
+            <a:pPr algn="ctr"/>
+            <a:r>
+              <a:rPr lang="en-US" altLang="ja-JP" sz="2800" dirty="0" smtClean="0">
+                <a:solidFill>
+                  <a:schemeClr val="tx1"/>
+                </a:solidFill>
+              </a:rPr>
+              <a:t>CacheState1</a:t>
+            </a:r>
+            <a:endParaRPr lang="en-US" altLang="ja-JP" sz="2800" dirty="0" smtClean="0">
+              <a:solidFill>
+                <a:schemeClr val="tx1"/>
+              </a:solidFill>
+            </a:endParaRPr>
+          </a:p>
+          <a:p>
+            <a:pPr algn="ctr"/>
+            <a:r>
+              <a:rPr lang="en-US" altLang="ja-JP" sz="2000" dirty="0">
+                <a:solidFill>
+                  <a:schemeClr val="tx1"/>
+                </a:solidFill>
+              </a:rPr>
+              <a:t>[</a:t>
+            </a:r>
+            <a:r>
+              <a:rPr lang="en-US" altLang="ja-JP" sz="2000" dirty="0" err="1" smtClean="0">
+                <a:solidFill>
+                  <a:schemeClr val="tx1"/>
+                </a:solidFill>
+              </a:rPr>
+              <a:t>eq</a:t>
+            </a:r>
+            <a:r>
+              <a:rPr lang="en-US" altLang="ja-JP" sz="2000" dirty="0" smtClean="0">
+                <a:solidFill>
+                  <a:schemeClr val="tx1"/>
+                </a:solidFill>
+              </a:rPr>
+              <a:t> = </a:t>
+            </a:r>
+            <a:r>
+              <a:rPr lang="en-US" altLang="ja-JP" sz="2000" dirty="0" smtClean="0">
+                <a:solidFill>
+                  <a:schemeClr val="tx1"/>
+                </a:solidFill>
+              </a:rPr>
+              <a:t>Cache0]</a:t>
+            </a:r>
+            <a:endParaRPr kumimoji="1" lang="en-US" altLang="ja-JP" sz="2000" dirty="0" smtClean="0">
+              <a:solidFill>
+                <a:schemeClr val="tx1"/>
+              </a:solidFill>
+            </a:endParaRPr>
+          </a:p>
+        </p:txBody>
+      </p:sp>
+      <p:sp>
+        <p:nvSpPr>
+          <p:cNvPr id="26" name="角丸四角形 25"/>
+          <p:cNvSpPr/>
+          <p:nvPr/>
+        </p:nvSpPr>
+        <p:spPr>
+          <a:xfrm>
+            <a:off x="5725673" y="1586983"/>
+            <a:ext cx="2138168" cy="811315"/>
+          </a:xfrm>
+          <a:prstGeom prst="roundRect">
+            <a:avLst>
+              <a:gd name="adj" fmla="val 21972"/>
+            </a:avLst>
+          </a:prstGeom>
+          <a:noFill/>
+          <a:ln>
+            <a:solidFill>
+              <a:schemeClr val="tx1"/>
+            </a:solidFill>
+          </a:ln>
+        </p:spPr>
+        <p:style>
+          <a:lnRef idx="2">
+            <a:schemeClr val="accent1">
+              <a:shade val="50000"/>
+            </a:schemeClr>
+          </a:lnRef>
+          <a:fillRef idx="1">
+            <a:schemeClr val="accent1"/>
+          </a:fillRef>
+          <a:effectRef idx="0">
+            <a:schemeClr val="accent1"/>
+          </a:effectRef>
+          <a:fontRef idx="minor">
+            <a:schemeClr val="lt1"/>
+          </a:fontRef>
+        </p:style>
+        <p:txBody>
+          <a:bodyPr rtlCol="0" anchor="ctr"/>
+          <a:lstStyle/>
+          <a:p>
+            <a:pPr algn="ctr"/>
+            <a:r>
+              <a:rPr lang="en-US" altLang="ja-JP" sz="2800" dirty="0" smtClean="0">
+                <a:solidFill>
+                  <a:schemeClr val="tx1"/>
+                </a:solidFill>
+              </a:rPr>
+              <a:t>CacheState2</a:t>
+            </a:r>
+            <a:endParaRPr lang="en-US" altLang="ja-JP" sz="2800" dirty="0" smtClean="0">
+              <a:solidFill>
+                <a:schemeClr val="tx1"/>
+              </a:solidFill>
+            </a:endParaRPr>
+          </a:p>
+          <a:p>
+            <a:pPr algn="ctr"/>
+            <a:r>
+              <a:rPr lang="en-US" altLang="ja-JP" sz="2000" dirty="0">
+                <a:solidFill>
+                  <a:schemeClr val="tx1"/>
+                </a:solidFill>
+              </a:rPr>
+              <a:t>[</a:t>
+            </a:r>
+            <a:r>
+              <a:rPr lang="en-US" altLang="ja-JP" sz="2000" dirty="0" err="1" smtClean="0">
+                <a:solidFill>
+                  <a:schemeClr val="tx1"/>
+                </a:solidFill>
+              </a:rPr>
+              <a:t>eq</a:t>
+            </a:r>
+            <a:r>
+              <a:rPr lang="en-US" altLang="ja-JP" sz="2000" dirty="0" smtClean="0">
+                <a:solidFill>
+                  <a:schemeClr val="tx1"/>
+                </a:solidFill>
+              </a:rPr>
+              <a:t> = </a:t>
+            </a:r>
+            <a:r>
+              <a:rPr lang="en-US" altLang="ja-JP" sz="2000" dirty="0" smtClean="0">
+                <a:solidFill>
+                  <a:schemeClr val="tx1"/>
+                </a:solidFill>
+              </a:rPr>
+              <a:t>Cache0]</a:t>
+            </a:r>
+            <a:endParaRPr kumimoji="1" lang="en-US" altLang="ja-JP" sz="2000" dirty="0" smtClean="0">
+              <a:solidFill>
+                <a:schemeClr val="tx1"/>
+              </a:solidFill>
+            </a:endParaRPr>
+          </a:p>
+        </p:txBody>
+      </p:sp>
+      <p:sp>
+        <p:nvSpPr>
+          <p:cNvPr id="2" name="正方形/長方形 1"/>
+          <p:cNvSpPr/>
+          <p:nvPr/>
+        </p:nvSpPr>
+        <p:spPr>
+          <a:xfrm>
+            <a:off x="1845516" y="686462"/>
+            <a:ext cx="2554447" cy="455178"/>
+          </a:xfrm>
+          <a:prstGeom prst="rect">
+            <a:avLst/>
+          </a:prstGeom>
+          <a:noFill/>
+          <a:ln>
+            <a:solidFill>
+              <a:schemeClr val="tx1"/>
+            </a:solidFill>
+          </a:ln>
+        </p:spPr>
+        <p:style>
+          <a:lnRef idx="2">
+            <a:schemeClr val="accent1">
+              <a:shade val="50000"/>
+            </a:schemeClr>
+          </a:lnRef>
+          <a:fillRef idx="1">
+            <a:schemeClr val="accent1"/>
+          </a:fillRef>
+          <a:effectRef idx="0">
+            <a:schemeClr val="accent1"/>
+          </a:effectRef>
+          <a:fontRef idx="minor">
+            <a:schemeClr val="lt1"/>
+          </a:fontRef>
+        </p:style>
+        <p:txBody>
+          <a:bodyPr rtlCol="0" anchor="ctr"/>
+          <a:lstStyle/>
+          <a:p>
+            <a:pPr algn="ctr"/>
+            <a:r>
+              <a:rPr lang="en-US" altLang="ja-JP" sz="2400" dirty="0" smtClean="0">
+                <a:solidFill>
+                  <a:schemeClr val="tx1"/>
+                </a:solidFill>
+              </a:rPr>
+              <a:t>StateTransaction0</a:t>
+            </a:r>
+            <a:endParaRPr kumimoji="1" lang="ja-JP" altLang="en-US" sz="2400" dirty="0" smtClean="0">
+              <a:solidFill>
+                <a:schemeClr val="tx1"/>
+              </a:solidFill>
+            </a:endParaRPr>
+          </a:p>
+        </p:txBody>
+      </p:sp>
+      <p:sp>
+        <p:nvSpPr>
+          <p:cNvPr id="34" name="正方形/長方形 33"/>
+          <p:cNvSpPr/>
+          <p:nvPr/>
+        </p:nvSpPr>
+        <p:spPr>
+          <a:xfrm>
+            <a:off x="6061983" y="681545"/>
+            <a:ext cx="2437904" cy="455177"/>
+          </a:xfrm>
+          <a:prstGeom prst="rect">
+            <a:avLst/>
+          </a:prstGeom>
+          <a:noFill/>
+          <a:ln>
+            <a:solidFill>
+              <a:schemeClr val="tx1"/>
+            </a:solidFill>
+          </a:ln>
+        </p:spPr>
+        <p:style>
+          <a:lnRef idx="2">
+            <a:schemeClr val="accent1">
+              <a:shade val="50000"/>
+            </a:schemeClr>
+          </a:lnRef>
+          <a:fillRef idx="1">
+            <a:schemeClr val="accent1"/>
+          </a:fillRef>
+          <a:effectRef idx="0">
+            <a:schemeClr val="accent1"/>
+          </a:effectRef>
+          <a:fontRef idx="minor">
+            <a:schemeClr val="lt1"/>
+          </a:fontRef>
+        </p:style>
+        <p:txBody>
+          <a:bodyPr rtlCol="0" anchor="ctr"/>
+          <a:lstStyle/>
+          <a:p>
+            <a:pPr algn="ctr"/>
+            <a:r>
+              <a:rPr lang="en-US" altLang="ja-JP" sz="2400" dirty="0" smtClean="0">
+                <a:solidFill>
+                  <a:schemeClr val="tx1"/>
+                </a:solidFill>
+              </a:rPr>
+              <a:t>StateTransaction1</a:t>
+            </a:r>
+            <a:endParaRPr kumimoji="1" lang="ja-JP" altLang="en-US" sz="2400" dirty="0" smtClean="0">
+              <a:solidFill>
+                <a:schemeClr val="tx1"/>
+              </a:solidFill>
+            </a:endParaRPr>
+          </a:p>
+        </p:txBody>
+      </p:sp>
+      <p:cxnSp>
+        <p:nvCxnSpPr>
+          <p:cNvPr id="4" name="直線矢印コネクタ 3"/>
+          <p:cNvCxnSpPr>
+            <a:stCxn id="2" idx="2"/>
+            <a:endCxn id="24" idx="0"/>
+          </p:cNvCxnSpPr>
+          <p:nvPr/>
+        </p:nvCxnSpPr>
+        <p:spPr>
+          <a:xfrm flipH="1">
+            <a:off x="1874413" y="1141640"/>
+            <a:ext cx="1248327" cy="445345"/>
+          </a:xfrm>
+          <a:prstGeom prst="straightConnector1">
+            <a:avLst/>
+          </a:prstGeom>
+          <a:ln w="12700">
+            <a:solidFill>
+              <a:schemeClr val="tx1"/>
+            </a:solidFill>
+            <a:prstDash val="solid"/>
+            <a:headEnd w="lg" len="med"/>
+            <a:tailEnd type="triangle"/>
+          </a:ln>
+        </p:spPr>
+        <p:style>
+          <a:lnRef idx="1">
+            <a:schemeClr val="accent1"/>
+          </a:lnRef>
+          <a:fillRef idx="0">
+            <a:schemeClr val="accent1"/>
+          </a:fillRef>
+          <a:effectRef idx="0">
+            <a:schemeClr val="accent1"/>
+          </a:effectRef>
+          <a:fontRef idx="minor">
+            <a:schemeClr val="tx1"/>
+          </a:fontRef>
+        </p:style>
+      </p:cxnSp>
+      <p:cxnSp>
+        <p:nvCxnSpPr>
+          <p:cNvPr id="6" name="直線矢印コネクタ 5"/>
+          <p:cNvCxnSpPr>
+            <a:stCxn id="2" idx="2"/>
+            <a:endCxn id="25" idx="0"/>
+          </p:cNvCxnSpPr>
+          <p:nvPr/>
+        </p:nvCxnSpPr>
+        <p:spPr>
+          <a:xfrm>
+            <a:off x="3122740" y="1141640"/>
+            <a:ext cx="1211845" cy="445344"/>
+          </a:xfrm>
+          <a:prstGeom prst="straightConnector1">
+            <a:avLst/>
+          </a:prstGeom>
+          <a:ln w="12700">
+            <a:solidFill>
+              <a:schemeClr val="tx1"/>
+            </a:solidFill>
+            <a:prstDash val="solid"/>
+            <a:headEnd w="lg" len="med"/>
+            <a:tailEnd type="triangle"/>
+          </a:ln>
+        </p:spPr>
+        <p:style>
+          <a:lnRef idx="1">
+            <a:schemeClr val="accent1"/>
+          </a:lnRef>
+          <a:fillRef idx="0">
+            <a:schemeClr val="accent1"/>
+          </a:fillRef>
+          <a:effectRef idx="0">
+            <a:schemeClr val="accent1"/>
+          </a:effectRef>
+          <a:fontRef idx="minor">
+            <a:schemeClr val="tx1"/>
+          </a:fontRef>
+        </p:style>
+      </p:cxnSp>
+      <p:cxnSp>
+        <p:nvCxnSpPr>
+          <p:cNvPr id="10" name="直線矢印コネクタ 9"/>
+          <p:cNvCxnSpPr>
+            <a:stCxn id="34" idx="2"/>
+            <a:endCxn id="26" idx="0"/>
+          </p:cNvCxnSpPr>
+          <p:nvPr/>
+        </p:nvCxnSpPr>
+        <p:spPr>
+          <a:xfrm flipH="1">
+            <a:off x="6794757" y="1136722"/>
+            <a:ext cx="486178" cy="450261"/>
+          </a:xfrm>
+          <a:prstGeom prst="straightConnector1">
+            <a:avLst/>
+          </a:prstGeom>
+          <a:ln w="12700">
+            <a:solidFill>
+              <a:schemeClr val="tx1"/>
+            </a:solidFill>
+            <a:prstDash val="solid"/>
+            <a:headEnd w="lg" len="med"/>
+            <a:tailEnd type="triangle"/>
+          </a:ln>
+        </p:spPr>
+        <p:style>
+          <a:lnRef idx="1">
+            <a:schemeClr val="accent1"/>
+          </a:lnRef>
+          <a:fillRef idx="0">
+            <a:schemeClr val="accent1"/>
+          </a:fillRef>
+          <a:effectRef idx="0">
+            <a:schemeClr val="accent1"/>
+          </a:effectRef>
+          <a:fontRef idx="minor">
+            <a:schemeClr val="tx1"/>
+          </a:fontRef>
+        </p:style>
+      </p:cxnSp>
+      <p:sp>
+        <p:nvSpPr>
+          <p:cNvPr id="13" name="テキスト ボックス 12"/>
+          <p:cNvSpPr txBox="1"/>
+          <p:nvPr/>
+        </p:nvSpPr>
+        <p:spPr>
+          <a:xfrm>
+            <a:off x="1108973" y="1105213"/>
+            <a:ext cx="1278170" cy="369332"/>
+          </a:xfrm>
+          <a:prstGeom prst="rect">
+            <a:avLst/>
+          </a:prstGeom>
+          <a:noFill/>
+        </p:spPr>
+        <p:txBody>
+          <a:bodyPr wrap="none" rtlCol="0">
+            <a:spAutoFit/>
+          </a:bodyPr>
+          <a:lstStyle/>
+          <a:p>
+            <a:r>
+              <a:rPr kumimoji="1" lang="en-US" altLang="ja-JP" dirty="0" err="1" smtClean="0"/>
+              <a:t>beforeState</a:t>
+            </a:r>
+            <a:endParaRPr kumimoji="1" lang="ja-JP" altLang="en-US" dirty="0"/>
+          </a:p>
+        </p:txBody>
+      </p:sp>
+      <p:sp>
+        <p:nvSpPr>
+          <p:cNvPr id="44" name="テキスト ボックス 43"/>
+          <p:cNvSpPr txBox="1"/>
+          <p:nvPr/>
+        </p:nvSpPr>
+        <p:spPr>
+          <a:xfrm>
+            <a:off x="3874399" y="1105213"/>
+            <a:ext cx="1112741" cy="369332"/>
+          </a:xfrm>
+          <a:prstGeom prst="rect">
+            <a:avLst/>
+          </a:prstGeom>
+          <a:noFill/>
+        </p:spPr>
+        <p:txBody>
+          <a:bodyPr wrap="none" rtlCol="0">
+            <a:spAutoFit/>
+          </a:bodyPr>
+          <a:lstStyle/>
+          <a:p>
+            <a:r>
+              <a:rPr lang="en-US" altLang="ja-JP" dirty="0" err="1" smtClean="0"/>
+              <a:t>after</a:t>
+            </a:r>
+            <a:r>
+              <a:rPr kumimoji="1" lang="en-US" altLang="ja-JP" dirty="0" err="1" smtClean="0"/>
+              <a:t>State</a:t>
+            </a:r>
+            <a:endParaRPr kumimoji="1" lang="ja-JP" altLang="en-US" dirty="0"/>
+          </a:p>
+        </p:txBody>
+      </p:sp>
+      <p:sp>
+        <p:nvSpPr>
+          <p:cNvPr id="46" name="テキスト ボックス 45"/>
+          <p:cNvSpPr txBox="1"/>
+          <p:nvPr/>
+        </p:nvSpPr>
+        <p:spPr>
+          <a:xfrm>
+            <a:off x="5738799" y="1105213"/>
+            <a:ext cx="1278170" cy="369332"/>
+          </a:xfrm>
+          <a:prstGeom prst="rect">
+            <a:avLst/>
+          </a:prstGeom>
+          <a:noFill/>
+        </p:spPr>
+        <p:txBody>
+          <a:bodyPr wrap="none" rtlCol="0">
+            <a:spAutoFit/>
+          </a:bodyPr>
+          <a:lstStyle/>
+          <a:p>
+            <a:r>
+              <a:rPr kumimoji="1" lang="en-US" altLang="ja-JP" dirty="0" err="1" smtClean="0"/>
+              <a:t>beforeState</a:t>
+            </a:r>
+            <a:endParaRPr kumimoji="1" lang="ja-JP" altLang="en-US" dirty="0"/>
+          </a:p>
+        </p:txBody>
+      </p:sp>
+      <p:cxnSp>
+        <p:nvCxnSpPr>
+          <p:cNvPr id="15" name="直線矢印コネクタ 14"/>
+          <p:cNvCxnSpPr>
+            <a:stCxn id="24" idx="3"/>
+            <a:endCxn id="25" idx="1"/>
+          </p:cNvCxnSpPr>
+          <p:nvPr/>
+        </p:nvCxnSpPr>
+        <p:spPr>
+          <a:xfrm flipV="1">
+            <a:off x="2943497" y="1992642"/>
+            <a:ext cx="322004" cy="1"/>
+          </a:xfrm>
+          <a:prstGeom prst="straightConnector1">
+            <a:avLst/>
+          </a:prstGeom>
+          <a:ln w="28575">
+            <a:solidFill>
+              <a:schemeClr val="tx1"/>
+            </a:solidFill>
+            <a:prstDash val="sysDot"/>
+            <a:tailEnd type="triangle"/>
+          </a:ln>
+        </p:spPr>
+        <p:style>
+          <a:lnRef idx="1">
+            <a:schemeClr val="accent1"/>
+          </a:lnRef>
+          <a:fillRef idx="0">
+            <a:schemeClr val="accent1"/>
+          </a:fillRef>
+          <a:effectRef idx="0">
+            <a:schemeClr val="accent1"/>
+          </a:effectRef>
+          <a:fontRef idx="minor">
+            <a:schemeClr val="tx1"/>
+          </a:fontRef>
+        </p:style>
+      </p:cxnSp>
+      <p:cxnSp>
+        <p:nvCxnSpPr>
+          <p:cNvPr id="49" name="直線矢印コネクタ 48"/>
+          <p:cNvCxnSpPr>
+            <a:stCxn id="25" idx="3"/>
+            <a:endCxn id="26" idx="1"/>
+          </p:cNvCxnSpPr>
+          <p:nvPr/>
+        </p:nvCxnSpPr>
+        <p:spPr>
+          <a:xfrm flipV="1">
+            <a:off x="5403669" y="1992641"/>
+            <a:ext cx="322004" cy="1"/>
+          </a:xfrm>
+          <a:prstGeom prst="straightConnector1">
+            <a:avLst/>
+          </a:prstGeom>
+          <a:ln w="28575">
+            <a:solidFill>
+              <a:schemeClr val="tx1"/>
+            </a:solidFill>
+            <a:prstDash val="sysDot"/>
+            <a:tailEnd type="triangle"/>
+          </a:ln>
+        </p:spPr>
+        <p:style>
+          <a:lnRef idx="1">
+            <a:schemeClr val="accent1"/>
+          </a:lnRef>
+          <a:fillRef idx="0">
+            <a:schemeClr val="accent1"/>
+          </a:fillRef>
+          <a:effectRef idx="0">
+            <a:schemeClr val="accent1"/>
+          </a:effectRef>
+          <a:fontRef idx="minor">
+            <a:schemeClr val="tx1"/>
+          </a:fontRef>
+        </p:style>
+      </p:cxnSp>
+      <p:sp>
+        <p:nvSpPr>
+          <p:cNvPr id="22" name="角丸四角形 21"/>
+          <p:cNvSpPr/>
+          <p:nvPr/>
+        </p:nvSpPr>
+        <p:spPr>
+          <a:xfrm>
+            <a:off x="1096782" y="4072653"/>
+            <a:ext cx="1555262" cy="680100"/>
+          </a:xfrm>
+          <a:prstGeom prst="roundRect">
+            <a:avLst/>
+          </a:prstGeom>
+          <a:noFill/>
+          <a:ln w="25400">
+            <a:solidFill>
+              <a:schemeClr val="tx1"/>
+            </a:solidFill>
+            <a:prstDash val="sysDot"/>
+          </a:ln>
+        </p:spPr>
+        <p:style>
+          <a:lnRef idx="2">
+            <a:schemeClr val="accent1">
+              <a:shade val="50000"/>
+            </a:schemeClr>
+          </a:lnRef>
+          <a:fillRef idx="1">
+            <a:schemeClr val="accent1"/>
+          </a:fillRef>
+          <a:effectRef idx="0">
+            <a:schemeClr val="accent1"/>
+          </a:effectRef>
+          <a:fontRef idx="minor">
+            <a:schemeClr val="lt1"/>
+          </a:fontRef>
+        </p:style>
+        <p:txBody>
+          <a:bodyPr rtlCol="0" anchor="ctr"/>
+          <a:lstStyle/>
+          <a:p>
+            <a:pPr algn="ctr"/>
+            <a:endParaRPr kumimoji="1" lang="ja-JP" altLang="en-US" sz="2000" dirty="0" smtClean="0">
+              <a:solidFill>
+                <a:schemeClr val="tx1"/>
+              </a:solidFill>
+            </a:endParaRPr>
+          </a:p>
+        </p:txBody>
+      </p:sp>
+      <p:cxnSp>
+        <p:nvCxnSpPr>
+          <p:cNvPr id="58" name="直線矢印コネクタ 57"/>
+          <p:cNvCxnSpPr>
+            <a:stCxn id="24" idx="2"/>
+            <a:endCxn id="110" idx="0"/>
+          </p:cNvCxnSpPr>
+          <p:nvPr/>
+        </p:nvCxnSpPr>
+        <p:spPr>
+          <a:xfrm>
+            <a:off x="1874413" y="2398300"/>
+            <a:ext cx="0" cy="773830"/>
+          </a:xfrm>
+          <a:prstGeom prst="straightConnector1">
+            <a:avLst/>
+          </a:prstGeom>
+          <a:ln w="12700">
+            <a:solidFill>
+              <a:schemeClr val="tx1"/>
+            </a:solidFill>
+            <a:prstDash val="solid"/>
+            <a:headEnd w="lg" len="med"/>
+            <a:tailEnd type="triangle"/>
+          </a:ln>
+        </p:spPr>
+        <p:style>
+          <a:lnRef idx="1">
+            <a:schemeClr val="accent1"/>
+          </a:lnRef>
+          <a:fillRef idx="0">
+            <a:schemeClr val="accent1"/>
+          </a:fillRef>
+          <a:effectRef idx="0">
+            <a:schemeClr val="accent1"/>
+          </a:effectRef>
+          <a:fontRef idx="minor">
+            <a:schemeClr val="tx1"/>
+          </a:fontRef>
+        </p:style>
+      </p:cxnSp>
+      <p:sp>
+        <p:nvSpPr>
+          <p:cNvPr id="37" name="テキスト ボックス 36"/>
+          <p:cNvSpPr txBox="1"/>
+          <p:nvPr/>
+        </p:nvSpPr>
+        <p:spPr>
+          <a:xfrm>
+            <a:off x="1816288" y="2357973"/>
+            <a:ext cx="429926" cy="369332"/>
+          </a:xfrm>
+          <a:prstGeom prst="rect">
+            <a:avLst/>
+          </a:prstGeom>
+          <a:noFill/>
+        </p:spPr>
+        <p:txBody>
+          <a:bodyPr wrap="none" rtlCol="0">
+            <a:spAutoFit/>
+          </a:bodyPr>
+          <a:lstStyle/>
+          <a:p>
+            <a:r>
+              <a:rPr kumimoji="1" lang="en-US" altLang="ja-JP" dirty="0" err="1" smtClean="0"/>
+              <a:t>dif</a:t>
+            </a:r>
+            <a:endParaRPr kumimoji="1" lang="ja-JP" altLang="en-US" dirty="0"/>
+          </a:p>
+        </p:txBody>
+      </p:sp>
+      <p:grpSp>
+        <p:nvGrpSpPr>
+          <p:cNvPr id="137" name="グループ化 136"/>
+          <p:cNvGrpSpPr/>
+          <p:nvPr/>
+        </p:nvGrpSpPr>
+        <p:grpSpPr>
+          <a:xfrm>
+            <a:off x="4626038" y="4072653"/>
+            <a:ext cx="1555262" cy="680100"/>
+            <a:chOff x="4626038" y="4072653"/>
+            <a:chExt cx="1555262" cy="680100"/>
+          </a:xfrm>
+        </p:grpSpPr>
+        <p:sp>
+          <p:nvSpPr>
+            <p:cNvPr id="72" name="角丸四角形 71"/>
+            <p:cNvSpPr/>
+            <p:nvPr/>
+          </p:nvSpPr>
+          <p:spPr>
+            <a:xfrm>
+              <a:off x="4699297" y="4165824"/>
+              <a:ext cx="1408744" cy="299132"/>
+            </a:xfrm>
+            <a:prstGeom prst="roundRect">
+              <a:avLst/>
+            </a:prstGeom>
+            <a:noFill/>
+            <a:ln>
+              <a:solidFill>
+                <a:schemeClr val="tx1"/>
+              </a:solidFill>
+            </a:ln>
+          </p:spPr>
+          <p:style>
+            <a:lnRef idx="2">
+              <a:schemeClr val="accent1">
+                <a:shade val="50000"/>
+              </a:schemeClr>
+            </a:lnRef>
+            <a:fillRef idx="1">
+              <a:schemeClr val="accent1"/>
+            </a:fillRef>
+            <a:effectRef idx="0">
+              <a:schemeClr val="accent1"/>
+            </a:effectRef>
+            <a:fontRef idx="minor">
+              <a:schemeClr val="lt1"/>
+            </a:fontRef>
+          </p:style>
+          <p:txBody>
+            <a:bodyPr rtlCol="0" anchor="ctr"/>
+            <a:lstStyle/>
+            <a:p>
+              <a:pPr algn="ctr"/>
+              <a:r>
+                <a:rPr lang="en-US" altLang="ja-JP" sz="2000" dirty="0" smtClean="0">
+                  <a:solidFill>
+                    <a:schemeClr val="tx1"/>
+                  </a:solidFill>
+                </a:rPr>
+                <a:t>Response0</a:t>
+              </a:r>
+              <a:endParaRPr kumimoji="1" lang="ja-JP" altLang="en-US" sz="2000" dirty="0" smtClean="0">
+                <a:solidFill>
+                  <a:schemeClr val="tx1"/>
+                </a:solidFill>
+              </a:endParaRPr>
+            </a:p>
+          </p:txBody>
+        </p:sp>
+        <p:sp>
+          <p:nvSpPr>
+            <p:cNvPr id="74" name="角丸四角形 73"/>
+            <p:cNvSpPr/>
+            <p:nvPr/>
+          </p:nvSpPr>
+          <p:spPr>
+            <a:xfrm>
+              <a:off x="4626038" y="4072653"/>
+              <a:ext cx="1555262" cy="680100"/>
+            </a:xfrm>
+            <a:prstGeom prst="roundRect">
+              <a:avLst/>
+            </a:prstGeom>
+            <a:noFill/>
+            <a:ln w="25400">
+              <a:solidFill>
+                <a:schemeClr val="tx1"/>
+              </a:solidFill>
+              <a:prstDash val="sysDot"/>
+            </a:ln>
+          </p:spPr>
+          <p:style>
+            <a:lnRef idx="2">
+              <a:schemeClr val="accent1">
+                <a:shade val="50000"/>
+              </a:schemeClr>
+            </a:lnRef>
+            <a:fillRef idx="1">
+              <a:schemeClr val="accent1"/>
+            </a:fillRef>
+            <a:effectRef idx="0">
+              <a:schemeClr val="accent1"/>
+            </a:effectRef>
+            <a:fontRef idx="minor">
+              <a:schemeClr val="lt1"/>
+            </a:fontRef>
+          </p:style>
+          <p:txBody>
+            <a:bodyPr rtlCol="0" anchor="ctr"/>
+            <a:lstStyle/>
+            <a:p>
+              <a:pPr algn="ctr"/>
+              <a:endParaRPr kumimoji="1" lang="ja-JP" altLang="en-US" sz="2000" dirty="0" smtClean="0">
+                <a:solidFill>
+                  <a:schemeClr val="tx1"/>
+                </a:solidFill>
+              </a:endParaRPr>
+            </a:p>
+          </p:txBody>
+        </p:sp>
+      </p:grpSp>
+      <p:cxnSp>
+        <p:nvCxnSpPr>
+          <p:cNvPr id="76" name="直線矢印コネクタ 75"/>
+          <p:cNvCxnSpPr>
+            <a:stCxn id="110" idx="2"/>
+            <a:endCxn id="22" idx="0"/>
+          </p:cNvCxnSpPr>
+          <p:nvPr/>
+        </p:nvCxnSpPr>
+        <p:spPr>
+          <a:xfrm>
+            <a:off x="1874413" y="3659518"/>
+            <a:ext cx="0" cy="413135"/>
+          </a:xfrm>
+          <a:prstGeom prst="straightConnector1">
+            <a:avLst/>
+          </a:prstGeom>
+          <a:ln w="12700">
+            <a:solidFill>
+              <a:schemeClr val="tx1"/>
+            </a:solidFill>
+            <a:prstDash val="solid"/>
+            <a:headEnd w="lg" len="med"/>
+            <a:tailEnd type="triangle"/>
+          </a:ln>
+        </p:spPr>
+        <p:style>
+          <a:lnRef idx="1">
+            <a:schemeClr val="accent1"/>
+          </a:lnRef>
+          <a:fillRef idx="0">
+            <a:schemeClr val="accent1"/>
+          </a:fillRef>
+          <a:effectRef idx="0">
+            <a:schemeClr val="accent1"/>
+          </a:effectRef>
+          <a:fontRef idx="minor">
+            <a:schemeClr val="tx1"/>
+          </a:fontRef>
+        </p:style>
+      </p:cxnSp>
+      <p:sp>
+        <p:nvSpPr>
+          <p:cNvPr id="105" name="円形吹き出し 104"/>
+          <p:cNvSpPr/>
+          <p:nvPr/>
+        </p:nvSpPr>
+        <p:spPr>
+          <a:xfrm>
+            <a:off x="2802329" y="2510738"/>
+            <a:ext cx="1248261" cy="612648"/>
+          </a:xfrm>
+          <a:prstGeom prst="wedgeEllipseCallout">
+            <a:avLst>
+              <a:gd name="adj1" fmla="val 56680"/>
+              <a:gd name="adj2" fmla="val -81546"/>
+            </a:avLst>
+          </a:prstGeom>
+          <a:solidFill>
+            <a:schemeClr val="bg1">
+              <a:lumMod val="85000"/>
+            </a:schemeClr>
+          </a:solidFill>
+          <a:ln>
+            <a:solidFill>
+              <a:schemeClr val="tx1"/>
+            </a:solidFill>
+          </a:ln>
+        </p:spPr>
+        <p:style>
+          <a:lnRef idx="2">
+            <a:schemeClr val="accent1">
+              <a:shade val="50000"/>
+            </a:schemeClr>
+          </a:lnRef>
+          <a:fillRef idx="1">
+            <a:schemeClr val="accent1"/>
+          </a:fillRef>
+          <a:effectRef idx="0">
+            <a:schemeClr val="accent1"/>
+          </a:effectRef>
+          <a:fontRef idx="minor">
+            <a:schemeClr val="lt1"/>
+          </a:fontRef>
+        </p:style>
+        <p:txBody>
+          <a:bodyPr rtlCol="0" anchor="ctr"/>
+          <a:lstStyle/>
+          <a:p>
+            <a:pPr algn="ctr"/>
+            <a:r>
+              <a:rPr lang="ja-JP" altLang="en-US" sz="2400" b="1" dirty="0" smtClean="0">
+                <a:solidFill>
+                  <a:schemeClr val="tx1"/>
+                </a:solidFill>
+              </a:rPr>
+              <a:t>格納</a:t>
+            </a:r>
+            <a:endParaRPr lang="ja-JP" altLang="en-US" sz="2400" b="1" dirty="0">
+              <a:solidFill>
+                <a:schemeClr val="tx1"/>
+              </a:solidFill>
+            </a:endParaRPr>
+          </a:p>
+        </p:txBody>
+      </p:sp>
+      <p:sp>
+        <p:nvSpPr>
+          <p:cNvPr id="106" name="円形吹き出し 105"/>
+          <p:cNvSpPr/>
+          <p:nvPr/>
+        </p:nvSpPr>
+        <p:spPr>
+          <a:xfrm>
+            <a:off x="7220706" y="2907061"/>
+            <a:ext cx="1248261" cy="612648"/>
+          </a:xfrm>
+          <a:prstGeom prst="wedgeEllipseCallout">
+            <a:avLst>
+              <a:gd name="adj1" fmla="val -16575"/>
+              <a:gd name="adj2" fmla="val -163116"/>
+            </a:avLst>
+          </a:prstGeom>
+          <a:solidFill>
+            <a:schemeClr val="bg1">
+              <a:lumMod val="85000"/>
+            </a:schemeClr>
+          </a:solidFill>
+          <a:ln>
+            <a:solidFill>
+              <a:schemeClr val="tx1"/>
+            </a:solidFill>
+          </a:ln>
+        </p:spPr>
+        <p:style>
+          <a:lnRef idx="2">
+            <a:schemeClr val="accent1">
+              <a:shade val="50000"/>
+            </a:schemeClr>
+          </a:lnRef>
+          <a:fillRef idx="1">
+            <a:schemeClr val="accent1"/>
+          </a:fillRef>
+          <a:effectRef idx="0">
+            <a:schemeClr val="accent1"/>
+          </a:effectRef>
+          <a:fontRef idx="minor">
+            <a:schemeClr val="lt1"/>
+          </a:fontRef>
+        </p:style>
+        <p:txBody>
+          <a:bodyPr rtlCol="0" anchor="ctr"/>
+          <a:lstStyle/>
+          <a:p>
+            <a:pPr algn="ctr"/>
+            <a:r>
+              <a:rPr lang="ja-JP" altLang="en-US" sz="2400" b="1" dirty="0">
+                <a:solidFill>
+                  <a:schemeClr val="tx1"/>
+                </a:solidFill>
+              </a:rPr>
+              <a:t>削除</a:t>
+            </a:r>
+          </a:p>
+        </p:txBody>
+      </p:sp>
+      <p:sp>
+        <p:nvSpPr>
+          <p:cNvPr id="110" name="角丸四角形 109"/>
+          <p:cNvSpPr/>
+          <p:nvPr/>
+        </p:nvSpPr>
+        <p:spPr>
+          <a:xfrm>
+            <a:off x="786325" y="3172130"/>
+            <a:ext cx="2176176" cy="487388"/>
+          </a:xfrm>
+          <a:prstGeom prst="roundRect">
+            <a:avLst>
+              <a:gd name="adj" fmla="val 21972"/>
+            </a:avLst>
+          </a:prstGeom>
+          <a:noFill/>
+          <a:ln>
+            <a:solidFill>
+              <a:schemeClr val="tx1"/>
+            </a:solidFill>
+          </a:ln>
+        </p:spPr>
+        <p:style>
+          <a:lnRef idx="2">
+            <a:schemeClr val="accent1">
+              <a:shade val="50000"/>
+            </a:schemeClr>
+          </a:lnRef>
+          <a:fillRef idx="1">
+            <a:schemeClr val="accent1"/>
+          </a:fillRef>
+          <a:effectRef idx="0">
+            <a:schemeClr val="accent1"/>
+          </a:effectRef>
+          <a:fontRef idx="minor">
+            <a:schemeClr val="lt1"/>
+          </a:fontRef>
+        </p:style>
+        <p:txBody>
+          <a:bodyPr rtlCol="0" anchor="ctr"/>
+          <a:lstStyle/>
+          <a:p>
+            <a:pPr algn="ctr"/>
+            <a:r>
+              <a:rPr lang="en-US" altLang="ja-JP" sz="2400" dirty="0" smtClean="0">
+                <a:solidFill>
+                  <a:schemeClr val="tx1"/>
+                </a:solidFill>
+              </a:rPr>
+              <a:t>CacheDifItem0</a:t>
+            </a:r>
+            <a:endParaRPr kumimoji="1" lang="en-US" altLang="ja-JP" sz="2000" dirty="0" smtClean="0">
+              <a:solidFill>
+                <a:schemeClr val="tx1"/>
+              </a:solidFill>
+            </a:endParaRPr>
+          </a:p>
+        </p:txBody>
+      </p:sp>
+      <p:sp>
+        <p:nvSpPr>
+          <p:cNvPr id="117" name="角丸四角形 116"/>
+          <p:cNvSpPr/>
+          <p:nvPr/>
+        </p:nvSpPr>
+        <p:spPr>
+          <a:xfrm>
+            <a:off x="4315581" y="3172130"/>
+            <a:ext cx="2176176" cy="487388"/>
+          </a:xfrm>
+          <a:prstGeom prst="roundRect">
+            <a:avLst>
+              <a:gd name="adj" fmla="val 21972"/>
+            </a:avLst>
+          </a:prstGeom>
+          <a:noFill/>
+          <a:ln>
+            <a:solidFill>
+              <a:schemeClr val="tx1"/>
+            </a:solidFill>
+          </a:ln>
+        </p:spPr>
+        <p:style>
+          <a:lnRef idx="2">
+            <a:schemeClr val="accent1">
+              <a:shade val="50000"/>
+            </a:schemeClr>
+          </a:lnRef>
+          <a:fillRef idx="1">
+            <a:schemeClr val="accent1"/>
+          </a:fillRef>
+          <a:effectRef idx="0">
+            <a:schemeClr val="accent1"/>
+          </a:effectRef>
+          <a:fontRef idx="minor">
+            <a:schemeClr val="lt1"/>
+          </a:fontRef>
+        </p:style>
+        <p:txBody>
+          <a:bodyPr rtlCol="0" anchor="ctr"/>
+          <a:lstStyle/>
+          <a:p>
+            <a:pPr algn="ctr"/>
+            <a:r>
+              <a:rPr lang="en-US" altLang="ja-JP" sz="2400" dirty="0" smtClean="0">
+                <a:solidFill>
+                  <a:schemeClr val="tx1"/>
+                </a:solidFill>
+              </a:rPr>
+              <a:t>CacheDifItem1</a:t>
+            </a:r>
+            <a:endParaRPr kumimoji="1" lang="en-US" altLang="ja-JP" sz="2000" dirty="0" smtClean="0">
+              <a:solidFill>
+                <a:schemeClr val="tx1"/>
+              </a:solidFill>
+            </a:endParaRPr>
+          </a:p>
+        </p:txBody>
+      </p:sp>
+      <p:cxnSp>
+        <p:nvCxnSpPr>
+          <p:cNvPr id="118" name="直線矢印コネクタ 117"/>
+          <p:cNvCxnSpPr>
+            <a:stCxn id="25" idx="2"/>
+            <a:endCxn id="117" idx="0"/>
+          </p:cNvCxnSpPr>
+          <p:nvPr/>
+        </p:nvCxnSpPr>
+        <p:spPr>
+          <a:xfrm>
+            <a:off x="4334585" y="2398299"/>
+            <a:ext cx="1069084" cy="773831"/>
+          </a:xfrm>
+          <a:prstGeom prst="straightConnector1">
+            <a:avLst/>
+          </a:prstGeom>
+          <a:ln w="12700">
+            <a:solidFill>
+              <a:schemeClr val="tx1"/>
+            </a:solidFill>
+            <a:prstDash val="solid"/>
+            <a:headEnd w="lg" len="med"/>
+            <a:tailEnd type="triangle"/>
+          </a:ln>
+        </p:spPr>
+        <p:style>
+          <a:lnRef idx="1">
+            <a:schemeClr val="accent1"/>
+          </a:lnRef>
+          <a:fillRef idx="0">
+            <a:schemeClr val="accent1"/>
+          </a:fillRef>
+          <a:effectRef idx="0">
+            <a:schemeClr val="accent1"/>
+          </a:effectRef>
+          <a:fontRef idx="minor">
+            <a:schemeClr val="tx1"/>
+          </a:fontRef>
+        </p:style>
+      </p:cxnSp>
+      <p:sp>
+        <p:nvSpPr>
+          <p:cNvPr id="122" name="テキスト ボックス 121"/>
+          <p:cNvSpPr txBox="1"/>
+          <p:nvPr/>
+        </p:nvSpPr>
+        <p:spPr>
+          <a:xfrm>
+            <a:off x="1816288" y="3627308"/>
+            <a:ext cx="660950" cy="369332"/>
+          </a:xfrm>
+          <a:prstGeom prst="rect">
+            <a:avLst/>
+          </a:prstGeom>
+          <a:noFill/>
+        </p:spPr>
+        <p:txBody>
+          <a:bodyPr wrap="none" rtlCol="0">
+            <a:spAutoFit/>
+          </a:bodyPr>
+          <a:lstStyle/>
+          <a:p>
+            <a:r>
+              <a:rPr kumimoji="1" lang="en-US" altLang="ja-JP" dirty="0" smtClean="0"/>
+              <a:t>store</a:t>
+            </a:r>
+            <a:endParaRPr kumimoji="1" lang="ja-JP" altLang="en-US" dirty="0"/>
+          </a:p>
+        </p:txBody>
+      </p:sp>
+      <p:cxnSp>
+        <p:nvCxnSpPr>
+          <p:cNvPr id="123" name="直線矢印コネクタ 122"/>
+          <p:cNvCxnSpPr>
+            <a:stCxn id="117" idx="2"/>
+            <a:endCxn id="74" idx="0"/>
+          </p:cNvCxnSpPr>
+          <p:nvPr/>
+        </p:nvCxnSpPr>
+        <p:spPr>
+          <a:xfrm>
+            <a:off x="5403669" y="3659518"/>
+            <a:ext cx="0" cy="413135"/>
+          </a:xfrm>
+          <a:prstGeom prst="straightConnector1">
+            <a:avLst/>
+          </a:prstGeom>
+          <a:ln w="12700">
+            <a:solidFill>
+              <a:schemeClr val="tx1"/>
+            </a:solidFill>
+            <a:prstDash val="solid"/>
+            <a:headEnd w="lg" len="med"/>
+            <a:tailEnd type="triangle"/>
+          </a:ln>
+        </p:spPr>
+        <p:style>
+          <a:lnRef idx="1">
+            <a:schemeClr val="accent1"/>
+          </a:lnRef>
+          <a:fillRef idx="0">
+            <a:schemeClr val="accent1"/>
+          </a:fillRef>
+          <a:effectRef idx="0">
+            <a:schemeClr val="accent1"/>
+          </a:effectRef>
+          <a:fontRef idx="minor">
+            <a:schemeClr val="tx1"/>
+          </a:fontRef>
+        </p:style>
+      </p:cxnSp>
+      <p:cxnSp>
+        <p:nvCxnSpPr>
+          <p:cNvPr id="130" name="直線矢印コネクタ 129"/>
+          <p:cNvCxnSpPr>
+            <a:stCxn id="26" idx="2"/>
+            <a:endCxn id="110" idx="3"/>
+          </p:cNvCxnSpPr>
+          <p:nvPr/>
+        </p:nvCxnSpPr>
+        <p:spPr>
+          <a:xfrm flipH="1">
+            <a:off x="2962501" y="2398298"/>
+            <a:ext cx="3832256" cy="1017526"/>
+          </a:xfrm>
+          <a:prstGeom prst="straightConnector1">
+            <a:avLst/>
+          </a:prstGeom>
+          <a:ln w="12700">
+            <a:solidFill>
+              <a:schemeClr val="tx1"/>
+            </a:solidFill>
+            <a:prstDash val="solid"/>
+            <a:headEnd w="lg" len="med"/>
+            <a:tailEnd type="triangle"/>
+          </a:ln>
+        </p:spPr>
+        <p:style>
+          <a:lnRef idx="1">
+            <a:schemeClr val="accent1"/>
+          </a:lnRef>
+          <a:fillRef idx="0">
+            <a:schemeClr val="accent1"/>
+          </a:fillRef>
+          <a:effectRef idx="0">
+            <a:schemeClr val="accent1"/>
+          </a:effectRef>
+          <a:fontRef idx="minor">
+            <a:schemeClr val="tx1"/>
+          </a:fontRef>
+        </p:style>
+      </p:cxnSp>
+      <p:cxnSp>
+        <p:nvCxnSpPr>
+          <p:cNvPr id="138" name="直線矢印コネクタ 137"/>
+          <p:cNvCxnSpPr>
+            <a:stCxn id="22" idx="3"/>
+            <a:endCxn id="74" idx="1"/>
+          </p:cNvCxnSpPr>
+          <p:nvPr/>
+        </p:nvCxnSpPr>
+        <p:spPr>
+          <a:xfrm>
+            <a:off x="2652044" y="4412703"/>
+            <a:ext cx="1973994" cy="0"/>
+          </a:xfrm>
+          <a:prstGeom prst="straightConnector1">
+            <a:avLst/>
+          </a:prstGeom>
+          <a:ln w="28575">
+            <a:solidFill>
+              <a:schemeClr val="tx1"/>
+            </a:solidFill>
+            <a:prstDash val="sysDot"/>
+            <a:tailEnd type="triangle"/>
+          </a:ln>
+        </p:spPr>
+        <p:style>
+          <a:lnRef idx="1">
+            <a:schemeClr val="accent1"/>
+          </a:lnRef>
+          <a:fillRef idx="0">
+            <a:schemeClr val="accent1"/>
+          </a:fillRef>
+          <a:effectRef idx="0">
+            <a:schemeClr val="accent1"/>
+          </a:effectRef>
+          <a:fontRef idx="minor">
+            <a:schemeClr val="tx1"/>
+          </a:fontRef>
+        </p:style>
+      </p:cxnSp>
+      <p:cxnSp>
+        <p:nvCxnSpPr>
+          <p:cNvPr id="142" name="曲線コネクタ 141"/>
+          <p:cNvCxnSpPr>
+            <a:stCxn id="74" idx="2"/>
+            <a:endCxn id="22" idx="2"/>
+          </p:cNvCxnSpPr>
+          <p:nvPr/>
+        </p:nvCxnSpPr>
+        <p:spPr>
+          <a:xfrm rot="5400000">
+            <a:off x="3639041" y="2988125"/>
+            <a:ext cx="12700" cy="3529256"/>
+          </a:xfrm>
+          <a:prstGeom prst="curvedConnector3">
+            <a:avLst>
+              <a:gd name="adj1" fmla="val 3306976"/>
+            </a:avLst>
+          </a:prstGeom>
+          <a:ln w="28575">
+            <a:solidFill>
+              <a:schemeClr val="tx1"/>
+            </a:solidFill>
+            <a:prstDash val="sysDot"/>
+            <a:tailEnd type="triangle"/>
+          </a:ln>
+        </p:spPr>
+        <p:style>
+          <a:lnRef idx="1">
+            <a:schemeClr val="accent1"/>
+          </a:lnRef>
+          <a:fillRef idx="0">
+            <a:schemeClr val="accent1"/>
+          </a:fillRef>
+          <a:effectRef idx="0">
+            <a:schemeClr val="accent1"/>
+          </a:effectRef>
+          <a:fontRef idx="minor">
+            <a:schemeClr val="tx1"/>
+          </a:fontRef>
+        </p:style>
+      </p:cxnSp>
+    </p:spTree>
+    <p:extLst>
+      <p:ext uri="{BB962C8B-B14F-4D97-AF65-F5344CB8AC3E}">
+        <p14:creationId xmlns:p14="http://schemas.microsoft.com/office/powerpoint/2010/main" val="1100800646"/>
+      </p:ext>
+    </p:extLst>
+  </p:cSld>
+  <p:clrMapOvr>
+    <a:masterClrMapping/>
+  </p:clrMapOvr>
+</p:sld>
+</file>
+
+<file path=ppt/slides/slide9.xml><?xml version="1.0" encoding="utf-8"?>
+<p:sld xmlns:a="http://schemas.openxmlformats.org/drawingml/2006/main" xmlns:r="http://schemas.openxmlformats.org/officeDocument/2006/relationships" xmlns:p="http://schemas.openxmlformats.org/presentationml/2006/main">
+  <p:cSld>
+    <p:spTree>
+      <p:nvGrpSpPr>
+        <p:cNvPr id="1" name=""/>
+        <p:cNvGrpSpPr/>
+        <p:nvPr/>
+      </p:nvGrpSpPr>
+      <p:grpSpPr>
+        <a:xfrm>
+          <a:off x="0" y="0"/>
+          <a:ext cx="0" cy="0"/>
+          <a:chOff x="0" y="0"/>
+          <a:chExt cx="0" cy="0"/>
+        </a:xfrm>
+      </p:grpSpPr>
+      <p:sp>
+        <p:nvSpPr>
+          <p:cNvPr id="114" name="正方形/長方形 113"/>
+          <p:cNvSpPr/>
+          <p:nvPr/>
+        </p:nvSpPr>
+        <p:spPr>
+          <a:xfrm>
+            <a:off x="1956390" y="977322"/>
+            <a:ext cx="6351797" cy="5375365"/>
+          </a:xfrm>
+          <a:prstGeom prst="rect">
+            <a:avLst/>
+          </a:prstGeom>
+          <a:solidFill>
+            <a:schemeClr val="bg1"/>
+          </a:solidFill>
+          <a:ln>
+            <a:solidFill>
+              <a:schemeClr val="bg1"/>
+            </a:solidFill>
+          </a:ln>
+        </p:spPr>
+        <p:style>
+          <a:lnRef idx="2">
+            <a:schemeClr val="accent1">
+              <a:shade val="50000"/>
+            </a:schemeClr>
+          </a:lnRef>
+          <a:fillRef idx="1">
+            <a:schemeClr val="accent1"/>
+          </a:fillRef>
+          <a:effectRef idx="0">
+            <a:schemeClr val="accent1"/>
+          </a:effectRef>
+          <a:fontRef idx="minor">
+            <a:schemeClr val="lt1"/>
+          </a:fontRef>
+        </p:style>
+        <p:txBody>
+          <a:bodyPr rot="0" spcFirstLastPara="0" vertOverflow="overflow" horzOverflow="overflow" vert="horz" wrap="square" lIns="91440" tIns="45720" rIns="91440" bIns="45720" numCol="1" spcCol="0" rtlCol="0" fromWordArt="0" anchor="ctr" anchorCtr="0" forceAA="0" compatLnSpc="1">
+            <a:prstTxWarp prst="textNoShape">
+              <a:avLst/>
+            </a:prstTxWarp>
+            <a:noAutofit/>
+          </a:bodyPr>
+          <a:lstStyle/>
+          <a:p>
+            <a:pPr algn="ctr"/>
+            <a:endParaRPr kumimoji="1" lang="ja-JP" altLang="en-US" sz="2000" dirty="0" smtClean="0">
+              <a:solidFill>
+                <a:schemeClr val="tx1"/>
+              </a:solidFill>
+            </a:endParaRPr>
+          </a:p>
+        </p:txBody>
+      </p:sp>
+      <p:sp>
+        <p:nvSpPr>
+          <p:cNvPr id="35" name="正方形/長方形 34"/>
+          <p:cNvSpPr/>
+          <p:nvPr/>
+        </p:nvSpPr>
+        <p:spPr>
+          <a:xfrm>
+            <a:off x="6096029" y="1891715"/>
+            <a:ext cx="1467293" cy="439891"/>
+          </a:xfrm>
+          <a:prstGeom prst="rect">
+            <a:avLst/>
+          </a:prstGeom>
+          <a:noFill/>
+          <a:ln>
+            <a:solidFill>
+              <a:schemeClr val="tx1"/>
+            </a:solidFill>
+          </a:ln>
+        </p:spPr>
+        <p:style>
+          <a:lnRef idx="2">
+            <a:schemeClr val="accent1">
+              <a:shade val="50000"/>
+            </a:schemeClr>
+          </a:lnRef>
+          <a:fillRef idx="1">
+            <a:schemeClr val="accent1"/>
+          </a:fillRef>
+          <a:effectRef idx="0">
+            <a:schemeClr val="accent1"/>
+          </a:effectRef>
+          <a:fontRef idx="minor">
+            <a:schemeClr val="lt1"/>
+          </a:fontRef>
+        </p:style>
+        <p:txBody>
+          <a:bodyPr rtlCol="0" anchor="ctr"/>
+          <a:lstStyle/>
+          <a:p>
+            <a:pPr algn="ctr"/>
+            <a:r>
+              <a:rPr lang="en-US" altLang="ja-JP" sz="2400" dirty="0" smtClean="0">
+                <a:solidFill>
+                  <a:schemeClr val="tx1"/>
+                </a:solidFill>
+              </a:rPr>
+              <a:t>Server0</a:t>
+            </a:r>
+            <a:endParaRPr kumimoji="1" lang="ja-JP" altLang="en-US" sz="2400" dirty="0" smtClean="0">
+              <a:solidFill>
+                <a:schemeClr val="tx1"/>
+              </a:solidFill>
+            </a:endParaRPr>
+          </a:p>
+        </p:txBody>
+      </p:sp>
+      <p:sp>
+        <p:nvSpPr>
+          <p:cNvPr id="36" name="正方形/長方形 35"/>
+          <p:cNvSpPr/>
+          <p:nvPr/>
+        </p:nvSpPr>
+        <p:spPr>
+          <a:xfrm>
+            <a:off x="2210375" y="977322"/>
+            <a:ext cx="2080438" cy="439891"/>
+          </a:xfrm>
+          <a:prstGeom prst="rect">
+            <a:avLst/>
+          </a:prstGeom>
+          <a:noFill/>
+          <a:ln>
+            <a:solidFill>
+              <a:schemeClr val="tx1"/>
+            </a:solidFill>
+          </a:ln>
+        </p:spPr>
+        <p:style>
+          <a:lnRef idx="2">
+            <a:schemeClr val="accent1">
+              <a:shade val="50000"/>
+            </a:schemeClr>
+          </a:lnRef>
+          <a:fillRef idx="1">
+            <a:schemeClr val="accent1"/>
+          </a:fillRef>
+          <a:effectRef idx="0">
+            <a:schemeClr val="accent1"/>
+          </a:effectRef>
+          <a:fontRef idx="minor">
+            <a:schemeClr val="lt1"/>
+          </a:fontRef>
+        </p:style>
+        <p:txBody>
+          <a:bodyPr rtlCol="0" anchor="ctr"/>
+          <a:lstStyle/>
+          <a:p>
+            <a:pPr algn="ctr"/>
+            <a:r>
+              <a:rPr lang="en-US" altLang="ja-JP" sz="2400" dirty="0" smtClean="0">
+                <a:solidFill>
+                  <a:schemeClr val="tx1"/>
+                </a:solidFill>
+              </a:rPr>
+              <a:t>PrivateCache0</a:t>
+            </a:r>
+            <a:endParaRPr kumimoji="1" lang="ja-JP" altLang="en-US" sz="2400" dirty="0" smtClean="0">
+              <a:solidFill>
+                <a:schemeClr val="tx1"/>
+              </a:solidFill>
+            </a:endParaRPr>
+          </a:p>
+        </p:txBody>
+      </p:sp>
+      <p:sp>
+        <p:nvSpPr>
+          <p:cNvPr id="39" name="角丸四角形 38"/>
+          <p:cNvSpPr/>
+          <p:nvPr/>
+        </p:nvSpPr>
+        <p:spPr>
+          <a:xfrm>
+            <a:off x="2352421" y="2886114"/>
+            <a:ext cx="1943985" cy="487388"/>
+          </a:xfrm>
+          <a:prstGeom prst="roundRect">
+            <a:avLst>
+              <a:gd name="adj" fmla="val 21972"/>
+            </a:avLst>
+          </a:prstGeom>
+          <a:noFill/>
+          <a:ln>
+            <a:solidFill>
+              <a:schemeClr val="tx1"/>
+            </a:solidFill>
+          </a:ln>
+        </p:spPr>
+        <p:style>
+          <a:lnRef idx="2">
+            <a:schemeClr val="accent1">
+              <a:shade val="50000"/>
+            </a:schemeClr>
+          </a:lnRef>
+          <a:fillRef idx="1">
+            <a:schemeClr val="accent1"/>
+          </a:fillRef>
+          <a:effectRef idx="0">
+            <a:schemeClr val="accent1"/>
+          </a:effectRef>
+          <a:fontRef idx="minor">
+            <a:schemeClr val="lt1"/>
+          </a:fontRef>
+        </p:style>
+        <p:txBody>
+          <a:bodyPr rtlCol="0" anchor="ctr"/>
+          <a:lstStyle/>
+          <a:p>
+            <a:pPr algn="ctr"/>
+            <a:r>
+              <a:rPr lang="en-US" altLang="ja-JP" sz="2400" dirty="0" smtClean="0">
+                <a:solidFill>
+                  <a:schemeClr val="tx1"/>
+                </a:solidFill>
+              </a:rPr>
+              <a:t>Request0</a:t>
+            </a:r>
+            <a:endParaRPr kumimoji="1" lang="en-US" altLang="ja-JP" sz="2000" dirty="0" smtClean="0">
+              <a:solidFill>
+                <a:schemeClr val="tx1"/>
+              </a:solidFill>
+            </a:endParaRPr>
+          </a:p>
+        </p:txBody>
+      </p:sp>
+      <p:sp>
+        <p:nvSpPr>
+          <p:cNvPr id="40" name="角丸四角形 39"/>
+          <p:cNvSpPr/>
+          <p:nvPr/>
+        </p:nvSpPr>
+        <p:spPr>
+          <a:xfrm>
+            <a:off x="6096029" y="2886114"/>
+            <a:ext cx="1943985" cy="487388"/>
+          </a:xfrm>
+          <a:prstGeom prst="roundRect">
+            <a:avLst>
+              <a:gd name="adj" fmla="val 21972"/>
+            </a:avLst>
+          </a:prstGeom>
+          <a:noFill/>
+          <a:ln>
+            <a:solidFill>
+              <a:schemeClr val="tx1"/>
+            </a:solidFill>
+          </a:ln>
+        </p:spPr>
+        <p:style>
+          <a:lnRef idx="2">
+            <a:schemeClr val="accent1">
+              <a:shade val="50000"/>
+            </a:schemeClr>
+          </a:lnRef>
+          <a:fillRef idx="1">
+            <a:schemeClr val="accent1"/>
+          </a:fillRef>
+          <a:effectRef idx="0">
+            <a:schemeClr val="accent1"/>
+          </a:effectRef>
+          <a:fontRef idx="minor">
+            <a:schemeClr val="lt1"/>
+          </a:fontRef>
+        </p:style>
+        <p:txBody>
+          <a:bodyPr rtlCol="0" anchor="ctr"/>
+          <a:lstStyle/>
+          <a:p>
+            <a:pPr algn="ctr"/>
+            <a:r>
+              <a:rPr lang="en-US" altLang="ja-JP" sz="2400" dirty="0" smtClean="0">
+                <a:solidFill>
+                  <a:schemeClr val="tx1"/>
+                </a:solidFill>
+              </a:rPr>
+              <a:t>CacheReuse0</a:t>
+            </a:r>
+            <a:endParaRPr kumimoji="1" lang="en-US" altLang="ja-JP" sz="2000" dirty="0" smtClean="0">
+              <a:solidFill>
+                <a:schemeClr val="tx1"/>
+              </a:solidFill>
+            </a:endParaRPr>
+          </a:p>
+        </p:txBody>
+      </p:sp>
+      <p:sp>
+        <p:nvSpPr>
+          <p:cNvPr id="41" name="正方形/長方形 40"/>
+          <p:cNvSpPr/>
+          <p:nvPr/>
+        </p:nvSpPr>
+        <p:spPr>
+          <a:xfrm>
+            <a:off x="2829113" y="1891715"/>
+            <a:ext cx="1467293" cy="455177"/>
+          </a:xfrm>
+          <a:prstGeom prst="rect">
+            <a:avLst/>
+          </a:prstGeom>
+          <a:noFill/>
+          <a:ln>
+            <a:solidFill>
+              <a:schemeClr val="tx1"/>
+            </a:solidFill>
+          </a:ln>
+        </p:spPr>
+        <p:style>
+          <a:lnRef idx="2">
+            <a:schemeClr val="accent1">
+              <a:shade val="50000"/>
+            </a:schemeClr>
+          </a:lnRef>
+          <a:fillRef idx="1">
+            <a:schemeClr val="accent1"/>
+          </a:fillRef>
+          <a:effectRef idx="0">
+            <a:schemeClr val="accent1"/>
+          </a:effectRef>
+          <a:fontRef idx="minor">
+            <a:schemeClr val="lt1"/>
+          </a:fontRef>
+        </p:style>
+        <p:txBody>
+          <a:bodyPr rtlCol="0" anchor="ctr"/>
+          <a:lstStyle/>
+          <a:p>
+            <a:pPr algn="ctr"/>
+            <a:r>
+              <a:rPr lang="en-US" altLang="ja-JP" sz="2400" dirty="0" smtClean="0">
+                <a:solidFill>
+                  <a:schemeClr val="tx1"/>
+                </a:solidFill>
+              </a:rPr>
+              <a:t>Browser0</a:t>
+            </a:r>
+            <a:endParaRPr kumimoji="1" lang="ja-JP" altLang="en-US" sz="2400" dirty="0" smtClean="0">
+              <a:solidFill>
+                <a:schemeClr val="tx1"/>
+              </a:solidFill>
+            </a:endParaRPr>
+          </a:p>
+        </p:txBody>
+      </p:sp>
+      <p:sp>
+        <p:nvSpPr>
+          <p:cNvPr id="42" name="正方形/長方形 41"/>
+          <p:cNvSpPr/>
+          <p:nvPr/>
+        </p:nvSpPr>
+        <p:spPr>
+          <a:xfrm>
+            <a:off x="3937145" y="3588205"/>
+            <a:ext cx="2518144" cy="439891"/>
+          </a:xfrm>
+          <a:prstGeom prst="rect">
+            <a:avLst/>
+          </a:prstGeom>
+          <a:noFill/>
+          <a:ln>
+            <a:solidFill>
+              <a:schemeClr val="tx1"/>
+            </a:solidFill>
+          </a:ln>
+        </p:spPr>
+        <p:style>
+          <a:lnRef idx="2">
+            <a:schemeClr val="accent1">
+              <a:shade val="50000"/>
+            </a:schemeClr>
+          </a:lnRef>
+          <a:fillRef idx="1">
+            <a:schemeClr val="accent1"/>
+          </a:fillRef>
+          <a:effectRef idx="0">
+            <a:schemeClr val="accent1"/>
+          </a:effectRef>
+          <a:fontRef idx="minor">
+            <a:schemeClr val="lt1"/>
+          </a:fontRef>
+        </p:style>
+        <p:txBody>
+          <a:bodyPr rtlCol="0" anchor="ctr"/>
+          <a:lstStyle/>
+          <a:p>
+            <a:pPr algn="ctr"/>
+            <a:r>
+              <a:rPr lang="en-US" altLang="ja-JP" sz="2400" dirty="0" smtClean="0">
+                <a:solidFill>
+                  <a:schemeClr val="tx1"/>
+                </a:solidFill>
+              </a:rPr>
+              <a:t>StateTransaction0</a:t>
+            </a:r>
+            <a:endParaRPr kumimoji="1" lang="ja-JP" altLang="en-US" sz="2400" dirty="0" smtClean="0">
+              <a:solidFill>
+                <a:schemeClr val="tx1"/>
+              </a:solidFill>
+            </a:endParaRPr>
+          </a:p>
+        </p:txBody>
+      </p:sp>
+      <p:sp>
+        <p:nvSpPr>
+          <p:cNvPr id="47" name="角丸四角形 46"/>
+          <p:cNvSpPr/>
+          <p:nvPr/>
+        </p:nvSpPr>
+        <p:spPr>
+          <a:xfrm>
+            <a:off x="4136065" y="4392552"/>
+            <a:ext cx="2120307" cy="811315"/>
+          </a:xfrm>
+          <a:prstGeom prst="roundRect">
+            <a:avLst>
+              <a:gd name="adj" fmla="val 21972"/>
+            </a:avLst>
+          </a:prstGeom>
+          <a:noFill/>
+          <a:ln>
+            <a:solidFill>
+              <a:schemeClr val="tx1"/>
+            </a:solidFill>
+          </a:ln>
+        </p:spPr>
+        <p:style>
+          <a:lnRef idx="2">
+            <a:schemeClr val="accent1">
+              <a:shade val="50000"/>
+            </a:schemeClr>
+          </a:lnRef>
+          <a:fillRef idx="1">
+            <a:schemeClr val="accent1"/>
+          </a:fillRef>
+          <a:effectRef idx="0">
+            <a:schemeClr val="accent1"/>
+          </a:effectRef>
+          <a:fontRef idx="minor">
+            <a:schemeClr val="lt1"/>
+          </a:fontRef>
+        </p:style>
+        <p:txBody>
+          <a:bodyPr rtlCol="0" anchor="ctr"/>
+          <a:lstStyle/>
+          <a:p>
+            <a:pPr algn="ctr"/>
+            <a:r>
+              <a:rPr lang="en-US" altLang="ja-JP" sz="2800" dirty="0" smtClean="0">
+                <a:solidFill>
+                  <a:schemeClr val="tx1"/>
+                </a:solidFill>
+              </a:rPr>
+              <a:t>CacheState0</a:t>
+            </a:r>
+            <a:endParaRPr kumimoji="1" lang="en-US" altLang="ja-JP" sz="2000" dirty="0" smtClean="0">
+              <a:solidFill>
+                <a:schemeClr val="tx1"/>
+              </a:solidFill>
+            </a:endParaRPr>
+          </a:p>
+        </p:txBody>
+      </p:sp>
+      <p:grpSp>
+        <p:nvGrpSpPr>
+          <p:cNvPr id="14" name="グループ化 13"/>
+          <p:cNvGrpSpPr/>
+          <p:nvPr/>
+        </p:nvGrpSpPr>
+        <p:grpSpPr>
+          <a:xfrm>
+            <a:off x="4296406" y="5418803"/>
+            <a:ext cx="1799623" cy="933884"/>
+            <a:chOff x="2612889" y="5700832"/>
+            <a:chExt cx="1799623" cy="933884"/>
+          </a:xfrm>
+        </p:grpSpPr>
+        <p:sp>
+          <p:nvSpPr>
+            <p:cNvPr id="48" name="正方形/長方形 47"/>
+            <p:cNvSpPr/>
+            <p:nvPr/>
+          </p:nvSpPr>
+          <p:spPr>
+            <a:xfrm>
+              <a:off x="2612889" y="5700832"/>
+              <a:ext cx="1799623" cy="933884"/>
+            </a:xfrm>
+            <a:prstGeom prst="rect">
+              <a:avLst/>
+            </a:prstGeom>
+            <a:noFill/>
+            <a:ln w="28575">
+              <a:solidFill>
+                <a:schemeClr val="tx1"/>
+              </a:solidFill>
+              <a:prstDash val="sysDot"/>
+            </a:ln>
+          </p:spPr>
+          <p:style>
+            <a:lnRef idx="2">
+              <a:schemeClr val="accent1">
+                <a:shade val="50000"/>
+              </a:schemeClr>
+            </a:lnRef>
+            <a:fillRef idx="1">
+              <a:schemeClr val="accent1"/>
+            </a:fillRef>
+            <a:effectRef idx="0">
+              <a:schemeClr val="accent1"/>
+            </a:effectRef>
+            <a:fontRef idx="minor">
+              <a:schemeClr val="lt1"/>
+            </a:fontRef>
+          </p:style>
+          <p:txBody>
+            <a:bodyPr rtlCol="0" anchor="ctr"/>
+            <a:lstStyle/>
+            <a:p>
+              <a:pPr algn="ctr"/>
+              <a:endParaRPr kumimoji="1" lang="ja-JP" altLang="en-US" sz="2000" dirty="0" smtClean="0">
+                <a:solidFill>
+                  <a:schemeClr val="tx1"/>
+                </a:solidFill>
+              </a:endParaRPr>
+            </a:p>
+          </p:txBody>
+        </p:sp>
+        <p:sp>
+          <p:nvSpPr>
+            <p:cNvPr id="50" name="角丸四角形 49"/>
+            <p:cNvSpPr/>
+            <p:nvPr/>
+          </p:nvSpPr>
+          <p:spPr>
+            <a:xfrm>
+              <a:off x="2702411" y="5774057"/>
+              <a:ext cx="1620578" cy="382173"/>
+            </a:xfrm>
+            <a:prstGeom prst="roundRect">
+              <a:avLst>
+                <a:gd name="adj" fmla="val 21972"/>
+              </a:avLst>
+            </a:prstGeom>
+            <a:noFill/>
+            <a:ln>
+              <a:solidFill>
+                <a:schemeClr val="tx1"/>
+              </a:solidFill>
+            </a:ln>
+          </p:spPr>
+          <p:style>
+            <a:lnRef idx="2">
+              <a:schemeClr val="accent1">
+                <a:shade val="50000"/>
+              </a:schemeClr>
+            </a:lnRef>
+            <a:fillRef idx="1">
+              <a:schemeClr val="accent1"/>
+            </a:fillRef>
+            <a:effectRef idx="0">
+              <a:schemeClr val="accent1"/>
+            </a:effectRef>
+            <a:fontRef idx="minor">
+              <a:schemeClr val="lt1"/>
+            </a:fontRef>
+          </p:style>
+          <p:txBody>
+            <a:bodyPr rtlCol="0" anchor="ctr"/>
+            <a:lstStyle/>
+            <a:p>
+              <a:pPr algn="ctr"/>
+              <a:r>
+                <a:rPr lang="en-US" altLang="ja-JP" sz="2400" dirty="0" smtClean="0">
+                  <a:solidFill>
+                    <a:schemeClr val="tx1"/>
+                  </a:solidFill>
+                </a:rPr>
+                <a:t>Response0</a:t>
+              </a:r>
+              <a:endParaRPr kumimoji="1" lang="en-US" altLang="ja-JP" sz="2000" dirty="0" smtClean="0">
+                <a:solidFill>
+                  <a:schemeClr val="tx1"/>
+                </a:solidFill>
+              </a:endParaRPr>
+            </a:p>
+          </p:txBody>
+        </p:sp>
+      </p:grpSp>
+      <p:cxnSp>
+        <p:nvCxnSpPr>
+          <p:cNvPr id="7" name="直線矢印コネクタ 6"/>
+          <p:cNvCxnSpPr>
+            <a:stCxn id="47" idx="2"/>
+            <a:endCxn id="48" idx="0"/>
+          </p:cNvCxnSpPr>
+          <p:nvPr/>
+        </p:nvCxnSpPr>
+        <p:spPr>
+          <a:xfrm flipH="1">
+            <a:off x="5196218" y="5203867"/>
+            <a:ext cx="1" cy="214936"/>
+          </a:xfrm>
+          <a:prstGeom prst="straightConnector1">
+            <a:avLst/>
+          </a:prstGeom>
+          <a:ln w="28575">
+            <a:solidFill>
+              <a:schemeClr val="tx1"/>
+            </a:solidFill>
+            <a:prstDash val="sysDot"/>
+            <a:tailEnd type="triangle"/>
+          </a:ln>
+        </p:spPr>
+        <p:style>
+          <a:lnRef idx="1">
+            <a:schemeClr val="accent1"/>
+          </a:lnRef>
+          <a:fillRef idx="0">
+            <a:schemeClr val="accent1"/>
+          </a:fillRef>
+          <a:effectRef idx="0">
+            <a:schemeClr val="accent1"/>
+          </a:effectRef>
+          <a:fontRef idx="minor">
+            <a:schemeClr val="tx1"/>
+          </a:fontRef>
+        </p:style>
+      </p:cxnSp>
+      <p:cxnSp>
+        <p:nvCxnSpPr>
+          <p:cNvPr id="54" name="直線矢印コネクタ 53"/>
+          <p:cNvCxnSpPr>
+            <a:stCxn id="42" idx="2"/>
+            <a:endCxn id="47" idx="0"/>
+          </p:cNvCxnSpPr>
+          <p:nvPr/>
+        </p:nvCxnSpPr>
+        <p:spPr>
+          <a:xfrm>
+            <a:off x="5196217" y="4028096"/>
+            <a:ext cx="2" cy="364456"/>
+          </a:xfrm>
+          <a:prstGeom prst="straightConnector1">
+            <a:avLst/>
+          </a:prstGeom>
+          <a:ln w="12700">
+            <a:solidFill>
+              <a:schemeClr val="tx1"/>
+            </a:solidFill>
+            <a:prstDash val="solid"/>
+            <a:headEnd w="lg" len="med"/>
+            <a:tailEnd type="triangle" w="lg" len="med"/>
+          </a:ln>
+        </p:spPr>
+        <p:style>
+          <a:lnRef idx="1">
+            <a:schemeClr val="accent1"/>
+          </a:lnRef>
+          <a:fillRef idx="0">
+            <a:schemeClr val="accent1"/>
+          </a:fillRef>
+          <a:effectRef idx="0">
+            <a:schemeClr val="accent1"/>
+          </a:effectRef>
+          <a:fontRef idx="minor">
+            <a:schemeClr val="tx1"/>
+          </a:fontRef>
+        </p:style>
+      </p:cxnSp>
+      <p:sp>
+        <p:nvSpPr>
+          <p:cNvPr id="57" name="テキスト ボックス 56"/>
+          <p:cNvSpPr txBox="1"/>
+          <p:nvPr/>
+        </p:nvSpPr>
+        <p:spPr>
+          <a:xfrm>
+            <a:off x="5218323" y="3986608"/>
+            <a:ext cx="1817742" cy="369332"/>
+          </a:xfrm>
+          <a:prstGeom prst="rect">
+            <a:avLst/>
+          </a:prstGeom>
+          <a:noFill/>
+        </p:spPr>
+        <p:txBody>
+          <a:bodyPr wrap="none" rtlCol="0">
+            <a:spAutoFit/>
+          </a:bodyPr>
+          <a:lstStyle/>
+          <a:p>
+            <a:r>
+              <a:rPr kumimoji="1" lang="en-US" altLang="ja-JP" dirty="0" smtClean="0"/>
+              <a:t>after/</a:t>
+            </a:r>
+            <a:r>
+              <a:rPr kumimoji="1" lang="en-US" altLang="ja-JP" dirty="0" err="1" smtClean="0"/>
+              <a:t>beforeState</a:t>
+            </a:r>
+            <a:endParaRPr kumimoji="1" lang="ja-JP" altLang="en-US" dirty="0"/>
+          </a:p>
+        </p:txBody>
+      </p:sp>
+      <p:cxnSp>
+        <p:nvCxnSpPr>
+          <p:cNvPr id="19" name="カギ線コネクタ 18"/>
+          <p:cNvCxnSpPr>
+            <a:stCxn id="42" idx="1"/>
+            <a:endCxn id="39" idx="2"/>
+          </p:cNvCxnSpPr>
+          <p:nvPr/>
+        </p:nvCxnSpPr>
+        <p:spPr>
+          <a:xfrm rot="10800000">
+            <a:off x="3324415" y="3373503"/>
+            <a:ext cx="612731" cy="434649"/>
+          </a:xfrm>
+          <a:prstGeom prst="bentConnector2">
+            <a:avLst/>
+          </a:prstGeom>
+          <a:ln w="12700">
+            <a:solidFill>
+              <a:schemeClr val="tx1"/>
+            </a:solidFill>
+            <a:prstDash val="solid"/>
+            <a:tailEnd type="triangle" w="lg" len="med"/>
+          </a:ln>
+        </p:spPr>
+        <p:style>
+          <a:lnRef idx="1">
+            <a:schemeClr val="accent1"/>
+          </a:lnRef>
+          <a:fillRef idx="0">
+            <a:schemeClr val="accent1"/>
+          </a:fillRef>
+          <a:effectRef idx="0">
+            <a:schemeClr val="accent1"/>
+          </a:effectRef>
+          <a:fontRef idx="minor">
+            <a:schemeClr val="tx1"/>
+          </a:fontRef>
+        </p:style>
+      </p:cxnSp>
+      <p:cxnSp>
+        <p:nvCxnSpPr>
+          <p:cNvPr id="60" name="カギ線コネクタ 59"/>
+          <p:cNvCxnSpPr>
+            <a:stCxn id="42" idx="3"/>
+            <a:endCxn id="40" idx="2"/>
+          </p:cNvCxnSpPr>
+          <p:nvPr/>
+        </p:nvCxnSpPr>
+        <p:spPr>
+          <a:xfrm flipV="1">
+            <a:off x="6455289" y="3373502"/>
+            <a:ext cx="612733" cy="434649"/>
+          </a:xfrm>
+          <a:prstGeom prst="bentConnector2">
+            <a:avLst/>
+          </a:prstGeom>
+          <a:ln w="12700">
+            <a:solidFill>
+              <a:schemeClr val="tx1"/>
+            </a:solidFill>
+            <a:prstDash val="solid"/>
+            <a:tailEnd type="triangle" w="lg" len="med"/>
+          </a:ln>
+        </p:spPr>
+        <p:style>
+          <a:lnRef idx="1">
+            <a:schemeClr val="accent1"/>
+          </a:lnRef>
+          <a:fillRef idx="0">
+            <a:schemeClr val="accent1"/>
+          </a:fillRef>
+          <a:effectRef idx="0">
+            <a:schemeClr val="accent1"/>
+          </a:effectRef>
+          <a:fontRef idx="minor">
+            <a:schemeClr val="tx1"/>
+          </a:fontRef>
+        </p:style>
+      </p:cxnSp>
+      <p:cxnSp>
+        <p:nvCxnSpPr>
+          <p:cNvPr id="30" name="曲線コネクタ 29"/>
+          <p:cNvCxnSpPr>
+            <a:stCxn id="47" idx="1"/>
+            <a:endCxn id="36" idx="1"/>
+          </p:cNvCxnSpPr>
+          <p:nvPr/>
+        </p:nvCxnSpPr>
+        <p:spPr>
+          <a:xfrm rot="10800000">
+            <a:off x="2210375" y="1197268"/>
+            <a:ext cx="1925690" cy="3600942"/>
+          </a:xfrm>
+          <a:prstGeom prst="curvedConnector3">
+            <a:avLst>
+              <a:gd name="adj1" fmla="val 111871"/>
+            </a:avLst>
+          </a:prstGeom>
+          <a:ln w="12700">
+            <a:solidFill>
+              <a:schemeClr val="tx1"/>
+            </a:solidFill>
+            <a:prstDash val="solid"/>
+            <a:tailEnd type="triangle"/>
+          </a:ln>
+        </p:spPr>
+        <p:style>
+          <a:lnRef idx="1">
+            <a:schemeClr val="accent1"/>
+          </a:lnRef>
+          <a:fillRef idx="0">
+            <a:schemeClr val="accent1"/>
+          </a:fillRef>
+          <a:effectRef idx="0">
+            <a:schemeClr val="accent1"/>
+          </a:effectRef>
+          <a:fontRef idx="minor">
+            <a:schemeClr val="tx1"/>
+          </a:fontRef>
+        </p:style>
+      </p:cxnSp>
+      <p:sp>
+        <p:nvSpPr>
+          <p:cNvPr id="75" name="テキスト ボックス 74"/>
+          <p:cNvSpPr txBox="1"/>
+          <p:nvPr/>
+        </p:nvSpPr>
+        <p:spPr>
+          <a:xfrm>
+            <a:off x="3490074" y="4447040"/>
+            <a:ext cx="726161" cy="369332"/>
+          </a:xfrm>
+          <a:prstGeom prst="rect">
+            <a:avLst/>
+          </a:prstGeom>
+          <a:noFill/>
+        </p:spPr>
+        <p:txBody>
+          <a:bodyPr wrap="none" rtlCol="0">
+            <a:spAutoFit/>
+          </a:bodyPr>
+          <a:lstStyle/>
+          <a:p>
+            <a:r>
+              <a:rPr kumimoji="1" lang="en-US" altLang="ja-JP" dirty="0" smtClean="0"/>
+              <a:t>cache</a:t>
+            </a:r>
+            <a:endParaRPr kumimoji="1" lang="ja-JP" altLang="en-US" dirty="0"/>
+          </a:p>
+        </p:txBody>
+      </p:sp>
+      <p:sp>
+        <p:nvSpPr>
+          <p:cNvPr id="77" name="テキスト ボックス 76"/>
+          <p:cNvSpPr txBox="1"/>
+          <p:nvPr/>
+        </p:nvSpPr>
+        <p:spPr>
+          <a:xfrm>
+            <a:off x="3486332" y="1508882"/>
+            <a:ext cx="726161" cy="369332"/>
+          </a:xfrm>
+          <a:prstGeom prst="rect">
+            <a:avLst/>
+          </a:prstGeom>
+          <a:noFill/>
+        </p:spPr>
+        <p:txBody>
+          <a:bodyPr wrap="none" rtlCol="0">
+            <a:spAutoFit/>
+          </a:bodyPr>
+          <a:lstStyle/>
+          <a:p>
+            <a:r>
+              <a:rPr kumimoji="1" lang="en-US" altLang="ja-JP" dirty="0" smtClean="0"/>
+              <a:t>cache</a:t>
+            </a:r>
+            <a:endParaRPr kumimoji="1" lang="ja-JP" altLang="en-US" dirty="0"/>
+          </a:p>
+        </p:txBody>
+      </p:sp>
+      <p:cxnSp>
+        <p:nvCxnSpPr>
+          <p:cNvPr id="84" name="直線矢印コネクタ 83"/>
+          <p:cNvCxnSpPr>
+            <a:stCxn id="39" idx="0"/>
+            <a:endCxn id="35" idx="2"/>
+          </p:cNvCxnSpPr>
+          <p:nvPr/>
+        </p:nvCxnSpPr>
+        <p:spPr>
+          <a:xfrm flipV="1">
+            <a:off x="3324414" y="2331606"/>
+            <a:ext cx="3505262" cy="554508"/>
+          </a:xfrm>
+          <a:prstGeom prst="straightConnector1">
+            <a:avLst/>
+          </a:prstGeom>
+          <a:ln w="12700">
+            <a:solidFill>
+              <a:schemeClr val="tx1"/>
+            </a:solidFill>
+            <a:prstDash val="solid"/>
+            <a:headEnd w="lg" len="med"/>
+            <a:tailEnd type="triangle" w="lg" len="med"/>
+          </a:ln>
+        </p:spPr>
+        <p:style>
+          <a:lnRef idx="1">
+            <a:schemeClr val="accent1"/>
+          </a:lnRef>
+          <a:fillRef idx="0">
+            <a:schemeClr val="accent1"/>
+          </a:fillRef>
+          <a:effectRef idx="0">
+            <a:schemeClr val="accent1"/>
+          </a:effectRef>
+          <a:fontRef idx="minor">
+            <a:schemeClr val="tx1"/>
+          </a:fontRef>
+        </p:style>
+      </p:cxnSp>
+      <p:cxnSp>
+        <p:nvCxnSpPr>
+          <p:cNvPr id="87" name="直線矢印コネクタ 86"/>
+          <p:cNvCxnSpPr>
+            <a:stCxn id="39" idx="0"/>
+            <a:endCxn id="41" idx="2"/>
+          </p:cNvCxnSpPr>
+          <p:nvPr/>
+        </p:nvCxnSpPr>
+        <p:spPr>
+          <a:xfrm flipV="1">
+            <a:off x="3324414" y="2346892"/>
+            <a:ext cx="238346" cy="539222"/>
+          </a:xfrm>
+          <a:prstGeom prst="straightConnector1">
+            <a:avLst/>
+          </a:prstGeom>
+          <a:ln w="12700">
+            <a:solidFill>
+              <a:schemeClr val="tx1"/>
+            </a:solidFill>
+            <a:prstDash val="solid"/>
+            <a:headEnd w="lg" len="med"/>
+            <a:tailEnd type="triangle" w="lg" len="med"/>
+          </a:ln>
+        </p:spPr>
+        <p:style>
+          <a:lnRef idx="1">
+            <a:schemeClr val="accent1"/>
+          </a:lnRef>
+          <a:fillRef idx="0">
+            <a:schemeClr val="accent1"/>
+          </a:fillRef>
+          <a:effectRef idx="0">
+            <a:schemeClr val="accent1"/>
+          </a:effectRef>
+          <a:fontRef idx="minor">
+            <a:schemeClr val="tx1"/>
+          </a:fontRef>
+        </p:style>
+      </p:cxnSp>
+      <p:cxnSp>
+        <p:nvCxnSpPr>
+          <p:cNvPr id="90" name="直線矢印コネクタ 89"/>
+          <p:cNvCxnSpPr>
+            <a:stCxn id="40" idx="0"/>
+            <a:endCxn id="41" idx="3"/>
+          </p:cNvCxnSpPr>
+          <p:nvPr/>
+        </p:nvCxnSpPr>
+        <p:spPr>
+          <a:xfrm flipH="1" flipV="1">
+            <a:off x="4296406" y="2119304"/>
+            <a:ext cx="2771616" cy="766810"/>
+          </a:xfrm>
+          <a:prstGeom prst="straightConnector1">
+            <a:avLst/>
+          </a:prstGeom>
+          <a:ln w="12700">
+            <a:solidFill>
+              <a:schemeClr val="tx1"/>
+            </a:solidFill>
+            <a:prstDash val="solid"/>
+            <a:headEnd w="lg" len="med"/>
+            <a:tailEnd type="triangle" w="lg" len="med"/>
+          </a:ln>
+        </p:spPr>
+        <p:style>
+          <a:lnRef idx="1">
+            <a:schemeClr val="accent1"/>
+          </a:lnRef>
+          <a:fillRef idx="0">
+            <a:schemeClr val="accent1"/>
+          </a:fillRef>
+          <a:effectRef idx="0">
+            <a:schemeClr val="accent1"/>
+          </a:effectRef>
+          <a:fontRef idx="minor">
+            <a:schemeClr val="tx1"/>
+          </a:fontRef>
+        </p:style>
+      </p:cxnSp>
+      <p:cxnSp>
+        <p:nvCxnSpPr>
+          <p:cNvPr id="95" name="直線矢印コネクタ 94"/>
+          <p:cNvCxnSpPr>
+            <a:stCxn id="41" idx="0"/>
+            <a:endCxn id="36" idx="2"/>
+          </p:cNvCxnSpPr>
+          <p:nvPr/>
+        </p:nvCxnSpPr>
+        <p:spPr>
+          <a:xfrm flipH="1" flipV="1">
+            <a:off x="3250594" y="1417213"/>
+            <a:ext cx="312166" cy="474502"/>
+          </a:xfrm>
+          <a:prstGeom prst="straightConnector1">
+            <a:avLst/>
+          </a:prstGeom>
+          <a:ln w="12700">
+            <a:solidFill>
+              <a:schemeClr val="tx1"/>
+            </a:solidFill>
+            <a:prstDash val="solid"/>
+            <a:headEnd w="lg" len="med"/>
+            <a:tailEnd type="triangle" w="lg" len="med"/>
+          </a:ln>
+        </p:spPr>
+        <p:style>
+          <a:lnRef idx="1">
+            <a:schemeClr val="accent1"/>
+          </a:lnRef>
+          <a:fillRef idx="0">
+            <a:schemeClr val="accent1"/>
+          </a:fillRef>
+          <a:effectRef idx="0">
+            <a:schemeClr val="accent1"/>
+          </a:effectRef>
+          <a:fontRef idx="minor">
+            <a:schemeClr val="tx1"/>
+          </a:fontRef>
+        </p:style>
+      </p:cxnSp>
+      <p:sp>
+        <p:nvSpPr>
+          <p:cNvPr id="100" name="テキスト ボックス 99"/>
+          <p:cNvSpPr txBox="1"/>
+          <p:nvPr/>
+        </p:nvSpPr>
+        <p:spPr>
+          <a:xfrm>
+            <a:off x="2725229" y="2549950"/>
+            <a:ext cx="637803" cy="369332"/>
+          </a:xfrm>
+          <a:prstGeom prst="rect">
+            <a:avLst/>
+          </a:prstGeom>
+          <a:noFill/>
+        </p:spPr>
+        <p:txBody>
+          <a:bodyPr wrap="none" rtlCol="0">
+            <a:spAutoFit/>
+          </a:bodyPr>
+          <a:lstStyle/>
+          <a:p>
+            <a:r>
+              <a:rPr kumimoji="1" lang="en-US" altLang="ja-JP" dirty="0" smtClean="0"/>
+              <a:t>from</a:t>
+            </a:r>
+            <a:endParaRPr kumimoji="1" lang="ja-JP" altLang="en-US" dirty="0"/>
+          </a:p>
+        </p:txBody>
+      </p:sp>
+      <p:sp>
+        <p:nvSpPr>
+          <p:cNvPr id="101" name="テキスト ボックス 100"/>
+          <p:cNvSpPr txBox="1"/>
+          <p:nvPr/>
+        </p:nvSpPr>
+        <p:spPr>
+          <a:xfrm>
+            <a:off x="6810028" y="2549440"/>
+            <a:ext cx="1029897" cy="369332"/>
+          </a:xfrm>
+          <a:prstGeom prst="rect">
+            <a:avLst/>
+          </a:prstGeom>
+          <a:noFill/>
+        </p:spPr>
+        <p:txBody>
+          <a:bodyPr wrap="none" rtlCol="0">
+            <a:spAutoFit/>
+          </a:bodyPr>
+          <a:lstStyle/>
+          <a:p>
+            <a:r>
+              <a:rPr kumimoji="1" lang="en-US" altLang="ja-JP" dirty="0" smtClean="0"/>
+              <a:t>from / to</a:t>
+            </a:r>
+            <a:endParaRPr kumimoji="1" lang="ja-JP" altLang="en-US" dirty="0"/>
+          </a:p>
+        </p:txBody>
+      </p:sp>
+      <p:sp>
+        <p:nvSpPr>
+          <p:cNvPr id="102" name="テキスト ボックス 101"/>
+          <p:cNvSpPr txBox="1"/>
+          <p:nvPr/>
+        </p:nvSpPr>
+        <p:spPr>
+          <a:xfrm>
+            <a:off x="4318275" y="2373033"/>
+            <a:ext cx="381195" cy="369332"/>
+          </a:xfrm>
+          <a:prstGeom prst="rect">
+            <a:avLst/>
+          </a:prstGeom>
+          <a:noFill/>
+        </p:spPr>
+        <p:txBody>
+          <a:bodyPr wrap="none" rtlCol="0">
+            <a:spAutoFit/>
+          </a:bodyPr>
+          <a:lstStyle/>
+          <a:p>
+            <a:r>
+              <a:rPr kumimoji="1" lang="en-US" altLang="ja-JP" dirty="0" smtClean="0"/>
+              <a:t>to</a:t>
+            </a:r>
+            <a:endParaRPr kumimoji="1" lang="ja-JP" altLang="en-US" dirty="0"/>
+          </a:p>
+        </p:txBody>
+      </p:sp>
+      <p:cxnSp>
+        <p:nvCxnSpPr>
+          <p:cNvPr id="109" name="曲線コネクタ 108"/>
+          <p:cNvCxnSpPr>
+            <a:stCxn id="40" idx="3"/>
+            <a:endCxn id="48" idx="3"/>
+          </p:cNvCxnSpPr>
+          <p:nvPr/>
+        </p:nvCxnSpPr>
+        <p:spPr>
+          <a:xfrm flipH="1">
+            <a:off x="6096029" y="3129808"/>
+            <a:ext cx="1943985" cy="2755937"/>
+          </a:xfrm>
+          <a:prstGeom prst="curvedConnector3">
+            <a:avLst>
+              <a:gd name="adj1" fmla="val -11759"/>
+            </a:avLst>
+          </a:prstGeom>
+          <a:ln w="12700">
+            <a:solidFill>
+              <a:schemeClr val="tx1"/>
+            </a:solidFill>
+            <a:prstDash val="solid"/>
+            <a:tailEnd type="triangle"/>
+          </a:ln>
+        </p:spPr>
+        <p:style>
+          <a:lnRef idx="1">
+            <a:schemeClr val="accent1"/>
+          </a:lnRef>
+          <a:fillRef idx="0">
+            <a:schemeClr val="accent1"/>
+          </a:fillRef>
+          <a:effectRef idx="0">
+            <a:schemeClr val="accent1"/>
+          </a:effectRef>
+          <a:fontRef idx="minor">
+            <a:schemeClr val="tx1"/>
+          </a:fontRef>
+        </p:style>
+      </p:cxnSp>
+      <p:sp>
+        <p:nvSpPr>
+          <p:cNvPr id="113" name="テキスト ボックス 112"/>
+          <p:cNvSpPr txBox="1"/>
+          <p:nvPr/>
+        </p:nvSpPr>
+        <p:spPr>
+          <a:xfrm>
+            <a:off x="7563561" y="4371901"/>
+            <a:ext cx="744627" cy="369332"/>
+          </a:xfrm>
+          <a:prstGeom prst="rect">
+            <a:avLst/>
+          </a:prstGeom>
+          <a:noFill/>
+        </p:spPr>
+        <p:txBody>
+          <a:bodyPr wrap="none" rtlCol="0">
+            <a:spAutoFit/>
+          </a:bodyPr>
+          <a:lstStyle/>
+          <a:p>
+            <a:r>
+              <a:rPr kumimoji="1" lang="en-US" altLang="ja-JP" dirty="0" smtClean="0"/>
+              <a:t>target</a:t>
+            </a:r>
+            <a:endParaRPr kumimoji="1" lang="ja-JP" altLang="en-US" dirty="0"/>
+          </a:p>
+        </p:txBody>
+      </p:sp>
+    </p:spTree>
+    <p:extLst>
+      <p:ext uri="{BB962C8B-B14F-4D97-AF65-F5344CB8AC3E}">
+        <p14:creationId xmlns:p14="http://schemas.microsoft.com/office/powerpoint/2010/main" val="2871960436"/>
+      </p:ext>
+    </p:extLst>
+  </p:cSld>
+  <p:clrMapOvr>
+    <a:masterClrMapping/>
+  </p:clrMapOvr>
+</p:sld>
+</file>
+
 <file path=ppt/theme/theme1.xml><?xml version="1.0" encoding="utf-8"?>
 <a:theme xmlns:a="http://schemas.openxmlformats.org/drawingml/2006/main" name="Office テーマ">
   <a:themeElements>

--- a/fig/fig.pptx
+++ b/fig/fig.pptx
@@ -205,7 +205,7 @@
           <a:p>
             <a:fld id="{5132F9E5-22C7-4D67-BFE7-9836B898E847}" type="datetimeFigureOut">
               <a:rPr kumimoji="1" lang="ja-JP" altLang="en-US" smtClean="0"/>
-              <a:t>2018/1/30</a:t>
+              <a:t>2018/1/31</a:t>
             </a:fld>
             <a:endParaRPr kumimoji="1" lang="ja-JP" altLang="en-US"/>
           </a:p>
@@ -720,7 +720,7 @@
           <a:p>
             <a:fld id="{ABA9A1D1-5B79-412D-8149-C192A605B75C}" type="datetimeFigureOut">
               <a:rPr kumimoji="1" lang="ja-JP" altLang="en-US" smtClean="0"/>
-              <a:t>2018/1/30</a:t>
+              <a:t>2018/1/31</a:t>
             </a:fld>
             <a:endParaRPr kumimoji="1" lang="ja-JP" altLang="en-US"/>
           </a:p>
@@ -922,7 +922,7 @@
           <a:p>
             <a:fld id="{ABA9A1D1-5B79-412D-8149-C192A605B75C}" type="datetimeFigureOut">
               <a:rPr kumimoji="1" lang="ja-JP" altLang="en-US" smtClean="0"/>
-              <a:t>2018/1/30</a:t>
+              <a:t>2018/1/31</a:t>
             </a:fld>
             <a:endParaRPr kumimoji="1" lang="ja-JP" altLang="en-US"/>
           </a:p>
@@ -1134,7 +1134,7 @@
           <a:p>
             <a:fld id="{ABA9A1D1-5B79-412D-8149-C192A605B75C}" type="datetimeFigureOut">
               <a:rPr kumimoji="1" lang="ja-JP" altLang="en-US" smtClean="0"/>
-              <a:t>2018/1/30</a:t>
+              <a:t>2018/1/31</a:t>
             </a:fld>
             <a:endParaRPr kumimoji="1" lang="ja-JP" altLang="en-US"/>
           </a:p>
@@ -1336,7 +1336,7 @@
           <a:p>
             <a:fld id="{ABA9A1D1-5B79-412D-8149-C192A605B75C}" type="datetimeFigureOut">
               <a:rPr kumimoji="1" lang="ja-JP" altLang="en-US" smtClean="0"/>
-              <a:t>2018/1/30</a:t>
+              <a:t>2018/1/31</a:t>
             </a:fld>
             <a:endParaRPr kumimoji="1" lang="ja-JP" altLang="en-US"/>
           </a:p>
@@ -1582,7 +1582,7 @@
           <a:p>
             <a:fld id="{ABA9A1D1-5B79-412D-8149-C192A605B75C}" type="datetimeFigureOut">
               <a:rPr kumimoji="1" lang="ja-JP" altLang="en-US" smtClean="0"/>
-              <a:t>2018/1/30</a:t>
+              <a:t>2018/1/31</a:t>
             </a:fld>
             <a:endParaRPr kumimoji="1" lang="ja-JP" altLang="en-US"/>
           </a:p>
@@ -1878,7 +1878,7 @@
           <a:p>
             <a:fld id="{ABA9A1D1-5B79-412D-8149-C192A605B75C}" type="datetimeFigureOut">
               <a:rPr kumimoji="1" lang="ja-JP" altLang="en-US" smtClean="0"/>
-              <a:t>2018/1/30</a:t>
+              <a:t>2018/1/31</a:t>
             </a:fld>
             <a:endParaRPr kumimoji="1" lang="ja-JP" altLang="en-US"/>
           </a:p>
@@ -2309,7 +2309,7 @@
           <a:p>
             <a:fld id="{ABA9A1D1-5B79-412D-8149-C192A605B75C}" type="datetimeFigureOut">
               <a:rPr kumimoji="1" lang="ja-JP" altLang="en-US" smtClean="0"/>
-              <a:t>2018/1/30</a:t>
+              <a:t>2018/1/31</a:t>
             </a:fld>
             <a:endParaRPr kumimoji="1" lang="ja-JP" altLang="en-US"/>
           </a:p>
@@ -2427,7 +2427,7 @@
           <a:p>
             <a:fld id="{ABA9A1D1-5B79-412D-8149-C192A605B75C}" type="datetimeFigureOut">
               <a:rPr kumimoji="1" lang="ja-JP" altLang="en-US" smtClean="0"/>
-              <a:t>2018/1/30</a:t>
+              <a:t>2018/1/31</a:t>
             </a:fld>
             <a:endParaRPr kumimoji="1" lang="ja-JP" altLang="en-US"/>
           </a:p>
@@ -2522,7 +2522,7 @@
           <a:p>
             <a:fld id="{ABA9A1D1-5B79-412D-8149-C192A605B75C}" type="datetimeFigureOut">
               <a:rPr kumimoji="1" lang="ja-JP" altLang="en-US" smtClean="0"/>
-              <a:t>2018/1/30</a:t>
+              <a:t>2018/1/31</a:t>
             </a:fld>
             <a:endParaRPr kumimoji="1" lang="ja-JP" altLang="en-US"/>
           </a:p>
@@ -2831,7 +2831,7 @@
           <a:p>
             <a:fld id="{ABA9A1D1-5B79-412D-8149-C192A605B75C}" type="datetimeFigureOut">
               <a:rPr kumimoji="1" lang="ja-JP" altLang="en-US" smtClean="0"/>
-              <a:t>2018/1/30</a:t>
+              <a:t>2018/1/31</a:t>
             </a:fld>
             <a:endParaRPr kumimoji="1" lang="ja-JP" altLang="en-US"/>
           </a:p>
@@ -3084,7 +3084,7 @@
           <a:p>
             <a:fld id="{ABA9A1D1-5B79-412D-8149-C192A605B75C}" type="datetimeFigureOut">
               <a:rPr kumimoji="1" lang="ja-JP" altLang="en-US" smtClean="0"/>
-              <a:t>2018/1/30</a:t>
+              <a:t>2018/1/31</a:t>
             </a:fld>
             <a:endParaRPr kumimoji="1" lang="ja-JP" altLang="en-US"/>
           </a:p>
@@ -3329,7 +3329,7 @@
           <a:p>
             <a:fld id="{ABA9A1D1-5B79-412D-8149-C192A605B75C}" type="datetimeFigureOut">
               <a:rPr kumimoji="1" lang="ja-JP" altLang="en-US" smtClean="0"/>
-              <a:t>2018/1/30</a:t>
+              <a:t>2018/1/31</a:t>
             </a:fld>
             <a:endParaRPr kumimoji="1" lang="ja-JP" altLang="en-US"/>
           </a:p>
@@ -13666,11 +13666,6 @@
               </a:rPr>
               <a:t>CacheState0</a:t>
             </a:r>
-            <a:endParaRPr lang="en-US" altLang="ja-JP" sz="2800" dirty="0" smtClean="0">
-              <a:solidFill>
-                <a:schemeClr val="tx1"/>
-              </a:solidFill>
-            </a:endParaRPr>
           </a:p>
           <a:p>
             <a:pPr algn="ctr"/>
@@ -13696,15 +13691,7 @@
                   <a:schemeClr val="tx1"/>
                 </a:solidFill>
               </a:rPr>
-              <a:t> = </a:t>
-            </a:r>
-            <a:r>
-              <a:rPr lang="en-US" altLang="ja-JP" sz="2000" dirty="0" smtClean="0">
-                <a:solidFill>
-                  <a:schemeClr val="tx1"/>
-                </a:solidFill>
-              </a:rPr>
-              <a:t>Cache0]</a:t>
+              <a:t> = Cache0]</a:t>
             </a:r>
             <a:endParaRPr kumimoji="1" lang="en-US" altLang="ja-JP" sz="2000" dirty="0" smtClean="0">
               <a:solidFill>
@@ -13766,11 +13753,6 @@
               </a:rPr>
               <a:t>CacheState1</a:t>
             </a:r>
-            <a:endParaRPr lang="en-US" altLang="ja-JP" sz="2800" dirty="0" smtClean="0">
-              <a:solidFill>
-                <a:schemeClr val="tx1"/>
-              </a:solidFill>
-            </a:endParaRPr>
           </a:p>
           <a:p>
             <a:pPr algn="ctr"/>
@@ -13796,15 +13778,7 @@
                   <a:schemeClr val="tx1"/>
                 </a:solidFill>
               </a:rPr>
-              <a:t> = </a:t>
-            </a:r>
-            <a:r>
-              <a:rPr lang="en-US" altLang="ja-JP" sz="2000" dirty="0" smtClean="0">
-                <a:solidFill>
-                  <a:schemeClr val="tx1"/>
-                </a:solidFill>
-              </a:rPr>
-              <a:t>Cache0]</a:t>
+              <a:t> = Cache0]</a:t>
             </a:r>
             <a:endParaRPr kumimoji="1" lang="en-US" altLang="ja-JP" sz="2000" dirty="0" smtClean="0">
               <a:solidFill>
@@ -13866,11 +13840,6 @@
               </a:rPr>
               <a:t>CacheState2</a:t>
             </a:r>
-            <a:endParaRPr lang="en-US" altLang="ja-JP" sz="2800" dirty="0" smtClean="0">
-              <a:solidFill>
-                <a:schemeClr val="tx1"/>
-              </a:solidFill>
-            </a:endParaRPr>
           </a:p>
           <a:p>
             <a:pPr algn="ctr"/>
@@ -13896,15 +13865,7 @@
                   <a:schemeClr val="tx1"/>
                 </a:solidFill>
               </a:rPr>
-              <a:t> = </a:t>
-            </a:r>
-            <a:r>
-              <a:rPr lang="en-US" altLang="ja-JP" sz="2000" dirty="0" smtClean="0">
-                <a:solidFill>
-                  <a:schemeClr val="tx1"/>
-                </a:solidFill>
-              </a:rPr>
-              <a:t>Cache0]</a:t>
+              <a:t> = Cache0]</a:t>
             </a:r>
             <a:endParaRPr kumimoji="1" lang="en-US" altLang="ja-JP" sz="2000" dirty="0" smtClean="0">
               <a:solidFill>
@@ -15195,7 +15156,11 @@
           <a:prstGeom prst="rect">
             <a:avLst/>
           </a:prstGeom>
-          <a:noFill/>
+          <a:solidFill>
+            <a:schemeClr val="bg1">
+              <a:lumMod val="50000"/>
+            </a:schemeClr>
+          </a:solidFill>
           <a:ln>
             <a:solidFill>
               <a:schemeClr val="tx1"/>
@@ -15226,14 +15191,14 @@
             <a:r>
               <a:rPr lang="en-US" altLang="ja-JP" sz="2400" dirty="0" smtClean="0">
                 <a:solidFill>
-                  <a:schemeClr val="tx1"/>
+                  <a:schemeClr val="bg1"/>
                 </a:solidFill>
               </a:rPr>
               <a:t>Server0</a:t>
             </a:r>
             <a:endParaRPr kumimoji="1" lang="ja-JP" altLang="en-US" sz="2400" dirty="0" smtClean="0">
               <a:solidFill>
-                <a:schemeClr val="tx1"/>
+                <a:schemeClr val="bg1"/>
               </a:solidFill>
             </a:endParaRPr>
           </a:p>
@@ -15253,7 +15218,11 @@
           <a:prstGeom prst="rect">
             <a:avLst/>
           </a:prstGeom>
-          <a:noFill/>
+          <a:solidFill>
+            <a:schemeClr val="bg1">
+              <a:lumMod val="50000"/>
+            </a:schemeClr>
+          </a:solidFill>
           <a:ln>
             <a:solidFill>
               <a:schemeClr val="tx1"/>
@@ -15284,14 +15253,14 @@
             <a:r>
               <a:rPr lang="en-US" altLang="ja-JP" sz="2400" dirty="0" smtClean="0">
                 <a:solidFill>
-                  <a:schemeClr val="tx1"/>
+                  <a:schemeClr val="bg1"/>
                 </a:solidFill>
               </a:rPr>
               <a:t>PrivateCache0</a:t>
             </a:r>
             <a:endParaRPr kumimoji="1" lang="ja-JP" altLang="en-US" sz="2400" dirty="0" smtClean="0">
               <a:solidFill>
-                <a:schemeClr val="tx1"/>
+                <a:schemeClr val="bg1"/>
               </a:solidFill>
             </a:endParaRPr>
           </a:p>
@@ -15313,7 +15282,11 @@
               <a:gd name="adj" fmla="val 21972"/>
             </a:avLst>
           </a:prstGeom>
-          <a:noFill/>
+          <a:solidFill>
+            <a:schemeClr val="bg1">
+              <a:lumMod val="85000"/>
+            </a:schemeClr>
+          </a:solidFill>
           <a:ln>
             <a:solidFill>
               <a:schemeClr val="tx1"/>
@@ -15373,7 +15346,11 @@
               <a:gd name="adj" fmla="val 21972"/>
             </a:avLst>
           </a:prstGeom>
-          <a:noFill/>
+          <a:solidFill>
+            <a:schemeClr val="bg1">
+              <a:lumMod val="85000"/>
+            </a:schemeClr>
+          </a:solidFill>
           <a:ln>
             <a:solidFill>
               <a:schemeClr val="tx1"/>
@@ -15431,7 +15408,11 @@
           <a:prstGeom prst="rect">
             <a:avLst/>
           </a:prstGeom>
-          <a:noFill/>
+          <a:solidFill>
+            <a:schemeClr val="bg1">
+              <a:lumMod val="50000"/>
+            </a:schemeClr>
+          </a:solidFill>
           <a:ln>
             <a:solidFill>
               <a:schemeClr val="tx1"/>
@@ -15462,14 +15443,14 @@
             <a:r>
               <a:rPr lang="en-US" altLang="ja-JP" sz="2400" dirty="0" smtClean="0">
                 <a:solidFill>
-                  <a:schemeClr val="tx1"/>
+                  <a:schemeClr val="bg1"/>
                 </a:solidFill>
               </a:rPr>
               <a:t>Browser0</a:t>
             </a:r>
             <a:endParaRPr kumimoji="1" lang="ja-JP" altLang="en-US" sz="2400" dirty="0" smtClean="0">
               <a:solidFill>
-                <a:schemeClr val="tx1"/>
+                <a:schemeClr val="bg1"/>
               </a:solidFill>
             </a:endParaRPr>
           </a:p>
@@ -15674,7 +15655,11 @@
                 <a:gd name="adj" fmla="val 21972"/>
               </a:avLst>
             </a:prstGeom>
-            <a:noFill/>
+            <a:solidFill>
+              <a:schemeClr val="bg1">
+                <a:lumMod val="85000"/>
+              </a:schemeClr>
+            </a:solidFill>
             <a:ln>
               <a:solidFill>
                 <a:schemeClr val="tx1"/>
@@ -15808,8 +15793,8 @@
         </p:nvSpPr>
         <p:spPr>
           <a:xfrm>
-            <a:off x="5218323" y="3986608"/>
-            <a:ext cx="1817742" cy="369332"/>
+            <a:off x="5189156" y="4002569"/>
+            <a:ext cx="1813573" cy="369332"/>
           </a:xfrm>
           <a:prstGeom prst="rect">
             <a:avLst/>
@@ -15824,11 +15809,11 @@
           <a:p>
             <a:r>
               <a:rPr kumimoji="1" lang="en-US" altLang="ja-JP" dirty="0" smtClean="0"/>
-              <a:t>after/</a:t>
+              <a:t>before/</a:t>
             </a:r>
             <a:r>
               <a:rPr kumimoji="1" lang="en-US" altLang="ja-JP" dirty="0" err="1" smtClean="0"/>
-              <a:t>beforeState</a:t>
+              <a:t>afterState</a:t>
             </a:r>
             <a:endParaRPr kumimoji="1" lang="ja-JP" altLang="en-US" dirty="0"/>
           </a:p>
@@ -15933,11 +15918,11 @@
               <a:gd name="adj1" fmla="val 111871"/>
             </a:avLst>
           </a:prstGeom>
-          <a:ln w="12700">
-            <a:solidFill>
-              <a:schemeClr val="tx1"/>
-            </a:solidFill>
-            <a:prstDash val="solid"/>
+          <a:ln w="25400">
+            <a:solidFill>
+              <a:schemeClr val="tx1"/>
+            </a:solidFill>
+            <a:prstDash val="sysDot"/>
             <a:tailEnd type="triangle"/>
           </a:ln>
         </p:spPr>
@@ -15964,7 +15949,7 @@
         </p:nvSpPr>
         <p:spPr>
           <a:xfrm>
-            <a:off x="3490074" y="4447040"/>
+            <a:off x="3443587" y="4748010"/>
             <a:ext cx="726161" cy="369332"/>
           </a:xfrm>
           <a:prstGeom prst="rect">
@@ -16021,14 +16006,14 @@
           <p:cNvPr id="84" name="直線矢印コネクタ 83"/>
           <p:cNvCxnSpPr>
             <a:stCxn id="39" idx="0"/>
-            <a:endCxn id="35" idx="2"/>
+            <a:endCxn id="35" idx="1"/>
           </p:cNvCxnSpPr>
           <p:nvPr/>
         </p:nvCxnSpPr>
         <p:spPr>
           <a:xfrm flipV="1">
-            <a:off x="3324414" y="2331606"/>
-            <a:ext cx="3505262" cy="554508"/>
+            <a:off x="3324414" y="2111661"/>
+            <a:ext cx="2771615" cy="774453"/>
           </a:xfrm>
           <a:prstGeom prst="straightConnector1">
             <a:avLst/>
@@ -16248,7 +16233,7 @@
         </p:nvSpPr>
         <p:spPr>
           <a:xfrm>
-            <a:off x="4318275" y="2373033"/>
+            <a:off x="4329026" y="2514344"/>
             <a:ext cx="381195" cy="369332"/>
           </a:xfrm>
           <a:prstGeom prst="rect">
@@ -16337,6 +16322,66 @@
             <a:r>
               <a:rPr kumimoji="1" lang="en-US" altLang="ja-JP" dirty="0" smtClean="0"/>
               <a:t>target</a:t>
+            </a:r>
+            <a:endParaRPr kumimoji="1" lang="ja-JP" altLang="en-US" dirty="0"/>
+          </a:p>
+        </p:txBody>
+      </p:sp>
+      <p:sp>
+        <p:nvSpPr>
+          <p:cNvPr id="31" name="テキスト ボックス 30"/>
+          <p:cNvSpPr txBox="1"/>
+          <p:nvPr/>
+        </p:nvSpPr>
+        <p:spPr>
+          <a:xfrm>
+            <a:off x="2479686" y="3478686"/>
+            <a:ext cx="900439" cy="369332"/>
+          </a:xfrm>
+          <a:prstGeom prst="rect">
+            <a:avLst/>
+          </a:prstGeom>
+          <a:noFill/>
+        </p:spPr>
+        <p:txBody>
+          <a:bodyPr wrap="none" rtlCol="0">
+            <a:spAutoFit/>
+          </a:bodyPr>
+          <a:lstStyle/>
+          <a:p>
+            <a:r>
+              <a:rPr kumimoji="1" lang="en-US" altLang="ja-JP" dirty="0" smtClean="0"/>
+              <a:t>request</a:t>
+            </a:r>
+            <a:endParaRPr kumimoji="1" lang="ja-JP" altLang="en-US" dirty="0"/>
+          </a:p>
+        </p:txBody>
+      </p:sp>
+      <p:sp>
+        <p:nvSpPr>
+          <p:cNvPr id="32" name="テキスト ボックス 31"/>
+          <p:cNvSpPr txBox="1"/>
+          <p:nvPr/>
+        </p:nvSpPr>
+        <p:spPr>
+          <a:xfrm>
+            <a:off x="7036065" y="3476909"/>
+            <a:ext cx="1037656" cy="369332"/>
+          </a:xfrm>
+          <a:prstGeom prst="rect">
+            <a:avLst/>
+          </a:prstGeom>
+          <a:noFill/>
+        </p:spPr>
+        <p:txBody>
+          <a:bodyPr wrap="none" rtlCol="0">
+            <a:spAutoFit/>
+          </a:bodyPr>
+          <a:lstStyle/>
+          <a:p>
+            <a:r>
+              <a:rPr kumimoji="1" lang="en-US" altLang="ja-JP" dirty="0" smtClean="0"/>
+              <a:t>response</a:t>
             </a:r>
             <a:endParaRPr kumimoji="1" lang="ja-JP" altLang="en-US" dirty="0"/>
           </a:p>

--- a/fig/fig.pptx
+++ b/fig/fig.pptx
@@ -5,7 +5,7 @@
     <p:sldMasterId id="2147483648" r:id="rId1"/>
   </p:sldMasterIdLst>
   <p:notesMasterIdLst>
-    <p:notesMasterId r:id="rId11"/>
+    <p:notesMasterId r:id="rId12"/>
   </p:notesMasterIdLst>
   <p:sldIdLst>
     <p:sldId id="256" r:id="rId2"/>
@@ -17,6 +17,7 @@
     <p:sldId id="263" r:id="rId8"/>
     <p:sldId id="264" r:id="rId9"/>
     <p:sldId id="265" r:id="rId10"/>
+    <p:sldId id="266" r:id="rId11"/>
   </p:sldIdLst>
   <p:sldSz cx="12192000" cy="6858000"/>
   <p:notesSz cx="6858000" cy="9144000"/>
@@ -205,7 +206,7 @@
           <a:p>
             <a:fld id="{5132F9E5-22C7-4D67-BFE7-9836B898E847}" type="datetimeFigureOut">
               <a:rPr kumimoji="1" lang="ja-JP" altLang="en-US" smtClean="0"/>
-              <a:t>2018/1/31</a:t>
+              <a:t>2018/2/1</a:t>
             </a:fld>
             <a:endParaRPr kumimoji="1" lang="ja-JP" altLang="en-US"/>
           </a:p>
@@ -720,7 +721,7 @@
           <a:p>
             <a:fld id="{ABA9A1D1-5B79-412D-8149-C192A605B75C}" type="datetimeFigureOut">
               <a:rPr kumimoji="1" lang="ja-JP" altLang="en-US" smtClean="0"/>
-              <a:t>2018/1/31</a:t>
+              <a:t>2018/2/1</a:t>
             </a:fld>
             <a:endParaRPr kumimoji="1" lang="ja-JP" altLang="en-US"/>
           </a:p>
@@ -922,7 +923,7 @@
           <a:p>
             <a:fld id="{ABA9A1D1-5B79-412D-8149-C192A605B75C}" type="datetimeFigureOut">
               <a:rPr kumimoji="1" lang="ja-JP" altLang="en-US" smtClean="0"/>
-              <a:t>2018/1/31</a:t>
+              <a:t>2018/2/1</a:t>
             </a:fld>
             <a:endParaRPr kumimoji="1" lang="ja-JP" altLang="en-US"/>
           </a:p>
@@ -1134,7 +1135,7 @@
           <a:p>
             <a:fld id="{ABA9A1D1-5B79-412D-8149-C192A605B75C}" type="datetimeFigureOut">
               <a:rPr kumimoji="1" lang="ja-JP" altLang="en-US" smtClean="0"/>
-              <a:t>2018/1/31</a:t>
+              <a:t>2018/2/1</a:t>
             </a:fld>
             <a:endParaRPr kumimoji="1" lang="ja-JP" altLang="en-US"/>
           </a:p>
@@ -1336,7 +1337,7 @@
           <a:p>
             <a:fld id="{ABA9A1D1-5B79-412D-8149-C192A605B75C}" type="datetimeFigureOut">
               <a:rPr kumimoji="1" lang="ja-JP" altLang="en-US" smtClean="0"/>
-              <a:t>2018/1/31</a:t>
+              <a:t>2018/2/1</a:t>
             </a:fld>
             <a:endParaRPr kumimoji="1" lang="ja-JP" altLang="en-US"/>
           </a:p>
@@ -1582,7 +1583,7 @@
           <a:p>
             <a:fld id="{ABA9A1D1-5B79-412D-8149-C192A605B75C}" type="datetimeFigureOut">
               <a:rPr kumimoji="1" lang="ja-JP" altLang="en-US" smtClean="0"/>
-              <a:t>2018/1/31</a:t>
+              <a:t>2018/2/1</a:t>
             </a:fld>
             <a:endParaRPr kumimoji="1" lang="ja-JP" altLang="en-US"/>
           </a:p>
@@ -1878,7 +1879,7 @@
           <a:p>
             <a:fld id="{ABA9A1D1-5B79-412D-8149-C192A605B75C}" type="datetimeFigureOut">
               <a:rPr kumimoji="1" lang="ja-JP" altLang="en-US" smtClean="0"/>
-              <a:t>2018/1/31</a:t>
+              <a:t>2018/2/1</a:t>
             </a:fld>
             <a:endParaRPr kumimoji="1" lang="ja-JP" altLang="en-US"/>
           </a:p>
@@ -2309,7 +2310,7 @@
           <a:p>
             <a:fld id="{ABA9A1D1-5B79-412D-8149-C192A605B75C}" type="datetimeFigureOut">
               <a:rPr kumimoji="1" lang="ja-JP" altLang="en-US" smtClean="0"/>
-              <a:t>2018/1/31</a:t>
+              <a:t>2018/2/1</a:t>
             </a:fld>
             <a:endParaRPr kumimoji="1" lang="ja-JP" altLang="en-US"/>
           </a:p>
@@ -2427,7 +2428,7 @@
           <a:p>
             <a:fld id="{ABA9A1D1-5B79-412D-8149-C192A605B75C}" type="datetimeFigureOut">
               <a:rPr kumimoji="1" lang="ja-JP" altLang="en-US" smtClean="0"/>
-              <a:t>2018/1/31</a:t>
+              <a:t>2018/2/1</a:t>
             </a:fld>
             <a:endParaRPr kumimoji="1" lang="ja-JP" altLang="en-US"/>
           </a:p>
@@ -2522,7 +2523,7 @@
           <a:p>
             <a:fld id="{ABA9A1D1-5B79-412D-8149-C192A605B75C}" type="datetimeFigureOut">
               <a:rPr kumimoji="1" lang="ja-JP" altLang="en-US" smtClean="0"/>
-              <a:t>2018/1/31</a:t>
+              <a:t>2018/2/1</a:t>
             </a:fld>
             <a:endParaRPr kumimoji="1" lang="ja-JP" altLang="en-US"/>
           </a:p>
@@ -2831,7 +2832,7 @@
           <a:p>
             <a:fld id="{ABA9A1D1-5B79-412D-8149-C192A605B75C}" type="datetimeFigureOut">
               <a:rPr kumimoji="1" lang="ja-JP" altLang="en-US" smtClean="0"/>
-              <a:t>2018/1/31</a:t>
+              <a:t>2018/2/1</a:t>
             </a:fld>
             <a:endParaRPr kumimoji="1" lang="ja-JP" altLang="en-US"/>
           </a:p>
@@ -3084,7 +3085,7 @@
           <a:p>
             <a:fld id="{ABA9A1D1-5B79-412D-8149-C192A605B75C}" type="datetimeFigureOut">
               <a:rPr kumimoji="1" lang="ja-JP" altLang="en-US" smtClean="0"/>
-              <a:t>2018/1/31</a:t>
+              <a:t>2018/2/1</a:t>
             </a:fld>
             <a:endParaRPr kumimoji="1" lang="ja-JP" altLang="en-US"/>
           </a:p>
@@ -3329,7 +3330,7 @@
           <a:p>
             <a:fld id="{ABA9A1D1-5B79-412D-8149-C192A605B75C}" type="datetimeFigureOut">
               <a:rPr kumimoji="1" lang="ja-JP" altLang="en-US" smtClean="0"/>
-              <a:t>2018/1/31</a:t>
+              <a:t>2018/2/1</a:t>
             </a:fld>
             <a:endParaRPr kumimoji="1" lang="ja-JP" altLang="en-US"/>
           </a:p>
@@ -4925,6 +4926,1233 @@
 </p:sld>
 </file>
 
+<file path=ppt/slides/slide10.xml><?xml version="1.0" encoding="utf-8"?>
+<p:sld xmlns:a="http://schemas.openxmlformats.org/drawingml/2006/main" xmlns:r="http://schemas.openxmlformats.org/officeDocument/2006/relationships" xmlns:p="http://schemas.openxmlformats.org/presentationml/2006/main">
+  <p:cSld>
+    <p:spTree>
+      <p:nvGrpSpPr>
+        <p:cNvPr id="1" name=""/>
+        <p:cNvGrpSpPr/>
+        <p:nvPr/>
+      </p:nvGrpSpPr>
+      <p:grpSpPr>
+        <a:xfrm>
+          <a:off x="0" y="0"/>
+          <a:ext cx="0" cy="0"/>
+          <a:chOff x="0" y="0"/>
+          <a:chExt cx="0" cy="0"/>
+        </a:xfrm>
+      </p:grpSpPr>
+      <p:sp>
+        <p:nvSpPr>
+          <p:cNvPr id="78" name="正方形/長方形 77"/>
+          <p:cNvSpPr/>
+          <p:nvPr/>
+        </p:nvSpPr>
+        <p:spPr>
+          <a:xfrm>
+            <a:off x="1421646" y="297712"/>
+            <a:ext cx="9689956" cy="4394728"/>
+          </a:xfrm>
+          <a:prstGeom prst="rect">
+            <a:avLst/>
+          </a:prstGeom>
+          <a:solidFill>
+            <a:schemeClr val="bg1"/>
+          </a:solidFill>
+          <a:ln>
+            <a:solidFill>
+              <a:schemeClr val="bg1"/>
+            </a:solidFill>
+          </a:ln>
+        </p:spPr>
+        <p:style>
+          <a:lnRef idx="2">
+            <a:schemeClr val="accent1">
+              <a:shade val="50000"/>
+            </a:schemeClr>
+          </a:lnRef>
+          <a:fillRef idx="1">
+            <a:schemeClr val="accent1"/>
+          </a:fillRef>
+          <a:effectRef idx="0">
+            <a:schemeClr val="accent1"/>
+          </a:effectRef>
+          <a:fontRef idx="minor">
+            <a:schemeClr val="lt1"/>
+          </a:fontRef>
+        </p:style>
+        <p:txBody>
+          <a:bodyPr rot="0" spcFirstLastPara="0" vertOverflow="overflow" horzOverflow="overflow" vert="horz" wrap="square" lIns="91440" tIns="45720" rIns="91440" bIns="45720" numCol="1" spcCol="0" rtlCol="0" fromWordArt="0" anchor="ctr" anchorCtr="0" forceAA="0" compatLnSpc="1">
+            <a:prstTxWarp prst="textNoShape">
+              <a:avLst/>
+            </a:prstTxWarp>
+            <a:noAutofit/>
+          </a:bodyPr>
+          <a:lstStyle/>
+          <a:p>
+            <a:pPr algn="ctr"/>
+            <a:endParaRPr kumimoji="1" lang="ja-JP" altLang="en-US" sz="2000" dirty="0" smtClean="0">
+              <a:solidFill>
+                <a:schemeClr val="tx1"/>
+              </a:solidFill>
+            </a:endParaRPr>
+          </a:p>
+        </p:txBody>
+      </p:sp>
+      <p:sp>
+        <p:nvSpPr>
+          <p:cNvPr id="2" name="正方形/長方形 1"/>
+          <p:cNvSpPr/>
+          <p:nvPr/>
+        </p:nvSpPr>
+        <p:spPr>
+          <a:xfrm>
+            <a:off x="4383203" y="2099170"/>
+            <a:ext cx="1944547" cy="456390"/>
+          </a:xfrm>
+          <a:prstGeom prst="rect">
+            <a:avLst/>
+          </a:prstGeom>
+          <a:noFill/>
+          <a:ln w="31750">
+            <a:solidFill>
+              <a:schemeClr val="tx1"/>
+            </a:solidFill>
+          </a:ln>
+        </p:spPr>
+        <p:style>
+          <a:lnRef idx="2">
+            <a:schemeClr val="accent1">
+              <a:shade val="50000"/>
+            </a:schemeClr>
+          </a:lnRef>
+          <a:fillRef idx="1">
+            <a:schemeClr val="accent1"/>
+          </a:fillRef>
+          <a:effectRef idx="0">
+            <a:schemeClr val="accent1"/>
+          </a:effectRef>
+          <a:fontRef idx="minor">
+            <a:schemeClr val="lt1"/>
+          </a:fontRef>
+        </p:style>
+        <p:txBody>
+          <a:bodyPr rtlCol="0" anchor="ctr"/>
+          <a:lstStyle/>
+          <a:p>
+            <a:pPr algn="ctr"/>
+            <a:r>
+              <a:rPr kumimoji="1" lang="en-US" altLang="ja-JP" sz="2800" dirty="0" err="1" smtClean="0">
+                <a:solidFill>
+                  <a:schemeClr val="tx1"/>
+                </a:solidFill>
+              </a:rPr>
+              <a:t>HTTPServer</a:t>
+            </a:r>
+            <a:endParaRPr kumimoji="1" lang="ja-JP" altLang="en-US" sz="2800" dirty="0" smtClean="0">
+              <a:solidFill>
+                <a:schemeClr val="tx1"/>
+              </a:solidFill>
+            </a:endParaRPr>
+          </a:p>
+        </p:txBody>
+      </p:sp>
+      <p:sp>
+        <p:nvSpPr>
+          <p:cNvPr id="33" name="正方形/長方形 32"/>
+          <p:cNvSpPr/>
+          <p:nvPr/>
+        </p:nvSpPr>
+        <p:spPr>
+          <a:xfrm>
+            <a:off x="3958685" y="435125"/>
+            <a:ext cx="2793585" cy="456390"/>
+          </a:xfrm>
+          <a:prstGeom prst="rect">
+            <a:avLst/>
+          </a:prstGeom>
+          <a:noFill/>
+          <a:ln w="31750">
+            <a:solidFill>
+              <a:schemeClr val="tx1"/>
+            </a:solidFill>
+            <a:prstDash val="sysDot"/>
+          </a:ln>
+        </p:spPr>
+        <p:style>
+          <a:lnRef idx="2">
+            <a:schemeClr val="accent1">
+              <a:shade val="50000"/>
+            </a:schemeClr>
+          </a:lnRef>
+          <a:fillRef idx="1">
+            <a:schemeClr val="accent1"/>
+          </a:fillRef>
+          <a:effectRef idx="0">
+            <a:schemeClr val="accent1"/>
+          </a:effectRef>
+          <a:fontRef idx="minor">
+            <a:schemeClr val="lt1"/>
+          </a:fontRef>
+        </p:style>
+        <p:txBody>
+          <a:bodyPr rtlCol="0" anchor="ctr"/>
+          <a:lstStyle/>
+          <a:p>
+            <a:pPr algn="ctr"/>
+            <a:r>
+              <a:rPr kumimoji="1" lang="en-US" altLang="ja-JP" sz="2800" dirty="0" err="1" smtClean="0">
+                <a:solidFill>
+                  <a:schemeClr val="tx1"/>
+                </a:solidFill>
+              </a:rPr>
+              <a:t>NetworkEndpoint</a:t>
+            </a:r>
+            <a:endParaRPr kumimoji="1" lang="ja-JP" altLang="en-US" sz="2800" dirty="0" smtClean="0">
+              <a:solidFill>
+                <a:schemeClr val="tx1"/>
+              </a:solidFill>
+            </a:endParaRPr>
+          </a:p>
+        </p:txBody>
+      </p:sp>
+      <p:sp>
+        <p:nvSpPr>
+          <p:cNvPr id="34" name="正方形/長方形 33"/>
+          <p:cNvSpPr/>
+          <p:nvPr/>
+        </p:nvSpPr>
+        <p:spPr>
+          <a:xfrm>
+            <a:off x="4108136" y="1195758"/>
+            <a:ext cx="2494682" cy="456390"/>
+          </a:xfrm>
+          <a:prstGeom prst="rect">
+            <a:avLst/>
+          </a:prstGeom>
+          <a:noFill/>
+          <a:ln w="31750">
+            <a:solidFill>
+              <a:schemeClr val="tx1"/>
+            </a:solidFill>
+            <a:prstDash val="sysDot"/>
+          </a:ln>
+        </p:spPr>
+        <p:style>
+          <a:lnRef idx="2">
+            <a:schemeClr val="accent1">
+              <a:shade val="50000"/>
+            </a:schemeClr>
+          </a:lnRef>
+          <a:fillRef idx="1">
+            <a:schemeClr val="accent1"/>
+          </a:fillRef>
+          <a:effectRef idx="0">
+            <a:schemeClr val="accent1"/>
+          </a:effectRef>
+          <a:fontRef idx="minor">
+            <a:schemeClr val="lt1"/>
+          </a:fontRef>
+        </p:style>
+        <p:txBody>
+          <a:bodyPr rtlCol="0" anchor="ctr"/>
+          <a:lstStyle/>
+          <a:p>
+            <a:pPr algn="ctr"/>
+            <a:r>
+              <a:rPr kumimoji="1" lang="en-US" altLang="ja-JP" sz="2800" dirty="0" err="1" smtClean="0">
+                <a:solidFill>
+                  <a:schemeClr val="tx1"/>
+                </a:solidFill>
+              </a:rPr>
+              <a:t>HTTPConfirmist</a:t>
+            </a:r>
+            <a:endParaRPr kumimoji="1" lang="ja-JP" altLang="en-US" sz="2800" dirty="0" smtClean="0">
+              <a:solidFill>
+                <a:schemeClr val="tx1"/>
+              </a:solidFill>
+            </a:endParaRPr>
+          </a:p>
+        </p:txBody>
+      </p:sp>
+      <p:sp>
+        <p:nvSpPr>
+          <p:cNvPr id="37" name="正方形/長方形 36"/>
+          <p:cNvSpPr/>
+          <p:nvPr/>
+        </p:nvSpPr>
+        <p:spPr>
+          <a:xfrm>
+            <a:off x="6519694" y="3002582"/>
+            <a:ext cx="1840574" cy="456390"/>
+          </a:xfrm>
+          <a:prstGeom prst="rect">
+            <a:avLst/>
+          </a:prstGeom>
+          <a:noFill/>
+          <a:ln w="31750">
+            <a:solidFill>
+              <a:schemeClr val="tx1"/>
+            </a:solidFill>
+          </a:ln>
+        </p:spPr>
+        <p:style>
+          <a:lnRef idx="2">
+            <a:schemeClr val="accent1">
+              <a:shade val="50000"/>
+            </a:schemeClr>
+          </a:lnRef>
+          <a:fillRef idx="1">
+            <a:schemeClr val="accent1"/>
+          </a:fillRef>
+          <a:effectRef idx="0">
+            <a:schemeClr val="accent1"/>
+          </a:effectRef>
+          <a:fontRef idx="minor">
+            <a:schemeClr val="lt1"/>
+          </a:fontRef>
+        </p:style>
+        <p:txBody>
+          <a:bodyPr rtlCol="0" anchor="ctr"/>
+          <a:lstStyle/>
+          <a:p>
+            <a:pPr algn="ctr"/>
+            <a:r>
+              <a:rPr kumimoji="1" lang="en-US" altLang="ja-JP" sz="2800" dirty="0" err="1" smtClean="0">
+                <a:solidFill>
+                  <a:schemeClr val="tx1"/>
+                </a:solidFill>
+              </a:rPr>
+              <a:t>HTTPProxy</a:t>
+            </a:r>
+            <a:endParaRPr kumimoji="1" lang="ja-JP" altLang="en-US" sz="2800" dirty="0" smtClean="0">
+              <a:solidFill>
+                <a:schemeClr val="tx1"/>
+              </a:solidFill>
+            </a:endParaRPr>
+          </a:p>
+        </p:txBody>
+      </p:sp>
+      <p:sp>
+        <p:nvSpPr>
+          <p:cNvPr id="38" name="正方形/長方形 37"/>
+          <p:cNvSpPr/>
+          <p:nvPr/>
+        </p:nvSpPr>
+        <p:spPr>
+          <a:xfrm>
+            <a:off x="8884687" y="3002582"/>
+            <a:ext cx="2226915" cy="456390"/>
+          </a:xfrm>
+          <a:prstGeom prst="rect">
+            <a:avLst/>
+          </a:prstGeom>
+          <a:noFill/>
+          <a:ln w="31750">
+            <a:solidFill>
+              <a:schemeClr val="tx1"/>
+            </a:solidFill>
+          </a:ln>
+        </p:spPr>
+        <p:style>
+          <a:lnRef idx="2">
+            <a:schemeClr val="accent1">
+              <a:shade val="50000"/>
+            </a:schemeClr>
+          </a:lnRef>
+          <a:fillRef idx="1">
+            <a:schemeClr val="accent1"/>
+          </a:fillRef>
+          <a:effectRef idx="0">
+            <a:schemeClr val="accent1"/>
+          </a:effectRef>
+          <a:fontRef idx="minor">
+            <a:schemeClr val="lt1"/>
+          </a:fontRef>
+        </p:style>
+        <p:txBody>
+          <a:bodyPr rtlCol="0" anchor="ctr"/>
+          <a:lstStyle/>
+          <a:p>
+            <a:pPr algn="ctr"/>
+            <a:r>
+              <a:rPr kumimoji="1" lang="en-US" altLang="ja-JP" sz="2800" dirty="0" err="1" smtClean="0">
+                <a:solidFill>
+                  <a:schemeClr val="tx1"/>
+                </a:solidFill>
+              </a:rPr>
+              <a:t>HTTPGateway</a:t>
+            </a:r>
+            <a:endParaRPr kumimoji="1" lang="ja-JP" altLang="en-US" sz="2800" dirty="0" smtClean="0">
+              <a:solidFill>
+                <a:schemeClr val="tx1"/>
+              </a:solidFill>
+            </a:endParaRPr>
+          </a:p>
+        </p:txBody>
+      </p:sp>
+      <p:sp>
+        <p:nvSpPr>
+          <p:cNvPr id="43" name="正方形/長方形 42"/>
+          <p:cNvSpPr/>
+          <p:nvPr/>
+        </p:nvSpPr>
+        <p:spPr>
+          <a:xfrm>
+            <a:off x="1421646" y="2099170"/>
+            <a:ext cx="2161527" cy="456390"/>
+          </a:xfrm>
+          <a:prstGeom prst="rect">
+            <a:avLst/>
+          </a:prstGeom>
+          <a:noFill/>
+          <a:ln w="31750">
+            <a:solidFill>
+              <a:schemeClr val="tx1"/>
+            </a:solidFill>
+            <a:prstDash val="sysDot"/>
+          </a:ln>
+        </p:spPr>
+        <p:style>
+          <a:lnRef idx="2">
+            <a:schemeClr val="accent1">
+              <a:shade val="50000"/>
+            </a:schemeClr>
+          </a:lnRef>
+          <a:fillRef idx="1">
+            <a:schemeClr val="accent1"/>
+          </a:fillRef>
+          <a:effectRef idx="0">
+            <a:schemeClr val="accent1"/>
+          </a:effectRef>
+          <a:fontRef idx="minor">
+            <a:schemeClr val="lt1"/>
+          </a:fontRef>
+        </p:style>
+        <p:txBody>
+          <a:bodyPr rtlCol="0" anchor="ctr"/>
+          <a:lstStyle/>
+          <a:p>
+            <a:pPr algn="ctr"/>
+            <a:r>
+              <a:rPr kumimoji="1" lang="en-US" altLang="ja-JP" sz="2800" dirty="0" err="1" smtClean="0">
+                <a:solidFill>
+                  <a:schemeClr val="tx1"/>
+                </a:solidFill>
+              </a:rPr>
+              <a:t>HTTPBrowser</a:t>
+            </a:r>
+            <a:endParaRPr kumimoji="1" lang="ja-JP" altLang="en-US" sz="2800" dirty="0" smtClean="0">
+              <a:solidFill>
+                <a:schemeClr val="tx1"/>
+              </a:solidFill>
+            </a:endParaRPr>
+          </a:p>
+        </p:txBody>
+      </p:sp>
+      <p:sp>
+        <p:nvSpPr>
+          <p:cNvPr id="44" name="正方形/長方形 43"/>
+          <p:cNvSpPr/>
+          <p:nvPr/>
+        </p:nvSpPr>
+        <p:spPr>
+          <a:xfrm>
+            <a:off x="7127780" y="2099170"/>
+            <a:ext cx="2870365" cy="456390"/>
+          </a:xfrm>
+          <a:prstGeom prst="rect">
+            <a:avLst/>
+          </a:prstGeom>
+          <a:noFill/>
+          <a:ln w="31750">
+            <a:solidFill>
+              <a:schemeClr val="tx1"/>
+            </a:solidFill>
+            <a:prstDash val="sysDot"/>
+          </a:ln>
+        </p:spPr>
+        <p:style>
+          <a:lnRef idx="2">
+            <a:schemeClr val="accent1">
+              <a:shade val="50000"/>
+            </a:schemeClr>
+          </a:lnRef>
+          <a:fillRef idx="1">
+            <a:schemeClr val="accent1"/>
+          </a:fillRef>
+          <a:effectRef idx="0">
+            <a:schemeClr val="accent1"/>
+          </a:effectRef>
+          <a:fontRef idx="minor">
+            <a:schemeClr val="lt1"/>
+          </a:fontRef>
+        </p:style>
+        <p:txBody>
+          <a:bodyPr rtlCol="0" anchor="ctr"/>
+          <a:lstStyle/>
+          <a:p>
+            <a:pPr algn="ctr"/>
+            <a:r>
+              <a:rPr kumimoji="1" lang="en-US" altLang="ja-JP" sz="2800" dirty="0" err="1" smtClean="0">
+                <a:solidFill>
+                  <a:schemeClr val="tx1"/>
+                </a:solidFill>
+              </a:rPr>
+              <a:t>HTTPIntermediary</a:t>
+            </a:r>
+            <a:endParaRPr kumimoji="1" lang="ja-JP" altLang="en-US" sz="2800" dirty="0" smtClean="0">
+              <a:solidFill>
+                <a:schemeClr val="tx1"/>
+              </a:solidFill>
+            </a:endParaRPr>
+          </a:p>
+        </p:txBody>
+      </p:sp>
+      <p:cxnSp>
+        <p:nvCxnSpPr>
+          <p:cNvPr id="4" name="直線矢印コネクタ 3"/>
+          <p:cNvCxnSpPr>
+            <a:stCxn id="34" idx="0"/>
+            <a:endCxn id="33" idx="2"/>
+          </p:cNvCxnSpPr>
+          <p:nvPr/>
+        </p:nvCxnSpPr>
+        <p:spPr>
+          <a:xfrm flipV="1">
+            <a:off x="5355477" y="891515"/>
+            <a:ext cx="1" cy="304243"/>
+          </a:xfrm>
+          <a:prstGeom prst="straightConnector1">
+            <a:avLst/>
+          </a:prstGeom>
+          <a:ln w="19050">
+            <a:solidFill>
+              <a:schemeClr val="tx1"/>
+            </a:solidFill>
+            <a:prstDash val="solid"/>
+            <a:tailEnd type="triangle"/>
+          </a:ln>
+        </p:spPr>
+        <p:style>
+          <a:lnRef idx="1">
+            <a:schemeClr val="accent1"/>
+          </a:lnRef>
+          <a:fillRef idx="0">
+            <a:schemeClr val="accent1"/>
+          </a:fillRef>
+          <a:effectRef idx="0">
+            <a:schemeClr val="accent1"/>
+          </a:effectRef>
+          <a:fontRef idx="minor">
+            <a:schemeClr val="tx1"/>
+          </a:fontRef>
+        </p:style>
+      </p:cxnSp>
+      <p:cxnSp>
+        <p:nvCxnSpPr>
+          <p:cNvPr id="45" name="直線矢印コネクタ 44"/>
+          <p:cNvCxnSpPr>
+            <a:stCxn id="43" idx="0"/>
+            <a:endCxn id="34" idx="2"/>
+          </p:cNvCxnSpPr>
+          <p:nvPr/>
+        </p:nvCxnSpPr>
+        <p:spPr>
+          <a:xfrm flipV="1">
+            <a:off x="2502410" y="1652148"/>
+            <a:ext cx="2853067" cy="447022"/>
+          </a:xfrm>
+          <a:prstGeom prst="straightConnector1">
+            <a:avLst/>
+          </a:prstGeom>
+          <a:ln w="19050">
+            <a:solidFill>
+              <a:schemeClr val="tx1"/>
+            </a:solidFill>
+            <a:prstDash val="solid"/>
+            <a:tailEnd type="triangle"/>
+          </a:ln>
+        </p:spPr>
+        <p:style>
+          <a:lnRef idx="1">
+            <a:schemeClr val="accent1"/>
+          </a:lnRef>
+          <a:fillRef idx="0">
+            <a:schemeClr val="accent1"/>
+          </a:fillRef>
+          <a:effectRef idx="0">
+            <a:schemeClr val="accent1"/>
+          </a:effectRef>
+          <a:fontRef idx="minor">
+            <a:schemeClr val="tx1"/>
+          </a:fontRef>
+        </p:style>
+      </p:cxnSp>
+      <p:cxnSp>
+        <p:nvCxnSpPr>
+          <p:cNvPr id="49" name="直線矢印コネクタ 48"/>
+          <p:cNvCxnSpPr>
+            <a:stCxn id="2" idx="0"/>
+            <a:endCxn id="34" idx="2"/>
+          </p:cNvCxnSpPr>
+          <p:nvPr/>
+        </p:nvCxnSpPr>
+        <p:spPr>
+          <a:xfrm flipV="1">
+            <a:off x="5355477" y="1652148"/>
+            <a:ext cx="0" cy="447022"/>
+          </a:xfrm>
+          <a:prstGeom prst="straightConnector1">
+            <a:avLst/>
+          </a:prstGeom>
+          <a:ln w="19050">
+            <a:solidFill>
+              <a:schemeClr val="tx1"/>
+            </a:solidFill>
+            <a:prstDash val="solid"/>
+            <a:tailEnd type="triangle"/>
+          </a:ln>
+        </p:spPr>
+        <p:style>
+          <a:lnRef idx="1">
+            <a:schemeClr val="accent1"/>
+          </a:lnRef>
+          <a:fillRef idx="0">
+            <a:schemeClr val="accent1"/>
+          </a:fillRef>
+          <a:effectRef idx="0">
+            <a:schemeClr val="accent1"/>
+          </a:effectRef>
+          <a:fontRef idx="minor">
+            <a:schemeClr val="tx1"/>
+          </a:fontRef>
+        </p:style>
+      </p:cxnSp>
+      <p:cxnSp>
+        <p:nvCxnSpPr>
+          <p:cNvPr id="51" name="直線矢印コネクタ 50"/>
+          <p:cNvCxnSpPr>
+            <a:stCxn id="44" idx="0"/>
+            <a:endCxn id="34" idx="2"/>
+          </p:cNvCxnSpPr>
+          <p:nvPr/>
+        </p:nvCxnSpPr>
+        <p:spPr>
+          <a:xfrm flipH="1" flipV="1">
+            <a:off x="5355477" y="1652148"/>
+            <a:ext cx="3207486" cy="447022"/>
+          </a:xfrm>
+          <a:prstGeom prst="straightConnector1">
+            <a:avLst/>
+          </a:prstGeom>
+          <a:ln w="19050">
+            <a:solidFill>
+              <a:schemeClr val="tx1"/>
+            </a:solidFill>
+            <a:prstDash val="solid"/>
+            <a:tailEnd type="triangle"/>
+          </a:ln>
+        </p:spPr>
+        <p:style>
+          <a:lnRef idx="1">
+            <a:schemeClr val="accent1"/>
+          </a:lnRef>
+          <a:fillRef idx="0">
+            <a:schemeClr val="accent1"/>
+          </a:fillRef>
+          <a:effectRef idx="0">
+            <a:schemeClr val="accent1"/>
+          </a:effectRef>
+          <a:fontRef idx="minor">
+            <a:schemeClr val="tx1"/>
+          </a:fontRef>
+        </p:style>
+      </p:cxnSp>
+      <p:cxnSp>
+        <p:nvCxnSpPr>
+          <p:cNvPr id="53" name="直線矢印コネクタ 52"/>
+          <p:cNvCxnSpPr>
+            <a:stCxn id="37" idx="0"/>
+            <a:endCxn id="44" idx="2"/>
+          </p:cNvCxnSpPr>
+          <p:nvPr/>
+        </p:nvCxnSpPr>
+        <p:spPr>
+          <a:xfrm flipV="1">
+            <a:off x="7439981" y="2555560"/>
+            <a:ext cx="1122982" cy="447022"/>
+          </a:xfrm>
+          <a:prstGeom prst="straightConnector1">
+            <a:avLst/>
+          </a:prstGeom>
+          <a:ln w="19050">
+            <a:solidFill>
+              <a:schemeClr val="tx1"/>
+            </a:solidFill>
+            <a:prstDash val="solid"/>
+            <a:tailEnd type="triangle"/>
+          </a:ln>
+        </p:spPr>
+        <p:style>
+          <a:lnRef idx="1">
+            <a:schemeClr val="accent1"/>
+          </a:lnRef>
+          <a:fillRef idx="0">
+            <a:schemeClr val="accent1"/>
+          </a:fillRef>
+          <a:effectRef idx="0">
+            <a:schemeClr val="accent1"/>
+          </a:effectRef>
+          <a:fontRef idx="minor">
+            <a:schemeClr val="tx1"/>
+          </a:fontRef>
+        </p:style>
+      </p:cxnSp>
+      <p:cxnSp>
+        <p:nvCxnSpPr>
+          <p:cNvPr id="56" name="直線矢印コネクタ 55"/>
+          <p:cNvCxnSpPr>
+            <a:stCxn id="38" idx="0"/>
+            <a:endCxn id="44" idx="2"/>
+          </p:cNvCxnSpPr>
+          <p:nvPr/>
+        </p:nvCxnSpPr>
+        <p:spPr>
+          <a:xfrm flipH="1" flipV="1">
+            <a:off x="8562963" y="2555560"/>
+            <a:ext cx="1435182" cy="447022"/>
+          </a:xfrm>
+          <a:prstGeom prst="straightConnector1">
+            <a:avLst/>
+          </a:prstGeom>
+          <a:ln w="19050">
+            <a:solidFill>
+              <a:schemeClr val="tx1"/>
+            </a:solidFill>
+            <a:prstDash val="solid"/>
+            <a:tailEnd type="triangle"/>
+          </a:ln>
+        </p:spPr>
+        <p:style>
+          <a:lnRef idx="1">
+            <a:schemeClr val="accent1"/>
+          </a:lnRef>
+          <a:fillRef idx="0">
+            <a:schemeClr val="accent1"/>
+          </a:fillRef>
+          <a:effectRef idx="0">
+            <a:schemeClr val="accent1"/>
+          </a:effectRef>
+          <a:fontRef idx="minor">
+            <a:schemeClr val="tx1"/>
+          </a:fontRef>
+        </p:style>
+      </p:cxnSp>
+      <p:sp>
+        <p:nvSpPr>
+          <p:cNvPr id="68" name="正方形/長方形 67"/>
+          <p:cNvSpPr/>
+          <p:nvPr/>
+        </p:nvSpPr>
+        <p:spPr>
+          <a:xfrm>
+            <a:off x="1762381" y="3002582"/>
+            <a:ext cx="1480055" cy="456390"/>
+          </a:xfrm>
+          <a:prstGeom prst="rect">
+            <a:avLst/>
+          </a:prstGeom>
+          <a:noFill/>
+          <a:ln w="31750">
+            <a:solidFill>
+              <a:schemeClr val="tx1"/>
+            </a:solidFill>
+          </a:ln>
+        </p:spPr>
+        <p:style>
+          <a:lnRef idx="2">
+            <a:schemeClr val="accent1">
+              <a:shade val="50000"/>
+            </a:schemeClr>
+          </a:lnRef>
+          <a:fillRef idx="1">
+            <a:schemeClr val="accent1"/>
+          </a:fillRef>
+          <a:effectRef idx="0">
+            <a:schemeClr val="accent1"/>
+          </a:effectRef>
+          <a:fontRef idx="minor">
+            <a:schemeClr val="lt1"/>
+          </a:fontRef>
+        </p:style>
+        <p:txBody>
+          <a:bodyPr rtlCol="0" anchor="ctr"/>
+          <a:lstStyle/>
+          <a:p>
+            <a:pPr algn="ctr"/>
+            <a:r>
+              <a:rPr kumimoji="1" lang="en-US" altLang="ja-JP" sz="2800" dirty="0" smtClean="0">
+                <a:solidFill>
+                  <a:schemeClr val="tx1"/>
+                </a:solidFill>
+              </a:rPr>
+              <a:t>Browser</a:t>
+            </a:r>
+            <a:endParaRPr kumimoji="1" lang="ja-JP" altLang="en-US" sz="2800" dirty="0" smtClean="0">
+              <a:solidFill>
+                <a:schemeClr val="tx1"/>
+              </a:solidFill>
+            </a:endParaRPr>
+          </a:p>
+        </p:txBody>
+      </p:sp>
+      <p:cxnSp>
+        <p:nvCxnSpPr>
+          <p:cNvPr id="69" name="直線矢印コネクタ 68"/>
+          <p:cNvCxnSpPr>
+            <a:stCxn id="68" idx="0"/>
+            <a:endCxn id="43" idx="2"/>
+          </p:cNvCxnSpPr>
+          <p:nvPr/>
+        </p:nvCxnSpPr>
+        <p:spPr>
+          <a:xfrm flipV="1">
+            <a:off x="2502409" y="2555560"/>
+            <a:ext cx="1" cy="447022"/>
+          </a:xfrm>
+          <a:prstGeom prst="straightConnector1">
+            <a:avLst/>
+          </a:prstGeom>
+          <a:ln w="19050">
+            <a:solidFill>
+              <a:schemeClr val="tx1"/>
+            </a:solidFill>
+            <a:prstDash val="solid"/>
+            <a:tailEnd type="triangle"/>
+          </a:ln>
+        </p:spPr>
+        <p:style>
+          <a:lnRef idx="1">
+            <a:schemeClr val="accent1"/>
+          </a:lnRef>
+          <a:fillRef idx="0">
+            <a:schemeClr val="accent1"/>
+          </a:fillRef>
+          <a:effectRef idx="0">
+            <a:schemeClr val="accent1"/>
+          </a:effectRef>
+          <a:fontRef idx="minor">
+            <a:schemeClr val="tx1"/>
+          </a:fontRef>
+        </p:style>
+      </p:cxnSp>
+      <p:sp>
+        <p:nvSpPr>
+          <p:cNvPr id="55" name="強調線吹き出し 1 54"/>
+          <p:cNvSpPr/>
+          <p:nvPr/>
+        </p:nvSpPr>
+        <p:spPr>
+          <a:xfrm>
+            <a:off x="7297688" y="391269"/>
+            <a:ext cx="2530548" cy="357467"/>
+          </a:xfrm>
+          <a:prstGeom prst="accentCallout1">
+            <a:avLst>
+              <a:gd name="adj1" fmla="val 22718"/>
+              <a:gd name="adj2" fmla="val 1751"/>
+              <a:gd name="adj3" fmla="val 79781"/>
+              <a:gd name="adj4" fmla="val -19426"/>
+            </a:avLst>
+          </a:prstGeom>
+          <a:noFill/>
+          <a:ln>
+            <a:solidFill>
+              <a:schemeClr val="tx1"/>
+            </a:solidFill>
+          </a:ln>
+        </p:spPr>
+        <p:style>
+          <a:lnRef idx="2">
+            <a:schemeClr val="accent1">
+              <a:shade val="50000"/>
+            </a:schemeClr>
+          </a:lnRef>
+          <a:fillRef idx="1">
+            <a:schemeClr val="accent1"/>
+          </a:fillRef>
+          <a:effectRef idx="0">
+            <a:schemeClr val="accent1"/>
+          </a:effectRef>
+          <a:fontRef idx="minor">
+            <a:schemeClr val="lt1"/>
+          </a:fontRef>
+        </p:style>
+        <p:txBody>
+          <a:bodyPr rtlCol="0" anchor="ctr"/>
+          <a:lstStyle/>
+          <a:p>
+            <a:pPr algn="ctr"/>
+            <a:r>
+              <a:rPr lang="ja-JP" altLang="en-US" sz="2000" dirty="0" smtClean="0">
+                <a:solidFill>
+                  <a:schemeClr val="tx1"/>
+                </a:solidFill>
+              </a:rPr>
+              <a:t>ネットワーク</a:t>
+            </a:r>
+            <a:r>
+              <a:rPr lang="ja-JP" altLang="en-US" sz="2000" dirty="0">
+                <a:solidFill>
+                  <a:schemeClr val="tx1"/>
+                </a:solidFill>
+              </a:rPr>
+              <a:t>上</a:t>
+            </a:r>
+            <a:r>
+              <a:rPr lang="ja-JP" altLang="en-US" sz="2000" dirty="0" smtClean="0">
+                <a:solidFill>
+                  <a:schemeClr val="tx1"/>
+                </a:solidFill>
+              </a:rPr>
+              <a:t>の端末</a:t>
+            </a:r>
+            <a:endParaRPr kumimoji="1" lang="ja-JP" altLang="en-US" sz="2000" dirty="0" smtClean="0">
+              <a:solidFill>
+                <a:schemeClr val="tx1"/>
+              </a:solidFill>
+            </a:endParaRPr>
+          </a:p>
+        </p:txBody>
+      </p:sp>
+      <p:sp>
+        <p:nvSpPr>
+          <p:cNvPr id="76" name="強調線吹き出し 1 75"/>
+          <p:cNvSpPr/>
+          <p:nvPr/>
+        </p:nvSpPr>
+        <p:spPr>
+          <a:xfrm>
+            <a:off x="7297688" y="1043636"/>
+            <a:ext cx="3530009" cy="357467"/>
+          </a:xfrm>
+          <a:prstGeom prst="accentCallout1">
+            <a:avLst>
+              <a:gd name="adj1" fmla="val 22718"/>
+              <a:gd name="adj2" fmla="val 1149"/>
+              <a:gd name="adj3" fmla="val 103577"/>
+              <a:gd name="adj4" fmla="val -18319"/>
+            </a:avLst>
+          </a:prstGeom>
+          <a:noFill/>
+          <a:ln>
+            <a:solidFill>
+              <a:schemeClr val="tx1"/>
+            </a:solidFill>
+          </a:ln>
+        </p:spPr>
+        <p:style>
+          <a:lnRef idx="2">
+            <a:schemeClr val="accent1">
+              <a:shade val="50000"/>
+            </a:schemeClr>
+          </a:lnRef>
+          <a:fillRef idx="1">
+            <a:schemeClr val="accent1"/>
+          </a:fillRef>
+          <a:effectRef idx="0">
+            <a:schemeClr val="accent1"/>
+          </a:effectRef>
+          <a:fontRef idx="minor">
+            <a:schemeClr val="lt1"/>
+          </a:fontRef>
+        </p:style>
+        <p:txBody>
+          <a:bodyPr rtlCol="0" anchor="ctr"/>
+          <a:lstStyle/>
+          <a:p>
+            <a:pPr algn="ctr"/>
+            <a:r>
+              <a:rPr lang="en-US" altLang="ja-JP" sz="2000" dirty="0" smtClean="0">
+                <a:solidFill>
+                  <a:schemeClr val="tx1"/>
+                </a:solidFill>
+              </a:rPr>
+              <a:t>HTTP</a:t>
+            </a:r>
+            <a:r>
+              <a:rPr lang="ja-JP" altLang="en-US" sz="2000" dirty="0" smtClean="0">
+                <a:solidFill>
+                  <a:schemeClr val="tx1"/>
+                </a:solidFill>
+              </a:rPr>
+              <a:t>プロトコルを遵守する端末</a:t>
+            </a:r>
+            <a:endParaRPr kumimoji="1" lang="ja-JP" altLang="en-US" sz="2000" dirty="0" smtClean="0">
+              <a:solidFill>
+                <a:schemeClr val="tx1"/>
+              </a:solidFill>
+            </a:endParaRPr>
+          </a:p>
+        </p:txBody>
+      </p:sp>
+      <p:sp>
+        <p:nvSpPr>
+          <p:cNvPr id="79" name="正方形/長方形 78"/>
+          <p:cNvSpPr/>
+          <p:nvPr/>
+        </p:nvSpPr>
+        <p:spPr>
+          <a:xfrm>
+            <a:off x="8463576" y="3720759"/>
+            <a:ext cx="460506" cy="229610"/>
+          </a:xfrm>
+          <a:prstGeom prst="rect">
+            <a:avLst/>
+          </a:prstGeom>
+          <a:noFill/>
+          <a:ln w="31750">
+            <a:solidFill>
+              <a:schemeClr val="tx1"/>
+            </a:solidFill>
+          </a:ln>
+        </p:spPr>
+        <p:style>
+          <a:lnRef idx="2">
+            <a:schemeClr val="accent1">
+              <a:shade val="50000"/>
+            </a:schemeClr>
+          </a:lnRef>
+          <a:fillRef idx="1">
+            <a:schemeClr val="accent1"/>
+          </a:fillRef>
+          <a:effectRef idx="0">
+            <a:schemeClr val="accent1"/>
+          </a:effectRef>
+          <a:fontRef idx="minor">
+            <a:schemeClr val="lt1"/>
+          </a:fontRef>
+        </p:style>
+        <p:txBody>
+          <a:bodyPr rtlCol="0" anchor="ctr"/>
+          <a:lstStyle/>
+          <a:p>
+            <a:pPr algn="ctr"/>
+            <a:endParaRPr kumimoji="1" lang="ja-JP" altLang="en-US" sz="2800" dirty="0" smtClean="0">
+              <a:solidFill>
+                <a:schemeClr val="tx1"/>
+              </a:solidFill>
+            </a:endParaRPr>
+          </a:p>
+        </p:txBody>
+      </p:sp>
+      <p:sp>
+        <p:nvSpPr>
+          <p:cNvPr id="80" name="正方形/長方形 79"/>
+          <p:cNvSpPr/>
+          <p:nvPr/>
+        </p:nvSpPr>
+        <p:spPr>
+          <a:xfrm>
+            <a:off x="8463576" y="4024963"/>
+            <a:ext cx="460506" cy="223677"/>
+          </a:xfrm>
+          <a:prstGeom prst="rect">
+            <a:avLst/>
+          </a:prstGeom>
+          <a:noFill/>
+          <a:ln w="31750">
+            <a:solidFill>
+              <a:schemeClr val="tx1"/>
+            </a:solidFill>
+            <a:prstDash val="sysDot"/>
+          </a:ln>
+        </p:spPr>
+        <p:style>
+          <a:lnRef idx="2">
+            <a:schemeClr val="accent1">
+              <a:shade val="50000"/>
+            </a:schemeClr>
+          </a:lnRef>
+          <a:fillRef idx="1">
+            <a:schemeClr val="accent1"/>
+          </a:fillRef>
+          <a:effectRef idx="0">
+            <a:schemeClr val="accent1"/>
+          </a:effectRef>
+          <a:fontRef idx="minor">
+            <a:schemeClr val="lt1"/>
+          </a:fontRef>
+        </p:style>
+        <p:txBody>
+          <a:bodyPr rtlCol="0" anchor="ctr"/>
+          <a:lstStyle/>
+          <a:p>
+            <a:pPr algn="ctr"/>
+            <a:endParaRPr kumimoji="1" lang="ja-JP" altLang="en-US" sz="2800" dirty="0" smtClean="0">
+              <a:solidFill>
+                <a:schemeClr val="tx1"/>
+              </a:solidFill>
+            </a:endParaRPr>
+          </a:p>
+        </p:txBody>
+      </p:sp>
+      <p:sp>
+        <p:nvSpPr>
+          <p:cNvPr id="58" name="テキスト ボックス 57"/>
+          <p:cNvSpPr txBox="1"/>
+          <p:nvPr/>
+        </p:nvSpPr>
+        <p:spPr>
+          <a:xfrm>
+            <a:off x="8884687" y="3624898"/>
+            <a:ext cx="1470274" cy="707886"/>
+          </a:xfrm>
+          <a:prstGeom prst="rect">
+            <a:avLst/>
+          </a:prstGeom>
+          <a:noFill/>
+        </p:spPr>
+        <p:txBody>
+          <a:bodyPr wrap="none" rtlCol="0">
+            <a:spAutoFit/>
+          </a:bodyPr>
+          <a:lstStyle/>
+          <a:p>
+            <a:r>
+              <a:rPr kumimoji="1" lang="ja-JP" altLang="en-US" sz="2000" dirty="0" smtClean="0"/>
+              <a:t>：実クラス</a:t>
+            </a:r>
+            <a:endParaRPr kumimoji="1" lang="en-US" altLang="ja-JP" sz="2000" dirty="0" smtClean="0"/>
+          </a:p>
+          <a:p>
+            <a:r>
+              <a:rPr lang="ja-JP" altLang="en-US" sz="2000" dirty="0" smtClean="0"/>
+              <a:t>：抽象クラス</a:t>
+            </a:r>
+            <a:endParaRPr kumimoji="1" lang="ja-JP" altLang="en-US" sz="2000" dirty="0"/>
+          </a:p>
+        </p:txBody>
+      </p:sp>
+      <p:sp>
+        <p:nvSpPr>
+          <p:cNvPr id="59" name="テキスト ボックス 58"/>
+          <p:cNvSpPr txBox="1"/>
+          <p:nvPr/>
+        </p:nvSpPr>
+        <p:spPr>
+          <a:xfrm>
+            <a:off x="8381305" y="4292330"/>
+            <a:ext cx="1085554" cy="400110"/>
+          </a:xfrm>
+          <a:prstGeom prst="rect">
+            <a:avLst/>
+          </a:prstGeom>
+          <a:noFill/>
+        </p:spPr>
+        <p:txBody>
+          <a:bodyPr wrap="none" rtlCol="0">
+            <a:spAutoFit/>
+          </a:bodyPr>
+          <a:lstStyle/>
+          <a:p>
+            <a:r>
+              <a:rPr kumimoji="1" lang="ja-JP" altLang="en-US" sz="2000" dirty="0" smtClean="0"/>
+              <a:t>親クラス</a:t>
+            </a:r>
+            <a:endParaRPr kumimoji="1" lang="ja-JP" altLang="en-US" sz="2000" dirty="0"/>
+          </a:p>
+        </p:txBody>
+      </p:sp>
+      <p:sp>
+        <p:nvSpPr>
+          <p:cNvPr id="81" name="テキスト ボックス 80"/>
+          <p:cNvSpPr txBox="1"/>
+          <p:nvPr/>
+        </p:nvSpPr>
+        <p:spPr>
+          <a:xfrm>
+            <a:off x="9812184" y="4292330"/>
+            <a:ext cx="1085554" cy="400110"/>
+          </a:xfrm>
+          <a:prstGeom prst="rect">
+            <a:avLst/>
+          </a:prstGeom>
+          <a:noFill/>
+        </p:spPr>
+        <p:txBody>
+          <a:bodyPr wrap="none" rtlCol="0">
+            <a:spAutoFit/>
+          </a:bodyPr>
+          <a:lstStyle/>
+          <a:p>
+            <a:r>
+              <a:rPr lang="ja-JP" altLang="en-US" sz="2000" dirty="0"/>
+              <a:t>子</a:t>
+            </a:r>
+            <a:r>
+              <a:rPr kumimoji="1" lang="ja-JP" altLang="en-US" sz="2000" dirty="0" smtClean="0"/>
+              <a:t>クラス</a:t>
+            </a:r>
+            <a:endParaRPr kumimoji="1" lang="ja-JP" altLang="en-US" sz="2000" dirty="0"/>
+          </a:p>
+        </p:txBody>
+      </p:sp>
+      <p:cxnSp>
+        <p:nvCxnSpPr>
+          <p:cNvPr id="82" name="直線矢印コネクタ 81"/>
+          <p:cNvCxnSpPr>
+            <a:stCxn id="59" idx="3"/>
+            <a:endCxn id="81" idx="1"/>
+          </p:cNvCxnSpPr>
+          <p:nvPr/>
+        </p:nvCxnSpPr>
+        <p:spPr>
+          <a:xfrm>
+            <a:off x="9466859" y="4492385"/>
+            <a:ext cx="345325" cy="0"/>
+          </a:xfrm>
+          <a:prstGeom prst="straightConnector1">
+            <a:avLst/>
+          </a:prstGeom>
+          <a:ln w="19050">
+            <a:solidFill>
+              <a:schemeClr val="tx1"/>
+            </a:solidFill>
+            <a:prstDash val="solid"/>
+            <a:tailEnd type="triangle"/>
+          </a:ln>
+        </p:spPr>
+        <p:style>
+          <a:lnRef idx="1">
+            <a:schemeClr val="accent1"/>
+          </a:lnRef>
+          <a:fillRef idx="0">
+            <a:schemeClr val="accent1"/>
+          </a:fillRef>
+          <a:effectRef idx="0">
+            <a:schemeClr val="accent1"/>
+          </a:effectRef>
+          <a:fontRef idx="minor">
+            <a:schemeClr val="tx1"/>
+          </a:fontRef>
+        </p:style>
+      </p:cxnSp>
+    </p:spTree>
+    <p:extLst>
+      <p:ext uri="{BB962C8B-B14F-4D97-AF65-F5344CB8AC3E}">
+        <p14:creationId xmlns:p14="http://schemas.microsoft.com/office/powerpoint/2010/main" val="2107678510"/>
+      </p:ext>
+    </p:extLst>
+  </p:cSld>
+  <p:clrMapOvr>
+    <a:masterClrMapping/>
+  </p:clrMapOvr>
+</p:sld>
+</file>
+
 <file path=ppt/slides/slide2.xml><?xml version="1.0" encoding="utf-8"?>
 <p:sld xmlns:a="http://schemas.openxmlformats.org/drawingml/2006/main" xmlns:r="http://schemas.openxmlformats.org/officeDocument/2006/relationships" xmlns:p="http://schemas.openxmlformats.org/presentationml/2006/main">
   <p:cSld>

--- a/fig/fig.pptx
+++ b/fig/fig.pptx
@@ -5,7 +5,7 @@
     <p:sldMasterId id="2147483648" r:id="rId1"/>
   </p:sldMasterIdLst>
   <p:notesMasterIdLst>
-    <p:notesMasterId r:id="rId12"/>
+    <p:notesMasterId r:id="rId14"/>
   </p:notesMasterIdLst>
   <p:sldIdLst>
     <p:sldId id="256" r:id="rId2"/>
@@ -18,6 +18,8 @@
     <p:sldId id="264" r:id="rId9"/>
     <p:sldId id="265" r:id="rId10"/>
     <p:sldId id="266" r:id="rId11"/>
+    <p:sldId id="268" r:id="rId12"/>
+    <p:sldId id="269" r:id="rId13"/>
   </p:sldIdLst>
   <p:sldSz cx="12192000" cy="6858000"/>
   <p:notesSz cx="6858000" cy="9144000"/>
@@ -206,7 +208,7 @@
           <a:p>
             <a:fld id="{5132F9E5-22C7-4D67-BFE7-9836B898E847}" type="datetimeFigureOut">
               <a:rPr kumimoji="1" lang="ja-JP" altLang="en-US" smtClean="0"/>
-              <a:t>2018/2/1</a:t>
+              <a:t>2018/2/6</a:t>
             </a:fld>
             <a:endParaRPr kumimoji="1" lang="ja-JP" altLang="en-US"/>
           </a:p>
@@ -721,7 +723,7 @@
           <a:p>
             <a:fld id="{ABA9A1D1-5B79-412D-8149-C192A605B75C}" type="datetimeFigureOut">
               <a:rPr kumimoji="1" lang="ja-JP" altLang="en-US" smtClean="0"/>
-              <a:t>2018/2/1</a:t>
+              <a:t>2018/2/6</a:t>
             </a:fld>
             <a:endParaRPr kumimoji="1" lang="ja-JP" altLang="en-US"/>
           </a:p>
@@ -923,7 +925,7 @@
           <a:p>
             <a:fld id="{ABA9A1D1-5B79-412D-8149-C192A605B75C}" type="datetimeFigureOut">
               <a:rPr kumimoji="1" lang="ja-JP" altLang="en-US" smtClean="0"/>
-              <a:t>2018/2/1</a:t>
+              <a:t>2018/2/6</a:t>
             </a:fld>
             <a:endParaRPr kumimoji="1" lang="ja-JP" altLang="en-US"/>
           </a:p>
@@ -1135,7 +1137,7 @@
           <a:p>
             <a:fld id="{ABA9A1D1-5B79-412D-8149-C192A605B75C}" type="datetimeFigureOut">
               <a:rPr kumimoji="1" lang="ja-JP" altLang="en-US" smtClean="0"/>
-              <a:t>2018/2/1</a:t>
+              <a:t>2018/2/6</a:t>
             </a:fld>
             <a:endParaRPr kumimoji="1" lang="ja-JP" altLang="en-US"/>
           </a:p>
@@ -1337,7 +1339,7 @@
           <a:p>
             <a:fld id="{ABA9A1D1-5B79-412D-8149-C192A605B75C}" type="datetimeFigureOut">
               <a:rPr kumimoji="1" lang="ja-JP" altLang="en-US" smtClean="0"/>
-              <a:t>2018/2/1</a:t>
+              <a:t>2018/2/6</a:t>
             </a:fld>
             <a:endParaRPr kumimoji="1" lang="ja-JP" altLang="en-US"/>
           </a:p>
@@ -1583,7 +1585,7 @@
           <a:p>
             <a:fld id="{ABA9A1D1-5B79-412D-8149-C192A605B75C}" type="datetimeFigureOut">
               <a:rPr kumimoji="1" lang="ja-JP" altLang="en-US" smtClean="0"/>
-              <a:t>2018/2/1</a:t>
+              <a:t>2018/2/6</a:t>
             </a:fld>
             <a:endParaRPr kumimoji="1" lang="ja-JP" altLang="en-US"/>
           </a:p>
@@ -1879,7 +1881,7 @@
           <a:p>
             <a:fld id="{ABA9A1D1-5B79-412D-8149-C192A605B75C}" type="datetimeFigureOut">
               <a:rPr kumimoji="1" lang="ja-JP" altLang="en-US" smtClean="0"/>
-              <a:t>2018/2/1</a:t>
+              <a:t>2018/2/6</a:t>
             </a:fld>
             <a:endParaRPr kumimoji="1" lang="ja-JP" altLang="en-US"/>
           </a:p>
@@ -2310,7 +2312,7 @@
           <a:p>
             <a:fld id="{ABA9A1D1-5B79-412D-8149-C192A605B75C}" type="datetimeFigureOut">
               <a:rPr kumimoji="1" lang="ja-JP" altLang="en-US" smtClean="0"/>
-              <a:t>2018/2/1</a:t>
+              <a:t>2018/2/6</a:t>
             </a:fld>
             <a:endParaRPr kumimoji="1" lang="ja-JP" altLang="en-US"/>
           </a:p>
@@ -2428,7 +2430,7 @@
           <a:p>
             <a:fld id="{ABA9A1D1-5B79-412D-8149-C192A605B75C}" type="datetimeFigureOut">
               <a:rPr kumimoji="1" lang="ja-JP" altLang="en-US" smtClean="0"/>
-              <a:t>2018/2/1</a:t>
+              <a:t>2018/2/6</a:t>
             </a:fld>
             <a:endParaRPr kumimoji="1" lang="ja-JP" altLang="en-US"/>
           </a:p>
@@ -2523,7 +2525,7 @@
           <a:p>
             <a:fld id="{ABA9A1D1-5B79-412D-8149-C192A605B75C}" type="datetimeFigureOut">
               <a:rPr kumimoji="1" lang="ja-JP" altLang="en-US" smtClean="0"/>
-              <a:t>2018/2/1</a:t>
+              <a:t>2018/2/6</a:t>
             </a:fld>
             <a:endParaRPr kumimoji="1" lang="ja-JP" altLang="en-US"/>
           </a:p>
@@ -2832,7 +2834,7 @@
           <a:p>
             <a:fld id="{ABA9A1D1-5B79-412D-8149-C192A605B75C}" type="datetimeFigureOut">
               <a:rPr kumimoji="1" lang="ja-JP" altLang="en-US" smtClean="0"/>
-              <a:t>2018/2/1</a:t>
+              <a:t>2018/2/6</a:t>
             </a:fld>
             <a:endParaRPr kumimoji="1" lang="ja-JP" altLang="en-US"/>
           </a:p>
@@ -3085,7 +3087,7 @@
           <a:p>
             <a:fld id="{ABA9A1D1-5B79-412D-8149-C192A605B75C}" type="datetimeFigureOut">
               <a:rPr kumimoji="1" lang="ja-JP" altLang="en-US" smtClean="0"/>
-              <a:t>2018/2/1</a:t>
+              <a:t>2018/2/6</a:t>
             </a:fld>
             <a:endParaRPr kumimoji="1" lang="ja-JP" altLang="en-US"/>
           </a:p>
@@ -3330,7 +3332,7 @@
           <a:p>
             <a:fld id="{ABA9A1D1-5B79-412D-8149-C192A605B75C}" type="datetimeFigureOut">
               <a:rPr kumimoji="1" lang="ja-JP" altLang="en-US" smtClean="0"/>
-              <a:t>2018/2/1</a:t>
+              <a:t>2018/2/6</a:t>
             </a:fld>
             <a:endParaRPr kumimoji="1" lang="ja-JP" altLang="en-US"/>
           </a:p>
@@ -6153,6 +6155,3394 @@
 </p:sld>
 </file>
 
+<file path=ppt/slides/slide11.xml><?xml version="1.0" encoding="utf-8"?>
+<p:sld xmlns:a="http://schemas.openxmlformats.org/drawingml/2006/main" xmlns:r="http://schemas.openxmlformats.org/officeDocument/2006/relationships" xmlns:p="http://schemas.openxmlformats.org/presentationml/2006/main">
+  <p:cSld>
+    <p:spTree>
+      <p:nvGrpSpPr>
+        <p:cNvPr id="1" name=""/>
+        <p:cNvGrpSpPr/>
+        <p:nvPr/>
+      </p:nvGrpSpPr>
+      <p:grpSpPr>
+        <a:xfrm>
+          <a:off x="0" y="0"/>
+          <a:ext cx="0" cy="0"/>
+          <a:chOff x="0" y="0"/>
+          <a:chExt cx="0" cy="0"/>
+        </a:xfrm>
+      </p:grpSpPr>
+      <p:sp>
+        <p:nvSpPr>
+          <p:cNvPr id="103" name="正方形/長方形 102"/>
+          <p:cNvSpPr/>
+          <p:nvPr/>
+        </p:nvSpPr>
+        <p:spPr>
+          <a:xfrm>
+            <a:off x="1229984" y="977322"/>
+            <a:ext cx="7732832" cy="5556533"/>
+          </a:xfrm>
+          <a:prstGeom prst="rect">
+            <a:avLst/>
+          </a:prstGeom>
+          <a:solidFill>
+            <a:schemeClr val="bg1"/>
+          </a:solidFill>
+          <a:ln>
+            <a:solidFill>
+              <a:schemeClr val="bg1"/>
+            </a:solidFill>
+          </a:ln>
+        </p:spPr>
+        <p:style>
+          <a:lnRef idx="2">
+            <a:schemeClr val="accent1">
+              <a:shade val="50000"/>
+            </a:schemeClr>
+          </a:lnRef>
+          <a:fillRef idx="1">
+            <a:schemeClr val="accent1"/>
+          </a:fillRef>
+          <a:effectRef idx="0">
+            <a:schemeClr val="accent1"/>
+          </a:effectRef>
+          <a:fontRef idx="minor">
+            <a:schemeClr val="lt1"/>
+          </a:fontRef>
+        </p:style>
+        <p:txBody>
+          <a:bodyPr rot="0" spcFirstLastPara="0" vertOverflow="overflow" horzOverflow="overflow" vert="horz" wrap="square" lIns="91440" tIns="45720" rIns="91440" bIns="45720" numCol="1" spcCol="0" rtlCol="0" fromWordArt="0" anchor="ctr" anchorCtr="0" forceAA="0" compatLnSpc="1">
+            <a:prstTxWarp prst="textNoShape">
+              <a:avLst/>
+            </a:prstTxWarp>
+            <a:noAutofit/>
+          </a:bodyPr>
+          <a:lstStyle/>
+          <a:p>
+            <a:pPr algn="ctr"/>
+            <a:endParaRPr kumimoji="1" lang="ja-JP" altLang="en-US" sz="2000" dirty="0" smtClean="0">
+              <a:solidFill>
+                <a:schemeClr val="tx1"/>
+              </a:solidFill>
+            </a:endParaRPr>
+          </a:p>
+        </p:txBody>
+      </p:sp>
+      <p:sp>
+        <p:nvSpPr>
+          <p:cNvPr id="35" name="正方形/長方形 34"/>
+          <p:cNvSpPr/>
+          <p:nvPr/>
+        </p:nvSpPr>
+        <p:spPr>
+          <a:xfrm>
+            <a:off x="6096029" y="1891715"/>
+            <a:ext cx="1467293" cy="439891"/>
+          </a:xfrm>
+          <a:prstGeom prst="rect">
+            <a:avLst/>
+          </a:prstGeom>
+          <a:solidFill>
+            <a:schemeClr val="bg1">
+              <a:lumMod val="50000"/>
+            </a:schemeClr>
+          </a:solidFill>
+          <a:ln>
+            <a:solidFill>
+              <a:schemeClr val="tx1"/>
+            </a:solidFill>
+          </a:ln>
+        </p:spPr>
+        <p:style>
+          <a:lnRef idx="2">
+            <a:schemeClr val="accent1">
+              <a:shade val="50000"/>
+            </a:schemeClr>
+          </a:lnRef>
+          <a:fillRef idx="1">
+            <a:schemeClr val="accent1"/>
+          </a:fillRef>
+          <a:effectRef idx="0">
+            <a:schemeClr val="accent1"/>
+          </a:effectRef>
+          <a:fontRef idx="minor">
+            <a:schemeClr val="lt1"/>
+          </a:fontRef>
+        </p:style>
+        <p:txBody>
+          <a:bodyPr rtlCol="0" anchor="ctr"/>
+          <a:lstStyle/>
+          <a:p>
+            <a:pPr algn="ctr"/>
+            <a:r>
+              <a:rPr lang="en-US" altLang="ja-JP" sz="2400" dirty="0" smtClean="0">
+                <a:solidFill>
+                  <a:schemeClr val="bg1"/>
+                </a:solidFill>
+              </a:rPr>
+              <a:t>Server0</a:t>
+            </a:r>
+            <a:endParaRPr kumimoji="1" lang="ja-JP" altLang="en-US" sz="2400" dirty="0" smtClean="0">
+              <a:solidFill>
+                <a:schemeClr val="bg1"/>
+              </a:solidFill>
+            </a:endParaRPr>
+          </a:p>
+        </p:txBody>
+      </p:sp>
+      <p:sp>
+        <p:nvSpPr>
+          <p:cNvPr id="36" name="正方形/長方形 35"/>
+          <p:cNvSpPr/>
+          <p:nvPr/>
+        </p:nvSpPr>
+        <p:spPr>
+          <a:xfrm>
+            <a:off x="2210375" y="977322"/>
+            <a:ext cx="2080438" cy="439891"/>
+          </a:xfrm>
+          <a:prstGeom prst="rect">
+            <a:avLst/>
+          </a:prstGeom>
+          <a:solidFill>
+            <a:schemeClr val="bg1">
+              <a:lumMod val="50000"/>
+            </a:schemeClr>
+          </a:solidFill>
+          <a:ln>
+            <a:solidFill>
+              <a:schemeClr val="tx1"/>
+            </a:solidFill>
+          </a:ln>
+        </p:spPr>
+        <p:style>
+          <a:lnRef idx="2">
+            <a:schemeClr val="accent1">
+              <a:shade val="50000"/>
+            </a:schemeClr>
+          </a:lnRef>
+          <a:fillRef idx="1">
+            <a:schemeClr val="accent1"/>
+          </a:fillRef>
+          <a:effectRef idx="0">
+            <a:schemeClr val="accent1"/>
+          </a:effectRef>
+          <a:fontRef idx="minor">
+            <a:schemeClr val="lt1"/>
+          </a:fontRef>
+        </p:style>
+        <p:txBody>
+          <a:bodyPr rtlCol="0" anchor="ctr"/>
+          <a:lstStyle/>
+          <a:p>
+            <a:pPr algn="ctr"/>
+            <a:r>
+              <a:rPr lang="en-US" altLang="ja-JP" sz="2400" dirty="0" smtClean="0">
+                <a:solidFill>
+                  <a:schemeClr val="bg1"/>
+                </a:solidFill>
+              </a:rPr>
+              <a:t>PrivateCache0</a:t>
+            </a:r>
+            <a:endParaRPr kumimoji="1" lang="ja-JP" altLang="en-US" sz="2400" dirty="0" smtClean="0">
+              <a:solidFill>
+                <a:schemeClr val="bg1"/>
+              </a:solidFill>
+            </a:endParaRPr>
+          </a:p>
+        </p:txBody>
+      </p:sp>
+      <p:sp>
+        <p:nvSpPr>
+          <p:cNvPr id="39" name="角丸四角形 38"/>
+          <p:cNvSpPr/>
+          <p:nvPr/>
+        </p:nvSpPr>
+        <p:spPr>
+          <a:xfrm>
+            <a:off x="2352421" y="2886113"/>
+            <a:ext cx="1943985" cy="735259"/>
+          </a:xfrm>
+          <a:prstGeom prst="roundRect">
+            <a:avLst>
+              <a:gd name="adj" fmla="val 21972"/>
+            </a:avLst>
+          </a:prstGeom>
+          <a:solidFill>
+            <a:schemeClr val="bg1">
+              <a:lumMod val="85000"/>
+            </a:schemeClr>
+          </a:solidFill>
+          <a:ln>
+            <a:solidFill>
+              <a:schemeClr val="tx1"/>
+            </a:solidFill>
+          </a:ln>
+        </p:spPr>
+        <p:style>
+          <a:lnRef idx="2">
+            <a:schemeClr val="accent1">
+              <a:shade val="50000"/>
+            </a:schemeClr>
+          </a:lnRef>
+          <a:fillRef idx="1">
+            <a:schemeClr val="accent1"/>
+          </a:fillRef>
+          <a:effectRef idx="0">
+            <a:schemeClr val="accent1"/>
+          </a:effectRef>
+          <a:fontRef idx="minor">
+            <a:schemeClr val="lt1"/>
+          </a:fontRef>
+        </p:style>
+        <p:txBody>
+          <a:bodyPr rtlCol="0" anchor="ctr"/>
+          <a:lstStyle/>
+          <a:p>
+            <a:pPr algn="ctr"/>
+            <a:r>
+              <a:rPr lang="en-US" altLang="ja-JP" sz="2400" dirty="0" smtClean="0">
+                <a:solidFill>
+                  <a:schemeClr val="tx1"/>
+                </a:solidFill>
+              </a:rPr>
+              <a:t>Request0</a:t>
+            </a:r>
+          </a:p>
+          <a:p>
+            <a:pPr algn="ctr"/>
+            <a:r>
+              <a:rPr kumimoji="1" lang="en-US" altLang="ja-JP" sz="2000" dirty="0" smtClean="0">
+                <a:solidFill>
+                  <a:schemeClr val="tx1"/>
+                </a:solidFill>
+              </a:rPr>
+              <a:t>[Time0]</a:t>
+            </a:r>
+          </a:p>
+        </p:txBody>
+      </p:sp>
+      <p:sp>
+        <p:nvSpPr>
+          <p:cNvPr id="40" name="角丸四角形 39"/>
+          <p:cNvSpPr/>
+          <p:nvPr/>
+        </p:nvSpPr>
+        <p:spPr>
+          <a:xfrm>
+            <a:off x="6096029" y="2886114"/>
+            <a:ext cx="1943985" cy="731082"/>
+          </a:xfrm>
+          <a:prstGeom prst="roundRect">
+            <a:avLst>
+              <a:gd name="adj" fmla="val 21972"/>
+            </a:avLst>
+          </a:prstGeom>
+          <a:solidFill>
+            <a:schemeClr val="bg1">
+              <a:lumMod val="85000"/>
+            </a:schemeClr>
+          </a:solidFill>
+          <a:ln>
+            <a:solidFill>
+              <a:schemeClr val="tx1"/>
+            </a:solidFill>
+          </a:ln>
+        </p:spPr>
+        <p:style>
+          <a:lnRef idx="2">
+            <a:schemeClr val="accent1">
+              <a:shade val="50000"/>
+            </a:schemeClr>
+          </a:lnRef>
+          <a:fillRef idx="1">
+            <a:schemeClr val="accent1"/>
+          </a:fillRef>
+          <a:effectRef idx="0">
+            <a:schemeClr val="accent1"/>
+          </a:effectRef>
+          <a:fontRef idx="minor">
+            <a:schemeClr val="lt1"/>
+          </a:fontRef>
+        </p:style>
+        <p:txBody>
+          <a:bodyPr rtlCol="0" anchor="ctr"/>
+          <a:lstStyle/>
+          <a:p>
+            <a:pPr algn="ctr"/>
+            <a:r>
+              <a:rPr lang="en-US" altLang="ja-JP" sz="2400" dirty="0" smtClean="0">
+                <a:solidFill>
+                  <a:schemeClr val="tx1"/>
+                </a:solidFill>
+              </a:rPr>
+              <a:t>Response0</a:t>
+            </a:r>
+          </a:p>
+          <a:p>
+            <a:pPr algn="ctr"/>
+            <a:r>
+              <a:rPr kumimoji="1" lang="en-US" altLang="ja-JP" sz="2000" dirty="0" smtClean="0">
+                <a:solidFill>
+                  <a:schemeClr val="tx1"/>
+                </a:solidFill>
+              </a:rPr>
+              <a:t>[Time1]</a:t>
+            </a:r>
+            <a:endParaRPr kumimoji="1" lang="en-US" altLang="ja-JP" dirty="0" smtClean="0">
+              <a:solidFill>
+                <a:schemeClr val="tx1"/>
+              </a:solidFill>
+            </a:endParaRPr>
+          </a:p>
+        </p:txBody>
+      </p:sp>
+      <p:sp>
+        <p:nvSpPr>
+          <p:cNvPr id="41" name="正方形/長方形 40"/>
+          <p:cNvSpPr/>
+          <p:nvPr/>
+        </p:nvSpPr>
+        <p:spPr>
+          <a:xfrm>
+            <a:off x="2829113" y="1891715"/>
+            <a:ext cx="1467293" cy="455177"/>
+          </a:xfrm>
+          <a:prstGeom prst="rect">
+            <a:avLst/>
+          </a:prstGeom>
+          <a:solidFill>
+            <a:schemeClr val="bg1">
+              <a:lumMod val="50000"/>
+            </a:schemeClr>
+          </a:solidFill>
+          <a:ln>
+            <a:solidFill>
+              <a:schemeClr val="tx1"/>
+            </a:solidFill>
+          </a:ln>
+        </p:spPr>
+        <p:style>
+          <a:lnRef idx="2">
+            <a:schemeClr val="accent1">
+              <a:shade val="50000"/>
+            </a:schemeClr>
+          </a:lnRef>
+          <a:fillRef idx="1">
+            <a:schemeClr val="accent1"/>
+          </a:fillRef>
+          <a:effectRef idx="0">
+            <a:schemeClr val="accent1"/>
+          </a:effectRef>
+          <a:fontRef idx="minor">
+            <a:schemeClr val="lt1"/>
+          </a:fontRef>
+        </p:style>
+        <p:txBody>
+          <a:bodyPr rtlCol="0" anchor="ctr"/>
+          <a:lstStyle/>
+          <a:p>
+            <a:pPr algn="ctr"/>
+            <a:r>
+              <a:rPr lang="en-US" altLang="ja-JP" sz="2400" dirty="0" smtClean="0">
+                <a:solidFill>
+                  <a:schemeClr val="bg1"/>
+                </a:solidFill>
+              </a:rPr>
+              <a:t>Browser0</a:t>
+            </a:r>
+            <a:endParaRPr kumimoji="1" lang="ja-JP" altLang="en-US" sz="2400" dirty="0" smtClean="0">
+              <a:solidFill>
+                <a:schemeClr val="bg1"/>
+              </a:solidFill>
+            </a:endParaRPr>
+          </a:p>
+        </p:txBody>
+      </p:sp>
+      <p:sp>
+        <p:nvSpPr>
+          <p:cNvPr id="42" name="正方形/長方形 41"/>
+          <p:cNvSpPr/>
+          <p:nvPr/>
+        </p:nvSpPr>
+        <p:spPr>
+          <a:xfrm>
+            <a:off x="3937145" y="3832756"/>
+            <a:ext cx="2518144" cy="439891"/>
+          </a:xfrm>
+          <a:prstGeom prst="rect">
+            <a:avLst/>
+          </a:prstGeom>
+          <a:noFill/>
+          <a:ln>
+            <a:solidFill>
+              <a:schemeClr val="tx1"/>
+            </a:solidFill>
+          </a:ln>
+        </p:spPr>
+        <p:style>
+          <a:lnRef idx="2">
+            <a:schemeClr val="accent1">
+              <a:shade val="50000"/>
+            </a:schemeClr>
+          </a:lnRef>
+          <a:fillRef idx="1">
+            <a:schemeClr val="accent1"/>
+          </a:fillRef>
+          <a:effectRef idx="0">
+            <a:schemeClr val="accent1"/>
+          </a:effectRef>
+          <a:fontRef idx="minor">
+            <a:schemeClr val="lt1"/>
+          </a:fontRef>
+        </p:style>
+        <p:txBody>
+          <a:bodyPr rtlCol="0" anchor="ctr"/>
+          <a:lstStyle/>
+          <a:p>
+            <a:pPr algn="ctr"/>
+            <a:r>
+              <a:rPr lang="en-US" altLang="ja-JP" sz="2400" dirty="0" smtClean="0">
+                <a:solidFill>
+                  <a:schemeClr val="tx1"/>
+                </a:solidFill>
+              </a:rPr>
+              <a:t>StateTransaction0</a:t>
+            </a:r>
+            <a:endParaRPr kumimoji="1" lang="ja-JP" altLang="en-US" sz="2400" dirty="0" smtClean="0">
+              <a:solidFill>
+                <a:schemeClr val="tx1"/>
+              </a:solidFill>
+            </a:endParaRPr>
+          </a:p>
+        </p:txBody>
+      </p:sp>
+      <p:sp>
+        <p:nvSpPr>
+          <p:cNvPr id="47" name="角丸四角形 46"/>
+          <p:cNvSpPr/>
+          <p:nvPr/>
+        </p:nvSpPr>
+        <p:spPr>
+          <a:xfrm>
+            <a:off x="2269625" y="4614877"/>
+            <a:ext cx="2120307" cy="811315"/>
+          </a:xfrm>
+          <a:prstGeom prst="roundRect">
+            <a:avLst>
+              <a:gd name="adj" fmla="val 21972"/>
+            </a:avLst>
+          </a:prstGeom>
+          <a:noFill/>
+          <a:ln>
+            <a:solidFill>
+              <a:schemeClr val="tx1"/>
+            </a:solidFill>
+          </a:ln>
+        </p:spPr>
+        <p:style>
+          <a:lnRef idx="2">
+            <a:schemeClr val="accent1">
+              <a:shade val="50000"/>
+            </a:schemeClr>
+          </a:lnRef>
+          <a:fillRef idx="1">
+            <a:schemeClr val="accent1"/>
+          </a:fillRef>
+          <a:effectRef idx="0">
+            <a:schemeClr val="accent1"/>
+          </a:effectRef>
+          <a:fontRef idx="minor">
+            <a:schemeClr val="lt1"/>
+          </a:fontRef>
+        </p:style>
+        <p:txBody>
+          <a:bodyPr rtlCol="0" anchor="ctr"/>
+          <a:lstStyle/>
+          <a:p>
+            <a:pPr algn="ctr"/>
+            <a:r>
+              <a:rPr lang="en-US" altLang="ja-JP" sz="2800" dirty="0" smtClean="0">
+                <a:solidFill>
+                  <a:schemeClr val="tx1"/>
+                </a:solidFill>
+              </a:rPr>
+              <a:t>CacheState0</a:t>
+            </a:r>
+            <a:endParaRPr kumimoji="1" lang="en-US" altLang="ja-JP" sz="2000" dirty="0" smtClean="0">
+              <a:solidFill>
+                <a:schemeClr val="tx1"/>
+              </a:solidFill>
+            </a:endParaRPr>
+          </a:p>
+        </p:txBody>
+      </p:sp>
+      <p:cxnSp>
+        <p:nvCxnSpPr>
+          <p:cNvPr id="54" name="直線矢印コネクタ 53"/>
+          <p:cNvCxnSpPr>
+            <a:stCxn id="42" idx="2"/>
+            <a:endCxn id="47" idx="0"/>
+          </p:cNvCxnSpPr>
+          <p:nvPr/>
+        </p:nvCxnSpPr>
+        <p:spPr>
+          <a:xfrm flipH="1">
+            <a:off x="3329779" y="4272647"/>
+            <a:ext cx="1866438" cy="342230"/>
+          </a:xfrm>
+          <a:prstGeom prst="straightConnector1">
+            <a:avLst/>
+          </a:prstGeom>
+          <a:ln w="12700">
+            <a:solidFill>
+              <a:schemeClr val="tx1"/>
+            </a:solidFill>
+            <a:prstDash val="solid"/>
+            <a:headEnd w="lg" len="med"/>
+            <a:tailEnd type="triangle" w="lg" len="med"/>
+          </a:ln>
+        </p:spPr>
+        <p:style>
+          <a:lnRef idx="1">
+            <a:schemeClr val="accent1"/>
+          </a:lnRef>
+          <a:fillRef idx="0">
+            <a:schemeClr val="accent1"/>
+          </a:fillRef>
+          <a:effectRef idx="0">
+            <a:schemeClr val="accent1"/>
+          </a:effectRef>
+          <a:fontRef idx="minor">
+            <a:schemeClr val="tx1"/>
+          </a:fontRef>
+        </p:style>
+      </p:cxnSp>
+      <p:sp>
+        <p:nvSpPr>
+          <p:cNvPr id="57" name="テキスト ボックス 56"/>
+          <p:cNvSpPr txBox="1"/>
+          <p:nvPr/>
+        </p:nvSpPr>
+        <p:spPr>
+          <a:xfrm>
+            <a:off x="2692276" y="4197752"/>
+            <a:ext cx="1278170" cy="369332"/>
+          </a:xfrm>
+          <a:prstGeom prst="rect">
+            <a:avLst/>
+          </a:prstGeom>
+          <a:noFill/>
+        </p:spPr>
+        <p:txBody>
+          <a:bodyPr wrap="none" rtlCol="0">
+            <a:spAutoFit/>
+          </a:bodyPr>
+          <a:lstStyle/>
+          <a:p>
+            <a:r>
+              <a:rPr kumimoji="1" lang="en-US" altLang="ja-JP" dirty="0" err="1" smtClean="0"/>
+              <a:t>beforeState</a:t>
+            </a:r>
+            <a:endParaRPr kumimoji="1" lang="ja-JP" altLang="en-US" dirty="0"/>
+          </a:p>
+        </p:txBody>
+      </p:sp>
+      <p:cxnSp>
+        <p:nvCxnSpPr>
+          <p:cNvPr id="19" name="カギ線コネクタ 18"/>
+          <p:cNvCxnSpPr>
+            <a:stCxn id="42" idx="1"/>
+          </p:cNvCxnSpPr>
+          <p:nvPr/>
+        </p:nvCxnSpPr>
+        <p:spPr>
+          <a:xfrm rot="10800000">
+            <a:off x="3324415" y="3618054"/>
+            <a:ext cx="612731" cy="434649"/>
+          </a:xfrm>
+          <a:prstGeom prst="bentConnector2">
+            <a:avLst/>
+          </a:prstGeom>
+          <a:ln w="12700">
+            <a:solidFill>
+              <a:schemeClr val="tx1"/>
+            </a:solidFill>
+            <a:prstDash val="solid"/>
+            <a:tailEnd type="triangle" w="lg" len="med"/>
+          </a:ln>
+        </p:spPr>
+        <p:style>
+          <a:lnRef idx="1">
+            <a:schemeClr val="accent1"/>
+          </a:lnRef>
+          <a:fillRef idx="0">
+            <a:schemeClr val="accent1"/>
+          </a:fillRef>
+          <a:effectRef idx="0">
+            <a:schemeClr val="accent1"/>
+          </a:effectRef>
+          <a:fontRef idx="minor">
+            <a:schemeClr val="tx1"/>
+          </a:fontRef>
+        </p:style>
+      </p:cxnSp>
+      <p:cxnSp>
+        <p:nvCxnSpPr>
+          <p:cNvPr id="60" name="カギ線コネクタ 59"/>
+          <p:cNvCxnSpPr>
+            <a:stCxn id="42" idx="3"/>
+            <a:endCxn id="40" idx="2"/>
+          </p:cNvCxnSpPr>
+          <p:nvPr/>
+        </p:nvCxnSpPr>
+        <p:spPr>
+          <a:xfrm flipV="1">
+            <a:off x="6455289" y="3617196"/>
+            <a:ext cx="612733" cy="435506"/>
+          </a:xfrm>
+          <a:prstGeom prst="bentConnector2">
+            <a:avLst/>
+          </a:prstGeom>
+          <a:ln w="12700">
+            <a:solidFill>
+              <a:schemeClr val="tx1"/>
+            </a:solidFill>
+            <a:prstDash val="solid"/>
+            <a:tailEnd type="triangle" w="lg" len="med"/>
+          </a:ln>
+        </p:spPr>
+        <p:style>
+          <a:lnRef idx="1">
+            <a:schemeClr val="accent1"/>
+          </a:lnRef>
+          <a:fillRef idx="0">
+            <a:schemeClr val="accent1"/>
+          </a:fillRef>
+          <a:effectRef idx="0">
+            <a:schemeClr val="accent1"/>
+          </a:effectRef>
+          <a:fontRef idx="minor">
+            <a:schemeClr val="tx1"/>
+          </a:fontRef>
+        </p:style>
+      </p:cxnSp>
+      <p:cxnSp>
+        <p:nvCxnSpPr>
+          <p:cNvPr id="30" name="曲線コネクタ 29"/>
+          <p:cNvCxnSpPr>
+            <a:stCxn id="66" idx="1"/>
+            <a:endCxn id="36" idx="1"/>
+          </p:cNvCxnSpPr>
+          <p:nvPr/>
+        </p:nvCxnSpPr>
+        <p:spPr>
+          <a:xfrm rot="10800000">
+            <a:off x="2210375" y="1197268"/>
+            <a:ext cx="59250" cy="5040882"/>
+          </a:xfrm>
+          <a:prstGeom prst="curvedConnector3">
+            <a:avLst>
+              <a:gd name="adj1" fmla="val 1024179"/>
+            </a:avLst>
+          </a:prstGeom>
+          <a:ln w="12700">
+            <a:solidFill>
+              <a:schemeClr val="tx1"/>
+            </a:solidFill>
+            <a:prstDash val="solid"/>
+            <a:tailEnd type="triangle"/>
+          </a:ln>
+        </p:spPr>
+        <p:style>
+          <a:lnRef idx="1">
+            <a:schemeClr val="accent1"/>
+          </a:lnRef>
+          <a:fillRef idx="0">
+            <a:schemeClr val="accent1"/>
+          </a:fillRef>
+          <a:effectRef idx="0">
+            <a:schemeClr val="accent1"/>
+          </a:effectRef>
+          <a:fontRef idx="minor">
+            <a:schemeClr val="tx1"/>
+          </a:fontRef>
+        </p:style>
+      </p:cxnSp>
+      <p:sp>
+        <p:nvSpPr>
+          <p:cNvPr id="75" name="テキスト ボックス 74"/>
+          <p:cNvSpPr txBox="1"/>
+          <p:nvPr/>
+        </p:nvSpPr>
+        <p:spPr>
+          <a:xfrm>
+            <a:off x="1229984" y="5498472"/>
+            <a:ext cx="726161" cy="369332"/>
+          </a:xfrm>
+          <a:prstGeom prst="rect">
+            <a:avLst/>
+          </a:prstGeom>
+          <a:noFill/>
+        </p:spPr>
+        <p:txBody>
+          <a:bodyPr wrap="none" rtlCol="0">
+            <a:spAutoFit/>
+          </a:bodyPr>
+          <a:lstStyle/>
+          <a:p>
+            <a:r>
+              <a:rPr kumimoji="1" lang="en-US" altLang="ja-JP" dirty="0" smtClean="0"/>
+              <a:t>cache</a:t>
+            </a:r>
+            <a:endParaRPr kumimoji="1" lang="ja-JP" altLang="en-US" dirty="0"/>
+          </a:p>
+        </p:txBody>
+      </p:sp>
+      <p:sp>
+        <p:nvSpPr>
+          <p:cNvPr id="77" name="テキスト ボックス 76"/>
+          <p:cNvSpPr txBox="1"/>
+          <p:nvPr/>
+        </p:nvSpPr>
+        <p:spPr>
+          <a:xfrm>
+            <a:off x="3486332" y="1508882"/>
+            <a:ext cx="726161" cy="369332"/>
+          </a:xfrm>
+          <a:prstGeom prst="rect">
+            <a:avLst/>
+          </a:prstGeom>
+          <a:noFill/>
+        </p:spPr>
+        <p:txBody>
+          <a:bodyPr wrap="none" rtlCol="0">
+            <a:spAutoFit/>
+          </a:bodyPr>
+          <a:lstStyle/>
+          <a:p>
+            <a:r>
+              <a:rPr kumimoji="1" lang="en-US" altLang="ja-JP" dirty="0" smtClean="0"/>
+              <a:t>cache</a:t>
+            </a:r>
+            <a:endParaRPr kumimoji="1" lang="ja-JP" altLang="en-US" dirty="0"/>
+          </a:p>
+        </p:txBody>
+      </p:sp>
+      <p:cxnSp>
+        <p:nvCxnSpPr>
+          <p:cNvPr id="84" name="直線矢印コネクタ 83"/>
+          <p:cNvCxnSpPr>
+            <a:stCxn id="39" idx="0"/>
+            <a:endCxn id="35" idx="1"/>
+          </p:cNvCxnSpPr>
+          <p:nvPr/>
+        </p:nvCxnSpPr>
+        <p:spPr>
+          <a:xfrm flipV="1">
+            <a:off x="3324414" y="2111661"/>
+            <a:ext cx="2771615" cy="774453"/>
+          </a:xfrm>
+          <a:prstGeom prst="straightConnector1">
+            <a:avLst/>
+          </a:prstGeom>
+          <a:ln w="12700">
+            <a:solidFill>
+              <a:schemeClr val="tx1"/>
+            </a:solidFill>
+            <a:prstDash val="solid"/>
+            <a:headEnd w="lg" len="med"/>
+            <a:tailEnd type="triangle" w="lg" len="med"/>
+          </a:ln>
+        </p:spPr>
+        <p:style>
+          <a:lnRef idx="1">
+            <a:schemeClr val="accent1"/>
+          </a:lnRef>
+          <a:fillRef idx="0">
+            <a:schemeClr val="accent1"/>
+          </a:fillRef>
+          <a:effectRef idx="0">
+            <a:schemeClr val="accent1"/>
+          </a:effectRef>
+          <a:fontRef idx="minor">
+            <a:schemeClr val="tx1"/>
+          </a:fontRef>
+        </p:style>
+      </p:cxnSp>
+      <p:cxnSp>
+        <p:nvCxnSpPr>
+          <p:cNvPr id="87" name="直線矢印コネクタ 86"/>
+          <p:cNvCxnSpPr>
+            <a:stCxn id="39" idx="0"/>
+            <a:endCxn id="41" idx="2"/>
+          </p:cNvCxnSpPr>
+          <p:nvPr/>
+        </p:nvCxnSpPr>
+        <p:spPr>
+          <a:xfrm flipV="1">
+            <a:off x="3324414" y="2346892"/>
+            <a:ext cx="238346" cy="539222"/>
+          </a:xfrm>
+          <a:prstGeom prst="straightConnector1">
+            <a:avLst/>
+          </a:prstGeom>
+          <a:ln w="12700">
+            <a:solidFill>
+              <a:schemeClr val="tx1"/>
+            </a:solidFill>
+            <a:prstDash val="solid"/>
+            <a:headEnd w="lg" len="med"/>
+            <a:tailEnd type="triangle" w="lg" len="med"/>
+          </a:ln>
+        </p:spPr>
+        <p:style>
+          <a:lnRef idx="1">
+            <a:schemeClr val="accent1"/>
+          </a:lnRef>
+          <a:fillRef idx="0">
+            <a:schemeClr val="accent1"/>
+          </a:fillRef>
+          <a:effectRef idx="0">
+            <a:schemeClr val="accent1"/>
+          </a:effectRef>
+          <a:fontRef idx="minor">
+            <a:schemeClr val="tx1"/>
+          </a:fontRef>
+        </p:style>
+      </p:cxnSp>
+      <p:cxnSp>
+        <p:nvCxnSpPr>
+          <p:cNvPr id="90" name="直線矢印コネクタ 89"/>
+          <p:cNvCxnSpPr>
+            <a:stCxn id="40" idx="0"/>
+            <a:endCxn id="41" idx="3"/>
+          </p:cNvCxnSpPr>
+          <p:nvPr/>
+        </p:nvCxnSpPr>
+        <p:spPr>
+          <a:xfrm flipH="1" flipV="1">
+            <a:off x="4296406" y="2119304"/>
+            <a:ext cx="2771616" cy="766810"/>
+          </a:xfrm>
+          <a:prstGeom prst="straightConnector1">
+            <a:avLst/>
+          </a:prstGeom>
+          <a:ln w="12700">
+            <a:solidFill>
+              <a:schemeClr val="tx1"/>
+            </a:solidFill>
+            <a:prstDash val="solid"/>
+            <a:headEnd w="lg" len="med"/>
+            <a:tailEnd type="triangle" w="lg" len="med"/>
+          </a:ln>
+        </p:spPr>
+        <p:style>
+          <a:lnRef idx="1">
+            <a:schemeClr val="accent1"/>
+          </a:lnRef>
+          <a:fillRef idx="0">
+            <a:schemeClr val="accent1"/>
+          </a:fillRef>
+          <a:effectRef idx="0">
+            <a:schemeClr val="accent1"/>
+          </a:effectRef>
+          <a:fontRef idx="minor">
+            <a:schemeClr val="tx1"/>
+          </a:fontRef>
+        </p:style>
+      </p:cxnSp>
+      <p:cxnSp>
+        <p:nvCxnSpPr>
+          <p:cNvPr id="95" name="直線矢印コネクタ 94"/>
+          <p:cNvCxnSpPr>
+            <a:stCxn id="41" idx="0"/>
+            <a:endCxn id="36" idx="2"/>
+          </p:cNvCxnSpPr>
+          <p:nvPr/>
+        </p:nvCxnSpPr>
+        <p:spPr>
+          <a:xfrm flipH="1" flipV="1">
+            <a:off x="3250594" y="1417213"/>
+            <a:ext cx="312166" cy="474502"/>
+          </a:xfrm>
+          <a:prstGeom prst="straightConnector1">
+            <a:avLst/>
+          </a:prstGeom>
+          <a:ln w="12700">
+            <a:solidFill>
+              <a:schemeClr val="tx1"/>
+            </a:solidFill>
+            <a:prstDash val="solid"/>
+            <a:headEnd w="lg" len="med"/>
+            <a:tailEnd type="triangle" w="lg" len="med"/>
+          </a:ln>
+        </p:spPr>
+        <p:style>
+          <a:lnRef idx="1">
+            <a:schemeClr val="accent1"/>
+          </a:lnRef>
+          <a:fillRef idx="0">
+            <a:schemeClr val="accent1"/>
+          </a:fillRef>
+          <a:effectRef idx="0">
+            <a:schemeClr val="accent1"/>
+          </a:effectRef>
+          <a:fontRef idx="minor">
+            <a:schemeClr val="tx1"/>
+          </a:fontRef>
+        </p:style>
+      </p:cxnSp>
+      <p:sp>
+        <p:nvSpPr>
+          <p:cNvPr id="100" name="テキスト ボックス 99"/>
+          <p:cNvSpPr txBox="1"/>
+          <p:nvPr/>
+        </p:nvSpPr>
+        <p:spPr>
+          <a:xfrm>
+            <a:off x="2725229" y="2549950"/>
+            <a:ext cx="637803" cy="369332"/>
+          </a:xfrm>
+          <a:prstGeom prst="rect">
+            <a:avLst/>
+          </a:prstGeom>
+          <a:noFill/>
+        </p:spPr>
+        <p:txBody>
+          <a:bodyPr wrap="none" rtlCol="0">
+            <a:spAutoFit/>
+          </a:bodyPr>
+          <a:lstStyle/>
+          <a:p>
+            <a:r>
+              <a:rPr kumimoji="1" lang="en-US" altLang="ja-JP" dirty="0" smtClean="0"/>
+              <a:t>from</a:t>
+            </a:r>
+            <a:endParaRPr kumimoji="1" lang="ja-JP" altLang="en-US" dirty="0"/>
+          </a:p>
+        </p:txBody>
+      </p:sp>
+      <p:sp>
+        <p:nvSpPr>
+          <p:cNvPr id="101" name="テキスト ボックス 100"/>
+          <p:cNvSpPr txBox="1"/>
+          <p:nvPr/>
+        </p:nvSpPr>
+        <p:spPr>
+          <a:xfrm>
+            <a:off x="7036065" y="2549440"/>
+            <a:ext cx="637803" cy="369332"/>
+          </a:xfrm>
+          <a:prstGeom prst="rect">
+            <a:avLst/>
+          </a:prstGeom>
+          <a:noFill/>
+        </p:spPr>
+        <p:txBody>
+          <a:bodyPr wrap="none" rtlCol="0">
+            <a:spAutoFit/>
+          </a:bodyPr>
+          <a:lstStyle/>
+          <a:p>
+            <a:r>
+              <a:rPr kumimoji="1" lang="en-US" altLang="ja-JP" dirty="0" smtClean="0"/>
+              <a:t>from</a:t>
+            </a:r>
+            <a:endParaRPr kumimoji="1" lang="ja-JP" altLang="en-US" dirty="0"/>
+          </a:p>
+        </p:txBody>
+      </p:sp>
+      <p:sp>
+        <p:nvSpPr>
+          <p:cNvPr id="102" name="テキスト ボックス 101"/>
+          <p:cNvSpPr txBox="1"/>
+          <p:nvPr/>
+        </p:nvSpPr>
+        <p:spPr>
+          <a:xfrm>
+            <a:off x="4329026" y="2514344"/>
+            <a:ext cx="381195" cy="369332"/>
+          </a:xfrm>
+          <a:prstGeom prst="rect">
+            <a:avLst/>
+          </a:prstGeom>
+          <a:noFill/>
+        </p:spPr>
+        <p:txBody>
+          <a:bodyPr wrap="none" rtlCol="0">
+            <a:spAutoFit/>
+          </a:bodyPr>
+          <a:lstStyle/>
+          <a:p>
+            <a:r>
+              <a:rPr kumimoji="1" lang="en-US" altLang="ja-JP" dirty="0" smtClean="0"/>
+              <a:t>to</a:t>
+            </a:r>
+            <a:endParaRPr kumimoji="1" lang="ja-JP" altLang="en-US" dirty="0"/>
+          </a:p>
+        </p:txBody>
+      </p:sp>
+      <p:sp>
+        <p:nvSpPr>
+          <p:cNvPr id="113" name="テキスト ボックス 112"/>
+          <p:cNvSpPr txBox="1"/>
+          <p:nvPr/>
+        </p:nvSpPr>
+        <p:spPr>
+          <a:xfrm>
+            <a:off x="2800345" y="5498472"/>
+            <a:ext cx="421910" cy="369332"/>
+          </a:xfrm>
+          <a:prstGeom prst="rect">
+            <a:avLst/>
+          </a:prstGeom>
+          <a:noFill/>
+        </p:spPr>
+        <p:txBody>
+          <a:bodyPr wrap="none" rtlCol="0">
+            <a:spAutoFit/>
+          </a:bodyPr>
+          <a:lstStyle/>
+          <a:p>
+            <a:r>
+              <a:rPr kumimoji="1" lang="en-US" altLang="ja-JP" dirty="0" err="1" smtClean="0"/>
+              <a:t>eq</a:t>
+            </a:r>
+            <a:endParaRPr kumimoji="1" lang="ja-JP" altLang="en-US" dirty="0"/>
+          </a:p>
+        </p:txBody>
+      </p:sp>
+      <p:sp>
+        <p:nvSpPr>
+          <p:cNvPr id="31" name="テキスト ボックス 30"/>
+          <p:cNvSpPr txBox="1"/>
+          <p:nvPr/>
+        </p:nvSpPr>
+        <p:spPr>
+          <a:xfrm>
+            <a:off x="2479686" y="3723237"/>
+            <a:ext cx="900439" cy="369332"/>
+          </a:xfrm>
+          <a:prstGeom prst="rect">
+            <a:avLst/>
+          </a:prstGeom>
+          <a:noFill/>
+        </p:spPr>
+        <p:txBody>
+          <a:bodyPr wrap="none" rtlCol="0">
+            <a:spAutoFit/>
+          </a:bodyPr>
+          <a:lstStyle/>
+          <a:p>
+            <a:r>
+              <a:rPr kumimoji="1" lang="en-US" altLang="ja-JP" dirty="0" smtClean="0"/>
+              <a:t>request</a:t>
+            </a:r>
+            <a:endParaRPr kumimoji="1" lang="ja-JP" altLang="en-US" dirty="0"/>
+          </a:p>
+        </p:txBody>
+      </p:sp>
+      <p:sp>
+        <p:nvSpPr>
+          <p:cNvPr id="32" name="テキスト ボックス 31"/>
+          <p:cNvSpPr txBox="1"/>
+          <p:nvPr/>
+        </p:nvSpPr>
+        <p:spPr>
+          <a:xfrm>
+            <a:off x="7087384" y="3677302"/>
+            <a:ext cx="1037656" cy="369332"/>
+          </a:xfrm>
+          <a:prstGeom prst="rect">
+            <a:avLst/>
+          </a:prstGeom>
+          <a:noFill/>
+        </p:spPr>
+        <p:txBody>
+          <a:bodyPr wrap="none" rtlCol="0">
+            <a:spAutoFit/>
+          </a:bodyPr>
+          <a:lstStyle/>
+          <a:p>
+            <a:r>
+              <a:rPr kumimoji="1" lang="en-US" altLang="ja-JP" dirty="0" smtClean="0"/>
+              <a:t>response</a:t>
+            </a:r>
+            <a:endParaRPr kumimoji="1" lang="ja-JP" altLang="en-US" dirty="0"/>
+          </a:p>
+        </p:txBody>
+      </p:sp>
+      <p:cxnSp>
+        <p:nvCxnSpPr>
+          <p:cNvPr id="37" name="直線矢印コネクタ 36"/>
+          <p:cNvCxnSpPr>
+            <a:stCxn id="40" idx="0"/>
+            <a:endCxn id="35" idx="2"/>
+          </p:cNvCxnSpPr>
+          <p:nvPr/>
+        </p:nvCxnSpPr>
+        <p:spPr>
+          <a:xfrm flipH="1" flipV="1">
+            <a:off x="6829676" y="2331606"/>
+            <a:ext cx="238346" cy="554508"/>
+          </a:xfrm>
+          <a:prstGeom prst="straightConnector1">
+            <a:avLst/>
+          </a:prstGeom>
+          <a:ln w="12700">
+            <a:solidFill>
+              <a:schemeClr val="tx1"/>
+            </a:solidFill>
+            <a:prstDash val="solid"/>
+            <a:headEnd w="lg" len="med"/>
+            <a:tailEnd type="triangle" w="lg" len="med"/>
+          </a:ln>
+        </p:spPr>
+        <p:style>
+          <a:lnRef idx="1">
+            <a:schemeClr val="accent1"/>
+          </a:lnRef>
+          <a:fillRef idx="0">
+            <a:schemeClr val="accent1"/>
+          </a:fillRef>
+          <a:effectRef idx="0">
+            <a:schemeClr val="accent1"/>
+          </a:effectRef>
+          <a:fontRef idx="minor">
+            <a:schemeClr val="tx1"/>
+          </a:fontRef>
+        </p:style>
+      </p:cxnSp>
+      <p:sp>
+        <p:nvSpPr>
+          <p:cNvPr id="44" name="テキスト ボックス 43"/>
+          <p:cNvSpPr txBox="1"/>
+          <p:nvPr/>
+        </p:nvSpPr>
+        <p:spPr>
+          <a:xfrm>
+            <a:off x="5981961" y="2545773"/>
+            <a:ext cx="381195" cy="369332"/>
+          </a:xfrm>
+          <a:prstGeom prst="rect">
+            <a:avLst/>
+          </a:prstGeom>
+          <a:noFill/>
+        </p:spPr>
+        <p:txBody>
+          <a:bodyPr wrap="none" rtlCol="0">
+            <a:spAutoFit/>
+          </a:bodyPr>
+          <a:lstStyle/>
+          <a:p>
+            <a:r>
+              <a:rPr kumimoji="1" lang="en-US" altLang="ja-JP" dirty="0" smtClean="0"/>
+              <a:t>to</a:t>
+            </a:r>
+            <a:endParaRPr kumimoji="1" lang="ja-JP" altLang="en-US" dirty="0"/>
+          </a:p>
+        </p:txBody>
+      </p:sp>
+      <p:sp>
+        <p:nvSpPr>
+          <p:cNvPr id="46" name="角丸四角形 45"/>
+          <p:cNvSpPr/>
+          <p:nvPr/>
+        </p:nvSpPr>
+        <p:spPr>
+          <a:xfrm>
+            <a:off x="6007166" y="4619922"/>
+            <a:ext cx="2120307" cy="811315"/>
+          </a:xfrm>
+          <a:prstGeom prst="roundRect">
+            <a:avLst>
+              <a:gd name="adj" fmla="val 21972"/>
+            </a:avLst>
+          </a:prstGeom>
+          <a:noFill/>
+          <a:ln>
+            <a:solidFill>
+              <a:schemeClr val="tx1"/>
+            </a:solidFill>
+          </a:ln>
+        </p:spPr>
+        <p:style>
+          <a:lnRef idx="2">
+            <a:schemeClr val="accent1">
+              <a:shade val="50000"/>
+            </a:schemeClr>
+          </a:lnRef>
+          <a:fillRef idx="1">
+            <a:schemeClr val="accent1"/>
+          </a:fillRef>
+          <a:effectRef idx="0">
+            <a:schemeClr val="accent1"/>
+          </a:effectRef>
+          <a:fontRef idx="minor">
+            <a:schemeClr val="lt1"/>
+          </a:fontRef>
+        </p:style>
+        <p:txBody>
+          <a:bodyPr rtlCol="0" anchor="ctr"/>
+          <a:lstStyle/>
+          <a:p>
+            <a:pPr algn="ctr"/>
+            <a:r>
+              <a:rPr lang="en-US" altLang="ja-JP" sz="2800" dirty="0" smtClean="0">
+                <a:solidFill>
+                  <a:schemeClr val="tx1"/>
+                </a:solidFill>
+              </a:rPr>
+              <a:t>CacheState1</a:t>
+            </a:r>
+            <a:endParaRPr kumimoji="1" lang="en-US" altLang="ja-JP" sz="2000" dirty="0" smtClean="0">
+              <a:solidFill>
+                <a:schemeClr val="tx1"/>
+              </a:solidFill>
+            </a:endParaRPr>
+          </a:p>
+        </p:txBody>
+      </p:sp>
+      <p:cxnSp>
+        <p:nvCxnSpPr>
+          <p:cNvPr id="55" name="直線矢印コネクタ 54"/>
+          <p:cNvCxnSpPr>
+            <a:stCxn id="42" idx="2"/>
+            <a:endCxn id="46" idx="0"/>
+          </p:cNvCxnSpPr>
+          <p:nvPr/>
+        </p:nvCxnSpPr>
+        <p:spPr>
+          <a:xfrm>
+            <a:off x="5196217" y="4272647"/>
+            <a:ext cx="1871103" cy="347275"/>
+          </a:xfrm>
+          <a:prstGeom prst="straightConnector1">
+            <a:avLst/>
+          </a:prstGeom>
+          <a:ln w="12700">
+            <a:solidFill>
+              <a:schemeClr val="tx1"/>
+            </a:solidFill>
+            <a:prstDash val="solid"/>
+            <a:headEnd w="lg" len="med"/>
+            <a:tailEnd type="triangle" w="lg" len="med"/>
+          </a:ln>
+        </p:spPr>
+        <p:style>
+          <a:lnRef idx="1">
+            <a:schemeClr val="accent1"/>
+          </a:lnRef>
+          <a:fillRef idx="0">
+            <a:schemeClr val="accent1"/>
+          </a:fillRef>
+          <a:effectRef idx="0">
+            <a:schemeClr val="accent1"/>
+          </a:effectRef>
+          <a:fontRef idx="minor">
+            <a:schemeClr val="tx1"/>
+          </a:fontRef>
+        </p:style>
+      </p:cxnSp>
+      <p:sp>
+        <p:nvSpPr>
+          <p:cNvPr id="56" name="テキスト ボックス 55"/>
+          <p:cNvSpPr txBox="1"/>
+          <p:nvPr/>
+        </p:nvSpPr>
+        <p:spPr>
+          <a:xfrm>
+            <a:off x="6451486" y="4194199"/>
+            <a:ext cx="1112741" cy="369332"/>
+          </a:xfrm>
+          <a:prstGeom prst="rect">
+            <a:avLst/>
+          </a:prstGeom>
+          <a:noFill/>
+        </p:spPr>
+        <p:txBody>
+          <a:bodyPr wrap="none" rtlCol="0">
+            <a:spAutoFit/>
+          </a:bodyPr>
+          <a:lstStyle/>
+          <a:p>
+            <a:r>
+              <a:rPr kumimoji="1" lang="en-US" altLang="ja-JP" dirty="0" err="1" smtClean="0"/>
+              <a:t>afterState</a:t>
+            </a:r>
+            <a:endParaRPr kumimoji="1" lang="ja-JP" altLang="en-US" dirty="0"/>
+          </a:p>
+        </p:txBody>
+      </p:sp>
+      <p:sp>
+        <p:nvSpPr>
+          <p:cNvPr id="66" name="角丸四角形 65"/>
+          <p:cNvSpPr/>
+          <p:nvPr/>
+        </p:nvSpPr>
+        <p:spPr>
+          <a:xfrm>
+            <a:off x="2269625" y="5942444"/>
+            <a:ext cx="1792012" cy="591411"/>
+          </a:xfrm>
+          <a:prstGeom prst="roundRect">
+            <a:avLst>
+              <a:gd name="adj" fmla="val 21972"/>
+            </a:avLst>
+          </a:prstGeom>
+          <a:noFill/>
+          <a:ln>
+            <a:solidFill>
+              <a:schemeClr val="tx1"/>
+            </a:solidFill>
+          </a:ln>
+        </p:spPr>
+        <p:style>
+          <a:lnRef idx="2">
+            <a:schemeClr val="accent1">
+              <a:shade val="50000"/>
+            </a:schemeClr>
+          </a:lnRef>
+          <a:fillRef idx="1">
+            <a:schemeClr val="accent1"/>
+          </a:fillRef>
+          <a:effectRef idx="0">
+            <a:schemeClr val="accent1"/>
+          </a:effectRef>
+          <a:fontRef idx="minor">
+            <a:schemeClr val="lt1"/>
+          </a:fontRef>
+        </p:style>
+        <p:txBody>
+          <a:bodyPr rtlCol="0" anchor="ctr"/>
+          <a:lstStyle/>
+          <a:p>
+            <a:pPr algn="ctr"/>
+            <a:r>
+              <a:rPr lang="en-US" altLang="ja-JP" sz="2000" dirty="0" smtClean="0">
+                <a:solidFill>
+                  <a:schemeClr val="tx1"/>
+                </a:solidFill>
+              </a:rPr>
+              <a:t>CacheEqItem0</a:t>
+            </a:r>
+            <a:endParaRPr kumimoji="1" lang="en-US" altLang="ja-JP" sz="2000" dirty="0" smtClean="0">
+              <a:solidFill>
+                <a:schemeClr val="tx1"/>
+              </a:solidFill>
+            </a:endParaRPr>
+          </a:p>
+        </p:txBody>
+      </p:sp>
+      <p:cxnSp>
+        <p:nvCxnSpPr>
+          <p:cNvPr id="67" name="直線矢印コネクタ 66"/>
+          <p:cNvCxnSpPr>
+            <a:stCxn id="47" idx="2"/>
+            <a:endCxn id="66" idx="0"/>
+          </p:cNvCxnSpPr>
+          <p:nvPr/>
+        </p:nvCxnSpPr>
+        <p:spPr>
+          <a:xfrm flipH="1">
+            <a:off x="3165631" y="5426192"/>
+            <a:ext cx="164148" cy="516252"/>
+          </a:xfrm>
+          <a:prstGeom prst="straightConnector1">
+            <a:avLst/>
+          </a:prstGeom>
+          <a:ln w="12700">
+            <a:solidFill>
+              <a:schemeClr val="tx1"/>
+            </a:solidFill>
+            <a:prstDash val="solid"/>
+            <a:headEnd w="lg" len="med"/>
+            <a:tailEnd type="triangle" w="sm" len="med"/>
+          </a:ln>
+        </p:spPr>
+        <p:style>
+          <a:lnRef idx="1">
+            <a:schemeClr val="accent1"/>
+          </a:lnRef>
+          <a:fillRef idx="0">
+            <a:schemeClr val="accent1"/>
+          </a:fillRef>
+          <a:effectRef idx="0">
+            <a:schemeClr val="accent1"/>
+          </a:effectRef>
+          <a:fontRef idx="minor">
+            <a:schemeClr val="tx1"/>
+          </a:fontRef>
+        </p:style>
+      </p:cxnSp>
+      <p:cxnSp>
+        <p:nvCxnSpPr>
+          <p:cNvPr id="68" name="直線矢印コネクタ 67"/>
+          <p:cNvCxnSpPr>
+            <a:stCxn id="46" idx="2"/>
+            <a:endCxn id="66" idx="0"/>
+          </p:cNvCxnSpPr>
+          <p:nvPr/>
+        </p:nvCxnSpPr>
+        <p:spPr>
+          <a:xfrm flipH="1">
+            <a:off x="3165631" y="5431237"/>
+            <a:ext cx="3901689" cy="511207"/>
+          </a:xfrm>
+          <a:prstGeom prst="straightConnector1">
+            <a:avLst/>
+          </a:prstGeom>
+          <a:ln w="12700">
+            <a:solidFill>
+              <a:schemeClr val="tx1"/>
+            </a:solidFill>
+            <a:prstDash val="solid"/>
+            <a:headEnd w="lg" len="med"/>
+            <a:tailEnd type="triangle" w="sm" len="med"/>
+          </a:ln>
+        </p:spPr>
+        <p:style>
+          <a:lnRef idx="1">
+            <a:schemeClr val="accent1"/>
+          </a:lnRef>
+          <a:fillRef idx="0">
+            <a:schemeClr val="accent1"/>
+          </a:fillRef>
+          <a:effectRef idx="0">
+            <a:schemeClr val="accent1"/>
+          </a:effectRef>
+          <a:fontRef idx="minor">
+            <a:schemeClr val="tx1"/>
+          </a:fontRef>
+        </p:style>
+      </p:cxnSp>
+      <p:sp>
+        <p:nvSpPr>
+          <p:cNvPr id="74" name="テキスト ボックス 73"/>
+          <p:cNvSpPr txBox="1"/>
+          <p:nvPr/>
+        </p:nvSpPr>
+        <p:spPr>
+          <a:xfrm>
+            <a:off x="5414140" y="5244049"/>
+            <a:ext cx="421910" cy="369332"/>
+          </a:xfrm>
+          <a:prstGeom prst="rect">
+            <a:avLst/>
+          </a:prstGeom>
+          <a:noFill/>
+        </p:spPr>
+        <p:txBody>
+          <a:bodyPr wrap="none" rtlCol="0">
+            <a:spAutoFit/>
+          </a:bodyPr>
+          <a:lstStyle/>
+          <a:p>
+            <a:r>
+              <a:rPr kumimoji="1" lang="en-US" altLang="ja-JP" dirty="0" err="1" smtClean="0"/>
+              <a:t>eq</a:t>
+            </a:r>
+            <a:endParaRPr kumimoji="1" lang="ja-JP" altLang="en-US" dirty="0"/>
+          </a:p>
+        </p:txBody>
+      </p:sp>
+      <p:sp>
+        <p:nvSpPr>
+          <p:cNvPr id="76" name="角丸四角形 75"/>
+          <p:cNvSpPr/>
+          <p:nvPr/>
+        </p:nvSpPr>
+        <p:spPr>
+          <a:xfrm>
+            <a:off x="4304017" y="5943531"/>
+            <a:ext cx="1792012" cy="590324"/>
+          </a:xfrm>
+          <a:prstGeom prst="roundRect">
+            <a:avLst>
+              <a:gd name="adj" fmla="val 21972"/>
+            </a:avLst>
+          </a:prstGeom>
+          <a:noFill/>
+          <a:ln>
+            <a:solidFill>
+              <a:schemeClr val="tx1"/>
+            </a:solidFill>
+          </a:ln>
+        </p:spPr>
+        <p:style>
+          <a:lnRef idx="2">
+            <a:schemeClr val="accent1">
+              <a:shade val="50000"/>
+            </a:schemeClr>
+          </a:lnRef>
+          <a:fillRef idx="1">
+            <a:schemeClr val="accent1"/>
+          </a:fillRef>
+          <a:effectRef idx="0">
+            <a:schemeClr val="accent1"/>
+          </a:effectRef>
+          <a:fontRef idx="minor">
+            <a:schemeClr val="lt1"/>
+          </a:fontRef>
+        </p:style>
+        <p:txBody>
+          <a:bodyPr rtlCol="0" anchor="ctr"/>
+          <a:lstStyle/>
+          <a:p>
+            <a:pPr algn="ctr"/>
+            <a:r>
+              <a:rPr lang="en-US" altLang="ja-JP" sz="2000" dirty="0" smtClean="0">
+                <a:solidFill>
+                  <a:schemeClr val="tx1"/>
+                </a:solidFill>
+              </a:rPr>
+              <a:t>CacheDifItem0</a:t>
+            </a:r>
+          </a:p>
+          <a:p>
+            <a:pPr algn="ctr"/>
+            <a:r>
+              <a:rPr kumimoji="1" lang="en-US" altLang="ja-JP" sz="2000" dirty="0" smtClean="0">
+                <a:solidFill>
+                  <a:schemeClr val="tx1"/>
+                </a:solidFill>
+              </a:rPr>
+              <a:t>[Time0]</a:t>
+            </a:r>
+          </a:p>
+        </p:txBody>
+      </p:sp>
+      <p:sp>
+        <p:nvSpPr>
+          <p:cNvPr id="78" name="角丸四角形 77"/>
+          <p:cNvSpPr/>
+          <p:nvPr/>
+        </p:nvSpPr>
+        <p:spPr>
+          <a:xfrm>
+            <a:off x="6335461" y="5935039"/>
+            <a:ext cx="1792012" cy="598816"/>
+          </a:xfrm>
+          <a:prstGeom prst="roundRect">
+            <a:avLst>
+              <a:gd name="adj" fmla="val 21972"/>
+            </a:avLst>
+          </a:prstGeom>
+          <a:noFill/>
+          <a:ln>
+            <a:solidFill>
+              <a:schemeClr val="tx1"/>
+            </a:solidFill>
+          </a:ln>
+        </p:spPr>
+        <p:style>
+          <a:lnRef idx="2">
+            <a:schemeClr val="accent1">
+              <a:shade val="50000"/>
+            </a:schemeClr>
+          </a:lnRef>
+          <a:fillRef idx="1">
+            <a:schemeClr val="accent1"/>
+          </a:fillRef>
+          <a:effectRef idx="0">
+            <a:schemeClr val="accent1"/>
+          </a:effectRef>
+          <a:fontRef idx="minor">
+            <a:schemeClr val="lt1"/>
+          </a:fontRef>
+        </p:style>
+        <p:txBody>
+          <a:bodyPr rtlCol="0" anchor="ctr"/>
+          <a:lstStyle/>
+          <a:p>
+            <a:pPr algn="ctr"/>
+            <a:r>
+              <a:rPr lang="en-US" altLang="ja-JP" sz="2000" dirty="0" smtClean="0">
+                <a:solidFill>
+                  <a:schemeClr val="tx1"/>
+                </a:solidFill>
+              </a:rPr>
+              <a:t>CacheDifItem1</a:t>
+            </a:r>
+          </a:p>
+          <a:p>
+            <a:pPr algn="ctr"/>
+            <a:r>
+              <a:rPr kumimoji="1" lang="en-US" altLang="ja-JP" sz="2000" dirty="0" smtClean="0">
+                <a:solidFill>
+                  <a:schemeClr val="tx1"/>
+                </a:solidFill>
+              </a:rPr>
+              <a:t>[Time1]</a:t>
+            </a:r>
+          </a:p>
+        </p:txBody>
+      </p:sp>
+      <p:cxnSp>
+        <p:nvCxnSpPr>
+          <p:cNvPr id="79" name="直線矢印コネクタ 78"/>
+          <p:cNvCxnSpPr>
+            <a:stCxn id="47" idx="2"/>
+            <a:endCxn id="76" idx="0"/>
+          </p:cNvCxnSpPr>
+          <p:nvPr/>
+        </p:nvCxnSpPr>
+        <p:spPr>
+          <a:xfrm>
+            <a:off x="3329779" y="5426192"/>
+            <a:ext cx="1870244" cy="517339"/>
+          </a:xfrm>
+          <a:prstGeom prst="straightConnector1">
+            <a:avLst/>
+          </a:prstGeom>
+          <a:ln w="12700">
+            <a:solidFill>
+              <a:schemeClr val="tx1"/>
+            </a:solidFill>
+            <a:prstDash val="solid"/>
+            <a:headEnd w="lg" len="med"/>
+            <a:tailEnd type="triangle" w="med" len="med"/>
+          </a:ln>
+        </p:spPr>
+        <p:style>
+          <a:lnRef idx="1">
+            <a:schemeClr val="accent1"/>
+          </a:lnRef>
+          <a:fillRef idx="0">
+            <a:schemeClr val="accent1"/>
+          </a:fillRef>
+          <a:effectRef idx="0">
+            <a:schemeClr val="accent1"/>
+          </a:effectRef>
+          <a:fontRef idx="minor">
+            <a:schemeClr val="tx1"/>
+          </a:fontRef>
+        </p:style>
+      </p:cxnSp>
+      <p:cxnSp>
+        <p:nvCxnSpPr>
+          <p:cNvPr id="80" name="直線矢印コネクタ 79"/>
+          <p:cNvCxnSpPr>
+            <a:stCxn id="46" idx="2"/>
+            <a:endCxn id="78" idx="0"/>
+          </p:cNvCxnSpPr>
+          <p:nvPr/>
+        </p:nvCxnSpPr>
+        <p:spPr>
+          <a:xfrm>
+            <a:off x="7067320" y="5431237"/>
+            <a:ext cx="164147" cy="503802"/>
+          </a:xfrm>
+          <a:prstGeom prst="straightConnector1">
+            <a:avLst/>
+          </a:prstGeom>
+          <a:ln w="12700">
+            <a:solidFill>
+              <a:schemeClr val="tx1"/>
+            </a:solidFill>
+            <a:prstDash val="solid"/>
+            <a:headEnd w="lg" len="med"/>
+            <a:tailEnd type="triangle" w="med" len="med"/>
+          </a:ln>
+        </p:spPr>
+        <p:style>
+          <a:lnRef idx="1">
+            <a:schemeClr val="accent1"/>
+          </a:lnRef>
+          <a:fillRef idx="0">
+            <a:schemeClr val="accent1"/>
+          </a:fillRef>
+          <a:effectRef idx="0">
+            <a:schemeClr val="accent1"/>
+          </a:effectRef>
+          <a:fontRef idx="minor">
+            <a:schemeClr val="tx1"/>
+          </a:fontRef>
+        </p:style>
+      </p:cxnSp>
+      <p:sp>
+        <p:nvSpPr>
+          <p:cNvPr id="83" name="テキスト ボックス 82"/>
+          <p:cNvSpPr txBox="1"/>
+          <p:nvPr/>
+        </p:nvSpPr>
+        <p:spPr>
+          <a:xfrm>
+            <a:off x="4132170" y="5353208"/>
+            <a:ext cx="429926" cy="369332"/>
+          </a:xfrm>
+          <a:prstGeom prst="rect">
+            <a:avLst/>
+          </a:prstGeom>
+          <a:noFill/>
+        </p:spPr>
+        <p:txBody>
+          <a:bodyPr wrap="none" rtlCol="0">
+            <a:spAutoFit/>
+          </a:bodyPr>
+          <a:lstStyle/>
+          <a:p>
+            <a:r>
+              <a:rPr lang="en-US" altLang="ja-JP" dirty="0" err="1" smtClean="0"/>
+              <a:t>dif</a:t>
+            </a:r>
+            <a:endParaRPr kumimoji="1" lang="ja-JP" altLang="en-US" dirty="0"/>
+          </a:p>
+        </p:txBody>
+      </p:sp>
+      <p:sp>
+        <p:nvSpPr>
+          <p:cNvPr id="85" name="テキスト ボックス 84"/>
+          <p:cNvSpPr txBox="1"/>
+          <p:nvPr/>
+        </p:nvSpPr>
+        <p:spPr>
+          <a:xfrm>
+            <a:off x="7144362" y="5498472"/>
+            <a:ext cx="429926" cy="369332"/>
+          </a:xfrm>
+          <a:prstGeom prst="rect">
+            <a:avLst/>
+          </a:prstGeom>
+          <a:noFill/>
+        </p:spPr>
+        <p:txBody>
+          <a:bodyPr wrap="none" rtlCol="0">
+            <a:spAutoFit/>
+          </a:bodyPr>
+          <a:lstStyle/>
+          <a:p>
+            <a:r>
+              <a:rPr lang="en-US" altLang="ja-JP" dirty="0" err="1" smtClean="0"/>
+              <a:t>dif</a:t>
+            </a:r>
+            <a:endParaRPr kumimoji="1" lang="ja-JP" altLang="en-US" dirty="0"/>
+          </a:p>
+        </p:txBody>
+      </p:sp>
+      <p:cxnSp>
+        <p:nvCxnSpPr>
+          <p:cNvPr id="86" name="曲線コネクタ 85"/>
+          <p:cNvCxnSpPr>
+            <a:stCxn id="78" idx="3"/>
+            <a:endCxn id="40" idx="3"/>
+          </p:cNvCxnSpPr>
+          <p:nvPr/>
+        </p:nvCxnSpPr>
+        <p:spPr>
+          <a:xfrm flipH="1" flipV="1">
+            <a:off x="8040014" y="3251655"/>
+            <a:ext cx="87459" cy="2982792"/>
+          </a:xfrm>
+          <a:prstGeom prst="curvedConnector3">
+            <a:avLst>
+              <a:gd name="adj1" fmla="val -261380"/>
+            </a:avLst>
+          </a:prstGeom>
+          <a:ln w="12700">
+            <a:solidFill>
+              <a:schemeClr val="tx1"/>
+            </a:solidFill>
+            <a:prstDash val="solid"/>
+            <a:tailEnd type="triangle"/>
+          </a:ln>
+        </p:spPr>
+        <p:style>
+          <a:lnRef idx="1">
+            <a:schemeClr val="accent1"/>
+          </a:lnRef>
+          <a:fillRef idx="0">
+            <a:schemeClr val="accent1"/>
+          </a:fillRef>
+          <a:effectRef idx="0">
+            <a:schemeClr val="accent1"/>
+          </a:effectRef>
+          <a:fontRef idx="minor">
+            <a:schemeClr val="tx1"/>
+          </a:fontRef>
+        </p:style>
+      </p:cxnSp>
+      <p:sp>
+        <p:nvSpPr>
+          <p:cNvPr id="88" name="テキスト ボックス 87"/>
+          <p:cNvSpPr txBox="1"/>
+          <p:nvPr/>
+        </p:nvSpPr>
+        <p:spPr>
+          <a:xfrm>
+            <a:off x="8301866" y="5498472"/>
+            <a:ext cx="660950" cy="369332"/>
+          </a:xfrm>
+          <a:prstGeom prst="rect">
+            <a:avLst/>
+          </a:prstGeom>
+          <a:noFill/>
+        </p:spPr>
+        <p:txBody>
+          <a:bodyPr wrap="none" rtlCol="0">
+            <a:spAutoFit/>
+          </a:bodyPr>
+          <a:lstStyle/>
+          <a:p>
+            <a:r>
+              <a:rPr kumimoji="1" lang="en-US" altLang="ja-JP" dirty="0" smtClean="0"/>
+              <a:t>store</a:t>
+            </a:r>
+            <a:endParaRPr kumimoji="1" lang="ja-JP" altLang="en-US" dirty="0"/>
+          </a:p>
+        </p:txBody>
+      </p:sp>
+    </p:spTree>
+    <p:extLst>
+      <p:ext uri="{BB962C8B-B14F-4D97-AF65-F5344CB8AC3E}">
+        <p14:creationId xmlns:p14="http://schemas.microsoft.com/office/powerpoint/2010/main" val="2220337791"/>
+      </p:ext>
+    </p:extLst>
+  </p:cSld>
+  <p:clrMapOvr>
+    <a:masterClrMapping/>
+  </p:clrMapOvr>
+</p:sld>
+</file>
+
+<file path=ppt/slides/slide12.xml><?xml version="1.0" encoding="utf-8"?>
+<p:sld xmlns:a="http://schemas.openxmlformats.org/drawingml/2006/main" xmlns:r="http://schemas.openxmlformats.org/officeDocument/2006/relationships" xmlns:p="http://schemas.openxmlformats.org/presentationml/2006/main">
+  <p:cSld>
+    <p:spTree>
+      <p:nvGrpSpPr>
+        <p:cNvPr id="1" name=""/>
+        <p:cNvGrpSpPr/>
+        <p:nvPr/>
+      </p:nvGrpSpPr>
+      <p:grpSpPr>
+        <a:xfrm>
+          <a:off x="0" y="0"/>
+          <a:ext cx="0" cy="0"/>
+          <a:chOff x="0" y="0"/>
+          <a:chExt cx="0" cy="0"/>
+        </a:xfrm>
+      </p:grpSpPr>
+      <p:sp>
+        <p:nvSpPr>
+          <p:cNvPr id="117" name="正方形/長方形 116"/>
+          <p:cNvSpPr/>
+          <p:nvPr/>
+        </p:nvSpPr>
+        <p:spPr>
+          <a:xfrm>
+            <a:off x="654249" y="84008"/>
+            <a:ext cx="8540229" cy="3877932"/>
+          </a:xfrm>
+          <a:prstGeom prst="rect">
+            <a:avLst/>
+          </a:prstGeom>
+          <a:solidFill>
+            <a:schemeClr val="bg1"/>
+          </a:solidFill>
+          <a:ln>
+            <a:solidFill>
+              <a:schemeClr val="bg1"/>
+            </a:solidFill>
+          </a:ln>
+        </p:spPr>
+        <p:style>
+          <a:lnRef idx="2">
+            <a:schemeClr val="accent1">
+              <a:shade val="50000"/>
+            </a:schemeClr>
+          </a:lnRef>
+          <a:fillRef idx="1">
+            <a:schemeClr val="accent1"/>
+          </a:fillRef>
+          <a:effectRef idx="0">
+            <a:schemeClr val="accent1"/>
+          </a:effectRef>
+          <a:fontRef idx="minor">
+            <a:schemeClr val="lt1"/>
+          </a:fontRef>
+        </p:style>
+        <p:txBody>
+          <a:bodyPr rot="0" spcFirstLastPara="0" vertOverflow="overflow" horzOverflow="overflow" vert="horz" wrap="square" lIns="91440" tIns="45720" rIns="91440" bIns="45720" numCol="1" spcCol="0" rtlCol="0" fromWordArt="0" anchor="ctr" anchorCtr="0" forceAA="0" compatLnSpc="1">
+            <a:prstTxWarp prst="textNoShape">
+              <a:avLst/>
+            </a:prstTxWarp>
+            <a:noAutofit/>
+          </a:bodyPr>
+          <a:lstStyle/>
+          <a:p>
+            <a:pPr algn="ctr"/>
+            <a:endParaRPr kumimoji="1" lang="ja-JP" altLang="en-US" sz="2000" dirty="0" smtClean="0">
+              <a:solidFill>
+                <a:schemeClr val="tx1"/>
+              </a:solidFill>
+            </a:endParaRPr>
+          </a:p>
+        </p:txBody>
+      </p:sp>
+      <p:sp>
+        <p:nvSpPr>
+          <p:cNvPr id="39" name="角丸四角形 38"/>
+          <p:cNvSpPr/>
+          <p:nvPr/>
+        </p:nvSpPr>
+        <p:spPr>
+          <a:xfrm>
+            <a:off x="654249" y="482547"/>
+            <a:ext cx="1943985" cy="735259"/>
+          </a:xfrm>
+          <a:prstGeom prst="roundRect">
+            <a:avLst>
+              <a:gd name="adj" fmla="val 21972"/>
+            </a:avLst>
+          </a:prstGeom>
+          <a:solidFill>
+            <a:schemeClr val="bg1">
+              <a:lumMod val="85000"/>
+            </a:schemeClr>
+          </a:solidFill>
+          <a:ln>
+            <a:solidFill>
+              <a:schemeClr val="tx1"/>
+            </a:solidFill>
+          </a:ln>
+        </p:spPr>
+        <p:style>
+          <a:lnRef idx="2">
+            <a:schemeClr val="accent1">
+              <a:shade val="50000"/>
+            </a:schemeClr>
+          </a:lnRef>
+          <a:fillRef idx="1">
+            <a:schemeClr val="accent1"/>
+          </a:fillRef>
+          <a:effectRef idx="0">
+            <a:schemeClr val="accent1"/>
+          </a:effectRef>
+          <a:fontRef idx="minor">
+            <a:schemeClr val="lt1"/>
+          </a:fontRef>
+        </p:style>
+        <p:txBody>
+          <a:bodyPr rtlCol="0" anchor="ctr"/>
+          <a:lstStyle/>
+          <a:p>
+            <a:pPr algn="ctr"/>
+            <a:r>
+              <a:rPr lang="en-US" altLang="ja-JP" sz="2400" dirty="0" smtClean="0">
+                <a:solidFill>
+                  <a:schemeClr val="tx1"/>
+                </a:solidFill>
+              </a:rPr>
+              <a:t>Request0</a:t>
+            </a:r>
+          </a:p>
+          <a:p>
+            <a:pPr algn="ctr"/>
+            <a:r>
+              <a:rPr kumimoji="1" lang="en-US" altLang="ja-JP" sz="2000" dirty="0" smtClean="0">
+                <a:solidFill>
+                  <a:schemeClr val="tx1"/>
+                </a:solidFill>
+              </a:rPr>
+              <a:t>[Time0]</a:t>
+            </a:r>
+          </a:p>
+        </p:txBody>
+      </p:sp>
+      <p:sp>
+        <p:nvSpPr>
+          <p:cNvPr id="40" name="角丸四角形 39"/>
+          <p:cNvSpPr/>
+          <p:nvPr/>
+        </p:nvSpPr>
+        <p:spPr>
+          <a:xfrm>
+            <a:off x="2853545" y="482547"/>
+            <a:ext cx="1943985" cy="731082"/>
+          </a:xfrm>
+          <a:prstGeom prst="roundRect">
+            <a:avLst>
+              <a:gd name="adj" fmla="val 21972"/>
+            </a:avLst>
+          </a:prstGeom>
+          <a:solidFill>
+            <a:schemeClr val="bg1">
+              <a:lumMod val="85000"/>
+            </a:schemeClr>
+          </a:solidFill>
+          <a:ln>
+            <a:solidFill>
+              <a:schemeClr val="tx1"/>
+            </a:solidFill>
+          </a:ln>
+        </p:spPr>
+        <p:style>
+          <a:lnRef idx="2">
+            <a:schemeClr val="accent1">
+              <a:shade val="50000"/>
+            </a:schemeClr>
+          </a:lnRef>
+          <a:fillRef idx="1">
+            <a:schemeClr val="accent1"/>
+          </a:fillRef>
+          <a:effectRef idx="0">
+            <a:schemeClr val="accent1"/>
+          </a:effectRef>
+          <a:fontRef idx="minor">
+            <a:schemeClr val="lt1"/>
+          </a:fontRef>
+        </p:style>
+        <p:txBody>
+          <a:bodyPr rtlCol="0" anchor="ctr"/>
+          <a:lstStyle/>
+          <a:p>
+            <a:pPr algn="ctr"/>
+            <a:r>
+              <a:rPr lang="en-US" altLang="ja-JP" sz="2400" dirty="0" smtClean="0">
+                <a:solidFill>
+                  <a:schemeClr val="tx1"/>
+                </a:solidFill>
+              </a:rPr>
+              <a:t>Response0</a:t>
+            </a:r>
+          </a:p>
+          <a:p>
+            <a:pPr algn="ctr"/>
+            <a:r>
+              <a:rPr kumimoji="1" lang="en-US" altLang="ja-JP" sz="2000" dirty="0" smtClean="0">
+                <a:solidFill>
+                  <a:schemeClr val="tx1"/>
+                </a:solidFill>
+              </a:rPr>
+              <a:t>[Time1]</a:t>
+            </a:r>
+            <a:endParaRPr kumimoji="1" lang="en-US" altLang="ja-JP" dirty="0" smtClean="0">
+              <a:solidFill>
+                <a:schemeClr val="tx1"/>
+              </a:solidFill>
+            </a:endParaRPr>
+          </a:p>
+        </p:txBody>
+      </p:sp>
+      <p:sp>
+        <p:nvSpPr>
+          <p:cNvPr id="42" name="正方形/長方形 41"/>
+          <p:cNvSpPr/>
+          <p:nvPr/>
+        </p:nvSpPr>
+        <p:spPr>
+          <a:xfrm>
+            <a:off x="1693363" y="1410813"/>
+            <a:ext cx="2077484" cy="439891"/>
+          </a:xfrm>
+          <a:prstGeom prst="rect">
+            <a:avLst/>
+          </a:prstGeom>
+          <a:noFill/>
+          <a:ln>
+            <a:solidFill>
+              <a:schemeClr val="tx1"/>
+            </a:solidFill>
+          </a:ln>
+        </p:spPr>
+        <p:style>
+          <a:lnRef idx="2">
+            <a:schemeClr val="accent1">
+              <a:shade val="50000"/>
+            </a:schemeClr>
+          </a:lnRef>
+          <a:fillRef idx="1">
+            <a:schemeClr val="accent1"/>
+          </a:fillRef>
+          <a:effectRef idx="0">
+            <a:schemeClr val="accent1"/>
+          </a:effectRef>
+          <a:fontRef idx="minor">
+            <a:schemeClr val="lt1"/>
+          </a:fontRef>
+        </p:style>
+        <p:txBody>
+          <a:bodyPr rtlCol="0" anchor="ctr"/>
+          <a:lstStyle/>
+          <a:p>
+            <a:pPr algn="ctr"/>
+            <a:r>
+              <a:rPr lang="en-US" altLang="ja-JP" sz="2000" dirty="0" smtClean="0">
+                <a:solidFill>
+                  <a:schemeClr val="tx1"/>
+                </a:solidFill>
+              </a:rPr>
+              <a:t>StateTransaction0</a:t>
+            </a:r>
+            <a:endParaRPr kumimoji="1" lang="ja-JP" altLang="en-US" sz="2000" dirty="0" smtClean="0">
+              <a:solidFill>
+                <a:schemeClr val="tx1"/>
+              </a:solidFill>
+            </a:endParaRPr>
+          </a:p>
+        </p:txBody>
+      </p:sp>
+      <p:sp>
+        <p:nvSpPr>
+          <p:cNvPr id="47" name="角丸四角形 46"/>
+          <p:cNvSpPr/>
+          <p:nvPr/>
+        </p:nvSpPr>
+        <p:spPr>
+          <a:xfrm>
+            <a:off x="1671951" y="2211311"/>
+            <a:ext cx="2120307" cy="811315"/>
+          </a:xfrm>
+          <a:prstGeom prst="roundRect">
+            <a:avLst>
+              <a:gd name="adj" fmla="val 21972"/>
+            </a:avLst>
+          </a:prstGeom>
+          <a:noFill/>
+          <a:ln>
+            <a:solidFill>
+              <a:schemeClr val="tx1"/>
+            </a:solidFill>
+          </a:ln>
+        </p:spPr>
+        <p:style>
+          <a:lnRef idx="2">
+            <a:schemeClr val="accent1">
+              <a:shade val="50000"/>
+            </a:schemeClr>
+          </a:lnRef>
+          <a:fillRef idx="1">
+            <a:schemeClr val="accent1"/>
+          </a:fillRef>
+          <a:effectRef idx="0">
+            <a:schemeClr val="accent1"/>
+          </a:effectRef>
+          <a:fontRef idx="minor">
+            <a:schemeClr val="lt1"/>
+          </a:fontRef>
+        </p:style>
+        <p:txBody>
+          <a:bodyPr rtlCol="0" anchor="ctr"/>
+          <a:lstStyle/>
+          <a:p>
+            <a:pPr algn="ctr"/>
+            <a:r>
+              <a:rPr lang="en-US" altLang="ja-JP" sz="2800" dirty="0" smtClean="0">
+                <a:solidFill>
+                  <a:schemeClr val="tx1"/>
+                </a:solidFill>
+              </a:rPr>
+              <a:t>CacheState0</a:t>
+            </a:r>
+            <a:endParaRPr kumimoji="1" lang="en-US" altLang="ja-JP" sz="2000" dirty="0" smtClean="0">
+              <a:solidFill>
+                <a:schemeClr val="tx1"/>
+              </a:solidFill>
+            </a:endParaRPr>
+          </a:p>
+        </p:txBody>
+      </p:sp>
+      <p:cxnSp>
+        <p:nvCxnSpPr>
+          <p:cNvPr id="54" name="直線矢印コネクタ 53"/>
+          <p:cNvCxnSpPr>
+            <a:stCxn id="42" idx="2"/>
+            <a:endCxn id="47" idx="0"/>
+          </p:cNvCxnSpPr>
+          <p:nvPr/>
+        </p:nvCxnSpPr>
+        <p:spPr>
+          <a:xfrm>
+            <a:off x="2732105" y="1850704"/>
+            <a:ext cx="0" cy="360607"/>
+          </a:xfrm>
+          <a:prstGeom prst="straightConnector1">
+            <a:avLst/>
+          </a:prstGeom>
+          <a:ln w="12700">
+            <a:solidFill>
+              <a:schemeClr val="tx1"/>
+            </a:solidFill>
+            <a:prstDash val="solid"/>
+            <a:headEnd w="lg" len="med"/>
+            <a:tailEnd type="triangle" w="lg" len="med"/>
+          </a:ln>
+        </p:spPr>
+        <p:style>
+          <a:lnRef idx="1">
+            <a:schemeClr val="accent1"/>
+          </a:lnRef>
+          <a:fillRef idx="0">
+            <a:schemeClr val="accent1"/>
+          </a:fillRef>
+          <a:effectRef idx="0">
+            <a:schemeClr val="accent1"/>
+          </a:effectRef>
+          <a:fontRef idx="minor">
+            <a:schemeClr val="tx1"/>
+          </a:fontRef>
+        </p:style>
+      </p:cxnSp>
+      <p:sp>
+        <p:nvSpPr>
+          <p:cNvPr id="57" name="テキスト ボックス 56"/>
+          <p:cNvSpPr txBox="1"/>
+          <p:nvPr/>
+        </p:nvSpPr>
+        <p:spPr>
+          <a:xfrm>
+            <a:off x="1466443" y="1827945"/>
+            <a:ext cx="1278170" cy="369332"/>
+          </a:xfrm>
+          <a:prstGeom prst="rect">
+            <a:avLst/>
+          </a:prstGeom>
+          <a:noFill/>
+        </p:spPr>
+        <p:txBody>
+          <a:bodyPr wrap="none" rtlCol="0">
+            <a:spAutoFit/>
+          </a:bodyPr>
+          <a:lstStyle/>
+          <a:p>
+            <a:r>
+              <a:rPr kumimoji="1" lang="en-US" altLang="ja-JP" dirty="0" err="1" smtClean="0"/>
+              <a:t>beforeState</a:t>
+            </a:r>
+            <a:endParaRPr kumimoji="1" lang="ja-JP" altLang="en-US" dirty="0"/>
+          </a:p>
+        </p:txBody>
+      </p:sp>
+      <p:cxnSp>
+        <p:nvCxnSpPr>
+          <p:cNvPr id="19" name="カギ線コネクタ 18"/>
+          <p:cNvCxnSpPr>
+            <a:stCxn id="42" idx="1"/>
+            <a:endCxn id="39" idx="2"/>
+          </p:cNvCxnSpPr>
+          <p:nvPr/>
+        </p:nvCxnSpPr>
+        <p:spPr>
+          <a:xfrm rot="10800000">
+            <a:off x="1626243" y="1217807"/>
+            <a:ext cx="67121" cy="412953"/>
+          </a:xfrm>
+          <a:prstGeom prst="bentConnector2">
+            <a:avLst/>
+          </a:prstGeom>
+          <a:ln w="12700">
+            <a:solidFill>
+              <a:schemeClr val="tx1"/>
+            </a:solidFill>
+            <a:prstDash val="solid"/>
+            <a:tailEnd type="triangle" w="lg" len="med"/>
+          </a:ln>
+        </p:spPr>
+        <p:style>
+          <a:lnRef idx="1">
+            <a:schemeClr val="accent1"/>
+          </a:lnRef>
+          <a:fillRef idx="0">
+            <a:schemeClr val="accent1"/>
+          </a:fillRef>
+          <a:effectRef idx="0">
+            <a:schemeClr val="accent1"/>
+          </a:effectRef>
+          <a:fontRef idx="minor">
+            <a:schemeClr val="tx1"/>
+          </a:fontRef>
+        </p:style>
+      </p:cxnSp>
+      <p:cxnSp>
+        <p:nvCxnSpPr>
+          <p:cNvPr id="60" name="カギ線コネクタ 59"/>
+          <p:cNvCxnSpPr>
+            <a:stCxn id="42" idx="3"/>
+            <a:endCxn id="40" idx="2"/>
+          </p:cNvCxnSpPr>
+          <p:nvPr/>
+        </p:nvCxnSpPr>
+        <p:spPr>
+          <a:xfrm flipV="1">
+            <a:off x="3770847" y="1213629"/>
+            <a:ext cx="54691" cy="417130"/>
+          </a:xfrm>
+          <a:prstGeom prst="bentConnector2">
+            <a:avLst/>
+          </a:prstGeom>
+          <a:ln w="12700">
+            <a:solidFill>
+              <a:schemeClr val="tx1"/>
+            </a:solidFill>
+            <a:prstDash val="solid"/>
+            <a:tailEnd type="triangle" w="lg" len="med"/>
+          </a:ln>
+        </p:spPr>
+        <p:style>
+          <a:lnRef idx="1">
+            <a:schemeClr val="accent1"/>
+          </a:lnRef>
+          <a:fillRef idx="0">
+            <a:schemeClr val="accent1"/>
+          </a:fillRef>
+          <a:effectRef idx="0">
+            <a:schemeClr val="accent1"/>
+          </a:effectRef>
+          <a:fontRef idx="minor">
+            <a:schemeClr val="tx1"/>
+          </a:fontRef>
+        </p:style>
+      </p:cxnSp>
+      <p:sp>
+        <p:nvSpPr>
+          <p:cNvPr id="31" name="テキスト ボックス 30"/>
+          <p:cNvSpPr txBox="1"/>
+          <p:nvPr/>
+        </p:nvSpPr>
+        <p:spPr>
+          <a:xfrm>
+            <a:off x="781231" y="1257991"/>
+            <a:ext cx="900439" cy="369332"/>
+          </a:xfrm>
+          <a:prstGeom prst="rect">
+            <a:avLst/>
+          </a:prstGeom>
+          <a:noFill/>
+        </p:spPr>
+        <p:txBody>
+          <a:bodyPr wrap="none" rtlCol="0">
+            <a:spAutoFit/>
+          </a:bodyPr>
+          <a:lstStyle/>
+          <a:p>
+            <a:r>
+              <a:rPr kumimoji="1" lang="en-US" altLang="ja-JP" dirty="0" smtClean="0"/>
+              <a:t>request</a:t>
+            </a:r>
+            <a:endParaRPr kumimoji="1" lang="ja-JP" altLang="en-US" dirty="0"/>
+          </a:p>
+        </p:txBody>
+      </p:sp>
+      <p:sp>
+        <p:nvSpPr>
+          <p:cNvPr id="32" name="テキスト ボックス 31"/>
+          <p:cNvSpPr txBox="1"/>
+          <p:nvPr/>
+        </p:nvSpPr>
+        <p:spPr>
+          <a:xfrm>
+            <a:off x="3810202" y="1259487"/>
+            <a:ext cx="1037656" cy="369332"/>
+          </a:xfrm>
+          <a:prstGeom prst="rect">
+            <a:avLst/>
+          </a:prstGeom>
+          <a:noFill/>
+        </p:spPr>
+        <p:txBody>
+          <a:bodyPr wrap="none" rtlCol="0">
+            <a:spAutoFit/>
+          </a:bodyPr>
+          <a:lstStyle/>
+          <a:p>
+            <a:r>
+              <a:rPr kumimoji="1" lang="en-US" altLang="ja-JP" dirty="0" smtClean="0"/>
+              <a:t>response</a:t>
+            </a:r>
+            <a:endParaRPr kumimoji="1" lang="ja-JP" altLang="en-US" dirty="0"/>
+          </a:p>
+        </p:txBody>
+      </p:sp>
+      <p:sp>
+        <p:nvSpPr>
+          <p:cNvPr id="46" name="角丸四角形 45"/>
+          <p:cNvSpPr/>
+          <p:nvPr/>
+        </p:nvSpPr>
+        <p:spPr>
+          <a:xfrm>
+            <a:off x="6080846" y="2211311"/>
+            <a:ext cx="2120307" cy="811315"/>
+          </a:xfrm>
+          <a:prstGeom prst="roundRect">
+            <a:avLst>
+              <a:gd name="adj" fmla="val 21972"/>
+            </a:avLst>
+          </a:prstGeom>
+          <a:noFill/>
+          <a:ln>
+            <a:solidFill>
+              <a:schemeClr val="tx1"/>
+            </a:solidFill>
+          </a:ln>
+        </p:spPr>
+        <p:style>
+          <a:lnRef idx="2">
+            <a:schemeClr val="accent1">
+              <a:shade val="50000"/>
+            </a:schemeClr>
+          </a:lnRef>
+          <a:fillRef idx="1">
+            <a:schemeClr val="accent1"/>
+          </a:fillRef>
+          <a:effectRef idx="0">
+            <a:schemeClr val="accent1"/>
+          </a:effectRef>
+          <a:fontRef idx="minor">
+            <a:schemeClr val="lt1"/>
+          </a:fontRef>
+        </p:style>
+        <p:txBody>
+          <a:bodyPr rtlCol="0" anchor="ctr"/>
+          <a:lstStyle/>
+          <a:p>
+            <a:pPr algn="ctr"/>
+            <a:r>
+              <a:rPr lang="en-US" altLang="ja-JP" sz="2800" dirty="0" smtClean="0">
+                <a:solidFill>
+                  <a:schemeClr val="tx1"/>
+                </a:solidFill>
+              </a:rPr>
+              <a:t>CacheState1</a:t>
+            </a:r>
+            <a:endParaRPr kumimoji="1" lang="en-US" altLang="ja-JP" sz="2000" dirty="0" smtClean="0">
+              <a:solidFill>
+                <a:schemeClr val="tx1"/>
+              </a:solidFill>
+            </a:endParaRPr>
+          </a:p>
+        </p:txBody>
+      </p:sp>
+      <p:cxnSp>
+        <p:nvCxnSpPr>
+          <p:cNvPr id="55" name="直線矢印コネクタ 54"/>
+          <p:cNvCxnSpPr>
+            <a:stCxn id="42" idx="2"/>
+            <a:endCxn id="46" idx="1"/>
+          </p:cNvCxnSpPr>
+          <p:nvPr/>
+        </p:nvCxnSpPr>
+        <p:spPr>
+          <a:xfrm>
+            <a:off x="2732105" y="1850704"/>
+            <a:ext cx="3348741" cy="766265"/>
+          </a:xfrm>
+          <a:prstGeom prst="straightConnector1">
+            <a:avLst/>
+          </a:prstGeom>
+          <a:ln w="12700">
+            <a:solidFill>
+              <a:schemeClr val="tx1"/>
+            </a:solidFill>
+            <a:prstDash val="solid"/>
+            <a:headEnd w="lg" len="med"/>
+            <a:tailEnd type="triangle" w="lg" len="med"/>
+          </a:ln>
+        </p:spPr>
+        <p:style>
+          <a:lnRef idx="1">
+            <a:schemeClr val="accent1"/>
+          </a:lnRef>
+          <a:fillRef idx="0">
+            <a:schemeClr val="accent1"/>
+          </a:fillRef>
+          <a:effectRef idx="0">
+            <a:schemeClr val="accent1"/>
+          </a:effectRef>
+          <a:fontRef idx="minor">
+            <a:schemeClr val="tx1"/>
+          </a:fontRef>
+        </p:style>
+      </p:cxnSp>
+      <p:sp>
+        <p:nvSpPr>
+          <p:cNvPr id="56" name="テキスト ボックス 55"/>
+          <p:cNvSpPr txBox="1"/>
+          <p:nvPr/>
+        </p:nvSpPr>
+        <p:spPr>
+          <a:xfrm>
+            <a:off x="3836847" y="1827945"/>
+            <a:ext cx="1112741" cy="369332"/>
+          </a:xfrm>
+          <a:prstGeom prst="rect">
+            <a:avLst/>
+          </a:prstGeom>
+          <a:noFill/>
+        </p:spPr>
+        <p:txBody>
+          <a:bodyPr wrap="none" rtlCol="0">
+            <a:spAutoFit/>
+          </a:bodyPr>
+          <a:lstStyle/>
+          <a:p>
+            <a:r>
+              <a:rPr kumimoji="1" lang="en-US" altLang="ja-JP" dirty="0" err="1" smtClean="0"/>
+              <a:t>afterState</a:t>
+            </a:r>
+            <a:endParaRPr kumimoji="1" lang="ja-JP" altLang="en-US" dirty="0"/>
+          </a:p>
+        </p:txBody>
+      </p:sp>
+      <p:sp>
+        <p:nvSpPr>
+          <p:cNvPr id="76" name="角丸四角形 75"/>
+          <p:cNvSpPr/>
+          <p:nvPr/>
+        </p:nvSpPr>
+        <p:spPr>
+          <a:xfrm>
+            <a:off x="1836098" y="3371615"/>
+            <a:ext cx="1792012" cy="590324"/>
+          </a:xfrm>
+          <a:prstGeom prst="roundRect">
+            <a:avLst>
+              <a:gd name="adj" fmla="val 21972"/>
+            </a:avLst>
+          </a:prstGeom>
+          <a:noFill/>
+          <a:ln>
+            <a:solidFill>
+              <a:schemeClr val="tx1"/>
+            </a:solidFill>
+          </a:ln>
+        </p:spPr>
+        <p:style>
+          <a:lnRef idx="2">
+            <a:schemeClr val="accent1">
+              <a:shade val="50000"/>
+            </a:schemeClr>
+          </a:lnRef>
+          <a:fillRef idx="1">
+            <a:schemeClr val="accent1"/>
+          </a:fillRef>
+          <a:effectRef idx="0">
+            <a:schemeClr val="accent1"/>
+          </a:effectRef>
+          <a:fontRef idx="minor">
+            <a:schemeClr val="lt1"/>
+          </a:fontRef>
+        </p:style>
+        <p:txBody>
+          <a:bodyPr rtlCol="0" anchor="ctr"/>
+          <a:lstStyle/>
+          <a:p>
+            <a:pPr algn="ctr"/>
+            <a:r>
+              <a:rPr lang="en-US" altLang="ja-JP" sz="2000" dirty="0" smtClean="0">
+                <a:solidFill>
+                  <a:schemeClr val="tx1"/>
+                </a:solidFill>
+              </a:rPr>
+              <a:t>CacheDifItem0</a:t>
+            </a:r>
+          </a:p>
+          <a:p>
+            <a:pPr algn="ctr"/>
+            <a:r>
+              <a:rPr kumimoji="1" lang="en-US" altLang="ja-JP" sz="2000" dirty="0" smtClean="0">
+                <a:solidFill>
+                  <a:schemeClr val="tx1"/>
+                </a:solidFill>
+              </a:rPr>
+              <a:t>[Time0]</a:t>
+            </a:r>
+          </a:p>
+        </p:txBody>
+      </p:sp>
+      <p:sp>
+        <p:nvSpPr>
+          <p:cNvPr id="78" name="角丸四角形 77"/>
+          <p:cNvSpPr/>
+          <p:nvPr/>
+        </p:nvSpPr>
+        <p:spPr>
+          <a:xfrm>
+            <a:off x="6243749" y="3367369"/>
+            <a:ext cx="1792012" cy="598816"/>
+          </a:xfrm>
+          <a:prstGeom prst="roundRect">
+            <a:avLst>
+              <a:gd name="adj" fmla="val 21972"/>
+            </a:avLst>
+          </a:prstGeom>
+          <a:noFill/>
+          <a:ln>
+            <a:solidFill>
+              <a:schemeClr val="tx1"/>
+            </a:solidFill>
+          </a:ln>
+        </p:spPr>
+        <p:style>
+          <a:lnRef idx="2">
+            <a:schemeClr val="accent1">
+              <a:shade val="50000"/>
+            </a:schemeClr>
+          </a:lnRef>
+          <a:fillRef idx="1">
+            <a:schemeClr val="accent1"/>
+          </a:fillRef>
+          <a:effectRef idx="0">
+            <a:schemeClr val="accent1"/>
+          </a:effectRef>
+          <a:fontRef idx="minor">
+            <a:schemeClr val="lt1"/>
+          </a:fontRef>
+        </p:style>
+        <p:txBody>
+          <a:bodyPr rtlCol="0" anchor="ctr"/>
+          <a:lstStyle/>
+          <a:p>
+            <a:pPr algn="ctr"/>
+            <a:r>
+              <a:rPr lang="en-US" altLang="ja-JP" sz="2000" dirty="0" smtClean="0">
+                <a:solidFill>
+                  <a:schemeClr val="tx1"/>
+                </a:solidFill>
+              </a:rPr>
+              <a:t>CacheDifItem1</a:t>
+            </a:r>
+          </a:p>
+          <a:p>
+            <a:pPr algn="ctr"/>
+            <a:r>
+              <a:rPr kumimoji="1" lang="en-US" altLang="ja-JP" sz="2000" dirty="0" smtClean="0">
+                <a:solidFill>
+                  <a:schemeClr val="tx1"/>
+                </a:solidFill>
+              </a:rPr>
+              <a:t>[Time1,2,3]</a:t>
+            </a:r>
+          </a:p>
+        </p:txBody>
+      </p:sp>
+      <p:cxnSp>
+        <p:nvCxnSpPr>
+          <p:cNvPr id="79" name="直線矢印コネクタ 78"/>
+          <p:cNvCxnSpPr>
+            <a:stCxn id="47" idx="2"/>
+            <a:endCxn id="76" idx="0"/>
+          </p:cNvCxnSpPr>
+          <p:nvPr/>
+        </p:nvCxnSpPr>
+        <p:spPr>
+          <a:xfrm flipH="1">
+            <a:off x="2732104" y="3022626"/>
+            <a:ext cx="1" cy="348989"/>
+          </a:xfrm>
+          <a:prstGeom prst="straightConnector1">
+            <a:avLst/>
+          </a:prstGeom>
+          <a:ln w="12700">
+            <a:solidFill>
+              <a:schemeClr val="tx1"/>
+            </a:solidFill>
+            <a:prstDash val="solid"/>
+            <a:headEnd w="lg" len="med"/>
+            <a:tailEnd type="triangle" w="med" len="med"/>
+          </a:ln>
+        </p:spPr>
+        <p:style>
+          <a:lnRef idx="1">
+            <a:schemeClr val="accent1"/>
+          </a:lnRef>
+          <a:fillRef idx="0">
+            <a:schemeClr val="accent1"/>
+          </a:fillRef>
+          <a:effectRef idx="0">
+            <a:schemeClr val="accent1"/>
+          </a:effectRef>
+          <a:fontRef idx="minor">
+            <a:schemeClr val="tx1"/>
+          </a:fontRef>
+        </p:style>
+      </p:cxnSp>
+      <p:cxnSp>
+        <p:nvCxnSpPr>
+          <p:cNvPr id="80" name="直線矢印コネクタ 79"/>
+          <p:cNvCxnSpPr>
+            <a:stCxn id="46" idx="2"/>
+            <a:endCxn id="78" idx="0"/>
+          </p:cNvCxnSpPr>
+          <p:nvPr/>
+        </p:nvCxnSpPr>
+        <p:spPr>
+          <a:xfrm flipH="1">
+            <a:off x="7139755" y="3022626"/>
+            <a:ext cx="1245" cy="344743"/>
+          </a:xfrm>
+          <a:prstGeom prst="straightConnector1">
+            <a:avLst/>
+          </a:prstGeom>
+          <a:ln w="12700">
+            <a:solidFill>
+              <a:schemeClr val="tx1"/>
+            </a:solidFill>
+            <a:prstDash val="solid"/>
+            <a:headEnd w="lg" len="med"/>
+            <a:tailEnd type="triangle" w="med" len="med"/>
+          </a:ln>
+        </p:spPr>
+        <p:style>
+          <a:lnRef idx="1">
+            <a:schemeClr val="accent1"/>
+          </a:lnRef>
+          <a:fillRef idx="0">
+            <a:schemeClr val="accent1"/>
+          </a:fillRef>
+          <a:effectRef idx="0">
+            <a:schemeClr val="accent1"/>
+          </a:effectRef>
+          <a:fontRef idx="minor">
+            <a:schemeClr val="tx1"/>
+          </a:fontRef>
+        </p:style>
+      </p:cxnSp>
+      <p:sp>
+        <p:nvSpPr>
+          <p:cNvPr id="83" name="テキスト ボックス 82"/>
+          <p:cNvSpPr txBox="1"/>
+          <p:nvPr/>
+        </p:nvSpPr>
+        <p:spPr>
+          <a:xfrm>
+            <a:off x="2737262" y="3012854"/>
+            <a:ext cx="429926" cy="369332"/>
+          </a:xfrm>
+          <a:prstGeom prst="rect">
+            <a:avLst/>
+          </a:prstGeom>
+          <a:noFill/>
+        </p:spPr>
+        <p:txBody>
+          <a:bodyPr wrap="square" rtlCol="0">
+            <a:spAutoFit/>
+          </a:bodyPr>
+          <a:lstStyle/>
+          <a:p>
+            <a:r>
+              <a:rPr lang="en-US" altLang="ja-JP" dirty="0" err="1" smtClean="0"/>
+              <a:t>dif</a:t>
+            </a:r>
+            <a:endParaRPr kumimoji="1" lang="ja-JP" altLang="en-US" dirty="0"/>
+          </a:p>
+        </p:txBody>
+      </p:sp>
+      <p:sp>
+        <p:nvSpPr>
+          <p:cNvPr id="85" name="テキスト ボックス 84"/>
+          <p:cNvSpPr txBox="1"/>
+          <p:nvPr/>
+        </p:nvSpPr>
+        <p:spPr>
+          <a:xfrm>
+            <a:off x="7118422" y="3018735"/>
+            <a:ext cx="429926" cy="369332"/>
+          </a:xfrm>
+          <a:prstGeom prst="rect">
+            <a:avLst/>
+          </a:prstGeom>
+          <a:noFill/>
+        </p:spPr>
+        <p:txBody>
+          <a:bodyPr wrap="none" rtlCol="0">
+            <a:spAutoFit/>
+          </a:bodyPr>
+          <a:lstStyle/>
+          <a:p>
+            <a:r>
+              <a:rPr lang="en-US" altLang="ja-JP" dirty="0" err="1" smtClean="0"/>
+              <a:t>dif</a:t>
+            </a:r>
+            <a:endParaRPr kumimoji="1" lang="ja-JP" altLang="en-US" dirty="0"/>
+          </a:p>
+        </p:txBody>
+      </p:sp>
+      <p:cxnSp>
+        <p:nvCxnSpPr>
+          <p:cNvPr id="86" name="曲線コネクタ 85"/>
+          <p:cNvCxnSpPr>
+            <a:stCxn id="78" idx="1"/>
+            <a:endCxn id="40" idx="3"/>
+          </p:cNvCxnSpPr>
+          <p:nvPr/>
+        </p:nvCxnSpPr>
+        <p:spPr>
+          <a:xfrm rot="10800000">
+            <a:off x="4797531" y="848089"/>
+            <a:ext cx="1446219" cy="2818689"/>
+          </a:xfrm>
+          <a:prstGeom prst="curvedConnector3">
+            <a:avLst>
+              <a:gd name="adj1" fmla="val 75893"/>
+            </a:avLst>
+          </a:prstGeom>
+          <a:ln w="12700">
+            <a:solidFill>
+              <a:schemeClr val="tx1"/>
+            </a:solidFill>
+            <a:prstDash val="solid"/>
+            <a:tailEnd type="triangle"/>
+          </a:ln>
+        </p:spPr>
+        <p:style>
+          <a:lnRef idx="1">
+            <a:schemeClr val="accent1"/>
+          </a:lnRef>
+          <a:fillRef idx="0">
+            <a:schemeClr val="accent1"/>
+          </a:fillRef>
+          <a:effectRef idx="0">
+            <a:schemeClr val="accent1"/>
+          </a:effectRef>
+          <a:fontRef idx="minor">
+            <a:schemeClr val="tx1"/>
+          </a:fontRef>
+        </p:style>
+      </p:cxnSp>
+      <p:sp>
+        <p:nvSpPr>
+          <p:cNvPr id="88" name="テキスト ボックス 87"/>
+          <p:cNvSpPr txBox="1"/>
+          <p:nvPr/>
+        </p:nvSpPr>
+        <p:spPr>
+          <a:xfrm>
+            <a:off x="5419896" y="3506270"/>
+            <a:ext cx="660950" cy="369332"/>
+          </a:xfrm>
+          <a:prstGeom prst="rect">
+            <a:avLst/>
+          </a:prstGeom>
+          <a:noFill/>
+        </p:spPr>
+        <p:txBody>
+          <a:bodyPr wrap="none" rtlCol="0">
+            <a:spAutoFit/>
+          </a:bodyPr>
+          <a:lstStyle/>
+          <a:p>
+            <a:r>
+              <a:rPr kumimoji="1" lang="en-US" altLang="ja-JP" dirty="0" smtClean="0"/>
+              <a:t>store</a:t>
+            </a:r>
+            <a:endParaRPr kumimoji="1" lang="ja-JP" altLang="en-US" dirty="0"/>
+          </a:p>
+        </p:txBody>
+      </p:sp>
+      <p:sp>
+        <p:nvSpPr>
+          <p:cNvPr id="81" name="角丸四角形 80"/>
+          <p:cNvSpPr/>
+          <p:nvPr/>
+        </p:nvSpPr>
+        <p:spPr>
+          <a:xfrm>
+            <a:off x="5052019" y="482547"/>
+            <a:ext cx="1943985" cy="735259"/>
+          </a:xfrm>
+          <a:prstGeom prst="roundRect">
+            <a:avLst>
+              <a:gd name="adj" fmla="val 21972"/>
+            </a:avLst>
+          </a:prstGeom>
+          <a:solidFill>
+            <a:schemeClr val="bg1">
+              <a:lumMod val="85000"/>
+            </a:schemeClr>
+          </a:solidFill>
+          <a:ln>
+            <a:solidFill>
+              <a:schemeClr val="tx1"/>
+            </a:solidFill>
+          </a:ln>
+        </p:spPr>
+        <p:style>
+          <a:lnRef idx="2">
+            <a:schemeClr val="accent1">
+              <a:shade val="50000"/>
+            </a:schemeClr>
+          </a:lnRef>
+          <a:fillRef idx="1">
+            <a:schemeClr val="accent1"/>
+          </a:fillRef>
+          <a:effectRef idx="0">
+            <a:schemeClr val="accent1"/>
+          </a:effectRef>
+          <a:fontRef idx="minor">
+            <a:schemeClr val="lt1"/>
+          </a:fontRef>
+        </p:style>
+        <p:txBody>
+          <a:bodyPr rtlCol="0" anchor="ctr"/>
+          <a:lstStyle/>
+          <a:p>
+            <a:pPr algn="ctr"/>
+            <a:r>
+              <a:rPr lang="en-US" altLang="ja-JP" sz="2400" dirty="0" smtClean="0">
+                <a:solidFill>
+                  <a:schemeClr val="tx1"/>
+                </a:solidFill>
+              </a:rPr>
+              <a:t>Request1</a:t>
+            </a:r>
+          </a:p>
+          <a:p>
+            <a:pPr algn="ctr"/>
+            <a:r>
+              <a:rPr kumimoji="1" lang="en-US" altLang="ja-JP" sz="2000" dirty="0" smtClean="0">
+                <a:solidFill>
+                  <a:schemeClr val="tx1"/>
+                </a:solidFill>
+              </a:rPr>
+              <a:t>[Time2]</a:t>
+            </a:r>
+          </a:p>
+        </p:txBody>
+      </p:sp>
+      <p:sp>
+        <p:nvSpPr>
+          <p:cNvPr id="82" name="角丸四角形 81"/>
+          <p:cNvSpPr/>
+          <p:nvPr/>
+        </p:nvSpPr>
+        <p:spPr>
+          <a:xfrm>
+            <a:off x="7250493" y="478370"/>
+            <a:ext cx="1943985" cy="735259"/>
+          </a:xfrm>
+          <a:prstGeom prst="roundRect">
+            <a:avLst>
+              <a:gd name="adj" fmla="val 21972"/>
+            </a:avLst>
+          </a:prstGeom>
+          <a:solidFill>
+            <a:schemeClr val="bg1">
+              <a:lumMod val="85000"/>
+            </a:schemeClr>
+          </a:solidFill>
+          <a:ln>
+            <a:solidFill>
+              <a:schemeClr val="tx1"/>
+            </a:solidFill>
+          </a:ln>
+        </p:spPr>
+        <p:style>
+          <a:lnRef idx="2">
+            <a:schemeClr val="accent1">
+              <a:shade val="50000"/>
+            </a:schemeClr>
+          </a:lnRef>
+          <a:fillRef idx="1">
+            <a:schemeClr val="accent1"/>
+          </a:fillRef>
+          <a:effectRef idx="0">
+            <a:schemeClr val="accent1"/>
+          </a:effectRef>
+          <a:fontRef idx="minor">
+            <a:schemeClr val="lt1"/>
+          </a:fontRef>
+        </p:style>
+        <p:txBody>
+          <a:bodyPr rtlCol="0" anchor="ctr"/>
+          <a:lstStyle/>
+          <a:p>
+            <a:pPr algn="ctr"/>
+            <a:r>
+              <a:rPr lang="en-US" altLang="ja-JP" sz="2400" dirty="0" smtClean="0">
+                <a:solidFill>
+                  <a:schemeClr val="tx1"/>
+                </a:solidFill>
+              </a:rPr>
+              <a:t>CacheReuse0</a:t>
+            </a:r>
+          </a:p>
+          <a:p>
+            <a:pPr algn="ctr"/>
+            <a:r>
+              <a:rPr lang="en-US" altLang="ja-JP" sz="2000" dirty="0">
+                <a:solidFill>
+                  <a:schemeClr val="tx1"/>
+                </a:solidFill>
+              </a:rPr>
+              <a:t>[</a:t>
+            </a:r>
+            <a:r>
+              <a:rPr lang="en-US" altLang="ja-JP" sz="2000" dirty="0" smtClean="0">
+                <a:solidFill>
+                  <a:schemeClr val="tx1"/>
+                </a:solidFill>
+              </a:rPr>
+              <a:t>Time3]</a:t>
+            </a:r>
+            <a:endParaRPr lang="en-US" altLang="ja-JP" sz="2000" dirty="0">
+              <a:solidFill>
+                <a:schemeClr val="tx1"/>
+              </a:solidFill>
+            </a:endParaRPr>
+          </a:p>
+        </p:txBody>
+      </p:sp>
+      <p:sp>
+        <p:nvSpPr>
+          <p:cNvPr id="89" name="正方形/長方形 88"/>
+          <p:cNvSpPr/>
+          <p:nvPr/>
+        </p:nvSpPr>
+        <p:spPr>
+          <a:xfrm>
+            <a:off x="6101013" y="1407377"/>
+            <a:ext cx="2077484" cy="439891"/>
+          </a:xfrm>
+          <a:prstGeom prst="rect">
+            <a:avLst/>
+          </a:prstGeom>
+          <a:noFill/>
+          <a:ln>
+            <a:solidFill>
+              <a:schemeClr val="tx1"/>
+            </a:solidFill>
+          </a:ln>
+        </p:spPr>
+        <p:style>
+          <a:lnRef idx="2">
+            <a:schemeClr val="accent1">
+              <a:shade val="50000"/>
+            </a:schemeClr>
+          </a:lnRef>
+          <a:fillRef idx="1">
+            <a:schemeClr val="accent1"/>
+          </a:fillRef>
+          <a:effectRef idx="0">
+            <a:schemeClr val="accent1"/>
+          </a:effectRef>
+          <a:fontRef idx="minor">
+            <a:schemeClr val="lt1"/>
+          </a:fontRef>
+        </p:style>
+        <p:txBody>
+          <a:bodyPr rtlCol="0" anchor="ctr"/>
+          <a:lstStyle/>
+          <a:p>
+            <a:pPr algn="ctr"/>
+            <a:r>
+              <a:rPr lang="en-US" altLang="ja-JP" sz="2000" dirty="0" smtClean="0">
+                <a:solidFill>
+                  <a:schemeClr val="tx1"/>
+                </a:solidFill>
+              </a:rPr>
+              <a:t>StateTransaction1</a:t>
+            </a:r>
+            <a:endParaRPr kumimoji="1" lang="ja-JP" altLang="en-US" sz="2000" dirty="0" smtClean="0">
+              <a:solidFill>
+                <a:schemeClr val="tx1"/>
+              </a:solidFill>
+            </a:endParaRPr>
+          </a:p>
+        </p:txBody>
+      </p:sp>
+      <p:cxnSp>
+        <p:nvCxnSpPr>
+          <p:cNvPr id="91" name="カギ線コネクタ 90"/>
+          <p:cNvCxnSpPr>
+            <a:stCxn id="89" idx="3"/>
+            <a:endCxn id="82" idx="2"/>
+          </p:cNvCxnSpPr>
+          <p:nvPr/>
+        </p:nvCxnSpPr>
+        <p:spPr>
+          <a:xfrm flipV="1">
+            <a:off x="8178497" y="1213629"/>
+            <a:ext cx="43989" cy="413694"/>
+          </a:xfrm>
+          <a:prstGeom prst="bentConnector2">
+            <a:avLst/>
+          </a:prstGeom>
+          <a:ln w="12700">
+            <a:solidFill>
+              <a:schemeClr val="tx1"/>
+            </a:solidFill>
+            <a:prstDash val="solid"/>
+            <a:tailEnd type="triangle" w="lg" len="med"/>
+          </a:ln>
+        </p:spPr>
+        <p:style>
+          <a:lnRef idx="1">
+            <a:schemeClr val="accent1"/>
+          </a:lnRef>
+          <a:fillRef idx="0">
+            <a:schemeClr val="accent1"/>
+          </a:fillRef>
+          <a:effectRef idx="0">
+            <a:schemeClr val="accent1"/>
+          </a:effectRef>
+          <a:fontRef idx="minor">
+            <a:schemeClr val="tx1"/>
+          </a:fontRef>
+        </p:style>
+      </p:cxnSp>
+      <p:cxnSp>
+        <p:nvCxnSpPr>
+          <p:cNvPr id="92" name="カギ線コネクタ 91"/>
+          <p:cNvCxnSpPr>
+            <a:stCxn id="89" idx="1"/>
+            <a:endCxn id="81" idx="2"/>
+          </p:cNvCxnSpPr>
+          <p:nvPr/>
+        </p:nvCxnSpPr>
+        <p:spPr>
+          <a:xfrm rot="10800000">
+            <a:off x="6024013" y="1217807"/>
+            <a:ext cx="77001" cy="409517"/>
+          </a:xfrm>
+          <a:prstGeom prst="bentConnector2">
+            <a:avLst/>
+          </a:prstGeom>
+          <a:ln w="12700">
+            <a:solidFill>
+              <a:schemeClr val="tx1"/>
+            </a:solidFill>
+            <a:prstDash val="solid"/>
+            <a:tailEnd type="triangle" w="lg" len="med"/>
+          </a:ln>
+        </p:spPr>
+        <p:style>
+          <a:lnRef idx="1">
+            <a:schemeClr val="accent1"/>
+          </a:lnRef>
+          <a:fillRef idx="0">
+            <a:schemeClr val="accent1"/>
+          </a:fillRef>
+          <a:effectRef idx="0">
+            <a:schemeClr val="accent1"/>
+          </a:effectRef>
+          <a:fontRef idx="minor">
+            <a:schemeClr val="tx1"/>
+          </a:fontRef>
+        </p:style>
+      </p:cxnSp>
+      <p:sp>
+        <p:nvSpPr>
+          <p:cNvPr id="93" name="テキスト ボックス 92"/>
+          <p:cNvSpPr txBox="1"/>
+          <p:nvPr/>
+        </p:nvSpPr>
+        <p:spPr>
+          <a:xfrm>
+            <a:off x="5149526" y="1262192"/>
+            <a:ext cx="900439" cy="369332"/>
+          </a:xfrm>
+          <a:prstGeom prst="rect">
+            <a:avLst/>
+          </a:prstGeom>
+          <a:noFill/>
+        </p:spPr>
+        <p:txBody>
+          <a:bodyPr wrap="none" rtlCol="0">
+            <a:spAutoFit/>
+          </a:bodyPr>
+          <a:lstStyle/>
+          <a:p>
+            <a:r>
+              <a:rPr kumimoji="1" lang="en-US" altLang="ja-JP" dirty="0" smtClean="0"/>
+              <a:t>request</a:t>
+            </a:r>
+            <a:endParaRPr kumimoji="1" lang="ja-JP" altLang="en-US" dirty="0"/>
+          </a:p>
+        </p:txBody>
+      </p:sp>
+      <p:sp>
+        <p:nvSpPr>
+          <p:cNvPr id="94" name="テキスト ボックス 93"/>
+          <p:cNvSpPr txBox="1"/>
+          <p:nvPr/>
+        </p:nvSpPr>
+        <p:spPr>
+          <a:xfrm>
+            <a:off x="8178497" y="1263688"/>
+            <a:ext cx="1037656" cy="369332"/>
+          </a:xfrm>
+          <a:prstGeom prst="rect">
+            <a:avLst/>
+          </a:prstGeom>
+          <a:noFill/>
+        </p:spPr>
+        <p:txBody>
+          <a:bodyPr wrap="none" rtlCol="0">
+            <a:spAutoFit/>
+          </a:bodyPr>
+          <a:lstStyle/>
+          <a:p>
+            <a:r>
+              <a:rPr kumimoji="1" lang="en-US" altLang="ja-JP" dirty="0" smtClean="0"/>
+              <a:t>response</a:t>
+            </a:r>
+            <a:endParaRPr kumimoji="1" lang="ja-JP" altLang="en-US" dirty="0"/>
+          </a:p>
+        </p:txBody>
+      </p:sp>
+      <p:cxnSp>
+        <p:nvCxnSpPr>
+          <p:cNvPr id="104" name="直線矢印コネクタ 103"/>
+          <p:cNvCxnSpPr>
+            <a:stCxn id="89" idx="2"/>
+            <a:endCxn id="46" idx="0"/>
+          </p:cNvCxnSpPr>
+          <p:nvPr/>
+        </p:nvCxnSpPr>
+        <p:spPr>
+          <a:xfrm>
+            <a:off x="7139755" y="1847268"/>
+            <a:ext cx="1245" cy="364043"/>
+          </a:xfrm>
+          <a:prstGeom prst="straightConnector1">
+            <a:avLst/>
+          </a:prstGeom>
+          <a:ln w="12700">
+            <a:solidFill>
+              <a:schemeClr val="tx1"/>
+            </a:solidFill>
+            <a:prstDash val="solid"/>
+            <a:headEnd w="lg" len="med"/>
+            <a:tailEnd type="triangle" w="lg" len="med"/>
+          </a:ln>
+        </p:spPr>
+        <p:style>
+          <a:lnRef idx="1">
+            <a:schemeClr val="accent1"/>
+          </a:lnRef>
+          <a:fillRef idx="0">
+            <a:schemeClr val="accent1"/>
+          </a:fillRef>
+          <a:effectRef idx="0">
+            <a:schemeClr val="accent1"/>
+          </a:effectRef>
+          <a:fontRef idx="minor">
+            <a:schemeClr val="tx1"/>
+          </a:fontRef>
+        </p:style>
+      </p:cxnSp>
+      <p:sp>
+        <p:nvSpPr>
+          <p:cNvPr id="116" name="テキスト ボックス 115"/>
+          <p:cNvSpPr txBox="1"/>
+          <p:nvPr/>
+        </p:nvSpPr>
+        <p:spPr>
+          <a:xfrm>
+            <a:off x="7154818" y="1822679"/>
+            <a:ext cx="1813573" cy="369332"/>
+          </a:xfrm>
+          <a:prstGeom prst="rect">
+            <a:avLst/>
+          </a:prstGeom>
+          <a:noFill/>
+        </p:spPr>
+        <p:txBody>
+          <a:bodyPr wrap="none" rtlCol="0">
+            <a:spAutoFit/>
+          </a:bodyPr>
+          <a:lstStyle/>
+          <a:p>
+            <a:r>
+              <a:rPr kumimoji="1" lang="en-US" altLang="ja-JP" dirty="0" smtClean="0"/>
+              <a:t>before/</a:t>
+            </a:r>
+            <a:r>
+              <a:rPr kumimoji="1" lang="en-US" altLang="ja-JP" dirty="0" err="1" smtClean="0"/>
+              <a:t>afterState</a:t>
+            </a:r>
+            <a:endParaRPr kumimoji="1" lang="ja-JP" altLang="en-US" dirty="0"/>
+          </a:p>
+        </p:txBody>
+      </p:sp>
+      <p:cxnSp>
+        <p:nvCxnSpPr>
+          <p:cNvPr id="33" name="曲線コネクタ 32"/>
+          <p:cNvCxnSpPr>
+            <a:stCxn id="82" idx="0"/>
+            <a:endCxn id="40" idx="0"/>
+          </p:cNvCxnSpPr>
+          <p:nvPr/>
+        </p:nvCxnSpPr>
+        <p:spPr>
+          <a:xfrm rot="16200000" flipH="1" flipV="1">
+            <a:off x="6021923" y="-1718016"/>
+            <a:ext cx="4177" cy="4396948"/>
+          </a:xfrm>
+          <a:prstGeom prst="curvedConnector3">
+            <a:avLst>
+              <a:gd name="adj1" fmla="val -7140795"/>
+            </a:avLst>
+          </a:prstGeom>
+          <a:ln w="12700">
+            <a:solidFill>
+              <a:schemeClr val="tx1"/>
+            </a:solidFill>
+            <a:prstDash val="solid"/>
+            <a:tailEnd type="triangle"/>
+          </a:ln>
+        </p:spPr>
+        <p:style>
+          <a:lnRef idx="1">
+            <a:schemeClr val="accent1"/>
+          </a:lnRef>
+          <a:fillRef idx="0">
+            <a:schemeClr val="accent1"/>
+          </a:fillRef>
+          <a:effectRef idx="0">
+            <a:schemeClr val="accent1"/>
+          </a:effectRef>
+          <a:fontRef idx="minor">
+            <a:schemeClr val="tx1"/>
+          </a:fontRef>
+        </p:style>
+      </p:cxnSp>
+      <p:sp>
+        <p:nvSpPr>
+          <p:cNvPr id="37" name="テキスト ボックス 36"/>
+          <p:cNvSpPr txBox="1"/>
+          <p:nvPr/>
+        </p:nvSpPr>
+        <p:spPr>
+          <a:xfrm>
+            <a:off x="8035761" y="84008"/>
+            <a:ext cx="744627" cy="369332"/>
+          </a:xfrm>
+          <a:prstGeom prst="rect">
+            <a:avLst/>
+          </a:prstGeom>
+          <a:noFill/>
+        </p:spPr>
+        <p:txBody>
+          <a:bodyPr wrap="none" rtlCol="0">
+            <a:spAutoFit/>
+          </a:bodyPr>
+          <a:lstStyle/>
+          <a:p>
+            <a:r>
+              <a:rPr kumimoji="1" lang="en-US" altLang="ja-JP" dirty="0" smtClean="0"/>
+              <a:t>target</a:t>
+            </a:r>
+            <a:endParaRPr kumimoji="1" lang="ja-JP" altLang="en-US" dirty="0"/>
+          </a:p>
+        </p:txBody>
+      </p:sp>
+    </p:spTree>
+    <p:extLst>
+      <p:ext uri="{BB962C8B-B14F-4D97-AF65-F5344CB8AC3E}">
+        <p14:creationId xmlns:p14="http://schemas.microsoft.com/office/powerpoint/2010/main" val="1344238142"/>
+      </p:ext>
+    </p:extLst>
+  </p:cSld>
+  <p:clrMapOvr>
+    <a:masterClrMapping/>
+  </p:clrMapOvr>
+</p:sld>
+</file>
+
 <file path=ppt/slides/slide2.xml><?xml version="1.0" encoding="utf-8"?>
 <p:sld xmlns:a="http://schemas.openxmlformats.org/drawingml/2006/main" xmlns:r="http://schemas.openxmlformats.org/officeDocument/2006/relationships" xmlns:p="http://schemas.openxmlformats.org/presentationml/2006/main">
   <p:cSld>

--- a/fig/fig.pptx
+++ b/fig/fig.pptx
@@ -5,7 +5,7 @@
     <p:sldMasterId id="2147483648" r:id="rId1"/>
   </p:sldMasterIdLst>
   <p:notesMasterIdLst>
-    <p:notesMasterId r:id="rId14"/>
+    <p:notesMasterId r:id="rId15"/>
   </p:notesMasterIdLst>
   <p:sldIdLst>
     <p:sldId id="256" r:id="rId2"/>
@@ -20,6 +20,7 @@
     <p:sldId id="266" r:id="rId11"/>
     <p:sldId id="268" r:id="rId12"/>
     <p:sldId id="269" r:id="rId13"/>
+    <p:sldId id="271" r:id="rId14"/>
   </p:sldIdLst>
   <p:sldSz cx="12192000" cy="6858000"/>
   <p:notesSz cx="6858000" cy="9144000"/>
@@ -208,7 +209,7 @@
           <a:p>
             <a:fld id="{5132F9E5-22C7-4D67-BFE7-9836B898E847}" type="datetimeFigureOut">
               <a:rPr kumimoji="1" lang="ja-JP" altLang="en-US" smtClean="0"/>
-              <a:t>2018/2/6</a:t>
+              <a:t>2018/2/9</a:t>
             </a:fld>
             <a:endParaRPr kumimoji="1" lang="ja-JP" altLang="en-US"/>
           </a:p>
@@ -723,7 +724,7 @@
           <a:p>
             <a:fld id="{ABA9A1D1-5B79-412D-8149-C192A605B75C}" type="datetimeFigureOut">
               <a:rPr kumimoji="1" lang="ja-JP" altLang="en-US" smtClean="0"/>
-              <a:t>2018/2/6</a:t>
+              <a:t>2018/2/9</a:t>
             </a:fld>
             <a:endParaRPr kumimoji="1" lang="ja-JP" altLang="en-US"/>
           </a:p>
@@ -925,7 +926,7 @@
           <a:p>
             <a:fld id="{ABA9A1D1-5B79-412D-8149-C192A605B75C}" type="datetimeFigureOut">
               <a:rPr kumimoji="1" lang="ja-JP" altLang="en-US" smtClean="0"/>
-              <a:t>2018/2/6</a:t>
+              <a:t>2018/2/9</a:t>
             </a:fld>
             <a:endParaRPr kumimoji="1" lang="ja-JP" altLang="en-US"/>
           </a:p>
@@ -1137,7 +1138,7 @@
           <a:p>
             <a:fld id="{ABA9A1D1-5B79-412D-8149-C192A605B75C}" type="datetimeFigureOut">
               <a:rPr kumimoji="1" lang="ja-JP" altLang="en-US" smtClean="0"/>
-              <a:t>2018/2/6</a:t>
+              <a:t>2018/2/9</a:t>
             </a:fld>
             <a:endParaRPr kumimoji="1" lang="ja-JP" altLang="en-US"/>
           </a:p>
@@ -1339,7 +1340,7 @@
           <a:p>
             <a:fld id="{ABA9A1D1-5B79-412D-8149-C192A605B75C}" type="datetimeFigureOut">
               <a:rPr kumimoji="1" lang="ja-JP" altLang="en-US" smtClean="0"/>
-              <a:t>2018/2/6</a:t>
+              <a:t>2018/2/9</a:t>
             </a:fld>
             <a:endParaRPr kumimoji="1" lang="ja-JP" altLang="en-US"/>
           </a:p>
@@ -1585,7 +1586,7 @@
           <a:p>
             <a:fld id="{ABA9A1D1-5B79-412D-8149-C192A605B75C}" type="datetimeFigureOut">
               <a:rPr kumimoji="1" lang="ja-JP" altLang="en-US" smtClean="0"/>
-              <a:t>2018/2/6</a:t>
+              <a:t>2018/2/9</a:t>
             </a:fld>
             <a:endParaRPr kumimoji="1" lang="ja-JP" altLang="en-US"/>
           </a:p>
@@ -1881,7 +1882,7 @@
           <a:p>
             <a:fld id="{ABA9A1D1-5B79-412D-8149-C192A605B75C}" type="datetimeFigureOut">
               <a:rPr kumimoji="1" lang="ja-JP" altLang="en-US" smtClean="0"/>
-              <a:t>2018/2/6</a:t>
+              <a:t>2018/2/9</a:t>
             </a:fld>
             <a:endParaRPr kumimoji="1" lang="ja-JP" altLang="en-US"/>
           </a:p>
@@ -2312,7 +2313,7 @@
           <a:p>
             <a:fld id="{ABA9A1D1-5B79-412D-8149-C192A605B75C}" type="datetimeFigureOut">
               <a:rPr kumimoji="1" lang="ja-JP" altLang="en-US" smtClean="0"/>
-              <a:t>2018/2/6</a:t>
+              <a:t>2018/2/9</a:t>
             </a:fld>
             <a:endParaRPr kumimoji="1" lang="ja-JP" altLang="en-US"/>
           </a:p>
@@ -2430,7 +2431,7 @@
           <a:p>
             <a:fld id="{ABA9A1D1-5B79-412D-8149-C192A605B75C}" type="datetimeFigureOut">
               <a:rPr kumimoji="1" lang="ja-JP" altLang="en-US" smtClean="0"/>
-              <a:t>2018/2/6</a:t>
+              <a:t>2018/2/9</a:t>
             </a:fld>
             <a:endParaRPr kumimoji="1" lang="ja-JP" altLang="en-US"/>
           </a:p>
@@ -2525,7 +2526,7 @@
           <a:p>
             <a:fld id="{ABA9A1D1-5B79-412D-8149-C192A605B75C}" type="datetimeFigureOut">
               <a:rPr kumimoji="1" lang="ja-JP" altLang="en-US" smtClean="0"/>
-              <a:t>2018/2/6</a:t>
+              <a:t>2018/2/9</a:t>
             </a:fld>
             <a:endParaRPr kumimoji="1" lang="ja-JP" altLang="en-US"/>
           </a:p>
@@ -2834,7 +2835,7 @@
           <a:p>
             <a:fld id="{ABA9A1D1-5B79-412D-8149-C192A605B75C}" type="datetimeFigureOut">
               <a:rPr kumimoji="1" lang="ja-JP" altLang="en-US" smtClean="0"/>
-              <a:t>2018/2/6</a:t>
+              <a:t>2018/2/9</a:t>
             </a:fld>
             <a:endParaRPr kumimoji="1" lang="ja-JP" altLang="en-US"/>
           </a:p>
@@ -3087,7 +3088,7 @@
           <a:p>
             <a:fld id="{ABA9A1D1-5B79-412D-8149-C192A605B75C}" type="datetimeFigureOut">
               <a:rPr kumimoji="1" lang="ja-JP" altLang="en-US" smtClean="0"/>
-              <a:t>2018/2/6</a:t>
+              <a:t>2018/2/9</a:t>
             </a:fld>
             <a:endParaRPr kumimoji="1" lang="ja-JP" altLang="en-US"/>
           </a:p>
@@ -3332,7 +3333,7 @@
           <a:p>
             <a:fld id="{ABA9A1D1-5B79-412D-8149-C192A605B75C}" type="datetimeFigureOut">
               <a:rPr kumimoji="1" lang="ja-JP" altLang="en-US" smtClean="0"/>
-              <a:t>2018/2/6</a:t>
+              <a:t>2018/2/9</a:t>
             </a:fld>
             <a:endParaRPr kumimoji="1" lang="ja-JP" altLang="en-US"/>
           </a:p>
@@ -6670,7 +6671,26 @@
               </a:rPr>
               <a:t>CacheState0</a:t>
             </a:r>
-            <a:endParaRPr kumimoji="1" lang="en-US" altLang="ja-JP" sz="2000" dirty="0" smtClean="0">
+          </a:p>
+          <a:p>
+            <a:pPr algn="ctr"/>
+            <a:r>
+              <a:rPr lang="en-US" altLang="ja-JP" sz="2000" dirty="0">
+                <a:solidFill>
+                  <a:schemeClr val="tx1"/>
+                </a:solidFill>
+              </a:rPr>
+              <a:t>[</a:t>
+            </a:r>
+            <a:r>
+              <a:rPr lang="en-US" altLang="ja-JP" sz="2000" dirty="0" smtClean="0">
+                <a:solidFill>
+                  <a:schemeClr val="tx1"/>
+                </a:solidFill>
+              </a:rPr>
+              <a:t>Time0]</a:t>
+            </a:r>
+            <a:endParaRPr lang="en-US" altLang="ja-JP" sz="2000" dirty="0">
               <a:solidFill>
                 <a:schemeClr val="tx1"/>
               </a:solidFill>
@@ -7397,7 +7417,26 @@
               </a:rPr>
               <a:t>CacheState1</a:t>
             </a:r>
-            <a:endParaRPr kumimoji="1" lang="en-US" altLang="ja-JP" sz="2000" dirty="0" smtClean="0">
+          </a:p>
+          <a:p>
+            <a:pPr algn="ctr"/>
+            <a:r>
+              <a:rPr lang="en-US" altLang="ja-JP" sz="2000" dirty="0">
+                <a:solidFill>
+                  <a:schemeClr val="tx1"/>
+                </a:solidFill>
+              </a:rPr>
+              <a:t>[Time1</a:t>
+            </a:r>
+            <a:r>
+              <a:rPr lang="en-US" altLang="ja-JP" sz="2000" dirty="0" smtClean="0">
+                <a:solidFill>
+                  <a:schemeClr val="tx1"/>
+                </a:solidFill>
+              </a:rPr>
+              <a:t>]</a:t>
+            </a:r>
+            <a:endParaRPr lang="en-US" altLang="ja-JP" sz="2000" dirty="0">
               <a:solidFill>
                 <a:schemeClr val="tx1"/>
               </a:solidFill>
@@ -7701,17 +7740,6 @@
               <a:t>CacheDifItem0</a:t>
             </a:r>
           </a:p>
-          <a:p>
-            <a:pPr algn="ctr"/>
-            <a:r>
-              <a:rPr kumimoji="1" lang="en-US" altLang="ja-JP" sz="2000" dirty="0" smtClean="0">
-                <a:solidFill>
-                  <a:schemeClr val="tx1"/>
-                </a:solidFill>
-              </a:rPr>
-              <a:t>[Time0]</a:t>
-            </a:r>
-          </a:p>
         </p:txBody>
       </p:sp>
       <p:sp>
@@ -7765,17 +7793,6 @@
                 </a:solidFill>
               </a:rPr>
               <a:t>CacheDifItem1</a:t>
-            </a:r>
-          </a:p>
-          <a:p>
-            <a:pPr algn="ctr"/>
-            <a:r>
-              <a:rPr kumimoji="1" lang="en-US" altLang="ja-JP" sz="2000" dirty="0" smtClean="0">
-                <a:solidFill>
-                  <a:schemeClr val="tx1"/>
-                </a:solidFill>
-              </a:rPr>
-              <a:t>[Time1]</a:t>
             </a:r>
           </a:p>
         </p:txBody>
@@ -8336,7 +8353,26 @@
               </a:rPr>
               <a:t>CacheState0</a:t>
             </a:r>
-            <a:endParaRPr kumimoji="1" lang="en-US" altLang="ja-JP" sz="2000" dirty="0" smtClean="0">
+          </a:p>
+          <a:p>
+            <a:pPr algn="ctr"/>
+            <a:r>
+              <a:rPr lang="en-US" altLang="ja-JP" sz="2000" dirty="0">
+                <a:solidFill>
+                  <a:schemeClr val="tx1"/>
+                </a:solidFill>
+              </a:rPr>
+              <a:t>[Time0</a:t>
+            </a:r>
+            <a:r>
+              <a:rPr lang="en-US" altLang="ja-JP" sz="2000" dirty="0" smtClean="0">
+                <a:solidFill>
+                  <a:schemeClr val="tx1"/>
+                </a:solidFill>
+              </a:rPr>
+              <a:t>]</a:t>
+            </a:r>
+            <a:endParaRPr lang="en-US" altLang="ja-JP" sz="2000" dirty="0">
               <a:solidFill>
                 <a:schemeClr val="tx1"/>
               </a:solidFill>
@@ -8607,7 +8643,26 @@
               </a:rPr>
               <a:t>CacheState1</a:t>
             </a:r>
-            <a:endParaRPr kumimoji="1" lang="en-US" altLang="ja-JP" sz="2000" dirty="0" smtClean="0">
+          </a:p>
+          <a:p>
+            <a:pPr algn="ctr"/>
+            <a:r>
+              <a:rPr lang="en-US" altLang="ja-JP" sz="2000" dirty="0">
+                <a:solidFill>
+                  <a:schemeClr val="tx1"/>
+                </a:solidFill>
+              </a:rPr>
+              <a:t>[Time1,2,3</a:t>
+            </a:r>
+            <a:r>
+              <a:rPr lang="en-US" altLang="ja-JP" sz="2000" dirty="0" smtClean="0">
+                <a:solidFill>
+                  <a:schemeClr val="tx1"/>
+                </a:solidFill>
+              </a:rPr>
+              <a:t>]</a:t>
+            </a:r>
+            <a:endParaRPr lang="en-US" altLang="ja-JP" sz="2000" dirty="0">
               <a:solidFill>
                 <a:schemeClr val="tx1"/>
               </a:solidFill>
@@ -8739,17 +8794,6 @@
               <a:t>CacheDifItem0</a:t>
             </a:r>
           </a:p>
-          <a:p>
-            <a:pPr algn="ctr"/>
-            <a:r>
-              <a:rPr kumimoji="1" lang="en-US" altLang="ja-JP" sz="2000" dirty="0" smtClean="0">
-                <a:solidFill>
-                  <a:schemeClr val="tx1"/>
-                </a:solidFill>
-              </a:rPr>
-              <a:t>[Time0]</a:t>
-            </a:r>
-          </a:p>
         </p:txBody>
       </p:sp>
       <p:sp>
@@ -8803,17 +8847,6 @@
                 </a:solidFill>
               </a:rPr>
               <a:t>CacheDifItem1</a:t>
-            </a:r>
-          </a:p>
-          <a:p>
-            <a:pPr algn="ctr"/>
-            <a:r>
-              <a:rPr kumimoji="1" lang="en-US" altLang="ja-JP" sz="2000" dirty="0" smtClean="0">
-                <a:solidFill>
-                  <a:schemeClr val="tx1"/>
-                </a:solidFill>
-              </a:rPr>
-              <a:t>[Time1,2,3]</a:t>
             </a:r>
           </a:p>
         </p:txBody>
@@ -9534,6 +9567,2278 @@
     <p:extLst>
       <p:ext uri="{BB962C8B-B14F-4D97-AF65-F5344CB8AC3E}">
         <p14:creationId xmlns:p14="http://schemas.microsoft.com/office/powerpoint/2010/main" val="1344238142"/>
+      </p:ext>
+    </p:extLst>
+  </p:cSld>
+  <p:clrMapOvr>
+    <a:masterClrMapping/>
+  </p:clrMapOvr>
+</p:sld>
+</file>
+
+<file path=ppt/slides/slide13.xml><?xml version="1.0" encoding="utf-8"?>
+<p:sld xmlns:a="http://schemas.openxmlformats.org/drawingml/2006/main" xmlns:r="http://schemas.openxmlformats.org/officeDocument/2006/relationships" xmlns:p="http://schemas.openxmlformats.org/presentationml/2006/main">
+  <p:cSld>
+    <p:spTree>
+      <p:nvGrpSpPr>
+        <p:cNvPr id="1" name=""/>
+        <p:cNvGrpSpPr/>
+        <p:nvPr/>
+      </p:nvGrpSpPr>
+      <p:grpSpPr>
+        <a:xfrm>
+          <a:off x="0" y="0"/>
+          <a:ext cx="0" cy="0"/>
+          <a:chOff x="0" y="0"/>
+          <a:chExt cx="0" cy="0"/>
+        </a:xfrm>
+      </p:grpSpPr>
+      <p:sp>
+        <p:nvSpPr>
+          <p:cNvPr id="92" name="正方形/長方形 91"/>
+          <p:cNvSpPr/>
+          <p:nvPr/>
+        </p:nvSpPr>
+        <p:spPr>
+          <a:xfrm>
+            <a:off x="236949" y="128158"/>
+            <a:ext cx="10390429" cy="6627994"/>
+          </a:xfrm>
+          <a:prstGeom prst="rect">
+            <a:avLst/>
+          </a:prstGeom>
+          <a:solidFill>
+            <a:schemeClr val="bg1"/>
+          </a:solidFill>
+          <a:ln>
+            <a:solidFill>
+              <a:schemeClr val="bg1"/>
+            </a:solidFill>
+          </a:ln>
+        </p:spPr>
+        <p:style>
+          <a:lnRef idx="2">
+            <a:schemeClr val="accent1">
+              <a:shade val="50000"/>
+            </a:schemeClr>
+          </a:lnRef>
+          <a:fillRef idx="1">
+            <a:schemeClr val="accent1"/>
+          </a:fillRef>
+          <a:effectRef idx="0">
+            <a:schemeClr val="accent1"/>
+          </a:effectRef>
+          <a:fontRef idx="minor">
+            <a:schemeClr val="lt1"/>
+          </a:fontRef>
+        </p:style>
+        <p:txBody>
+          <a:bodyPr rot="0" spcFirstLastPara="0" vertOverflow="overflow" horzOverflow="overflow" vert="horz" wrap="square" lIns="91440" tIns="45720" rIns="91440" bIns="45720" numCol="1" spcCol="0" rtlCol="0" fromWordArt="0" anchor="ctr" anchorCtr="0" forceAA="0" compatLnSpc="1">
+            <a:prstTxWarp prst="textNoShape">
+              <a:avLst/>
+            </a:prstTxWarp>
+            <a:noAutofit/>
+          </a:bodyPr>
+          <a:lstStyle/>
+          <a:p>
+            <a:pPr algn="ctr"/>
+            <a:endParaRPr kumimoji="1" lang="ja-JP" altLang="en-US" sz="2000" dirty="0" smtClean="0">
+              <a:solidFill>
+                <a:schemeClr val="tx1"/>
+              </a:solidFill>
+            </a:endParaRPr>
+          </a:p>
+        </p:txBody>
+      </p:sp>
+      <p:sp>
+        <p:nvSpPr>
+          <p:cNvPr id="39" name="角丸四角形 38"/>
+          <p:cNvSpPr/>
+          <p:nvPr/>
+        </p:nvSpPr>
+        <p:spPr>
+          <a:xfrm>
+            <a:off x="3747260" y="128159"/>
+            <a:ext cx="2393364" cy="981199"/>
+          </a:xfrm>
+          <a:prstGeom prst="roundRect">
+            <a:avLst>
+              <a:gd name="adj" fmla="val 21972"/>
+            </a:avLst>
+          </a:prstGeom>
+          <a:solidFill>
+            <a:schemeClr val="bg1">
+              <a:lumMod val="85000"/>
+            </a:schemeClr>
+          </a:solidFill>
+          <a:ln>
+            <a:solidFill>
+              <a:schemeClr val="tx1"/>
+            </a:solidFill>
+          </a:ln>
+        </p:spPr>
+        <p:style>
+          <a:lnRef idx="2">
+            <a:schemeClr val="accent1">
+              <a:shade val="50000"/>
+            </a:schemeClr>
+          </a:lnRef>
+          <a:fillRef idx="1">
+            <a:schemeClr val="accent1"/>
+          </a:fillRef>
+          <a:effectRef idx="0">
+            <a:schemeClr val="accent1"/>
+          </a:effectRef>
+          <a:fontRef idx="minor">
+            <a:schemeClr val="lt1"/>
+          </a:fontRef>
+        </p:style>
+        <p:txBody>
+          <a:bodyPr rtlCol="0" anchor="ctr"/>
+          <a:lstStyle/>
+          <a:p>
+            <a:pPr algn="ctr"/>
+            <a:r>
+              <a:rPr lang="en-US" altLang="ja-JP" sz="2400" dirty="0" smtClean="0">
+                <a:solidFill>
+                  <a:schemeClr val="tx1"/>
+                </a:solidFill>
+              </a:rPr>
+              <a:t>Request0</a:t>
+            </a:r>
+          </a:p>
+          <a:p>
+            <a:pPr algn="ctr"/>
+            <a:r>
+              <a:rPr kumimoji="1" lang="en-US" altLang="ja-JP" sz="2000" dirty="0" smtClean="0">
+                <a:solidFill>
+                  <a:schemeClr val="tx1"/>
+                </a:solidFill>
+              </a:rPr>
+              <a:t>[Time0]</a:t>
+            </a:r>
+          </a:p>
+          <a:p>
+            <a:pPr algn="ctr"/>
+            <a:r>
+              <a:rPr lang="en-US" altLang="ja-JP" sz="2000" dirty="0" smtClean="0">
+                <a:solidFill>
+                  <a:schemeClr val="tx1"/>
+                </a:solidFill>
+              </a:rPr>
+              <a:t>Browser </a:t>
+            </a:r>
+            <a:r>
+              <a:rPr lang="ja-JP" altLang="en-US" sz="2000" dirty="0" smtClean="0">
+                <a:solidFill>
+                  <a:schemeClr val="tx1"/>
+                </a:solidFill>
+              </a:rPr>
+              <a:t>→ </a:t>
+            </a:r>
+            <a:r>
+              <a:rPr lang="en-US" altLang="ja-JP" sz="2000" dirty="0" smtClean="0">
+                <a:solidFill>
+                  <a:schemeClr val="tx1"/>
+                </a:solidFill>
+              </a:rPr>
+              <a:t>Server</a:t>
+            </a:r>
+            <a:endParaRPr kumimoji="1" lang="en-US" altLang="ja-JP" sz="2000" dirty="0" smtClean="0">
+              <a:solidFill>
+                <a:schemeClr val="tx1"/>
+              </a:solidFill>
+            </a:endParaRPr>
+          </a:p>
+        </p:txBody>
+      </p:sp>
+      <p:sp>
+        <p:nvSpPr>
+          <p:cNvPr id="42" name="正方形/長方形 41"/>
+          <p:cNvSpPr/>
+          <p:nvPr/>
+        </p:nvSpPr>
+        <p:spPr>
+          <a:xfrm>
+            <a:off x="7368538" y="5408067"/>
+            <a:ext cx="2077484" cy="439891"/>
+          </a:xfrm>
+          <a:prstGeom prst="rect">
+            <a:avLst/>
+          </a:prstGeom>
+          <a:noFill/>
+          <a:ln>
+            <a:solidFill>
+              <a:schemeClr val="tx1"/>
+            </a:solidFill>
+          </a:ln>
+        </p:spPr>
+        <p:style>
+          <a:lnRef idx="2">
+            <a:schemeClr val="accent1">
+              <a:shade val="50000"/>
+            </a:schemeClr>
+          </a:lnRef>
+          <a:fillRef idx="1">
+            <a:schemeClr val="accent1"/>
+          </a:fillRef>
+          <a:effectRef idx="0">
+            <a:schemeClr val="accent1"/>
+          </a:effectRef>
+          <a:fontRef idx="minor">
+            <a:schemeClr val="lt1"/>
+          </a:fontRef>
+        </p:style>
+        <p:txBody>
+          <a:bodyPr rtlCol="0" anchor="ctr"/>
+          <a:lstStyle/>
+          <a:p>
+            <a:pPr algn="ctr"/>
+            <a:r>
+              <a:rPr lang="en-US" altLang="ja-JP" sz="2000" dirty="0" smtClean="0">
+                <a:solidFill>
+                  <a:schemeClr val="tx1"/>
+                </a:solidFill>
+              </a:rPr>
+              <a:t>StateTransaction1</a:t>
+            </a:r>
+            <a:endParaRPr kumimoji="1" lang="ja-JP" altLang="en-US" sz="2000" dirty="0" smtClean="0">
+              <a:solidFill>
+                <a:schemeClr val="tx1"/>
+              </a:solidFill>
+            </a:endParaRPr>
+          </a:p>
+        </p:txBody>
+      </p:sp>
+      <p:sp>
+        <p:nvSpPr>
+          <p:cNvPr id="88" name="テキスト ボックス 87"/>
+          <p:cNvSpPr txBox="1"/>
+          <p:nvPr/>
+        </p:nvSpPr>
+        <p:spPr>
+          <a:xfrm>
+            <a:off x="7730476" y="2099908"/>
+            <a:ext cx="716093" cy="400110"/>
+          </a:xfrm>
+          <a:prstGeom prst="rect">
+            <a:avLst/>
+          </a:prstGeom>
+          <a:noFill/>
+        </p:spPr>
+        <p:txBody>
+          <a:bodyPr wrap="none" rtlCol="0">
+            <a:spAutoFit/>
+          </a:bodyPr>
+          <a:lstStyle/>
+          <a:p>
+            <a:r>
+              <a:rPr kumimoji="1" lang="en-US" altLang="ja-JP" sz="2000" dirty="0" smtClean="0"/>
+              <a:t>store</a:t>
+            </a:r>
+            <a:endParaRPr kumimoji="1" lang="ja-JP" altLang="en-US" sz="2000" dirty="0"/>
+          </a:p>
+        </p:txBody>
+      </p:sp>
+      <p:sp>
+        <p:nvSpPr>
+          <p:cNvPr id="94" name="テキスト ボックス 93"/>
+          <p:cNvSpPr txBox="1"/>
+          <p:nvPr/>
+        </p:nvSpPr>
+        <p:spPr>
+          <a:xfrm>
+            <a:off x="6180409" y="1415931"/>
+            <a:ext cx="1133452" cy="400110"/>
+          </a:xfrm>
+          <a:prstGeom prst="rect">
+            <a:avLst/>
+          </a:prstGeom>
+          <a:noFill/>
+        </p:spPr>
+        <p:txBody>
+          <a:bodyPr wrap="none" rtlCol="0">
+            <a:spAutoFit/>
+          </a:bodyPr>
+          <a:lstStyle/>
+          <a:p>
+            <a:r>
+              <a:rPr kumimoji="1" lang="en-US" altLang="ja-JP" sz="2000" dirty="0" smtClean="0"/>
+              <a:t>response</a:t>
+            </a:r>
+            <a:endParaRPr kumimoji="1" lang="ja-JP" altLang="en-US" sz="2000" dirty="0"/>
+          </a:p>
+        </p:txBody>
+      </p:sp>
+      <p:sp>
+        <p:nvSpPr>
+          <p:cNvPr id="116" name="テキスト ボックス 115"/>
+          <p:cNvSpPr txBox="1"/>
+          <p:nvPr/>
+        </p:nvSpPr>
+        <p:spPr>
+          <a:xfrm>
+            <a:off x="9575814" y="5053417"/>
+            <a:ext cx="1112741" cy="646331"/>
+          </a:xfrm>
+          <a:prstGeom prst="rect">
+            <a:avLst/>
+          </a:prstGeom>
+          <a:noFill/>
+        </p:spPr>
+        <p:txBody>
+          <a:bodyPr wrap="none" rtlCol="0">
+            <a:spAutoFit/>
+          </a:bodyPr>
+          <a:lstStyle/>
+          <a:p>
+            <a:r>
+              <a:rPr kumimoji="1" lang="en-US" altLang="ja-JP" dirty="0" smtClean="0"/>
+              <a:t>before/</a:t>
+            </a:r>
+          </a:p>
+          <a:p>
+            <a:r>
+              <a:rPr kumimoji="1" lang="en-US" altLang="ja-JP" dirty="0" err="1" smtClean="0"/>
+              <a:t>afterState</a:t>
+            </a:r>
+            <a:endParaRPr kumimoji="1" lang="ja-JP" altLang="en-US" dirty="0"/>
+          </a:p>
+        </p:txBody>
+      </p:sp>
+      <p:sp>
+        <p:nvSpPr>
+          <p:cNvPr id="38" name="正方形/長方形 37"/>
+          <p:cNvSpPr/>
+          <p:nvPr/>
+        </p:nvSpPr>
+        <p:spPr>
+          <a:xfrm>
+            <a:off x="6212040" y="978724"/>
+            <a:ext cx="2077484" cy="439891"/>
+          </a:xfrm>
+          <a:prstGeom prst="rect">
+            <a:avLst/>
+          </a:prstGeom>
+          <a:noFill/>
+          <a:ln>
+            <a:solidFill>
+              <a:schemeClr val="tx1"/>
+            </a:solidFill>
+          </a:ln>
+        </p:spPr>
+        <p:style>
+          <a:lnRef idx="2">
+            <a:schemeClr val="accent1">
+              <a:shade val="50000"/>
+            </a:schemeClr>
+          </a:lnRef>
+          <a:fillRef idx="1">
+            <a:schemeClr val="accent1"/>
+          </a:fillRef>
+          <a:effectRef idx="0">
+            <a:schemeClr val="accent1"/>
+          </a:effectRef>
+          <a:fontRef idx="minor">
+            <a:schemeClr val="lt1"/>
+          </a:fontRef>
+        </p:style>
+        <p:txBody>
+          <a:bodyPr rtlCol="0" anchor="ctr"/>
+          <a:lstStyle/>
+          <a:p>
+            <a:pPr algn="ctr"/>
+            <a:r>
+              <a:rPr lang="en-US" altLang="ja-JP" sz="2000" dirty="0" smtClean="0">
+                <a:solidFill>
+                  <a:schemeClr val="tx1"/>
+                </a:solidFill>
+              </a:rPr>
+              <a:t>StateTransaction0</a:t>
+            </a:r>
+            <a:endParaRPr kumimoji="1" lang="ja-JP" altLang="en-US" sz="2000" dirty="0" smtClean="0">
+              <a:solidFill>
+                <a:schemeClr val="tx1"/>
+              </a:solidFill>
+            </a:endParaRPr>
+          </a:p>
+        </p:txBody>
+      </p:sp>
+      <p:sp>
+        <p:nvSpPr>
+          <p:cNvPr id="43" name="正方形/長方形 42"/>
+          <p:cNvSpPr/>
+          <p:nvPr/>
+        </p:nvSpPr>
+        <p:spPr>
+          <a:xfrm>
+            <a:off x="6245483" y="4362865"/>
+            <a:ext cx="2044041" cy="439891"/>
+          </a:xfrm>
+          <a:prstGeom prst="rect">
+            <a:avLst/>
+          </a:prstGeom>
+          <a:noFill/>
+          <a:ln>
+            <a:solidFill>
+              <a:schemeClr val="tx1"/>
+            </a:solidFill>
+          </a:ln>
+        </p:spPr>
+        <p:style>
+          <a:lnRef idx="2">
+            <a:schemeClr val="accent1">
+              <a:shade val="50000"/>
+            </a:schemeClr>
+          </a:lnRef>
+          <a:fillRef idx="1">
+            <a:schemeClr val="accent1"/>
+          </a:fillRef>
+          <a:effectRef idx="0">
+            <a:schemeClr val="accent1"/>
+          </a:effectRef>
+          <a:fontRef idx="minor">
+            <a:schemeClr val="lt1"/>
+          </a:fontRef>
+        </p:style>
+        <p:txBody>
+          <a:bodyPr rtlCol="0" anchor="ctr"/>
+          <a:lstStyle/>
+          <a:p>
+            <a:pPr algn="ctr"/>
+            <a:r>
+              <a:rPr lang="en-US" altLang="ja-JP" sz="2000" dirty="0" smtClean="0">
+                <a:solidFill>
+                  <a:schemeClr val="tx1"/>
+                </a:solidFill>
+              </a:rPr>
+              <a:t>StateTransaction2</a:t>
+            </a:r>
+            <a:endParaRPr kumimoji="1" lang="ja-JP" altLang="en-US" sz="2000" dirty="0" smtClean="0">
+              <a:solidFill>
+                <a:schemeClr val="tx1"/>
+              </a:solidFill>
+            </a:endParaRPr>
+          </a:p>
+        </p:txBody>
+      </p:sp>
+      <p:cxnSp>
+        <p:nvCxnSpPr>
+          <p:cNvPr id="44" name="カギ線コネクタ 43"/>
+          <p:cNvCxnSpPr>
+            <a:stCxn id="38" idx="0"/>
+            <a:endCxn id="39" idx="3"/>
+          </p:cNvCxnSpPr>
+          <p:nvPr/>
+        </p:nvCxnSpPr>
+        <p:spPr>
+          <a:xfrm rot="16200000" flipV="1">
+            <a:off x="6515721" y="243663"/>
+            <a:ext cx="359965" cy="1110158"/>
+          </a:xfrm>
+          <a:prstGeom prst="bentConnector2">
+            <a:avLst/>
+          </a:prstGeom>
+          <a:ln w="12700">
+            <a:solidFill>
+              <a:schemeClr val="tx1"/>
+            </a:solidFill>
+            <a:prstDash val="solid"/>
+            <a:tailEnd type="triangle" w="lg" len="med"/>
+          </a:ln>
+        </p:spPr>
+        <p:style>
+          <a:lnRef idx="1">
+            <a:schemeClr val="accent1"/>
+          </a:lnRef>
+          <a:fillRef idx="0">
+            <a:schemeClr val="accent1"/>
+          </a:fillRef>
+          <a:effectRef idx="0">
+            <a:schemeClr val="accent1"/>
+          </a:effectRef>
+          <a:fontRef idx="minor">
+            <a:schemeClr val="tx1"/>
+          </a:fontRef>
+        </p:style>
+      </p:cxnSp>
+      <p:cxnSp>
+        <p:nvCxnSpPr>
+          <p:cNvPr id="48" name="カギ線コネクタ 47"/>
+          <p:cNvCxnSpPr>
+            <a:stCxn id="43" idx="0"/>
+            <a:endCxn id="51" idx="3"/>
+          </p:cNvCxnSpPr>
+          <p:nvPr/>
+        </p:nvCxnSpPr>
+        <p:spPr>
+          <a:xfrm rot="16200000" flipV="1">
+            <a:off x="6528435" y="3623796"/>
+            <a:ext cx="356285" cy="1121854"/>
+          </a:xfrm>
+          <a:prstGeom prst="bentConnector2">
+            <a:avLst/>
+          </a:prstGeom>
+          <a:ln w="12700">
+            <a:solidFill>
+              <a:schemeClr val="tx1"/>
+            </a:solidFill>
+            <a:prstDash val="solid"/>
+            <a:tailEnd type="triangle" w="lg" len="med"/>
+          </a:ln>
+        </p:spPr>
+        <p:style>
+          <a:lnRef idx="1">
+            <a:schemeClr val="accent1"/>
+          </a:lnRef>
+          <a:fillRef idx="0">
+            <a:schemeClr val="accent1"/>
+          </a:fillRef>
+          <a:effectRef idx="0">
+            <a:schemeClr val="accent1"/>
+          </a:effectRef>
+          <a:fontRef idx="minor">
+            <a:schemeClr val="tx1"/>
+          </a:fontRef>
+        </p:style>
+      </p:cxnSp>
+      <p:cxnSp>
+        <p:nvCxnSpPr>
+          <p:cNvPr id="49" name="カギ線コネクタ 48"/>
+          <p:cNvCxnSpPr>
+            <a:stCxn id="43" idx="2"/>
+            <a:endCxn id="53" idx="3"/>
+          </p:cNvCxnSpPr>
+          <p:nvPr/>
+        </p:nvCxnSpPr>
+        <p:spPr>
+          <a:xfrm rot="5400000">
+            <a:off x="6540392" y="4409592"/>
+            <a:ext cx="333949" cy="1120276"/>
+          </a:xfrm>
+          <a:prstGeom prst="bentConnector2">
+            <a:avLst/>
+          </a:prstGeom>
+          <a:ln w="12700">
+            <a:solidFill>
+              <a:schemeClr val="tx1"/>
+            </a:solidFill>
+            <a:prstDash val="solid"/>
+            <a:tailEnd type="triangle" w="lg" len="med"/>
+          </a:ln>
+        </p:spPr>
+        <p:style>
+          <a:lnRef idx="1">
+            <a:schemeClr val="accent1"/>
+          </a:lnRef>
+          <a:fillRef idx="0">
+            <a:schemeClr val="accent1"/>
+          </a:fillRef>
+          <a:effectRef idx="0">
+            <a:schemeClr val="accent1"/>
+          </a:effectRef>
+          <a:fontRef idx="minor">
+            <a:schemeClr val="tx1"/>
+          </a:fontRef>
+        </p:style>
+      </p:cxnSp>
+      <p:cxnSp>
+        <p:nvCxnSpPr>
+          <p:cNvPr id="52" name="カギ線コネクタ 51"/>
+          <p:cNvCxnSpPr>
+            <a:stCxn id="42" idx="0"/>
+            <a:endCxn id="47" idx="3"/>
+          </p:cNvCxnSpPr>
+          <p:nvPr/>
+        </p:nvCxnSpPr>
+        <p:spPr>
+          <a:xfrm rot="16200000" flipV="1">
+            <a:off x="6010464" y="3011251"/>
+            <a:ext cx="2530335" cy="2263298"/>
+          </a:xfrm>
+          <a:prstGeom prst="bentConnector2">
+            <a:avLst/>
+          </a:prstGeom>
+          <a:ln w="12700">
+            <a:solidFill>
+              <a:schemeClr val="tx1"/>
+            </a:solidFill>
+            <a:prstDash val="solid"/>
+            <a:tailEnd type="triangle" w="lg" len="med"/>
+          </a:ln>
+        </p:spPr>
+        <p:style>
+          <a:lnRef idx="1">
+            <a:schemeClr val="accent1"/>
+          </a:lnRef>
+          <a:fillRef idx="0">
+            <a:schemeClr val="accent1"/>
+          </a:fillRef>
+          <a:effectRef idx="0">
+            <a:schemeClr val="accent1"/>
+          </a:effectRef>
+          <a:fontRef idx="minor">
+            <a:schemeClr val="tx1"/>
+          </a:fontRef>
+        </p:style>
+      </p:cxnSp>
+      <p:cxnSp>
+        <p:nvCxnSpPr>
+          <p:cNvPr id="58" name="カギ線コネクタ 57"/>
+          <p:cNvCxnSpPr>
+            <a:stCxn id="42" idx="2"/>
+            <a:endCxn id="54" idx="3"/>
+          </p:cNvCxnSpPr>
+          <p:nvPr/>
+        </p:nvCxnSpPr>
+        <p:spPr>
+          <a:xfrm rot="5400000">
+            <a:off x="7069347" y="4927619"/>
+            <a:ext cx="417595" cy="2258272"/>
+          </a:xfrm>
+          <a:prstGeom prst="bentConnector2">
+            <a:avLst/>
+          </a:prstGeom>
+          <a:ln w="12700">
+            <a:solidFill>
+              <a:schemeClr val="tx1"/>
+            </a:solidFill>
+            <a:prstDash val="solid"/>
+            <a:tailEnd type="triangle" w="lg" len="med"/>
+          </a:ln>
+        </p:spPr>
+        <p:style>
+          <a:lnRef idx="1">
+            <a:schemeClr val="accent1"/>
+          </a:lnRef>
+          <a:fillRef idx="0">
+            <a:schemeClr val="accent1"/>
+          </a:fillRef>
+          <a:effectRef idx="0">
+            <a:schemeClr val="accent1"/>
+          </a:effectRef>
+          <a:fontRef idx="minor">
+            <a:schemeClr val="tx1"/>
+          </a:fontRef>
+        </p:style>
+      </p:cxnSp>
+      <p:sp>
+        <p:nvSpPr>
+          <p:cNvPr id="66" name="テキスト ボックス 65"/>
+          <p:cNvSpPr txBox="1"/>
+          <p:nvPr/>
+        </p:nvSpPr>
+        <p:spPr>
+          <a:xfrm>
+            <a:off x="6245483" y="300678"/>
+            <a:ext cx="981487" cy="400110"/>
+          </a:xfrm>
+          <a:prstGeom prst="rect">
+            <a:avLst/>
+          </a:prstGeom>
+          <a:noFill/>
+        </p:spPr>
+        <p:txBody>
+          <a:bodyPr wrap="none" rtlCol="0">
+            <a:spAutoFit/>
+          </a:bodyPr>
+          <a:lstStyle/>
+          <a:p>
+            <a:r>
+              <a:rPr kumimoji="1" lang="en-US" altLang="ja-JP" sz="2000" dirty="0" smtClean="0"/>
+              <a:t>request</a:t>
+            </a:r>
+            <a:endParaRPr kumimoji="1" lang="ja-JP" altLang="en-US" sz="2000" dirty="0"/>
+          </a:p>
+        </p:txBody>
+      </p:sp>
+      <p:sp>
+        <p:nvSpPr>
+          <p:cNvPr id="67" name="テキスト ボックス 66"/>
+          <p:cNvSpPr txBox="1"/>
+          <p:nvPr/>
+        </p:nvSpPr>
+        <p:spPr>
+          <a:xfrm>
+            <a:off x="6208405" y="4811225"/>
+            <a:ext cx="1133452" cy="400110"/>
+          </a:xfrm>
+          <a:prstGeom prst="rect">
+            <a:avLst/>
+          </a:prstGeom>
+          <a:noFill/>
+        </p:spPr>
+        <p:txBody>
+          <a:bodyPr wrap="none" rtlCol="0">
+            <a:spAutoFit/>
+          </a:bodyPr>
+          <a:lstStyle/>
+          <a:p>
+            <a:r>
+              <a:rPr kumimoji="1" lang="en-US" altLang="ja-JP" sz="2000" dirty="0" smtClean="0"/>
+              <a:t>response</a:t>
+            </a:r>
+            <a:endParaRPr kumimoji="1" lang="ja-JP" altLang="en-US" sz="2000" dirty="0"/>
+          </a:p>
+        </p:txBody>
+      </p:sp>
+      <p:sp>
+        <p:nvSpPr>
+          <p:cNvPr id="68" name="テキスト ボックス 67"/>
+          <p:cNvSpPr txBox="1"/>
+          <p:nvPr/>
+        </p:nvSpPr>
+        <p:spPr>
+          <a:xfrm>
+            <a:off x="6277013" y="3692061"/>
+            <a:ext cx="981487" cy="400110"/>
+          </a:xfrm>
+          <a:prstGeom prst="rect">
+            <a:avLst/>
+          </a:prstGeom>
+          <a:noFill/>
+        </p:spPr>
+        <p:txBody>
+          <a:bodyPr wrap="none" rtlCol="0">
+            <a:spAutoFit/>
+          </a:bodyPr>
+          <a:lstStyle/>
+          <a:p>
+            <a:r>
+              <a:rPr kumimoji="1" lang="en-US" altLang="ja-JP" sz="2000" dirty="0" smtClean="0"/>
+              <a:t>request</a:t>
+            </a:r>
+            <a:endParaRPr kumimoji="1" lang="ja-JP" altLang="en-US" sz="2000" dirty="0"/>
+          </a:p>
+        </p:txBody>
+      </p:sp>
+      <p:sp>
+        <p:nvSpPr>
+          <p:cNvPr id="69" name="テキスト ボックス 68"/>
+          <p:cNvSpPr txBox="1"/>
+          <p:nvPr/>
+        </p:nvSpPr>
+        <p:spPr>
+          <a:xfrm>
+            <a:off x="6275871" y="2550601"/>
+            <a:ext cx="981487" cy="400110"/>
+          </a:xfrm>
+          <a:prstGeom prst="rect">
+            <a:avLst/>
+          </a:prstGeom>
+          <a:noFill/>
+        </p:spPr>
+        <p:txBody>
+          <a:bodyPr wrap="none" rtlCol="0">
+            <a:spAutoFit/>
+          </a:bodyPr>
+          <a:lstStyle/>
+          <a:p>
+            <a:r>
+              <a:rPr kumimoji="1" lang="en-US" altLang="ja-JP" sz="2000" dirty="0" smtClean="0"/>
+              <a:t>request</a:t>
+            </a:r>
+            <a:endParaRPr kumimoji="1" lang="ja-JP" altLang="en-US" sz="2000" dirty="0"/>
+          </a:p>
+        </p:txBody>
+      </p:sp>
+      <p:sp>
+        <p:nvSpPr>
+          <p:cNvPr id="70" name="テキスト ボックス 69"/>
+          <p:cNvSpPr txBox="1"/>
+          <p:nvPr/>
+        </p:nvSpPr>
+        <p:spPr>
+          <a:xfrm>
+            <a:off x="6375116" y="5956854"/>
+            <a:ext cx="763158" cy="400110"/>
+          </a:xfrm>
+          <a:prstGeom prst="rect">
+            <a:avLst/>
+          </a:prstGeom>
+          <a:noFill/>
+        </p:spPr>
+        <p:txBody>
+          <a:bodyPr wrap="none" rtlCol="0">
+            <a:spAutoFit/>
+          </a:bodyPr>
+          <a:lstStyle/>
+          <a:p>
+            <a:r>
+              <a:rPr kumimoji="1" lang="en-US" altLang="ja-JP" sz="2000" dirty="0" smtClean="0"/>
+              <a:t>reuse</a:t>
+            </a:r>
+            <a:endParaRPr kumimoji="1" lang="ja-JP" altLang="en-US" sz="2000" dirty="0"/>
+          </a:p>
+        </p:txBody>
+      </p:sp>
+      <p:sp>
+        <p:nvSpPr>
+          <p:cNvPr id="73" name="角丸四角形 72"/>
+          <p:cNvSpPr/>
+          <p:nvPr/>
+        </p:nvSpPr>
+        <p:spPr>
+          <a:xfrm>
+            <a:off x="8507072" y="402403"/>
+            <a:ext cx="2120307" cy="811315"/>
+          </a:xfrm>
+          <a:prstGeom prst="roundRect">
+            <a:avLst>
+              <a:gd name="adj" fmla="val 21972"/>
+            </a:avLst>
+          </a:prstGeom>
+          <a:noFill/>
+          <a:ln>
+            <a:solidFill>
+              <a:schemeClr val="tx1"/>
+            </a:solidFill>
+          </a:ln>
+        </p:spPr>
+        <p:style>
+          <a:lnRef idx="2">
+            <a:schemeClr val="accent1">
+              <a:shade val="50000"/>
+            </a:schemeClr>
+          </a:lnRef>
+          <a:fillRef idx="1">
+            <a:schemeClr val="accent1"/>
+          </a:fillRef>
+          <a:effectRef idx="0">
+            <a:schemeClr val="accent1"/>
+          </a:effectRef>
+          <a:fontRef idx="minor">
+            <a:schemeClr val="lt1"/>
+          </a:fontRef>
+        </p:style>
+        <p:txBody>
+          <a:bodyPr rtlCol="0" anchor="ctr"/>
+          <a:lstStyle/>
+          <a:p>
+            <a:pPr algn="ctr"/>
+            <a:r>
+              <a:rPr lang="en-US" altLang="ja-JP" sz="2400" dirty="0" smtClean="0">
+                <a:solidFill>
+                  <a:schemeClr val="tx1"/>
+                </a:solidFill>
+              </a:rPr>
+              <a:t>CacheState0</a:t>
+            </a:r>
+          </a:p>
+          <a:p>
+            <a:pPr algn="ctr"/>
+            <a:r>
+              <a:rPr lang="en-US" altLang="ja-JP" sz="2000" dirty="0">
+                <a:solidFill>
+                  <a:schemeClr val="tx1"/>
+                </a:solidFill>
+              </a:rPr>
+              <a:t>[Time0</a:t>
+            </a:r>
+            <a:r>
+              <a:rPr lang="en-US" altLang="ja-JP" sz="2000" dirty="0" smtClean="0">
+                <a:solidFill>
+                  <a:schemeClr val="tx1"/>
+                </a:solidFill>
+              </a:rPr>
+              <a:t>]</a:t>
+            </a:r>
+            <a:endParaRPr lang="en-US" altLang="ja-JP" sz="2000" dirty="0">
+              <a:solidFill>
+                <a:schemeClr val="tx1"/>
+              </a:solidFill>
+            </a:endParaRPr>
+          </a:p>
+        </p:txBody>
+      </p:sp>
+      <p:sp>
+        <p:nvSpPr>
+          <p:cNvPr id="74" name="角丸四角形 73"/>
+          <p:cNvSpPr/>
+          <p:nvPr/>
+        </p:nvSpPr>
+        <p:spPr>
+          <a:xfrm>
+            <a:off x="8507071" y="2151795"/>
+            <a:ext cx="2120307" cy="811315"/>
+          </a:xfrm>
+          <a:prstGeom prst="roundRect">
+            <a:avLst>
+              <a:gd name="adj" fmla="val 21972"/>
+            </a:avLst>
+          </a:prstGeom>
+          <a:noFill/>
+          <a:ln>
+            <a:solidFill>
+              <a:schemeClr val="tx1"/>
+            </a:solidFill>
+          </a:ln>
+        </p:spPr>
+        <p:style>
+          <a:lnRef idx="2">
+            <a:schemeClr val="accent1">
+              <a:shade val="50000"/>
+            </a:schemeClr>
+          </a:lnRef>
+          <a:fillRef idx="1">
+            <a:schemeClr val="accent1"/>
+          </a:fillRef>
+          <a:effectRef idx="0">
+            <a:schemeClr val="accent1"/>
+          </a:effectRef>
+          <a:fontRef idx="minor">
+            <a:schemeClr val="lt1"/>
+          </a:fontRef>
+        </p:style>
+        <p:txBody>
+          <a:bodyPr rtlCol="0" anchor="ctr"/>
+          <a:lstStyle/>
+          <a:p>
+            <a:pPr algn="ctr"/>
+            <a:r>
+              <a:rPr lang="en-US" altLang="ja-JP" sz="2400" dirty="0" smtClean="0">
+                <a:solidFill>
+                  <a:schemeClr val="tx1"/>
+                </a:solidFill>
+              </a:rPr>
+              <a:t>CacheState1</a:t>
+            </a:r>
+          </a:p>
+          <a:p>
+            <a:pPr algn="ctr"/>
+            <a:r>
+              <a:rPr lang="en-US" altLang="ja-JP" sz="2000" dirty="0">
+                <a:solidFill>
+                  <a:schemeClr val="tx1"/>
+                </a:solidFill>
+              </a:rPr>
+              <a:t>[</a:t>
+            </a:r>
+            <a:r>
+              <a:rPr lang="en-US" altLang="ja-JP" sz="2000" dirty="0" smtClean="0">
+                <a:solidFill>
+                  <a:schemeClr val="tx1"/>
+                </a:solidFill>
+              </a:rPr>
+              <a:t>Time1-5]</a:t>
+            </a:r>
+            <a:endParaRPr lang="en-US" altLang="ja-JP" sz="2000" dirty="0">
+              <a:solidFill>
+                <a:schemeClr val="tx1"/>
+              </a:solidFill>
+            </a:endParaRPr>
+          </a:p>
+        </p:txBody>
+      </p:sp>
+      <p:sp>
+        <p:nvSpPr>
+          <p:cNvPr id="95" name="テキスト ボックス 94"/>
+          <p:cNvSpPr txBox="1"/>
+          <p:nvPr/>
+        </p:nvSpPr>
+        <p:spPr>
+          <a:xfrm>
+            <a:off x="7246073" y="643625"/>
+            <a:ext cx="1278170" cy="369332"/>
+          </a:xfrm>
+          <a:prstGeom prst="rect">
+            <a:avLst/>
+          </a:prstGeom>
+          <a:noFill/>
+        </p:spPr>
+        <p:txBody>
+          <a:bodyPr wrap="none" rtlCol="0">
+            <a:spAutoFit/>
+          </a:bodyPr>
+          <a:lstStyle/>
+          <a:p>
+            <a:r>
+              <a:rPr kumimoji="1" lang="en-US" altLang="ja-JP" dirty="0" err="1" smtClean="0"/>
+              <a:t>beforeState</a:t>
+            </a:r>
+            <a:endParaRPr kumimoji="1" lang="ja-JP" altLang="en-US" dirty="0"/>
+          </a:p>
+        </p:txBody>
+      </p:sp>
+      <p:cxnSp>
+        <p:nvCxnSpPr>
+          <p:cNvPr id="96" name="直線矢印コネクタ 95"/>
+          <p:cNvCxnSpPr>
+            <a:stCxn id="38" idx="3"/>
+            <a:endCxn id="73" idx="1"/>
+          </p:cNvCxnSpPr>
+          <p:nvPr/>
+        </p:nvCxnSpPr>
+        <p:spPr>
+          <a:xfrm flipV="1">
+            <a:off x="8289524" y="808061"/>
+            <a:ext cx="217548" cy="390609"/>
+          </a:xfrm>
+          <a:prstGeom prst="straightConnector1">
+            <a:avLst/>
+          </a:prstGeom>
+          <a:ln w="12700">
+            <a:solidFill>
+              <a:schemeClr val="tx1"/>
+            </a:solidFill>
+            <a:prstDash val="solid"/>
+            <a:headEnd w="lg" len="med"/>
+            <a:tailEnd type="triangle" w="med" len="med"/>
+          </a:ln>
+        </p:spPr>
+        <p:style>
+          <a:lnRef idx="1">
+            <a:schemeClr val="accent1"/>
+          </a:lnRef>
+          <a:fillRef idx="0">
+            <a:schemeClr val="accent1"/>
+          </a:fillRef>
+          <a:effectRef idx="0">
+            <a:schemeClr val="accent1"/>
+          </a:effectRef>
+          <a:fontRef idx="minor">
+            <a:schemeClr val="tx1"/>
+          </a:fontRef>
+        </p:style>
+      </p:cxnSp>
+      <p:cxnSp>
+        <p:nvCxnSpPr>
+          <p:cNvPr id="97" name="直線矢印コネクタ 96"/>
+          <p:cNvCxnSpPr>
+            <a:stCxn id="38" idx="3"/>
+            <a:endCxn id="74" idx="1"/>
+          </p:cNvCxnSpPr>
+          <p:nvPr/>
+        </p:nvCxnSpPr>
+        <p:spPr>
+          <a:xfrm>
+            <a:off x="8289524" y="1198670"/>
+            <a:ext cx="217547" cy="1358783"/>
+          </a:xfrm>
+          <a:prstGeom prst="straightConnector1">
+            <a:avLst/>
+          </a:prstGeom>
+          <a:ln w="12700">
+            <a:solidFill>
+              <a:schemeClr val="tx1"/>
+            </a:solidFill>
+            <a:prstDash val="solid"/>
+            <a:headEnd w="lg" len="med"/>
+            <a:tailEnd type="triangle" w="med" len="med"/>
+          </a:ln>
+        </p:spPr>
+        <p:style>
+          <a:lnRef idx="1">
+            <a:schemeClr val="accent1"/>
+          </a:lnRef>
+          <a:fillRef idx="0">
+            <a:schemeClr val="accent1"/>
+          </a:fillRef>
+          <a:effectRef idx="0">
+            <a:schemeClr val="accent1"/>
+          </a:effectRef>
+          <a:fontRef idx="minor">
+            <a:schemeClr val="tx1"/>
+          </a:fontRef>
+        </p:style>
+      </p:cxnSp>
+      <p:sp>
+        <p:nvSpPr>
+          <p:cNvPr id="98" name="テキスト ボックス 97"/>
+          <p:cNvSpPr txBox="1"/>
+          <p:nvPr/>
+        </p:nvSpPr>
+        <p:spPr>
+          <a:xfrm>
+            <a:off x="8333281" y="1543601"/>
+            <a:ext cx="1222129" cy="400110"/>
+          </a:xfrm>
+          <a:prstGeom prst="rect">
+            <a:avLst/>
+          </a:prstGeom>
+          <a:noFill/>
+        </p:spPr>
+        <p:txBody>
+          <a:bodyPr wrap="none" rtlCol="0">
+            <a:spAutoFit/>
+          </a:bodyPr>
+          <a:lstStyle/>
+          <a:p>
+            <a:r>
+              <a:rPr kumimoji="1" lang="en-US" altLang="ja-JP" sz="2000" dirty="0" err="1" smtClean="0"/>
+              <a:t>afterState</a:t>
+            </a:r>
+            <a:endParaRPr kumimoji="1" lang="ja-JP" altLang="en-US" sz="2000" dirty="0"/>
+          </a:p>
+        </p:txBody>
+      </p:sp>
+      <p:cxnSp>
+        <p:nvCxnSpPr>
+          <p:cNvPr id="102" name="カギ線コネクタ 101"/>
+          <p:cNvCxnSpPr>
+            <a:stCxn id="42" idx="3"/>
+            <a:endCxn id="74" idx="2"/>
+          </p:cNvCxnSpPr>
+          <p:nvPr/>
+        </p:nvCxnSpPr>
+        <p:spPr>
+          <a:xfrm flipV="1">
+            <a:off x="9446022" y="2963110"/>
+            <a:ext cx="121203" cy="2664903"/>
+          </a:xfrm>
+          <a:prstGeom prst="bentConnector2">
+            <a:avLst/>
+          </a:prstGeom>
+          <a:ln w="12700">
+            <a:solidFill>
+              <a:schemeClr val="tx1"/>
+            </a:solidFill>
+            <a:prstDash val="solid"/>
+            <a:tailEnd type="triangle" w="sm" len="lg"/>
+          </a:ln>
+        </p:spPr>
+        <p:style>
+          <a:lnRef idx="1">
+            <a:schemeClr val="accent1"/>
+          </a:lnRef>
+          <a:fillRef idx="0">
+            <a:schemeClr val="accent1"/>
+          </a:fillRef>
+          <a:effectRef idx="0">
+            <a:schemeClr val="accent1"/>
+          </a:effectRef>
+          <a:fontRef idx="minor">
+            <a:schemeClr val="tx1"/>
+          </a:fontRef>
+        </p:style>
+      </p:cxnSp>
+      <p:cxnSp>
+        <p:nvCxnSpPr>
+          <p:cNvPr id="107" name="直線矢印コネクタ 106"/>
+          <p:cNvCxnSpPr>
+            <a:stCxn id="74" idx="1"/>
+          </p:cNvCxnSpPr>
+          <p:nvPr/>
+        </p:nvCxnSpPr>
+        <p:spPr>
+          <a:xfrm flipH="1" flipV="1">
+            <a:off x="6180409" y="2092637"/>
+            <a:ext cx="2326662" cy="464816"/>
+          </a:xfrm>
+          <a:prstGeom prst="straightConnector1">
+            <a:avLst/>
+          </a:prstGeom>
+          <a:ln w="28575">
+            <a:solidFill>
+              <a:schemeClr val="tx1"/>
+            </a:solidFill>
+            <a:prstDash val="sysDot"/>
+            <a:headEnd w="lg" len="med"/>
+            <a:tailEnd type="triangle" w="med" len="med"/>
+          </a:ln>
+        </p:spPr>
+        <p:style>
+          <a:lnRef idx="1">
+            <a:schemeClr val="accent1"/>
+          </a:lnRef>
+          <a:fillRef idx="0">
+            <a:schemeClr val="accent1"/>
+          </a:fillRef>
+          <a:effectRef idx="0">
+            <a:schemeClr val="accent1"/>
+          </a:effectRef>
+          <a:fontRef idx="minor">
+            <a:schemeClr val="tx1"/>
+          </a:fontRef>
+        </p:style>
+      </p:cxnSp>
+      <p:sp>
+        <p:nvSpPr>
+          <p:cNvPr id="109" name="正方形/長方形 108"/>
+          <p:cNvSpPr/>
+          <p:nvPr/>
+        </p:nvSpPr>
+        <p:spPr>
+          <a:xfrm>
+            <a:off x="797442" y="1403471"/>
+            <a:ext cx="1703451" cy="369139"/>
+          </a:xfrm>
+          <a:prstGeom prst="rect">
+            <a:avLst/>
+          </a:prstGeom>
+          <a:noFill/>
+          <a:ln>
+            <a:solidFill>
+              <a:schemeClr val="tx1"/>
+            </a:solidFill>
+          </a:ln>
+        </p:spPr>
+        <p:style>
+          <a:lnRef idx="2">
+            <a:schemeClr val="accent1">
+              <a:shade val="50000"/>
+            </a:schemeClr>
+          </a:lnRef>
+          <a:fillRef idx="1">
+            <a:schemeClr val="accent1"/>
+          </a:fillRef>
+          <a:effectRef idx="0">
+            <a:schemeClr val="accent1"/>
+          </a:effectRef>
+          <a:fontRef idx="minor">
+            <a:schemeClr val="lt1"/>
+          </a:fontRef>
+        </p:style>
+        <p:txBody>
+          <a:bodyPr rtlCol="0" anchor="ctr"/>
+          <a:lstStyle/>
+          <a:p>
+            <a:pPr algn="ctr"/>
+            <a:r>
+              <a:rPr kumimoji="1" lang="en-US" altLang="ja-JP" sz="2400" dirty="0" err="1" smtClean="0">
+                <a:solidFill>
+                  <a:schemeClr val="tx1"/>
+                </a:solidFill>
+              </a:rPr>
+              <a:t>EtagHeader</a:t>
+            </a:r>
+            <a:endParaRPr kumimoji="1" lang="ja-JP" altLang="en-US" sz="2400" dirty="0" smtClean="0">
+              <a:solidFill>
+                <a:schemeClr val="tx1"/>
+              </a:solidFill>
+            </a:endParaRPr>
+          </a:p>
+        </p:txBody>
+      </p:sp>
+      <p:sp>
+        <p:nvSpPr>
+          <p:cNvPr id="112" name="正方形/長方形 111"/>
+          <p:cNvSpPr/>
+          <p:nvPr/>
+        </p:nvSpPr>
+        <p:spPr>
+          <a:xfrm>
+            <a:off x="236949" y="3822009"/>
+            <a:ext cx="2315589" cy="369139"/>
+          </a:xfrm>
+          <a:prstGeom prst="rect">
+            <a:avLst/>
+          </a:prstGeom>
+          <a:noFill/>
+          <a:ln>
+            <a:solidFill>
+              <a:schemeClr val="tx1"/>
+            </a:solidFill>
+          </a:ln>
+        </p:spPr>
+        <p:style>
+          <a:lnRef idx="2">
+            <a:schemeClr val="accent1">
+              <a:shade val="50000"/>
+            </a:schemeClr>
+          </a:lnRef>
+          <a:fillRef idx="1">
+            <a:schemeClr val="accent1"/>
+          </a:fillRef>
+          <a:effectRef idx="0">
+            <a:schemeClr val="accent1"/>
+          </a:effectRef>
+          <a:fontRef idx="minor">
+            <a:schemeClr val="lt1"/>
+          </a:fontRef>
+        </p:style>
+        <p:txBody>
+          <a:bodyPr rtlCol="0" anchor="ctr"/>
+          <a:lstStyle/>
+          <a:p>
+            <a:pPr algn="ctr"/>
+            <a:r>
+              <a:rPr kumimoji="1" lang="en-US" altLang="ja-JP" sz="2000" dirty="0" err="1" smtClean="0">
+                <a:solidFill>
+                  <a:schemeClr val="tx1"/>
+                </a:solidFill>
+              </a:rPr>
+              <a:t>IfNoneMatchHeader</a:t>
+            </a:r>
+            <a:endParaRPr kumimoji="1" lang="ja-JP" altLang="en-US" sz="2000" dirty="0" smtClean="0">
+              <a:solidFill>
+                <a:schemeClr val="tx1"/>
+              </a:solidFill>
+            </a:endParaRPr>
+          </a:p>
+        </p:txBody>
+      </p:sp>
+      <p:cxnSp>
+        <p:nvCxnSpPr>
+          <p:cNvPr id="113" name="カギ線コネクタ 112"/>
+          <p:cNvCxnSpPr>
+            <a:stCxn id="54" idx="1"/>
+            <a:endCxn id="46" idx="1"/>
+          </p:cNvCxnSpPr>
+          <p:nvPr/>
+        </p:nvCxnSpPr>
+        <p:spPr>
+          <a:xfrm rot="10800000" flipH="1">
+            <a:off x="3755643" y="1748885"/>
+            <a:ext cx="6227" cy="4516669"/>
+          </a:xfrm>
+          <a:prstGeom prst="bentConnector3">
+            <a:avLst>
+              <a:gd name="adj1" fmla="val -3671110"/>
+            </a:avLst>
+          </a:prstGeom>
+          <a:ln w="12700">
+            <a:solidFill>
+              <a:schemeClr val="tx1"/>
+            </a:solidFill>
+            <a:prstDash val="solid"/>
+            <a:tailEnd type="triangle" w="lg" len="med"/>
+          </a:ln>
+        </p:spPr>
+        <p:style>
+          <a:lnRef idx="1">
+            <a:schemeClr val="accent1"/>
+          </a:lnRef>
+          <a:fillRef idx="0">
+            <a:schemeClr val="accent1"/>
+          </a:fillRef>
+          <a:effectRef idx="0">
+            <a:schemeClr val="accent1"/>
+          </a:effectRef>
+          <a:fontRef idx="minor">
+            <a:schemeClr val="tx1"/>
+          </a:fontRef>
+        </p:style>
+      </p:cxnSp>
+      <p:sp>
+        <p:nvSpPr>
+          <p:cNvPr id="124" name="楕円 123"/>
+          <p:cNvSpPr/>
+          <p:nvPr/>
+        </p:nvSpPr>
+        <p:spPr>
+          <a:xfrm>
+            <a:off x="1035856" y="4917377"/>
+            <a:ext cx="1176411" cy="439756"/>
+          </a:xfrm>
+          <a:prstGeom prst="ellipse">
+            <a:avLst/>
+          </a:prstGeom>
+          <a:noFill/>
+          <a:ln>
+            <a:solidFill>
+              <a:schemeClr val="tx1"/>
+            </a:solidFill>
+          </a:ln>
+        </p:spPr>
+        <p:style>
+          <a:lnRef idx="2">
+            <a:schemeClr val="accent1">
+              <a:shade val="50000"/>
+            </a:schemeClr>
+          </a:lnRef>
+          <a:fillRef idx="1">
+            <a:schemeClr val="accent1"/>
+          </a:fillRef>
+          <a:effectRef idx="0">
+            <a:schemeClr val="accent1"/>
+          </a:effectRef>
+          <a:fontRef idx="minor">
+            <a:schemeClr val="lt1"/>
+          </a:fontRef>
+        </p:style>
+        <p:txBody>
+          <a:bodyPr rtlCol="0" anchor="ctr"/>
+          <a:lstStyle/>
+          <a:p>
+            <a:pPr algn="ctr"/>
+            <a:r>
+              <a:rPr kumimoji="1" lang="en-US" altLang="ja-JP" sz="2800" dirty="0" smtClean="0">
+                <a:solidFill>
+                  <a:schemeClr val="tx1"/>
+                </a:solidFill>
+              </a:rPr>
+              <a:t>304</a:t>
+            </a:r>
+            <a:endParaRPr kumimoji="1" lang="ja-JP" altLang="en-US" sz="2800" dirty="0" smtClean="0">
+              <a:solidFill>
+                <a:schemeClr val="tx1"/>
+              </a:solidFill>
+            </a:endParaRPr>
+          </a:p>
+        </p:txBody>
+      </p:sp>
+      <p:sp>
+        <p:nvSpPr>
+          <p:cNvPr id="125" name="テキスト ボックス 124"/>
+          <p:cNvSpPr txBox="1"/>
+          <p:nvPr/>
+        </p:nvSpPr>
+        <p:spPr>
+          <a:xfrm>
+            <a:off x="2716901" y="5938224"/>
+            <a:ext cx="809324" cy="400110"/>
+          </a:xfrm>
+          <a:prstGeom prst="rect">
+            <a:avLst/>
+          </a:prstGeom>
+          <a:noFill/>
+        </p:spPr>
+        <p:txBody>
+          <a:bodyPr wrap="none" rtlCol="0">
+            <a:spAutoFit/>
+          </a:bodyPr>
+          <a:lstStyle/>
+          <a:p>
+            <a:r>
+              <a:rPr kumimoji="1" lang="en-US" altLang="ja-JP" sz="2000" dirty="0" smtClean="0"/>
+              <a:t>target</a:t>
+            </a:r>
+            <a:endParaRPr kumimoji="1" lang="ja-JP" altLang="en-US" sz="2000" dirty="0"/>
+          </a:p>
+        </p:txBody>
+      </p:sp>
+      <p:cxnSp>
+        <p:nvCxnSpPr>
+          <p:cNvPr id="126" name="直線矢印コネクタ 125"/>
+          <p:cNvCxnSpPr>
+            <a:stCxn id="53" idx="1"/>
+            <a:endCxn id="124" idx="6"/>
+          </p:cNvCxnSpPr>
+          <p:nvPr/>
+        </p:nvCxnSpPr>
+        <p:spPr>
+          <a:xfrm flipH="1">
+            <a:off x="2212267" y="5136705"/>
+            <a:ext cx="1554630" cy="550"/>
+          </a:xfrm>
+          <a:prstGeom prst="straightConnector1">
+            <a:avLst/>
+          </a:prstGeom>
+          <a:ln w="12700">
+            <a:solidFill>
+              <a:schemeClr val="tx1"/>
+            </a:solidFill>
+            <a:prstDash val="solid"/>
+            <a:headEnd w="lg" len="med"/>
+            <a:tailEnd type="triangle" w="med" len="med"/>
+          </a:ln>
+        </p:spPr>
+        <p:style>
+          <a:lnRef idx="1">
+            <a:schemeClr val="accent1"/>
+          </a:lnRef>
+          <a:fillRef idx="0">
+            <a:schemeClr val="accent1"/>
+          </a:fillRef>
+          <a:effectRef idx="0">
+            <a:schemeClr val="accent1"/>
+          </a:effectRef>
+          <a:fontRef idx="minor">
+            <a:schemeClr val="tx1"/>
+          </a:fontRef>
+        </p:style>
+      </p:cxnSp>
+      <p:sp>
+        <p:nvSpPr>
+          <p:cNvPr id="131" name="テキスト ボックス 130"/>
+          <p:cNvSpPr txBox="1"/>
+          <p:nvPr/>
+        </p:nvSpPr>
+        <p:spPr>
+          <a:xfrm>
+            <a:off x="2214047" y="5061965"/>
+            <a:ext cx="1343253" cy="400110"/>
+          </a:xfrm>
+          <a:prstGeom prst="rect">
+            <a:avLst/>
+          </a:prstGeom>
+          <a:noFill/>
+        </p:spPr>
+        <p:txBody>
+          <a:bodyPr wrap="none" rtlCol="0">
+            <a:spAutoFit/>
+          </a:bodyPr>
+          <a:lstStyle/>
+          <a:p>
+            <a:r>
+              <a:rPr kumimoji="1" lang="en-US" altLang="ja-JP" sz="2000" dirty="0" err="1" smtClean="0"/>
+              <a:t>statusCode</a:t>
+            </a:r>
+            <a:endParaRPr kumimoji="1" lang="ja-JP" altLang="en-US" sz="2000" dirty="0"/>
+          </a:p>
+        </p:txBody>
+      </p:sp>
+      <p:sp>
+        <p:nvSpPr>
+          <p:cNvPr id="132" name="テキスト ボックス 131"/>
+          <p:cNvSpPr txBox="1"/>
+          <p:nvPr/>
+        </p:nvSpPr>
+        <p:spPr>
+          <a:xfrm>
+            <a:off x="2573540" y="3935626"/>
+            <a:ext cx="1020279" cy="400110"/>
+          </a:xfrm>
+          <a:prstGeom prst="rect">
+            <a:avLst/>
+          </a:prstGeom>
+          <a:noFill/>
+        </p:spPr>
+        <p:txBody>
+          <a:bodyPr wrap="none" rtlCol="0">
+            <a:spAutoFit/>
+          </a:bodyPr>
+          <a:lstStyle/>
+          <a:p>
+            <a:r>
+              <a:rPr kumimoji="1" lang="en-US" altLang="ja-JP" sz="2000" dirty="0" smtClean="0"/>
+              <a:t>headers</a:t>
+            </a:r>
+            <a:endParaRPr kumimoji="1" lang="ja-JP" altLang="en-US" sz="2000" dirty="0"/>
+          </a:p>
+        </p:txBody>
+      </p:sp>
+      <p:cxnSp>
+        <p:nvCxnSpPr>
+          <p:cNvPr id="134" name="直線矢印コネクタ 133"/>
+          <p:cNvCxnSpPr>
+            <a:stCxn id="51" idx="1"/>
+            <a:endCxn id="112" idx="3"/>
+          </p:cNvCxnSpPr>
+          <p:nvPr/>
+        </p:nvCxnSpPr>
+        <p:spPr>
+          <a:xfrm flipH="1" flipV="1">
+            <a:off x="2552538" y="4006579"/>
+            <a:ext cx="1199748" cy="1"/>
+          </a:xfrm>
+          <a:prstGeom prst="straightConnector1">
+            <a:avLst/>
+          </a:prstGeom>
+          <a:ln w="12700">
+            <a:solidFill>
+              <a:schemeClr val="tx1"/>
+            </a:solidFill>
+            <a:prstDash val="solid"/>
+            <a:headEnd w="lg" len="med"/>
+            <a:tailEnd type="triangle" w="med" len="med"/>
+          </a:ln>
+        </p:spPr>
+        <p:style>
+          <a:lnRef idx="1">
+            <a:schemeClr val="accent1"/>
+          </a:lnRef>
+          <a:fillRef idx="0">
+            <a:schemeClr val="accent1"/>
+          </a:fillRef>
+          <a:effectRef idx="0">
+            <a:schemeClr val="accent1"/>
+          </a:effectRef>
+          <a:fontRef idx="minor">
+            <a:schemeClr val="tx1"/>
+          </a:fontRef>
+        </p:style>
+      </p:cxnSp>
+      <p:sp>
+        <p:nvSpPr>
+          <p:cNvPr id="139" name="テキスト ボックス 138"/>
+          <p:cNvSpPr txBox="1"/>
+          <p:nvPr/>
+        </p:nvSpPr>
+        <p:spPr>
+          <a:xfrm>
+            <a:off x="2547472" y="1284822"/>
+            <a:ext cx="1020279" cy="400110"/>
+          </a:xfrm>
+          <a:prstGeom prst="rect">
+            <a:avLst/>
+          </a:prstGeom>
+          <a:noFill/>
+        </p:spPr>
+        <p:txBody>
+          <a:bodyPr wrap="none" rtlCol="0">
+            <a:spAutoFit/>
+          </a:bodyPr>
+          <a:lstStyle/>
+          <a:p>
+            <a:r>
+              <a:rPr kumimoji="1" lang="en-US" altLang="ja-JP" sz="2000" dirty="0" smtClean="0"/>
+              <a:t>headers</a:t>
+            </a:r>
+            <a:endParaRPr kumimoji="1" lang="ja-JP" altLang="en-US" sz="2000" dirty="0"/>
+          </a:p>
+        </p:txBody>
+      </p:sp>
+      <p:cxnSp>
+        <p:nvCxnSpPr>
+          <p:cNvPr id="140" name="直線矢印コネクタ 139"/>
+          <p:cNvCxnSpPr/>
+          <p:nvPr/>
+        </p:nvCxnSpPr>
+        <p:spPr>
+          <a:xfrm flipH="1" flipV="1">
+            <a:off x="2507122" y="1597905"/>
+            <a:ext cx="1248520" cy="1"/>
+          </a:xfrm>
+          <a:prstGeom prst="straightConnector1">
+            <a:avLst/>
+          </a:prstGeom>
+          <a:ln w="12700">
+            <a:solidFill>
+              <a:schemeClr val="tx1"/>
+            </a:solidFill>
+            <a:prstDash val="solid"/>
+            <a:headEnd w="lg" len="med"/>
+            <a:tailEnd type="triangle" w="med" len="med"/>
+          </a:ln>
+        </p:spPr>
+        <p:style>
+          <a:lnRef idx="1">
+            <a:schemeClr val="accent1"/>
+          </a:lnRef>
+          <a:fillRef idx="0">
+            <a:schemeClr val="accent1"/>
+          </a:fillRef>
+          <a:effectRef idx="0">
+            <a:schemeClr val="accent1"/>
+          </a:effectRef>
+          <a:fontRef idx="minor">
+            <a:schemeClr val="tx1"/>
+          </a:fontRef>
+        </p:style>
+      </p:cxnSp>
+      <p:sp>
+        <p:nvSpPr>
+          <p:cNvPr id="46" name="角丸四角形 45"/>
+          <p:cNvSpPr/>
+          <p:nvPr/>
+        </p:nvSpPr>
+        <p:spPr>
+          <a:xfrm>
+            <a:off x="3761871" y="1258284"/>
+            <a:ext cx="2380331" cy="981199"/>
+          </a:xfrm>
+          <a:prstGeom prst="roundRect">
+            <a:avLst>
+              <a:gd name="adj" fmla="val 21972"/>
+            </a:avLst>
+          </a:prstGeom>
+          <a:solidFill>
+            <a:schemeClr val="bg1">
+              <a:lumMod val="85000"/>
+            </a:schemeClr>
+          </a:solidFill>
+          <a:ln>
+            <a:solidFill>
+              <a:schemeClr val="tx1"/>
+            </a:solidFill>
+          </a:ln>
+        </p:spPr>
+        <p:style>
+          <a:lnRef idx="2">
+            <a:schemeClr val="accent1">
+              <a:shade val="50000"/>
+            </a:schemeClr>
+          </a:lnRef>
+          <a:fillRef idx="1">
+            <a:schemeClr val="accent1"/>
+          </a:fillRef>
+          <a:effectRef idx="0">
+            <a:schemeClr val="accent1"/>
+          </a:effectRef>
+          <a:fontRef idx="minor">
+            <a:schemeClr val="lt1"/>
+          </a:fontRef>
+        </p:style>
+        <p:txBody>
+          <a:bodyPr rtlCol="0" anchor="ctr"/>
+          <a:lstStyle/>
+          <a:p>
+            <a:pPr algn="ctr"/>
+            <a:r>
+              <a:rPr lang="en-US" altLang="ja-JP" sz="2400" dirty="0" smtClean="0">
+                <a:solidFill>
+                  <a:schemeClr val="tx1"/>
+                </a:solidFill>
+              </a:rPr>
+              <a:t>Response0</a:t>
+            </a:r>
+          </a:p>
+          <a:p>
+            <a:pPr algn="ctr"/>
+            <a:r>
+              <a:rPr kumimoji="1" lang="en-US" altLang="ja-JP" sz="2000" dirty="0" smtClean="0">
+                <a:solidFill>
+                  <a:schemeClr val="tx1"/>
+                </a:solidFill>
+              </a:rPr>
+              <a:t>[Time1]</a:t>
+            </a:r>
+          </a:p>
+          <a:p>
+            <a:pPr algn="ctr"/>
+            <a:r>
+              <a:rPr lang="en-US" altLang="ja-JP" sz="2000" dirty="0" smtClean="0">
+                <a:solidFill>
+                  <a:schemeClr val="tx1"/>
+                </a:solidFill>
+              </a:rPr>
+              <a:t>Server </a:t>
+            </a:r>
+            <a:r>
+              <a:rPr lang="ja-JP" altLang="en-US" sz="2000" dirty="0" smtClean="0">
+                <a:solidFill>
+                  <a:schemeClr val="tx1"/>
+                </a:solidFill>
+              </a:rPr>
+              <a:t>→ </a:t>
+            </a:r>
+            <a:r>
+              <a:rPr lang="en-US" altLang="ja-JP" sz="2000" dirty="0" smtClean="0">
+                <a:solidFill>
+                  <a:schemeClr val="tx1"/>
+                </a:solidFill>
+              </a:rPr>
+              <a:t>Browser</a:t>
+            </a:r>
+            <a:endParaRPr kumimoji="1" lang="en-US" altLang="ja-JP" sz="2000" dirty="0" smtClean="0">
+              <a:solidFill>
+                <a:schemeClr val="tx1"/>
+              </a:solidFill>
+            </a:endParaRPr>
+          </a:p>
+        </p:txBody>
+      </p:sp>
+      <p:sp>
+        <p:nvSpPr>
+          <p:cNvPr id="47" name="角丸四角形 46"/>
+          <p:cNvSpPr/>
+          <p:nvPr/>
+        </p:nvSpPr>
+        <p:spPr>
+          <a:xfrm>
+            <a:off x="3750618" y="2387132"/>
+            <a:ext cx="2393364" cy="981199"/>
+          </a:xfrm>
+          <a:prstGeom prst="roundRect">
+            <a:avLst>
+              <a:gd name="adj" fmla="val 21972"/>
+            </a:avLst>
+          </a:prstGeom>
+          <a:solidFill>
+            <a:schemeClr val="bg1">
+              <a:lumMod val="85000"/>
+            </a:schemeClr>
+          </a:solidFill>
+          <a:ln>
+            <a:solidFill>
+              <a:schemeClr val="tx1"/>
+            </a:solidFill>
+          </a:ln>
+        </p:spPr>
+        <p:style>
+          <a:lnRef idx="2">
+            <a:schemeClr val="accent1">
+              <a:shade val="50000"/>
+            </a:schemeClr>
+          </a:lnRef>
+          <a:fillRef idx="1">
+            <a:schemeClr val="accent1"/>
+          </a:fillRef>
+          <a:effectRef idx="0">
+            <a:schemeClr val="accent1"/>
+          </a:effectRef>
+          <a:fontRef idx="minor">
+            <a:schemeClr val="lt1"/>
+          </a:fontRef>
+        </p:style>
+        <p:txBody>
+          <a:bodyPr rtlCol="0" anchor="ctr"/>
+          <a:lstStyle/>
+          <a:p>
+            <a:pPr algn="ctr"/>
+            <a:r>
+              <a:rPr lang="en-US" altLang="ja-JP" sz="2400" dirty="0" smtClean="0">
+                <a:solidFill>
+                  <a:schemeClr val="tx1"/>
+                </a:solidFill>
+              </a:rPr>
+              <a:t>Request2</a:t>
+            </a:r>
+          </a:p>
+          <a:p>
+            <a:pPr algn="ctr"/>
+            <a:r>
+              <a:rPr kumimoji="1" lang="en-US" altLang="ja-JP" sz="2000" dirty="0" smtClean="0">
+                <a:solidFill>
+                  <a:schemeClr val="tx1"/>
+                </a:solidFill>
+              </a:rPr>
+              <a:t>[Time2]</a:t>
+            </a:r>
+          </a:p>
+          <a:p>
+            <a:pPr algn="ctr"/>
+            <a:r>
+              <a:rPr lang="en-US" altLang="ja-JP" sz="2000" dirty="0" smtClean="0">
+                <a:solidFill>
+                  <a:schemeClr val="tx1"/>
+                </a:solidFill>
+              </a:rPr>
+              <a:t>Browser </a:t>
+            </a:r>
+            <a:r>
+              <a:rPr lang="ja-JP" altLang="en-US" sz="2000" dirty="0" smtClean="0">
+                <a:solidFill>
+                  <a:schemeClr val="tx1"/>
+                </a:solidFill>
+              </a:rPr>
+              <a:t>→ </a:t>
+            </a:r>
+            <a:r>
+              <a:rPr lang="en-US" altLang="ja-JP" sz="2000" dirty="0" smtClean="0">
+                <a:solidFill>
+                  <a:schemeClr val="tx1"/>
+                </a:solidFill>
+              </a:rPr>
+              <a:t>Server</a:t>
+            </a:r>
+            <a:endParaRPr kumimoji="1" lang="en-US" altLang="ja-JP" sz="2000" dirty="0" smtClean="0">
+              <a:solidFill>
+                <a:schemeClr val="tx1"/>
+              </a:solidFill>
+            </a:endParaRPr>
+          </a:p>
+        </p:txBody>
+      </p:sp>
+      <p:sp>
+        <p:nvSpPr>
+          <p:cNvPr id="51" name="角丸四角形 50"/>
+          <p:cNvSpPr/>
+          <p:nvPr/>
+        </p:nvSpPr>
+        <p:spPr>
+          <a:xfrm>
+            <a:off x="3752286" y="3515980"/>
+            <a:ext cx="2393364" cy="981199"/>
+          </a:xfrm>
+          <a:prstGeom prst="roundRect">
+            <a:avLst>
+              <a:gd name="adj" fmla="val 21972"/>
+            </a:avLst>
+          </a:prstGeom>
+          <a:solidFill>
+            <a:schemeClr val="bg1">
+              <a:lumMod val="85000"/>
+            </a:schemeClr>
+          </a:solidFill>
+          <a:ln>
+            <a:solidFill>
+              <a:schemeClr val="tx1"/>
+            </a:solidFill>
+          </a:ln>
+        </p:spPr>
+        <p:style>
+          <a:lnRef idx="2">
+            <a:schemeClr val="accent1">
+              <a:shade val="50000"/>
+            </a:schemeClr>
+          </a:lnRef>
+          <a:fillRef idx="1">
+            <a:schemeClr val="accent1"/>
+          </a:fillRef>
+          <a:effectRef idx="0">
+            <a:schemeClr val="accent1"/>
+          </a:effectRef>
+          <a:fontRef idx="minor">
+            <a:schemeClr val="lt1"/>
+          </a:fontRef>
+        </p:style>
+        <p:txBody>
+          <a:bodyPr rtlCol="0" anchor="ctr"/>
+          <a:lstStyle/>
+          <a:p>
+            <a:pPr algn="ctr"/>
+            <a:r>
+              <a:rPr lang="en-US" altLang="ja-JP" sz="2400" dirty="0" smtClean="0">
+                <a:solidFill>
+                  <a:schemeClr val="tx1"/>
+                </a:solidFill>
+              </a:rPr>
+              <a:t>Request1</a:t>
+            </a:r>
+          </a:p>
+          <a:p>
+            <a:pPr algn="ctr"/>
+            <a:r>
+              <a:rPr kumimoji="1" lang="en-US" altLang="ja-JP" sz="2000" dirty="0" smtClean="0">
+                <a:solidFill>
+                  <a:schemeClr val="tx1"/>
+                </a:solidFill>
+              </a:rPr>
+              <a:t>[Time3]</a:t>
+            </a:r>
+          </a:p>
+          <a:p>
+            <a:pPr algn="ctr"/>
+            <a:r>
+              <a:rPr lang="en-US" altLang="ja-JP" sz="2000" dirty="0" smtClean="0">
+                <a:solidFill>
+                  <a:schemeClr val="tx1"/>
+                </a:solidFill>
+              </a:rPr>
+              <a:t>Browser </a:t>
+            </a:r>
+            <a:r>
+              <a:rPr lang="ja-JP" altLang="en-US" sz="2000" dirty="0" smtClean="0">
+                <a:solidFill>
+                  <a:schemeClr val="tx1"/>
+                </a:solidFill>
+              </a:rPr>
+              <a:t>→ </a:t>
+            </a:r>
+            <a:r>
+              <a:rPr lang="en-US" altLang="ja-JP" sz="2000" dirty="0" smtClean="0">
+                <a:solidFill>
+                  <a:schemeClr val="tx1"/>
+                </a:solidFill>
+              </a:rPr>
+              <a:t>Server</a:t>
+            </a:r>
+            <a:endParaRPr kumimoji="1" lang="en-US" altLang="ja-JP" sz="2000" dirty="0" smtClean="0">
+              <a:solidFill>
+                <a:schemeClr val="tx1"/>
+              </a:solidFill>
+            </a:endParaRPr>
+          </a:p>
+        </p:txBody>
+      </p:sp>
+      <p:sp>
+        <p:nvSpPr>
+          <p:cNvPr id="53" name="角丸四角形 52"/>
+          <p:cNvSpPr/>
+          <p:nvPr/>
+        </p:nvSpPr>
+        <p:spPr>
+          <a:xfrm>
+            <a:off x="3766897" y="4646105"/>
+            <a:ext cx="2380331" cy="981199"/>
+          </a:xfrm>
+          <a:prstGeom prst="roundRect">
+            <a:avLst>
+              <a:gd name="adj" fmla="val 21972"/>
+            </a:avLst>
+          </a:prstGeom>
+          <a:solidFill>
+            <a:schemeClr val="bg1">
+              <a:lumMod val="85000"/>
+            </a:schemeClr>
+          </a:solidFill>
+          <a:ln>
+            <a:solidFill>
+              <a:schemeClr val="tx1"/>
+            </a:solidFill>
+          </a:ln>
+        </p:spPr>
+        <p:style>
+          <a:lnRef idx="2">
+            <a:schemeClr val="accent1">
+              <a:shade val="50000"/>
+            </a:schemeClr>
+          </a:lnRef>
+          <a:fillRef idx="1">
+            <a:schemeClr val="accent1"/>
+          </a:fillRef>
+          <a:effectRef idx="0">
+            <a:schemeClr val="accent1"/>
+          </a:effectRef>
+          <a:fontRef idx="minor">
+            <a:schemeClr val="lt1"/>
+          </a:fontRef>
+        </p:style>
+        <p:txBody>
+          <a:bodyPr rtlCol="0" anchor="ctr"/>
+          <a:lstStyle/>
+          <a:p>
+            <a:pPr algn="ctr"/>
+            <a:r>
+              <a:rPr lang="en-US" altLang="ja-JP" sz="2400" dirty="0" smtClean="0">
+                <a:solidFill>
+                  <a:schemeClr val="tx1"/>
+                </a:solidFill>
+              </a:rPr>
+              <a:t>Response1</a:t>
+            </a:r>
+          </a:p>
+          <a:p>
+            <a:pPr algn="ctr"/>
+            <a:r>
+              <a:rPr kumimoji="1" lang="en-US" altLang="ja-JP" sz="2000" dirty="0" smtClean="0">
+                <a:solidFill>
+                  <a:schemeClr val="tx1"/>
+                </a:solidFill>
+              </a:rPr>
+              <a:t>[Time4]</a:t>
+            </a:r>
+          </a:p>
+          <a:p>
+            <a:pPr algn="ctr"/>
+            <a:r>
+              <a:rPr lang="en-US" altLang="ja-JP" sz="2000" dirty="0" smtClean="0">
+                <a:solidFill>
+                  <a:schemeClr val="tx1"/>
+                </a:solidFill>
+              </a:rPr>
+              <a:t>Server </a:t>
+            </a:r>
+            <a:r>
+              <a:rPr lang="ja-JP" altLang="en-US" sz="2000" dirty="0" smtClean="0">
+                <a:solidFill>
+                  <a:schemeClr val="tx1"/>
+                </a:solidFill>
+              </a:rPr>
+              <a:t>→ </a:t>
+            </a:r>
+            <a:r>
+              <a:rPr lang="en-US" altLang="ja-JP" sz="2000" dirty="0" smtClean="0">
+                <a:solidFill>
+                  <a:schemeClr val="tx1"/>
+                </a:solidFill>
+              </a:rPr>
+              <a:t>Browser</a:t>
+            </a:r>
+            <a:endParaRPr kumimoji="1" lang="en-US" altLang="ja-JP" sz="2000" dirty="0" smtClean="0">
+              <a:solidFill>
+                <a:schemeClr val="tx1"/>
+              </a:solidFill>
+            </a:endParaRPr>
+          </a:p>
+        </p:txBody>
+      </p:sp>
+      <p:sp>
+        <p:nvSpPr>
+          <p:cNvPr id="54" name="角丸四角形 53"/>
+          <p:cNvSpPr/>
+          <p:nvPr/>
+        </p:nvSpPr>
+        <p:spPr>
+          <a:xfrm>
+            <a:off x="3755644" y="5774953"/>
+            <a:ext cx="2393364" cy="981199"/>
+          </a:xfrm>
+          <a:prstGeom prst="roundRect">
+            <a:avLst>
+              <a:gd name="adj" fmla="val 21972"/>
+            </a:avLst>
+          </a:prstGeom>
+          <a:solidFill>
+            <a:schemeClr val="bg1">
+              <a:lumMod val="85000"/>
+            </a:schemeClr>
+          </a:solidFill>
+          <a:ln>
+            <a:solidFill>
+              <a:schemeClr val="tx1"/>
+            </a:solidFill>
+          </a:ln>
+        </p:spPr>
+        <p:style>
+          <a:lnRef idx="2">
+            <a:schemeClr val="accent1">
+              <a:shade val="50000"/>
+            </a:schemeClr>
+          </a:lnRef>
+          <a:fillRef idx="1">
+            <a:schemeClr val="accent1"/>
+          </a:fillRef>
+          <a:effectRef idx="0">
+            <a:schemeClr val="accent1"/>
+          </a:effectRef>
+          <a:fontRef idx="minor">
+            <a:schemeClr val="lt1"/>
+          </a:fontRef>
+        </p:style>
+        <p:txBody>
+          <a:bodyPr rtlCol="0" anchor="ctr"/>
+          <a:lstStyle/>
+          <a:p>
+            <a:pPr algn="ctr"/>
+            <a:r>
+              <a:rPr lang="en-US" altLang="ja-JP" sz="2400" dirty="0" smtClean="0">
+                <a:solidFill>
+                  <a:schemeClr val="tx1"/>
+                </a:solidFill>
+              </a:rPr>
+              <a:t>CacheReuse0</a:t>
+            </a:r>
+          </a:p>
+          <a:p>
+            <a:pPr algn="ctr"/>
+            <a:r>
+              <a:rPr kumimoji="1" lang="en-US" altLang="ja-JP" sz="2000" dirty="0" smtClean="0">
+                <a:solidFill>
+                  <a:schemeClr val="tx1"/>
+                </a:solidFill>
+              </a:rPr>
+              <a:t>[Time5]</a:t>
+            </a:r>
+          </a:p>
+          <a:p>
+            <a:pPr algn="ctr"/>
+            <a:r>
+              <a:rPr lang="en-US" altLang="ja-JP" sz="2000" dirty="0" smtClean="0">
+                <a:solidFill>
+                  <a:schemeClr val="tx1"/>
+                </a:solidFill>
+              </a:rPr>
+              <a:t>Browser </a:t>
+            </a:r>
+            <a:r>
+              <a:rPr lang="ja-JP" altLang="en-US" sz="2000" dirty="0" smtClean="0">
+                <a:solidFill>
+                  <a:schemeClr val="tx1"/>
+                </a:solidFill>
+              </a:rPr>
+              <a:t>→ </a:t>
+            </a:r>
+            <a:r>
+              <a:rPr lang="en-US" altLang="ja-JP" sz="2000" dirty="0" smtClean="0">
+                <a:solidFill>
+                  <a:schemeClr val="tx1"/>
+                </a:solidFill>
+              </a:rPr>
+              <a:t>Browser</a:t>
+            </a:r>
+            <a:endParaRPr kumimoji="1" lang="en-US" altLang="ja-JP" sz="2000" dirty="0" smtClean="0">
+              <a:solidFill>
+                <a:schemeClr val="tx1"/>
+              </a:solidFill>
+            </a:endParaRPr>
+          </a:p>
+        </p:txBody>
+      </p:sp>
+      <p:cxnSp>
+        <p:nvCxnSpPr>
+          <p:cNvPr id="63" name="カギ線コネクタ 62"/>
+          <p:cNvCxnSpPr>
+            <a:stCxn id="38" idx="2"/>
+            <a:endCxn id="46" idx="3"/>
+          </p:cNvCxnSpPr>
+          <p:nvPr/>
+        </p:nvCxnSpPr>
+        <p:spPr>
+          <a:xfrm rot="5400000">
+            <a:off x="6531358" y="1029459"/>
+            <a:ext cx="330269" cy="1108580"/>
+          </a:xfrm>
+          <a:prstGeom prst="bentConnector2">
+            <a:avLst/>
+          </a:prstGeom>
+          <a:ln w="12700">
+            <a:solidFill>
+              <a:schemeClr val="tx1"/>
+            </a:solidFill>
+            <a:prstDash val="solid"/>
+            <a:tailEnd type="triangle" w="lg" len="med"/>
+          </a:ln>
+        </p:spPr>
+        <p:style>
+          <a:lnRef idx="1">
+            <a:schemeClr val="accent1"/>
+          </a:lnRef>
+          <a:fillRef idx="0">
+            <a:schemeClr val="accent1"/>
+          </a:fillRef>
+          <a:effectRef idx="0">
+            <a:schemeClr val="accent1"/>
+          </a:effectRef>
+          <a:fontRef idx="minor">
+            <a:schemeClr val="tx1"/>
+          </a:fontRef>
+        </p:style>
+      </p:cxnSp>
+      <p:cxnSp>
+        <p:nvCxnSpPr>
+          <p:cNvPr id="83" name="直線矢印コネクタ 82"/>
+          <p:cNvCxnSpPr>
+            <a:stCxn id="43" idx="3"/>
+            <a:endCxn id="74" idx="2"/>
+          </p:cNvCxnSpPr>
+          <p:nvPr/>
+        </p:nvCxnSpPr>
+        <p:spPr>
+          <a:xfrm flipV="1">
+            <a:off x="8289524" y="2963110"/>
+            <a:ext cx="1277701" cy="1619701"/>
+          </a:xfrm>
+          <a:prstGeom prst="straightConnector1">
+            <a:avLst/>
+          </a:prstGeom>
+          <a:ln w="12700">
+            <a:solidFill>
+              <a:schemeClr val="tx1"/>
+            </a:solidFill>
+            <a:prstDash val="solid"/>
+            <a:headEnd w="lg" len="med"/>
+            <a:tailEnd type="triangle" w="sm" len="lg"/>
+          </a:ln>
+        </p:spPr>
+        <p:style>
+          <a:lnRef idx="1">
+            <a:schemeClr val="accent1"/>
+          </a:lnRef>
+          <a:fillRef idx="0">
+            <a:schemeClr val="accent1"/>
+          </a:fillRef>
+          <a:effectRef idx="0">
+            <a:schemeClr val="accent1"/>
+          </a:effectRef>
+          <a:fontRef idx="minor">
+            <a:schemeClr val="tx1"/>
+          </a:fontRef>
+        </p:style>
+      </p:cxnSp>
+      <p:sp>
+        <p:nvSpPr>
+          <p:cNvPr id="89" name="テキスト ボックス 88"/>
+          <p:cNvSpPr txBox="1"/>
+          <p:nvPr/>
+        </p:nvSpPr>
+        <p:spPr>
+          <a:xfrm>
+            <a:off x="8440341" y="4227896"/>
+            <a:ext cx="1112741" cy="646331"/>
+          </a:xfrm>
+          <a:prstGeom prst="rect">
+            <a:avLst/>
+          </a:prstGeom>
+          <a:noFill/>
+        </p:spPr>
+        <p:txBody>
+          <a:bodyPr wrap="none" rtlCol="0">
+            <a:spAutoFit/>
+          </a:bodyPr>
+          <a:lstStyle/>
+          <a:p>
+            <a:r>
+              <a:rPr kumimoji="1" lang="en-US" altLang="ja-JP" dirty="0" smtClean="0"/>
+              <a:t>before/</a:t>
+            </a:r>
+          </a:p>
+          <a:p>
+            <a:r>
+              <a:rPr kumimoji="1" lang="en-US" altLang="ja-JP" dirty="0" err="1" smtClean="0"/>
+              <a:t>afterState</a:t>
+            </a:r>
+            <a:endParaRPr kumimoji="1" lang="ja-JP" altLang="en-US" dirty="0"/>
+          </a:p>
+        </p:txBody>
+      </p:sp>
+    </p:spTree>
+    <p:extLst>
+      <p:ext uri="{BB962C8B-B14F-4D97-AF65-F5344CB8AC3E}">
+        <p14:creationId xmlns:p14="http://schemas.microsoft.com/office/powerpoint/2010/main" val="1221314292"/>
       </p:ext>
     </p:extLst>
   </p:cSld>

--- a/fig/fig.pptx
+++ b/fig/fig.pptx
@@ -5,7 +5,7 @@
     <p:sldMasterId id="2147483648" r:id="rId1"/>
   </p:sldMasterIdLst>
   <p:notesMasterIdLst>
-    <p:notesMasterId r:id="rId15"/>
+    <p:notesMasterId r:id="rId21"/>
   </p:notesMasterIdLst>
   <p:sldIdLst>
     <p:sldId id="256" r:id="rId2"/>
@@ -21,6 +21,12 @@
     <p:sldId id="268" r:id="rId12"/>
     <p:sldId id="269" r:id="rId13"/>
     <p:sldId id="271" r:id="rId14"/>
+    <p:sldId id="272" r:id="rId15"/>
+    <p:sldId id="273" r:id="rId16"/>
+    <p:sldId id="274" r:id="rId17"/>
+    <p:sldId id="275" r:id="rId18"/>
+    <p:sldId id="276" r:id="rId19"/>
+    <p:sldId id="277" r:id="rId20"/>
   </p:sldIdLst>
   <p:sldSz cx="12192000" cy="6858000"/>
   <p:notesSz cx="6858000" cy="9144000"/>
@@ -209,7 +215,7 @@
           <a:p>
             <a:fld id="{5132F9E5-22C7-4D67-BFE7-9836B898E847}" type="datetimeFigureOut">
               <a:rPr kumimoji="1" lang="ja-JP" altLang="en-US" smtClean="0"/>
-              <a:t>2018/2/9</a:t>
+              <a:t>2018/2/12</a:t>
             </a:fld>
             <a:endParaRPr kumimoji="1" lang="ja-JP" altLang="en-US"/>
           </a:p>
@@ -593,6 +599,90 @@
 </p:notes>
 </file>
 
+<file path=ppt/notesSlides/notesSlide2.xml><?xml version="1.0" encoding="utf-8"?>
+<p:notes xmlns:a="http://schemas.openxmlformats.org/drawingml/2006/main" xmlns:r="http://schemas.openxmlformats.org/officeDocument/2006/relationships" xmlns:p="http://schemas.openxmlformats.org/presentationml/2006/main">
+  <p:cSld>
+    <p:spTree>
+      <p:nvGrpSpPr>
+        <p:cNvPr id="1" name=""/>
+        <p:cNvGrpSpPr/>
+        <p:nvPr/>
+      </p:nvGrpSpPr>
+      <p:grpSpPr>
+        <a:xfrm>
+          <a:off x="0" y="0"/>
+          <a:ext cx="0" cy="0"/>
+          <a:chOff x="0" y="0"/>
+          <a:chExt cx="0" cy="0"/>
+        </a:xfrm>
+      </p:grpSpPr>
+      <p:sp>
+        <p:nvSpPr>
+          <p:cNvPr id="2" name="スライド イメージ プレースホルダー 1"/>
+          <p:cNvSpPr>
+            <a:spLocks noGrp="1" noRot="1" noChangeAspect="1"/>
+          </p:cNvSpPr>
+          <p:nvPr>
+            <p:ph type="sldImg"/>
+          </p:nvPr>
+        </p:nvSpPr>
+        <p:spPr/>
+      </p:sp>
+      <p:sp>
+        <p:nvSpPr>
+          <p:cNvPr id="3" name="ノート プレースホルダー 2"/>
+          <p:cNvSpPr>
+            <a:spLocks noGrp="1"/>
+          </p:cNvSpPr>
+          <p:nvPr>
+            <p:ph type="body" idx="1"/>
+          </p:nvPr>
+        </p:nvSpPr>
+        <p:spPr/>
+        <p:txBody>
+          <a:bodyPr/>
+          <a:lstStyle/>
+          <a:p>
+            <a:endParaRPr kumimoji="1" lang="ja-JP" altLang="en-US" dirty="0"/>
+          </a:p>
+        </p:txBody>
+      </p:sp>
+      <p:sp>
+        <p:nvSpPr>
+          <p:cNvPr id="4" name="スライド番号プレースホルダー 3"/>
+          <p:cNvSpPr>
+            <a:spLocks noGrp="1"/>
+          </p:cNvSpPr>
+          <p:nvPr>
+            <p:ph type="sldNum" sz="quarter" idx="10"/>
+          </p:nvPr>
+        </p:nvSpPr>
+        <p:spPr/>
+        <p:txBody>
+          <a:bodyPr/>
+          <a:lstStyle/>
+          <a:p>
+            <a:fld id="{C0318F1B-9A91-4E6A-A3A3-2BB71CD430DC}" type="slidenum">
+              <a:rPr kumimoji="1" lang="ja-JP" altLang="en-US" smtClean="0"/>
+              <a:t>19</a:t>
+            </a:fld>
+            <a:endParaRPr kumimoji="1" lang="ja-JP" altLang="en-US"/>
+          </a:p>
+        </p:txBody>
+      </p:sp>
+    </p:spTree>
+    <p:extLst>
+      <p:ext uri="{BB962C8B-B14F-4D97-AF65-F5344CB8AC3E}">
+        <p14:creationId xmlns:p14="http://schemas.microsoft.com/office/powerpoint/2010/main" val="2633114215"/>
+      </p:ext>
+    </p:extLst>
+  </p:cSld>
+  <p:clrMapOvr>
+    <a:masterClrMapping/>
+  </p:clrMapOvr>
+</p:notes>
+</file>
+
 <file path=ppt/slideLayouts/slideLayout1.xml><?xml version="1.0" encoding="utf-8"?>
 <p:sldLayout xmlns:a="http://schemas.openxmlformats.org/drawingml/2006/main" xmlns:r="http://schemas.openxmlformats.org/officeDocument/2006/relationships" xmlns:p="http://schemas.openxmlformats.org/presentationml/2006/main" type="title" preserve="1">
   <p:cSld name="タイトル スライド">
@@ -724,7 +814,7 @@
           <a:p>
             <a:fld id="{ABA9A1D1-5B79-412D-8149-C192A605B75C}" type="datetimeFigureOut">
               <a:rPr kumimoji="1" lang="ja-JP" altLang="en-US" smtClean="0"/>
-              <a:t>2018/2/9</a:t>
+              <a:t>2018/2/12</a:t>
             </a:fld>
             <a:endParaRPr kumimoji="1" lang="ja-JP" altLang="en-US"/>
           </a:p>
@@ -926,7 +1016,7 @@
           <a:p>
             <a:fld id="{ABA9A1D1-5B79-412D-8149-C192A605B75C}" type="datetimeFigureOut">
               <a:rPr kumimoji="1" lang="ja-JP" altLang="en-US" smtClean="0"/>
-              <a:t>2018/2/9</a:t>
+              <a:t>2018/2/12</a:t>
             </a:fld>
             <a:endParaRPr kumimoji="1" lang="ja-JP" altLang="en-US"/>
           </a:p>
@@ -1138,7 +1228,7 @@
           <a:p>
             <a:fld id="{ABA9A1D1-5B79-412D-8149-C192A605B75C}" type="datetimeFigureOut">
               <a:rPr kumimoji="1" lang="ja-JP" altLang="en-US" smtClean="0"/>
-              <a:t>2018/2/9</a:t>
+              <a:t>2018/2/12</a:t>
             </a:fld>
             <a:endParaRPr kumimoji="1" lang="ja-JP" altLang="en-US"/>
           </a:p>
@@ -1340,7 +1430,7 @@
           <a:p>
             <a:fld id="{ABA9A1D1-5B79-412D-8149-C192A605B75C}" type="datetimeFigureOut">
               <a:rPr kumimoji="1" lang="ja-JP" altLang="en-US" smtClean="0"/>
-              <a:t>2018/2/9</a:t>
+              <a:t>2018/2/12</a:t>
             </a:fld>
             <a:endParaRPr kumimoji="1" lang="ja-JP" altLang="en-US"/>
           </a:p>
@@ -1586,7 +1676,7 @@
           <a:p>
             <a:fld id="{ABA9A1D1-5B79-412D-8149-C192A605B75C}" type="datetimeFigureOut">
               <a:rPr kumimoji="1" lang="ja-JP" altLang="en-US" smtClean="0"/>
-              <a:t>2018/2/9</a:t>
+              <a:t>2018/2/12</a:t>
             </a:fld>
             <a:endParaRPr kumimoji="1" lang="ja-JP" altLang="en-US"/>
           </a:p>
@@ -1882,7 +1972,7 @@
           <a:p>
             <a:fld id="{ABA9A1D1-5B79-412D-8149-C192A605B75C}" type="datetimeFigureOut">
               <a:rPr kumimoji="1" lang="ja-JP" altLang="en-US" smtClean="0"/>
-              <a:t>2018/2/9</a:t>
+              <a:t>2018/2/12</a:t>
             </a:fld>
             <a:endParaRPr kumimoji="1" lang="ja-JP" altLang="en-US"/>
           </a:p>
@@ -2313,7 +2403,7 @@
           <a:p>
             <a:fld id="{ABA9A1D1-5B79-412D-8149-C192A605B75C}" type="datetimeFigureOut">
               <a:rPr kumimoji="1" lang="ja-JP" altLang="en-US" smtClean="0"/>
-              <a:t>2018/2/9</a:t>
+              <a:t>2018/2/12</a:t>
             </a:fld>
             <a:endParaRPr kumimoji="1" lang="ja-JP" altLang="en-US"/>
           </a:p>
@@ -2431,7 +2521,7 @@
           <a:p>
             <a:fld id="{ABA9A1D1-5B79-412D-8149-C192A605B75C}" type="datetimeFigureOut">
               <a:rPr kumimoji="1" lang="ja-JP" altLang="en-US" smtClean="0"/>
-              <a:t>2018/2/9</a:t>
+              <a:t>2018/2/12</a:t>
             </a:fld>
             <a:endParaRPr kumimoji="1" lang="ja-JP" altLang="en-US"/>
           </a:p>
@@ -2526,7 +2616,7 @@
           <a:p>
             <a:fld id="{ABA9A1D1-5B79-412D-8149-C192A605B75C}" type="datetimeFigureOut">
               <a:rPr kumimoji="1" lang="ja-JP" altLang="en-US" smtClean="0"/>
-              <a:t>2018/2/9</a:t>
+              <a:t>2018/2/12</a:t>
             </a:fld>
             <a:endParaRPr kumimoji="1" lang="ja-JP" altLang="en-US"/>
           </a:p>
@@ -2835,7 +2925,7 @@
           <a:p>
             <a:fld id="{ABA9A1D1-5B79-412D-8149-C192A605B75C}" type="datetimeFigureOut">
               <a:rPr kumimoji="1" lang="ja-JP" altLang="en-US" smtClean="0"/>
-              <a:t>2018/2/9</a:t>
+              <a:t>2018/2/12</a:t>
             </a:fld>
             <a:endParaRPr kumimoji="1" lang="ja-JP" altLang="en-US"/>
           </a:p>
@@ -3088,7 +3178,7 @@
           <a:p>
             <a:fld id="{ABA9A1D1-5B79-412D-8149-C192A605B75C}" type="datetimeFigureOut">
               <a:rPr kumimoji="1" lang="ja-JP" altLang="en-US" smtClean="0"/>
-              <a:t>2018/2/9</a:t>
+              <a:t>2018/2/12</a:t>
             </a:fld>
             <a:endParaRPr kumimoji="1" lang="ja-JP" altLang="en-US"/>
           </a:p>
@@ -3333,7 +3423,7 @@
           <a:p>
             <a:fld id="{ABA9A1D1-5B79-412D-8149-C192A605B75C}" type="datetimeFigureOut">
               <a:rPr kumimoji="1" lang="ja-JP" altLang="en-US" smtClean="0"/>
-              <a:t>2018/2/9</a:t>
+              <a:t>2018/2/12</a:t>
             </a:fld>
             <a:endParaRPr kumimoji="1" lang="ja-JP" altLang="en-US"/>
           </a:p>
@@ -11848,6 +11938,7954 @@
 </p:sld>
 </file>
 
+<file path=ppt/slides/slide14.xml><?xml version="1.0" encoding="utf-8"?>
+<p:sld xmlns:a="http://schemas.openxmlformats.org/drawingml/2006/main" xmlns:r="http://schemas.openxmlformats.org/officeDocument/2006/relationships" xmlns:p="http://schemas.openxmlformats.org/presentationml/2006/main">
+  <p:cSld>
+    <p:spTree>
+      <p:nvGrpSpPr>
+        <p:cNvPr id="1" name=""/>
+        <p:cNvGrpSpPr/>
+        <p:nvPr/>
+      </p:nvGrpSpPr>
+      <p:grpSpPr>
+        <a:xfrm>
+          <a:off x="0" y="0"/>
+          <a:ext cx="0" cy="0"/>
+          <a:chOff x="0" y="0"/>
+          <a:chExt cx="0" cy="0"/>
+        </a:xfrm>
+      </p:grpSpPr>
+      <p:sp>
+        <p:nvSpPr>
+          <p:cNvPr id="99" name="正方形/長方形 98"/>
+          <p:cNvSpPr/>
+          <p:nvPr/>
+        </p:nvSpPr>
+        <p:spPr>
+          <a:xfrm>
+            <a:off x="996041" y="237084"/>
+            <a:ext cx="6935292" cy="3939607"/>
+          </a:xfrm>
+          <a:prstGeom prst="rect">
+            <a:avLst/>
+          </a:prstGeom>
+          <a:solidFill>
+            <a:schemeClr val="bg1"/>
+          </a:solidFill>
+          <a:ln>
+            <a:solidFill>
+              <a:schemeClr val="bg1"/>
+            </a:solidFill>
+          </a:ln>
+        </p:spPr>
+        <p:style>
+          <a:lnRef idx="2">
+            <a:schemeClr val="accent1">
+              <a:shade val="50000"/>
+            </a:schemeClr>
+          </a:lnRef>
+          <a:fillRef idx="1">
+            <a:schemeClr val="accent1"/>
+          </a:fillRef>
+          <a:effectRef idx="0">
+            <a:schemeClr val="accent1"/>
+          </a:effectRef>
+          <a:fontRef idx="minor">
+            <a:schemeClr val="lt1"/>
+          </a:fontRef>
+        </p:style>
+        <p:txBody>
+          <a:bodyPr rot="0" spcFirstLastPara="0" vertOverflow="overflow" horzOverflow="overflow" vert="horz" wrap="square" lIns="91440" tIns="45720" rIns="91440" bIns="45720" numCol="1" spcCol="0" rtlCol="0" fromWordArt="0" anchor="ctr" anchorCtr="0" forceAA="0" compatLnSpc="1">
+            <a:prstTxWarp prst="textNoShape">
+              <a:avLst/>
+            </a:prstTxWarp>
+            <a:noAutofit/>
+          </a:bodyPr>
+          <a:lstStyle/>
+          <a:p>
+            <a:pPr algn="ctr"/>
+            <a:endParaRPr kumimoji="1" lang="ja-JP" altLang="en-US" sz="2000" dirty="0" smtClean="0">
+              <a:solidFill>
+                <a:schemeClr val="tx1"/>
+              </a:solidFill>
+            </a:endParaRPr>
+          </a:p>
+        </p:txBody>
+      </p:sp>
+      <p:sp>
+        <p:nvSpPr>
+          <p:cNvPr id="50" name="正方形/長方形 49"/>
+          <p:cNvSpPr/>
+          <p:nvPr/>
+        </p:nvSpPr>
+        <p:spPr>
+          <a:xfrm>
+            <a:off x="1592496" y="237086"/>
+            <a:ext cx="1333584" cy="455177"/>
+          </a:xfrm>
+          <a:prstGeom prst="rect">
+            <a:avLst/>
+          </a:prstGeom>
+          <a:noFill/>
+          <a:ln>
+            <a:solidFill>
+              <a:schemeClr val="tx1"/>
+            </a:solidFill>
+          </a:ln>
+        </p:spPr>
+        <p:style>
+          <a:lnRef idx="2">
+            <a:schemeClr val="accent1">
+              <a:shade val="50000"/>
+            </a:schemeClr>
+          </a:lnRef>
+          <a:fillRef idx="1">
+            <a:schemeClr val="accent1"/>
+          </a:fillRef>
+          <a:effectRef idx="0">
+            <a:schemeClr val="accent1"/>
+          </a:effectRef>
+          <a:fontRef idx="minor">
+            <a:schemeClr val="lt1"/>
+          </a:fontRef>
+        </p:style>
+        <p:txBody>
+          <a:bodyPr rtlCol="0" anchor="ctr"/>
+          <a:lstStyle/>
+          <a:p>
+            <a:pPr algn="ctr"/>
+            <a:r>
+              <a:rPr kumimoji="1" lang="ja-JP" altLang="en-US" sz="2400" dirty="0" smtClean="0">
+                <a:solidFill>
+                  <a:schemeClr val="tx1"/>
+                </a:solidFill>
+              </a:rPr>
+              <a:t>ブラウザ</a:t>
+            </a:r>
+          </a:p>
+        </p:txBody>
+      </p:sp>
+      <p:sp>
+        <p:nvSpPr>
+          <p:cNvPr id="55" name="正方形/長方形 54"/>
+          <p:cNvSpPr/>
+          <p:nvPr/>
+        </p:nvSpPr>
+        <p:spPr>
+          <a:xfrm>
+            <a:off x="4209423" y="237085"/>
+            <a:ext cx="1181184" cy="455177"/>
+          </a:xfrm>
+          <a:prstGeom prst="rect">
+            <a:avLst/>
+          </a:prstGeom>
+          <a:solidFill>
+            <a:schemeClr val="bg1">
+              <a:lumMod val="50000"/>
+            </a:schemeClr>
+          </a:solidFill>
+          <a:ln>
+            <a:solidFill>
+              <a:schemeClr val="tx1"/>
+            </a:solidFill>
+          </a:ln>
+        </p:spPr>
+        <p:style>
+          <a:lnRef idx="2">
+            <a:schemeClr val="accent1">
+              <a:shade val="50000"/>
+            </a:schemeClr>
+          </a:lnRef>
+          <a:fillRef idx="1">
+            <a:schemeClr val="accent1"/>
+          </a:fillRef>
+          <a:effectRef idx="0">
+            <a:schemeClr val="accent1"/>
+          </a:effectRef>
+          <a:fontRef idx="minor">
+            <a:schemeClr val="lt1"/>
+          </a:fontRef>
+        </p:style>
+        <p:txBody>
+          <a:bodyPr rtlCol="0" anchor="ctr"/>
+          <a:lstStyle/>
+          <a:p>
+            <a:pPr algn="ctr"/>
+            <a:r>
+              <a:rPr lang="ja-JP" altLang="en-US" sz="2400" dirty="0" smtClean="0">
+                <a:solidFill>
+                  <a:schemeClr val="bg1"/>
+                </a:solidFill>
+              </a:rPr>
+              <a:t>中継者</a:t>
+            </a:r>
+            <a:endParaRPr kumimoji="1" lang="ja-JP" altLang="en-US" sz="2400" dirty="0" smtClean="0">
+              <a:solidFill>
+                <a:schemeClr val="bg1"/>
+              </a:solidFill>
+            </a:endParaRPr>
+          </a:p>
+        </p:txBody>
+      </p:sp>
+      <p:sp>
+        <p:nvSpPr>
+          <p:cNvPr id="56" name="正方形/長方形 55"/>
+          <p:cNvSpPr/>
+          <p:nvPr/>
+        </p:nvSpPr>
+        <p:spPr>
+          <a:xfrm>
+            <a:off x="6750149" y="237084"/>
+            <a:ext cx="1181184" cy="455177"/>
+          </a:xfrm>
+          <a:prstGeom prst="rect">
+            <a:avLst/>
+          </a:prstGeom>
+          <a:noFill/>
+          <a:ln>
+            <a:solidFill>
+              <a:schemeClr val="tx1"/>
+            </a:solidFill>
+          </a:ln>
+        </p:spPr>
+        <p:style>
+          <a:lnRef idx="2">
+            <a:schemeClr val="accent1">
+              <a:shade val="50000"/>
+            </a:schemeClr>
+          </a:lnRef>
+          <a:fillRef idx="1">
+            <a:schemeClr val="accent1"/>
+          </a:fillRef>
+          <a:effectRef idx="0">
+            <a:schemeClr val="accent1"/>
+          </a:effectRef>
+          <a:fontRef idx="minor">
+            <a:schemeClr val="lt1"/>
+          </a:fontRef>
+        </p:style>
+        <p:txBody>
+          <a:bodyPr rtlCol="0" anchor="ctr"/>
+          <a:lstStyle/>
+          <a:p>
+            <a:pPr algn="ctr"/>
+            <a:r>
+              <a:rPr lang="ja-JP" altLang="en-US" sz="2400" dirty="0" smtClean="0">
+                <a:solidFill>
+                  <a:schemeClr val="tx1"/>
+                </a:solidFill>
+              </a:rPr>
+              <a:t>サーバ</a:t>
+            </a:r>
+            <a:endParaRPr kumimoji="1" lang="ja-JP" altLang="en-US" sz="2400" dirty="0" smtClean="0">
+              <a:solidFill>
+                <a:schemeClr val="tx1"/>
+              </a:solidFill>
+            </a:endParaRPr>
+          </a:p>
+        </p:txBody>
+      </p:sp>
+      <p:sp>
+        <p:nvSpPr>
+          <p:cNvPr id="4" name="テキスト ボックス 3"/>
+          <p:cNvSpPr txBox="1"/>
+          <p:nvPr/>
+        </p:nvSpPr>
+        <p:spPr>
+          <a:xfrm>
+            <a:off x="2801058" y="747330"/>
+            <a:ext cx="1465466" cy="400110"/>
+          </a:xfrm>
+          <a:prstGeom prst="rect">
+            <a:avLst/>
+          </a:prstGeom>
+          <a:noFill/>
+        </p:spPr>
+        <p:txBody>
+          <a:bodyPr wrap="none" rtlCol="0">
+            <a:spAutoFit/>
+          </a:bodyPr>
+          <a:lstStyle/>
+          <a:p>
+            <a:r>
+              <a:rPr kumimoji="1" lang="ja-JP" altLang="en-US" sz="2000" dirty="0" smtClean="0"/>
+              <a:t>①リクエスト</a:t>
+            </a:r>
+            <a:endParaRPr kumimoji="1" lang="ja-JP" altLang="en-US" sz="2000" dirty="0"/>
+          </a:p>
+        </p:txBody>
+      </p:sp>
+      <p:sp>
+        <p:nvSpPr>
+          <p:cNvPr id="57" name="テキスト ボックス 56"/>
+          <p:cNvSpPr txBox="1"/>
+          <p:nvPr/>
+        </p:nvSpPr>
+        <p:spPr>
+          <a:xfrm>
+            <a:off x="5337643" y="947385"/>
+            <a:ext cx="1465466" cy="400110"/>
+          </a:xfrm>
+          <a:prstGeom prst="rect">
+            <a:avLst/>
+          </a:prstGeom>
+          <a:noFill/>
+        </p:spPr>
+        <p:txBody>
+          <a:bodyPr wrap="none" rtlCol="0">
+            <a:spAutoFit/>
+          </a:bodyPr>
+          <a:lstStyle/>
+          <a:p>
+            <a:r>
+              <a:rPr lang="ja-JP" altLang="en-US" sz="2000" dirty="0"/>
+              <a:t>②</a:t>
+            </a:r>
+            <a:r>
+              <a:rPr kumimoji="1" lang="ja-JP" altLang="en-US" sz="2000" dirty="0" smtClean="0"/>
+              <a:t>リクエスト</a:t>
+            </a:r>
+            <a:endParaRPr kumimoji="1" lang="ja-JP" altLang="en-US" sz="2000" dirty="0"/>
+          </a:p>
+        </p:txBody>
+      </p:sp>
+      <p:sp>
+        <p:nvSpPr>
+          <p:cNvPr id="59" name="テキスト ボックス 58"/>
+          <p:cNvSpPr txBox="1"/>
+          <p:nvPr/>
+        </p:nvSpPr>
+        <p:spPr>
+          <a:xfrm>
+            <a:off x="5276731" y="1480774"/>
+            <a:ext cx="1587294" cy="400110"/>
+          </a:xfrm>
+          <a:prstGeom prst="rect">
+            <a:avLst/>
+          </a:prstGeom>
+          <a:noFill/>
+        </p:spPr>
+        <p:txBody>
+          <a:bodyPr wrap="none" rtlCol="0">
+            <a:spAutoFit/>
+          </a:bodyPr>
+          <a:lstStyle/>
+          <a:p>
+            <a:r>
+              <a:rPr lang="ja-JP" altLang="en-US" sz="2000" dirty="0" smtClean="0"/>
+              <a:t>③レスポンス</a:t>
+            </a:r>
+            <a:endParaRPr kumimoji="1" lang="ja-JP" altLang="en-US" sz="2000" dirty="0"/>
+          </a:p>
+        </p:txBody>
+      </p:sp>
+      <p:sp>
+        <p:nvSpPr>
+          <p:cNvPr id="60" name="テキスト ボックス 59"/>
+          <p:cNvSpPr txBox="1"/>
+          <p:nvPr/>
+        </p:nvSpPr>
+        <p:spPr>
+          <a:xfrm>
+            <a:off x="2371320" y="1602617"/>
+            <a:ext cx="2316660" cy="400110"/>
+          </a:xfrm>
+          <a:prstGeom prst="rect">
+            <a:avLst/>
+          </a:prstGeom>
+          <a:pattFill prst="ltUpDiag">
+            <a:fgClr>
+              <a:schemeClr val="bg1">
+                <a:lumMod val="85000"/>
+              </a:schemeClr>
+            </a:fgClr>
+            <a:bgClr>
+              <a:schemeClr val="bg1"/>
+            </a:bgClr>
+          </a:pattFill>
+        </p:spPr>
+        <p:txBody>
+          <a:bodyPr wrap="none" rtlCol="0">
+            <a:spAutoFit/>
+          </a:bodyPr>
+          <a:lstStyle/>
+          <a:p>
+            <a:r>
+              <a:rPr lang="ja-JP" altLang="en-US" sz="2000" dirty="0"/>
+              <a:t>④</a:t>
+            </a:r>
+            <a:r>
+              <a:rPr lang="ja-JP" altLang="en-US" sz="2000" dirty="0" smtClean="0"/>
+              <a:t>改ざんレスポンス</a:t>
+            </a:r>
+            <a:endParaRPr kumimoji="1" lang="ja-JP" altLang="en-US" sz="2000" dirty="0"/>
+          </a:p>
+        </p:txBody>
+      </p:sp>
+      <p:sp>
+        <p:nvSpPr>
+          <p:cNvPr id="65" name="正方形/長方形 64"/>
+          <p:cNvSpPr/>
+          <p:nvPr/>
+        </p:nvSpPr>
+        <p:spPr>
+          <a:xfrm>
+            <a:off x="1784632" y="4176693"/>
+            <a:ext cx="938247" cy="256927"/>
+          </a:xfrm>
+          <a:prstGeom prst="rect">
+            <a:avLst/>
+          </a:prstGeom>
+          <a:solidFill>
+            <a:schemeClr val="bg1"/>
+          </a:solidFill>
+          <a:ln>
+            <a:solidFill>
+              <a:schemeClr val="bg1"/>
+            </a:solidFill>
+          </a:ln>
+        </p:spPr>
+        <p:style>
+          <a:lnRef idx="2">
+            <a:schemeClr val="accent1">
+              <a:shade val="50000"/>
+            </a:schemeClr>
+          </a:lnRef>
+          <a:fillRef idx="1">
+            <a:schemeClr val="accent1"/>
+          </a:fillRef>
+          <a:effectRef idx="0">
+            <a:schemeClr val="accent1"/>
+          </a:effectRef>
+          <a:fontRef idx="minor">
+            <a:schemeClr val="lt1"/>
+          </a:fontRef>
+        </p:style>
+        <p:txBody>
+          <a:bodyPr rot="0" spcFirstLastPara="0" vertOverflow="overflow" horzOverflow="overflow" vert="horz" wrap="square" lIns="91440" tIns="45720" rIns="91440" bIns="45720" numCol="1" spcCol="0" rtlCol="0" fromWordArt="0" anchor="ctr" anchorCtr="0" forceAA="0" compatLnSpc="1">
+            <a:prstTxWarp prst="textNoShape">
+              <a:avLst/>
+            </a:prstTxWarp>
+            <a:noAutofit/>
+          </a:bodyPr>
+          <a:lstStyle/>
+          <a:p>
+            <a:pPr algn="ctr"/>
+            <a:endParaRPr kumimoji="1" lang="ja-JP" altLang="en-US" sz="2000" dirty="0" smtClean="0">
+              <a:solidFill>
+                <a:schemeClr val="tx1"/>
+              </a:solidFill>
+            </a:endParaRPr>
+          </a:p>
+        </p:txBody>
+      </p:sp>
+      <p:cxnSp>
+        <p:nvCxnSpPr>
+          <p:cNvPr id="6" name="直線コネクタ 5"/>
+          <p:cNvCxnSpPr>
+            <a:stCxn id="50" idx="2"/>
+            <a:endCxn id="65" idx="0"/>
+          </p:cNvCxnSpPr>
+          <p:nvPr/>
+        </p:nvCxnSpPr>
+        <p:spPr>
+          <a:xfrm flipH="1">
+            <a:off x="2253756" y="692263"/>
+            <a:ext cx="5532" cy="3484430"/>
+          </a:xfrm>
+          <a:prstGeom prst="line">
+            <a:avLst/>
+          </a:prstGeom>
+          <a:ln w="25400">
+            <a:solidFill>
+              <a:schemeClr val="tx1"/>
+            </a:solidFill>
+            <a:prstDash val="solid"/>
+            <a:tailEnd type="none"/>
+          </a:ln>
+        </p:spPr>
+        <p:style>
+          <a:lnRef idx="1">
+            <a:schemeClr val="accent1"/>
+          </a:lnRef>
+          <a:fillRef idx="0">
+            <a:schemeClr val="accent1"/>
+          </a:fillRef>
+          <a:effectRef idx="0">
+            <a:schemeClr val="accent1"/>
+          </a:effectRef>
+          <a:fontRef idx="minor">
+            <a:schemeClr val="tx1"/>
+          </a:fontRef>
+        </p:style>
+      </p:cxnSp>
+      <p:sp>
+        <p:nvSpPr>
+          <p:cNvPr id="71" name="正方形/長方形 70"/>
+          <p:cNvSpPr/>
+          <p:nvPr/>
+        </p:nvSpPr>
+        <p:spPr>
+          <a:xfrm>
+            <a:off x="4330891" y="2226189"/>
+            <a:ext cx="938247" cy="256927"/>
+          </a:xfrm>
+          <a:prstGeom prst="rect">
+            <a:avLst/>
+          </a:prstGeom>
+          <a:solidFill>
+            <a:schemeClr val="bg1"/>
+          </a:solidFill>
+          <a:ln>
+            <a:solidFill>
+              <a:schemeClr val="bg1"/>
+            </a:solidFill>
+          </a:ln>
+        </p:spPr>
+        <p:style>
+          <a:lnRef idx="2">
+            <a:schemeClr val="accent1">
+              <a:shade val="50000"/>
+            </a:schemeClr>
+          </a:lnRef>
+          <a:fillRef idx="1">
+            <a:schemeClr val="accent1"/>
+          </a:fillRef>
+          <a:effectRef idx="0">
+            <a:schemeClr val="accent1"/>
+          </a:effectRef>
+          <a:fontRef idx="minor">
+            <a:schemeClr val="lt1"/>
+          </a:fontRef>
+        </p:style>
+        <p:txBody>
+          <a:bodyPr rot="0" spcFirstLastPara="0" vertOverflow="overflow" horzOverflow="overflow" vert="horz" wrap="square" lIns="91440" tIns="45720" rIns="91440" bIns="45720" numCol="1" spcCol="0" rtlCol="0" fromWordArt="0" anchor="ctr" anchorCtr="0" forceAA="0" compatLnSpc="1">
+            <a:prstTxWarp prst="textNoShape">
+              <a:avLst/>
+            </a:prstTxWarp>
+            <a:noAutofit/>
+          </a:bodyPr>
+          <a:lstStyle/>
+          <a:p>
+            <a:pPr algn="ctr"/>
+            <a:endParaRPr kumimoji="1" lang="ja-JP" altLang="en-US" sz="2000" dirty="0" smtClean="0">
+              <a:solidFill>
+                <a:schemeClr val="tx1"/>
+              </a:solidFill>
+            </a:endParaRPr>
+          </a:p>
+        </p:txBody>
+      </p:sp>
+      <p:cxnSp>
+        <p:nvCxnSpPr>
+          <p:cNvPr id="72" name="直線コネクタ 71"/>
+          <p:cNvCxnSpPr>
+            <a:stCxn id="55" idx="2"/>
+            <a:endCxn id="71" idx="0"/>
+          </p:cNvCxnSpPr>
+          <p:nvPr/>
+        </p:nvCxnSpPr>
+        <p:spPr>
+          <a:xfrm>
+            <a:off x="4800015" y="692262"/>
+            <a:ext cx="0" cy="1533927"/>
+          </a:xfrm>
+          <a:prstGeom prst="line">
+            <a:avLst/>
+          </a:prstGeom>
+          <a:ln w="25400">
+            <a:solidFill>
+              <a:schemeClr val="tx1"/>
+            </a:solidFill>
+            <a:prstDash val="solid"/>
+            <a:tailEnd type="none"/>
+          </a:ln>
+        </p:spPr>
+        <p:style>
+          <a:lnRef idx="1">
+            <a:schemeClr val="accent1"/>
+          </a:lnRef>
+          <a:fillRef idx="0">
+            <a:schemeClr val="accent1"/>
+          </a:fillRef>
+          <a:effectRef idx="0">
+            <a:schemeClr val="accent1"/>
+          </a:effectRef>
+          <a:fontRef idx="minor">
+            <a:schemeClr val="tx1"/>
+          </a:fontRef>
+        </p:style>
+      </p:cxnSp>
+      <p:sp>
+        <p:nvSpPr>
+          <p:cNvPr id="75" name="正方形/長方形 74"/>
+          <p:cNvSpPr/>
+          <p:nvPr/>
+        </p:nvSpPr>
+        <p:spPr>
+          <a:xfrm>
+            <a:off x="6871618" y="2223384"/>
+            <a:ext cx="938247" cy="256927"/>
+          </a:xfrm>
+          <a:prstGeom prst="rect">
+            <a:avLst/>
+          </a:prstGeom>
+          <a:solidFill>
+            <a:schemeClr val="bg1"/>
+          </a:solidFill>
+          <a:ln>
+            <a:solidFill>
+              <a:schemeClr val="bg1"/>
+            </a:solidFill>
+          </a:ln>
+        </p:spPr>
+        <p:style>
+          <a:lnRef idx="2">
+            <a:schemeClr val="accent1">
+              <a:shade val="50000"/>
+            </a:schemeClr>
+          </a:lnRef>
+          <a:fillRef idx="1">
+            <a:schemeClr val="accent1"/>
+          </a:fillRef>
+          <a:effectRef idx="0">
+            <a:schemeClr val="accent1"/>
+          </a:effectRef>
+          <a:fontRef idx="minor">
+            <a:schemeClr val="lt1"/>
+          </a:fontRef>
+        </p:style>
+        <p:txBody>
+          <a:bodyPr rot="0" spcFirstLastPara="0" vertOverflow="overflow" horzOverflow="overflow" vert="horz" wrap="square" lIns="91440" tIns="45720" rIns="91440" bIns="45720" numCol="1" spcCol="0" rtlCol="0" fromWordArt="0" anchor="ctr" anchorCtr="0" forceAA="0" compatLnSpc="1">
+            <a:prstTxWarp prst="textNoShape">
+              <a:avLst/>
+            </a:prstTxWarp>
+            <a:noAutofit/>
+          </a:bodyPr>
+          <a:lstStyle/>
+          <a:p>
+            <a:pPr algn="ctr"/>
+            <a:endParaRPr kumimoji="1" lang="ja-JP" altLang="en-US" sz="2000" dirty="0" smtClean="0">
+              <a:solidFill>
+                <a:schemeClr val="tx1"/>
+              </a:solidFill>
+            </a:endParaRPr>
+          </a:p>
+        </p:txBody>
+      </p:sp>
+      <p:cxnSp>
+        <p:nvCxnSpPr>
+          <p:cNvPr id="76" name="直線コネクタ 75"/>
+          <p:cNvCxnSpPr>
+            <a:stCxn id="56" idx="2"/>
+            <a:endCxn id="75" idx="0"/>
+          </p:cNvCxnSpPr>
+          <p:nvPr/>
+        </p:nvCxnSpPr>
+        <p:spPr>
+          <a:xfrm>
+            <a:off x="7340741" y="692261"/>
+            <a:ext cx="1" cy="1531123"/>
+          </a:xfrm>
+          <a:prstGeom prst="line">
+            <a:avLst/>
+          </a:prstGeom>
+          <a:ln w="25400">
+            <a:solidFill>
+              <a:schemeClr val="tx1"/>
+            </a:solidFill>
+            <a:prstDash val="solid"/>
+            <a:tailEnd type="none"/>
+          </a:ln>
+        </p:spPr>
+        <p:style>
+          <a:lnRef idx="1">
+            <a:schemeClr val="accent1"/>
+          </a:lnRef>
+          <a:fillRef idx="0">
+            <a:schemeClr val="accent1"/>
+          </a:fillRef>
+          <a:effectRef idx="0">
+            <a:schemeClr val="accent1"/>
+          </a:effectRef>
+          <a:fontRef idx="minor">
+            <a:schemeClr val="tx1"/>
+          </a:fontRef>
+        </p:style>
+      </p:cxnSp>
+      <p:cxnSp>
+        <p:nvCxnSpPr>
+          <p:cNvPr id="14" name="直線矢印コネクタ 13"/>
+          <p:cNvCxnSpPr/>
+          <p:nvPr/>
+        </p:nvCxnSpPr>
+        <p:spPr>
+          <a:xfrm>
+            <a:off x="2259287" y="1147440"/>
+            <a:ext cx="2540727" cy="0"/>
+          </a:xfrm>
+          <a:prstGeom prst="straightConnector1">
+            <a:avLst/>
+          </a:prstGeom>
+          <a:ln w="25400">
+            <a:solidFill>
+              <a:schemeClr val="tx1"/>
+            </a:solidFill>
+            <a:prstDash val="solid"/>
+            <a:tailEnd type="triangle"/>
+          </a:ln>
+        </p:spPr>
+        <p:style>
+          <a:lnRef idx="1">
+            <a:schemeClr val="accent1"/>
+          </a:lnRef>
+          <a:fillRef idx="0">
+            <a:schemeClr val="accent1"/>
+          </a:fillRef>
+          <a:effectRef idx="0">
+            <a:schemeClr val="accent1"/>
+          </a:effectRef>
+          <a:fontRef idx="minor">
+            <a:schemeClr val="tx1"/>
+          </a:fontRef>
+        </p:style>
+      </p:cxnSp>
+      <p:cxnSp>
+        <p:nvCxnSpPr>
+          <p:cNvPr id="77" name="直線矢印コネクタ 76"/>
+          <p:cNvCxnSpPr/>
+          <p:nvPr/>
+        </p:nvCxnSpPr>
+        <p:spPr>
+          <a:xfrm>
+            <a:off x="4800014" y="1310472"/>
+            <a:ext cx="2540727" cy="0"/>
+          </a:xfrm>
+          <a:prstGeom prst="straightConnector1">
+            <a:avLst/>
+          </a:prstGeom>
+          <a:ln w="25400">
+            <a:solidFill>
+              <a:schemeClr val="tx1"/>
+            </a:solidFill>
+            <a:prstDash val="solid"/>
+            <a:tailEnd type="triangle"/>
+          </a:ln>
+        </p:spPr>
+        <p:style>
+          <a:lnRef idx="1">
+            <a:schemeClr val="accent1"/>
+          </a:lnRef>
+          <a:fillRef idx="0">
+            <a:schemeClr val="accent1"/>
+          </a:fillRef>
+          <a:effectRef idx="0">
+            <a:schemeClr val="accent1"/>
+          </a:effectRef>
+          <a:fontRef idx="minor">
+            <a:schemeClr val="tx1"/>
+          </a:fontRef>
+        </p:style>
+      </p:cxnSp>
+      <p:cxnSp>
+        <p:nvCxnSpPr>
+          <p:cNvPr id="18" name="直線矢印コネクタ 17"/>
+          <p:cNvCxnSpPr/>
+          <p:nvPr/>
+        </p:nvCxnSpPr>
+        <p:spPr>
+          <a:xfrm flipH="1">
+            <a:off x="4800012" y="1860698"/>
+            <a:ext cx="2540729" cy="0"/>
+          </a:xfrm>
+          <a:prstGeom prst="straightConnector1">
+            <a:avLst/>
+          </a:prstGeom>
+          <a:ln w="25400">
+            <a:solidFill>
+              <a:schemeClr val="tx1"/>
+            </a:solidFill>
+            <a:prstDash val="solid"/>
+            <a:tailEnd type="triangle"/>
+          </a:ln>
+        </p:spPr>
+        <p:style>
+          <a:lnRef idx="1">
+            <a:schemeClr val="accent1"/>
+          </a:lnRef>
+          <a:fillRef idx="0">
+            <a:schemeClr val="accent1"/>
+          </a:fillRef>
+          <a:effectRef idx="0">
+            <a:schemeClr val="accent1"/>
+          </a:effectRef>
+          <a:fontRef idx="minor">
+            <a:schemeClr val="tx1"/>
+          </a:fontRef>
+        </p:style>
+      </p:cxnSp>
+      <p:cxnSp>
+        <p:nvCxnSpPr>
+          <p:cNvPr id="80" name="直線矢印コネクタ 79"/>
+          <p:cNvCxnSpPr/>
+          <p:nvPr/>
+        </p:nvCxnSpPr>
+        <p:spPr>
+          <a:xfrm flipH="1">
+            <a:off x="2241109" y="2002465"/>
+            <a:ext cx="2540729" cy="0"/>
+          </a:xfrm>
+          <a:prstGeom prst="straightConnector1">
+            <a:avLst/>
+          </a:prstGeom>
+          <a:ln w="25400">
+            <a:solidFill>
+              <a:schemeClr val="tx1"/>
+            </a:solidFill>
+            <a:prstDash val="solid"/>
+            <a:tailEnd type="triangle"/>
+          </a:ln>
+        </p:spPr>
+        <p:style>
+          <a:lnRef idx="1">
+            <a:schemeClr val="accent1"/>
+          </a:lnRef>
+          <a:fillRef idx="0">
+            <a:schemeClr val="accent1"/>
+          </a:fillRef>
+          <a:effectRef idx="0">
+            <a:schemeClr val="accent1"/>
+          </a:effectRef>
+          <a:fontRef idx="minor">
+            <a:schemeClr val="tx1"/>
+          </a:fontRef>
+        </p:style>
+      </p:cxnSp>
+      <p:sp>
+        <p:nvSpPr>
+          <p:cNvPr id="87" name="テキスト ボックス 86"/>
+          <p:cNvSpPr txBox="1"/>
+          <p:nvPr/>
+        </p:nvSpPr>
+        <p:spPr>
+          <a:xfrm>
+            <a:off x="996041" y="2264173"/>
+            <a:ext cx="2515432" cy="707886"/>
+          </a:xfrm>
+          <a:prstGeom prst="rect">
+            <a:avLst/>
+          </a:prstGeom>
+          <a:pattFill prst="ltUpDiag">
+            <a:fgClr>
+              <a:schemeClr val="bg1">
+                <a:lumMod val="85000"/>
+              </a:schemeClr>
+            </a:fgClr>
+            <a:bgClr>
+              <a:schemeClr val="bg1"/>
+            </a:bgClr>
+          </a:pattFill>
+        </p:spPr>
+        <p:txBody>
+          <a:bodyPr wrap="none" rtlCol="0">
+            <a:spAutoFit/>
+          </a:bodyPr>
+          <a:lstStyle/>
+          <a:p>
+            <a:r>
+              <a:rPr lang="ja-JP" altLang="en-US" sz="2000" dirty="0" smtClean="0"/>
+              <a:t>⑤改ざんレスポンスを</a:t>
+            </a:r>
+            <a:endParaRPr lang="en-US" altLang="ja-JP" sz="2000" dirty="0" smtClean="0"/>
+          </a:p>
+          <a:p>
+            <a:r>
+              <a:rPr lang="ja-JP" altLang="en-US" sz="2000" dirty="0"/>
+              <a:t>　 </a:t>
+            </a:r>
+            <a:r>
+              <a:rPr lang="ja-JP" altLang="en-US" sz="2000" dirty="0" smtClean="0"/>
+              <a:t> キャッシュに格納</a:t>
+            </a:r>
+            <a:endParaRPr kumimoji="1" lang="ja-JP" altLang="en-US" sz="2000" dirty="0"/>
+          </a:p>
+        </p:txBody>
+      </p:sp>
+      <p:sp>
+        <p:nvSpPr>
+          <p:cNvPr id="62" name="テキスト ボックス 61"/>
+          <p:cNvSpPr txBox="1"/>
+          <p:nvPr/>
+        </p:nvSpPr>
+        <p:spPr>
+          <a:xfrm>
+            <a:off x="996041" y="3220433"/>
+            <a:ext cx="3313728" cy="707886"/>
+          </a:xfrm>
+          <a:prstGeom prst="rect">
+            <a:avLst/>
+          </a:prstGeom>
+          <a:pattFill prst="ltUpDiag">
+            <a:fgClr>
+              <a:schemeClr val="bg1">
+                <a:lumMod val="85000"/>
+              </a:schemeClr>
+            </a:fgClr>
+            <a:bgClr>
+              <a:schemeClr val="bg1"/>
+            </a:bgClr>
+          </a:pattFill>
+        </p:spPr>
+        <p:txBody>
+          <a:bodyPr wrap="none" rtlCol="0">
+            <a:spAutoFit/>
+          </a:bodyPr>
+          <a:lstStyle/>
+          <a:p>
+            <a:r>
+              <a:rPr lang="ja-JP" altLang="en-US" sz="2000" dirty="0" smtClean="0"/>
+              <a:t>⑥同じファイルの利用時に</a:t>
+            </a:r>
+            <a:endParaRPr lang="en-US" altLang="ja-JP" sz="2000" dirty="0" smtClean="0"/>
+          </a:p>
+          <a:p>
+            <a:r>
+              <a:rPr kumimoji="1" lang="ja-JP" altLang="en-US" sz="2000" dirty="0"/>
+              <a:t>　</a:t>
+            </a:r>
+            <a:r>
+              <a:rPr kumimoji="1" lang="ja-JP" altLang="en-US" sz="2000" dirty="0" smtClean="0"/>
+              <a:t>  改ざんレスポンスを再利用</a:t>
+            </a:r>
+            <a:endParaRPr kumimoji="1" lang="ja-JP" altLang="en-US" sz="2000" dirty="0"/>
+          </a:p>
+        </p:txBody>
+      </p:sp>
+      <p:pic>
+        <p:nvPicPr>
+          <p:cNvPr id="32" name="図 31"/>
+          <p:cNvPicPr>
+            <a:picLocks noChangeAspect="1"/>
+          </p:cNvPicPr>
+          <p:nvPr/>
+        </p:nvPicPr>
+        <p:blipFill>
+          <a:blip r:embed="rId2" cstate="print">
+            <a:extLst>
+              <a:ext uri="{28A0092B-C50C-407E-A947-70E740481C1C}">
+                <a14:useLocalDpi xmlns:a14="http://schemas.microsoft.com/office/drawing/2010/main" val="0"/>
+              </a:ext>
+            </a:extLst>
+          </a:blip>
+          <a:stretch>
+            <a:fillRect/>
+          </a:stretch>
+        </p:blipFill>
+        <p:spPr>
+          <a:xfrm>
+            <a:off x="5341038" y="234171"/>
+            <a:ext cx="513160" cy="513160"/>
+          </a:xfrm>
+          <a:prstGeom prst="rect">
+            <a:avLst/>
+          </a:prstGeom>
+          <a:effectLst/>
+        </p:spPr>
+      </p:pic>
+    </p:spTree>
+    <p:extLst>
+      <p:ext uri="{BB962C8B-B14F-4D97-AF65-F5344CB8AC3E}">
+        <p14:creationId xmlns:p14="http://schemas.microsoft.com/office/powerpoint/2010/main" val="3191036436"/>
+      </p:ext>
+    </p:extLst>
+  </p:cSld>
+  <p:clrMapOvr>
+    <a:masterClrMapping/>
+  </p:clrMapOvr>
+</p:sld>
+</file>
+
+<file path=ppt/slides/slide15.xml><?xml version="1.0" encoding="utf-8"?>
+<p:sld xmlns:a="http://schemas.openxmlformats.org/drawingml/2006/main" xmlns:r="http://schemas.openxmlformats.org/officeDocument/2006/relationships" xmlns:p="http://schemas.openxmlformats.org/presentationml/2006/main">
+  <p:cSld>
+    <p:spTree>
+      <p:nvGrpSpPr>
+        <p:cNvPr id="1" name=""/>
+        <p:cNvGrpSpPr/>
+        <p:nvPr/>
+      </p:nvGrpSpPr>
+      <p:grpSpPr>
+        <a:xfrm>
+          <a:off x="0" y="0"/>
+          <a:ext cx="0" cy="0"/>
+          <a:chOff x="0" y="0"/>
+          <a:chExt cx="0" cy="0"/>
+        </a:xfrm>
+      </p:grpSpPr>
+      <p:sp>
+        <p:nvSpPr>
+          <p:cNvPr id="37" name="正方形/長方形 36"/>
+          <p:cNvSpPr/>
+          <p:nvPr/>
+        </p:nvSpPr>
+        <p:spPr>
+          <a:xfrm>
+            <a:off x="1592495" y="234172"/>
+            <a:ext cx="6338837" cy="2834946"/>
+          </a:xfrm>
+          <a:prstGeom prst="rect">
+            <a:avLst/>
+          </a:prstGeom>
+          <a:solidFill>
+            <a:schemeClr val="bg1"/>
+          </a:solidFill>
+          <a:ln>
+            <a:solidFill>
+              <a:schemeClr val="bg1"/>
+            </a:solidFill>
+          </a:ln>
+        </p:spPr>
+        <p:style>
+          <a:lnRef idx="2">
+            <a:schemeClr val="accent1">
+              <a:shade val="50000"/>
+            </a:schemeClr>
+          </a:lnRef>
+          <a:fillRef idx="1">
+            <a:schemeClr val="accent1"/>
+          </a:fillRef>
+          <a:effectRef idx="0">
+            <a:schemeClr val="accent1"/>
+          </a:effectRef>
+          <a:fontRef idx="minor">
+            <a:schemeClr val="lt1"/>
+          </a:fontRef>
+        </p:style>
+        <p:txBody>
+          <a:bodyPr rot="0" spcFirstLastPara="0" vertOverflow="overflow" horzOverflow="overflow" vert="horz" wrap="square" lIns="91440" tIns="45720" rIns="91440" bIns="45720" numCol="1" spcCol="0" rtlCol="0" fromWordArt="0" anchor="ctr" anchorCtr="0" forceAA="0" compatLnSpc="1">
+            <a:prstTxWarp prst="textNoShape">
+              <a:avLst/>
+            </a:prstTxWarp>
+            <a:noAutofit/>
+          </a:bodyPr>
+          <a:lstStyle/>
+          <a:p>
+            <a:pPr algn="ctr"/>
+            <a:endParaRPr kumimoji="1" lang="ja-JP" altLang="en-US" sz="2000" dirty="0" smtClean="0">
+              <a:solidFill>
+                <a:schemeClr val="tx1"/>
+              </a:solidFill>
+            </a:endParaRPr>
+          </a:p>
+        </p:txBody>
+      </p:sp>
+      <p:sp>
+        <p:nvSpPr>
+          <p:cNvPr id="50" name="正方形/長方形 49"/>
+          <p:cNvSpPr/>
+          <p:nvPr/>
+        </p:nvSpPr>
+        <p:spPr>
+          <a:xfrm>
+            <a:off x="1592496" y="237086"/>
+            <a:ext cx="1333584" cy="455177"/>
+          </a:xfrm>
+          <a:prstGeom prst="rect">
+            <a:avLst/>
+          </a:prstGeom>
+          <a:noFill/>
+          <a:ln>
+            <a:solidFill>
+              <a:schemeClr val="tx1"/>
+            </a:solidFill>
+          </a:ln>
+        </p:spPr>
+        <p:style>
+          <a:lnRef idx="2">
+            <a:schemeClr val="accent1">
+              <a:shade val="50000"/>
+            </a:schemeClr>
+          </a:lnRef>
+          <a:fillRef idx="1">
+            <a:schemeClr val="accent1"/>
+          </a:fillRef>
+          <a:effectRef idx="0">
+            <a:schemeClr val="accent1"/>
+          </a:effectRef>
+          <a:fontRef idx="minor">
+            <a:schemeClr val="lt1"/>
+          </a:fontRef>
+        </p:style>
+        <p:txBody>
+          <a:bodyPr rtlCol="0" anchor="ctr"/>
+          <a:lstStyle/>
+          <a:p>
+            <a:pPr algn="ctr"/>
+            <a:r>
+              <a:rPr kumimoji="1" lang="ja-JP" altLang="en-US" sz="2400" dirty="0" smtClean="0">
+                <a:solidFill>
+                  <a:schemeClr val="tx1"/>
+                </a:solidFill>
+              </a:rPr>
+              <a:t>ブラウザ</a:t>
+            </a:r>
+          </a:p>
+        </p:txBody>
+      </p:sp>
+      <p:sp>
+        <p:nvSpPr>
+          <p:cNvPr id="55" name="正方形/長方形 54"/>
+          <p:cNvSpPr/>
+          <p:nvPr/>
+        </p:nvSpPr>
+        <p:spPr>
+          <a:xfrm>
+            <a:off x="4209423" y="237085"/>
+            <a:ext cx="1181184" cy="455177"/>
+          </a:xfrm>
+          <a:prstGeom prst="rect">
+            <a:avLst/>
+          </a:prstGeom>
+          <a:solidFill>
+            <a:schemeClr val="bg1">
+              <a:lumMod val="50000"/>
+            </a:schemeClr>
+          </a:solidFill>
+          <a:ln>
+            <a:solidFill>
+              <a:schemeClr val="tx1"/>
+            </a:solidFill>
+          </a:ln>
+        </p:spPr>
+        <p:style>
+          <a:lnRef idx="2">
+            <a:schemeClr val="accent1">
+              <a:shade val="50000"/>
+            </a:schemeClr>
+          </a:lnRef>
+          <a:fillRef idx="1">
+            <a:schemeClr val="accent1"/>
+          </a:fillRef>
+          <a:effectRef idx="0">
+            <a:schemeClr val="accent1"/>
+          </a:effectRef>
+          <a:fontRef idx="minor">
+            <a:schemeClr val="lt1"/>
+          </a:fontRef>
+        </p:style>
+        <p:txBody>
+          <a:bodyPr rtlCol="0" anchor="ctr"/>
+          <a:lstStyle/>
+          <a:p>
+            <a:pPr algn="ctr"/>
+            <a:r>
+              <a:rPr lang="ja-JP" altLang="en-US" sz="2400" dirty="0">
+                <a:solidFill>
+                  <a:schemeClr val="bg1"/>
+                </a:solidFill>
+              </a:rPr>
+              <a:t>サーバ</a:t>
+            </a:r>
+            <a:endParaRPr kumimoji="1" lang="ja-JP" altLang="en-US" sz="2400" dirty="0" smtClean="0">
+              <a:solidFill>
+                <a:schemeClr val="bg1"/>
+              </a:solidFill>
+            </a:endParaRPr>
+          </a:p>
+        </p:txBody>
+      </p:sp>
+      <p:sp>
+        <p:nvSpPr>
+          <p:cNvPr id="56" name="正方形/長方形 55"/>
+          <p:cNvSpPr/>
+          <p:nvPr/>
+        </p:nvSpPr>
+        <p:spPr>
+          <a:xfrm>
+            <a:off x="6750149" y="237084"/>
+            <a:ext cx="1181184" cy="455177"/>
+          </a:xfrm>
+          <a:prstGeom prst="rect">
+            <a:avLst/>
+          </a:prstGeom>
+          <a:noFill/>
+          <a:ln>
+            <a:solidFill>
+              <a:schemeClr val="tx1"/>
+            </a:solidFill>
+          </a:ln>
+        </p:spPr>
+        <p:style>
+          <a:lnRef idx="2">
+            <a:schemeClr val="accent1">
+              <a:shade val="50000"/>
+            </a:schemeClr>
+          </a:lnRef>
+          <a:fillRef idx="1">
+            <a:schemeClr val="accent1"/>
+          </a:fillRef>
+          <a:effectRef idx="0">
+            <a:schemeClr val="accent1"/>
+          </a:effectRef>
+          <a:fontRef idx="minor">
+            <a:schemeClr val="lt1"/>
+          </a:fontRef>
+        </p:style>
+        <p:txBody>
+          <a:bodyPr rtlCol="0" anchor="ctr"/>
+          <a:lstStyle/>
+          <a:p>
+            <a:pPr algn="ctr"/>
+            <a:r>
+              <a:rPr lang="ja-JP" altLang="en-US" sz="2400" dirty="0" smtClean="0">
+                <a:solidFill>
+                  <a:schemeClr val="tx1"/>
+                </a:solidFill>
+              </a:rPr>
+              <a:t>サーバ</a:t>
+            </a:r>
+            <a:endParaRPr kumimoji="1" lang="ja-JP" altLang="en-US" sz="2400" dirty="0" smtClean="0">
+              <a:solidFill>
+                <a:schemeClr val="tx1"/>
+              </a:solidFill>
+            </a:endParaRPr>
+          </a:p>
+        </p:txBody>
+      </p:sp>
+      <p:sp>
+        <p:nvSpPr>
+          <p:cNvPr id="4" name="テキスト ボックス 3"/>
+          <p:cNvSpPr txBox="1"/>
+          <p:nvPr/>
+        </p:nvSpPr>
+        <p:spPr>
+          <a:xfrm>
+            <a:off x="2801058" y="747330"/>
+            <a:ext cx="1465466" cy="400110"/>
+          </a:xfrm>
+          <a:prstGeom prst="rect">
+            <a:avLst/>
+          </a:prstGeom>
+          <a:noFill/>
+        </p:spPr>
+        <p:txBody>
+          <a:bodyPr wrap="none" rtlCol="0">
+            <a:spAutoFit/>
+          </a:bodyPr>
+          <a:lstStyle/>
+          <a:p>
+            <a:r>
+              <a:rPr kumimoji="1" lang="ja-JP" altLang="en-US" sz="2000" dirty="0" smtClean="0"/>
+              <a:t>①リクエスト</a:t>
+            </a:r>
+            <a:endParaRPr kumimoji="1" lang="ja-JP" altLang="en-US" sz="2000" dirty="0"/>
+          </a:p>
+        </p:txBody>
+      </p:sp>
+      <p:sp>
+        <p:nvSpPr>
+          <p:cNvPr id="59" name="テキスト ボックス 58"/>
+          <p:cNvSpPr txBox="1"/>
+          <p:nvPr/>
+        </p:nvSpPr>
+        <p:spPr>
+          <a:xfrm>
+            <a:off x="2800924" y="1931701"/>
+            <a:ext cx="1457450" cy="400110"/>
+          </a:xfrm>
+          <a:prstGeom prst="rect">
+            <a:avLst/>
+          </a:prstGeom>
+          <a:noFill/>
+        </p:spPr>
+        <p:txBody>
+          <a:bodyPr wrap="none" rtlCol="0">
+            <a:spAutoFit/>
+          </a:bodyPr>
+          <a:lstStyle/>
+          <a:p>
+            <a:r>
+              <a:rPr lang="ja-JP" altLang="en-US" sz="2000" dirty="0" smtClean="0"/>
+              <a:t>③リクエスト</a:t>
+            </a:r>
+            <a:endParaRPr kumimoji="1" lang="ja-JP" altLang="en-US" sz="2000" dirty="0"/>
+          </a:p>
+        </p:txBody>
+      </p:sp>
+      <p:sp>
+        <p:nvSpPr>
+          <p:cNvPr id="60" name="テキスト ボックス 59"/>
+          <p:cNvSpPr txBox="1"/>
+          <p:nvPr/>
+        </p:nvSpPr>
+        <p:spPr>
+          <a:xfrm>
+            <a:off x="2736003" y="1336229"/>
+            <a:ext cx="1587294" cy="400110"/>
+          </a:xfrm>
+          <a:prstGeom prst="rect">
+            <a:avLst/>
+          </a:prstGeom>
+          <a:noFill/>
+        </p:spPr>
+        <p:txBody>
+          <a:bodyPr wrap="none" rtlCol="0">
+            <a:spAutoFit/>
+          </a:bodyPr>
+          <a:lstStyle/>
+          <a:p>
+            <a:r>
+              <a:rPr lang="ja-JP" altLang="en-US" sz="2000" dirty="0"/>
+              <a:t>②</a:t>
+            </a:r>
+            <a:r>
+              <a:rPr lang="ja-JP" altLang="en-US" sz="2000" dirty="0" smtClean="0"/>
+              <a:t>レスポンス</a:t>
+            </a:r>
+            <a:endParaRPr kumimoji="1" lang="ja-JP" altLang="en-US" sz="2000" dirty="0"/>
+          </a:p>
+        </p:txBody>
+      </p:sp>
+      <p:sp>
+        <p:nvSpPr>
+          <p:cNvPr id="65" name="正方形/長方形 64"/>
+          <p:cNvSpPr/>
+          <p:nvPr/>
+        </p:nvSpPr>
+        <p:spPr>
+          <a:xfrm>
+            <a:off x="1784449" y="3072382"/>
+            <a:ext cx="938247" cy="256927"/>
+          </a:xfrm>
+          <a:prstGeom prst="rect">
+            <a:avLst/>
+          </a:prstGeom>
+          <a:solidFill>
+            <a:schemeClr val="bg1"/>
+          </a:solidFill>
+          <a:ln>
+            <a:solidFill>
+              <a:schemeClr val="bg1"/>
+            </a:solidFill>
+          </a:ln>
+        </p:spPr>
+        <p:style>
+          <a:lnRef idx="2">
+            <a:schemeClr val="accent1">
+              <a:shade val="50000"/>
+            </a:schemeClr>
+          </a:lnRef>
+          <a:fillRef idx="1">
+            <a:schemeClr val="accent1"/>
+          </a:fillRef>
+          <a:effectRef idx="0">
+            <a:schemeClr val="accent1"/>
+          </a:effectRef>
+          <a:fontRef idx="minor">
+            <a:schemeClr val="lt1"/>
+          </a:fontRef>
+        </p:style>
+        <p:txBody>
+          <a:bodyPr rot="0" spcFirstLastPara="0" vertOverflow="overflow" horzOverflow="overflow" vert="horz" wrap="square" lIns="91440" tIns="45720" rIns="91440" bIns="45720" numCol="1" spcCol="0" rtlCol="0" fromWordArt="0" anchor="ctr" anchorCtr="0" forceAA="0" compatLnSpc="1">
+            <a:prstTxWarp prst="textNoShape">
+              <a:avLst/>
+            </a:prstTxWarp>
+            <a:noAutofit/>
+          </a:bodyPr>
+          <a:lstStyle/>
+          <a:p>
+            <a:pPr algn="ctr"/>
+            <a:endParaRPr kumimoji="1" lang="ja-JP" altLang="en-US" sz="2000" dirty="0" smtClean="0">
+              <a:solidFill>
+                <a:schemeClr val="tx1"/>
+              </a:solidFill>
+            </a:endParaRPr>
+          </a:p>
+        </p:txBody>
+      </p:sp>
+      <p:cxnSp>
+        <p:nvCxnSpPr>
+          <p:cNvPr id="6" name="直線コネクタ 5"/>
+          <p:cNvCxnSpPr>
+            <a:stCxn id="50" idx="2"/>
+            <a:endCxn id="65" idx="0"/>
+          </p:cNvCxnSpPr>
+          <p:nvPr/>
+        </p:nvCxnSpPr>
+        <p:spPr>
+          <a:xfrm flipH="1">
+            <a:off x="2253573" y="692263"/>
+            <a:ext cx="5715" cy="2380119"/>
+          </a:xfrm>
+          <a:prstGeom prst="line">
+            <a:avLst/>
+          </a:prstGeom>
+          <a:ln w="25400">
+            <a:solidFill>
+              <a:schemeClr val="tx1"/>
+            </a:solidFill>
+            <a:prstDash val="solid"/>
+            <a:tailEnd type="none"/>
+          </a:ln>
+        </p:spPr>
+        <p:style>
+          <a:lnRef idx="1">
+            <a:schemeClr val="accent1"/>
+          </a:lnRef>
+          <a:fillRef idx="0">
+            <a:schemeClr val="accent1"/>
+          </a:fillRef>
+          <a:effectRef idx="0">
+            <a:schemeClr val="accent1"/>
+          </a:effectRef>
+          <a:fontRef idx="minor">
+            <a:schemeClr val="tx1"/>
+          </a:fontRef>
+        </p:style>
+      </p:cxnSp>
+      <p:sp>
+        <p:nvSpPr>
+          <p:cNvPr id="71" name="正方形/長方形 70"/>
+          <p:cNvSpPr/>
+          <p:nvPr/>
+        </p:nvSpPr>
+        <p:spPr>
+          <a:xfrm>
+            <a:off x="4330891" y="1944905"/>
+            <a:ext cx="938247" cy="256927"/>
+          </a:xfrm>
+          <a:prstGeom prst="rect">
+            <a:avLst/>
+          </a:prstGeom>
+          <a:solidFill>
+            <a:schemeClr val="bg1"/>
+          </a:solidFill>
+          <a:ln>
+            <a:solidFill>
+              <a:schemeClr val="bg1"/>
+            </a:solidFill>
+          </a:ln>
+        </p:spPr>
+        <p:style>
+          <a:lnRef idx="2">
+            <a:schemeClr val="accent1">
+              <a:shade val="50000"/>
+            </a:schemeClr>
+          </a:lnRef>
+          <a:fillRef idx="1">
+            <a:schemeClr val="accent1"/>
+          </a:fillRef>
+          <a:effectRef idx="0">
+            <a:schemeClr val="accent1"/>
+          </a:effectRef>
+          <a:fontRef idx="minor">
+            <a:schemeClr val="lt1"/>
+          </a:fontRef>
+        </p:style>
+        <p:txBody>
+          <a:bodyPr rot="0" spcFirstLastPara="0" vertOverflow="overflow" horzOverflow="overflow" vert="horz" wrap="square" lIns="91440" tIns="45720" rIns="91440" bIns="45720" numCol="1" spcCol="0" rtlCol="0" fromWordArt="0" anchor="ctr" anchorCtr="0" forceAA="0" compatLnSpc="1">
+            <a:prstTxWarp prst="textNoShape">
+              <a:avLst/>
+            </a:prstTxWarp>
+            <a:noAutofit/>
+          </a:bodyPr>
+          <a:lstStyle/>
+          <a:p>
+            <a:pPr algn="ctr"/>
+            <a:endParaRPr kumimoji="1" lang="ja-JP" altLang="en-US" sz="2000" dirty="0" smtClean="0">
+              <a:solidFill>
+                <a:schemeClr val="tx1"/>
+              </a:solidFill>
+            </a:endParaRPr>
+          </a:p>
+        </p:txBody>
+      </p:sp>
+      <p:cxnSp>
+        <p:nvCxnSpPr>
+          <p:cNvPr id="72" name="直線コネクタ 71"/>
+          <p:cNvCxnSpPr>
+            <a:stCxn id="55" idx="2"/>
+            <a:endCxn id="71" idx="0"/>
+          </p:cNvCxnSpPr>
+          <p:nvPr/>
+        </p:nvCxnSpPr>
+        <p:spPr>
+          <a:xfrm>
+            <a:off x="4800015" y="692262"/>
+            <a:ext cx="0" cy="1252643"/>
+          </a:xfrm>
+          <a:prstGeom prst="line">
+            <a:avLst/>
+          </a:prstGeom>
+          <a:ln w="25400">
+            <a:solidFill>
+              <a:schemeClr val="tx1"/>
+            </a:solidFill>
+            <a:prstDash val="solid"/>
+            <a:tailEnd type="none"/>
+          </a:ln>
+        </p:spPr>
+        <p:style>
+          <a:lnRef idx="1">
+            <a:schemeClr val="accent1"/>
+          </a:lnRef>
+          <a:fillRef idx="0">
+            <a:schemeClr val="accent1"/>
+          </a:fillRef>
+          <a:effectRef idx="0">
+            <a:schemeClr val="accent1"/>
+          </a:effectRef>
+          <a:fontRef idx="minor">
+            <a:schemeClr val="tx1"/>
+          </a:fontRef>
+        </p:style>
+      </p:cxnSp>
+      <p:sp>
+        <p:nvSpPr>
+          <p:cNvPr id="75" name="正方形/長方形 74"/>
+          <p:cNvSpPr/>
+          <p:nvPr/>
+        </p:nvSpPr>
+        <p:spPr>
+          <a:xfrm>
+            <a:off x="6877333" y="3069118"/>
+            <a:ext cx="938247" cy="256927"/>
+          </a:xfrm>
+          <a:prstGeom prst="rect">
+            <a:avLst/>
+          </a:prstGeom>
+          <a:solidFill>
+            <a:schemeClr val="bg1"/>
+          </a:solidFill>
+          <a:ln>
+            <a:solidFill>
+              <a:schemeClr val="bg1"/>
+            </a:solidFill>
+          </a:ln>
+        </p:spPr>
+        <p:style>
+          <a:lnRef idx="2">
+            <a:schemeClr val="accent1">
+              <a:shade val="50000"/>
+            </a:schemeClr>
+          </a:lnRef>
+          <a:fillRef idx="1">
+            <a:schemeClr val="accent1"/>
+          </a:fillRef>
+          <a:effectRef idx="0">
+            <a:schemeClr val="accent1"/>
+          </a:effectRef>
+          <a:fontRef idx="minor">
+            <a:schemeClr val="lt1"/>
+          </a:fontRef>
+        </p:style>
+        <p:txBody>
+          <a:bodyPr rot="0" spcFirstLastPara="0" vertOverflow="overflow" horzOverflow="overflow" vert="horz" wrap="square" lIns="91440" tIns="45720" rIns="91440" bIns="45720" numCol="1" spcCol="0" rtlCol="0" fromWordArt="0" anchor="ctr" anchorCtr="0" forceAA="0" compatLnSpc="1">
+            <a:prstTxWarp prst="textNoShape">
+              <a:avLst/>
+            </a:prstTxWarp>
+            <a:noAutofit/>
+          </a:bodyPr>
+          <a:lstStyle/>
+          <a:p>
+            <a:pPr algn="ctr"/>
+            <a:endParaRPr kumimoji="1" lang="ja-JP" altLang="en-US" sz="2000" dirty="0" smtClean="0">
+              <a:solidFill>
+                <a:schemeClr val="tx1"/>
+              </a:solidFill>
+            </a:endParaRPr>
+          </a:p>
+        </p:txBody>
+      </p:sp>
+      <p:cxnSp>
+        <p:nvCxnSpPr>
+          <p:cNvPr id="76" name="直線コネクタ 75"/>
+          <p:cNvCxnSpPr>
+            <a:stCxn id="56" idx="2"/>
+            <a:endCxn id="75" idx="0"/>
+          </p:cNvCxnSpPr>
+          <p:nvPr/>
+        </p:nvCxnSpPr>
+        <p:spPr>
+          <a:xfrm>
+            <a:off x="7340741" y="692261"/>
+            <a:ext cx="5716" cy="2376857"/>
+          </a:xfrm>
+          <a:prstGeom prst="line">
+            <a:avLst/>
+          </a:prstGeom>
+          <a:ln w="25400">
+            <a:solidFill>
+              <a:schemeClr val="tx1"/>
+            </a:solidFill>
+            <a:prstDash val="solid"/>
+            <a:tailEnd type="none"/>
+          </a:ln>
+        </p:spPr>
+        <p:style>
+          <a:lnRef idx="1">
+            <a:schemeClr val="accent1"/>
+          </a:lnRef>
+          <a:fillRef idx="0">
+            <a:schemeClr val="accent1"/>
+          </a:fillRef>
+          <a:effectRef idx="0">
+            <a:schemeClr val="accent1"/>
+          </a:effectRef>
+          <a:fontRef idx="minor">
+            <a:schemeClr val="tx1"/>
+          </a:fontRef>
+        </p:style>
+      </p:cxnSp>
+      <p:cxnSp>
+        <p:nvCxnSpPr>
+          <p:cNvPr id="14" name="直線矢印コネクタ 13"/>
+          <p:cNvCxnSpPr/>
+          <p:nvPr/>
+        </p:nvCxnSpPr>
+        <p:spPr>
+          <a:xfrm>
+            <a:off x="2259287" y="1147440"/>
+            <a:ext cx="2540727" cy="0"/>
+          </a:xfrm>
+          <a:prstGeom prst="straightConnector1">
+            <a:avLst/>
+          </a:prstGeom>
+          <a:ln w="25400">
+            <a:solidFill>
+              <a:schemeClr val="tx1"/>
+            </a:solidFill>
+            <a:prstDash val="solid"/>
+            <a:tailEnd type="triangle"/>
+          </a:ln>
+        </p:spPr>
+        <p:style>
+          <a:lnRef idx="1">
+            <a:schemeClr val="accent1"/>
+          </a:lnRef>
+          <a:fillRef idx="0">
+            <a:schemeClr val="accent1"/>
+          </a:fillRef>
+          <a:effectRef idx="0">
+            <a:schemeClr val="accent1"/>
+          </a:effectRef>
+          <a:fontRef idx="minor">
+            <a:schemeClr val="tx1"/>
+          </a:fontRef>
+        </p:style>
+      </p:cxnSp>
+      <p:cxnSp>
+        <p:nvCxnSpPr>
+          <p:cNvPr id="77" name="直線矢印コネクタ 76"/>
+          <p:cNvCxnSpPr/>
+          <p:nvPr/>
+        </p:nvCxnSpPr>
+        <p:spPr>
+          <a:xfrm>
+            <a:off x="2263427" y="2297974"/>
+            <a:ext cx="5077314" cy="2648"/>
+          </a:xfrm>
+          <a:prstGeom prst="straightConnector1">
+            <a:avLst/>
+          </a:prstGeom>
+          <a:ln w="25400">
+            <a:solidFill>
+              <a:schemeClr val="tx1"/>
+            </a:solidFill>
+            <a:prstDash val="solid"/>
+            <a:tailEnd type="triangle"/>
+          </a:ln>
+        </p:spPr>
+        <p:style>
+          <a:lnRef idx="1">
+            <a:schemeClr val="accent1"/>
+          </a:lnRef>
+          <a:fillRef idx="0">
+            <a:schemeClr val="accent1"/>
+          </a:fillRef>
+          <a:effectRef idx="0">
+            <a:schemeClr val="accent1"/>
+          </a:effectRef>
+          <a:fontRef idx="minor">
+            <a:schemeClr val="tx1"/>
+          </a:fontRef>
+        </p:style>
+      </p:cxnSp>
+      <p:cxnSp>
+        <p:nvCxnSpPr>
+          <p:cNvPr id="18" name="直線矢印コネクタ 17"/>
+          <p:cNvCxnSpPr/>
+          <p:nvPr/>
+        </p:nvCxnSpPr>
+        <p:spPr>
+          <a:xfrm flipH="1">
+            <a:off x="2259285" y="1725323"/>
+            <a:ext cx="2540729" cy="0"/>
+          </a:xfrm>
+          <a:prstGeom prst="straightConnector1">
+            <a:avLst/>
+          </a:prstGeom>
+          <a:ln w="25400">
+            <a:solidFill>
+              <a:schemeClr val="tx1"/>
+            </a:solidFill>
+            <a:prstDash val="solid"/>
+            <a:tailEnd type="triangle"/>
+          </a:ln>
+        </p:spPr>
+        <p:style>
+          <a:lnRef idx="1">
+            <a:schemeClr val="accent1"/>
+          </a:lnRef>
+          <a:fillRef idx="0">
+            <a:schemeClr val="accent1"/>
+          </a:fillRef>
+          <a:effectRef idx="0">
+            <a:schemeClr val="accent1"/>
+          </a:effectRef>
+          <a:fontRef idx="minor">
+            <a:schemeClr val="tx1"/>
+          </a:fontRef>
+        </p:style>
+      </p:cxnSp>
+      <p:pic>
+        <p:nvPicPr>
+          <p:cNvPr id="32" name="図 31"/>
+          <p:cNvPicPr>
+            <a:picLocks noChangeAspect="1"/>
+          </p:cNvPicPr>
+          <p:nvPr/>
+        </p:nvPicPr>
+        <p:blipFill>
+          <a:blip r:embed="rId2" cstate="print">
+            <a:extLst>
+              <a:ext uri="{28A0092B-C50C-407E-A947-70E740481C1C}">
+                <a14:useLocalDpi xmlns:a14="http://schemas.microsoft.com/office/drawing/2010/main" val="0"/>
+              </a:ext>
+            </a:extLst>
+          </a:blip>
+          <a:stretch>
+            <a:fillRect/>
+          </a:stretch>
+        </p:blipFill>
+        <p:spPr>
+          <a:xfrm>
+            <a:off x="5341038" y="234171"/>
+            <a:ext cx="513160" cy="513160"/>
+          </a:xfrm>
+          <a:prstGeom prst="rect">
+            <a:avLst/>
+          </a:prstGeom>
+          <a:effectLst/>
+        </p:spPr>
+      </p:pic>
+      <p:sp>
+        <p:nvSpPr>
+          <p:cNvPr id="25" name="テキスト ボックス 24"/>
+          <p:cNvSpPr txBox="1"/>
+          <p:nvPr/>
+        </p:nvSpPr>
+        <p:spPr>
+          <a:xfrm>
+            <a:off x="5276731" y="2454112"/>
+            <a:ext cx="1587294" cy="400110"/>
+          </a:xfrm>
+          <a:prstGeom prst="rect">
+            <a:avLst/>
+          </a:prstGeom>
+          <a:noFill/>
+        </p:spPr>
+        <p:txBody>
+          <a:bodyPr wrap="none" rtlCol="0">
+            <a:spAutoFit/>
+          </a:bodyPr>
+          <a:lstStyle/>
+          <a:p>
+            <a:r>
+              <a:rPr lang="ja-JP" altLang="en-US" sz="2000" dirty="0"/>
+              <a:t>④</a:t>
+            </a:r>
+            <a:r>
+              <a:rPr lang="ja-JP" altLang="en-US" sz="2000" dirty="0" smtClean="0"/>
+              <a:t>レスポンス</a:t>
+            </a:r>
+            <a:endParaRPr kumimoji="1" lang="ja-JP" altLang="en-US" sz="2000" dirty="0"/>
+          </a:p>
+        </p:txBody>
+      </p:sp>
+      <p:cxnSp>
+        <p:nvCxnSpPr>
+          <p:cNvPr id="26" name="直線矢印コネクタ 25"/>
+          <p:cNvCxnSpPr/>
+          <p:nvPr/>
+        </p:nvCxnSpPr>
+        <p:spPr>
+          <a:xfrm>
+            <a:off x="2253573" y="2812010"/>
+            <a:ext cx="5077314" cy="2648"/>
+          </a:xfrm>
+          <a:prstGeom prst="straightConnector1">
+            <a:avLst/>
+          </a:prstGeom>
+          <a:ln w="25400">
+            <a:solidFill>
+              <a:schemeClr val="tx1"/>
+            </a:solidFill>
+            <a:prstDash val="solid"/>
+            <a:headEnd type="triangle"/>
+            <a:tailEnd type="none"/>
+          </a:ln>
+        </p:spPr>
+        <p:style>
+          <a:lnRef idx="1">
+            <a:schemeClr val="accent1"/>
+          </a:lnRef>
+          <a:fillRef idx="0">
+            <a:schemeClr val="accent1"/>
+          </a:fillRef>
+          <a:effectRef idx="0">
+            <a:schemeClr val="accent1"/>
+          </a:effectRef>
+          <a:fontRef idx="minor">
+            <a:schemeClr val="tx1"/>
+          </a:fontRef>
+        </p:style>
+      </p:cxnSp>
+      <p:cxnSp>
+        <p:nvCxnSpPr>
+          <p:cNvPr id="13" name="曲線コネクタ 12"/>
+          <p:cNvCxnSpPr>
+            <a:stCxn id="60" idx="1"/>
+            <a:endCxn id="59" idx="1"/>
+          </p:cNvCxnSpPr>
+          <p:nvPr/>
+        </p:nvCxnSpPr>
+        <p:spPr>
+          <a:xfrm rot="10800000" flipH="1" flipV="1">
+            <a:off x="2736002" y="1536284"/>
+            <a:ext cx="64921" cy="595472"/>
+          </a:xfrm>
+          <a:prstGeom prst="curvedConnector3">
+            <a:avLst>
+              <a:gd name="adj1" fmla="val -352120"/>
+            </a:avLst>
+          </a:prstGeom>
+          <a:ln w="25400">
+            <a:solidFill>
+              <a:schemeClr val="tx1"/>
+            </a:solidFill>
+            <a:prstDash val="sysDot"/>
+            <a:tailEnd type="triangle"/>
+          </a:ln>
+        </p:spPr>
+        <p:style>
+          <a:lnRef idx="1">
+            <a:schemeClr val="accent1"/>
+          </a:lnRef>
+          <a:fillRef idx="0">
+            <a:schemeClr val="accent1"/>
+          </a:fillRef>
+          <a:effectRef idx="0">
+            <a:schemeClr val="accent1"/>
+          </a:effectRef>
+          <a:fontRef idx="minor">
+            <a:schemeClr val="tx1"/>
+          </a:fontRef>
+        </p:style>
+      </p:cxnSp>
+    </p:spTree>
+    <p:extLst>
+      <p:ext uri="{BB962C8B-B14F-4D97-AF65-F5344CB8AC3E}">
+        <p14:creationId xmlns:p14="http://schemas.microsoft.com/office/powerpoint/2010/main" val="1106129240"/>
+      </p:ext>
+    </p:extLst>
+  </p:cSld>
+  <p:clrMapOvr>
+    <a:masterClrMapping/>
+  </p:clrMapOvr>
+</p:sld>
+</file>
+
+<file path=ppt/slides/slide16.xml><?xml version="1.0" encoding="utf-8"?>
+<p:sld xmlns:a="http://schemas.openxmlformats.org/drawingml/2006/main" xmlns:r="http://schemas.openxmlformats.org/officeDocument/2006/relationships" xmlns:p="http://schemas.openxmlformats.org/presentationml/2006/main">
+  <p:cSld>
+    <p:spTree>
+      <p:nvGrpSpPr>
+        <p:cNvPr id="1" name=""/>
+        <p:cNvGrpSpPr/>
+        <p:nvPr/>
+      </p:nvGrpSpPr>
+      <p:grpSpPr>
+        <a:xfrm>
+          <a:off x="0" y="0"/>
+          <a:ext cx="0" cy="0"/>
+          <a:chOff x="0" y="0"/>
+          <a:chExt cx="0" cy="0"/>
+        </a:xfrm>
+      </p:grpSpPr>
+      <p:sp>
+        <p:nvSpPr>
+          <p:cNvPr id="72" name="正方形/長方形 71"/>
+          <p:cNvSpPr/>
+          <p:nvPr/>
+        </p:nvSpPr>
+        <p:spPr>
+          <a:xfrm>
+            <a:off x="1854665" y="3458483"/>
+            <a:ext cx="9950500" cy="2276037"/>
+          </a:xfrm>
+          <a:prstGeom prst="rect">
+            <a:avLst/>
+          </a:prstGeom>
+          <a:solidFill>
+            <a:schemeClr val="bg1"/>
+          </a:solidFill>
+          <a:ln>
+            <a:solidFill>
+              <a:schemeClr val="bg1"/>
+            </a:solidFill>
+          </a:ln>
+        </p:spPr>
+        <p:style>
+          <a:lnRef idx="2">
+            <a:schemeClr val="accent1">
+              <a:shade val="50000"/>
+            </a:schemeClr>
+          </a:lnRef>
+          <a:fillRef idx="1">
+            <a:schemeClr val="accent1"/>
+          </a:fillRef>
+          <a:effectRef idx="0">
+            <a:schemeClr val="accent1"/>
+          </a:effectRef>
+          <a:fontRef idx="minor">
+            <a:schemeClr val="lt1"/>
+          </a:fontRef>
+        </p:style>
+        <p:txBody>
+          <a:bodyPr rot="0" spcFirstLastPara="0" vertOverflow="overflow" horzOverflow="overflow" vert="horz" wrap="square" lIns="91440" tIns="45720" rIns="91440" bIns="45720" numCol="1" spcCol="0" rtlCol="0" fromWordArt="0" anchor="ctr" anchorCtr="0" forceAA="0" compatLnSpc="1">
+            <a:prstTxWarp prst="textNoShape">
+              <a:avLst/>
+            </a:prstTxWarp>
+            <a:noAutofit/>
+          </a:bodyPr>
+          <a:lstStyle/>
+          <a:p>
+            <a:pPr algn="ctr"/>
+            <a:endParaRPr kumimoji="1" lang="ja-JP" altLang="en-US" sz="2000" dirty="0" smtClean="0">
+              <a:solidFill>
+                <a:schemeClr val="tx1"/>
+              </a:solidFill>
+            </a:endParaRPr>
+          </a:p>
+        </p:txBody>
+      </p:sp>
+      <p:sp>
+        <p:nvSpPr>
+          <p:cNvPr id="39" name="角丸四角形 38"/>
+          <p:cNvSpPr/>
+          <p:nvPr/>
+        </p:nvSpPr>
+        <p:spPr>
+          <a:xfrm>
+            <a:off x="1854665" y="4753322"/>
+            <a:ext cx="2393364" cy="981199"/>
+          </a:xfrm>
+          <a:prstGeom prst="roundRect">
+            <a:avLst>
+              <a:gd name="adj" fmla="val 21972"/>
+            </a:avLst>
+          </a:prstGeom>
+          <a:solidFill>
+            <a:schemeClr val="bg1">
+              <a:lumMod val="85000"/>
+            </a:schemeClr>
+          </a:solidFill>
+          <a:ln>
+            <a:solidFill>
+              <a:schemeClr val="tx1"/>
+            </a:solidFill>
+          </a:ln>
+        </p:spPr>
+        <p:style>
+          <a:lnRef idx="2">
+            <a:schemeClr val="accent1">
+              <a:shade val="50000"/>
+            </a:schemeClr>
+          </a:lnRef>
+          <a:fillRef idx="1">
+            <a:schemeClr val="accent1"/>
+          </a:fillRef>
+          <a:effectRef idx="0">
+            <a:schemeClr val="accent1"/>
+          </a:effectRef>
+          <a:fontRef idx="minor">
+            <a:schemeClr val="lt1"/>
+          </a:fontRef>
+        </p:style>
+        <p:txBody>
+          <a:bodyPr rtlCol="0" anchor="ctr"/>
+          <a:lstStyle/>
+          <a:p>
+            <a:pPr algn="ctr"/>
+            <a:r>
+              <a:rPr lang="en-US" altLang="ja-JP" sz="2400" dirty="0" smtClean="0">
+                <a:solidFill>
+                  <a:schemeClr val="tx1"/>
+                </a:solidFill>
+              </a:rPr>
+              <a:t>Request0</a:t>
+            </a:r>
+          </a:p>
+          <a:p>
+            <a:pPr algn="ctr"/>
+            <a:r>
+              <a:rPr kumimoji="1" lang="en-US" altLang="ja-JP" sz="2000" dirty="0" smtClean="0">
+                <a:solidFill>
+                  <a:schemeClr val="tx1"/>
+                </a:solidFill>
+              </a:rPr>
+              <a:t>[Time0]</a:t>
+            </a:r>
+          </a:p>
+          <a:p>
+            <a:pPr algn="ctr"/>
+            <a:r>
+              <a:rPr lang="en-US" altLang="ja-JP" sz="2000" dirty="0" smtClean="0">
+                <a:solidFill>
+                  <a:schemeClr val="tx1"/>
+                </a:solidFill>
+              </a:rPr>
+              <a:t>Browser </a:t>
+            </a:r>
+            <a:r>
+              <a:rPr lang="ja-JP" altLang="en-US" sz="2000" dirty="0" smtClean="0">
+                <a:solidFill>
+                  <a:schemeClr val="tx1"/>
+                </a:solidFill>
+              </a:rPr>
+              <a:t>→ </a:t>
+            </a:r>
+            <a:r>
+              <a:rPr lang="en-US" altLang="ja-JP" sz="2000" dirty="0" smtClean="0">
+                <a:solidFill>
+                  <a:schemeClr val="tx1"/>
+                </a:solidFill>
+              </a:rPr>
+              <a:t>Server0</a:t>
+            </a:r>
+            <a:endParaRPr kumimoji="1" lang="en-US" altLang="ja-JP" sz="2000" dirty="0" smtClean="0">
+              <a:solidFill>
+                <a:schemeClr val="tx1"/>
+              </a:solidFill>
+            </a:endParaRPr>
+          </a:p>
+        </p:txBody>
+      </p:sp>
+      <p:sp>
+        <p:nvSpPr>
+          <p:cNvPr id="94" name="テキスト ボックス 93"/>
+          <p:cNvSpPr txBox="1"/>
+          <p:nvPr/>
+        </p:nvSpPr>
+        <p:spPr>
+          <a:xfrm>
+            <a:off x="5540426" y="4049987"/>
+            <a:ext cx="1133452" cy="400110"/>
+          </a:xfrm>
+          <a:prstGeom prst="rect">
+            <a:avLst/>
+          </a:prstGeom>
+          <a:noFill/>
+        </p:spPr>
+        <p:txBody>
+          <a:bodyPr wrap="none" rtlCol="0">
+            <a:spAutoFit/>
+          </a:bodyPr>
+          <a:lstStyle/>
+          <a:p>
+            <a:r>
+              <a:rPr kumimoji="1" lang="en-US" altLang="ja-JP" sz="2000" dirty="0" smtClean="0"/>
+              <a:t>response</a:t>
+            </a:r>
+            <a:endParaRPr kumimoji="1" lang="ja-JP" altLang="en-US" sz="2000" dirty="0"/>
+          </a:p>
+        </p:txBody>
+      </p:sp>
+      <p:sp>
+        <p:nvSpPr>
+          <p:cNvPr id="38" name="正方形/長方形 37"/>
+          <p:cNvSpPr/>
+          <p:nvPr/>
+        </p:nvSpPr>
+        <p:spPr>
+          <a:xfrm>
+            <a:off x="3275962" y="4010206"/>
+            <a:ext cx="2077484" cy="439891"/>
+          </a:xfrm>
+          <a:prstGeom prst="rect">
+            <a:avLst/>
+          </a:prstGeom>
+          <a:noFill/>
+          <a:ln>
+            <a:solidFill>
+              <a:schemeClr val="tx1"/>
+            </a:solidFill>
+          </a:ln>
+        </p:spPr>
+        <p:style>
+          <a:lnRef idx="2">
+            <a:schemeClr val="accent1">
+              <a:shade val="50000"/>
+            </a:schemeClr>
+          </a:lnRef>
+          <a:fillRef idx="1">
+            <a:schemeClr val="accent1"/>
+          </a:fillRef>
+          <a:effectRef idx="0">
+            <a:schemeClr val="accent1"/>
+          </a:effectRef>
+          <a:fontRef idx="minor">
+            <a:schemeClr val="lt1"/>
+          </a:fontRef>
+        </p:style>
+        <p:txBody>
+          <a:bodyPr rtlCol="0" anchor="ctr"/>
+          <a:lstStyle/>
+          <a:p>
+            <a:pPr algn="ctr"/>
+            <a:r>
+              <a:rPr lang="en-US" altLang="ja-JP" sz="2000" dirty="0" smtClean="0">
+                <a:solidFill>
+                  <a:schemeClr val="tx1"/>
+                </a:solidFill>
+              </a:rPr>
+              <a:t>HTTPTransaction0</a:t>
+            </a:r>
+            <a:endParaRPr kumimoji="1" lang="ja-JP" altLang="en-US" sz="2000" dirty="0" smtClean="0">
+              <a:solidFill>
+                <a:schemeClr val="tx1"/>
+              </a:solidFill>
+            </a:endParaRPr>
+          </a:p>
+        </p:txBody>
+      </p:sp>
+      <p:sp>
+        <p:nvSpPr>
+          <p:cNvPr id="43" name="正方形/長方形 42"/>
+          <p:cNvSpPr/>
+          <p:nvPr/>
+        </p:nvSpPr>
+        <p:spPr>
+          <a:xfrm>
+            <a:off x="8287011" y="4010206"/>
+            <a:ext cx="2044041" cy="439891"/>
+          </a:xfrm>
+          <a:prstGeom prst="rect">
+            <a:avLst/>
+          </a:prstGeom>
+          <a:noFill/>
+          <a:ln>
+            <a:solidFill>
+              <a:schemeClr val="tx1"/>
+            </a:solidFill>
+          </a:ln>
+        </p:spPr>
+        <p:style>
+          <a:lnRef idx="2">
+            <a:schemeClr val="accent1">
+              <a:shade val="50000"/>
+            </a:schemeClr>
+          </a:lnRef>
+          <a:fillRef idx="1">
+            <a:schemeClr val="accent1"/>
+          </a:fillRef>
+          <a:effectRef idx="0">
+            <a:schemeClr val="accent1"/>
+          </a:effectRef>
+          <a:fontRef idx="minor">
+            <a:schemeClr val="lt1"/>
+          </a:fontRef>
+        </p:style>
+        <p:txBody>
+          <a:bodyPr rtlCol="0" anchor="ctr"/>
+          <a:lstStyle/>
+          <a:p>
+            <a:pPr algn="ctr"/>
+            <a:r>
+              <a:rPr lang="en-US" altLang="ja-JP" sz="2000" dirty="0" smtClean="0">
+                <a:solidFill>
+                  <a:schemeClr val="tx1"/>
+                </a:solidFill>
+              </a:rPr>
+              <a:t>HTTPTransaction1</a:t>
+            </a:r>
+            <a:endParaRPr kumimoji="1" lang="ja-JP" altLang="en-US" sz="2000" dirty="0" smtClean="0">
+              <a:solidFill>
+                <a:schemeClr val="tx1"/>
+              </a:solidFill>
+            </a:endParaRPr>
+          </a:p>
+        </p:txBody>
+      </p:sp>
+      <p:sp>
+        <p:nvSpPr>
+          <p:cNvPr id="66" name="テキスト ボックス 65"/>
+          <p:cNvSpPr txBox="1"/>
+          <p:nvPr/>
+        </p:nvSpPr>
+        <p:spPr>
+          <a:xfrm>
+            <a:off x="2107495" y="4049987"/>
+            <a:ext cx="981487" cy="400110"/>
+          </a:xfrm>
+          <a:prstGeom prst="rect">
+            <a:avLst/>
+          </a:prstGeom>
+          <a:noFill/>
+        </p:spPr>
+        <p:txBody>
+          <a:bodyPr wrap="none" rtlCol="0">
+            <a:spAutoFit/>
+          </a:bodyPr>
+          <a:lstStyle/>
+          <a:p>
+            <a:r>
+              <a:rPr kumimoji="1" lang="en-US" altLang="ja-JP" sz="2000" dirty="0" smtClean="0"/>
+              <a:t>request</a:t>
+            </a:r>
+            <a:endParaRPr kumimoji="1" lang="ja-JP" altLang="en-US" sz="2000" dirty="0"/>
+          </a:p>
+        </p:txBody>
+      </p:sp>
+      <p:sp>
+        <p:nvSpPr>
+          <p:cNvPr id="68" name="テキスト ボックス 67"/>
+          <p:cNvSpPr txBox="1"/>
+          <p:nvPr/>
+        </p:nvSpPr>
+        <p:spPr>
+          <a:xfrm>
+            <a:off x="7158529" y="4049987"/>
+            <a:ext cx="981487" cy="400110"/>
+          </a:xfrm>
+          <a:prstGeom prst="rect">
+            <a:avLst/>
+          </a:prstGeom>
+          <a:noFill/>
+        </p:spPr>
+        <p:txBody>
+          <a:bodyPr wrap="none" rtlCol="0">
+            <a:spAutoFit/>
+          </a:bodyPr>
+          <a:lstStyle/>
+          <a:p>
+            <a:r>
+              <a:rPr kumimoji="1" lang="en-US" altLang="ja-JP" sz="2000" dirty="0" smtClean="0"/>
+              <a:t>request</a:t>
+            </a:r>
+            <a:endParaRPr kumimoji="1" lang="ja-JP" altLang="en-US" sz="2000" dirty="0"/>
+          </a:p>
+        </p:txBody>
+      </p:sp>
+      <p:sp>
+        <p:nvSpPr>
+          <p:cNvPr id="46" name="角丸四角形 45"/>
+          <p:cNvSpPr/>
+          <p:nvPr/>
+        </p:nvSpPr>
+        <p:spPr>
+          <a:xfrm>
+            <a:off x="4382399" y="4753322"/>
+            <a:ext cx="2380331" cy="981199"/>
+          </a:xfrm>
+          <a:prstGeom prst="roundRect">
+            <a:avLst>
+              <a:gd name="adj" fmla="val 21972"/>
+            </a:avLst>
+          </a:prstGeom>
+          <a:solidFill>
+            <a:schemeClr val="bg1">
+              <a:lumMod val="85000"/>
+            </a:schemeClr>
+          </a:solidFill>
+          <a:ln>
+            <a:solidFill>
+              <a:schemeClr val="tx1"/>
+            </a:solidFill>
+          </a:ln>
+        </p:spPr>
+        <p:style>
+          <a:lnRef idx="2">
+            <a:schemeClr val="accent1">
+              <a:shade val="50000"/>
+            </a:schemeClr>
+          </a:lnRef>
+          <a:fillRef idx="1">
+            <a:schemeClr val="accent1"/>
+          </a:fillRef>
+          <a:effectRef idx="0">
+            <a:schemeClr val="accent1"/>
+          </a:effectRef>
+          <a:fontRef idx="minor">
+            <a:schemeClr val="lt1"/>
+          </a:fontRef>
+        </p:style>
+        <p:txBody>
+          <a:bodyPr rtlCol="0" anchor="ctr"/>
+          <a:lstStyle/>
+          <a:p>
+            <a:pPr algn="ctr"/>
+            <a:r>
+              <a:rPr lang="en-US" altLang="ja-JP" sz="2400" dirty="0" smtClean="0">
+                <a:solidFill>
+                  <a:schemeClr val="tx1"/>
+                </a:solidFill>
+              </a:rPr>
+              <a:t>Response0</a:t>
+            </a:r>
+          </a:p>
+          <a:p>
+            <a:pPr algn="ctr"/>
+            <a:r>
+              <a:rPr kumimoji="1" lang="en-US" altLang="ja-JP" sz="2000" dirty="0" smtClean="0">
+                <a:solidFill>
+                  <a:schemeClr val="tx1"/>
+                </a:solidFill>
+              </a:rPr>
+              <a:t>[Time1]</a:t>
+            </a:r>
+          </a:p>
+          <a:p>
+            <a:pPr algn="ctr"/>
+            <a:r>
+              <a:rPr lang="en-US" altLang="ja-JP" sz="2000" dirty="0" smtClean="0">
+                <a:solidFill>
+                  <a:schemeClr val="tx1"/>
+                </a:solidFill>
+              </a:rPr>
+              <a:t>Server0 </a:t>
+            </a:r>
+            <a:r>
+              <a:rPr lang="ja-JP" altLang="en-US" sz="2000" dirty="0" smtClean="0">
+                <a:solidFill>
+                  <a:schemeClr val="tx1"/>
+                </a:solidFill>
+              </a:rPr>
+              <a:t>→ </a:t>
+            </a:r>
+            <a:r>
+              <a:rPr lang="en-US" altLang="ja-JP" sz="2000" dirty="0" smtClean="0">
+                <a:solidFill>
+                  <a:schemeClr val="tx1"/>
+                </a:solidFill>
+              </a:rPr>
+              <a:t>Browser</a:t>
+            </a:r>
+            <a:endParaRPr kumimoji="1" lang="en-US" altLang="ja-JP" sz="2000" dirty="0" smtClean="0">
+              <a:solidFill>
+                <a:schemeClr val="tx1"/>
+              </a:solidFill>
+            </a:endParaRPr>
+          </a:p>
+        </p:txBody>
+      </p:sp>
+      <p:sp>
+        <p:nvSpPr>
+          <p:cNvPr id="51" name="角丸四角形 50"/>
+          <p:cNvSpPr/>
+          <p:nvPr/>
+        </p:nvSpPr>
+        <p:spPr>
+          <a:xfrm>
+            <a:off x="6897100" y="4753322"/>
+            <a:ext cx="2393364" cy="981199"/>
+          </a:xfrm>
+          <a:prstGeom prst="roundRect">
+            <a:avLst>
+              <a:gd name="adj" fmla="val 21972"/>
+            </a:avLst>
+          </a:prstGeom>
+          <a:solidFill>
+            <a:schemeClr val="bg1">
+              <a:lumMod val="85000"/>
+            </a:schemeClr>
+          </a:solidFill>
+          <a:ln>
+            <a:solidFill>
+              <a:schemeClr val="tx1"/>
+            </a:solidFill>
+          </a:ln>
+        </p:spPr>
+        <p:style>
+          <a:lnRef idx="2">
+            <a:schemeClr val="accent1">
+              <a:shade val="50000"/>
+            </a:schemeClr>
+          </a:lnRef>
+          <a:fillRef idx="1">
+            <a:schemeClr val="accent1"/>
+          </a:fillRef>
+          <a:effectRef idx="0">
+            <a:schemeClr val="accent1"/>
+          </a:effectRef>
+          <a:fontRef idx="minor">
+            <a:schemeClr val="lt1"/>
+          </a:fontRef>
+        </p:style>
+        <p:txBody>
+          <a:bodyPr rtlCol="0" anchor="ctr"/>
+          <a:lstStyle/>
+          <a:p>
+            <a:pPr algn="ctr"/>
+            <a:r>
+              <a:rPr lang="en-US" altLang="ja-JP" sz="2400" dirty="0" smtClean="0">
+                <a:solidFill>
+                  <a:schemeClr val="tx1"/>
+                </a:solidFill>
+              </a:rPr>
+              <a:t>Request1</a:t>
+            </a:r>
+          </a:p>
+          <a:p>
+            <a:pPr algn="ctr"/>
+            <a:r>
+              <a:rPr kumimoji="1" lang="en-US" altLang="ja-JP" sz="2000" dirty="0" smtClean="0">
+                <a:solidFill>
+                  <a:schemeClr val="tx1"/>
+                </a:solidFill>
+              </a:rPr>
+              <a:t>[Time2]</a:t>
+            </a:r>
+          </a:p>
+          <a:p>
+            <a:pPr algn="ctr"/>
+            <a:r>
+              <a:rPr lang="en-US" altLang="ja-JP" sz="2000" dirty="0" smtClean="0">
+                <a:solidFill>
+                  <a:schemeClr val="tx1"/>
+                </a:solidFill>
+              </a:rPr>
+              <a:t>Browser </a:t>
+            </a:r>
+            <a:r>
+              <a:rPr lang="ja-JP" altLang="en-US" sz="2000" dirty="0" smtClean="0">
+                <a:solidFill>
+                  <a:schemeClr val="tx1"/>
+                </a:solidFill>
+              </a:rPr>
+              <a:t>→ </a:t>
+            </a:r>
+            <a:r>
+              <a:rPr lang="en-US" altLang="ja-JP" sz="2000" dirty="0" smtClean="0">
+                <a:solidFill>
+                  <a:schemeClr val="tx1"/>
+                </a:solidFill>
+              </a:rPr>
+              <a:t>Server1</a:t>
+            </a:r>
+            <a:endParaRPr kumimoji="1" lang="en-US" altLang="ja-JP" sz="2000" dirty="0" smtClean="0">
+              <a:solidFill>
+                <a:schemeClr val="tx1"/>
+              </a:solidFill>
+            </a:endParaRPr>
+          </a:p>
+        </p:txBody>
+      </p:sp>
+      <p:sp>
+        <p:nvSpPr>
+          <p:cNvPr id="53" name="角丸四角形 52"/>
+          <p:cNvSpPr/>
+          <p:nvPr/>
+        </p:nvSpPr>
+        <p:spPr>
+          <a:xfrm>
+            <a:off x="9424834" y="4753322"/>
+            <a:ext cx="2380331" cy="981199"/>
+          </a:xfrm>
+          <a:prstGeom prst="roundRect">
+            <a:avLst>
+              <a:gd name="adj" fmla="val 21972"/>
+            </a:avLst>
+          </a:prstGeom>
+          <a:solidFill>
+            <a:schemeClr val="bg1">
+              <a:lumMod val="85000"/>
+            </a:schemeClr>
+          </a:solidFill>
+          <a:ln>
+            <a:solidFill>
+              <a:schemeClr val="tx1"/>
+            </a:solidFill>
+          </a:ln>
+        </p:spPr>
+        <p:style>
+          <a:lnRef idx="2">
+            <a:schemeClr val="accent1">
+              <a:shade val="50000"/>
+            </a:schemeClr>
+          </a:lnRef>
+          <a:fillRef idx="1">
+            <a:schemeClr val="accent1"/>
+          </a:fillRef>
+          <a:effectRef idx="0">
+            <a:schemeClr val="accent1"/>
+          </a:effectRef>
+          <a:fontRef idx="minor">
+            <a:schemeClr val="lt1"/>
+          </a:fontRef>
+        </p:style>
+        <p:txBody>
+          <a:bodyPr rtlCol="0" anchor="ctr"/>
+          <a:lstStyle/>
+          <a:p>
+            <a:pPr algn="ctr"/>
+            <a:r>
+              <a:rPr lang="en-US" altLang="ja-JP" sz="2400" dirty="0" smtClean="0">
+                <a:solidFill>
+                  <a:schemeClr val="tx1"/>
+                </a:solidFill>
+              </a:rPr>
+              <a:t>Response1</a:t>
+            </a:r>
+          </a:p>
+          <a:p>
+            <a:pPr algn="ctr"/>
+            <a:r>
+              <a:rPr kumimoji="1" lang="en-US" altLang="ja-JP" sz="2000" dirty="0" smtClean="0">
+                <a:solidFill>
+                  <a:schemeClr val="tx1"/>
+                </a:solidFill>
+              </a:rPr>
+              <a:t>[Time3]</a:t>
+            </a:r>
+          </a:p>
+          <a:p>
+            <a:pPr algn="ctr"/>
+            <a:r>
+              <a:rPr lang="en-US" altLang="ja-JP" sz="2000" dirty="0" smtClean="0">
+                <a:solidFill>
+                  <a:schemeClr val="tx1"/>
+                </a:solidFill>
+              </a:rPr>
+              <a:t>Server1</a:t>
+            </a:r>
+            <a:r>
+              <a:rPr lang="ja-JP" altLang="en-US" sz="2000" dirty="0" smtClean="0">
+                <a:solidFill>
+                  <a:schemeClr val="tx1"/>
+                </a:solidFill>
+              </a:rPr>
+              <a:t>→ </a:t>
+            </a:r>
+            <a:r>
+              <a:rPr lang="en-US" altLang="ja-JP" sz="2000" dirty="0" smtClean="0">
+                <a:solidFill>
+                  <a:schemeClr val="tx1"/>
+                </a:solidFill>
+              </a:rPr>
+              <a:t>Browser</a:t>
+            </a:r>
+            <a:endParaRPr kumimoji="1" lang="en-US" altLang="ja-JP" sz="2000" dirty="0" smtClean="0">
+              <a:solidFill>
+                <a:schemeClr val="tx1"/>
+              </a:solidFill>
+            </a:endParaRPr>
+          </a:p>
+        </p:txBody>
+      </p:sp>
+      <p:sp>
+        <p:nvSpPr>
+          <p:cNvPr id="5" name="テキスト ボックス 4"/>
+          <p:cNvSpPr txBox="1"/>
+          <p:nvPr/>
+        </p:nvSpPr>
+        <p:spPr>
+          <a:xfrm>
+            <a:off x="9033540" y="3458484"/>
+            <a:ext cx="778868" cy="400110"/>
+          </a:xfrm>
+          <a:prstGeom prst="rect">
+            <a:avLst/>
+          </a:prstGeom>
+          <a:noFill/>
+        </p:spPr>
+        <p:txBody>
+          <a:bodyPr wrap="none" rtlCol="0">
+            <a:spAutoFit/>
+          </a:bodyPr>
+          <a:lstStyle/>
+          <a:p>
+            <a:r>
+              <a:rPr kumimoji="1" lang="en-US" altLang="ja-JP" sz="2000" dirty="0" smtClean="0"/>
+              <a:t>cause</a:t>
+            </a:r>
+            <a:endParaRPr kumimoji="1" lang="ja-JP" altLang="en-US" sz="2000" dirty="0"/>
+          </a:p>
+        </p:txBody>
+      </p:sp>
+      <p:cxnSp>
+        <p:nvCxnSpPr>
+          <p:cNvPr id="56" name="カギ線コネクタ 55"/>
+          <p:cNvCxnSpPr>
+            <a:stCxn id="38" idx="1"/>
+            <a:endCxn id="39" idx="0"/>
+          </p:cNvCxnSpPr>
+          <p:nvPr/>
+        </p:nvCxnSpPr>
+        <p:spPr>
+          <a:xfrm rot="10800000" flipV="1">
+            <a:off x="3051348" y="4230152"/>
+            <a:ext cx="224615" cy="523170"/>
+          </a:xfrm>
+          <a:prstGeom prst="bentConnector2">
+            <a:avLst/>
+          </a:prstGeom>
+          <a:ln w="19050">
+            <a:solidFill>
+              <a:schemeClr val="tx1"/>
+            </a:solidFill>
+            <a:prstDash val="solid"/>
+            <a:tailEnd type="triangle" w="lg" len="med"/>
+          </a:ln>
+        </p:spPr>
+        <p:style>
+          <a:lnRef idx="1">
+            <a:schemeClr val="accent1"/>
+          </a:lnRef>
+          <a:fillRef idx="0">
+            <a:schemeClr val="accent1"/>
+          </a:fillRef>
+          <a:effectRef idx="0">
+            <a:schemeClr val="accent1"/>
+          </a:effectRef>
+          <a:fontRef idx="minor">
+            <a:schemeClr val="tx1"/>
+          </a:fontRef>
+        </p:style>
+      </p:cxnSp>
+      <p:cxnSp>
+        <p:nvCxnSpPr>
+          <p:cNvPr id="57" name="カギ線コネクタ 56"/>
+          <p:cNvCxnSpPr>
+            <a:stCxn id="38" idx="3"/>
+            <a:endCxn id="46" idx="0"/>
+          </p:cNvCxnSpPr>
+          <p:nvPr/>
+        </p:nvCxnSpPr>
+        <p:spPr>
+          <a:xfrm>
+            <a:off x="5353446" y="4230152"/>
+            <a:ext cx="219119" cy="523170"/>
+          </a:xfrm>
+          <a:prstGeom prst="bentConnector2">
+            <a:avLst/>
+          </a:prstGeom>
+          <a:ln w="19050">
+            <a:solidFill>
+              <a:schemeClr val="tx1"/>
+            </a:solidFill>
+            <a:prstDash val="solid"/>
+            <a:tailEnd type="triangle" w="lg" len="med"/>
+          </a:ln>
+        </p:spPr>
+        <p:style>
+          <a:lnRef idx="1">
+            <a:schemeClr val="accent1"/>
+          </a:lnRef>
+          <a:fillRef idx="0">
+            <a:schemeClr val="accent1"/>
+          </a:fillRef>
+          <a:effectRef idx="0">
+            <a:schemeClr val="accent1"/>
+          </a:effectRef>
+          <a:fontRef idx="minor">
+            <a:schemeClr val="tx1"/>
+          </a:fontRef>
+        </p:style>
+      </p:cxnSp>
+      <p:cxnSp>
+        <p:nvCxnSpPr>
+          <p:cNvPr id="60" name="カギ線コネクタ 59"/>
+          <p:cNvCxnSpPr>
+            <a:stCxn id="43" idx="1"/>
+            <a:endCxn id="51" idx="0"/>
+          </p:cNvCxnSpPr>
+          <p:nvPr/>
+        </p:nvCxnSpPr>
+        <p:spPr>
+          <a:xfrm rot="10800000" flipV="1">
+            <a:off x="8093783" y="4230152"/>
+            <a:ext cx="193229" cy="523170"/>
+          </a:xfrm>
+          <a:prstGeom prst="bentConnector2">
+            <a:avLst/>
+          </a:prstGeom>
+          <a:ln w="19050">
+            <a:solidFill>
+              <a:schemeClr val="tx1"/>
+            </a:solidFill>
+            <a:prstDash val="solid"/>
+            <a:tailEnd type="triangle" w="lg" len="med"/>
+          </a:ln>
+        </p:spPr>
+        <p:style>
+          <a:lnRef idx="1">
+            <a:schemeClr val="accent1"/>
+          </a:lnRef>
+          <a:fillRef idx="0">
+            <a:schemeClr val="accent1"/>
+          </a:fillRef>
+          <a:effectRef idx="0">
+            <a:schemeClr val="accent1"/>
+          </a:effectRef>
+          <a:fontRef idx="minor">
+            <a:schemeClr val="tx1"/>
+          </a:fontRef>
+        </p:style>
+      </p:cxnSp>
+      <p:cxnSp>
+        <p:nvCxnSpPr>
+          <p:cNvPr id="64" name="カギ線コネクタ 63"/>
+          <p:cNvCxnSpPr>
+            <a:stCxn id="43" idx="3"/>
+            <a:endCxn id="53" idx="0"/>
+          </p:cNvCxnSpPr>
+          <p:nvPr/>
+        </p:nvCxnSpPr>
+        <p:spPr>
+          <a:xfrm>
+            <a:off x="10331052" y="4230152"/>
+            <a:ext cx="283948" cy="523170"/>
+          </a:xfrm>
+          <a:prstGeom prst="bentConnector2">
+            <a:avLst/>
+          </a:prstGeom>
+          <a:ln w="19050">
+            <a:solidFill>
+              <a:schemeClr val="tx1"/>
+            </a:solidFill>
+            <a:prstDash val="solid"/>
+            <a:tailEnd type="triangle" w="lg" len="med"/>
+          </a:ln>
+        </p:spPr>
+        <p:style>
+          <a:lnRef idx="1">
+            <a:schemeClr val="accent1"/>
+          </a:lnRef>
+          <a:fillRef idx="0">
+            <a:schemeClr val="accent1"/>
+          </a:fillRef>
+          <a:effectRef idx="0">
+            <a:schemeClr val="accent1"/>
+          </a:effectRef>
+          <a:fontRef idx="minor">
+            <a:schemeClr val="tx1"/>
+          </a:fontRef>
+        </p:style>
+      </p:cxnSp>
+      <p:sp>
+        <p:nvSpPr>
+          <p:cNvPr id="71" name="テキスト ボックス 70"/>
+          <p:cNvSpPr txBox="1"/>
+          <p:nvPr/>
+        </p:nvSpPr>
+        <p:spPr>
+          <a:xfrm>
+            <a:off x="10602402" y="4049987"/>
+            <a:ext cx="1133452" cy="400110"/>
+          </a:xfrm>
+          <a:prstGeom prst="rect">
+            <a:avLst/>
+          </a:prstGeom>
+          <a:noFill/>
+        </p:spPr>
+        <p:txBody>
+          <a:bodyPr wrap="none" rtlCol="0">
+            <a:spAutoFit/>
+          </a:bodyPr>
+          <a:lstStyle/>
+          <a:p>
+            <a:r>
+              <a:rPr kumimoji="1" lang="en-US" altLang="ja-JP" sz="2000" dirty="0" smtClean="0"/>
+              <a:t>response</a:t>
+            </a:r>
+            <a:endParaRPr kumimoji="1" lang="ja-JP" altLang="en-US" sz="2000" dirty="0"/>
+          </a:p>
+        </p:txBody>
+      </p:sp>
+      <p:cxnSp>
+        <p:nvCxnSpPr>
+          <p:cNvPr id="17" name="曲線コネクタ 16"/>
+          <p:cNvCxnSpPr>
+            <a:stCxn id="43" idx="0"/>
+            <a:endCxn id="38" idx="0"/>
+          </p:cNvCxnSpPr>
+          <p:nvPr/>
+        </p:nvCxnSpPr>
+        <p:spPr>
+          <a:xfrm rot="16200000" flipV="1">
+            <a:off x="6811868" y="1513042"/>
+            <a:ext cx="12700" cy="4994328"/>
+          </a:xfrm>
+          <a:prstGeom prst="curvedConnector3">
+            <a:avLst>
+              <a:gd name="adj1" fmla="val 4425000"/>
+            </a:avLst>
+          </a:prstGeom>
+          <a:ln w="19050">
+            <a:solidFill>
+              <a:schemeClr val="tx1"/>
+            </a:solidFill>
+            <a:prstDash val="solid"/>
+            <a:tailEnd type="triangle"/>
+          </a:ln>
+        </p:spPr>
+        <p:style>
+          <a:lnRef idx="1">
+            <a:schemeClr val="accent1"/>
+          </a:lnRef>
+          <a:fillRef idx="0">
+            <a:schemeClr val="accent1"/>
+          </a:fillRef>
+          <a:effectRef idx="0">
+            <a:schemeClr val="accent1"/>
+          </a:effectRef>
+          <a:fontRef idx="minor">
+            <a:schemeClr val="tx1"/>
+          </a:fontRef>
+        </p:style>
+      </p:cxnSp>
+    </p:spTree>
+    <p:extLst>
+      <p:ext uri="{BB962C8B-B14F-4D97-AF65-F5344CB8AC3E}">
+        <p14:creationId xmlns:p14="http://schemas.microsoft.com/office/powerpoint/2010/main" val="4157912008"/>
+      </p:ext>
+    </p:extLst>
+  </p:cSld>
+  <p:clrMapOvr>
+    <a:masterClrMapping/>
+  </p:clrMapOvr>
+</p:sld>
+</file>
+
+<file path=ppt/slides/slide17.xml><?xml version="1.0" encoding="utf-8"?>
+<p:sld xmlns:a="http://schemas.openxmlformats.org/drawingml/2006/main" xmlns:r="http://schemas.openxmlformats.org/officeDocument/2006/relationships" xmlns:p="http://schemas.openxmlformats.org/presentationml/2006/main">
+  <p:cSld>
+    <p:spTree>
+      <p:nvGrpSpPr>
+        <p:cNvPr id="1" name=""/>
+        <p:cNvGrpSpPr/>
+        <p:nvPr/>
+      </p:nvGrpSpPr>
+      <p:grpSpPr>
+        <a:xfrm>
+          <a:off x="0" y="0"/>
+          <a:ext cx="0" cy="0"/>
+          <a:chOff x="0" y="0"/>
+          <a:chExt cx="0" cy="0"/>
+        </a:xfrm>
+      </p:grpSpPr>
+      <p:sp>
+        <p:nvSpPr>
+          <p:cNvPr id="73" name="正方形/長方形 72"/>
+          <p:cNvSpPr/>
+          <p:nvPr/>
+        </p:nvSpPr>
+        <p:spPr>
+          <a:xfrm>
+            <a:off x="998806" y="234172"/>
+            <a:ext cx="8905913" cy="5810136"/>
+          </a:xfrm>
+          <a:prstGeom prst="rect">
+            <a:avLst/>
+          </a:prstGeom>
+          <a:solidFill>
+            <a:schemeClr val="bg1"/>
+          </a:solidFill>
+          <a:ln>
+            <a:solidFill>
+              <a:schemeClr val="bg1"/>
+            </a:solidFill>
+          </a:ln>
+        </p:spPr>
+        <p:style>
+          <a:lnRef idx="2">
+            <a:schemeClr val="accent1">
+              <a:shade val="50000"/>
+            </a:schemeClr>
+          </a:lnRef>
+          <a:fillRef idx="1">
+            <a:schemeClr val="accent1"/>
+          </a:fillRef>
+          <a:effectRef idx="0">
+            <a:schemeClr val="accent1"/>
+          </a:effectRef>
+          <a:fontRef idx="minor">
+            <a:schemeClr val="lt1"/>
+          </a:fontRef>
+        </p:style>
+        <p:txBody>
+          <a:bodyPr rot="0" spcFirstLastPara="0" vertOverflow="overflow" horzOverflow="overflow" vert="horz" wrap="square" lIns="91440" tIns="45720" rIns="91440" bIns="45720" numCol="1" spcCol="0" rtlCol="0" fromWordArt="0" anchor="ctr" anchorCtr="0" forceAA="0" compatLnSpc="1">
+            <a:prstTxWarp prst="textNoShape">
+              <a:avLst/>
+            </a:prstTxWarp>
+            <a:noAutofit/>
+          </a:bodyPr>
+          <a:lstStyle/>
+          <a:p>
+            <a:pPr algn="ctr"/>
+            <a:endParaRPr kumimoji="1" lang="ja-JP" altLang="en-US" sz="2000" dirty="0" smtClean="0">
+              <a:solidFill>
+                <a:schemeClr val="tx1"/>
+              </a:solidFill>
+            </a:endParaRPr>
+          </a:p>
+        </p:txBody>
+      </p:sp>
+      <p:sp>
+        <p:nvSpPr>
+          <p:cNvPr id="50" name="正方形/長方形 49"/>
+          <p:cNvSpPr/>
+          <p:nvPr/>
+        </p:nvSpPr>
+        <p:spPr>
+          <a:xfrm>
+            <a:off x="1592496" y="237086"/>
+            <a:ext cx="1333584" cy="455177"/>
+          </a:xfrm>
+          <a:prstGeom prst="rect">
+            <a:avLst/>
+          </a:prstGeom>
+          <a:noFill/>
+          <a:ln>
+            <a:solidFill>
+              <a:schemeClr val="tx1"/>
+            </a:solidFill>
+          </a:ln>
+        </p:spPr>
+        <p:style>
+          <a:lnRef idx="2">
+            <a:schemeClr val="accent1">
+              <a:shade val="50000"/>
+            </a:schemeClr>
+          </a:lnRef>
+          <a:fillRef idx="1">
+            <a:schemeClr val="accent1"/>
+          </a:fillRef>
+          <a:effectRef idx="0">
+            <a:schemeClr val="accent1"/>
+          </a:effectRef>
+          <a:fontRef idx="minor">
+            <a:schemeClr val="lt1"/>
+          </a:fontRef>
+        </p:style>
+        <p:txBody>
+          <a:bodyPr rtlCol="0" anchor="ctr"/>
+          <a:lstStyle/>
+          <a:p>
+            <a:pPr algn="ctr"/>
+            <a:r>
+              <a:rPr kumimoji="1" lang="ja-JP" altLang="en-US" sz="2400" dirty="0" smtClean="0">
+                <a:solidFill>
+                  <a:schemeClr val="tx1"/>
+                </a:solidFill>
+              </a:rPr>
+              <a:t>ブラウザ</a:t>
+            </a:r>
+          </a:p>
+        </p:txBody>
+      </p:sp>
+      <p:sp>
+        <p:nvSpPr>
+          <p:cNvPr id="55" name="正方形/長方形 54"/>
+          <p:cNvSpPr/>
+          <p:nvPr/>
+        </p:nvSpPr>
+        <p:spPr>
+          <a:xfrm>
+            <a:off x="4209423" y="237085"/>
+            <a:ext cx="1181184" cy="455177"/>
+          </a:xfrm>
+          <a:prstGeom prst="rect">
+            <a:avLst/>
+          </a:prstGeom>
+          <a:solidFill>
+            <a:schemeClr val="bg1">
+              <a:lumMod val="50000"/>
+            </a:schemeClr>
+          </a:solidFill>
+          <a:ln>
+            <a:solidFill>
+              <a:schemeClr val="tx1"/>
+            </a:solidFill>
+          </a:ln>
+        </p:spPr>
+        <p:style>
+          <a:lnRef idx="2">
+            <a:schemeClr val="accent1">
+              <a:shade val="50000"/>
+            </a:schemeClr>
+          </a:lnRef>
+          <a:fillRef idx="1">
+            <a:schemeClr val="accent1"/>
+          </a:fillRef>
+          <a:effectRef idx="0">
+            <a:schemeClr val="accent1"/>
+          </a:effectRef>
+          <a:fontRef idx="minor">
+            <a:schemeClr val="lt1"/>
+          </a:fontRef>
+        </p:style>
+        <p:txBody>
+          <a:bodyPr rtlCol="0" anchor="ctr"/>
+          <a:lstStyle/>
+          <a:p>
+            <a:pPr algn="ctr"/>
+            <a:r>
+              <a:rPr lang="ja-JP" altLang="en-US" sz="2400" dirty="0" smtClean="0">
+                <a:solidFill>
+                  <a:schemeClr val="bg1"/>
+                </a:solidFill>
+              </a:rPr>
+              <a:t>中継者</a:t>
+            </a:r>
+            <a:endParaRPr kumimoji="1" lang="ja-JP" altLang="en-US" sz="2400" dirty="0" smtClean="0">
+              <a:solidFill>
+                <a:schemeClr val="bg1"/>
+              </a:solidFill>
+            </a:endParaRPr>
+          </a:p>
+        </p:txBody>
+      </p:sp>
+      <p:sp>
+        <p:nvSpPr>
+          <p:cNvPr id="56" name="正方形/長方形 55"/>
+          <p:cNvSpPr/>
+          <p:nvPr/>
+        </p:nvSpPr>
+        <p:spPr>
+          <a:xfrm>
+            <a:off x="5995235" y="237084"/>
+            <a:ext cx="1269901" cy="455177"/>
+          </a:xfrm>
+          <a:prstGeom prst="rect">
+            <a:avLst/>
+          </a:prstGeom>
+          <a:noFill/>
+          <a:ln>
+            <a:solidFill>
+              <a:schemeClr val="tx1"/>
+            </a:solidFill>
+          </a:ln>
+        </p:spPr>
+        <p:style>
+          <a:lnRef idx="2">
+            <a:schemeClr val="accent1">
+              <a:shade val="50000"/>
+            </a:schemeClr>
+          </a:lnRef>
+          <a:fillRef idx="1">
+            <a:schemeClr val="accent1"/>
+          </a:fillRef>
+          <a:effectRef idx="0">
+            <a:schemeClr val="accent1"/>
+          </a:effectRef>
+          <a:fontRef idx="minor">
+            <a:schemeClr val="lt1"/>
+          </a:fontRef>
+        </p:style>
+        <p:txBody>
+          <a:bodyPr rtlCol="0" anchor="ctr"/>
+          <a:lstStyle/>
+          <a:p>
+            <a:pPr algn="ctr"/>
+            <a:r>
+              <a:rPr lang="ja-JP" altLang="en-US" sz="2400" dirty="0" smtClean="0">
+                <a:solidFill>
+                  <a:schemeClr val="tx1"/>
+                </a:solidFill>
+              </a:rPr>
+              <a:t>サーバ</a:t>
+            </a:r>
+            <a:r>
+              <a:rPr lang="en-US" altLang="ja-JP" sz="2400" dirty="0" smtClean="0">
+                <a:solidFill>
+                  <a:schemeClr val="tx1"/>
+                </a:solidFill>
+              </a:rPr>
+              <a:t>1</a:t>
+            </a:r>
+            <a:endParaRPr kumimoji="1" lang="ja-JP" altLang="en-US" sz="2400" dirty="0" smtClean="0">
+              <a:solidFill>
+                <a:schemeClr val="tx1"/>
+              </a:solidFill>
+            </a:endParaRPr>
+          </a:p>
+        </p:txBody>
+      </p:sp>
+      <p:sp>
+        <p:nvSpPr>
+          <p:cNvPr id="4" name="テキスト ボックス 3"/>
+          <p:cNvSpPr txBox="1"/>
+          <p:nvPr/>
+        </p:nvSpPr>
+        <p:spPr>
+          <a:xfrm>
+            <a:off x="2801058" y="747330"/>
+            <a:ext cx="1465466" cy="400110"/>
+          </a:xfrm>
+          <a:prstGeom prst="rect">
+            <a:avLst/>
+          </a:prstGeom>
+          <a:noFill/>
+        </p:spPr>
+        <p:txBody>
+          <a:bodyPr wrap="none" rtlCol="0">
+            <a:spAutoFit/>
+          </a:bodyPr>
+          <a:lstStyle/>
+          <a:p>
+            <a:r>
+              <a:rPr kumimoji="1" lang="ja-JP" altLang="en-US" sz="2000" dirty="0" smtClean="0"/>
+              <a:t>①リクエスト</a:t>
+            </a:r>
+            <a:endParaRPr kumimoji="1" lang="ja-JP" altLang="en-US" sz="2000" dirty="0"/>
+          </a:p>
+        </p:txBody>
+      </p:sp>
+      <p:sp>
+        <p:nvSpPr>
+          <p:cNvPr id="57" name="テキスト ボックス 56"/>
+          <p:cNvSpPr txBox="1"/>
+          <p:nvPr/>
+        </p:nvSpPr>
+        <p:spPr>
+          <a:xfrm>
+            <a:off x="4991796" y="941658"/>
+            <a:ext cx="1465466" cy="400110"/>
+          </a:xfrm>
+          <a:prstGeom prst="rect">
+            <a:avLst/>
+          </a:prstGeom>
+          <a:noFill/>
+        </p:spPr>
+        <p:txBody>
+          <a:bodyPr wrap="none" rtlCol="0">
+            <a:spAutoFit/>
+          </a:bodyPr>
+          <a:lstStyle/>
+          <a:p>
+            <a:r>
+              <a:rPr lang="ja-JP" altLang="en-US" sz="2000" dirty="0"/>
+              <a:t>②</a:t>
+            </a:r>
+            <a:r>
+              <a:rPr kumimoji="1" lang="ja-JP" altLang="en-US" sz="2000" dirty="0" smtClean="0"/>
+              <a:t>リクエスト</a:t>
+            </a:r>
+            <a:endParaRPr kumimoji="1" lang="ja-JP" altLang="en-US" sz="2000" dirty="0"/>
+          </a:p>
+        </p:txBody>
+      </p:sp>
+      <p:sp>
+        <p:nvSpPr>
+          <p:cNvPr id="59" name="テキスト ボックス 58"/>
+          <p:cNvSpPr txBox="1"/>
+          <p:nvPr/>
+        </p:nvSpPr>
+        <p:spPr>
+          <a:xfrm>
+            <a:off x="4935990" y="1488473"/>
+            <a:ext cx="1587294" cy="400110"/>
+          </a:xfrm>
+          <a:prstGeom prst="rect">
+            <a:avLst/>
+          </a:prstGeom>
+          <a:noFill/>
+        </p:spPr>
+        <p:txBody>
+          <a:bodyPr wrap="none" rtlCol="0">
+            <a:spAutoFit/>
+          </a:bodyPr>
+          <a:lstStyle/>
+          <a:p>
+            <a:r>
+              <a:rPr lang="ja-JP" altLang="en-US" sz="2000" dirty="0" smtClean="0"/>
+              <a:t>③レスポンス</a:t>
+            </a:r>
+            <a:endParaRPr kumimoji="1" lang="ja-JP" altLang="en-US" sz="2000" dirty="0"/>
+          </a:p>
+        </p:txBody>
+      </p:sp>
+      <p:sp>
+        <p:nvSpPr>
+          <p:cNvPr id="60" name="テキスト ボックス 59"/>
+          <p:cNvSpPr txBox="1"/>
+          <p:nvPr/>
+        </p:nvSpPr>
+        <p:spPr>
+          <a:xfrm>
+            <a:off x="2371320" y="1602617"/>
+            <a:ext cx="2316660" cy="400110"/>
+          </a:xfrm>
+          <a:prstGeom prst="rect">
+            <a:avLst/>
+          </a:prstGeom>
+          <a:pattFill prst="ltUpDiag">
+            <a:fgClr>
+              <a:schemeClr val="bg1">
+                <a:lumMod val="85000"/>
+              </a:schemeClr>
+            </a:fgClr>
+            <a:bgClr>
+              <a:schemeClr val="bg1"/>
+            </a:bgClr>
+          </a:pattFill>
+        </p:spPr>
+        <p:txBody>
+          <a:bodyPr wrap="none" rtlCol="0">
+            <a:spAutoFit/>
+          </a:bodyPr>
+          <a:lstStyle/>
+          <a:p>
+            <a:r>
+              <a:rPr lang="ja-JP" altLang="en-US" sz="2000" dirty="0"/>
+              <a:t>④</a:t>
+            </a:r>
+            <a:r>
+              <a:rPr lang="ja-JP" altLang="en-US" sz="2000" dirty="0" smtClean="0"/>
+              <a:t>改ざんレスポンス</a:t>
+            </a:r>
+            <a:endParaRPr kumimoji="1" lang="ja-JP" altLang="en-US" sz="2000" dirty="0"/>
+          </a:p>
+        </p:txBody>
+      </p:sp>
+      <p:sp>
+        <p:nvSpPr>
+          <p:cNvPr id="65" name="正方形/長方形 64"/>
+          <p:cNvSpPr/>
+          <p:nvPr/>
+        </p:nvSpPr>
+        <p:spPr>
+          <a:xfrm>
+            <a:off x="1787398" y="6044308"/>
+            <a:ext cx="938247" cy="256927"/>
+          </a:xfrm>
+          <a:prstGeom prst="rect">
+            <a:avLst/>
+          </a:prstGeom>
+          <a:solidFill>
+            <a:schemeClr val="bg1"/>
+          </a:solidFill>
+          <a:ln>
+            <a:solidFill>
+              <a:schemeClr val="bg1"/>
+            </a:solidFill>
+          </a:ln>
+        </p:spPr>
+        <p:style>
+          <a:lnRef idx="2">
+            <a:schemeClr val="accent1">
+              <a:shade val="50000"/>
+            </a:schemeClr>
+          </a:lnRef>
+          <a:fillRef idx="1">
+            <a:schemeClr val="accent1"/>
+          </a:fillRef>
+          <a:effectRef idx="0">
+            <a:schemeClr val="accent1"/>
+          </a:effectRef>
+          <a:fontRef idx="minor">
+            <a:schemeClr val="lt1"/>
+          </a:fontRef>
+        </p:style>
+        <p:txBody>
+          <a:bodyPr rot="0" spcFirstLastPara="0" vertOverflow="overflow" horzOverflow="overflow" vert="horz" wrap="square" lIns="91440" tIns="45720" rIns="91440" bIns="45720" numCol="1" spcCol="0" rtlCol="0" fromWordArt="0" anchor="ctr" anchorCtr="0" forceAA="0" compatLnSpc="1">
+            <a:prstTxWarp prst="textNoShape">
+              <a:avLst/>
+            </a:prstTxWarp>
+            <a:noAutofit/>
+          </a:bodyPr>
+          <a:lstStyle/>
+          <a:p>
+            <a:pPr algn="ctr"/>
+            <a:endParaRPr kumimoji="1" lang="ja-JP" altLang="en-US" sz="2000" dirty="0" smtClean="0">
+              <a:solidFill>
+                <a:schemeClr val="tx1"/>
+              </a:solidFill>
+            </a:endParaRPr>
+          </a:p>
+        </p:txBody>
+      </p:sp>
+      <p:cxnSp>
+        <p:nvCxnSpPr>
+          <p:cNvPr id="6" name="直線コネクタ 5"/>
+          <p:cNvCxnSpPr>
+            <a:stCxn id="50" idx="2"/>
+            <a:endCxn id="65" idx="0"/>
+          </p:cNvCxnSpPr>
+          <p:nvPr/>
+        </p:nvCxnSpPr>
+        <p:spPr>
+          <a:xfrm flipH="1">
+            <a:off x="2256522" y="692263"/>
+            <a:ext cx="2766" cy="5352045"/>
+          </a:xfrm>
+          <a:prstGeom prst="line">
+            <a:avLst/>
+          </a:prstGeom>
+          <a:ln w="25400">
+            <a:solidFill>
+              <a:schemeClr val="tx1"/>
+            </a:solidFill>
+            <a:prstDash val="solid"/>
+            <a:tailEnd type="none"/>
+          </a:ln>
+        </p:spPr>
+        <p:style>
+          <a:lnRef idx="1">
+            <a:schemeClr val="accent1"/>
+          </a:lnRef>
+          <a:fillRef idx="0">
+            <a:schemeClr val="accent1"/>
+          </a:fillRef>
+          <a:effectRef idx="0">
+            <a:schemeClr val="accent1"/>
+          </a:effectRef>
+          <a:fontRef idx="minor">
+            <a:schemeClr val="tx1"/>
+          </a:fontRef>
+        </p:style>
+      </p:cxnSp>
+      <p:sp>
+        <p:nvSpPr>
+          <p:cNvPr id="71" name="正方形/長方形 70"/>
+          <p:cNvSpPr/>
+          <p:nvPr/>
+        </p:nvSpPr>
+        <p:spPr>
+          <a:xfrm>
+            <a:off x="4340414" y="4491016"/>
+            <a:ext cx="938247" cy="256927"/>
+          </a:xfrm>
+          <a:prstGeom prst="rect">
+            <a:avLst/>
+          </a:prstGeom>
+          <a:solidFill>
+            <a:schemeClr val="bg1"/>
+          </a:solidFill>
+          <a:ln>
+            <a:solidFill>
+              <a:schemeClr val="bg1"/>
+            </a:solidFill>
+          </a:ln>
+        </p:spPr>
+        <p:style>
+          <a:lnRef idx="2">
+            <a:schemeClr val="accent1">
+              <a:shade val="50000"/>
+            </a:schemeClr>
+          </a:lnRef>
+          <a:fillRef idx="1">
+            <a:schemeClr val="accent1"/>
+          </a:fillRef>
+          <a:effectRef idx="0">
+            <a:schemeClr val="accent1"/>
+          </a:effectRef>
+          <a:fontRef idx="minor">
+            <a:schemeClr val="lt1"/>
+          </a:fontRef>
+        </p:style>
+        <p:txBody>
+          <a:bodyPr rot="0" spcFirstLastPara="0" vertOverflow="overflow" horzOverflow="overflow" vert="horz" wrap="square" lIns="91440" tIns="45720" rIns="91440" bIns="45720" numCol="1" spcCol="0" rtlCol="0" fromWordArt="0" anchor="ctr" anchorCtr="0" forceAA="0" compatLnSpc="1">
+            <a:prstTxWarp prst="textNoShape">
+              <a:avLst/>
+            </a:prstTxWarp>
+            <a:noAutofit/>
+          </a:bodyPr>
+          <a:lstStyle/>
+          <a:p>
+            <a:pPr algn="ctr"/>
+            <a:endParaRPr kumimoji="1" lang="ja-JP" altLang="en-US" sz="2000" dirty="0" smtClean="0">
+              <a:solidFill>
+                <a:schemeClr val="tx1"/>
+              </a:solidFill>
+            </a:endParaRPr>
+          </a:p>
+        </p:txBody>
+      </p:sp>
+      <p:cxnSp>
+        <p:nvCxnSpPr>
+          <p:cNvPr id="72" name="直線コネクタ 71"/>
+          <p:cNvCxnSpPr>
+            <a:stCxn id="55" idx="2"/>
+            <a:endCxn id="71" idx="0"/>
+          </p:cNvCxnSpPr>
+          <p:nvPr/>
+        </p:nvCxnSpPr>
+        <p:spPr>
+          <a:xfrm>
+            <a:off x="4800015" y="692262"/>
+            <a:ext cx="9523" cy="3798754"/>
+          </a:xfrm>
+          <a:prstGeom prst="line">
+            <a:avLst/>
+          </a:prstGeom>
+          <a:ln w="25400">
+            <a:solidFill>
+              <a:schemeClr val="tx1"/>
+            </a:solidFill>
+            <a:prstDash val="solid"/>
+            <a:tailEnd type="none"/>
+          </a:ln>
+        </p:spPr>
+        <p:style>
+          <a:lnRef idx="1">
+            <a:schemeClr val="accent1"/>
+          </a:lnRef>
+          <a:fillRef idx="0">
+            <a:schemeClr val="accent1"/>
+          </a:fillRef>
+          <a:effectRef idx="0">
+            <a:schemeClr val="accent1"/>
+          </a:effectRef>
+          <a:fontRef idx="minor">
+            <a:schemeClr val="tx1"/>
+          </a:fontRef>
+        </p:style>
+      </p:cxnSp>
+      <p:sp>
+        <p:nvSpPr>
+          <p:cNvPr id="75" name="正方形/長方形 74"/>
+          <p:cNvSpPr/>
+          <p:nvPr/>
+        </p:nvSpPr>
+        <p:spPr>
+          <a:xfrm>
+            <a:off x="6161061" y="2085596"/>
+            <a:ext cx="938247" cy="256927"/>
+          </a:xfrm>
+          <a:prstGeom prst="rect">
+            <a:avLst/>
+          </a:prstGeom>
+          <a:solidFill>
+            <a:schemeClr val="bg1"/>
+          </a:solidFill>
+          <a:ln>
+            <a:solidFill>
+              <a:schemeClr val="bg1"/>
+            </a:solidFill>
+          </a:ln>
+        </p:spPr>
+        <p:style>
+          <a:lnRef idx="2">
+            <a:schemeClr val="accent1">
+              <a:shade val="50000"/>
+            </a:schemeClr>
+          </a:lnRef>
+          <a:fillRef idx="1">
+            <a:schemeClr val="accent1"/>
+          </a:fillRef>
+          <a:effectRef idx="0">
+            <a:schemeClr val="accent1"/>
+          </a:effectRef>
+          <a:fontRef idx="minor">
+            <a:schemeClr val="lt1"/>
+          </a:fontRef>
+        </p:style>
+        <p:txBody>
+          <a:bodyPr rot="0" spcFirstLastPara="0" vertOverflow="overflow" horzOverflow="overflow" vert="horz" wrap="square" lIns="91440" tIns="45720" rIns="91440" bIns="45720" numCol="1" spcCol="0" rtlCol="0" fromWordArt="0" anchor="ctr" anchorCtr="0" forceAA="0" compatLnSpc="1">
+            <a:prstTxWarp prst="textNoShape">
+              <a:avLst/>
+            </a:prstTxWarp>
+            <a:noAutofit/>
+          </a:bodyPr>
+          <a:lstStyle/>
+          <a:p>
+            <a:pPr algn="ctr"/>
+            <a:endParaRPr kumimoji="1" lang="ja-JP" altLang="en-US" sz="2000" dirty="0" smtClean="0">
+              <a:solidFill>
+                <a:schemeClr val="tx1"/>
+              </a:solidFill>
+            </a:endParaRPr>
+          </a:p>
+        </p:txBody>
+      </p:sp>
+      <p:cxnSp>
+        <p:nvCxnSpPr>
+          <p:cNvPr id="76" name="直線コネクタ 75"/>
+          <p:cNvCxnSpPr>
+            <a:stCxn id="56" idx="2"/>
+            <a:endCxn id="75" idx="0"/>
+          </p:cNvCxnSpPr>
+          <p:nvPr/>
+        </p:nvCxnSpPr>
+        <p:spPr>
+          <a:xfrm flipH="1">
+            <a:off x="6630185" y="692261"/>
+            <a:ext cx="1" cy="1393335"/>
+          </a:xfrm>
+          <a:prstGeom prst="line">
+            <a:avLst/>
+          </a:prstGeom>
+          <a:ln w="25400">
+            <a:solidFill>
+              <a:schemeClr val="tx1"/>
+            </a:solidFill>
+            <a:prstDash val="solid"/>
+            <a:tailEnd type="none"/>
+          </a:ln>
+        </p:spPr>
+        <p:style>
+          <a:lnRef idx="1">
+            <a:schemeClr val="accent1"/>
+          </a:lnRef>
+          <a:fillRef idx="0">
+            <a:schemeClr val="accent1"/>
+          </a:fillRef>
+          <a:effectRef idx="0">
+            <a:schemeClr val="accent1"/>
+          </a:effectRef>
+          <a:fontRef idx="minor">
+            <a:schemeClr val="tx1"/>
+          </a:fontRef>
+        </p:style>
+      </p:cxnSp>
+      <p:cxnSp>
+        <p:nvCxnSpPr>
+          <p:cNvPr id="14" name="直線矢印コネクタ 13"/>
+          <p:cNvCxnSpPr/>
+          <p:nvPr/>
+        </p:nvCxnSpPr>
+        <p:spPr>
+          <a:xfrm>
+            <a:off x="2259287" y="1147440"/>
+            <a:ext cx="2540727" cy="0"/>
+          </a:xfrm>
+          <a:prstGeom prst="straightConnector1">
+            <a:avLst/>
+          </a:prstGeom>
+          <a:ln w="25400">
+            <a:solidFill>
+              <a:schemeClr val="tx1"/>
+            </a:solidFill>
+            <a:prstDash val="solid"/>
+            <a:tailEnd type="triangle"/>
+          </a:ln>
+        </p:spPr>
+        <p:style>
+          <a:lnRef idx="1">
+            <a:schemeClr val="accent1"/>
+          </a:lnRef>
+          <a:fillRef idx="0">
+            <a:schemeClr val="accent1"/>
+          </a:fillRef>
+          <a:effectRef idx="0">
+            <a:schemeClr val="accent1"/>
+          </a:effectRef>
+          <a:fontRef idx="minor">
+            <a:schemeClr val="tx1"/>
+          </a:fontRef>
+        </p:style>
+      </p:cxnSp>
+      <p:cxnSp>
+        <p:nvCxnSpPr>
+          <p:cNvPr id="77" name="直線矢印コネクタ 76"/>
+          <p:cNvCxnSpPr/>
+          <p:nvPr/>
+        </p:nvCxnSpPr>
+        <p:spPr>
+          <a:xfrm flipV="1">
+            <a:off x="4809539" y="1304925"/>
+            <a:ext cx="1820646" cy="5547"/>
+          </a:xfrm>
+          <a:prstGeom prst="straightConnector1">
+            <a:avLst/>
+          </a:prstGeom>
+          <a:ln w="25400">
+            <a:solidFill>
+              <a:schemeClr val="tx1"/>
+            </a:solidFill>
+            <a:prstDash val="solid"/>
+            <a:tailEnd type="triangle"/>
+          </a:ln>
+        </p:spPr>
+        <p:style>
+          <a:lnRef idx="1">
+            <a:schemeClr val="accent1"/>
+          </a:lnRef>
+          <a:fillRef idx="0">
+            <a:schemeClr val="accent1"/>
+          </a:fillRef>
+          <a:effectRef idx="0">
+            <a:schemeClr val="accent1"/>
+          </a:effectRef>
+          <a:fontRef idx="minor">
+            <a:schemeClr val="tx1"/>
+          </a:fontRef>
+        </p:style>
+      </p:cxnSp>
+      <p:cxnSp>
+        <p:nvCxnSpPr>
+          <p:cNvPr id="18" name="直線矢印コネクタ 17"/>
+          <p:cNvCxnSpPr/>
+          <p:nvPr/>
+        </p:nvCxnSpPr>
+        <p:spPr>
+          <a:xfrm flipH="1">
+            <a:off x="4809538" y="1852613"/>
+            <a:ext cx="1772237" cy="8085"/>
+          </a:xfrm>
+          <a:prstGeom prst="straightConnector1">
+            <a:avLst/>
+          </a:prstGeom>
+          <a:ln w="25400">
+            <a:solidFill>
+              <a:schemeClr val="tx1"/>
+            </a:solidFill>
+            <a:prstDash val="solid"/>
+            <a:tailEnd type="triangle"/>
+          </a:ln>
+        </p:spPr>
+        <p:style>
+          <a:lnRef idx="1">
+            <a:schemeClr val="accent1"/>
+          </a:lnRef>
+          <a:fillRef idx="0">
+            <a:schemeClr val="accent1"/>
+          </a:fillRef>
+          <a:effectRef idx="0">
+            <a:schemeClr val="accent1"/>
+          </a:effectRef>
+          <a:fontRef idx="minor">
+            <a:schemeClr val="tx1"/>
+          </a:fontRef>
+        </p:style>
+      </p:cxnSp>
+      <p:cxnSp>
+        <p:nvCxnSpPr>
+          <p:cNvPr id="80" name="直線矢印コネクタ 79"/>
+          <p:cNvCxnSpPr/>
+          <p:nvPr/>
+        </p:nvCxnSpPr>
+        <p:spPr>
+          <a:xfrm flipH="1">
+            <a:off x="2241109" y="2002465"/>
+            <a:ext cx="2540729" cy="0"/>
+          </a:xfrm>
+          <a:prstGeom prst="straightConnector1">
+            <a:avLst/>
+          </a:prstGeom>
+          <a:ln w="25400">
+            <a:solidFill>
+              <a:schemeClr val="tx1"/>
+            </a:solidFill>
+            <a:prstDash val="solid"/>
+            <a:tailEnd type="triangle"/>
+          </a:ln>
+        </p:spPr>
+        <p:style>
+          <a:lnRef idx="1">
+            <a:schemeClr val="accent1"/>
+          </a:lnRef>
+          <a:fillRef idx="0">
+            <a:schemeClr val="accent1"/>
+          </a:fillRef>
+          <a:effectRef idx="0">
+            <a:schemeClr val="accent1"/>
+          </a:effectRef>
+          <a:fontRef idx="minor">
+            <a:schemeClr val="tx1"/>
+          </a:fontRef>
+        </p:style>
+      </p:cxnSp>
+      <p:sp>
+        <p:nvSpPr>
+          <p:cNvPr id="87" name="テキスト ボックス 86"/>
+          <p:cNvSpPr txBox="1"/>
+          <p:nvPr/>
+        </p:nvSpPr>
+        <p:spPr>
+          <a:xfrm>
+            <a:off x="998806" y="4074498"/>
+            <a:ext cx="2536272" cy="707886"/>
+          </a:xfrm>
+          <a:prstGeom prst="rect">
+            <a:avLst/>
+          </a:prstGeom>
+          <a:pattFill prst="ltUpDiag">
+            <a:fgClr>
+              <a:schemeClr val="bg1">
+                <a:lumMod val="85000"/>
+              </a:schemeClr>
+            </a:fgClr>
+            <a:bgClr>
+              <a:schemeClr val="bg1"/>
+            </a:bgClr>
+          </a:pattFill>
+        </p:spPr>
+        <p:txBody>
+          <a:bodyPr wrap="none" rtlCol="0">
+            <a:spAutoFit/>
+          </a:bodyPr>
+          <a:lstStyle/>
+          <a:p>
+            <a:r>
+              <a:rPr lang="ja-JP" altLang="en-US" sz="2000" dirty="0"/>
+              <a:t>⑨</a:t>
+            </a:r>
+            <a:r>
+              <a:rPr lang="ja-JP" altLang="en-US" sz="2000" dirty="0" smtClean="0"/>
+              <a:t>改ざんレスポンスを</a:t>
+            </a:r>
+            <a:endParaRPr lang="en-US" altLang="ja-JP" sz="2000" dirty="0" smtClean="0"/>
+          </a:p>
+          <a:p>
+            <a:r>
+              <a:rPr lang="ja-JP" altLang="en-US" sz="2000" dirty="0"/>
+              <a:t>　 </a:t>
+            </a:r>
+            <a:r>
+              <a:rPr lang="ja-JP" altLang="en-US" sz="2000" dirty="0" smtClean="0"/>
+              <a:t> キャッシュに格納</a:t>
+            </a:r>
+            <a:endParaRPr kumimoji="1" lang="ja-JP" altLang="en-US" sz="2000" dirty="0"/>
+          </a:p>
+        </p:txBody>
+      </p:sp>
+      <p:sp>
+        <p:nvSpPr>
+          <p:cNvPr id="62" name="テキスト ボックス 61"/>
+          <p:cNvSpPr txBox="1"/>
+          <p:nvPr/>
+        </p:nvSpPr>
+        <p:spPr>
+          <a:xfrm>
+            <a:off x="998806" y="5059990"/>
+            <a:ext cx="3313728" cy="707886"/>
+          </a:xfrm>
+          <a:prstGeom prst="rect">
+            <a:avLst/>
+          </a:prstGeom>
+          <a:pattFill prst="ltUpDiag">
+            <a:fgClr>
+              <a:schemeClr val="bg1">
+                <a:lumMod val="85000"/>
+              </a:schemeClr>
+            </a:fgClr>
+            <a:bgClr>
+              <a:schemeClr val="bg1"/>
+            </a:bgClr>
+          </a:pattFill>
+        </p:spPr>
+        <p:txBody>
+          <a:bodyPr wrap="none" rtlCol="0">
+            <a:spAutoFit/>
+          </a:bodyPr>
+          <a:lstStyle/>
+          <a:p>
+            <a:r>
+              <a:rPr lang="ja-JP" altLang="en-US" sz="2000" dirty="0"/>
+              <a:t>⑩</a:t>
+            </a:r>
+            <a:r>
+              <a:rPr lang="ja-JP" altLang="en-US" sz="2000" dirty="0" smtClean="0"/>
+              <a:t>同じファイルの利用時に</a:t>
+            </a:r>
+            <a:endParaRPr lang="en-US" altLang="ja-JP" sz="2000" dirty="0" smtClean="0"/>
+          </a:p>
+          <a:p>
+            <a:r>
+              <a:rPr kumimoji="1" lang="ja-JP" altLang="en-US" sz="2000" dirty="0"/>
+              <a:t>　</a:t>
+            </a:r>
+            <a:r>
+              <a:rPr kumimoji="1" lang="ja-JP" altLang="en-US" sz="2000" dirty="0" smtClean="0"/>
+              <a:t>  改ざんレスポンスを再利用</a:t>
+            </a:r>
+            <a:endParaRPr kumimoji="1" lang="ja-JP" altLang="en-US" sz="2000" dirty="0"/>
+          </a:p>
+        </p:txBody>
+      </p:sp>
+      <p:pic>
+        <p:nvPicPr>
+          <p:cNvPr id="32" name="図 31"/>
+          <p:cNvPicPr>
+            <a:picLocks noChangeAspect="1"/>
+          </p:cNvPicPr>
+          <p:nvPr/>
+        </p:nvPicPr>
+        <p:blipFill>
+          <a:blip r:embed="rId2" cstate="print">
+            <a:extLst>
+              <a:ext uri="{28A0092B-C50C-407E-A947-70E740481C1C}">
+                <a14:useLocalDpi xmlns:a14="http://schemas.microsoft.com/office/drawing/2010/main" val="0"/>
+              </a:ext>
+            </a:extLst>
+          </a:blip>
+          <a:stretch>
+            <a:fillRect/>
+          </a:stretch>
+        </p:blipFill>
+        <p:spPr>
+          <a:xfrm>
+            <a:off x="5341038" y="234171"/>
+            <a:ext cx="513160" cy="513160"/>
+          </a:xfrm>
+          <a:prstGeom prst="rect">
+            <a:avLst/>
+          </a:prstGeom>
+          <a:effectLst/>
+        </p:spPr>
+      </p:pic>
+      <p:sp>
+        <p:nvSpPr>
+          <p:cNvPr id="28" name="テキスト ボックス 27"/>
+          <p:cNvSpPr txBox="1"/>
+          <p:nvPr/>
+        </p:nvSpPr>
+        <p:spPr>
+          <a:xfrm>
+            <a:off x="2801058" y="2452305"/>
+            <a:ext cx="1465466" cy="400110"/>
+          </a:xfrm>
+          <a:prstGeom prst="rect">
+            <a:avLst/>
+          </a:prstGeom>
+          <a:pattFill prst="ltUpDiag">
+            <a:fgClr>
+              <a:schemeClr val="bg1">
+                <a:lumMod val="85000"/>
+              </a:schemeClr>
+            </a:fgClr>
+            <a:bgClr>
+              <a:schemeClr val="bg1"/>
+            </a:bgClr>
+          </a:pattFill>
+        </p:spPr>
+        <p:txBody>
+          <a:bodyPr wrap="none" rtlCol="0">
+            <a:spAutoFit/>
+          </a:bodyPr>
+          <a:lstStyle/>
+          <a:p>
+            <a:r>
+              <a:rPr lang="ja-JP" altLang="en-US" sz="2000" dirty="0"/>
+              <a:t>⑤</a:t>
+            </a:r>
+            <a:r>
+              <a:rPr kumimoji="1" lang="ja-JP" altLang="en-US" sz="2000" dirty="0" smtClean="0"/>
+              <a:t>リクエスト</a:t>
+            </a:r>
+            <a:endParaRPr kumimoji="1" lang="ja-JP" altLang="en-US" sz="2000" dirty="0"/>
+          </a:p>
+        </p:txBody>
+      </p:sp>
+      <p:sp>
+        <p:nvSpPr>
+          <p:cNvPr id="29" name="テキスト ボックス 28"/>
+          <p:cNvSpPr txBox="1"/>
+          <p:nvPr/>
+        </p:nvSpPr>
+        <p:spPr>
+          <a:xfrm>
+            <a:off x="5001503" y="2648215"/>
+            <a:ext cx="1465466" cy="400110"/>
+          </a:xfrm>
+          <a:prstGeom prst="rect">
+            <a:avLst/>
+          </a:prstGeom>
+          <a:noFill/>
+        </p:spPr>
+        <p:txBody>
+          <a:bodyPr wrap="none" rtlCol="0">
+            <a:spAutoFit/>
+          </a:bodyPr>
+          <a:lstStyle/>
+          <a:p>
+            <a:r>
+              <a:rPr lang="ja-JP" altLang="en-US" sz="2000" dirty="0" smtClean="0"/>
+              <a:t>⑥</a:t>
+            </a:r>
+            <a:r>
+              <a:rPr kumimoji="1" lang="ja-JP" altLang="en-US" sz="2000" dirty="0" smtClean="0"/>
+              <a:t>リクエスト</a:t>
+            </a:r>
+            <a:endParaRPr kumimoji="1" lang="ja-JP" altLang="en-US" sz="2000" dirty="0"/>
+          </a:p>
+        </p:txBody>
+      </p:sp>
+      <p:sp>
+        <p:nvSpPr>
+          <p:cNvPr id="30" name="テキスト ボックス 29"/>
+          <p:cNvSpPr txBox="1"/>
+          <p:nvPr/>
+        </p:nvSpPr>
+        <p:spPr>
+          <a:xfrm>
+            <a:off x="6408319" y="3185749"/>
+            <a:ext cx="1587294" cy="400110"/>
+          </a:xfrm>
+          <a:prstGeom prst="rect">
+            <a:avLst/>
+          </a:prstGeom>
+          <a:noFill/>
+        </p:spPr>
+        <p:txBody>
+          <a:bodyPr wrap="none" rtlCol="0">
+            <a:spAutoFit/>
+          </a:bodyPr>
+          <a:lstStyle/>
+          <a:p>
+            <a:r>
+              <a:rPr lang="ja-JP" altLang="en-US" sz="2000" dirty="0"/>
+              <a:t>⑦</a:t>
+            </a:r>
+            <a:r>
+              <a:rPr lang="ja-JP" altLang="en-US" sz="2000" dirty="0" smtClean="0"/>
+              <a:t>レスポンス</a:t>
+            </a:r>
+            <a:endParaRPr kumimoji="1" lang="ja-JP" altLang="en-US" sz="2000" dirty="0"/>
+          </a:p>
+        </p:txBody>
+      </p:sp>
+      <p:sp>
+        <p:nvSpPr>
+          <p:cNvPr id="31" name="テキスト ボックス 30"/>
+          <p:cNvSpPr txBox="1"/>
+          <p:nvPr/>
+        </p:nvSpPr>
+        <p:spPr>
+          <a:xfrm>
+            <a:off x="2371320" y="3307592"/>
+            <a:ext cx="2316660" cy="400110"/>
+          </a:xfrm>
+          <a:prstGeom prst="rect">
+            <a:avLst/>
+          </a:prstGeom>
+          <a:pattFill prst="ltUpDiag">
+            <a:fgClr>
+              <a:schemeClr val="bg1">
+                <a:lumMod val="85000"/>
+              </a:schemeClr>
+            </a:fgClr>
+            <a:bgClr>
+              <a:schemeClr val="bg1"/>
+            </a:bgClr>
+          </a:pattFill>
+        </p:spPr>
+        <p:txBody>
+          <a:bodyPr wrap="none" rtlCol="0">
+            <a:spAutoFit/>
+          </a:bodyPr>
+          <a:lstStyle/>
+          <a:p>
+            <a:r>
+              <a:rPr lang="ja-JP" altLang="en-US" sz="2000" dirty="0" smtClean="0"/>
+              <a:t>⑧改ざんレスポンス</a:t>
+            </a:r>
+            <a:endParaRPr kumimoji="1" lang="ja-JP" altLang="en-US" sz="2000" dirty="0"/>
+          </a:p>
+        </p:txBody>
+      </p:sp>
+      <p:cxnSp>
+        <p:nvCxnSpPr>
+          <p:cNvPr id="33" name="直線矢印コネクタ 32"/>
+          <p:cNvCxnSpPr/>
+          <p:nvPr/>
+        </p:nvCxnSpPr>
+        <p:spPr>
+          <a:xfrm>
+            <a:off x="2259287" y="2852415"/>
+            <a:ext cx="2540727" cy="0"/>
+          </a:xfrm>
+          <a:prstGeom prst="straightConnector1">
+            <a:avLst/>
+          </a:prstGeom>
+          <a:ln w="25400">
+            <a:solidFill>
+              <a:schemeClr val="tx1"/>
+            </a:solidFill>
+            <a:prstDash val="solid"/>
+            <a:tailEnd type="triangle"/>
+          </a:ln>
+        </p:spPr>
+        <p:style>
+          <a:lnRef idx="1">
+            <a:schemeClr val="accent1"/>
+          </a:lnRef>
+          <a:fillRef idx="0">
+            <a:schemeClr val="accent1"/>
+          </a:fillRef>
+          <a:effectRef idx="0">
+            <a:schemeClr val="accent1"/>
+          </a:effectRef>
+          <a:fontRef idx="minor">
+            <a:schemeClr val="tx1"/>
+          </a:fontRef>
+        </p:style>
+      </p:cxnSp>
+      <p:cxnSp>
+        <p:nvCxnSpPr>
+          <p:cNvPr id="34" name="直線矢印コネクタ 33"/>
+          <p:cNvCxnSpPr/>
+          <p:nvPr/>
+        </p:nvCxnSpPr>
+        <p:spPr>
+          <a:xfrm>
+            <a:off x="4809539" y="3015448"/>
+            <a:ext cx="3351546" cy="3977"/>
+          </a:xfrm>
+          <a:prstGeom prst="straightConnector1">
+            <a:avLst/>
+          </a:prstGeom>
+          <a:ln w="25400">
+            <a:solidFill>
+              <a:schemeClr val="tx1"/>
+            </a:solidFill>
+            <a:prstDash val="solid"/>
+            <a:tailEnd type="triangle"/>
+          </a:ln>
+        </p:spPr>
+        <p:style>
+          <a:lnRef idx="1">
+            <a:schemeClr val="accent1"/>
+          </a:lnRef>
+          <a:fillRef idx="0">
+            <a:schemeClr val="accent1"/>
+          </a:fillRef>
+          <a:effectRef idx="0">
+            <a:schemeClr val="accent1"/>
+          </a:effectRef>
+          <a:fontRef idx="minor">
+            <a:schemeClr val="tx1"/>
+          </a:fontRef>
+        </p:style>
+      </p:cxnSp>
+      <p:cxnSp>
+        <p:nvCxnSpPr>
+          <p:cNvPr id="35" name="直線矢印コネクタ 34"/>
+          <p:cNvCxnSpPr/>
+          <p:nvPr/>
+        </p:nvCxnSpPr>
+        <p:spPr>
+          <a:xfrm flipH="1">
+            <a:off x="4809541" y="3562350"/>
+            <a:ext cx="3351544" cy="3323"/>
+          </a:xfrm>
+          <a:prstGeom prst="straightConnector1">
+            <a:avLst/>
+          </a:prstGeom>
+          <a:ln w="25400">
+            <a:solidFill>
+              <a:schemeClr val="tx1"/>
+            </a:solidFill>
+            <a:prstDash val="solid"/>
+            <a:tailEnd type="triangle"/>
+          </a:ln>
+        </p:spPr>
+        <p:style>
+          <a:lnRef idx="1">
+            <a:schemeClr val="accent1"/>
+          </a:lnRef>
+          <a:fillRef idx="0">
+            <a:schemeClr val="accent1"/>
+          </a:fillRef>
+          <a:effectRef idx="0">
+            <a:schemeClr val="accent1"/>
+          </a:effectRef>
+          <a:fontRef idx="minor">
+            <a:schemeClr val="tx1"/>
+          </a:fontRef>
+        </p:style>
+      </p:cxnSp>
+      <p:cxnSp>
+        <p:nvCxnSpPr>
+          <p:cNvPr id="36" name="直線矢印コネクタ 35"/>
+          <p:cNvCxnSpPr/>
+          <p:nvPr/>
+        </p:nvCxnSpPr>
+        <p:spPr>
+          <a:xfrm flipH="1">
+            <a:off x="2241109" y="3707440"/>
+            <a:ext cx="2540729" cy="0"/>
+          </a:xfrm>
+          <a:prstGeom prst="straightConnector1">
+            <a:avLst/>
+          </a:prstGeom>
+          <a:ln w="25400">
+            <a:solidFill>
+              <a:schemeClr val="tx1"/>
+            </a:solidFill>
+            <a:prstDash val="solid"/>
+            <a:tailEnd type="triangle"/>
+          </a:ln>
+        </p:spPr>
+        <p:style>
+          <a:lnRef idx="1">
+            <a:schemeClr val="accent1"/>
+          </a:lnRef>
+          <a:fillRef idx="0">
+            <a:schemeClr val="accent1"/>
+          </a:fillRef>
+          <a:effectRef idx="0">
+            <a:schemeClr val="accent1"/>
+          </a:effectRef>
+          <a:fontRef idx="minor">
+            <a:schemeClr val="tx1"/>
+          </a:fontRef>
+        </p:style>
+      </p:cxnSp>
+      <p:sp>
+        <p:nvSpPr>
+          <p:cNvPr id="37" name="正方形/長方形 36"/>
+          <p:cNvSpPr/>
+          <p:nvPr/>
+        </p:nvSpPr>
+        <p:spPr>
+          <a:xfrm>
+            <a:off x="7526135" y="237084"/>
+            <a:ext cx="1269901" cy="455177"/>
+          </a:xfrm>
+          <a:prstGeom prst="rect">
+            <a:avLst/>
+          </a:prstGeom>
+          <a:noFill/>
+          <a:ln>
+            <a:solidFill>
+              <a:schemeClr val="tx1"/>
+            </a:solidFill>
+          </a:ln>
+        </p:spPr>
+        <p:style>
+          <a:lnRef idx="2">
+            <a:schemeClr val="accent1">
+              <a:shade val="50000"/>
+            </a:schemeClr>
+          </a:lnRef>
+          <a:fillRef idx="1">
+            <a:schemeClr val="accent1"/>
+          </a:fillRef>
+          <a:effectRef idx="0">
+            <a:schemeClr val="accent1"/>
+          </a:effectRef>
+          <a:fontRef idx="minor">
+            <a:schemeClr val="lt1"/>
+          </a:fontRef>
+        </p:style>
+        <p:txBody>
+          <a:bodyPr rtlCol="0" anchor="ctr"/>
+          <a:lstStyle/>
+          <a:p>
+            <a:pPr algn="ctr"/>
+            <a:r>
+              <a:rPr lang="ja-JP" altLang="en-US" sz="2400" dirty="0" smtClean="0">
+                <a:solidFill>
+                  <a:schemeClr val="tx1"/>
+                </a:solidFill>
+              </a:rPr>
+              <a:t>サーバ</a:t>
+            </a:r>
+            <a:r>
+              <a:rPr lang="en-US" altLang="ja-JP" sz="2400" dirty="0" smtClean="0">
+                <a:solidFill>
+                  <a:schemeClr val="tx1"/>
+                </a:solidFill>
+              </a:rPr>
+              <a:t>2</a:t>
+            </a:r>
+            <a:endParaRPr kumimoji="1" lang="ja-JP" altLang="en-US" sz="2400" dirty="0" smtClean="0">
+              <a:solidFill>
+                <a:schemeClr val="tx1"/>
+              </a:solidFill>
+            </a:endParaRPr>
+          </a:p>
+        </p:txBody>
+      </p:sp>
+      <p:cxnSp>
+        <p:nvCxnSpPr>
+          <p:cNvPr id="43" name="直線コネクタ 42"/>
+          <p:cNvCxnSpPr>
+            <a:stCxn id="37" idx="2"/>
+            <a:endCxn id="45" idx="0"/>
+          </p:cNvCxnSpPr>
+          <p:nvPr/>
+        </p:nvCxnSpPr>
+        <p:spPr>
+          <a:xfrm flipH="1">
+            <a:off x="8161085" y="692261"/>
+            <a:ext cx="1" cy="3798754"/>
+          </a:xfrm>
+          <a:prstGeom prst="line">
+            <a:avLst/>
+          </a:prstGeom>
+          <a:ln w="25400">
+            <a:solidFill>
+              <a:schemeClr val="tx1"/>
+            </a:solidFill>
+            <a:prstDash val="solid"/>
+            <a:tailEnd type="none"/>
+          </a:ln>
+        </p:spPr>
+        <p:style>
+          <a:lnRef idx="1">
+            <a:schemeClr val="accent1"/>
+          </a:lnRef>
+          <a:fillRef idx="0">
+            <a:schemeClr val="accent1"/>
+          </a:fillRef>
+          <a:effectRef idx="0">
+            <a:schemeClr val="accent1"/>
+          </a:effectRef>
+          <a:fontRef idx="minor">
+            <a:schemeClr val="tx1"/>
+          </a:fontRef>
+        </p:style>
+      </p:cxnSp>
+      <p:sp>
+        <p:nvSpPr>
+          <p:cNvPr id="45" name="正方形/長方形 44"/>
+          <p:cNvSpPr/>
+          <p:nvPr/>
+        </p:nvSpPr>
+        <p:spPr>
+          <a:xfrm>
+            <a:off x="7691961" y="4491015"/>
+            <a:ext cx="938247" cy="256927"/>
+          </a:xfrm>
+          <a:prstGeom prst="rect">
+            <a:avLst/>
+          </a:prstGeom>
+          <a:solidFill>
+            <a:schemeClr val="bg1"/>
+          </a:solidFill>
+          <a:ln>
+            <a:solidFill>
+              <a:schemeClr val="bg1"/>
+            </a:solidFill>
+          </a:ln>
+        </p:spPr>
+        <p:style>
+          <a:lnRef idx="2">
+            <a:schemeClr val="accent1">
+              <a:shade val="50000"/>
+            </a:schemeClr>
+          </a:lnRef>
+          <a:fillRef idx="1">
+            <a:schemeClr val="accent1"/>
+          </a:fillRef>
+          <a:effectRef idx="0">
+            <a:schemeClr val="accent1"/>
+          </a:effectRef>
+          <a:fontRef idx="minor">
+            <a:schemeClr val="lt1"/>
+          </a:fontRef>
+        </p:style>
+        <p:txBody>
+          <a:bodyPr rot="0" spcFirstLastPara="0" vertOverflow="overflow" horzOverflow="overflow" vert="horz" wrap="square" lIns="91440" tIns="45720" rIns="91440" bIns="45720" numCol="1" spcCol="0" rtlCol="0" fromWordArt="0" anchor="ctr" anchorCtr="0" forceAA="0" compatLnSpc="1">
+            <a:prstTxWarp prst="textNoShape">
+              <a:avLst/>
+            </a:prstTxWarp>
+            <a:noAutofit/>
+          </a:bodyPr>
+          <a:lstStyle/>
+          <a:p>
+            <a:pPr algn="ctr"/>
+            <a:endParaRPr kumimoji="1" lang="ja-JP" altLang="en-US" sz="2000" dirty="0" smtClean="0">
+              <a:solidFill>
+                <a:schemeClr val="tx1"/>
+              </a:solidFill>
+            </a:endParaRPr>
+          </a:p>
+        </p:txBody>
+      </p:sp>
+      <p:cxnSp>
+        <p:nvCxnSpPr>
+          <p:cNvPr id="58" name="曲線コネクタ 57"/>
+          <p:cNvCxnSpPr>
+            <a:stCxn id="60" idx="1"/>
+            <a:endCxn id="28" idx="1"/>
+          </p:cNvCxnSpPr>
+          <p:nvPr/>
+        </p:nvCxnSpPr>
+        <p:spPr>
+          <a:xfrm rot="10800000" flipH="1" flipV="1">
+            <a:off x="2371320" y="1802672"/>
+            <a:ext cx="429738" cy="849688"/>
+          </a:xfrm>
+          <a:prstGeom prst="curvedConnector3">
+            <a:avLst>
+              <a:gd name="adj1" fmla="val -88658"/>
+            </a:avLst>
+          </a:prstGeom>
+          <a:ln w="25400">
+            <a:solidFill>
+              <a:schemeClr val="tx1"/>
+            </a:solidFill>
+            <a:prstDash val="sysDot"/>
+            <a:tailEnd type="triangle"/>
+          </a:ln>
+        </p:spPr>
+        <p:style>
+          <a:lnRef idx="1">
+            <a:schemeClr val="accent1"/>
+          </a:lnRef>
+          <a:fillRef idx="0">
+            <a:schemeClr val="accent1"/>
+          </a:fillRef>
+          <a:effectRef idx="0">
+            <a:schemeClr val="accent1"/>
+          </a:effectRef>
+          <a:fontRef idx="minor">
+            <a:schemeClr val="tx1"/>
+          </a:fontRef>
+        </p:style>
+      </p:cxnSp>
+      <p:cxnSp>
+        <p:nvCxnSpPr>
+          <p:cNvPr id="67" name="直線コネクタ 66"/>
+          <p:cNvCxnSpPr/>
+          <p:nvPr/>
+        </p:nvCxnSpPr>
+        <p:spPr>
+          <a:xfrm>
+            <a:off x="998806" y="2266950"/>
+            <a:ext cx="7430819" cy="0"/>
+          </a:xfrm>
+          <a:prstGeom prst="line">
+            <a:avLst/>
+          </a:prstGeom>
+          <a:ln w="12700">
+            <a:solidFill>
+              <a:schemeClr val="tx1"/>
+            </a:solidFill>
+            <a:prstDash val="sysDash"/>
+            <a:tailEnd type="none"/>
+          </a:ln>
+        </p:spPr>
+        <p:style>
+          <a:lnRef idx="1">
+            <a:schemeClr val="accent1"/>
+          </a:lnRef>
+          <a:fillRef idx="0">
+            <a:schemeClr val="accent1"/>
+          </a:fillRef>
+          <a:effectRef idx="0">
+            <a:schemeClr val="accent1"/>
+          </a:effectRef>
+          <a:fontRef idx="minor">
+            <a:schemeClr val="tx1"/>
+          </a:fontRef>
+        </p:style>
+      </p:cxnSp>
+      <p:sp>
+        <p:nvSpPr>
+          <p:cNvPr id="68" name="右大かっこ 67"/>
+          <p:cNvSpPr/>
+          <p:nvPr/>
+        </p:nvSpPr>
+        <p:spPr>
+          <a:xfrm>
+            <a:off x="8387316" y="2314691"/>
+            <a:ext cx="203104" cy="3679516"/>
+          </a:xfrm>
+          <a:prstGeom prst="rightBracket">
+            <a:avLst/>
+          </a:prstGeom>
+          <a:ln w="25400">
+            <a:solidFill>
+              <a:schemeClr val="tx1"/>
+            </a:solidFill>
+            <a:prstDash val="solid"/>
+            <a:tailEnd type="none"/>
+          </a:ln>
+        </p:spPr>
+        <p:style>
+          <a:lnRef idx="1">
+            <a:schemeClr val="accent1"/>
+          </a:lnRef>
+          <a:fillRef idx="0">
+            <a:schemeClr val="accent1"/>
+          </a:fillRef>
+          <a:effectRef idx="0">
+            <a:schemeClr val="accent1"/>
+          </a:effectRef>
+          <a:fontRef idx="minor">
+            <a:schemeClr val="tx1"/>
+          </a:fontRef>
+        </p:style>
+        <p:txBody>
+          <a:bodyPr rtlCol="0" anchor="ctr"/>
+          <a:lstStyle/>
+          <a:p>
+            <a:pPr algn="ctr"/>
+            <a:endParaRPr kumimoji="1" lang="ja-JP" altLang="en-US"/>
+          </a:p>
+        </p:txBody>
+      </p:sp>
+      <p:sp>
+        <p:nvSpPr>
+          <p:cNvPr id="70" name="テキスト ボックス 69"/>
+          <p:cNvSpPr txBox="1"/>
+          <p:nvPr/>
+        </p:nvSpPr>
+        <p:spPr>
+          <a:xfrm>
+            <a:off x="8594746" y="3969783"/>
+            <a:ext cx="1309974" cy="646331"/>
+          </a:xfrm>
+          <a:prstGeom prst="rect">
+            <a:avLst/>
+          </a:prstGeom>
+          <a:noFill/>
+        </p:spPr>
+        <p:txBody>
+          <a:bodyPr wrap="none" rtlCol="0">
+            <a:spAutoFit/>
+          </a:bodyPr>
+          <a:lstStyle/>
+          <a:p>
+            <a:r>
+              <a:rPr kumimoji="1" lang="en-US" altLang="ja-JP" dirty="0" smtClean="0"/>
+              <a:t>Same-origin</a:t>
+            </a:r>
+          </a:p>
+          <a:p>
+            <a:r>
+              <a:rPr kumimoji="1" lang="en-US" altLang="ja-JP" dirty="0" smtClean="0"/>
+              <a:t>BCP</a:t>
+            </a:r>
+            <a:r>
+              <a:rPr kumimoji="1" lang="ja-JP" altLang="en-US" dirty="0" smtClean="0"/>
+              <a:t>攻撃</a:t>
+            </a:r>
+            <a:endParaRPr kumimoji="1" lang="ja-JP" altLang="en-US" dirty="0"/>
+          </a:p>
+        </p:txBody>
+      </p:sp>
+    </p:spTree>
+    <p:extLst>
+      <p:ext uri="{BB962C8B-B14F-4D97-AF65-F5344CB8AC3E}">
+        <p14:creationId xmlns:p14="http://schemas.microsoft.com/office/powerpoint/2010/main" val="3519194116"/>
+      </p:ext>
+    </p:extLst>
+  </p:cSld>
+  <p:clrMapOvr>
+    <a:masterClrMapping/>
+  </p:clrMapOvr>
+</p:sld>
+</file>
+
+<file path=ppt/slides/slide18.xml><?xml version="1.0" encoding="utf-8"?>
+<p:sld xmlns:a="http://schemas.openxmlformats.org/drawingml/2006/main" xmlns:r="http://schemas.openxmlformats.org/officeDocument/2006/relationships" xmlns:p="http://schemas.openxmlformats.org/presentationml/2006/main">
+  <p:cSld>
+    <p:spTree>
+      <p:nvGrpSpPr>
+        <p:cNvPr id="1" name=""/>
+        <p:cNvGrpSpPr/>
+        <p:nvPr/>
+      </p:nvGrpSpPr>
+      <p:grpSpPr>
+        <a:xfrm>
+          <a:off x="0" y="0"/>
+          <a:ext cx="0" cy="0"/>
+          <a:chOff x="0" y="0"/>
+          <a:chExt cx="0" cy="0"/>
+        </a:xfrm>
+      </p:grpSpPr>
+      <p:sp>
+        <p:nvSpPr>
+          <p:cNvPr id="64" name="正方形/長方形 63"/>
+          <p:cNvSpPr/>
+          <p:nvPr/>
+        </p:nvSpPr>
+        <p:spPr>
+          <a:xfrm>
+            <a:off x="691385" y="229043"/>
+            <a:ext cx="7723764" cy="3919949"/>
+          </a:xfrm>
+          <a:prstGeom prst="rect">
+            <a:avLst/>
+          </a:prstGeom>
+          <a:solidFill>
+            <a:schemeClr val="bg1"/>
+          </a:solidFill>
+          <a:ln>
+            <a:solidFill>
+              <a:schemeClr val="bg1"/>
+            </a:solidFill>
+          </a:ln>
+        </p:spPr>
+        <p:style>
+          <a:lnRef idx="2">
+            <a:schemeClr val="accent1">
+              <a:shade val="50000"/>
+            </a:schemeClr>
+          </a:lnRef>
+          <a:fillRef idx="1">
+            <a:schemeClr val="accent1"/>
+          </a:fillRef>
+          <a:effectRef idx="0">
+            <a:schemeClr val="accent1"/>
+          </a:effectRef>
+          <a:fontRef idx="minor">
+            <a:schemeClr val="lt1"/>
+          </a:fontRef>
+        </p:style>
+        <p:txBody>
+          <a:bodyPr rot="0" spcFirstLastPara="0" vertOverflow="overflow" horzOverflow="overflow" vert="horz" wrap="square" lIns="91440" tIns="45720" rIns="91440" bIns="45720" numCol="1" spcCol="0" rtlCol="0" fromWordArt="0" anchor="ctr" anchorCtr="0" forceAA="0" compatLnSpc="1">
+            <a:prstTxWarp prst="textNoShape">
+              <a:avLst/>
+            </a:prstTxWarp>
+            <a:noAutofit/>
+          </a:bodyPr>
+          <a:lstStyle/>
+          <a:p>
+            <a:pPr algn="ctr"/>
+            <a:endParaRPr kumimoji="1" lang="ja-JP" altLang="en-US" sz="2000" dirty="0" smtClean="0">
+              <a:solidFill>
+                <a:schemeClr val="tx1"/>
+              </a:solidFill>
+            </a:endParaRPr>
+          </a:p>
+        </p:txBody>
+      </p:sp>
+      <p:sp>
+        <p:nvSpPr>
+          <p:cNvPr id="50" name="正方形/長方形 49"/>
+          <p:cNvSpPr/>
+          <p:nvPr/>
+        </p:nvSpPr>
+        <p:spPr>
+          <a:xfrm>
+            <a:off x="2602692" y="237086"/>
+            <a:ext cx="1333584" cy="455177"/>
+          </a:xfrm>
+          <a:prstGeom prst="rect">
+            <a:avLst/>
+          </a:prstGeom>
+          <a:noFill/>
+          <a:ln>
+            <a:solidFill>
+              <a:schemeClr val="tx1"/>
+            </a:solidFill>
+          </a:ln>
+        </p:spPr>
+        <p:style>
+          <a:lnRef idx="2">
+            <a:schemeClr val="accent1">
+              <a:shade val="50000"/>
+            </a:schemeClr>
+          </a:lnRef>
+          <a:fillRef idx="1">
+            <a:schemeClr val="accent1"/>
+          </a:fillRef>
+          <a:effectRef idx="0">
+            <a:schemeClr val="accent1"/>
+          </a:effectRef>
+          <a:fontRef idx="minor">
+            <a:schemeClr val="lt1"/>
+          </a:fontRef>
+        </p:style>
+        <p:txBody>
+          <a:bodyPr rtlCol="0" anchor="ctr"/>
+          <a:lstStyle/>
+          <a:p>
+            <a:pPr algn="ctr"/>
+            <a:r>
+              <a:rPr kumimoji="1" lang="ja-JP" altLang="en-US" sz="2400" dirty="0" smtClean="0">
+                <a:solidFill>
+                  <a:schemeClr val="tx1"/>
+                </a:solidFill>
+              </a:rPr>
+              <a:t>ブラウザ</a:t>
+            </a:r>
+          </a:p>
+        </p:txBody>
+      </p:sp>
+      <p:sp>
+        <p:nvSpPr>
+          <p:cNvPr id="56" name="正方形/長方形 55"/>
+          <p:cNvSpPr/>
+          <p:nvPr/>
+        </p:nvSpPr>
+        <p:spPr>
+          <a:xfrm>
+            <a:off x="6830707" y="235606"/>
+            <a:ext cx="1181184" cy="455177"/>
+          </a:xfrm>
+          <a:prstGeom prst="rect">
+            <a:avLst/>
+          </a:prstGeom>
+          <a:noFill/>
+          <a:ln>
+            <a:solidFill>
+              <a:schemeClr val="tx1"/>
+            </a:solidFill>
+          </a:ln>
+        </p:spPr>
+        <p:style>
+          <a:lnRef idx="2">
+            <a:schemeClr val="accent1">
+              <a:shade val="50000"/>
+            </a:schemeClr>
+          </a:lnRef>
+          <a:fillRef idx="1">
+            <a:schemeClr val="accent1"/>
+          </a:fillRef>
+          <a:effectRef idx="0">
+            <a:schemeClr val="accent1"/>
+          </a:effectRef>
+          <a:fontRef idx="minor">
+            <a:schemeClr val="lt1"/>
+          </a:fontRef>
+        </p:style>
+        <p:txBody>
+          <a:bodyPr rtlCol="0" anchor="ctr"/>
+          <a:lstStyle/>
+          <a:p>
+            <a:pPr algn="ctr"/>
+            <a:r>
+              <a:rPr lang="ja-JP" altLang="en-US" sz="2400" dirty="0" smtClean="0">
+                <a:solidFill>
+                  <a:schemeClr val="tx1"/>
+                </a:solidFill>
+              </a:rPr>
+              <a:t>サーバ</a:t>
+            </a:r>
+            <a:endParaRPr kumimoji="1" lang="ja-JP" altLang="en-US" sz="2400" dirty="0" smtClean="0">
+              <a:solidFill>
+                <a:schemeClr val="tx1"/>
+              </a:solidFill>
+            </a:endParaRPr>
+          </a:p>
+        </p:txBody>
+      </p:sp>
+      <p:sp>
+        <p:nvSpPr>
+          <p:cNvPr id="4" name="テキスト ボックス 3"/>
+          <p:cNvSpPr txBox="1"/>
+          <p:nvPr/>
+        </p:nvSpPr>
+        <p:spPr>
+          <a:xfrm>
+            <a:off x="3271320" y="747330"/>
+            <a:ext cx="1465466" cy="400110"/>
+          </a:xfrm>
+          <a:prstGeom prst="rect">
+            <a:avLst/>
+          </a:prstGeom>
+          <a:noFill/>
+        </p:spPr>
+        <p:txBody>
+          <a:bodyPr wrap="none" rtlCol="0">
+            <a:spAutoFit/>
+          </a:bodyPr>
+          <a:lstStyle/>
+          <a:p>
+            <a:r>
+              <a:rPr kumimoji="1" lang="ja-JP" altLang="en-US" sz="2000" dirty="0" smtClean="0"/>
+              <a:t>①リクエスト</a:t>
+            </a:r>
+            <a:endParaRPr kumimoji="1" lang="ja-JP" altLang="en-US" sz="2000" dirty="0"/>
+          </a:p>
+        </p:txBody>
+      </p:sp>
+      <p:sp>
+        <p:nvSpPr>
+          <p:cNvPr id="57" name="テキスト ボックス 56"/>
+          <p:cNvSpPr txBox="1"/>
+          <p:nvPr/>
+        </p:nvSpPr>
+        <p:spPr>
+          <a:xfrm>
+            <a:off x="5389896" y="947385"/>
+            <a:ext cx="1465466" cy="400110"/>
+          </a:xfrm>
+          <a:prstGeom prst="rect">
+            <a:avLst/>
+          </a:prstGeom>
+          <a:noFill/>
+        </p:spPr>
+        <p:txBody>
+          <a:bodyPr wrap="none" rtlCol="0">
+            <a:spAutoFit/>
+          </a:bodyPr>
+          <a:lstStyle/>
+          <a:p>
+            <a:r>
+              <a:rPr lang="ja-JP" altLang="en-US" sz="2000" dirty="0"/>
+              <a:t>②</a:t>
+            </a:r>
+            <a:r>
+              <a:rPr kumimoji="1" lang="ja-JP" altLang="en-US" sz="2000" dirty="0" smtClean="0"/>
+              <a:t>リクエスト</a:t>
+            </a:r>
+            <a:endParaRPr kumimoji="1" lang="ja-JP" altLang="en-US" sz="2000" dirty="0"/>
+          </a:p>
+        </p:txBody>
+      </p:sp>
+      <p:sp>
+        <p:nvSpPr>
+          <p:cNvPr id="59" name="テキスト ボックス 58"/>
+          <p:cNvSpPr txBox="1"/>
+          <p:nvPr/>
+        </p:nvSpPr>
+        <p:spPr>
+          <a:xfrm>
+            <a:off x="5860209" y="1448875"/>
+            <a:ext cx="1587294" cy="400110"/>
+          </a:xfrm>
+          <a:prstGeom prst="rect">
+            <a:avLst/>
+          </a:prstGeom>
+          <a:pattFill prst="ltUpDiag">
+            <a:fgClr>
+              <a:schemeClr val="bg1">
+                <a:lumMod val="85000"/>
+              </a:schemeClr>
+            </a:fgClr>
+            <a:bgClr>
+              <a:schemeClr val="bg1"/>
+            </a:bgClr>
+          </a:pattFill>
+        </p:spPr>
+        <p:txBody>
+          <a:bodyPr wrap="none" rtlCol="0">
+            <a:spAutoFit/>
+          </a:bodyPr>
+          <a:lstStyle/>
+          <a:p>
+            <a:r>
+              <a:rPr lang="ja-JP" altLang="en-US" sz="2000" dirty="0" smtClean="0"/>
+              <a:t>③レスポンス</a:t>
+            </a:r>
+            <a:endParaRPr kumimoji="1" lang="ja-JP" altLang="en-US" sz="2000" dirty="0"/>
+          </a:p>
+        </p:txBody>
+      </p:sp>
+      <p:sp>
+        <p:nvSpPr>
+          <p:cNvPr id="65" name="正方形/長方形 64"/>
+          <p:cNvSpPr/>
+          <p:nvPr/>
+        </p:nvSpPr>
+        <p:spPr>
+          <a:xfrm>
+            <a:off x="2800361" y="2223384"/>
+            <a:ext cx="938247" cy="256927"/>
+          </a:xfrm>
+          <a:prstGeom prst="rect">
+            <a:avLst/>
+          </a:prstGeom>
+          <a:solidFill>
+            <a:schemeClr val="bg1"/>
+          </a:solidFill>
+          <a:ln>
+            <a:solidFill>
+              <a:schemeClr val="bg1"/>
+            </a:solidFill>
+          </a:ln>
+        </p:spPr>
+        <p:style>
+          <a:lnRef idx="2">
+            <a:schemeClr val="accent1">
+              <a:shade val="50000"/>
+            </a:schemeClr>
+          </a:lnRef>
+          <a:fillRef idx="1">
+            <a:schemeClr val="accent1"/>
+          </a:fillRef>
+          <a:effectRef idx="0">
+            <a:schemeClr val="accent1"/>
+          </a:effectRef>
+          <a:fontRef idx="minor">
+            <a:schemeClr val="lt1"/>
+          </a:fontRef>
+        </p:style>
+        <p:txBody>
+          <a:bodyPr rot="0" spcFirstLastPara="0" vertOverflow="overflow" horzOverflow="overflow" vert="horz" wrap="square" lIns="91440" tIns="45720" rIns="91440" bIns="45720" numCol="1" spcCol="0" rtlCol="0" fromWordArt="0" anchor="ctr" anchorCtr="0" forceAA="0" compatLnSpc="1">
+            <a:prstTxWarp prst="textNoShape">
+              <a:avLst/>
+            </a:prstTxWarp>
+            <a:noAutofit/>
+          </a:bodyPr>
+          <a:lstStyle/>
+          <a:p>
+            <a:pPr algn="ctr"/>
+            <a:endParaRPr kumimoji="1" lang="ja-JP" altLang="en-US" sz="2000" dirty="0" smtClean="0">
+              <a:solidFill>
+                <a:schemeClr val="tx1"/>
+              </a:solidFill>
+            </a:endParaRPr>
+          </a:p>
+        </p:txBody>
+      </p:sp>
+      <p:cxnSp>
+        <p:nvCxnSpPr>
+          <p:cNvPr id="6" name="直線コネクタ 5"/>
+          <p:cNvCxnSpPr>
+            <a:stCxn id="50" idx="2"/>
+            <a:endCxn id="65" idx="0"/>
+          </p:cNvCxnSpPr>
+          <p:nvPr/>
+        </p:nvCxnSpPr>
+        <p:spPr>
+          <a:xfrm>
+            <a:off x="3269484" y="692263"/>
+            <a:ext cx="1" cy="1531121"/>
+          </a:xfrm>
+          <a:prstGeom prst="line">
+            <a:avLst/>
+          </a:prstGeom>
+          <a:ln w="25400">
+            <a:solidFill>
+              <a:schemeClr val="tx1"/>
+            </a:solidFill>
+            <a:prstDash val="solid"/>
+            <a:tailEnd type="none"/>
+          </a:ln>
+        </p:spPr>
+        <p:style>
+          <a:lnRef idx="1">
+            <a:schemeClr val="accent1"/>
+          </a:lnRef>
+          <a:fillRef idx="0">
+            <a:schemeClr val="accent1"/>
+          </a:fillRef>
+          <a:effectRef idx="0">
+            <a:schemeClr val="accent1"/>
+          </a:effectRef>
+          <a:fontRef idx="minor">
+            <a:schemeClr val="tx1"/>
+          </a:fontRef>
+        </p:style>
+      </p:cxnSp>
+      <p:sp>
+        <p:nvSpPr>
+          <p:cNvPr id="71" name="正方形/長方形 70"/>
+          <p:cNvSpPr/>
+          <p:nvPr/>
+        </p:nvSpPr>
+        <p:spPr>
+          <a:xfrm>
+            <a:off x="4914366" y="3497641"/>
+            <a:ext cx="938247" cy="256927"/>
+          </a:xfrm>
+          <a:prstGeom prst="rect">
+            <a:avLst/>
+          </a:prstGeom>
+          <a:solidFill>
+            <a:schemeClr val="bg1"/>
+          </a:solidFill>
+          <a:ln>
+            <a:solidFill>
+              <a:schemeClr val="bg1"/>
+            </a:solidFill>
+          </a:ln>
+        </p:spPr>
+        <p:style>
+          <a:lnRef idx="2">
+            <a:schemeClr val="accent1">
+              <a:shade val="50000"/>
+            </a:schemeClr>
+          </a:lnRef>
+          <a:fillRef idx="1">
+            <a:schemeClr val="accent1"/>
+          </a:fillRef>
+          <a:effectRef idx="0">
+            <a:schemeClr val="accent1"/>
+          </a:effectRef>
+          <a:fontRef idx="minor">
+            <a:schemeClr val="lt1"/>
+          </a:fontRef>
+        </p:style>
+        <p:txBody>
+          <a:bodyPr rot="0" spcFirstLastPara="0" vertOverflow="overflow" horzOverflow="overflow" vert="horz" wrap="square" lIns="91440" tIns="45720" rIns="91440" bIns="45720" numCol="1" spcCol="0" rtlCol="0" fromWordArt="0" anchor="ctr" anchorCtr="0" forceAA="0" compatLnSpc="1">
+            <a:prstTxWarp prst="textNoShape">
+              <a:avLst/>
+            </a:prstTxWarp>
+            <a:noAutofit/>
+          </a:bodyPr>
+          <a:lstStyle/>
+          <a:p>
+            <a:pPr algn="ctr"/>
+            <a:endParaRPr kumimoji="1" lang="ja-JP" altLang="en-US" sz="2000" dirty="0" smtClean="0">
+              <a:solidFill>
+                <a:schemeClr val="tx1"/>
+              </a:solidFill>
+            </a:endParaRPr>
+          </a:p>
+        </p:txBody>
+      </p:sp>
+      <p:cxnSp>
+        <p:nvCxnSpPr>
+          <p:cNvPr id="72" name="直線コネクタ 71"/>
+          <p:cNvCxnSpPr>
+            <a:stCxn id="23" idx="2"/>
+            <a:endCxn id="71" idx="0"/>
+          </p:cNvCxnSpPr>
+          <p:nvPr/>
+        </p:nvCxnSpPr>
+        <p:spPr>
+          <a:xfrm flipH="1">
+            <a:off x="5383490" y="692982"/>
+            <a:ext cx="2" cy="2804659"/>
+          </a:xfrm>
+          <a:prstGeom prst="line">
+            <a:avLst/>
+          </a:prstGeom>
+          <a:ln w="25400">
+            <a:solidFill>
+              <a:schemeClr val="tx1"/>
+            </a:solidFill>
+            <a:prstDash val="solid"/>
+            <a:tailEnd type="none"/>
+          </a:ln>
+        </p:spPr>
+        <p:style>
+          <a:lnRef idx="1">
+            <a:schemeClr val="accent1"/>
+          </a:lnRef>
+          <a:fillRef idx="0">
+            <a:schemeClr val="accent1"/>
+          </a:fillRef>
+          <a:effectRef idx="0">
+            <a:schemeClr val="accent1"/>
+          </a:effectRef>
+          <a:fontRef idx="minor">
+            <a:schemeClr val="tx1"/>
+          </a:fontRef>
+        </p:style>
+      </p:cxnSp>
+      <p:sp>
+        <p:nvSpPr>
+          <p:cNvPr id="75" name="正方形/長方形 74"/>
+          <p:cNvSpPr/>
+          <p:nvPr/>
+        </p:nvSpPr>
+        <p:spPr>
+          <a:xfrm>
+            <a:off x="6952176" y="2221148"/>
+            <a:ext cx="938247" cy="256927"/>
+          </a:xfrm>
+          <a:prstGeom prst="rect">
+            <a:avLst/>
+          </a:prstGeom>
+          <a:solidFill>
+            <a:schemeClr val="bg1"/>
+          </a:solidFill>
+          <a:ln>
+            <a:solidFill>
+              <a:schemeClr val="bg1"/>
+            </a:solidFill>
+          </a:ln>
+        </p:spPr>
+        <p:style>
+          <a:lnRef idx="2">
+            <a:schemeClr val="accent1">
+              <a:shade val="50000"/>
+            </a:schemeClr>
+          </a:lnRef>
+          <a:fillRef idx="1">
+            <a:schemeClr val="accent1"/>
+          </a:fillRef>
+          <a:effectRef idx="0">
+            <a:schemeClr val="accent1"/>
+          </a:effectRef>
+          <a:fontRef idx="minor">
+            <a:schemeClr val="lt1"/>
+          </a:fontRef>
+        </p:style>
+        <p:txBody>
+          <a:bodyPr rot="0" spcFirstLastPara="0" vertOverflow="overflow" horzOverflow="overflow" vert="horz" wrap="square" lIns="91440" tIns="45720" rIns="91440" bIns="45720" numCol="1" spcCol="0" rtlCol="0" fromWordArt="0" anchor="ctr" anchorCtr="0" forceAA="0" compatLnSpc="1">
+            <a:prstTxWarp prst="textNoShape">
+              <a:avLst/>
+            </a:prstTxWarp>
+            <a:noAutofit/>
+          </a:bodyPr>
+          <a:lstStyle/>
+          <a:p>
+            <a:pPr algn="ctr"/>
+            <a:endParaRPr kumimoji="1" lang="ja-JP" altLang="en-US" sz="2000" dirty="0" smtClean="0">
+              <a:solidFill>
+                <a:schemeClr val="tx1"/>
+              </a:solidFill>
+            </a:endParaRPr>
+          </a:p>
+        </p:txBody>
+      </p:sp>
+      <p:cxnSp>
+        <p:nvCxnSpPr>
+          <p:cNvPr id="76" name="直線コネクタ 75"/>
+          <p:cNvCxnSpPr>
+            <a:stCxn id="56" idx="2"/>
+            <a:endCxn id="75" idx="0"/>
+          </p:cNvCxnSpPr>
+          <p:nvPr/>
+        </p:nvCxnSpPr>
+        <p:spPr>
+          <a:xfrm>
+            <a:off x="7421299" y="690783"/>
+            <a:ext cx="1" cy="1530365"/>
+          </a:xfrm>
+          <a:prstGeom prst="line">
+            <a:avLst/>
+          </a:prstGeom>
+          <a:ln w="25400">
+            <a:solidFill>
+              <a:schemeClr val="tx1"/>
+            </a:solidFill>
+            <a:prstDash val="solid"/>
+            <a:tailEnd type="none"/>
+          </a:ln>
+        </p:spPr>
+        <p:style>
+          <a:lnRef idx="1">
+            <a:schemeClr val="accent1"/>
+          </a:lnRef>
+          <a:fillRef idx="0">
+            <a:schemeClr val="accent1"/>
+          </a:fillRef>
+          <a:effectRef idx="0">
+            <a:schemeClr val="accent1"/>
+          </a:effectRef>
+          <a:fontRef idx="minor">
+            <a:schemeClr val="tx1"/>
+          </a:fontRef>
+        </p:style>
+      </p:cxnSp>
+      <p:cxnSp>
+        <p:nvCxnSpPr>
+          <p:cNvPr id="14" name="直線矢印コネクタ 13"/>
+          <p:cNvCxnSpPr/>
+          <p:nvPr/>
+        </p:nvCxnSpPr>
+        <p:spPr>
+          <a:xfrm>
+            <a:off x="3269483" y="1147440"/>
+            <a:ext cx="2114006" cy="0"/>
+          </a:xfrm>
+          <a:prstGeom prst="straightConnector1">
+            <a:avLst/>
+          </a:prstGeom>
+          <a:ln w="25400">
+            <a:solidFill>
+              <a:schemeClr val="tx1"/>
+            </a:solidFill>
+            <a:prstDash val="solid"/>
+            <a:tailEnd type="triangle"/>
+          </a:ln>
+        </p:spPr>
+        <p:style>
+          <a:lnRef idx="1">
+            <a:schemeClr val="accent1"/>
+          </a:lnRef>
+          <a:fillRef idx="0">
+            <a:schemeClr val="accent1"/>
+          </a:fillRef>
+          <a:effectRef idx="0">
+            <a:schemeClr val="accent1"/>
+          </a:effectRef>
+          <a:fontRef idx="minor">
+            <a:schemeClr val="tx1"/>
+          </a:fontRef>
+        </p:style>
+      </p:cxnSp>
+      <p:cxnSp>
+        <p:nvCxnSpPr>
+          <p:cNvPr id="77" name="直線矢印コネクタ 76"/>
+          <p:cNvCxnSpPr/>
+          <p:nvPr/>
+        </p:nvCxnSpPr>
+        <p:spPr>
+          <a:xfrm>
+            <a:off x="5383492" y="1310473"/>
+            <a:ext cx="2011606" cy="1394"/>
+          </a:xfrm>
+          <a:prstGeom prst="straightConnector1">
+            <a:avLst/>
+          </a:prstGeom>
+          <a:ln w="25400">
+            <a:solidFill>
+              <a:schemeClr val="tx1"/>
+            </a:solidFill>
+            <a:prstDash val="solid"/>
+            <a:tailEnd type="triangle"/>
+          </a:ln>
+        </p:spPr>
+        <p:style>
+          <a:lnRef idx="1">
+            <a:schemeClr val="accent1"/>
+          </a:lnRef>
+          <a:fillRef idx="0">
+            <a:schemeClr val="accent1"/>
+          </a:fillRef>
+          <a:effectRef idx="0">
+            <a:schemeClr val="accent1"/>
+          </a:effectRef>
+          <a:fontRef idx="minor">
+            <a:schemeClr val="tx1"/>
+          </a:fontRef>
+        </p:style>
+      </p:cxnSp>
+      <p:cxnSp>
+        <p:nvCxnSpPr>
+          <p:cNvPr id="18" name="直線矢印コネクタ 17"/>
+          <p:cNvCxnSpPr/>
+          <p:nvPr/>
+        </p:nvCxnSpPr>
+        <p:spPr>
+          <a:xfrm flipH="1" flipV="1">
+            <a:off x="5383491" y="1860698"/>
+            <a:ext cx="2011607" cy="1264"/>
+          </a:xfrm>
+          <a:prstGeom prst="straightConnector1">
+            <a:avLst/>
+          </a:prstGeom>
+          <a:ln w="25400">
+            <a:solidFill>
+              <a:schemeClr val="tx1"/>
+            </a:solidFill>
+            <a:prstDash val="solid"/>
+            <a:tailEnd type="triangle"/>
+          </a:ln>
+        </p:spPr>
+        <p:style>
+          <a:lnRef idx="1">
+            <a:schemeClr val="accent1"/>
+          </a:lnRef>
+          <a:fillRef idx="0">
+            <a:schemeClr val="accent1"/>
+          </a:fillRef>
+          <a:effectRef idx="0">
+            <a:schemeClr val="accent1"/>
+          </a:effectRef>
+          <a:fontRef idx="minor">
+            <a:schemeClr val="tx1"/>
+          </a:fontRef>
+        </p:style>
+      </p:cxnSp>
+      <p:cxnSp>
+        <p:nvCxnSpPr>
+          <p:cNvPr id="80" name="直線矢印コネクタ 79"/>
+          <p:cNvCxnSpPr/>
+          <p:nvPr/>
+        </p:nvCxnSpPr>
+        <p:spPr>
+          <a:xfrm flipH="1" flipV="1">
+            <a:off x="3251306" y="2002465"/>
+            <a:ext cx="2132183" cy="262"/>
+          </a:xfrm>
+          <a:prstGeom prst="straightConnector1">
+            <a:avLst/>
+          </a:prstGeom>
+          <a:ln w="25400">
+            <a:solidFill>
+              <a:schemeClr val="tx1"/>
+            </a:solidFill>
+            <a:prstDash val="solid"/>
+            <a:tailEnd type="triangle"/>
+          </a:ln>
+        </p:spPr>
+        <p:style>
+          <a:lnRef idx="1">
+            <a:schemeClr val="accent1"/>
+          </a:lnRef>
+          <a:fillRef idx="0">
+            <a:schemeClr val="accent1"/>
+          </a:fillRef>
+          <a:effectRef idx="0">
+            <a:schemeClr val="accent1"/>
+          </a:effectRef>
+          <a:fontRef idx="minor">
+            <a:schemeClr val="tx1"/>
+          </a:fontRef>
+        </p:style>
+      </p:cxnSp>
+      <p:pic>
+        <p:nvPicPr>
+          <p:cNvPr id="32" name="図 31"/>
+          <p:cNvPicPr>
+            <a:picLocks noChangeAspect="1"/>
+          </p:cNvPicPr>
+          <p:nvPr/>
+        </p:nvPicPr>
+        <p:blipFill>
+          <a:blip r:embed="rId2" cstate="print">
+            <a:extLst>
+              <a:ext uri="{28A0092B-C50C-407E-A947-70E740481C1C}">
+                <a14:useLocalDpi xmlns:a14="http://schemas.microsoft.com/office/drawing/2010/main" val="0"/>
+              </a:ext>
+            </a:extLst>
+          </a:blip>
+          <a:stretch>
+            <a:fillRect/>
+          </a:stretch>
+        </p:blipFill>
+        <p:spPr>
+          <a:xfrm>
+            <a:off x="1969313" y="229042"/>
+            <a:ext cx="513160" cy="513160"/>
+          </a:xfrm>
+          <a:prstGeom prst="rect">
+            <a:avLst/>
+          </a:prstGeom>
+          <a:effectLst/>
+        </p:spPr>
+      </p:pic>
+      <p:sp>
+        <p:nvSpPr>
+          <p:cNvPr id="23" name="正方形/長方形 22"/>
+          <p:cNvSpPr/>
+          <p:nvPr/>
+        </p:nvSpPr>
+        <p:spPr>
+          <a:xfrm>
+            <a:off x="4716700" y="237805"/>
+            <a:ext cx="1333584" cy="455177"/>
+          </a:xfrm>
+          <a:prstGeom prst="rect">
+            <a:avLst/>
+          </a:prstGeom>
+          <a:noFill/>
+          <a:ln>
+            <a:solidFill>
+              <a:schemeClr val="tx1"/>
+            </a:solidFill>
+          </a:ln>
+        </p:spPr>
+        <p:style>
+          <a:lnRef idx="2">
+            <a:schemeClr val="accent1">
+              <a:shade val="50000"/>
+            </a:schemeClr>
+          </a:lnRef>
+          <a:fillRef idx="1">
+            <a:schemeClr val="accent1"/>
+          </a:fillRef>
+          <a:effectRef idx="0">
+            <a:schemeClr val="accent1"/>
+          </a:effectRef>
+          <a:fontRef idx="minor">
+            <a:schemeClr val="lt1"/>
+          </a:fontRef>
+        </p:style>
+        <p:txBody>
+          <a:bodyPr rtlCol="0" anchor="ctr"/>
+          <a:lstStyle/>
+          <a:p>
+            <a:pPr algn="ctr"/>
+            <a:r>
+              <a:rPr kumimoji="1" lang="ja-JP" altLang="en-US" sz="2400" dirty="0" smtClean="0">
+                <a:solidFill>
+                  <a:schemeClr val="tx1"/>
+                </a:solidFill>
+              </a:rPr>
+              <a:t>中継者</a:t>
+            </a:r>
+          </a:p>
+        </p:txBody>
+      </p:sp>
+      <p:sp>
+        <p:nvSpPr>
+          <p:cNvPr id="26" name="正方形/長方形 25"/>
+          <p:cNvSpPr/>
+          <p:nvPr/>
+        </p:nvSpPr>
+        <p:spPr>
+          <a:xfrm>
+            <a:off x="691384" y="233891"/>
+            <a:ext cx="1337720" cy="455177"/>
+          </a:xfrm>
+          <a:prstGeom prst="rect">
+            <a:avLst/>
+          </a:prstGeom>
+          <a:solidFill>
+            <a:schemeClr val="bg1">
+              <a:lumMod val="50000"/>
+            </a:schemeClr>
+          </a:solidFill>
+          <a:ln>
+            <a:solidFill>
+              <a:schemeClr val="tx1"/>
+            </a:solidFill>
+          </a:ln>
+        </p:spPr>
+        <p:style>
+          <a:lnRef idx="2">
+            <a:schemeClr val="accent1">
+              <a:shade val="50000"/>
+            </a:schemeClr>
+          </a:lnRef>
+          <a:fillRef idx="1">
+            <a:schemeClr val="accent1"/>
+          </a:fillRef>
+          <a:effectRef idx="0">
+            <a:schemeClr val="accent1"/>
+          </a:effectRef>
+          <a:fontRef idx="minor">
+            <a:schemeClr val="lt1"/>
+          </a:fontRef>
+        </p:style>
+        <p:txBody>
+          <a:bodyPr rtlCol="0" anchor="ctr"/>
+          <a:lstStyle/>
+          <a:p>
+            <a:pPr algn="ctr"/>
+            <a:r>
+              <a:rPr lang="ja-JP" altLang="en-US" sz="2400" dirty="0" smtClean="0">
+                <a:solidFill>
+                  <a:schemeClr val="bg1"/>
+                </a:solidFill>
+              </a:rPr>
+              <a:t>ブラウザ</a:t>
+            </a:r>
+            <a:endParaRPr kumimoji="1" lang="ja-JP" altLang="en-US" sz="2400" dirty="0" smtClean="0">
+              <a:solidFill>
+                <a:schemeClr val="bg1"/>
+              </a:solidFill>
+            </a:endParaRPr>
+          </a:p>
+        </p:txBody>
+      </p:sp>
+      <p:sp>
+        <p:nvSpPr>
+          <p:cNvPr id="27" name="正方形/長方形 26"/>
+          <p:cNvSpPr/>
+          <p:nvPr/>
+        </p:nvSpPr>
+        <p:spPr>
+          <a:xfrm>
+            <a:off x="891119" y="3492282"/>
+            <a:ext cx="938247" cy="256927"/>
+          </a:xfrm>
+          <a:prstGeom prst="rect">
+            <a:avLst/>
+          </a:prstGeom>
+          <a:solidFill>
+            <a:schemeClr val="bg1"/>
+          </a:solidFill>
+          <a:ln>
+            <a:solidFill>
+              <a:schemeClr val="bg1"/>
+            </a:solidFill>
+          </a:ln>
+        </p:spPr>
+        <p:style>
+          <a:lnRef idx="2">
+            <a:schemeClr val="accent1">
+              <a:shade val="50000"/>
+            </a:schemeClr>
+          </a:lnRef>
+          <a:fillRef idx="1">
+            <a:schemeClr val="accent1"/>
+          </a:fillRef>
+          <a:effectRef idx="0">
+            <a:schemeClr val="accent1"/>
+          </a:effectRef>
+          <a:fontRef idx="minor">
+            <a:schemeClr val="lt1"/>
+          </a:fontRef>
+        </p:style>
+        <p:txBody>
+          <a:bodyPr rot="0" spcFirstLastPara="0" vertOverflow="overflow" horzOverflow="overflow" vert="horz" wrap="square" lIns="91440" tIns="45720" rIns="91440" bIns="45720" numCol="1" spcCol="0" rtlCol="0" fromWordArt="0" anchor="ctr" anchorCtr="0" forceAA="0" compatLnSpc="1">
+            <a:prstTxWarp prst="textNoShape">
+              <a:avLst/>
+            </a:prstTxWarp>
+            <a:noAutofit/>
+          </a:bodyPr>
+          <a:lstStyle/>
+          <a:p>
+            <a:pPr algn="ctr"/>
+            <a:endParaRPr kumimoji="1" lang="ja-JP" altLang="en-US" sz="2000" dirty="0" smtClean="0">
+              <a:solidFill>
+                <a:schemeClr val="tx1"/>
+              </a:solidFill>
+            </a:endParaRPr>
+          </a:p>
+        </p:txBody>
+      </p:sp>
+      <p:cxnSp>
+        <p:nvCxnSpPr>
+          <p:cNvPr id="28" name="直線コネクタ 27"/>
+          <p:cNvCxnSpPr>
+            <a:stCxn id="26" idx="2"/>
+            <a:endCxn id="27" idx="0"/>
+          </p:cNvCxnSpPr>
+          <p:nvPr/>
+        </p:nvCxnSpPr>
+        <p:spPr>
+          <a:xfrm flipH="1">
+            <a:off x="1360243" y="689068"/>
+            <a:ext cx="1" cy="2803214"/>
+          </a:xfrm>
+          <a:prstGeom prst="line">
+            <a:avLst/>
+          </a:prstGeom>
+          <a:ln w="25400">
+            <a:solidFill>
+              <a:schemeClr val="tx1"/>
+            </a:solidFill>
+            <a:prstDash val="solid"/>
+            <a:tailEnd type="none"/>
+          </a:ln>
+        </p:spPr>
+        <p:style>
+          <a:lnRef idx="1">
+            <a:schemeClr val="accent1"/>
+          </a:lnRef>
+          <a:fillRef idx="0">
+            <a:schemeClr val="accent1"/>
+          </a:fillRef>
+          <a:effectRef idx="0">
+            <a:schemeClr val="accent1"/>
+          </a:effectRef>
+          <a:fontRef idx="minor">
+            <a:schemeClr val="tx1"/>
+          </a:fontRef>
+        </p:style>
+      </p:cxnSp>
+      <p:sp>
+        <p:nvSpPr>
+          <p:cNvPr id="34" name="テキスト ボックス 33"/>
+          <p:cNvSpPr txBox="1"/>
+          <p:nvPr/>
+        </p:nvSpPr>
+        <p:spPr>
+          <a:xfrm>
+            <a:off x="3724234" y="1602617"/>
+            <a:ext cx="1587294" cy="400110"/>
+          </a:xfrm>
+          <a:prstGeom prst="rect">
+            <a:avLst/>
+          </a:prstGeom>
+          <a:noFill/>
+        </p:spPr>
+        <p:txBody>
+          <a:bodyPr wrap="none" rtlCol="0">
+            <a:spAutoFit/>
+          </a:bodyPr>
+          <a:lstStyle/>
+          <a:p>
+            <a:r>
+              <a:rPr lang="ja-JP" altLang="en-US" sz="2000" dirty="0"/>
+              <a:t>④</a:t>
+            </a:r>
+            <a:r>
+              <a:rPr lang="ja-JP" altLang="en-US" sz="2000" dirty="0" smtClean="0"/>
+              <a:t>レスポンス</a:t>
+            </a:r>
+            <a:endParaRPr kumimoji="1" lang="ja-JP" altLang="en-US" sz="2000" dirty="0"/>
+          </a:p>
+        </p:txBody>
+      </p:sp>
+      <p:sp>
+        <p:nvSpPr>
+          <p:cNvPr id="12" name="角丸四角形吹き出し 11"/>
+          <p:cNvSpPr/>
+          <p:nvPr/>
+        </p:nvSpPr>
+        <p:spPr>
+          <a:xfrm>
+            <a:off x="5448478" y="2104469"/>
+            <a:ext cx="1436914" cy="612648"/>
+          </a:xfrm>
+          <a:prstGeom prst="wedgeRoundRectCallout">
+            <a:avLst>
+              <a:gd name="adj1" fmla="val -47718"/>
+              <a:gd name="adj2" fmla="val -74274"/>
+              <a:gd name="adj3" fmla="val 16667"/>
+            </a:avLst>
+          </a:prstGeom>
+          <a:noFill/>
+          <a:ln>
+            <a:solidFill>
+              <a:schemeClr val="tx1"/>
+            </a:solidFill>
+          </a:ln>
+        </p:spPr>
+        <p:style>
+          <a:lnRef idx="2">
+            <a:schemeClr val="accent1">
+              <a:shade val="50000"/>
+            </a:schemeClr>
+          </a:lnRef>
+          <a:fillRef idx="1">
+            <a:schemeClr val="accent1"/>
+          </a:fillRef>
+          <a:effectRef idx="0">
+            <a:schemeClr val="accent1"/>
+          </a:effectRef>
+          <a:fontRef idx="minor">
+            <a:schemeClr val="lt1"/>
+          </a:fontRef>
+        </p:style>
+        <p:txBody>
+          <a:bodyPr rtlCol="0" anchor="ctr"/>
+          <a:lstStyle/>
+          <a:p>
+            <a:pPr algn="ctr"/>
+            <a:r>
+              <a:rPr kumimoji="1" lang="ja-JP" altLang="en-US" sz="2000" dirty="0" smtClean="0">
+                <a:solidFill>
+                  <a:schemeClr val="tx1"/>
+                </a:solidFill>
+              </a:rPr>
+              <a:t>レスポンスの格納</a:t>
+            </a:r>
+          </a:p>
+        </p:txBody>
+      </p:sp>
+      <p:sp>
+        <p:nvSpPr>
+          <p:cNvPr id="37" name="テキスト ボックス 36"/>
+          <p:cNvSpPr txBox="1"/>
+          <p:nvPr/>
+        </p:nvSpPr>
+        <p:spPr>
+          <a:xfrm>
+            <a:off x="1442820" y="2317138"/>
+            <a:ext cx="1465466" cy="400110"/>
+          </a:xfrm>
+          <a:prstGeom prst="rect">
+            <a:avLst/>
+          </a:prstGeom>
+          <a:noFill/>
+        </p:spPr>
+        <p:txBody>
+          <a:bodyPr wrap="none" rtlCol="0">
+            <a:spAutoFit/>
+          </a:bodyPr>
+          <a:lstStyle/>
+          <a:p>
+            <a:r>
+              <a:rPr lang="ja-JP" altLang="en-US" sz="2000" dirty="0"/>
+              <a:t>⑤</a:t>
+            </a:r>
+            <a:r>
+              <a:rPr kumimoji="1" lang="ja-JP" altLang="en-US" sz="2000" dirty="0" smtClean="0"/>
+              <a:t>リクエスト</a:t>
+            </a:r>
+            <a:endParaRPr kumimoji="1" lang="ja-JP" altLang="en-US" sz="2000" dirty="0"/>
+          </a:p>
+        </p:txBody>
+      </p:sp>
+      <p:cxnSp>
+        <p:nvCxnSpPr>
+          <p:cNvPr id="38" name="直線矢印コネクタ 37"/>
+          <p:cNvCxnSpPr/>
+          <p:nvPr/>
+        </p:nvCxnSpPr>
+        <p:spPr>
+          <a:xfrm flipV="1">
+            <a:off x="1360243" y="2715984"/>
+            <a:ext cx="4023246" cy="3528"/>
+          </a:xfrm>
+          <a:prstGeom prst="straightConnector1">
+            <a:avLst/>
+          </a:prstGeom>
+          <a:ln w="25400">
+            <a:solidFill>
+              <a:schemeClr val="tx1"/>
+            </a:solidFill>
+            <a:prstDash val="solid"/>
+            <a:tailEnd type="triangle"/>
+          </a:ln>
+        </p:spPr>
+        <p:style>
+          <a:lnRef idx="1">
+            <a:schemeClr val="accent1"/>
+          </a:lnRef>
+          <a:fillRef idx="0">
+            <a:schemeClr val="accent1"/>
+          </a:fillRef>
+          <a:effectRef idx="0">
+            <a:schemeClr val="accent1"/>
+          </a:effectRef>
+          <a:fontRef idx="minor">
+            <a:schemeClr val="tx1"/>
+          </a:fontRef>
+        </p:style>
+      </p:cxnSp>
+      <p:cxnSp>
+        <p:nvCxnSpPr>
+          <p:cNvPr id="39" name="直線矢印コネクタ 38"/>
+          <p:cNvCxnSpPr/>
+          <p:nvPr/>
+        </p:nvCxnSpPr>
+        <p:spPr>
+          <a:xfrm flipH="1" flipV="1">
+            <a:off x="1360244" y="3220897"/>
+            <a:ext cx="4023245" cy="262"/>
+          </a:xfrm>
+          <a:prstGeom prst="straightConnector1">
+            <a:avLst/>
+          </a:prstGeom>
+          <a:ln w="25400">
+            <a:solidFill>
+              <a:schemeClr val="tx1"/>
+            </a:solidFill>
+            <a:prstDash val="solid"/>
+            <a:tailEnd type="triangle"/>
+          </a:ln>
+        </p:spPr>
+        <p:style>
+          <a:lnRef idx="1">
+            <a:schemeClr val="accent1"/>
+          </a:lnRef>
+          <a:fillRef idx="0">
+            <a:schemeClr val="accent1"/>
+          </a:fillRef>
+          <a:effectRef idx="0">
+            <a:schemeClr val="accent1"/>
+          </a:effectRef>
+          <a:fontRef idx="minor">
+            <a:schemeClr val="tx1"/>
+          </a:fontRef>
+        </p:style>
+      </p:cxnSp>
+      <p:sp>
+        <p:nvSpPr>
+          <p:cNvPr id="40" name="テキスト ボックス 39"/>
+          <p:cNvSpPr txBox="1"/>
+          <p:nvPr/>
+        </p:nvSpPr>
+        <p:spPr>
+          <a:xfrm>
+            <a:off x="2227495" y="2799783"/>
+            <a:ext cx="3126177" cy="400110"/>
+          </a:xfrm>
+          <a:prstGeom prst="rect">
+            <a:avLst/>
+          </a:prstGeom>
+          <a:pattFill prst="ltUpDiag">
+            <a:fgClr>
+              <a:schemeClr val="bg1">
+                <a:lumMod val="85000"/>
+              </a:schemeClr>
+            </a:fgClr>
+            <a:bgClr>
+              <a:schemeClr val="bg1"/>
+            </a:bgClr>
+          </a:pattFill>
+        </p:spPr>
+        <p:txBody>
+          <a:bodyPr wrap="none" rtlCol="0">
+            <a:spAutoFit/>
+          </a:bodyPr>
+          <a:lstStyle/>
+          <a:p>
+            <a:r>
+              <a:rPr lang="ja-JP" altLang="en-US" sz="2000" dirty="0" smtClean="0"/>
+              <a:t>⑥格納レスポンスの再利用</a:t>
+            </a:r>
+            <a:endParaRPr kumimoji="1" lang="ja-JP" altLang="en-US" sz="2000" dirty="0"/>
+          </a:p>
+        </p:txBody>
+      </p:sp>
+      <p:sp>
+        <p:nvSpPr>
+          <p:cNvPr id="58" name="角丸四角形吹き出し 57"/>
+          <p:cNvSpPr/>
+          <p:nvPr/>
+        </p:nvSpPr>
+        <p:spPr>
+          <a:xfrm>
+            <a:off x="5641592" y="2820406"/>
+            <a:ext cx="2773557" cy="612648"/>
+          </a:xfrm>
+          <a:prstGeom prst="wedgeRoundRectCallout">
+            <a:avLst>
+              <a:gd name="adj1" fmla="val 1370"/>
+              <a:gd name="adj2" fmla="val -214850"/>
+              <a:gd name="adj3" fmla="val 16667"/>
+            </a:avLst>
+          </a:prstGeom>
+          <a:solidFill>
+            <a:schemeClr val="bg1"/>
+          </a:solidFill>
+          <a:ln>
+            <a:solidFill>
+              <a:schemeClr val="tx1"/>
+            </a:solidFill>
+          </a:ln>
+        </p:spPr>
+        <p:style>
+          <a:lnRef idx="2">
+            <a:schemeClr val="accent1">
+              <a:shade val="50000"/>
+            </a:schemeClr>
+          </a:lnRef>
+          <a:fillRef idx="1">
+            <a:schemeClr val="accent1"/>
+          </a:fillRef>
+          <a:effectRef idx="0">
+            <a:schemeClr val="accent1"/>
+          </a:effectRef>
+          <a:fontRef idx="minor">
+            <a:schemeClr val="lt1"/>
+          </a:fontRef>
+        </p:style>
+        <p:txBody>
+          <a:bodyPr rtlCol="0" anchor="ctr"/>
+          <a:lstStyle/>
+          <a:p>
+            <a:pPr algn="ctr"/>
+            <a:r>
+              <a:rPr kumimoji="1" lang="ja-JP" altLang="en-US" sz="2000" dirty="0" smtClean="0">
+                <a:solidFill>
+                  <a:schemeClr val="tx1"/>
+                </a:solidFill>
+              </a:rPr>
+              <a:t>攻撃者が入手できないファイルを含む</a:t>
+            </a:r>
+          </a:p>
+        </p:txBody>
+      </p:sp>
+      <p:sp>
+        <p:nvSpPr>
+          <p:cNvPr id="63" name="角丸四角形吹き出し 62"/>
+          <p:cNvSpPr/>
+          <p:nvPr/>
+        </p:nvSpPr>
+        <p:spPr>
+          <a:xfrm>
+            <a:off x="3790583" y="3536344"/>
+            <a:ext cx="2773557" cy="612648"/>
+          </a:xfrm>
+          <a:prstGeom prst="wedgeRoundRectCallout">
+            <a:avLst>
+              <a:gd name="adj1" fmla="val -25849"/>
+              <a:gd name="adj2" fmla="val -115926"/>
+              <a:gd name="adj3" fmla="val 16667"/>
+            </a:avLst>
+          </a:prstGeom>
+          <a:solidFill>
+            <a:schemeClr val="bg1"/>
+          </a:solidFill>
+          <a:ln>
+            <a:solidFill>
+              <a:schemeClr val="tx1"/>
+            </a:solidFill>
+          </a:ln>
+        </p:spPr>
+        <p:style>
+          <a:lnRef idx="2">
+            <a:schemeClr val="accent1">
+              <a:shade val="50000"/>
+            </a:schemeClr>
+          </a:lnRef>
+          <a:fillRef idx="1">
+            <a:schemeClr val="accent1"/>
+          </a:fillRef>
+          <a:effectRef idx="0">
+            <a:schemeClr val="accent1"/>
+          </a:effectRef>
+          <a:fontRef idx="minor">
+            <a:schemeClr val="lt1"/>
+          </a:fontRef>
+        </p:style>
+        <p:txBody>
+          <a:bodyPr rtlCol="0" anchor="ctr"/>
+          <a:lstStyle/>
+          <a:p>
+            <a:pPr algn="ctr"/>
+            <a:r>
+              <a:rPr kumimoji="1" lang="ja-JP" altLang="en-US" sz="2000" dirty="0" smtClean="0">
+                <a:solidFill>
+                  <a:schemeClr val="tx1"/>
+                </a:solidFill>
+              </a:rPr>
+              <a:t>攻撃者が入手できないファイルを含む</a:t>
+            </a:r>
+          </a:p>
+        </p:txBody>
+      </p:sp>
+    </p:spTree>
+    <p:extLst>
+      <p:ext uri="{BB962C8B-B14F-4D97-AF65-F5344CB8AC3E}">
+        <p14:creationId xmlns:p14="http://schemas.microsoft.com/office/powerpoint/2010/main" val="3743004176"/>
+      </p:ext>
+    </p:extLst>
+  </p:cSld>
+  <p:clrMapOvr>
+    <a:masterClrMapping/>
+  </p:clrMapOvr>
+</p:sld>
+</file>
+
+<file path=ppt/slides/slide19.xml><?xml version="1.0" encoding="utf-8"?>
+<p:sld xmlns:a="http://schemas.openxmlformats.org/drawingml/2006/main" xmlns:r="http://schemas.openxmlformats.org/officeDocument/2006/relationships" xmlns:p="http://schemas.openxmlformats.org/presentationml/2006/main">
+  <p:cSld>
+    <p:spTree>
+      <p:nvGrpSpPr>
+        <p:cNvPr id="1" name=""/>
+        <p:cNvGrpSpPr/>
+        <p:nvPr/>
+      </p:nvGrpSpPr>
+      <p:grpSpPr>
+        <a:xfrm>
+          <a:off x="0" y="0"/>
+          <a:ext cx="0" cy="0"/>
+          <a:chOff x="0" y="0"/>
+          <a:chExt cx="0" cy="0"/>
+        </a:xfrm>
+      </p:grpSpPr>
+      <p:sp>
+        <p:nvSpPr>
+          <p:cNvPr id="133" name="正方形/長方形 132"/>
+          <p:cNvSpPr/>
+          <p:nvPr/>
+        </p:nvSpPr>
+        <p:spPr>
+          <a:xfrm>
+            <a:off x="1812866" y="128159"/>
+            <a:ext cx="10081279" cy="6627993"/>
+          </a:xfrm>
+          <a:prstGeom prst="rect">
+            <a:avLst/>
+          </a:prstGeom>
+          <a:solidFill>
+            <a:schemeClr val="bg1"/>
+          </a:solidFill>
+          <a:ln>
+            <a:solidFill>
+              <a:schemeClr val="bg1"/>
+            </a:solidFill>
+          </a:ln>
+        </p:spPr>
+        <p:style>
+          <a:lnRef idx="2">
+            <a:schemeClr val="accent1">
+              <a:shade val="50000"/>
+            </a:schemeClr>
+          </a:lnRef>
+          <a:fillRef idx="1">
+            <a:schemeClr val="accent1"/>
+          </a:fillRef>
+          <a:effectRef idx="0">
+            <a:schemeClr val="accent1"/>
+          </a:effectRef>
+          <a:fontRef idx="minor">
+            <a:schemeClr val="lt1"/>
+          </a:fontRef>
+        </p:style>
+        <p:txBody>
+          <a:bodyPr rot="0" spcFirstLastPara="0" vertOverflow="overflow" horzOverflow="overflow" vert="horz" wrap="square" lIns="91440" tIns="45720" rIns="91440" bIns="45720" numCol="1" spcCol="0" rtlCol="0" fromWordArt="0" anchor="ctr" anchorCtr="0" forceAA="0" compatLnSpc="1">
+            <a:prstTxWarp prst="textNoShape">
+              <a:avLst/>
+            </a:prstTxWarp>
+            <a:noAutofit/>
+          </a:bodyPr>
+          <a:lstStyle/>
+          <a:p>
+            <a:pPr algn="ctr"/>
+            <a:endParaRPr kumimoji="1" lang="ja-JP" altLang="en-US" sz="2000" dirty="0" smtClean="0">
+              <a:solidFill>
+                <a:schemeClr val="tx1"/>
+              </a:solidFill>
+            </a:endParaRPr>
+          </a:p>
+        </p:txBody>
+      </p:sp>
+      <p:sp>
+        <p:nvSpPr>
+          <p:cNvPr id="39" name="角丸四角形 38"/>
+          <p:cNvSpPr/>
+          <p:nvPr/>
+        </p:nvSpPr>
+        <p:spPr>
+          <a:xfrm>
+            <a:off x="3747260" y="128159"/>
+            <a:ext cx="2393364" cy="981199"/>
+          </a:xfrm>
+          <a:prstGeom prst="roundRect">
+            <a:avLst>
+              <a:gd name="adj" fmla="val 21972"/>
+            </a:avLst>
+          </a:prstGeom>
+          <a:solidFill>
+            <a:schemeClr val="bg1">
+              <a:lumMod val="85000"/>
+            </a:schemeClr>
+          </a:solidFill>
+          <a:ln>
+            <a:solidFill>
+              <a:schemeClr val="tx1"/>
+            </a:solidFill>
+          </a:ln>
+        </p:spPr>
+        <p:style>
+          <a:lnRef idx="2">
+            <a:schemeClr val="accent1">
+              <a:shade val="50000"/>
+            </a:schemeClr>
+          </a:lnRef>
+          <a:fillRef idx="1">
+            <a:schemeClr val="accent1"/>
+          </a:fillRef>
+          <a:effectRef idx="0">
+            <a:schemeClr val="accent1"/>
+          </a:effectRef>
+          <a:fontRef idx="minor">
+            <a:schemeClr val="lt1"/>
+          </a:fontRef>
+        </p:style>
+        <p:txBody>
+          <a:bodyPr rtlCol="0" anchor="ctr"/>
+          <a:lstStyle/>
+          <a:p>
+            <a:pPr algn="ctr"/>
+            <a:r>
+              <a:rPr lang="en-US" altLang="ja-JP" sz="2400" dirty="0" smtClean="0">
+                <a:solidFill>
+                  <a:schemeClr val="tx1"/>
+                </a:solidFill>
+              </a:rPr>
+              <a:t>Request0</a:t>
+            </a:r>
+          </a:p>
+          <a:p>
+            <a:pPr algn="ctr"/>
+            <a:r>
+              <a:rPr kumimoji="1" lang="en-US" altLang="ja-JP" sz="2000" dirty="0" smtClean="0">
+                <a:solidFill>
+                  <a:schemeClr val="tx1"/>
+                </a:solidFill>
+              </a:rPr>
+              <a:t>[Time0]</a:t>
+            </a:r>
+          </a:p>
+          <a:p>
+            <a:pPr algn="ctr"/>
+            <a:r>
+              <a:rPr lang="en-US" altLang="ja-JP" sz="2000" dirty="0" smtClean="0">
+                <a:solidFill>
+                  <a:schemeClr val="tx1"/>
+                </a:solidFill>
+              </a:rPr>
+              <a:t>Browser0 </a:t>
+            </a:r>
+            <a:r>
+              <a:rPr lang="ja-JP" altLang="en-US" sz="2000" dirty="0" smtClean="0">
+                <a:solidFill>
+                  <a:schemeClr val="tx1"/>
+                </a:solidFill>
+              </a:rPr>
+              <a:t>→ </a:t>
+            </a:r>
+            <a:r>
+              <a:rPr lang="en-US" altLang="ja-JP" sz="2000" dirty="0" smtClean="0">
+                <a:solidFill>
+                  <a:schemeClr val="tx1"/>
+                </a:solidFill>
+              </a:rPr>
+              <a:t>Proxy</a:t>
+            </a:r>
+            <a:endParaRPr kumimoji="1" lang="en-US" altLang="ja-JP" sz="2000" dirty="0" smtClean="0">
+              <a:solidFill>
+                <a:schemeClr val="tx1"/>
+              </a:solidFill>
+            </a:endParaRPr>
+          </a:p>
+        </p:txBody>
+      </p:sp>
+      <p:sp>
+        <p:nvSpPr>
+          <p:cNvPr id="42" name="正方形/長方形 41"/>
+          <p:cNvSpPr/>
+          <p:nvPr/>
+        </p:nvSpPr>
+        <p:spPr>
+          <a:xfrm>
+            <a:off x="7392808" y="3449695"/>
+            <a:ext cx="2077484" cy="439891"/>
+          </a:xfrm>
+          <a:prstGeom prst="rect">
+            <a:avLst/>
+          </a:prstGeom>
+          <a:noFill/>
+          <a:ln>
+            <a:solidFill>
+              <a:schemeClr val="tx1"/>
+            </a:solidFill>
+          </a:ln>
+        </p:spPr>
+        <p:style>
+          <a:lnRef idx="2">
+            <a:schemeClr val="accent1">
+              <a:shade val="50000"/>
+            </a:schemeClr>
+          </a:lnRef>
+          <a:fillRef idx="1">
+            <a:schemeClr val="accent1"/>
+          </a:fillRef>
+          <a:effectRef idx="0">
+            <a:schemeClr val="accent1"/>
+          </a:effectRef>
+          <a:fontRef idx="minor">
+            <a:schemeClr val="lt1"/>
+          </a:fontRef>
+        </p:style>
+        <p:txBody>
+          <a:bodyPr rtlCol="0" anchor="ctr"/>
+          <a:lstStyle/>
+          <a:p>
+            <a:pPr algn="ctr"/>
+            <a:r>
+              <a:rPr lang="en-US" altLang="ja-JP" sz="2000" dirty="0" smtClean="0">
+                <a:solidFill>
+                  <a:schemeClr val="tx1"/>
+                </a:solidFill>
+              </a:rPr>
+              <a:t>StateTransaction0</a:t>
+            </a:r>
+            <a:endParaRPr kumimoji="1" lang="ja-JP" altLang="en-US" sz="2000" dirty="0" smtClean="0">
+              <a:solidFill>
+                <a:schemeClr val="tx1"/>
+              </a:solidFill>
+            </a:endParaRPr>
+          </a:p>
+        </p:txBody>
+      </p:sp>
+      <p:sp>
+        <p:nvSpPr>
+          <p:cNvPr id="88" name="テキスト ボックス 87"/>
+          <p:cNvSpPr txBox="1"/>
+          <p:nvPr/>
+        </p:nvSpPr>
+        <p:spPr>
+          <a:xfrm>
+            <a:off x="6302702" y="3042048"/>
+            <a:ext cx="716093" cy="400110"/>
+          </a:xfrm>
+          <a:prstGeom prst="rect">
+            <a:avLst/>
+          </a:prstGeom>
+          <a:noFill/>
+        </p:spPr>
+        <p:txBody>
+          <a:bodyPr wrap="none" rtlCol="0">
+            <a:spAutoFit/>
+          </a:bodyPr>
+          <a:lstStyle/>
+          <a:p>
+            <a:r>
+              <a:rPr kumimoji="1" lang="en-US" altLang="ja-JP" sz="2000" dirty="0" smtClean="0"/>
+              <a:t>store</a:t>
+            </a:r>
+            <a:endParaRPr kumimoji="1" lang="ja-JP" altLang="en-US" sz="2000" dirty="0"/>
+          </a:p>
+        </p:txBody>
+      </p:sp>
+      <p:sp>
+        <p:nvSpPr>
+          <p:cNvPr id="38" name="正方形/長方形 37"/>
+          <p:cNvSpPr/>
+          <p:nvPr/>
+        </p:nvSpPr>
+        <p:spPr>
+          <a:xfrm>
+            <a:off x="6235645" y="5502855"/>
+            <a:ext cx="2077484" cy="439891"/>
+          </a:xfrm>
+          <a:prstGeom prst="rect">
+            <a:avLst/>
+          </a:prstGeom>
+          <a:noFill/>
+          <a:ln>
+            <a:solidFill>
+              <a:schemeClr val="tx1"/>
+            </a:solidFill>
+          </a:ln>
+        </p:spPr>
+        <p:style>
+          <a:lnRef idx="2">
+            <a:schemeClr val="accent1">
+              <a:shade val="50000"/>
+            </a:schemeClr>
+          </a:lnRef>
+          <a:fillRef idx="1">
+            <a:schemeClr val="accent1"/>
+          </a:fillRef>
+          <a:effectRef idx="0">
+            <a:schemeClr val="accent1"/>
+          </a:effectRef>
+          <a:fontRef idx="minor">
+            <a:schemeClr val="lt1"/>
+          </a:fontRef>
+        </p:style>
+        <p:txBody>
+          <a:bodyPr rtlCol="0" anchor="ctr"/>
+          <a:lstStyle/>
+          <a:p>
+            <a:pPr algn="ctr"/>
+            <a:r>
+              <a:rPr lang="en-US" altLang="ja-JP" sz="2000" dirty="0" smtClean="0">
+                <a:solidFill>
+                  <a:schemeClr val="tx1"/>
+                </a:solidFill>
+              </a:rPr>
+              <a:t>StateTransaction2</a:t>
+            </a:r>
+            <a:endParaRPr kumimoji="1" lang="ja-JP" altLang="en-US" sz="2000" dirty="0" smtClean="0">
+              <a:solidFill>
+                <a:schemeClr val="tx1"/>
+              </a:solidFill>
+            </a:endParaRPr>
+          </a:p>
+        </p:txBody>
+      </p:sp>
+      <p:sp>
+        <p:nvSpPr>
+          <p:cNvPr id="43" name="正方形/長方形 42"/>
+          <p:cNvSpPr/>
+          <p:nvPr/>
+        </p:nvSpPr>
+        <p:spPr>
+          <a:xfrm>
+            <a:off x="6235337" y="2093935"/>
+            <a:ext cx="2044041" cy="439891"/>
+          </a:xfrm>
+          <a:prstGeom prst="rect">
+            <a:avLst/>
+          </a:prstGeom>
+          <a:noFill/>
+          <a:ln>
+            <a:solidFill>
+              <a:schemeClr val="tx1"/>
+            </a:solidFill>
+          </a:ln>
+        </p:spPr>
+        <p:style>
+          <a:lnRef idx="2">
+            <a:schemeClr val="accent1">
+              <a:shade val="50000"/>
+            </a:schemeClr>
+          </a:lnRef>
+          <a:fillRef idx="1">
+            <a:schemeClr val="accent1"/>
+          </a:fillRef>
+          <a:effectRef idx="0">
+            <a:schemeClr val="accent1"/>
+          </a:effectRef>
+          <a:fontRef idx="minor">
+            <a:schemeClr val="lt1"/>
+          </a:fontRef>
+        </p:style>
+        <p:txBody>
+          <a:bodyPr rtlCol="0" anchor="ctr"/>
+          <a:lstStyle/>
+          <a:p>
+            <a:pPr algn="ctr"/>
+            <a:r>
+              <a:rPr lang="en-US" altLang="ja-JP" sz="2000" dirty="0" smtClean="0">
+                <a:solidFill>
+                  <a:schemeClr val="tx1"/>
+                </a:solidFill>
+              </a:rPr>
+              <a:t>StateTransaction1</a:t>
+            </a:r>
+            <a:endParaRPr kumimoji="1" lang="ja-JP" altLang="en-US" sz="2000" dirty="0" smtClean="0">
+              <a:solidFill>
+                <a:schemeClr val="tx1"/>
+              </a:solidFill>
+            </a:endParaRPr>
+          </a:p>
+        </p:txBody>
+      </p:sp>
+      <p:cxnSp>
+        <p:nvCxnSpPr>
+          <p:cNvPr id="44" name="カギ線コネクタ 43"/>
+          <p:cNvCxnSpPr>
+            <a:stCxn id="38" idx="0"/>
+            <a:endCxn id="53" idx="3"/>
+          </p:cNvCxnSpPr>
+          <p:nvPr/>
+        </p:nvCxnSpPr>
+        <p:spPr>
+          <a:xfrm rot="16200000" flipV="1">
+            <a:off x="6527733" y="4756200"/>
+            <a:ext cx="366150" cy="1127159"/>
+          </a:xfrm>
+          <a:prstGeom prst="bentConnector2">
+            <a:avLst/>
+          </a:prstGeom>
+          <a:ln w="12700">
+            <a:solidFill>
+              <a:schemeClr val="tx1"/>
+            </a:solidFill>
+            <a:prstDash val="solid"/>
+            <a:tailEnd type="triangle" w="lg" len="med"/>
+          </a:ln>
+        </p:spPr>
+        <p:style>
+          <a:lnRef idx="1">
+            <a:schemeClr val="accent1"/>
+          </a:lnRef>
+          <a:fillRef idx="0">
+            <a:schemeClr val="accent1"/>
+          </a:fillRef>
+          <a:effectRef idx="0">
+            <a:schemeClr val="accent1"/>
+          </a:effectRef>
+          <a:fontRef idx="minor">
+            <a:schemeClr val="tx1"/>
+          </a:fontRef>
+        </p:style>
+      </p:cxnSp>
+      <p:cxnSp>
+        <p:nvCxnSpPr>
+          <p:cNvPr id="48" name="カギ線コネクタ 47"/>
+          <p:cNvCxnSpPr>
+            <a:stCxn id="43" idx="0"/>
+            <a:endCxn id="46" idx="3"/>
+          </p:cNvCxnSpPr>
+          <p:nvPr/>
+        </p:nvCxnSpPr>
+        <p:spPr>
+          <a:xfrm rot="16200000" flipV="1">
+            <a:off x="6527255" y="1363832"/>
+            <a:ext cx="345051" cy="1115156"/>
+          </a:xfrm>
+          <a:prstGeom prst="bentConnector2">
+            <a:avLst/>
+          </a:prstGeom>
+          <a:ln w="12700">
+            <a:solidFill>
+              <a:schemeClr val="tx1"/>
+            </a:solidFill>
+            <a:prstDash val="solid"/>
+            <a:tailEnd type="triangle" w="lg" len="med"/>
+          </a:ln>
+        </p:spPr>
+        <p:style>
+          <a:lnRef idx="1">
+            <a:schemeClr val="accent1"/>
+          </a:lnRef>
+          <a:fillRef idx="0">
+            <a:schemeClr val="accent1"/>
+          </a:fillRef>
+          <a:effectRef idx="0">
+            <a:schemeClr val="accent1"/>
+          </a:effectRef>
+          <a:fontRef idx="minor">
+            <a:schemeClr val="tx1"/>
+          </a:fontRef>
+        </p:style>
+      </p:cxnSp>
+      <p:cxnSp>
+        <p:nvCxnSpPr>
+          <p:cNvPr id="49" name="カギ線コネクタ 48"/>
+          <p:cNvCxnSpPr>
+            <a:stCxn id="43" idx="2"/>
+            <a:endCxn id="47" idx="3"/>
+          </p:cNvCxnSpPr>
+          <p:nvPr/>
+        </p:nvCxnSpPr>
+        <p:spPr>
+          <a:xfrm rot="5400000">
+            <a:off x="6528717" y="2149091"/>
+            <a:ext cx="343906" cy="1113376"/>
+          </a:xfrm>
+          <a:prstGeom prst="bentConnector2">
+            <a:avLst/>
+          </a:prstGeom>
+          <a:ln w="12700">
+            <a:solidFill>
+              <a:schemeClr val="tx1"/>
+            </a:solidFill>
+            <a:prstDash val="solid"/>
+            <a:tailEnd type="triangle" w="lg" len="med"/>
+          </a:ln>
+        </p:spPr>
+        <p:style>
+          <a:lnRef idx="1">
+            <a:schemeClr val="accent1"/>
+          </a:lnRef>
+          <a:fillRef idx="0">
+            <a:schemeClr val="accent1"/>
+          </a:fillRef>
+          <a:effectRef idx="0">
+            <a:schemeClr val="accent1"/>
+          </a:effectRef>
+          <a:fontRef idx="minor">
+            <a:schemeClr val="tx1"/>
+          </a:fontRef>
+        </p:style>
+      </p:cxnSp>
+      <p:cxnSp>
+        <p:nvCxnSpPr>
+          <p:cNvPr id="52" name="カギ線コネクタ 51"/>
+          <p:cNvCxnSpPr>
+            <a:stCxn id="42" idx="0"/>
+            <a:endCxn id="39" idx="3"/>
+          </p:cNvCxnSpPr>
+          <p:nvPr/>
+        </p:nvCxnSpPr>
+        <p:spPr>
+          <a:xfrm rot="16200000" flipV="1">
+            <a:off x="5870619" y="888764"/>
+            <a:ext cx="2830936" cy="2290926"/>
+          </a:xfrm>
+          <a:prstGeom prst="bentConnector2">
+            <a:avLst/>
+          </a:prstGeom>
+          <a:ln w="12700">
+            <a:solidFill>
+              <a:schemeClr val="tx1"/>
+            </a:solidFill>
+            <a:prstDash val="solid"/>
+            <a:tailEnd type="triangle" w="lg" len="med"/>
+          </a:ln>
+        </p:spPr>
+        <p:style>
+          <a:lnRef idx="1">
+            <a:schemeClr val="accent1"/>
+          </a:lnRef>
+          <a:fillRef idx="0">
+            <a:schemeClr val="accent1"/>
+          </a:fillRef>
+          <a:effectRef idx="0">
+            <a:schemeClr val="accent1"/>
+          </a:effectRef>
+          <a:fontRef idx="minor">
+            <a:schemeClr val="tx1"/>
+          </a:fontRef>
+        </p:style>
+      </p:cxnSp>
+      <p:cxnSp>
+        <p:nvCxnSpPr>
+          <p:cNvPr id="58" name="カギ線コネクタ 57"/>
+          <p:cNvCxnSpPr>
+            <a:stCxn id="42" idx="2"/>
+            <a:endCxn id="51" idx="3"/>
+          </p:cNvCxnSpPr>
+          <p:nvPr/>
+        </p:nvCxnSpPr>
+        <p:spPr>
+          <a:xfrm rot="5400000">
+            <a:off x="7230103" y="2805133"/>
+            <a:ext cx="116994" cy="2285900"/>
+          </a:xfrm>
+          <a:prstGeom prst="bentConnector2">
+            <a:avLst/>
+          </a:prstGeom>
+          <a:ln w="12700">
+            <a:solidFill>
+              <a:schemeClr val="tx1"/>
+            </a:solidFill>
+            <a:prstDash val="solid"/>
+            <a:tailEnd type="triangle" w="lg" len="med"/>
+          </a:ln>
+        </p:spPr>
+        <p:style>
+          <a:lnRef idx="1">
+            <a:schemeClr val="accent1"/>
+          </a:lnRef>
+          <a:fillRef idx="0">
+            <a:schemeClr val="accent1"/>
+          </a:fillRef>
+          <a:effectRef idx="0">
+            <a:schemeClr val="accent1"/>
+          </a:effectRef>
+          <a:fontRef idx="minor">
+            <a:schemeClr val="tx1"/>
+          </a:fontRef>
+        </p:style>
+      </p:cxnSp>
+      <p:sp>
+        <p:nvSpPr>
+          <p:cNvPr id="66" name="テキスト ボックス 65"/>
+          <p:cNvSpPr txBox="1"/>
+          <p:nvPr/>
+        </p:nvSpPr>
+        <p:spPr>
+          <a:xfrm>
+            <a:off x="6220064" y="4789996"/>
+            <a:ext cx="981487" cy="400110"/>
+          </a:xfrm>
+          <a:prstGeom prst="rect">
+            <a:avLst/>
+          </a:prstGeom>
+          <a:noFill/>
+        </p:spPr>
+        <p:txBody>
+          <a:bodyPr wrap="none" rtlCol="0">
+            <a:spAutoFit/>
+          </a:bodyPr>
+          <a:lstStyle/>
+          <a:p>
+            <a:r>
+              <a:rPr kumimoji="1" lang="en-US" altLang="ja-JP" sz="2000" dirty="0" smtClean="0"/>
+              <a:t>request</a:t>
+            </a:r>
+            <a:endParaRPr kumimoji="1" lang="ja-JP" altLang="en-US" sz="2000" dirty="0"/>
+          </a:p>
+        </p:txBody>
+      </p:sp>
+      <p:sp>
+        <p:nvSpPr>
+          <p:cNvPr id="67" name="テキスト ボックス 66"/>
+          <p:cNvSpPr txBox="1"/>
+          <p:nvPr/>
+        </p:nvSpPr>
+        <p:spPr>
+          <a:xfrm>
+            <a:off x="6189969" y="2518751"/>
+            <a:ext cx="1133452" cy="400110"/>
+          </a:xfrm>
+          <a:prstGeom prst="rect">
+            <a:avLst/>
+          </a:prstGeom>
+          <a:noFill/>
+        </p:spPr>
+        <p:txBody>
+          <a:bodyPr wrap="none" rtlCol="0">
+            <a:spAutoFit/>
+          </a:bodyPr>
+          <a:lstStyle/>
+          <a:p>
+            <a:r>
+              <a:rPr kumimoji="1" lang="en-US" altLang="ja-JP" sz="2000" dirty="0" smtClean="0"/>
+              <a:t>response</a:t>
+            </a:r>
+            <a:endParaRPr kumimoji="1" lang="ja-JP" altLang="en-US" sz="2000" dirty="0"/>
+          </a:p>
+        </p:txBody>
+      </p:sp>
+      <p:sp>
+        <p:nvSpPr>
+          <p:cNvPr id="68" name="テキスト ボックス 67"/>
+          <p:cNvSpPr txBox="1"/>
+          <p:nvPr/>
+        </p:nvSpPr>
+        <p:spPr>
+          <a:xfrm>
+            <a:off x="6209036" y="259648"/>
+            <a:ext cx="981487" cy="400110"/>
+          </a:xfrm>
+          <a:prstGeom prst="rect">
+            <a:avLst/>
+          </a:prstGeom>
+          <a:noFill/>
+        </p:spPr>
+        <p:txBody>
+          <a:bodyPr wrap="none" rtlCol="0">
+            <a:spAutoFit/>
+          </a:bodyPr>
+          <a:lstStyle/>
+          <a:p>
+            <a:r>
+              <a:rPr kumimoji="1" lang="en-US" altLang="ja-JP" sz="2000" dirty="0" smtClean="0"/>
+              <a:t>request</a:t>
+            </a:r>
+            <a:endParaRPr kumimoji="1" lang="ja-JP" altLang="en-US" sz="2000" dirty="0"/>
+          </a:p>
+        </p:txBody>
+      </p:sp>
+      <p:sp>
+        <p:nvSpPr>
+          <p:cNvPr id="69" name="テキスト ボックス 68"/>
+          <p:cNvSpPr txBox="1"/>
+          <p:nvPr/>
+        </p:nvSpPr>
+        <p:spPr>
+          <a:xfrm>
+            <a:off x="6235337" y="1374062"/>
+            <a:ext cx="981487" cy="400110"/>
+          </a:xfrm>
+          <a:prstGeom prst="rect">
+            <a:avLst/>
+          </a:prstGeom>
+          <a:noFill/>
+        </p:spPr>
+        <p:txBody>
+          <a:bodyPr wrap="none" rtlCol="0">
+            <a:spAutoFit/>
+          </a:bodyPr>
+          <a:lstStyle/>
+          <a:p>
+            <a:r>
+              <a:rPr kumimoji="1" lang="en-US" altLang="ja-JP" sz="2000" dirty="0" smtClean="0"/>
+              <a:t>request</a:t>
+            </a:r>
+            <a:endParaRPr kumimoji="1" lang="ja-JP" altLang="en-US" sz="2000" dirty="0"/>
+          </a:p>
+        </p:txBody>
+      </p:sp>
+      <p:sp>
+        <p:nvSpPr>
+          <p:cNvPr id="70" name="テキスト ボックス 69"/>
+          <p:cNvSpPr txBox="1"/>
+          <p:nvPr/>
+        </p:nvSpPr>
+        <p:spPr>
+          <a:xfrm>
+            <a:off x="6375116" y="5942325"/>
+            <a:ext cx="763158" cy="400110"/>
+          </a:xfrm>
+          <a:prstGeom prst="rect">
+            <a:avLst/>
+          </a:prstGeom>
+          <a:noFill/>
+        </p:spPr>
+        <p:txBody>
+          <a:bodyPr wrap="none" rtlCol="0">
+            <a:spAutoFit/>
+          </a:bodyPr>
+          <a:lstStyle/>
+          <a:p>
+            <a:r>
+              <a:rPr kumimoji="1" lang="en-US" altLang="ja-JP" sz="2000" dirty="0" smtClean="0"/>
+              <a:t>reuse</a:t>
+            </a:r>
+            <a:endParaRPr kumimoji="1" lang="ja-JP" altLang="en-US" sz="2000" dirty="0"/>
+          </a:p>
+        </p:txBody>
+      </p:sp>
+      <p:sp>
+        <p:nvSpPr>
+          <p:cNvPr id="73" name="角丸四角形 72"/>
+          <p:cNvSpPr/>
+          <p:nvPr/>
+        </p:nvSpPr>
+        <p:spPr>
+          <a:xfrm>
+            <a:off x="9773838" y="213100"/>
+            <a:ext cx="2120307" cy="811315"/>
+          </a:xfrm>
+          <a:prstGeom prst="roundRect">
+            <a:avLst>
+              <a:gd name="adj" fmla="val 21972"/>
+            </a:avLst>
+          </a:prstGeom>
+          <a:noFill/>
+          <a:ln>
+            <a:solidFill>
+              <a:schemeClr val="tx1"/>
+            </a:solidFill>
+          </a:ln>
+        </p:spPr>
+        <p:style>
+          <a:lnRef idx="2">
+            <a:schemeClr val="accent1">
+              <a:shade val="50000"/>
+            </a:schemeClr>
+          </a:lnRef>
+          <a:fillRef idx="1">
+            <a:schemeClr val="accent1"/>
+          </a:fillRef>
+          <a:effectRef idx="0">
+            <a:schemeClr val="accent1"/>
+          </a:effectRef>
+          <a:fontRef idx="minor">
+            <a:schemeClr val="lt1"/>
+          </a:fontRef>
+        </p:style>
+        <p:txBody>
+          <a:bodyPr rtlCol="0" anchor="ctr"/>
+          <a:lstStyle/>
+          <a:p>
+            <a:pPr algn="ctr"/>
+            <a:r>
+              <a:rPr lang="en-US" altLang="ja-JP" sz="2400" dirty="0" smtClean="0">
+                <a:solidFill>
+                  <a:schemeClr val="tx1"/>
+                </a:solidFill>
+              </a:rPr>
+              <a:t>CacheState0</a:t>
+            </a:r>
+          </a:p>
+          <a:p>
+            <a:pPr algn="ctr"/>
+            <a:r>
+              <a:rPr lang="en-US" altLang="ja-JP" sz="2000" dirty="0">
+                <a:solidFill>
+                  <a:schemeClr val="tx1"/>
+                </a:solidFill>
+              </a:rPr>
+              <a:t>[</a:t>
+            </a:r>
+            <a:r>
+              <a:rPr lang="en-US" altLang="ja-JP" sz="2000" dirty="0" smtClean="0">
+                <a:solidFill>
+                  <a:schemeClr val="tx1"/>
+                </a:solidFill>
+              </a:rPr>
+              <a:t>Time0,1]</a:t>
+            </a:r>
+            <a:endParaRPr lang="en-US" altLang="ja-JP" sz="2000" dirty="0">
+              <a:solidFill>
+                <a:schemeClr val="tx1"/>
+              </a:solidFill>
+            </a:endParaRPr>
+          </a:p>
+        </p:txBody>
+      </p:sp>
+      <p:sp>
+        <p:nvSpPr>
+          <p:cNvPr id="95" name="テキスト ボックス 94"/>
+          <p:cNvSpPr txBox="1"/>
+          <p:nvPr/>
+        </p:nvSpPr>
+        <p:spPr>
+          <a:xfrm>
+            <a:off x="8552499" y="290426"/>
+            <a:ext cx="1278170" cy="369332"/>
+          </a:xfrm>
+          <a:prstGeom prst="rect">
+            <a:avLst/>
+          </a:prstGeom>
+          <a:noFill/>
+        </p:spPr>
+        <p:txBody>
+          <a:bodyPr wrap="none" rtlCol="0">
+            <a:spAutoFit/>
+          </a:bodyPr>
+          <a:lstStyle/>
+          <a:p>
+            <a:r>
+              <a:rPr kumimoji="1" lang="en-US" altLang="ja-JP" dirty="0" err="1" smtClean="0"/>
+              <a:t>beforeState</a:t>
+            </a:r>
+            <a:endParaRPr kumimoji="1" lang="ja-JP" altLang="en-US" dirty="0"/>
+          </a:p>
+        </p:txBody>
+      </p:sp>
+      <p:sp>
+        <p:nvSpPr>
+          <p:cNvPr id="98" name="テキスト ボックス 97"/>
+          <p:cNvSpPr txBox="1"/>
+          <p:nvPr/>
+        </p:nvSpPr>
+        <p:spPr>
+          <a:xfrm>
+            <a:off x="8437825" y="2143520"/>
+            <a:ext cx="1222129" cy="400110"/>
+          </a:xfrm>
+          <a:prstGeom prst="rect">
+            <a:avLst/>
+          </a:prstGeom>
+          <a:noFill/>
+        </p:spPr>
+        <p:txBody>
+          <a:bodyPr wrap="none" rtlCol="0">
+            <a:spAutoFit/>
+          </a:bodyPr>
+          <a:lstStyle/>
+          <a:p>
+            <a:r>
+              <a:rPr kumimoji="1" lang="en-US" altLang="ja-JP" sz="2000" dirty="0" err="1" smtClean="0"/>
+              <a:t>afterState</a:t>
+            </a:r>
+            <a:endParaRPr kumimoji="1" lang="ja-JP" altLang="en-US" sz="2000" dirty="0"/>
+          </a:p>
+        </p:txBody>
+      </p:sp>
+      <p:cxnSp>
+        <p:nvCxnSpPr>
+          <p:cNvPr id="107" name="直線矢印コネクタ 106"/>
+          <p:cNvCxnSpPr>
+            <a:stCxn id="84" idx="1"/>
+          </p:cNvCxnSpPr>
+          <p:nvPr/>
+        </p:nvCxnSpPr>
+        <p:spPr>
+          <a:xfrm flipH="1" flipV="1">
+            <a:off x="6189969" y="3062108"/>
+            <a:ext cx="3583869" cy="89988"/>
+          </a:xfrm>
+          <a:prstGeom prst="straightConnector1">
+            <a:avLst/>
+          </a:prstGeom>
+          <a:ln w="28575">
+            <a:solidFill>
+              <a:schemeClr val="tx1"/>
+            </a:solidFill>
+            <a:prstDash val="sysDot"/>
+            <a:headEnd w="lg" len="med"/>
+            <a:tailEnd type="triangle" w="med" len="med"/>
+          </a:ln>
+        </p:spPr>
+        <p:style>
+          <a:lnRef idx="1">
+            <a:schemeClr val="accent1"/>
+          </a:lnRef>
+          <a:fillRef idx="0">
+            <a:schemeClr val="accent1"/>
+          </a:fillRef>
+          <a:effectRef idx="0">
+            <a:schemeClr val="accent1"/>
+          </a:effectRef>
+          <a:fontRef idx="minor">
+            <a:schemeClr val="tx1"/>
+          </a:fontRef>
+        </p:style>
+      </p:cxnSp>
+      <p:sp>
+        <p:nvSpPr>
+          <p:cNvPr id="46" name="角丸四角形 45"/>
+          <p:cNvSpPr/>
+          <p:nvPr/>
+        </p:nvSpPr>
+        <p:spPr>
+          <a:xfrm>
+            <a:off x="3761871" y="1258284"/>
+            <a:ext cx="2380331" cy="981199"/>
+          </a:xfrm>
+          <a:prstGeom prst="roundRect">
+            <a:avLst>
+              <a:gd name="adj" fmla="val 21972"/>
+            </a:avLst>
+          </a:prstGeom>
+          <a:solidFill>
+            <a:schemeClr val="bg1">
+              <a:lumMod val="85000"/>
+            </a:schemeClr>
+          </a:solidFill>
+          <a:ln>
+            <a:solidFill>
+              <a:schemeClr val="tx1"/>
+            </a:solidFill>
+          </a:ln>
+        </p:spPr>
+        <p:style>
+          <a:lnRef idx="2">
+            <a:schemeClr val="accent1">
+              <a:shade val="50000"/>
+            </a:schemeClr>
+          </a:lnRef>
+          <a:fillRef idx="1">
+            <a:schemeClr val="accent1"/>
+          </a:fillRef>
+          <a:effectRef idx="0">
+            <a:schemeClr val="accent1"/>
+          </a:effectRef>
+          <a:fontRef idx="minor">
+            <a:schemeClr val="lt1"/>
+          </a:fontRef>
+        </p:style>
+        <p:txBody>
+          <a:bodyPr rtlCol="0" anchor="ctr"/>
+          <a:lstStyle/>
+          <a:p>
+            <a:pPr algn="ctr"/>
+            <a:r>
+              <a:rPr lang="en-US" altLang="ja-JP" sz="2400" dirty="0" smtClean="0">
+                <a:solidFill>
+                  <a:schemeClr val="tx1"/>
+                </a:solidFill>
+              </a:rPr>
+              <a:t>Request1</a:t>
+            </a:r>
+            <a:endParaRPr lang="en-US" altLang="ja-JP" sz="2400" dirty="0" smtClean="0">
+              <a:solidFill>
+                <a:schemeClr val="tx1"/>
+              </a:solidFill>
+            </a:endParaRPr>
+          </a:p>
+          <a:p>
+            <a:pPr algn="ctr"/>
+            <a:r>
+              <a:rPr kumimoji="1" lang="en-US" altLang="ja-JP" sz="2000" dirty="0" smtClean="0">
+                <a:solidFill>
+                  <a:schemeClr val="tx1"/>
+                </a:solidFill>
+              </a:rPr>
+              <a:t>[Time1]</a:t>
+            </a:r>
+          </a:p>
+          <a:p>
+            <a:pPr algn="ctr"/>
+            <a:r>
+              <a:rPr lang="en-US" altLang="ja-JP" sz="2000" dirty="0" smtClean="0">
+                <a:solidFill>
+                  <a:schemeClr val="tx1"/>
+                </a:solidFill>
+              </a:rPr>
+              <a:t>Proxy </a:t>
+            </a:r>
+            <a:r>
+              <a:rPr lang="ja-JP" altLang="en-US" sz="2000" dirty="0" smtClean="0">
+                <a:solidFill>
+                  <a:schemeClr val="tx1"/>
+                </a:solidFill>
+              </a:rPr>
+              <a:t>→ </a:t>
+            </a:r>
+            <a:r>
+              <a:rPr lang="en-US" altLang="ja-JP" sz="2000" dirty="0" smtClean="0">
+                <a:solidFill>
+                  <a:schemeClr val="tx1"/>
+                </a:solidFill>
+              </a:rPr>
+              <a:t>Server</a:t>
+            </a:r>
+            <a:endParaRPr kumimoji="1" lang="en-US" altLang="ja-JP" sz="2000" dirty="0" smtClean="0">
+              <a:solidFill>
+                <a:schemeClr val="tx1"/>
+              </a:solidFill>
+            </a:endParaRPr>
+          </a:p>
+        </p:txBody>
+      </p:sp>
+      <p:sp>
+        <p:nvSpPr>
+          <p:cNvPr id="47" name="角丸四角形 46"/>
+          <p:cNvSpPr/>
+          <p:nvPr/>
+        </p:nvSpPr>
+        <p:spPr>
+          <a:xfrm>
+            <a:off x="3750618" y="2387132"/>
+            <a:ext cx="2393364" cy="981199"/>
+          </a:xfrm>
+          <a:prstGeom prst="roundRect">
+            <a:avLst>
+              <a:gd name="adj" fmla="val 21972"/>
+            </a:avLst>
+          </a:prstGeom>
+          <a:solidFill>
+            <a:schemeClr val="bg1">
+              <a:lumMod val="85000"/>
+            </a:schemeClr>
+          </a:solidFill>
+          <a:ln>
+            <a:solidFill>
+              <a:schemeClr val="tx1"/>
+            </a:solidFill>
+          </a:ln>
+        </p:spPr>
+        <p:style>
+          <a:lnRef idx="2">
+            <a:schemeClr val="accent1">
+              <a:shade val="50000"/>
+            </a:schemeClr>
+          </a:lnRef>
+          <a:fillRef idx="1">
+            <a:schemeClr val="accent1"/>
+          </a:fillRef>
+          <a:effectRef idx="0">
+            <a:schemeClr val="accent1"/>
+          </a:effectRef>
+          <a:fontRef idx="minor">
+            <a:schemeClr val="lt1"/>
+          </a:fontRef>
+        </p:style>
+        <p:txBody>
+          <a:bodyPr rtlCol="0" anchor="ctr"/>
+          <a:lstStyle/>
+          <a:p>
+            <a:pPr algn="ctr"/>
+            <a:r>
+              <a:rPr lang="en-US" altLang="ja-JP" sz="2400" dirty="0" smtClean="0">
+                <a:solidFill>
+                  <a:schemeClr val="tx1"/>
+                </a:solidFill>
+              </a:rPr>
+              <a:t>Response1</a:t>
+            </a:r>
+            <a:endParaRPr lang="en-US" altLang="ja-JP" sz="2400" dirty="0" smtClean="0">
+              <a:solidFill>
+                <a:schemeClr val="tx1"/>
+              </a:solidFill>
+            </a:endParaRPr>
+          </a:p>
+          <a:p>
+            <a:pPr algn="ctr"/>
+            <a:r>
+              <a:rPr kumimoji="1" lang="en-US" altLang="ja-JP" sz="2000" dirty="0" smtClean="0">
+                <a:solidFill>
+                  <a:schemeClr val="tx1"/>
+                </a:solidFill>
+              </a:rPr>
+              <a:t>[Time2]</a:t>
+            </a:r>
+          </a:p>
+          <a:p>
+            <a:pPr algn="ctr"/>
+            <a:r>
+              <a:rPr lang="en-US" altLang="ja-JP" sz="2000" dirty="0" smtClean="0">
+                <a:solidFill>
+                  <a:schemeClr val="tx1"/>
+                </a:solidFill>
+              </a:rPr>
+              <a:t>Proxy</a:t>
+            </a:r>
+            <a:r>
+              <a:rPr lang="en-US" altLang="ja-JP" sz="2000" dirty="0" smtClean="0">
+                <a:solidFill>
+                  <a:schemeClr val="tx1"/>
+                </a:solidFill>
+              </a:rPr>
+              <a:t> </a:t>
+            </a:r>
+            <a:r>
+              <a:rPr lang="ja-JP" altLang="en-US" sz="2000" dirty="0" smtClean="0">
+                <a:solidFill>
+                  <a:schemeClr val="tx1"/>
+                </a:solidFill>
+              </a:rPr>
+              <a:t>← </a:t>
+            </a:r>
+            <a:r>
+              <a:rPr lang="en-US" altLang="ja-JP" sz="2000" dirty="0" smtClean="0">
+                <a:solidFill>
+                  <a:schemeClr val="tx1"/>
+                </a:solidFill>
+              </a:rPr>
+              <a:t>Server</a:t>
+            </a:r>
+            <a:endParaRPr kumimoji="1" lang="en-US" altLang="ja-JP" sz="2000" dirty="0" smtClean="0">
+              <a:solidFill>
+                <a:schemeClr val="tx1"/>
+              </a:solidFill>
+            </a:endParaRPr>
+          </a:p>
+        </p:txBody>
+      </p:sp>
+      <p:sp>
+        <p:nvSpPr>
+          <p:cNvPr id="51" name="角丸四角形 50"/>
+          <p:cNvSpPr/>
+          <p:nvPr/>
+        </p:nvSpPr>
+        <p:spPr>
+          <a:xfrm>
+            <a:off x="3752286" y="3515980"/>
+            <a:ext cx="2393364" cy="981199"/>
+          </a:xfrm>
+          <a:prstGeom prst="roundRect">
+            <a:avLst>
+              <a:gd name="adj" fmla="val 21972"/>
+            </a:avLst>
+          </a:prstGeom>
+          <a:solidFill>
+            <a:schemeClr val="bg1">
+              <a:lumMod val="85000"/>
+            </a:schemeClr>
+          </a:solidFill>
+          <a:ln>
+            <a:solidFill>
+              <a:schemeClr val="tx1"/>
+            </a:solidFill>
+          </a:ln>
+        </p:spPr>
+        <p:style>
+          <a:lnRef idx="2">
+            <a:schemeClr val="accent1">
+              <a:shade val="50000"/>
+            </a:schemeClr>
+          </a:lnRef>
+          <a:fillRef idx="1">
+            <a:schemeClr val="accent1"/>
+          </a:fillRef>
+          <a:effectRef idx="0">
+            <a:schemeClr val="accent1"/>
+          </a:effectRef>
+          <a:fontRef idx="minor">
+            <a:schemeClr val="lt1"/>
+          </a:fontRef>
+        </p:style>
+        <p:txBody>
+          <a:bodyPr rtlCol="0" anchor="ctr"/>
+          <a:lstStyle/>
+          <a:p>
+            <a:pPr algn="ctr"/>
+            <a:r>
+              <a:rPr lang="en-US" altLang="ja-JP" sz="2400" dirty="0" smtClean="0">
+                <a:solidFill>
+                  <a:schemeClr val="tx1"/>
+                </a:solidFill>
+              </a:rPr>
+              <a:t>Response0</a:t>
+            </a:r>
+            <a:endParaRPr lang="en-US" altLang="ja-JP" sz="2400" dirty="0" smtClean="0">
+              <a:solidFill>
+                <a:schemeClr val="tx1"/>
+              </a:solidFill>
+            </a:endParaRPr>
+          </a:p>
+          <a:p>
+            <a:pPr algn="ctr"/>
+            <a:r>
+              <a:rPr kumimoji="1" lang="en-US" altLang="ja-JP" sz="2000" dirty="0" smtClean="0">
+                <a:solidFill>
+                  <a:schemeClr val="tx1"/>
+                </a:solidFill>
+              </a:rPr>
+              <a:t>[Time3]</a:t>
+            </a:r>
+          </a:p>
+          <a:p>
+            <a:pPr algn="ctr"/>
+            <a:r>
+              <a:rPr lang="en-US" altLang="ja-JP" sz="2000" dirty="0" smtClean="0">
+                <a:solidFill>
+                  <a:schemeClr val="tx1"/>
+                </a:solidFill>
+              </a:rPr>
+              <a:t>Browser0 </a:t>
+            </a:r>
+            <a:r>
+              <a:rPr lang="ja-JP" altLang="en-US" sz="2000" dirty="0">
+                <a:solidFill>
+                  <a:schemeClr val="tx1"/>
+                </a:solidFill>
+              </a:rPr>
+              <a:t>← </a:t>
+            </a:r>
+            <a:r>
+              <a:rPr lang="en-US" altLang="ja-JP" sz="2000" dirty="0" smtClean="0">
+                <a:solidFill>
+                  <a:schemeClr val="tx1"/>
+                </a:solidFill>
+              </a:rPr>
+              <a:t>Proxy</a:t>
+            </a:r>
+            <a:endParaRPr kumimoji="1" lang="en-US" altLang="ja-JP" sz="2000" dirty="0" smtClean="0">
+              <a:solidFill>
+                <a:schemeClr val="tx1"/>
+              </a:solidFill>
+            </a:endParaRPr>
+          </a:p>
+        </p:txBody>
+      </p:sp>
+      <p:sp>
+        <p:nvSpPr>
+          <p:cNvPr id="53" name="角丸四角形 52"/>
+          <p:cNvSpPr/>
+          <p:nvPr/>
+        </p:nvSpPr>
+        <p:spPr>
+          <a:xfrm>
+            <a:off x="3766897" y="4646105"/>
+            <a:ext cx="2380331" cy="981199"/>
+          </a:xfrm>
+          <a:prstGeom prst="roundRect">
+            <a:avLst>
+              <a:gd name="adj" fmla="val 21972"/>
+            </a:avLst>
+          </a:prstGeom>
+          <a:solidFill>
+            <a:schemeClr val="bg1">
+              <a:lumMod val="85000"/>
+            </a:schemeClr>
+          </a:solidFill>
+          <a:ln>
+            <a:solidFill>
+              <a:schemeClr val="tx1"/>
+            </a:solidFill>
+          </a:ln>
+        </p:spPr>
+        <p:style>
+          <a:lnRef idx="2">
+            <a:schemeClr val="accent1">
+              <a:shade val="50000"/>
+            </a:schemeClr>
+          </a:lnRef>
+          <a:fillRef idx="1">
+            <a:schemeClr val="accent1"/>
+          </a:fillRef>
+          <a:effectRef idx="0">
+            <a:schemeClr val="accent1"/>
+          </a:effectRef>
+          <a:fontRef idx="minor">
+            <a:schemeClr val="lt1"/>
+          </a:fontRef>
+        </p:style>
+        <p:txBody>
+          <a:bodyPr rtlCol="0" anchor="ctr"/>
+          <a:lstStyle/>
+          <a:p>
+            <a:pPr algn="ctr"/>
+            <a:r>
+              <a:rPr lang="en-US" altLang="ja-JP" sz="2400" dirty="0" smtClean="0">
+                <a:solidFill>
+                  <a:schemeClr val="tx1"/>
+                </a:solidFill>
+              </a:rPr>
+              <a:t>Request2</a:t>
+            </a:r>
+            <a:endParaRPr lang="en-US" altLang="ja-JP" sz="2400" dirty="0" smtClean="0">
+              <a:solidFill>
+                <a:schemeClr val="tx1"/>
+              </a:solidFill>
+            </a:endParaRPr>
+          </a:p>
+          <a:p>
+            <a:pPr algn="ctr"/>
+            <a:r>
+              <a:rPr kumimoji="1" lang="en-US" altLang="ja-JP" sz="2000" dirty="0" smtClean="0">
+                <a:solidFill>
+                  <a:schemeClr val="tx1"/>
+                </a:solidFill>
+              </a:rPr>
+              <a:t>[Time4]</a:t>
+            </a:r>
+          </a:p>
+          <a:p>
+            <a:pPr algn="ctr"/>
+            <a:r>
+              <a:rPr lang="en-US" altLang="ja-JP" sz="2000" dirty="0" smtClean="0">
+                <a:solidFill>
+                  <a:schemeClr val="tx1"/>
+                </a:solidFill>
+              </a:rPr>
+              <a:t>Browser1</a:t>
+            </a:r>
+            <a:r>
+              <a:rPr lang="ja-JP" altLang="en-US" sz="2000" dirty="0" smtClean="0">
+                <a:solidFill>
+                  <a:schemeClr val="tx1"/>
+                </a:solidFill>
+              </a:rPr>
+              <a:t>→ </a:t>
+            </a:r>
+            <a:r>
+              <a:rPr lang="en-US" altLang="ja-JP" sz="2000" dirty="0" smtClean="0">
+                <a:solidFill>
+                  <a:schemeClr val="tx1"/>
+                </a:solidFill>
+              </a:rPr>
+              <a:t>Proxy</a:t>
+            </a:r>
+            <a:endParaRPr kumimoji="1" lang="en-US" altLang="ja-JP" sz="2000" dirty="0" smtClean="0">
+              <a:solidFill>
+                <a:schemeClr val="tx1"/>
+              </a:solidFill>
+            </a:endParaRPr>
+          </a:p>
+        </p:txBody>
+      </p:sp>
+      <p:sp>
+        <p:nvSpPr>
+          <p:cNvPr id="54" name="角丸四角形 53"/>
+          <p:cNvSpPr/>
+          <p:nvPr/>
+        </p:nvSpPr>
+        <p:spPr>
+          <a:xfrm>
+            <a:off x="3755644" y="5774953"/>
+            <a:ext cx="2393364" cy="981199"/>
+          </a:xfrm>
+          <a:prstGeom prst="roundRect">
+            <a:avLst>
+              <a:gd name="adj" fmla="val 21972"/>
+            </a:avLst>
+          </a:prstGeom>
+          <a:solidFill>
+            <a:schemeClr val="bg1">
+              <a:lumMod val="85000"/>
+            </a:schemeClr>
+          </a:solidFill>
+          <a:ln>
+            <a:solidFill>
+              <a:schemeClr val="tx1"/>
+            </a:solidFill>
+          </a:ln>
+        </p:spPr>
+        <p:style>
+          <a:lnRef idx="2">
+            <a:schemeClr val="accent1">
+              <a:shade val="50000"/>
+            </a:schemeClr>
+          </a:lnRef>
+          <a:fillRef idx="1">
+            <a:schemeClr val="accent1"/>
+          </a:fillRef>
+          <a:effectRef idx="0">
+            <a:schemeClr val="accent1"/>
+          </a:effectRef>
+          <a:fontRef idx="minor">
+            <a:schemeClr val="lt1"/>
+          </a:fontRef>
+        </p:style>
+        <p:txBody>
+          <a:bodyPr rtlCol="0" anchor="ctr"/>
+          <a:lstStyle/>
+          <a:p>
+            <a:pPr algn="ctr"/>
+            <a:r>
+              <a:rPr lang="en-US" altLang="ja-JP" sz="2400" dirty="0" smtClean="0">
+                <a:solidFill>
+                  <a:schemeClr val="tx1"/>
+                </a:solidFill>
+              </a:rPr>
+              <a:t>CacheReuse0</a:t>
+            </a:r>
+          </a:p>
+          <a:p>
+            <a:pPr algn="ctr"/>
+            <a:r>
+              <a:rPr kumimoji="1" lang="en-US" altLang="ja-JP" sz="2000" dirty="0" smtClean="0">
+                <a:solidFill>
+                  <a:schemeClr val="tx1"/>
+                </a:solidFill>
+              </a:rPr>
+              <a:t>[Time5]</a:t>
+            </a:r>
+          </a:p>
+          <a:p>
+            <a:pPr algn="ctr"/>
+            <a:r>
+              <a:rPr lang="en-US" altLang="ja-JP" sz="2000" dirty="0" smtClean="0">
+                <a:solidFill>
+                  <a:schemeClr val="tx1"/>
+                </a:solidFill>
+              </a:rPr>
+              <a:t>Browser1 </a:t>
+            </a:r>
+            <a:r>
+              <a:rPr lang="ja-JP" altLang="en-US" sz="2000" dirty="0">
+                <a:solidFill>
+                  <a:schemeClr val="tx1"/>
+                </a:solidFill>
+              </a:rPr>
+              <a:t>← </a:t>
+            </a:r>
+            <a:r>
+              <a:rPr lang="en-US" altLang="ja-JP" sz="2000" dirty="0" smtClean="0">
+                <a:solidFill>
+                  <a:schemeClr val="tx1"/>
+                </a:solidFill>
+              </a:rPr>
+              <a:t>Proxy</a:t>
+            </a:r>
+            <a:endParaRPr kumimoji="1" lang="en-US" altLang="ja-JP" sz="2000" dirty="0" smtClean="0">
+              <a:solidFill>
+                <a:schemeClr val="tx1"/>
+              </a:solidFill>
+            </a:endParaRPr>
+          </a:p>
+        </p:txBody>
+      </p:sp>
+      <p:cxnSp>
+        <p:nvCxnSpPr>
+          <p:cNvPr id="63" name="カギ線コネクタ 62"/>
+          <p:cNvCxnSpPr>
+            <a:stCxn id="38" idx="2"/>
+            <a:endCxn id="54" idx="3"/>
+          </p:cNvCxnSpPr>
+          <p:nvPr/>
+        </p:nvCxnSpPr>
+        <p:spPr>
+          <a:xfrm rot="5400000">
+            <a:off x="6550295" y="5541460"/>
+            <a:ext cx="322807" cy="1125379"/>
+          </a:xfrm>
+          <a:prstGeom prst="bentConnector2">
+            <a:avLst/>
+          </a:prstGeom>
+          <a:ln w="12700">
+            <a:solidFill>
+              <a:schemeClr val="tx1"/>
+            </a:solidFill>
+            <a:prstDash val="solid"/>
+            <a:tailEnd type="triangle" w="lg" len="med"/>
+          </a:ln>
+        </p:spPr>
+        <p:style>
+          <a:lnRef idx="1">
+            <a:schemeClr val="accent1"/>
+          </a:lnRef>
+          <a:fillRef idx="0">
+            <a:schemeClr val="accent1"/>
+          </a:fillRef>
+          <a:effectRef idx="0">
+            <a:schemeClr val="accent1"/>
+          </a:effectRef>
+          <a:fontRef idx="minor">
+            <a:schemeClr val="tx1"/>
+          </a:fontRef>
+        </p:style>
+      </p:cxnSp>
+      <p:sp>
+        <p:nvSpPr>
+          <p:cNvPr id="89" name="テキスト ボックス 88"/>
+          <p:cNvSpPr txBox="1"/>
+          <p:nvPr/>
+        </p:nvSpPr>
+        <p:spPr>
+          <a:xfrm>
+            <a:off x="9590394" y="4507072"/>
+            <a:ext cx="1112741" cy="646331"/>
+          </a:xfrm>
+          <a:prstGeom prst="rect">
+            <a:avLst/>
+          </a:prstGeom>
+          <a:noFill/>
+        </p:spPr>
+        <p:txBody>
+          <a:bodyPr wrap="none" rtlCol="0">
+            <a:spAutoFit/>
+          </a:bodyPr>
+          <a:lstStyle/>
+          <a:p>
+            <a:r>
+              <a:rPr kumimoji="1" lang="en-US" altLang="ja-JP" dirty="0" smtClean="0"/>
+              <a:t>before/</a:t>
+            </a:r>
+          </a:p>
+          <a:p>
+            <a:r>
+              <a:rPr kumimoji="1" lang="en-US" altLang="ja-JP" dirty="0" err="1" smtClean="0"/>
+              <a:t>afterState</a:t>
+            </a:r>
+            <a:endParaRPr kumimoji="1" lang="ja-JP" altLang="en-US" dirty="0"/>
+          </a:p>
+        </p:txBody>
+      </p:sp>
+      <p:sp>
+        <p:nvSpPr>
+          <p:cNvPr id="55" name="テキスト ボックス 54"/>
+          <p:cNvSpPr txBox="1"/>
+          <p:nvPr/>
+        </p:nvSpPr>
+        <p:spPr>
+          <a:xfrm>
+            <a:off x="6195921" y="3669641"/>
+            <a:ext cx="1133452" cy="400110"/>
+          </a:xfrm>
+          <a:prstGeom prst="rect">
+            <a:avLst/>
+          </a:prstGeom>
+          <a:noFill/>
+        </p:spPr>
+        <p:txBody>
+          <a:bodyPr wrap="none" rtlCol="0">
+            <a:spAutoFit/>
+          </a:bodyPr>
+          <a:lstStyle/>
+          <a:p>
+            <a:r>
+              <a:rPr kumimoji="1" lang="en-US" altLang="ja-JP" sz="2000" dirty="0" smtClean="0"/>
+              <a:t>response</a:t>
+            </a:r>
+            <a:endParaRPr kumimoji="1" lang="ja-JP" altLang="en-US" sz="2000" dirty="0"/>
+          </a:p>
+        </p:txBody>
+      </p:sp>
+      <p:cxnSp>
+        <p:nvCxnSpPr>
+          <p:cNvPr id="76" name="直線矢印コネクタ 75"/>
+          <p:cNvCxnSpPr>
+            <a:stCxn id="43" idx="3"/>
+            <a:endCxn id="73" idx="1"/>
+          </p:cNvCxnSpPr>
+          <p:nvPr/>
+        </p:nvCxnSpPr>
+        <p:spPr>
+          <a:xfrm flipV="1">
+            <a:off x="8279378" y="618758"/>
+            <a:ext cx="1494460" cy="1695123"/>
+          </a:xfrm>
+          <a:prstGeom prst="straightConnector1">
+            <a:avLst/>
+          </a:prstGeom>
+          <a:ln w="12700">
+            <a:solidFill>
+              <a:schemeClr val="tx1"/>
+            </a:solidFill>
+            <a:prstDash val="solid"/>
+            <a:headEnd w="lg" len="med"/>
+            <a:tailEnd type="triangle" w="med" len="med"/>
+          </a:ln>
+        </p:spPr>
+        <p:style>
+          <a:lnRef idx="1">
+            <a:schemeClr val="accent1"/>
+          </a:lnRef>
+          <a:fillRef idx="0">
+            <a:schemeClr val="accent1"/>
+          </a:fillRef>
+          <a:effectRef idx="0">
+            <a:schemeClr val="accent1"/>
+          </a:effectRef>
+          <a:fontRef idx="minor">
+            <a:schemeClr val="tx1"/>
+          </a:fontRef>
+        </p:style>
+      </p:cxnSp>
+      <p:cxnSp>
+        <p:nvCxnSpPr>
+          <p:cNvPr id="79" name="直線矢印コネクタ 78"/>
+          <p:cNvCxnSpPr>
+            <a:stCxn id="42" idx="3"/>
+            <a:endCxn id="73" idx="1"/>
+          </p:cNvCxnSpPr>
+          <p:nvPr/>
+        </p:nvCxnSpPr>
+        <p:spPr>
+          <a:xfrm flipV="1">
+            <a:off x="9470292" y="618758"/>
+            <a:ext cx="303546" cy="3050883"/>
+          </a:xfrm>
+          <a:prstGeom prst="straightConnector1">
+            <a:avLst/>
+          </a:prstGeom>
+          <a:ln w="12700">
+            <a:solidFill>
+              <a:schemeClr val="tx1"/>
+            </a:solidFill>
+            <a:prstDash val="solid"/>
+            <a:headEnd w="lg" len="med"/>
+            <a:tailEnd type="triangle" w="med" len="med"/>
+          </a:ln>
+        </p:spPr>
+        <p:style>
+          <a:lnRef idx="1">
+            <a:schemeClr val="accent1"/>
+          </a:lnRef>
+          <a:fillRef idx="0">
+            <a:schemeClr val="accent1"/>
+          </a:fillRef>
+          <a:effectRef idx="0">
+            <a:schemeClr val="accent1"/>
+          </a:effectRef>
+          <a:fontRef idx="minor">
+            <a:schemeClr val="tx1"/>
+          </a:fontRef>
+        </p:style>
+      </p:cxnSp>
+      <p:sp>
+        <p:nvSpPr>
+          <p:cNvPr id="82" name="テキスト ボックス 81"/>
+          <p:cNvSpPr txBox="1"/>
+          <p:nvPr/>
+        </p:nvSpPr>
+        <p:spPr>
+          <a:xfrm>
+            <a:off x="9659954" y="1204785"/>
+            <a:ext cx="1278170" cy="369332"/>
+          </a:xfrm>
+          <a:prstGeom prst="rect">
+            <a:avLst/>
+          </a:prstGeom>
+          <a:noFill/>
+        </p:spPr>
+        <p:txBody>
+          <a:bodyPr wrap="none" rtlCol="0">
+            <a:spAutoFit/>
+          </a:bodyPr>
+          <a:lstStyle/>
+          <a:p>
+            <a:r>
+              <a:rPr kumimoji="1" lang="en-US" altLang="ja-JP" dirty="0" err="1" smtClean="0"/>
+              <a:t>beforeState</a:t>
+            </a:r>
+            <a:endParaRPr kumimoji="1" lang="ja-JP" altLang="en-US" dirty="0"/>
+          </a:p>
+        </p:txBody>
+      </p:sp>
+      <p:sp>
+        <p:nvSpPr>
+          <p:cNvPr id="84" name="角丸四角形 83"/>
+          <p:cNvSpPr/>
+          <p:nvPr/>
+        </p:nvSpPr>
+        <p:spPr>
+          <a:xfrm>
+            <a:off x="9773838" y="2746438"/>
+            <a:ext cx="2120307" cy="811315"/>
+          </a:xfrm>
+          <a:prstGeom prst="roundRect">
+            <a:avLst>
+              <a:gd name="adj" fmla="val 21972"/>
+            </a:avLst>
+          </a:prstGeom>
+          <a:noFill/>
+          <a:ln>
+            <a:solidFill>
+              <a:schemeClr val="tx1"/>
+            </a:solidFill>
+          </a:ln>
+        </p:spPr>
+        <p:style>
+          <a:lnRef idx="2">
+            <a:schemeClr val="accent1">
+              <a:shade val="50000"/>
+            </a:schemeClr>
+          </a:lnRef>
+          <a:fillRef idx="1">
+            <a:schemeClr val="accent1"/>
+          </a:fillRef>
+          <a:effectRef idx="0">
+            <a:schemeClr val="accent1"/>
+          </a:effectRef>
+          <a:fontRef idx="minor">
+            <a:schemeClr val="lt1"/>
+          </a:fontRef>
+        </p:style>
+        <p:txBody>
+          <a:bodyPr rtlCol="0" anchor="ctr"/>
+          <a:lstStyle/>
+          <a:p>
+            <a:pPr algn="ctr"/>
+            <a:r>
+              <a:rPr lang="en-US" altLang="ja-JP" sz="2400" dirty="0" smtClean="0">
+                <a:solidFill>
+                  <a:schemeClr val="tx1"/>
+                </a:solidFill>
+              </a:rPr>
+              <a:t>CacheState0</a:t>
+            </a:r>
+          </a:p>
+          <a:p>
+            <a:pPr algn="ctr"/>
+            <a:r>
+              <a:rPr lang="en-US" altLang="ja-JP" sz="2000" dirty="0">
+                <a:solidFill>
+                  <a:schemeClr val="tx1"/>
+                </a:solidFill>
+              </a:rPr>
+              <a:t>[</a:t>
+            </a:r>
+            <a:r>
+              <a:rPr lang="en-US" altLang="ja-JP" sz="2000" dirty="0" smtClean="0">
+                <a:solidFill>
+                  <a:schemeClr val="tx1"/>
+                </a:solidFill>
+              </a:rPr>
+              <a:t>Time2-5]</a:t>
+            </a:r>
+            <a:endParaRPr lang="en-US" altLang="ja-JP" sz="2000" dirty="0">
+              <a:solidFill>
+                <a:schemeClr val="tx1"/>
+              </a:solidFill>
+            </a:endParaRPr>
+          </a:p>
+        </p:txBody>
+      </p:sp>
+      <p:cxnSp>
+        <p:nvCxnSpPr>
+          <p:cNvPr id="86" name="直線矢印コネクタ 85"/>
+          <p:cNvCxnSpPr>
+            <a:stCxn id="43" idx="3"/>
+            <a:endCxn id="84" idx="1"/>
+          </p:cNvCxnSpPr>
+          <p:nvPr/>
+        </p:nvCxnSpPr>
+        <p:spPr>
+          <a:xfrm>
+            <a:off x="8279378" y="2313881"/>
+            <a:ext cx="1494460" cy="838215"/>
+          </a:xfrm>
+          <a:prstGeom prst="straightConnector1">
+            <a:avLst/>
+          </a:prstGeom>
+          <a:ln w="12700">
+            <a:solidFill>
+              <a:schemeClr val="tx1"/>
+            </a:solidFill>
+            <a:prstDash val="solid"/>
+            <a:headEnd w="lg" len="med"/>
+            <a:tailEnd type="triangle" w="med" len="med"/>
+          </a:ln>
+        </p:spPr>
+        <p:style>
+          <a:lnRef idx="1">
+            <a:schemeClr val="accent1"/>
+          </a:lnRef>
+          <a:fillRef idx="0">
+            <a:schemeClr val="accent1"/>
+          </a:fillRef>
+          <a:effectRef idx="0">
+            <a:schemeClr val="accent1"/>
+          </a:effectRef>
+          <a:fontRef idx="minor">
+            <a:schemeClr val="tx1"/>
+          </a:fontRef>
+        </p:style>
+      </p:cxnSp>
+      <p:cxnSp>
+        <p:nvCxnSpPr>
+          <p:cNvPr id="90" name="直線矢印コネクタ 89"/>
+          <p:cNvCxnSpPr>
+            <a:stCxn id="42" idx="3"/>
+            <a:endCxn id="84" idx="1"/>
+          </p:cNvCxnSpPr>
+          <p:nvPr/>
+        </p:nvCxnSpPr>
+        <p:spPr>
+          <a:xfrm flipV="1">
+            <a:off x="9470292" y="3152096"/>
+            <a:ext cx="303546" cy="517545"/>
+          </a:xfrm>
+          <a:prstGeom prst="straightConnector1">
+            <a:avLst/>
+          </a:prstGeom>
+          <a:ln w="12700">
+            <a:solidFill>
+              <a:schemeClr val="tx1"/>
+            </a:solidFill>
+            <a:prstDash val="solid"/>
+            <a:headEnd w="lg" len="med"/>
+            <a:tailEnd type="triangle" w="med" len="med"/>
+          </a:ln>
+        </p:spPr>
+        <p:style>
+          <a:lnRef idx="1">
+            <a:schemeClr val="accent1"/>
+          </a:lnRef>
+          <a:fillRef idx="0">
+            <a:schemeClr val="accent1"/>
+          </a:fillRef>
+          <a:effectRef idx="0">
+            <a:schemeClr val="accent1"/>
+          </a:effectRef>
+          <a:fontRef idx="minor">
+            <a:schemeClr val="tx1"/>
+          </a:fontRef>
+        </p:style>
+      </p:cxnSp>
+      <p:cxnSp>
+        <p:nvCxnSpPr>
+          <p:cNvPr id="93" name="直線矢印コネクタ 92"/>
+          <p:cNvCxnSpPr>
+            <a:stCxn id="38" idx="3"/>
+            <a:endCxn id="84" idx="2"/>
+          </p:cNvCxnSpPr>
+          <p:nvPr/>
+        </p:nvCxnSpPr>
+        <p:spPr>
+          <a:xfrm flipV="1">
+            <a:off x="8313129" y="3557753"/>
+            <a:ext cx="2520863" cy="2165048"/>
+          </a:xfrm>
+          <a:prstGeom prst="straightConnector1">
+            <a:avLst/>
+          </a:prstGeom>
+          <a:ln w="12700">
+            <a:solidFill>
+              <a:schemeClr val="tx1"/>
+            </a:solidFill>
+            <a:prstDash val="solid"/>
+            <a:headEnd w="lg" len="med"/>
+            <a:tailEnd type="triangle" w="med" len="med"/>
+          </a:ln>
+        </p:spPr>
+        <p:style>
+          <a:lnRef idx="1">
+            <a:schemeClr val="accent1"/>
+          </a:lnRef>
+          <a:fillRef idx="0">
+            <a:schemeClr val="accent1"/>
+          </a:fillRef>
+          <a:effectRef idx="0">
+            <a:schemeClr val="accent1"/>
+          </a:effectRef>
+          <a:fontRef idx="minor">
+            <a:schemeClr val="tx1"/>
+          </a:fontRef>
+        </p:style>
+      </p:cxnSp>
+      <p:sp>
+        <p:nvSpPr>
+          <p:cNvPr id="99" name="テキスト ボックス 98"/>
+          <p:cNvSpPr txBox="1"/>
+          <p:nvPr/>
+        </p:nvSpPr>
+        <p:spPr>
+          <a:xfrm>
+            <a:off x="9445477" y="3502729"/>
+            <a:ext cx="1222129" cy="400110"/>
+          </a:xfrm>
+          <a:prstGeom prst="rect">
+            <a:avLst/>
+          </a:prstGeom>
+          <a:noFill/>
+        </p:spPr>
+        <p:txBody>
+          <a:bodyPr wrap="none" rtlCol="0">
+            <a:spAutoFit/>
+          </a:bodyPr>
+          <a:lstStyle/>
+          <a:p>
+            <a:r>
+              <a:rPr kumimoji="1" lang="en-US" altLang="ja-JP" sz="2000" dirty="0" err="1" smtClean="0"/>
+              <a:t>afterState</a:t>
+            </a:r>
+            <a:endParaRPr kumimoji="1" lang="ja-JP" altLang="en-US" sz="2000" dirty="0"/>
+          </a:p>
+        </p:txBody>
+      </p:sp>
+      <p:sp>
+        <p:nvSpPr>
+          <p:cNvPr id="119" name="楕円 118"/>
+          <p:cNvSpPr/>
+          <p:nvPr/>
+        </p:nvSpPr>
+        <p:spPr>
+          <a:xfrm>
+            <a:off x="1812866" y="2514430"/>
+            <a:ext cx="1176411" cy="439756"/>
+          </a:xfrm>
+          <a:prstGeom prst="ellipse">
+            <a:avLst/>
+          </a:prstGeom>
+          <a:pattFill prst="ltUpDiag">
+            <a:fgClr>
+              <a:schemeClr val="bg1">
+                <a:lumMod val="85000"/>
+              </a:schemeClr>
+            </a:fgClr>
+            <a:bgClr>
+              <a:schemeClr val="bg1"/>
+            </a:bgClr>
+          </a:pattFill>
+          <a:ln>
+            <a:solidFill>
+              <a:schemeClr val="tx1"/>
+            </a:solidFill>
+          </a:ln>
+        </p:spPr>
+        <p:style>
+          <a:lnRef idx="2">
+            <a:schemeClr val="accent1">
+              <a:shade val="50000"/>
+            </a:schemeClr>
+          </a:lnRef>
+          <a:fillRef idx="1">
+            <a:schemeClr val="accent1"/>
+          </a:fillRef>
+          <a:effectRef idx="0">
+            <a:schemeClr val="accent1"/>
+          </a:effectRef>
+          <a:fontRef idx="minor">
+            <a:schemeClr val="lt1"/>
+          </a:fontRef>
+        </p:style>
+        <p:txBody>
+          <a:bodyPr rtlCol="0" anchor="ctr"/>
+          <a:lstStyle/>
+          <a:p>
+            <a:pPr algn="ctr"/>
+            <a:r>
+              <a:rPr lang="en-US" altLang="ja-JP" sz="2000" dirty="0" smtClean="0">
+                <a:solidFill>
+                  <a:schemeClr val="tx1"/>
+                </a:solidFill>
+              </a:rPr>
+              <a:t>Token</a:t>
+            </a:r>
+            <a:endParaRPr kumimoji="1" lang="ja-JP" altLang="en-US" sz="2000" dirty="0" smtClean="0">
+              <a:solidFill>
+                <a:schemeClr val="tx1"/>
+              </a:solidFill>
+            </a:endParaRPr>
+          </a:p>
+        </p:txBody>
+      </p:sp>
+      <p:cxnSp>
+        <p:nvCxnSpPr>
+          <p:cNvPr id="120" name="カギ線コネクタ 119"/>
+          <p:cNvCxnSpPr>
+            <a:stCxn id="54" idx="1"/>
+            <a:endCxn id="47" idx="1"/>
+          </p:cNvCxnSpPr>
+          <p:nvPr/>
+        </p:nvCxnSpPr>
+        <p:spPr>
+          <a:xfrm rot="10800000">
+            <a:off x="3750618" y="2877733"/>
+            <a:ext cx="5026" cy="3387821"/>
+          </a:xfrm>
+          <a:prstGeom prst="bentConnector3">
+            <a:avLst>
+              <a:gd name="adj1" fmla="val 4648349"/>
+            </a:avLst>
+          </a:prstGeom>
+          <a:ln w="12700">
+            <a:solidFill>
+              <a:schemeClr val="tx1"/>
+            </a:solidFill>
+            <a:prstDash val="solid"/>
+            <a:tailEnd type="triangle" w="lg" len="med"/>
+          </a:ln>
+        </p:spPr>
+        <p:style>
+          <a:lnRef idx="1">
+            <a:schemeClr val="accent1"/>
+          </a:lnRef>
+          <a:fillRef idx="0">
+            <a:schemeClr val="accent1"/>
+          </a:fillRef>
+          <a:effectRef idx="0">
+            <a:schemeClr val="accent1"/>
+          </a:effectRef>
+          <a:fontRef idx="minor">
+            <a:schemeClr val="tx1"/>
+          </a:fontRef>
+        </p:style>
+      </p:cxnSp>
+      <p:sp>
+        <p:nvSpPr>
+          <p:cNvPr id="123" name="テキスト ボックス 122"/>
+          <p:cNvSpPr txBox="1"/>
+          <p:nvPr/>
+        </p:nvSpPr>
+        <p:spPr>
+          <a:xfrm>
+            <a:off x="2974341" y="6213148"/>
+            <a:ext cx="809324" cy="400110"/>
+          </a:xfrm>
+          <a:prstGeom prst="rect">
+            <a:avLst/>
+          </a:prstGeom>
+          <a:noFill/>
+        </p:spPr>
+        <p:txBody>
+          <a:bodyPr wrap="none" rtlCol="0">
+            <a:spAutoFit/>
+          </a:bodyPr>
+          <a:lstStyle/>
+          <a:p>
+            <a:r>
+              <a:rPr kumimoji="1" lang="en-US" altLang="ja-JP" sz="2000" dirty="0" smtClean="0"/>
+              <a:t>target</a:t>
+            </a:r>
+            <a:endParaRPr kumimoji="1" lang="ja-JP" altLang="en-US" sz="2000" dirty="0"/>
+          </a:p>
+        </p:txBody>
+      </p:sp>
+      <p:sp>
+        <p:nvSpPr>
+          <p:cNvPr id="128" name="テキスト ボックス 127"/>
+          <p:cNvSpPr txBox="1"/>
+          <p:nvPr/>
+        </p:nvSpPr>
+        <p:spPr>
+          <a:xfrm>
+            <a:off x="3057832" y="2397996"/>
+            <a:ext cx="704039" cy="400110"/>
+          </a:xfrm>
+          <a:prstGeom prst="rect">
+            <a:avLst/>
+          </a:prstGeom>
+          <a:noFill/>
+        </p:spPr>
+        <p:txBody>
+          <a:bodyPr wrap="none" rtlCol="0">
+            <a:spAutoFit/>
+          </a:bodyPr>
+          <a:lstStyle/>
+          <a:p>
+            <a:r>
+              <a:rPr kumimoji="1" lang="en-US" altLang="ja-JP" sz="2000" dirty="0" smtClean="0"/>
+              <a:t>body</a:t>
+            </a:r>
+            <a:endParaRPr kumimoji="1" lang="ja-JP" altLang="en-US" sz="2000" dirty="0"/>
+          </a:p>
+        </p:txBody>
+      </p:sp>
+      <p:cxnSp>
+        <p:nvCxnSpPr>
+          <p:cNvPr id="129" name="直線矢印コネクタ 128"/>
+          <p:cNvCxnSpPr>
+            <a:endCxn id="119" idx="6"/>
+          </p:cNvCxnSpPr>
+          <p:nvPr/>
+        </p:nvCxnSpPr>
+        <p:spPr>
+          <a:xfrm flipH="1" flipV="1">
+            <a:off x="2989277" y="2734308"/>
+            <a:ext cx="761341" cy="5195"/>
+          </a:xfrm>
+          <a:prstGeom prst="straightConnector1">
+            <a:avLst/>
+          </a:prstGeom>
+          <a:ln w="12700">
+            <a:solidFill>
+              <a:schemeClr val="tx1"/>
+            </a:solidFill>
+            <a:prstDash val="solid"/>
+            <a:headEnd w="lg" len="med"/>
+            <a:tailEnd type="triangle" w="med" len="med"/>
+          </a:ln>
+        </p:spPr>
+        <p:style>
+          <a:lnRef idx="1">
+            <a:schemeClr val="accent1"/>
+          </a:lnRef>
+          <a:fillRef idx="0">
+            <a:schemeClr val="accent1"/>
+          </a:fillRef>
+          <a:effectRef idx="0">
+            <a:schemeClr val="accent1"/>
+          </a:effectRef>
+          <a:fontRef idx="minor">
+            <a:schemeClr val="tx1"/>
+          </a:fontRef>
+        </p:style>
+      </p:cxnSp>
+      <p:sp>
+        <p:nvSpPr>
+          <p:cNvPr id="143" name="テキスト ボックス 142"/>
+          <p:cNvSpPr txBox="1"/>
+          <p:nvPr/>
+        </p:nvSpPr>
+        <p:spPr>
+          <a:xfrm>
+            <a:off x="7943591" y="5996440"/>
+            <a:ext cx="3923510" cy="707886"/>
+          </a:xfrm>
+          <a:prstGeom prst="rect">
+            <a:avLst/>
+          </a:prstGeom>
+          <a:noFill/>
+          <a:ln w="25400">
+            <a:solidFill>
+              <a:schemeClr val="tx1"/>
+            </a:solidFill>
+            <a:prstDash val="sysDot"/>
+          </a:ln>
+        </p:spPr>
+        <p:txBody>
+          <a:bodyPr wrap="none" rtlCol="0">
+            <a:spAutoFit/>
+          </a:bodyPr>
+          <a:lstStyle/>
+          <a:p>
+            <a:r>
+              <a:rPr kumimoji="1" lang="en-US" altLang="ja-JP" sz="2000" dirty="0" smtClean="0"/>
+              <a:t>Browser0:</a:t>
+            </a:r>
+            <a:r>
+              <a:rPr kumimoji="1" lang="ja-JP" altLang="en-US" sz="2000" dirty="0" smtClean="0"/>
+              <a:t>正当なユーザのブラウザ</a:t>
+            </a:r>
+            <a:endParaRPr kumimoji="1" lang="en-US" altLang="ja-JP" sz="2000" dirty="0" smtClean="0"/>
+          </a:p>
+          <a:p>
+            <a:r>
+              <a:rPr lang="en-US" altLang="ja-JP" sz="2000" dirty="0" smtClean="0"/>
+              <a:t>Browser1:</a:t>
+            </a:r>
+            <a:r>
+              <a:rPr lang="ja-JP" altLang="en-US" sz="2000" dirty="0" smtClean="0"/>
+              <a:t>攻撃者のブラウザ</a:t>
+            </a:r>
+            <a:endParaRPr lang="en-US" altLang="ja-JP" sz="2000" dirty="0"/>
+          </a:p>
+        </p:txBody>
+      </p:sp>
+    </p:spTree>
+    <p:extLst>
+      <p:ext uri="{BB962C8B-B14F-4D97-AF65-F5344CB8AC3E}">
+        <p14:creationId xmlns:p14="http://schemas.microsoft.com/office/powerpoint/2010/main" val="3634908514"/>
+      </p:ext>
+    </p:extLst>
+  </p:cSld>
+  <p:clrMapOvr>
+    <a:masterClrMapping/>
+  </p:clrMapOvr>
+</p:sld>
+</file>
+
 <file path=ppt/slides/slide2.xml><?xml version="1.0" encoding="utf-8"?>
 <p:sld xmlns:a="http://schemas.openxmlformats.org/drawingml/2006/main" xmlns:r="http://schemas.openxmlformats.org/officeDocument/2006/relationships" xmlns:p="http://schemas.openxmlformats.org/presentationml/2006/main">
   <p:cSld>
@@ -23587,7 +31625,7 @@
       <a:bodyPr rtlCol="0" anchor="ctr"/>
       <a:lstStyle>
         <a:defPPr algn="ctr">
-          <a:defRPr kumimoji="1" sz="2000" dirty="0" smtClean="0">
+          <a:defRPr sz="2000" dirty="0" smtClean="0">
             <a:solidFill>
               <a:schemeClr val="tx1"/>
             </a:solidFill>
@@ -23613,12 +31651,12 @@
     </a:spDef>
     <a:lnDef>
       <a:spPr>
-        <a:ln w="12700">
+        <a:ln w="25400">
           <a:solidFill>
             <a:schemeClr val="tx1"/>
           </a:solidFill>
           <a:prstDash val="solid"/>
-          <a:tailEnd type="triangle"/>
+          <a:tailEnd type="none"/>
         </a:ln>
       </a:spPr>
       <a:bodyPr/>

--- a/fig/fig.pptx
+++ b/fig/fig.pptx
@@ -216,7 +216,7 @@
           <a:p>
             <a:fld id="{5132F9E5-22C7-4D67-BFE7-9836B898E847}" type="datetimeFigureOut">
               <a:rPr kumimoji="1" lang="ja-JP" altLang="en-US" smtClean="0"/>
-              <a:t>2018/2/12</a:t>
+              <a:t>2018/2/13</a:t>
             </a:fld>
             <a:endParaRPr kumimoji="1" lang="ja-JP" altLang="en-US"/>
           </a:p>
@@ -815,7 +815,7 @@
           <a:p>
             <a:fld id="{ABA9A1D1-5B79-412D-8149-C192A605B75C}" type="datetimeFigureOut">
               <a:rPr kumimoji="1" lang="ja-JP" altLang="en-US" smtClean="0"/>
-              <a:t>2018/2/12</a:t>
+              <a:t>2018/2/13</a:t>
             </a:fld>
             <a:endParaRPr kumimoji="1" lang="ja-JP" altLang="en-US"/>
           </a:p>
@@ -1017,7 +1017,7 @@
           <a:p>
             <a:fld id="{ABA9A1D1-5B79-412D-8149-C192A605B75C}" type="datetimeFigureOut">
               <a:rPr kumimoji="1" lang="ja-JP" altLang="en-US" smtClean="0"/>
-              <a:t>2018/2/12</a:t>
+              <a:t>2018/2/13</a:t>
             </a:fld>
             <a:endParaRPr kumimoji="1" lang="ja-JP" altLang="en-US"/>
           </a:p>
@@ -1229,7 +1229,7 @@
           <a:p>
             <a:fld id="{ABA9A1D1-5B79-412D-8149-C192A605B75C}" type="datetimeFigureOut">
               <a:rPr kumimoji="1" lang="ja-JP" altLang="en-US" smtClean="0"/>
-              <a:t>2018/2/12</a:t>
+              <a:t>2018/2/13</a:t>
             </a:fld>
             <a:endParaRPr kumimoji="1" lang="ja-JP" altLang="en-US"/>
           </a:p>
@@ -1431,7 +1431,7 @@
           <a:p>
             <a:fld id="{ABA9A1D1-5B79-412D-8149-C192A605B75C}" type="datetimeFigureOut">
               <a:rPr kumimoji="1" lang="ja-JP" altLang="en-US" smtClean="0"/>
-              <a:t>2018/2/12</a:t>
+              <a:t>2018/2/13</a:t>
             </a:fld>
             <a:endParaRPr kumimoji="1" lang="ja-JP" altLang="en-US"/>
           </a:p>
@@ -1677,7 +1677,7 @@
           <a:p>
             <a:fld id="{ABA9A1D1-5B79-412D-8149-C192A605B75C}" type="datetimeFigureOut">
               <a:rPr kumimoji="1" lang="ja-JP" altLang="en-US" smtClean="0"/>
-              <a:t>2018/2/12</a:t>
+              <a:t>2018/2/13</a:t>
             </a:fld>
             <a:endParaRPr kumimoji="1" lang="ja-JP" altLang="en-US"/>
           </a:p>
@@ -1973,7 +1973,7 @@
           <a:p>
             <a:fld id="{ABA9A1D1-5B79-412D-8149-C192A605B75C}" type="datetimeFigureOut">
               <a:rPr kumimoji="1" lang="ja-JP" altLang="en-US" smtClean="0"/>
-              <a:t>2018/2/12</a:t>
+              <a:t>2018/2/13</a:t>
             </a:fld>
             <a:endParaRPr kumimoji="1" lang="ja-JP" altLang="en-US"/>
           </a:p>
@@ -2404,7 +2404,7 @@
           <a:p>
             <a:fld id="{ABA9A1D1-5B79-412D-8149-C192A605B75C}" type="datetimeFigureOut">
               <a:rPr kumimoji="1" lang="ja-JP" altLang="en-US" smtClean="0"/>
-              <a:t>2018/2/12</a:t>
+              <a:t>2018/2/13</a:t>
             </a:fld>
             <a:endParaRPr kumimoji="1" lang="ja-JP" altLang="en-US"/>
           </a:p>
@@ -2522,7 +2522,7 @@
           <a:p>
             <a:fld id="{ABA9A1D1-5B79-412D-8149-C192A605B75C}" type="datetimeFigureOut">
               <a:rPr kumimoji="1" lang="ja-JP" altLang="en-US" smtClean="0"/>
-              <a:t>2018/2/12</a:t>
+              <a:t>2018/2/13</a:t>
             </a:fld>
             <a:endParaRPr kumimoji="1" lang="ja-JP" altLang="en-US"/>
           </a:p>
@@ -2617,7 +2617,7 @@
           <a:p>
             <a:fld id="{ABA9A1D1-5B79-412D-8149-C192A605B75C}" type="datetimeFigureOut">
               <a:rPr kumimoji="1" lang="ja-JP" altLang="en-US" smtClean="0"/>
-              <a:t>2018/2/12</a:t>
+              <a:t>2018/2/13</a:t>
             </a:fld>
             <a:endParaRPr kumimoji="1" lang="ja-JP" altLang="en-US"/>
           </a:p>
@@ -2926,7 +2926,7 @@
           <a:p>
             <a:fld id="{ABA9A1D1-5B79-412D-8149-C192A605B75C}" type="datetimeFigureOut">
               <a:rPr kumimoji="1" lang="ja-JP" altLang="en-US" smtClean="0"/>
-              <a:t>2018/2/12</a:t>
+              <a:t>2018/2/13</a:t>
             </a:fld>
             <a:endParaRPr kumimoji="1" lang="ja-JP" altLang="en-US"/>
           </a:p>
@@ -3179,7 +3179,7 @@
           <a:p>
             <a:fld id="{ABA9A1D1-5B79-412D-8149-C192A605B75C}" type="datetimeFigureOut">
               <a:rPr kumimoji="1" lang="ja-JP" altLang="en-US" smtClean="0"/>
-              <a:t>2018/2/12</a:t>
+              <a:t>2018/2/13</a:t>
             </a:fld>
             <a:endParaRPr kumimoji="1" lang="ja-JP" altLang="en-US"/>
           </a:p>
@@ -3424,7 +3424,7 @@
           <a:p>
             <a:fld id="{ABA9A1D1-5B79-412D-8149-C192A605B75C}" type="datetimeFigureOut">
               <a:rPr kumimoji="1" lang="ja-JP" altLang="en-US" smtClean="0"/>
-              <a:t>2018/2/12</a:t>
+              <a:t>2018/2/13</a:t>
             </a:fld>
             <a:endParaRPr kumimoji="1" lang="ja-JP" altLang="en-US"/>
           </a:p>
@@ -12501,15 +12501,7 @@
                   <a:schemeClr val="tx1"/>
                 </a:solidFill>
               </a:rPr>
-              <a:t>HTTP</a:t>
-            </a:r>
-            <a:r>
-              <a:rPr lang="en-US" altLang="ja-JP" sz="2000" dirty="0" smtClean="0">
-                <a:solidFill>
-                  <a:schemeClr val="tx1"/>
-                </a:solidFill>
-              </a:rPr>
-              <a:t>Transaction0</a:t>
+              <a:t>HTTPTransaction0</a:t>
             </a:r>
             <a:endParaRPr kumimoji="1" lang="ja-JP" altLang="en-US" sz="2000" dirty="0" smtClean="0">
               <a:solidFill>
@@ -12647,15 +12639,7 @@
                   <a:schemeClr val="tx1"/>
                 </a:solidFill>
               </a:rPr>
-              <a:t>HTTP</a:t>
-            </a:r>
-            <a:r>
-              <a:rPr lang="en-US" altLang="ja-JP" sz="2000" dirty="0" smtClean="0">
-                <a:solidFill>
-                  <a:schemeClr val="tx1"/>
-                </a:solidFill>
-              </a:rPr>
-              <a:t>Transaction1</a:t>
+              <a:t>HTTPTransaction1</a:t>
             </a:r>
             <a:endParaRPr kumimoji="1" lang="ja-JP" altLang="en-US" sz="2000" dirty="0" smtClean="0">
               <a:solidFill>
@@ -25372,8 +25356,8 @@
         </p:nvSpPr>
         <p:spPr>
           <a:xfrm>
-            <a:off x="287080" y="460375"/>
-            <a:ext cx="8037472" cy="2272865"/>
+            <a:off x="331076" y="460375"/>
+            <a:ext cx="7993476" cy="3310738"/>
           </a:xfrm>
           <a:prstGeom prst="rect">
             <a:avLst/>
@@ -25429,7 +25413,7 @@
         </p:nvSpPr>
         <p:spPr>
           <a:xfrm>
-            <a:off x="801429" y="463550"/>
+            <a:off x="801429" y="1504076"/>
             <a:ext cx="1089025" cy="501650"/>
           </a:xfrm>
           <a:prstGeom prst="rect">
@@ -25487,7 +25471,7 @@
         </p:nvSpPr>
         <p:spPr>
           <a:xfrm>
-            <a:off x="2362892" y="460375"/>
+            <a:off x="2362892" y="1500901"/>
             <a:ext cx="1095376" cy="501650"/>
           </a:xfrm>
           <a:prstGeom prst="rect">
@@ -25548,7 +25532,7 @@
         </p:nvCxnSpPr>
         <p:spPr>
           <a:xfrm flipV="1">
-            <a:off x="1890454" y="711200"/>
+            <a:off x="1890454" y="1751726"/>
             <a:ext cx="472438" cy="3175"/>
           </a:xfrm>
           <a:prstGeom prst="straightConnector1">
@@ -25585,7 +25569,7 @@
         </p:nvSpPr>
         <p:spPr>
           <a:xfrm>
-            <a:off x="3667181" y="526534"/>
+            <a:off x="3667181" y="1567060"/>
             <a:ext cx="527050" cy="369332"/>
           </a:xfrm>
           <a:prstGeom prst="rect">
@@ -25618,7 +25602,7 @@
         </p:nvCxnSpPr>
         <p:spPr>
           <a:xfrm>
-            <a:off x="3458268" y="711200"/>
+            <a:off x="3458268" y="1751726"/>
             <a:ext cx="208913" cy="0"/>
           </a:xfrm>
           <a:prstGeom prst="straightConnector1">
@@ -25655,7 +25639,7 @@
         </p:nvSpPr>
         <p:spPr>
           <a:xfrm>
-            <a:off x="1365058" y="1430936"/>
+            <a:off x="1365058" y="2471462"/>
             <a:ext cx="1521626" cy="635000"/>
           </a:xfrm>
           <a:prstGeom prst="roundRect">
@@ -25713,7 +25697,7 @@
         </p:nvCxnSpPr>
         <p:spPr>
           <a:xfrm flipH="1" flipV="1">
-            <a:off x="1345942" y="965200"/>
+            <a:off x="1345942" y="2005726"/>
             <a:ext cx="779929" cy="465736"/>
           </a:xfrm>
           <a:prstGeom prst="straightConnector1">
@@ -25753,7 +25737,7 @@
         </p:nvCxnSpPr>
         <p:spPr>
           <a:xfrm flipV="1">
-            <a:off x="2125871" y="962025"/>
+            <a:off x="2125871" y="2002551"/>
             <a:ext cx="784709" cy="468911"/>
           </a:xfrm>
           <a:prstGeom prst="straightConnector1">
@@ -25790,7 +25774,7 @@
         </p:nvSpPr>
         <p:spPr>
           <a:xfrm flipH="1">
-            <a:off x="1203467" y="1057712"/>
+            <a:off x="1203467" y="2098238"/>
             <a:ext cx="702310" cy="461665"/>
           </a:xfrm>
           <a:prstGeom prst="rect">
@@ -25820,7 +25804,7 @@
         </p:nvSpPr>
         <p:spPr>
           <a:xfrm flipH="1">
-            <a:off x="2414644" y="1040631"/>
+            <a:off x="2414644" y="2081157"/>
             <a:ext cx="754063" cy="461665"/>
           </a:xfrm>
           <a:prstGeom prst="rect">
@@ -25850,7 +25834,7 @@
         </p:nvSpPr>
         <p:spPr>
           <a:xfrm>
-            <a:off x="1242456" y="2271575"/>
+            <a:off x="977159" y="3309448"/>
             <a:ext cx="2297424" cy="461665"/>
           </a:xfrm>
           <a:prstGeom prst="rect">
@@ -25880,7 +25864,7 @@
         </p:nvSpPr>
         <p:spPr>
           <a:xfrm>
-            <a:off x="4931750" y="463550"/>
+            <a:off x="4931750" y="1496191"/>
             <a:ext cx="1089025" cy="501650"/>
           </a:xfrm>
           <a:prstGeom prst="rect">
@@ -25938,7 +25922,7 @@
         </p:nvSpPr>
         <p:spPr>
           <a:xfrm>
-            <a:off x="6493213" y="460375"/>
+            <a:off x="6493213" y="1493016"/>
             <a:ext cx="1095376" cy="501650"/>
           </a:xfrm>
           <a:prstGeom prst="rect">
@@ -25999,7 +25983,7 @@
         </p:nvCxnSpPr>
         <p:spPr>
           <a:xfrm flipV="1">
-            <a:off x="6020775" y="711200"/>
+            <a:off x="6020775" y="1743841"/>
             <a:ext cx="472438" cy="3175"/>
           </a:xfrm>
           <a:prstGeom prst="straightConnector1">
@@ -26036,7 +26020,7 @@
         </p:nvSpPr>
         <p:spPr>
           <a:xfrm>
-            <a:off x="7797502" y="526534"/>
+            <a:off x="7797502" y="1559175"/>
             <a:ext cx="527050" cy="369332"/>
           </a:xfrm>
           <a:prstGeom prst="rect">
@@ -26069,7 +26053,7 @@
         </p:nvCxnSpPr>
         <p:spPr>
           <a:xfrm>
-            <a:off x="7588589" y="711200"/>
+            <a:off x="7588589" y="1743841"/>
             <a:ext cx="208913" cy="0"/>
           </a:xfrm>
           <a:prstGeom prst="straightConnector1">
@@ -26106,7 +26090,7 @@
         </p:nvSpPr>
         <p:spPr>
           <a:xfrm>
-            <a:off x="4715449" y="1430936"/>
+            <a:off x="4715449" y="2463577"/>
             <a:ext cx="1521626" cy="635000"/>
           </a:xfrm>
           <a:prstGeom prst="roundRect">
@@ -26161,7 +26145,7 @@
         </p:nvSpPr>
         <p:spPr>
           <a:xfrm>
-            <a:off x="6283361" y="1430936"/>
+            <a:off x="6283361" y="2463577"/>
             <a:ext cx="1521626" cy="635000"/>
           </a:xfrm>
           <a:prstGeom prst="roundRect">
@@ -26219,7 +26203,7 @@
         </p:nvCxnSpPr>
         <p:spPr>
           <a:xfrm flipV="1">
-            <a:off x="5476262" y="965200"/>
+            <a:off x="5476262" y="1997841"/>
             <a:ext cx="1" cy="465736"/>
           </a:xfrm>
           <a:prstGeom prst="straightConnector1">
@@ -26259,7 +26243,7 @@
         </p:nvCxnSpPr>
         <p:spPr>
           <a:xfrm flipH="1" flipV="1">
-            <a:off x="7040901" y="962025"/>
+            <a:off x="7040901" y="1994666"/>
             <a:ext cx="3273" cy="468911"/>
           </a:xfrm>
           <a:prstGeom prst="straightConnector1">
@@ -26296,7 +26280,7 @@
         </p:nvSpPr>
         <p:spPr>
           <a:xfrm flipH="1">
-            <a:off x="4403144" y="1040631"/>
+            <a:off x="4403144" y="2073272"/>
             <a:ext cx="1097898" cy="461665"/>
           </a:xfrm>
           <a:prstGeom prst="rect">
@@ -26326,7 +26310,7 @@
         </p:nvSpPr>
         <p:spPr>
           <a:xfrm flipH="1">
-            <a:off x="5969545" y="1035430"/>
+            <a:off x="5969545" y="2068071"/>
             <a:ext cx="1097898" cy="461665"/>
           </a:xfrm>
           <a:prstGeom prst="rect">
@@ -26359,8 +26343,8 @@
         </p:nvCxnSpPr>
         <p:spPr>
           <a:xfrm>
-            <a:off x="4305816" y="460375"/>
-            <a:ext cx="0" cy="2272865"/>
+            <a:off x="4327814" y="460375"/>
+            <a:ext cx="0" cy="3310738"/>
           </a:xfrm>
           <a:prstGeom prst="line">
             <a:avLst/>
@@ -26396,7 +26380,7 @@
         </p:nvSpPr>
         <p:spPr>
           <a:xfrm>
-            <a:off x="5134649" y="2276807"/>
+            <a:off x="5134649" y="3309448"/>
             <a:ext cx="2297424" cy="461665"/>
           </a:xfrm>
           <a:prstGeom prst="rect">
@@ -26417,6 +26401,266 @@
             <a:r>
               <a:rPr kumimoji="1" lang="ja-JP" altLang="en-US" sz="2400" dirty="0" smtClean="0"/>
               <a:t>モデル手法</a:t>
+            </a:r>
+            <a:endParaRPr kumimoji="1" lang="ja-JP" altLang="en-US" sz="2400" dirty="0"/>
+          </a:p>
+        </p:txBody>
+      </p:sp>
+      <p:sp>
+        <p:nvSpPr>
+          <p:cNvPr id="36" name="角丸四角形 35"/>
+          <p:cNvSpPr/>
+          <p:nvPr/>
+        </p:nvSpPr>
+        <p:spPr>
+          <a:xfrm>
+            <a:off x="4715449" y="442529"/>
+            <a:ext cx="1521626" cy="635000"/>
+          </a:xfrm>
+          <a:prstGeom prst="roundRect">
+            <a:avLst>
+              <a:gd name="adj" fmla="val 50000"/>
+            </a:avLst>
+          </a:prstGeom>
+          <a:noFill/>
+          <a:ln>
+            <a:solidFill>
+              <a:schemeClr val="tx1"/>
+            </a:solidFill>
+          </a:ln>
+        </p:spPr>
+        <p:style>
+          <a:lnRef idx="2">
+            <a:schemeClr val="accent1">
+              <a:shade val="50000"/>
+            </a:schemeClr>
+          </a:lnRef>
+          <a:fillRef idx="1">
+            <a:schemeClr val="accent1"/>
+          </a:fillRef>
+          <a:effectRef idx="0">
+            <a:schemeClr val="accent1"/>
+          </a:effectRef>
+          <a:fontRef idx="minor">
+            <a:schemeClr val="lt1"/>
+          </a:fontRef>
+        </p:style>
+        <p:txBody>
+          <a:bodyPr rtlCol="0" anchor="ctr"/>
+          <a:lstStyle/>
+          <a:p>
+            <a:pPr algn="ctr"/>
+            <a:r>
+              <a:rPr kumimoji="1" lang="en-US" altLang="ja-JP" sz="3200" b="1" dirty="0" smtClean="0">
+                <a:solidFill>
+                  <a:schemeClr val="tx1"/>
+                </a:solidFill>
+              </a:rPr>
+              <a:t>State0</a:t>
+            </a:r>
+            <a:endParaRPr kumimoji="1" lang="en-US" altLang="ja-JP" sz="3200" b="1" dirty="0" smtClean="0">
+              <a:solidFill>
+                <a:schemeClr val="tx1"/>
+              </a:solidFill>
+            </a:endParaRPr>
+          </a:p>
+        </p:txBody>
+      </p:sp>
+      <p:cxnSp>
+        <p:nvCxnSpPr>
+          <p:cNvPr id="37" name="直線矢印コネクタ 36"/>
+          <p:cNvCxnSpPr>
+            <a:stCxn id="36" idx="2"/>
+            <a:endCxn id="31" idx="0"/>
+          </p:cNvCxnSpPr>
+          <p:nvPr/>
+        </p:nvCxnSpPr>
+        <p:spPr>
+          <a:xfrm>
+            <a:off x="5476262" y="1077529"/>
+            <a:ext cx="1" cy="418662"/>
+          </a:xfrm>
+          <a:prstGeom prst="straightConnector1">
+            <a:avLst/>
+          </a:prstGeom>
+          <a:ln w="12700">
+            <a:solidFill>
+              <a:schemeClr val="tx1"/>
+            </a:solidFill>
+            <a:prstDash val="solid"/>
+            <a:tailEnd type="triangle"/>
+          </a:ln>
+        </p:spPr>
+        <p:style>
+          <a:lnRef idx="1">
+            <a:schemeClr val="accent1"/>
+          </a:lnRef>
+          <a:fillRef idx="0">
+            <a:schemeClr val="accent1"/>
+          </a:fillRef>
+          <a:effectRef idx="0">
+            <a:schemeClr val="accent1"/>
+          </a:effectRef>
+          <a:fontRef idx="minor">
+            <a:schemeClr val="tx1"/>
+          </a:fontRef>
+        </p:style>
+      </p:cxnSp>
+      <p:sp>
+        <p:nvSpPr>
+          <p:cNvPr id="39" name="テキスト ボックス 38"/>
+          <p:cNvSpPr txBox="1"/>
+          <p:nvPr/>
+        </p:nvSpPr>
+        <p:spPr>
+          <a:xfrm flipH="1">
+            <a:off x="4403144" y="959095"/>
+            <a:ext cx="1097898" cy="461665"/>
+          </a:xfrm>
+          <a:prstGeom prst="rect">
+            <a:avLst/>
+          </a:prstGeom>
+          <a:noFill/>
+        </p:spPr>
+        <p:txBody>
+          <a:bodyPr wrap="square" rtlCol="0">
+            <a:spAutoFit/>
+          </a:bodyPr>
+          <a:lstStyle/>
+          <a:p>
+            <a:r>
+              <a:rPr kumimoji="1" lang="en-US" altLang="ja-JP" sz="2400" dirty="0" smtClean="0"/>
+              <a:t>current</a:t>
+            </a:r>
+            <a:endParaRPr kumimoji="1" lang="ja-JP" altLang="en-US" sz="2400" dirty="0"/>
+          </a:p>
+        </p:txBody>
+      </p:sp>
+      <p:sp>
+        <p:nvSpPr>
+          <p:cNvPr id="40" name="角丸四角形 39"/>
+          <p:cNvSpPr/>
+          <p:nvPr/>
+        </p:nvSpPr>
+        <p:spPr>
+          <a:xfrm>
+            <a:off x="6280088" y="437738"/>
+            <a:ext cx="1521626" cy="635000"/>
+          </a:xfrm>
+          <a:prstGeom prst="roundRect">
+            <a:avLst>
+              <a:gd name="adj" fmla="val 50000"/>
+            </a:avLst>
+          </a:prstGeom>
+          <a:noFill/>
+          <a:ln>
+            <a:solidFill>
+              <a:schemeClr val="tx1"/>
+            </a:solidFill>
+          </a:ln>
+        </p:spPr>
+        <p:style>
+          <a:lnRef idx="2">
+            <a:schemeClr val="accent1">
+              <a:shade val="50000"/>
+            </a:schemeClr>
+          </a:lnRef>
+          <a:fillRef idx="1">
+            <a:schemeClr val="accent1"/>
+          </a:fillRef>
+          <a:effectRef idx="0">
+            <a:schemeClr val="accent1"/>
+          </a:effectRef>
+          <a:fontRef idx="minor">
+            <a:schemeClr val="lt1"/>
+          </a:fontRef>
+        </p:style>
+        <p:txBody>
+          <a:bodyPr rtlCol="0" anchor="ctr"/>
+          <a:lstStyle/>
+          <a:p>
+            <a:pPr algn="ctr"/>
+            <a:r>
+              <a:rPr kumimoji="1" lang="en-US" altLang="ja-JP" sz="3200" b="1" dirty="0" smtClean="0">
+                <a:solidFill>
+                  <a:schemeClr val="tx1"/>
+                </a:solidFill>
+              </a:rPr>
+              <a:t>State1</a:t>
+            </a:r>
+            <a:endParaRPr kumimoji="1" lang="en-US" altLang="ja-JP" sz="3200" b="1" dirty="0" smtClean="0">
+              <a:solidFill>
+                <a:schemeClr val="tx1"/>
+              </a:solidFill>
+            </a:endParaRPr>
+          </a:p>
+        </p:txBody>
+      </p:sp>
+      <p:cxnSp>
+        <p:nvCxnSpPr>
+          <p:cNvPr id="43" name="直線矢印コネクタ 42"/>
+          <p:cNvCxnSpPr>
+            <a:stCxn id="40" idx="2"/>
+            <a:endCxn id="32" idx="0"/>
+          </p:cNvCxnSpPr>
+          <p:nvPr/>
+        </p:nvCxnSpPr>
+        <p:spPr>
+          <a:xfrm>
+            <a:off x="7040901" y="1072738"/>
+            <a:ext cx="0" cy="420278"/>
+          </a:xfrm>
+          <a:prstGeom prst="straightConnector1">
+            <a:avLst/>
+          </a:prstGeom>
+          <a:ln w="12700">
+            <a:solidFill>
+              <a:schemeClr val="tx1"/>
+            </a:solidFill>
+            <a:prstDash val="solid"/>
+            <a:tailEnd type="triangle"/>
+          </a:ln>
+        </p:spPr>
+        <p:style>
+          <a:lnRef idx="1">
+            <a:schemeClr val="accent1"/>
+          </a:lnRef>
+          <a:fillRef idx="0">
+            <a:schemeClr val="accent1"/>
+          </a:fillRef>
+          <a:effectRef idx="0">
+            <a:schemeClr val="accent1"/>
+          </a:effectRef>
+          <a:fontRef idx="minor">
+            <a:schemeClr val="tx1"/>
+          </a:fontRef>
+        </p:style>
+      </p:cxnSp>
+      <p:sp>
+        <p:nvSpPr>
+          <p:cNvPr id="44" name="テキスト ボックス 43"/>
+          <p:cNvSpPr txBox="1"/>
+          <p:nvPr/>
+        </p:nvSpPr>
+        <p:spPr>
+          <a:xfrm flipH="1">
+            <a:off x="5969545" y="955266"/>
+            <a:ext cx="1097898" cy="461665"/>
+          </a:xfrm>
+          <a:prstGeom prst="rect">
+            <a:avLst/>
+          </a:prstGeom>
+          <a:noFill/>
+        </p:spPr>
+        <p:txBody>
+          <a:bodyPr wrap="square" rtlCol="0">
+            <a:spAutoFit/>
+          </a:bodyPr>
+          <a:lstStyle/>
+          <a:p>
+            <a:r>
+              <a:rPr kumimoji="1" lang="en-US" altLang="ja-JP" sz="2400" dirty="0" smtClean="0"/>
+              <a:t>current</a:t>
             </a:r>
             <a:endParaRPr kumimoji="1" lang="ja-JP" altLang="en-US" sz="2400" dirty="0"/>
           </a:p>
@@ -29331,7 +29575,7 @@
         <p:spPr>
           <a:xfrm>
             <a:off x="1844455" y="2907722"/>
-            <a:ext cx="4717895" cy="646331"/>
+            <a:ext cx="5100499" cy="646331"/>
           </a:xfrm>
           <a:prstGeom prst="rect">
             <a:avLst/>
@@ -29351,42 +29595,66 @@
           <a:lstStyle/>
           <a:p>
             <a:r>
+              <a:rPr lang="en-US" altLang="ja-JP" dirty="0" err="1" smtClean="0"/>
+              <a:t>Initial</a:t>
+            </a:r>
+            <a:r>
               <a:rPr kumimoji="1" lang="en-US" altLang="ja-JP" dirty="0" err="1" smtClean="0"/>
-              <a:t>FirstState</a:t>
+              <a:t>State</a:t>
             </a:r>
             <a:r>
               <a:rPr kumimoji="1" lang="en-US" altLang="ja-JP" dirty="0" smtClean="0"/>
-              <a:t>[State0] = true, </a:t>
+              <a:t>[State0</a:t>
+            </a:r>
+            <a:r>
+              <a:rPr kumimoji="1" lang="en-US" altLang="ja-JP" dirty="0" smtClean="0"/>
+              <a:t>] = true, </a:t>
+            </a:r>
+            <a:r>
+              <a:rPr lang="en-US" altLang="ja-JP" dirty="0" err="1" smtClean="0"/>
+              <a:t>Initial</a:t>
             </a:r>
             <a:r>
               <a:rPr kumimoji="1" lang="en-US" altLang="ja-JP" dirty="0" err="1" smtClean="0"/>
-              <a:t>FistState</a:t>
+              <a:t>State</a:t>
             </a:r>
             <a:r>
               <a:rPr kumimoji="1" lang="en-US" altLang="ja-JP" dirty="0" smtClean="0"/>
-              <a:t>[State1] = false</a:t>
-            </a:r>
-          </a:p>
-          <a:p>
-            <a:r>
-              <a:rPr lang="en-US" altLang="ja-JP" dirty="0" err="1" smtClean="0"/>
-              <a:t>FirstState</a:t>
+              <a:t>[State1</a:t>
+            </a:r>
+            <a:r>
+              <a:rPr kumimoji="1" lang="en-US" altLang="ja-JP" dirty="0" smtClean="0"/>
+              <a:t>] = false</a:t>
+            </a:r>
+          </a:p>
+          <a:p>
+            <a:r>
+              <a:rPr lang="en-US" altLang="ja-JP" dirty="0" err="1"/>
+              <a:t>InitialState</a:t>
+            </a:r>
+            <a:r>
+              <a:rPr lang="en-US" altLang="ja-JP" dirty="0"/>
+              <a:t>[State2</a:t>
             </a:r>
             <a:r>
               <a:rPr lang="en-US" altLang="ja-JP" dirty="0" smtClean="0"/>
-              <a:t>[State2] </a:t>
+              <a:t>] </a:t>
             </a:r>
             <a:r>
               <a:rPr lang="en-US" altLang="ja-JP" dirty="0"/>
               <a:t>= true, </a:t>
             </a:r>
             <a:r>
-              <a:rPr lang="en-US" altLang="ja-JP" dirty="0" err="1" smtClean="0"/>
-              <a:t>FistState</a:t>
+              <a:rPr lang="en-US" altLang="ja-JP" dirty="0" err="1"/>
+              <a:t>InitialState</a:t>
+            </a:r>
+            <a:r>
+              <a:rPr lang="en-US" altLang="ja-JP" dirty="0"/>
+              <a:t>[State3</a:t>
             </a:r>
             <a:r>
               <a:rPr lang="en-US" altLang="ja-JP" dirty="0" smtClean="0"/>
-              <a:t>[State3] </a:t>
+              <a:t>] </a:t>
             </a:r>
             <a:r>
               <a:rPr lang="en-US" altLang="ja-JP" dirty="0"/>
